--- a/NIST_Data_Leakage_Case/NIST_Data_Leakage_00_Env_Setting.pptx
+++ b/NIST_Data_Leakage_Case/NIST_Data_Leakage_00_Env_Setting.pptx
@@ -5,7 +5,7 @@
     <p:sldMasterId id="2147483648" r:id="rId1"/>
   </p:sldMasterIdLst>
   <p:notesMasterIdLst>
-    <p:notesMasterId r:id="rId46"/>
+    <p:notesMasterId r:id="rId47"/>
   </p:notesMasterIdLst>
   <p:sldIdLst>
     <p:sldId id="256" r:id="rId2"/>
@@ -27,31 +27,32 @@
     <p:sldId id="291" r:id="rId18"/>
     <p:sldId id="290" r:id="rId19"/>
     <p:sldId id="292" r:id="rId20"/>
-    <p:sldId id="278" r:id="rId21"/>
-    <p:sldId id="279" r:id="rId22"/>
-    <p:sldId id="280" r:id="rId23"/>
-    <p:sldId id="281" r:id="rId24"/>
-    <p:sldId id="282" r:id="rId25"/>
-    <p:sldId id="321" r:id="rId26"/>
-    <p:sldId id="308" r:id="rId27"/>
-    <p:sldId id="319" r:id="rId28"/>
-    <p:sldId id="293" r:id="rId29"/>
-    <p:sldId id="314" r:id="rId30"/>
-    <p:sldId id="322" r:id="rId31"/>
-    <p:sldId id="320" r:id="rId32"/>
-    <p:sldId id="297" r:id="rId33"/>
-    <p:sldId id="306" r:id="rId34"/>
-    <p:sldId id="294" r:id="rId35"/>
-    <p:sldId id="295" r:id="rId36"/>
-    <p:sldId id="296" r:id="rId37"/>
-    <p:sldId id="309" r:id="rId38"/>
-    <p:sldId id="284" r:id="rId39"/>
-    <p:sldId id="273" r:id="rId40"/>
-    <p:sldId id="276" r:id="rId41"/>
-    <p:sldId id="312" r:id="rId42"/>
-    <p:sldId id="313" r:id="rId43"/>
-    <p:sldId id="316" r:id="rId44"/>
-    <p:sldId id="317" r:id="rId45"/>
+    <p:sldId id="323" r:id="rId21"/>
+    <p:sldId id="278" r:id="rId22"/>
+    <p:sldId id="279" r:id="rId23"/>
+    <p:sldId id="280" r:id="rId24"/>
+    <p:sldId id="281" r:id="rId25"/>
+    <p:sldId id="282" r:id="rId26"/>
+    <p:sldId id="321" r:id="rId27"/>
+    <p:sldId id="308" r:id="rId28"/>
+    <p:sldId id="319" r:id="rId29"/>
+    <p:sldId id="293" r:id="rId30"/>
+    <p:sldId id="314" r:id="rId31"/>
+    <p:sldId id="322" r:id="rId32"/>
+    <p:sldId id="320" r:id="rId33"/>
+    <p:sldId id="297" r:id="rId34"/>
+    <p:sldId id="306" r:id="rId35"/>
+    <p:sldId id="294" r:id="rId36"/>
+    <p:sldId id="295" r:id="rId37"/>
+    <p:sldId id="296" r:id="rId38"/>
+    <p:sldId id="309" r:id="rId39"/>
+    <p:sldId id="284" r:id="rId40"/>
+    <p:sldId id="273" r:id="rId41"/>
+    <p:sldId id="276" r:id="rId42"/>
+    <p:sldId id="312" r:id="rId43"/>
+    <p:sldId id="313" r:id="rId44"/>
+    <p:sldId id="316" r:id="rId45"/>
+    <p:sldId id="317" r:id="rId46"/>
   </p:sldIdLst>
   <p:sldSz cx="12192000" cy="6858000"/>
   <p:notesSz cx="6858000" cy="9144000"/>
@@ -161,13 +162,77 @@
 <file path=ppt/revisionInfo.xml><?xml version="1.0" encoding="utf-8"?>
 <p1510:revInfo xmlns:a="http://schemas.openxmlformats.org/drawingml/2006/main" xmlns:r="http://schemas.openxmlformats.org/officeDocument/2006/relationships" xmlns:p1510="http://schemas.microsoft.com/office/powerpoint/2015/10/main">
   <p1510:revLst>
-    <p1510:client id="{8479DC64-633F-4890-B744-389215AA9063}" v="1" dt="2020-12-21T00:38:16.765"/>
+    <p1510:client id="{FC29E0CB-EC29-4F0E-A782-58C19F5D3434}" v="21" dt="2021-08-24T15:11:20.693"/>
   </p1510:revLst>
 </p1510:revInfo>
 </file>
 
 <file path=ppt/changesInfos/changesInfo1.xml><?xml version="1.0" encoding="utf-8"?>
 <pc:chgInfo xmlns:a="http://schemas.openxmlformats.org/drawingml/2006/main" xmlns:r="http://schemas.openxmlformats.org/officeDocument/2006/relationships" xmlns:ac="http://schemas.microsoft.com/office/drawing/2013/main/command" xmlns:pc="http://schemas.microsoft.com/office/powerpoint/2013/main/command">
+  <pc:docChgLst>
+    <pc:chgData name="Richard Wheeless" userId="S::id63la41@ubalt.edu::edf7d7f9-5d95-4eec-886d-0f745236a21b" providerId="AD" clId="Web-{D9017B63-412E-4E08-BA0F-BC640734225D}"/>
+    <pc:docChg chg="modSld">
+      <pc:chgData name="Richard Wheeless" userId="S::id63la41@ubalt.edu::edf7d7f9-5d95-4eec-886d-0f745236a21b" providerId="AD" clId="Web-{D9017B63-412E-4E08-BA0F-BC640734225D}" dt="2020-10-23T07:32:19.969" v="1" actId="1076"/>
+      <pc:docMkLst>
+        <pc:docMk/>
+      </pc:docMkLst>
+      <pc:sldChg chg="modSp">
+        <pc:chgData name="Richard Wheeless" userId="S::id63la41@ubalt.edu::edf7d7f9-5d95-4eec-886d-0f745236a21b" providerId="AD" clId="Web-{D9017B63-412E-4E08-BA0F-BC640734225D}" dt="2020-10-23T07:32:19.969" v="1" actId="1076"/>
+        <pc:sldMkLst>
+          <pc:docMk/>
+          <pc:sldMk cId="3280354511" sldId="273"/>
+        </pc:sldMkLst>
+        <pc:picChg chg="mod">
+          <ac:chgData name="Richard Wheeless" userId="S::id63la41@ubalt.edu::edf7d7f9-5d95-4eec-886d-0f745236a21b" providerId="AD" clId="Web-{D9017B63-412E-4E08-BA0F-BC640734225D}" dt="2020-10-23T07:32:19.969" v="1" actId="1076"/>
+          <ac:picMkLst>
+            <pc:docMk/>
+            <pc:sldMk cId="3280354511" sldId="273"/>
+            <ac:picMk id="6" creationId="{00000000-0000-0000-0000-000000000000}"/>
+          </ac:picMkLst>
+        </pc:picChg>
+      </pc:sldChg>
+    </pc:docChg>
+  </pc:docChgLst>
+  <pc:docChgLst>
+    <pc:chgData name="Richard Wheeless" userId="S::id63la41@ubalt.edu::edf7d7f9-5d95-4eec-886d-0f745236a21b" providerId="AD" clId="Web-{1B51901F-0FCF-E026-F61D-CE4E97EC4288}"/>
+    <pc:docChg chg="modSld">
+      <pc:chgData name="Richard Wheeless" userId="S::id63la41@ubalt.edu::edf7d7f9-5d95-4eec-886d-0f745236a21b" providerId="AD" clId="Web-{1B51901F-0FCF-E026-F61D-CE4E97EC4288}" dt="2020-10-23T07:18:31.222" v="3" actId="1076"/>
+      <pc:docMkLst>
+        <pc:docMk/>
+      </pc:docMkLst>
+      <pc:sldChg chg="modSp">
+        <pc:chgData name="Richard Wheeless" userId="S::id63la41@ubalt.edu::edf7d7f9-5d95-4eec-886d-0f745236a21b" providerId="AD" clId="Web-{1B51901F-0FCF-E026-F61D-CE4E97EC4288}" dt="2020-10-23T07:18:31.222" v="3" actId="1076"/>
+        <pc:sldMkLst>
+          <pc:docMk/>
+          <pc:sldMk cId="1608075478" sldId="282"/>
+        </pc:sldMkLst>
+        <pc:picChg chg="mod">
+          <ac:chgData name="Richard Wheeless" userId="S::id63la41@ubalt.edu::edf7d7f9-5d95-4eec-886d-0f745236a21b" providerId="AD" clId="Web-{1B51901F-0FCF-E026-F61D-CE4E97EC4288}" dt="2020-10-23T07:18:31.222" v="3" actId="1076"/>
+          <ac:picMkLst>
+            <pc:docMk/>
+            <pc:sldMk cId="1608075478" sldId="282"/>
+            <ac:picMk id="7" creationId="{00000000-0000-0000-0000-000000000000}"/>
+          </ac:picMkLst>
+        </pc:picChg>
+      </pc:sldChg>
+    </pc:docChg>
+  </pc:docChgLst>
+  <pc:docChgLst>
+    <pc:chgData name="Richard Wheeless" userId="S::id63la41@ubalt.edu::edf7d7f9-5d95-4eec-886d-0f745236a21b" providerId="AD" clId="Web-{AE60190D-41B6-57C5-FE0D-28A153A076A6}"/>
+    <pc:docChg chg="sldOrd">
+      <pc:chgData name="Richard Wheeless" userId="S::id63la41@ubalt.edu::edf7d7f9-5d95-4eec-886d-0f745236a21b" providerId="AD" clId="Web-{AE60190D-41B6-57C5-FE0D-28A153A076A6}" dt="2021-01-11T22:52:10.997" v="0"/>
+      <pc:docMkLst>
+        <pc:docMk/>
+      </pc:docMkLst>
+      <pc:sldChg chg="ord">
+        <pc:chgData name="Richard Wheeless" userId="S::id63la41@ubalt.edu::edf7d7f9-5d95-4eec-886d-0f745236a21b" providerId="AD" clId="Web-{AE60190D-41B6-57C5-FE0D-28A153A076A6}" dt="2021-01-11T22:52:10.997" v="0"/>
+        <pc:sldMkLst>
+          <pc:docMk/>
+          <pc:sldMk cId="1147706619" sldId="317"/>
+        </pc:sldMkLst>
+      </pc:sldChg>
+    </pc:docChg>
+  </pc:docChgLst>
   <pc:docChgLst>
     <pc:chgData name="Richard Wheeless" userId="S::id63la41@ubalt.edu::edf7d7f9-5d95-4eec-886d-0f745236a21b" providerId="AD" clId="Web-{BAEE79B7-8164-B306-1CFB-246D7CC11E16}"/>
     <pc:docChg chg="modSld">
@@ -217,6 +282,332 @@
     </pc:docChg>
   </pc:docChgLst>
   <pc:docChgLst>
+    <pc:chgData name="Weifeng Xu" userId="e7aed605-a3dd-4d5a-a692-a87037af107b" providerId="ADAL" clId="{08E2B694-2FF2-4AAA-8781-6847062CAC58}"/>
+    <pc:docChg chg="undo custSel addSld delSld modSld sldOrd">
+      <pc:chgData name="Weifeng Xu" userId="e7aed605-a3dd-4d5a-a692-a87037af107b" providerId="ADAL" clId="{08E2B694-2FF2-4AAA-8781-6847062CAC58}" dt="2021-04-13T12:53:14.489" v="365" actId="47"/>
+      <pc:docMkLst>
+        <pc:docMk/>
+      </pc:docMkLst>
+      <pc:sldChg chg="modNotesTx">
+        <pc:chgData name="Weifeng Xu" userId="e7aed605-a3dd-4d5a-a692-a87037af107b" providerId="ADAL" clId="{08E2B694-2FF2-4AAA-8781-6847062CAC58}" dt="2021-01-23T01:42:20.196" v="26"/>
+        <pc:sldMkLst>
+          <pc:docMk/>
+          <pc:sldMk cId="1862936662" sldId="264"/>
+        </pc:sldMkLst>
+      </pc:sldChg>
+      <pc:sldChg chg="modSp mod modNotesTx">
+        <pc:chgData name="Weifeng Xu" userId="e7aed605-a3dd-4d5a-a692-a87037af107b" providerId="ADAL" clId="{08E2B694-2FF2-4AAA-8781-6847062CAC58}" dt="2021-01-23T01:39:41.962" v="22" actId="33524"/>
+        <pc:sldMkLst>
+          <pc:docMk/>
+          <pc:sldMk cId="878550910" sldId="265"/>
+        </pc:sldMkLst>
+        <pc:spChg chg="mod">
+          <ac:chgData name="Weifeng Xu" userId="e7aed605-a3dd-4d5a-a692-a87037af107b" providerId="ADAL" clId="{08E2B694-2FF2-4AAA-8781-6847062CAC58}" dt="2021-01-23T01:39:41.962" v="22" actId="33524"/>
+          <ac:spMkLst>
+            <pc:docMk/>
+            <pc:sldMk cId="878550910" sldId="265"/>
+            <ac:spMk id="9" creationId="{00000000-0000-0000-0000-000000000000}"/>
+          </ac:spMkLst>
+        </pc:spChg>
+      </pc:sldChg>
+      <pc:sldChg chg="modNotesTx">
+        <pc:chgData name="Weifeng Xu" userId="e7aed605-a3dd-4d5a-a692-a87037af107b" providerId="ADAL" clId="{08E2B694-2FF2-4AAA-8781-6847062CAC58}" dt="2021-01-19T13:36:32.813" v="5"/>
+        <pc:sldMkLst>
+          <pc:docMk/>
+          <pc:sldMk cId="2453518679" sldId="266"/>
+        </pc:sldMkLst>
+      </pc:sldChg>
+      <pc:sldChg chg="modNotesTx">
+        <pc:chgData name="Weifeng Xu" userId="e7aed605-a3dd-4d5a-a692-a87037af107b" providerId="ADAL" clId="{08E2B694-2FF2-4AAA-8781-6847062CAC58}" dt="2021-01-26T21:12:08.040" v="208" actId="20577"/>
+        <pc:sldMkLst>
+          <pc:docMk/>
+          <pc:sldMk cId="3280354511" sldId="273"/>
+        </pc:sldMkLst>
+      </pc:sldChg>
+      <pc:sldChg chg="modNotesTx">
+        <pc:chgData name="Weifeng Xu" userId="e7aed605-a3dd-4d5a-a692-a87037af107b" providerId="ADAL" clId="{08E2B694-2FF2-4AAA-8781-6847062CAC58}" dt="2021-01-23T03:43:35.891" v="70" actId="20577"/>
+        <pc:sldMkLst>
+          <pc:docMk/>
+          <pc:sldMk cId="3686885202" sldId="278"/>
+        </pc:sldMkLst>
+      </pc:sldChg>
+      <pc:sldChg chg="addSp modSp mod modNotesTx">
+        <pc:chgData name="Weifeng Xu" userId="e7aed605-a3dd-4d5a-a692-a87037af107b" providerId="ADAL" clId="{08E2B694-2FF2-4AAA-8781-6847062CAC58}" dt="2021-01-29T00:21:12.675" v="266" actId="313"/>
+        <pc:sldMkLst>
+          <pc:docMk/>
+          <pc:sldMk cId="2603411321" sldId="279"/>
+        </pc:sldMkLst>
+        <pc:spChg chg="mod">
+          <ac:chgData name="Weifeng Xu" userId="e7aed605-a3dd-4d5a-a692-a87037af107b" providerId="ADAL" clId="{08E2B694-2FF2-4AAA-8781-6847062CAC58}" dt="2021-01-29T00:21:12.675" v="266" actId="313"/>
+          <ac:spMkLst>
+            <pc:docMk/>
+            <pc:sldMk cId="2603411321" sldId="279"/>
+            <ac:spMk id="12" creationId="{00000000-0000-0000-0000-000000000000}"/>
+          </ac:spMkLst>
+        </pc:spChg>
+        <pc:spChg chg="add mod">
+          <ac:chgData name="Weifeng Xu" userId="e7aed605-a3dd-4d5a-a692-a87037af107b" providerId="ADAL" clId="{08E2B694-2FF2-4AAA-8781-6847062CAC58}" dt="2021-01-23T04:08:06.297" v="161" actId="114"/>
+          <ac:spMkLst>
+            <pc:docMk/>
+            <pc:sldMk cId="2603411321" sldId="279"/>
+            <ac:spMk id="13" creationId="{CC1790E0-8870-4616-A417-1AA4CB55EF31}"/>
+          </ac:spMkLst>
+        </pc:spChg>
+      </pc:sldChg>
+      <pc:sldChg chg="modSp mod">
+        <pc:chgData name="Weifeng Xu" userId="e7aed605-a3dd-4d5a-a692-a87037af107b" providerId="ADAL" clId="{08E2B694-2FF2-4AAA-8781-6847062CAC58}" dt="2021-01-28T14:17:21.827" v="258" actId="33524"/>
+        <pc:sldMkLst>
+          <pc:docMk/>
+          <pc:sldMk cId="308956871" sldId="284"/>
+        </pc:sldMkLst>
+        <pc:spChg chg="mod">
+          <ac:chgData name="Weifeng Xu" userId="e7aed605-a3dd-4d5a-a692-a87037af107b" providerId="ADAL" clId="{08E2B694-2FF2-4AAA-8781-6847062CAC58}" dt="2021-01-28T14:17:21.827" v="258" actId="33524"/>
+          <ac:spMkLst>
+            <pc:docMk/>
+            <pc:sldMk cId="308956871" sldId="284"/>
+            <ac:spMk id="5" creationId="{00000000-0000-0000-0000-000000000000}"/>
+          </ac:spMkLst>
+        </pc:spChg>
+      </pc:sldChg>
+      <pc:sldChg chg="addSp delSp modSp mod modNotesTx">
+        <pc:chgData name="Weifeng Xu" userId="e7aed605-a3dd-4d5a-a692-a87037af107b" providerId="ADAL" clId="{08E2B694-2FF2-4AAA-8781-6847062CAC58}" dt="2021-01-28T13:49:11.408" v="215" actId="20577"/>
+        <pc:sldMkLst>
+          <pc:docMk/>
+          <pc:sldMk cId="263680602" sldId="285"/>
+        </pc:sldMkLst>
+        <pc:spChg chg="mod">
+          <ac:chgData name="Weifeng Xu" userId="e7aed605-a3dd-4d5a-a692-a87037af107b" providerId="ADAL" clId="{08E2B694-2FF2-4AAA-8781-6847062CAC58}" dt="2021-01-28T13:49:11.408" v="215" actId="20577"/>
+          <ac:spMkLst>
+            <pc:docMk/>
+            <pc:sldMk cId="263680602" sldId="285"/>
+            <ac:spMk id="3" creationId="{00000000-0000-0000-0000-000000000000}"/>
+          </ac:spMkLst>
+        </pc:spChg>
+        <pc:picChg chg="add del mod">
+          <ac:chgData name="Weifeng Xu" userId="e7aed605-a3dd-4d5a-a692-a87037af107b" providerId="ADAL" clId="{08E2B694-2FF2-4AAA-8781-6847062CAC58}" dt="2021-01-23T04:11:52.596" v="164" actId="478"/>
+          <ac:picMkLst>
+            <pc:docMk/>
+            <pc:sldMk cId="263680602" sldId="285"/>
+            <ac:picMk id="5" creationId="{C9B3E627-540B-43A5-8491-B2ED5E508D12}"/>
+          </ac:picMkLst>
+        </pc:picChg>
+      </pc:sldChg>
+      <pc:sldChg chg="modSp mod">
+        <pc:chgData name="Weifeng Xu" userId="e7aed605-a3dd-4d5a-a692-a87037af107b" providerId="ADAL" clId="{08E2B694-2FF2-4AAA-8781-6847062CAC58}" dt="2021-01-29T00:08:06.194" v="264" actId="20577"/>
+        <pc:sldMkLst>
+          <pc:docMk/>
+          <pc:sldMk cId="826028121" sldId="286"/>
+        </pc:sldMkLst>
+        <pc:spChg chg="mod">
+          <ac:chgData name="Weifeng Xu" userId="e7aed605-a3dd-4d5a-a692-a87037af107b" providerId="ADAL" clId="{08E2B694-2FF2-4AAA-8781-6847062CAC58}" dt="2021-01-29T00:08:06.194" v="264" actId="20577"/>
+          <ac:spMkLst>
+            <pc:docMk/>
+            <pc:sldMk cId="826028121" sldId="286"/>
+            <ac:spMk id="2" creationId="{00000000-0000-0000-0000-000000000000}"/>
+          </ac:spMkLst>
+        </pc:spChg>
+      </pc:sldChg>
+      <pc:sldChg chg="modSp mod">
+        <pc:chgData name="Weifeng Xu" userId="e7aed605-a3dd-4d5a-a692-a87037af107b" providerId="ADAL" clId="{08E2B694-2FF2-4AAA-8781-6847062CAC58}" dt="2021-01-29T00:11:15.007" v="265" actId="6549"/>
+        <pc:sldMkLst>
+          <pc:docMk/>
+          <pc:sldMk cId="3591353767" sldId="289"/>
+        </pc:sldMkLst>
+        <pc:spChg chg="mod">
+          <ac:chgData name="Weifeng Xu" userId="e7aed605-a3dd-4d5a-a692-a87037af107b" providerId="ADAL" clId="{08E2B694-2FF2-4AAA-8781-6847062CAC58}" dt="2021-01-29T00:11:15.007" v="265" actId="6549"/>
+          <ac:spMkLst>
+            <pc:docMk/>
+            <pc:sldMk cId="3591353767" sldId="289"/>
+            <ac:spMk id="7" creationId="{00000000-0000-0000-0000-000000000000}"/>
+          </ac:spMkLst>
+        </pc:spChg>
+      </pc:sldChg>
+      <pc:sldChg chg="modSp mod">
+        <pc:chgData name="Weifeng Xu" userId="e7aed605-a3dd-4d5a-a692-a87037af107b" providerId="ADAL" clId="{08E2B694-2FF2-4AAA-8781-6847062CAC58}" dt="2021-01-28T14:14:57.823" v="229" actId="6549"/>
+        <pc:sldMkLst>
+          <pc:docMk/>
+          <pc:sldMk cId="2099446583" sldId="293"/>
+        </pc:sldMkLst>
+        <pc:spChg chg="mod">
+          <ac:chgData name="Weifeng Xu" userId="e7aed605-a3dd-4d5a-a692-a87037af107b" providerId="ADAL" clId="{08E2B694-2FF2-4AAA-8781-6847062CAC58}" dt="2021-01-28T14:14:57.823" v="229" actId="6549"/>
+          <ac:spMkLst>
+            <pc:docMk/>
+            <pc:sldMk cId="2099446583" sldId="293"/>
+            <ac:spMk id="2" creationId="{00000000-0000-0000-0000-000000000000}"/>
+          </ac:spMkLst>
+        </pc:spChg>
+      </pc:sldChg>
+      <pc:sldChg chg="addSp modSp mod">
+        <pc:chgData name="Weifeng Xu" userId="e7aed605-a3dd-4d5a-a692-a87037af107b" providerId="ADAL" clId="{08E2B694-2FF2-4AAA-8781-6847062CAC58}" dt="2021-01-28T14:05:53.735" v="228" actId="14100"/>
+        <pc:sldMkLst>
+          <pc:docMk/>
+          <pc:sldMk cId="122089063" sldId="303"/>
+        </pc:sldMkLst>
+        <pc:spChg chg="mod">
+          <ac:chgData name="Weifeng Xu" userId="e7aed605-a3dd-4d5a-a692-a87037af107b" providerId="ADAL" clId="{08E2B694-2FF2-4AAA-8781-6847062CAC58}" dt="2021-01-28T14:05:19.534" v="224" actId="1076"/>
+          <ac:spMkLst>
+            <pc:docMk/>
+            <pc:sldMk cId="122089063" sldId="303"/>
+            <ac:spMk id="5" creationId="{00000000-0000-0000-0000-000000000000}"/>
+          </ac:spMkLst>
+        </pc:spChg>
+        <pc:spChg chg="mod">
+          <ac:chgData name="Weifeng Xu" userId="e7aed605-a3dd-4d5a-a692-a87037af107b" providerId="ADAL" clId="{08E2B694-2FF2-4AAA-8781-6847062CAC58}" dt="2021-01-28T14:05:28.137" v="227" actId="1076"/>
+          <ac:spMkLst>
+            <pc:docMk/>
+            <pc:sldMk cId="122089063" sldId="303"/>
+            <ac:spMk id="7" creationId="{00000000-0000-0000-0000-000000000000}"/>
+          </ac:spMkLst>
+        </pc:spChg>
+        <pc:picChg chg="mod">
+          <ac:chgData name="Weifeng Xu" userId="e7aed605-a3dd-4d5a-a692-a87037af107b" providerId="ADAL" clId="{08E2B694-2FF2-4AAA-8781-6847062CAC58}" dt="2021-01-28T14:05:25.293" v="226" actId="1076"/>
+          <ac:picMkLst>
+            <pc:docMk/>
+            <pc:sldMk cId="122089063" sldId="303"/>
+            <ac:picMk id="2" creationId="{00000000-0000-0000-0000-000000000000}"/>
+          </ac:picMkLst>
+        </pc:picChg>
+        <pc:cxnChg chg="add mod">
+          <ac:chgData name="Weifeng Xu" userId="e7aed605-a3dd-4d5a-a692-a87037af107b" providerId="ADAL" clId="{08E2B694-2FF2-4AAA-8781-6847062CAC58}" dt="2021-01-28T14:05:53.735" v="228" actId="14100"/>
+          <ac:cxnSpMkLst>
+            <pc:docMk/>
+            <pc:sldMk cId="122089063" sldId="303"/>
+            <ac:cxnSpMk id="9" creationId="{F2658E30-FEE0-4F60-9E61-084A687856D6}"/>
+          </ac:cxnSpMkLst>
+        </pc:cxnChg>
+      </pc:sldChg>
+      <pc:sldChg chg="modSp mod">
+        <pc:chgData name="Weifeng Xu" userId="e7aed605-a3dd-4d5a-a692-a87037af107b" providerId="ADAL" clId="{08E2B694-2FF2-4AAA-8781-6847062CAC58}" dt="2021-01-28T14:16:56.719" v="257" actId="108"/>
+        <pc:sldMkLst>
+          <pc:docMk/>
+          <pc:sldMk cId="397031587" sldId="306"/>
+        </pc:sldMkLst>
+        <pc:spChg chg="mod">
+          <ac:chgData name="Weifeng Xu" userId="e7aed605-a3dd-4d5a-a692-a87037af107b" providerId="ADAL" clId="{08E2B694-2FF2-4AAA-8781-6847062CAC58}" dt="2021-01-28T14:16:56.719" v="257" actId="108"/>
+          <ac:spMkLst>
+            <pc:docMk/>
+            <pc:sldMk cId="397031587" sldId="306"/>
+            <ac:spMk id="3" creationId="{00000000-0000-0000-0000-000000000000}"/>
+          </ac:spMkLst>
+        </pc:spChg>
+      </pc:sldChg>
+      <pc:sldChg chg="modNotesTx">
+        <pc:chgData name="Weifeng Xu" userId="e7aed605-a3dd-4d5a-a692-a87037af107b" providerId="ADAL" clId="{08E2B694-2FF2-4AAA-8781-6847062CAC58}" dt="2021-01-29T01:10:40.263" v="300" actId="20577"/>
+        <pc:sldMkLst>
+          <pc:docMk/>
+          <pc:sldMk cId="2709583132" sldId="312"/>
+        </pc:sldMkLst>
+      </pc:sldChg>
+      <pc:sldChg chg="addSp delSp modSp mod modNotesTx">
+        <pc:chgData name="Weifeng Xu" userId="e7aed605-a3dd-4d5a-a692-a87037af107b" providerId="ADAL" clId="{08E2B694-2FF2-4AAA-8781-6847062CAC58}" dt="2021-02-03T14:17:59.093" v="364" actId="207"/>
+        <pc:sldMkLst>
+          <pc:docMk/>
+          <pc:sldMk cId="3605786217" sldId="313"/>
+        </pc:sldMkLst>
+        <pc:spChg chg="mod">
+          <ac:chgData name="Weifeng Xu" userId="e7aed605-a3dd-4d5a-a692-a87037af107b" providerId="ADAL" clId="{08E2B694-2FF2-4AAA-8781-6847062CAC58}" dt="2021-01-29T01:30:33.574" v="362" actId="1076"/>
+          <ac:spMkLst>
+            <pc:docMk/>
+            <pc:sldMk cId="3605786217" sldId="313"/>
+            <ac:spMk id="6" creationId="{00000000-0000-0000-0000-000000000000}"/>
+          </ac:spMkLst>
+        </pc:spChg>
+        <pc:picChg chg="add del mod">
+          <ac:chgData name="Weifeng Xu" userId="e7aed605-a3dd-4d5a-a692-a87037af107b" providerId="ADAL" clId="{08E2B694-2FF2-4AAA-8781-6847062CAC58}" dt="2021-01-29T01:30:29.900" v="361" actId="478"/>
+          <ac:picMkLst>
+            <pc:docMk/>
+            <pc:sldMk cId="3605786217" sldId="313"/>
+            <ac:picMk id="4" creationId="{27084B44-0CA2-49F7-8883-3B0633CF1144}"/>
+          </ac:picMkLst>
+        </pc:picChg>
+        <pc:picChg chg="mod">
+          <ac:chgData name="Weifeng Xu" userId="e7aed605-a3dd-4d5a-a692-a87037af107b" providerId="ADAL" clId="{08E2B694-2FF2-4AAA-8781-6847062CAC58}" dt="2021-01-29T01:30:33.574" v="362" actId="1076"/>
+          <ac:picMkLst>
+            <pc:docMk/>
+            <pc:sldMk cId="3605786217" sldId="313"/>
+            <ac:picMk id="7" creationId="{00000000-0000-0000-0000-000000000000}"/>
+          </ac:picMkLst>
+        </pc:picChg>
+      </pc:sldChg>
+      <pc:sldChg chg="ord">
+        <pc:chgData name="Weifeng Xu" userId="e7aed605-a3dd-4d5a-a692-a87037af107b" providerId="ADAL" clId="{08E2B694-2FF2-4AAA-8781-6847062CAC58}" dt="2021-01-23T04:16:01.598" v="176"/>
+        <pc:sldMkLst>
+          <pc:docMk/>
+          <pc:sldMk cId="1082904539" sldId="316"/>
+        </pc:sldMkLst>
+      </pc:sldChg>
+      <pc:sldChg chg="modSp mod">
+        <pc:chgData name="Weifeng Xu" userId="e7aed605-a3dd-4d5a-a692-a87037af107b" providerId="ADAL" clId="{08E2B694-2FF2-4AAA-8781-6847062CAC58}" dt="2021-01-29T00:38:40.306" v="299" actId="20577"/>
+        <pc:sldMkLst>
+          <pc:docMk/>
+          <pc:sldMk cId="1551242108" sldId="319"/>
+        </pc:sldMkLst>
+        <pc:spChg chg="mod">
+          <ac:chgData name="Weifeng Xu" userId="e7aed605-a3dd-4d5a-a692-a87037af107b" providerId="ADAL" clId="{08E2B694-2FF2-4AAA-8781-6847062CAC58}" dt="2021-01-29T00:38:40.306" v="299" actId="20577"/>
+          <ac:spMkLst>
+            <pc:docMk/>
+            <pc:sldMk cId="1551242108" sldId="319"/>
+            <ac:spMk id="3" creationId="{00000000-0000-0000-0000-000000000000}"/>
+          </ac:spMkLst>
+        </pc:spChg>
+      </pc:sldChg>
+      <pc:sldChg chg="addSp delSp modSp new del mod">
+        <pc:chgData name="Weifeng Xu" userId="e7aed605-a3dd-4d5a-a692-a87037af107b" providerId="ADAL" clId="{08E2B694-2FF2-4AAA-8781-6847062CAC58}" dt="2021-01-29T01:30:45.137" v="363" actId="47"/>
+        <pc:sldMkLst>
+          <pc:docMk/>
+          <pc:sldMk cId="3779903997" sldId="323"/>
+        </pc:sldMkLst>
+        <pc:picChg chg="add mod">
+          <ac:chgData name="Weifeng Xu" userId="e7aed605-a3dd-4d5a-a692-a87037af107b" providerId="ADAL" clId="{08E2B694-2FF2-4AAA-8781-6847062CAC58}" dt="2021-01-29T01:25:44.556" v="304" actId="1076"/>
+          <ac:picMkLst>
+            <pc:docMk/>
+            <pc:sldMk cId="3779903997" sldId="323"/>
+            <ac:picMk id="3" creationId="{04A58A67-E2CF-46B1-AF19-01FD45B830A4}"/>
+          </ac:picMkLst>
+        </pc:picChg>
+        <pc:picChg chg="add del mod">
+          <ac:chgData name="Weifeng Xu" userId="e7aed605-a3dd-4d5a-a692-a87037af107b" providerId="ADAL" clId="{08E2B694-2FF2-4AAA-8781-6847062CAC58}" dt="2021-01-29T01:29:54.344" v="310"/>
+          <ac:picMkLst>
+            <pc:docMk/>
+            <pc:sldMk cId="3779903997" sldId="323"/>
+            <ac:picMk id="4" creationId="{EF7F65E4-71B7-458C-BD18-CD80AD6E52B9}"/>
+          </ac:picMkLst>
+        </pc:picChg>
+      </pc:sldChg>
+      <pc:sldChg chg="del">
+        <pc:chgData name="Weifeng Xu" userId="e7aed605-a3dd-4d5a-a692-a87037af107b" providerId="ADAL" clId="{08E2B694-2FF2-4AAA-8781-6847062CAC58}" dt="2021-04-13T12:53:14.489" v="365" actId="47"/>
+        <pc:sldMkLst>
+          <pc:docMk/>
+          <pc:sldMk cId="3846330883" sldId="323"/>
+        </pc:sldMkLst>
+      </pc:sldChg>
+    </pc:docChg>
+  </pc:docChgLst>
+  <pc:docChgLst>
+    <pc:chgData name="Weifeng Xu" userId="e7aed605-a3dd-4d5a-a692-a87037af107b" providerId="ADAL" clId="{0A09D5CD-4CED-4AF1-8C2B-E7ACB39836CB}"/>
+    <pc:docChg chg="modSld">
+      <pc:chgData name="Weifeng Xu" userId="e7aed605-a3dd-4d5a-a692-a87037af107b" providerId="ADAL" clId="{0A09D5CD-4CED-4AF1-8C2B-E7ACB39836CB}" dt="2021-05-01T15:48:28.750" v="0" actId="6549"/>
+      <pc:docMkLst>
+        <pc:docMk/>
+      </pc:docMkLst>
+      <pc:sldChg chg="modSp mod">
+        <pc:chgData name="Weifeng Xu" userId="e7aed605-a3dd-4d5a-a692-a87037af107b" providerId="ADAL" clId="{0A09D5CD-4CED-4AF1-8C2B-E7ACB39836CB}" dt="2021-05-01T15:48:28.750" v="0" actId="6549"/>
+        <pc:sldMkLst>
+          <pc:docMk/>
+          <pc:sldMk cId="3686885202" sldId="278"/>
+        </pc:sldMkLst>
+        <pc:spChg chg="mod">
+          <ac:chgData name="Weifeng Xu" userId="e7aed605-a3dd-4d5a-a692-a87037af107b" providerId="ADAL" clId="{0A09D5CD-4CED-4AF1-8C2B-E7ACB39836CB}" dt="2021-05-01T15:48:28.750" v="0" actId="6549"/>
+          <ac:spMkLst>
+            <pc:docMk/>
+            <pc:sldMk cId="3686885202" sldId="278"/>
+            <ac:spMk id="7" creationId="{00000000-0000-0000-0000-000000000000}"/>
+          </ac:spMkLst>
+        </pc:spChg>
+      </pc:sldChg>
+    </pc:docChg>
+  </pc:docChgLst>
+  <pc:docChgLst>
     <pc:chgData name="Richard Wheeless" userId="S::id63la41@ubalt.edu::edf7d7f9-5d95-4eec-886d-0f745236a21b" providerId="AD" clId="Web-{0B792A49-8583-D191-B5EC-E1F0A1E2E39D}"/>
     <pc:docChg chg="modSld">
       <pc:chgData name="Richard Wheeless" userId="S::id63la41@ubalt.edu::edf7d7f9-5d95-4eec-886d-0f745236a21b" providerId="AD" clId="Web-{0B792A49-8583-D191-B5EC-E1F0A1E2E39D}" dt="2020-11-08T13:44:53.468" v="2" actId="14100"/>
@@ -237,6 +628,44 @@
             <ac:picMk id="7" creationId="{00000000-0000-0000-0000-000000000000}"/>
           </ac:picMkLst>
         </pc:picChg>
+      </pc:sldChg>
+    </pc:docChg>
+  </pc:docChgLst>
+  <pc:docChgLst>
+    <pc:chgData name="Richard Wheeless" userId="S::id63la41@ubalt.edu::edf7d7f9-5d95-4eec-886d-0f745236a21b" providerId="AD" clId="Web-{FB90EEE5-AB5D-BF30-2664-B627A2F8468E}"/>
+    <pc:docChg chg="addSld delSld modSld">
+      <pc:chgData name="Richard Wheeless" userId="S::id63la41@ubalt.edu::edf7d7f9-5d95-4eec-886d-0f745236a21b" providerId="AD" clId="Web-{FB90EEE5-AB5D-BF30-2664-B627A2F8468E}" dt="2021-03-08T07:06:08.255" v="3"/>
+      <pc:docMkLst>
+        <pc:docMk/>
+      </pc:docMkLst>
+      <pc:sldChg chg="modSp">
+        <pc:chgData name="Richard Wheeless" userId="S::id63la41@ubalt.edu::edf7d7f9-5d95-4eec-886d-0f745236a21b" providerId="AD" clId="Web-{FB90EEE5-AB5D-BF30-2664-B627A2F8468E}" dt="2021-03-08T05:20:11.345" v="2" actId="1076"/>
+        <pc:sldMkLst>
+          <pc:docMk/>
+          <pc:sldMk cId="2709583132" sldId="312"/>
+        </pc:sldMkLst>
+        <pc:picChg chg="mod">
+          <ac:chgData name="Richard Wheeless" userId="S::id63la41@ubalt.edu::edf7d7f9-5d95-4eec-886d-0f745236a21b" providerId="AD" clId="Web-{FB90EEE5-AB5D-BF30-2664-B627A2F8468E}" dt="2021-03-08T05:20:11.345" v="2" actId="1076"/>
+          <ac:picMkLst>
+            <pc:docMk/>
+            <pc:sldMk cId="2709583132" sldId="312"/>
+            <ac:picMk id="2" creationId="{00000000-0000-0000-0000-000000000000}"/>
+          </ac:picMkLst>
+        </pc:picChg>
+      </pc:sldChg>
+      <pc:sldChg chg="new del">
+        <pc:chgData name="Richard Wheeless" userId="S::id63la41@ubalt.edu::edf7d7f9-5d95-4eec-886d-0f745236a21b" providerId="AD" clId="Web-{FB90EEE5-AB5D-BF30-2664-B627A2F8468E}" dt="2021-03-08T05:08:37.196" v="1"/>
+        <pc:sldMkLst>
+          <pc:docMk/>
+          <pc:sldMk cId="3349084322" sldId="323"/>
+        </pc:sldMkLst>
+      </pc:sldChg>
+      <pc:sldChg chg="new">
+        <pc:chgData name="Richard Wheeless" userId="S::id63la41@ubalt.edu::edf7d7f9-5d95-4eec-886d-0f745236a21b" providerId="AD" clId="Web-{FB90EEE5-AB5D-BF30-2664-B627A2F8468E}" dt="2021-03-08T07:06:08.255" v="3"/>
+        <pc:sldMkLst>
+          <pc:docMk/>
+          <pc:sldMk cId="3846330883" sldId="323"/>
+        </pc:sldMkLst>
       </pc:sldChg>
     </pc:docChg>
   </pc:docChgLst>
@@ -280,30 +709,6 @@
     </pc:docChg>
   </pc:docChgLst>
   <pc:docChgLst>
-    <pc:chgData name="Richard Wheeless" userId="S::id63la41@ubalt.edu::edf7d7f9-5d95-4eec-886d-0f745236a21b" providerId="AD" clId="Web-{1B51901F-0FCF-E026-F61D-CE4E97EC4288}"/>
-    <pc:docChg chg="modSld">
-      <pc:chgData name="Richard Wheeless" userId="S::id63la41@ubalt.edu::edf7d7f9-5d95-4eec-886d-0f745236a21b" providerId="AD" clId="Web-{1B51901F-0FCF-E026-F61D-CE4E97EC4288}" dt="2020-10-23T07:18:31.222" v="3" actId="1076"/>
-      <pc:docMkLst>
-        <pc:docMk/>
-      </pc:docMkLst>
-      <pc:sldChg chg="modSp">
-        <pc:chgData name="Richard Wheeless" userId="S::id63la41@ubalt.edu::edf7d7f9-5d95-4eec-886d-0f745236a21b" providerId="AD" clId="Web-{1B51901F-0FCF-E026-F61D-CE4E97EC4288}" dt="2020-10-23T07:18:31.222" v="3" actId="1076"/>
-        <pc:sldMkLst>
-          <pc:docMk/>
-          <pc:sldMk cId="1608075478" sldId="282"/>
-        </pc:sldMkLst>
-        <pc:picChg chg="mod">
-          <ac:chgData name="Richard Wheeless" userId="S::id63la41@ubalt.edu::edf7d7f9-5d95-4eec-886d-0f745236a21b" providerId="AD" clId="Web-{1B51901F-0FCF-E026-F61D-CE4E97EC4288}" dt="2020-10-23T07:18:31.222" v="3" actId="1076"/>
-          <ac:picMkLst>
-            <pc:docMk/>
-            <pc:sldMk cId="1608075478" sldId="282"/>
-            <ac:picMk id="7" creationId="{00000000-0000-0000-0000-000000000000}"/>
-          </ac:picMkLst>
-        </pc:picChg>
-      </pc:sldChg>
-    </pc:docChg>
-  </pc:docChgLst>
-  <pc:docChgLst>
     <pc:chgData name="Richard Wheeless" userId="S::id63la41@ubalt.edu::edf7d7f9-5d95-4eec-886d-0f745236a21b" providerId="AD" clId="Web-{51BCF59C-0654-03FF-53A7-ACD13246012D}"/>
     <pc:docChg chg="modSld">
       <pc:chgData name="Richard Wheeless" userId="S::id63la41@ubalt.edu::edf7d7f9-5d95-4eec-886d-0f745236a21b" providerId="AD" clId="Web-{51BCF59C-0654-03FF-53A7-ACD13246012D}" dt="2020-10-20T19:29:04.677" v="3" actId="1076"/>
@@ -336,26 +741,223 @@
     </pc:docChg>
   </pc:docChgLst>
   <pc:docChgLst>
-    <pc:chgData name="Richard Wheeless" userId="S::id63la41@ubalt.edu::edf7d7f9-5d95-4eec-886d-0f745236a21b" providerId="AD" clId="Web-{D9017B63-412E-4E08-BA0F-BC640734225D}"/>
-    <pc:docChg chg="modSld">
-      <pc:chgData name="Richard Wheeless" userId="S::id63la41@ubalt.edu::edf7d7f9-5d95-4eec-886d-0f745236a21b" providerId="AD" clId="Web-{D9017B63-412E-4E08-BA0F-BC640734225D}" dt="2020-10-23T07:32:19.969" v="1" actId="1076"/>
+    <pc:chgData name="Weifeng Xu" userId="e7aed605-a3dd-4d5a-a692-a87037af107b" providerId="ADAL" clId="{FC29E0CB-EC29-4F0E-A782-58C19F5D3434}"/>
+    <pc:docChg chg="custSel addSld modSld">
+      <pc:chgData name="Weifeng Xu" userId="e7aed605-a3dd-4d5a-a692-a87037af107b" providerId="ADAL" clId="{FC29E0CB-EC29-4F0E-A782-58C19F5D3434}" dt="2021-08-24T15:43:46.165" v="270" actId="20577"/>
       <pc:docMkLst>
         <pc:docMk/>
       </pc:docMkLst>
-      <pc:sldChg chg="modSp">
-        <pc:chgData name="Richard Wheeless" userId="S::id63la41@ubalt.edu::edf7d7f9-5d95-4eec-886d-0f745236a21b" providerId="AD" clId="Web-{D9017B63-412E-4E08-BA0F-BC640734225D}" dt="2020-10-23T07:32:19.969" v="1" actId="1076"/>
+      <pc:sldChg chg="delSp modSp mod modClrScheme chgLayout">
+        <pc:chgData name="Weifeng Xu" userId="e7aed605-a3dd-4d5a-a692-a87037af107b" providerId="ADAL" clId="{FC29E0CB-EC29-4F0E-A782-58C19F5D3434}" dt="2021-08-24T14:46:53.635" v="16" actId="700"/>
         <pc:sldMkLst>
           <pc:docMk/>
-          <pc:sldMk cId="3280354511" sldId="273"/>
+          <pc:sldMk cId="3686885202" sldId="278"/>
         </pc:sldMkLst>
-        <pc:picChg chg="mod">
-          <ac:chgData name="Richard Wheeless" userId="S::id63la41@ubalt.edu::edf7d7f9-5d95-4eec-886d-0f745236a21b" providerId="AD" clId="Web-{D9017B63-412E-4E08-BA0F-BC640734225D}" dt="2020-10-23T07:32:19.969" v="1" actId="1076"/>
+        <pc:spChg chg="del mod">
+          <ac:chgData name="Weifeng Xu" userId="e7aed605-a3dd-4d5a-a692-a87037af107b" providerId="ADAL" clId="{FC29E0CB-EC29-4F0E-A782-58C19F5D3434}" dt="2021-08-24T14:46:53.635" v="16" actId="700"/>
+          <ac:spMkLst>
+            <pc:docMk/>
+            <pc:sldMk cId="3686885202" sldId="278"/>
+            <ac:spMk id="2" creationId="{00000000-0000-0000-0000-000000000000}"/>
+          </ac:spMkLst>
+        </pc:spChg>
+      </pc:sldChg>
+      <pc:sldChg chg="modSp mod">
+        <pc:chgData name="Weifeng Xu" userId="e7aed605-a3dd-4d5a-a692-a87037af107b" providerId="ADAL" clId="{FC29E0CB-EC29-4F0E-A782-58C19F5D3434}" dt="2021-08-24T15:43:46.165" v="270" actId="20577"/>
+        <pc:sldMkLst>
+          <pc:docMk/>
+          <pc:sldMk cId="3972099897" sldId="314"/>
+        </pc:sldMkLst>
+        <pc:spChg chg="mod">
+          <ac:chgData name="Weifeng Xu" userId="e7aed605-a3dd-4d5a-a692-a87037af107b" providerId="ADAL" clId="{FC29E0CB-EC29-4F0E-A782-58C19F5D3434}" dt="2021-08-24T15:43:46.165" v="270" actId="20577"/>
+          <ac:spMkLst>
+            <pc:docMk/>
+            <pc:sldMk cId="3972099897" sldId="314"/>
+            <ac:spMk id="2" creationId="{00000000-0000-0000-0000-000000000000}"/>
+          </ac:spMkLst>
+        </pc:spChg>
+      </pc:sldChg>
+      <pc:sldChg chg="addSp modSp mod modNotesTx">
+        <pc:chgData name="Weifeng Xu" userId="e7aed605-a3dd-4d5a-a692-a87037af107b" providerId="ADAL" clId="{FC29E0CB-EC29-4F0E-A782-58C19F5D3434}" dt="2021-08-24T15:42:21.134" v="266" actId="20577"/>
+        <pc:sldMkLst>
+          <pc:docMk/>
+          <pc:sldMk cId="1551242108" sldId="319"/>
+        </pc:sldMkLst>
+        <pc:spChg chg="mod">
+          <ac:chgData name="Weifeng Xu" userId="e7aed605-a3dd-4d5a-a692-a87037af107b" providerId="ADAL" clId="{FC29E0CB-EC29-4F0E-A782-58C19F5D3434}" dt="2021-08-24T15:42:21.134" v="266" actId="20577"/>
+          <ac:spMkLst>
+            <pc:docMk/>
+            <pc:sldMk cId="1551242108" sldId="319"/>
+            <ac:spMk id="7" creationId="{00000000-0000-0000-0000-000000000000}"/>
+          </ac:spMkLst>
+        </pc:spChg>
+        <pc:spChg chg="add mod">
+          <ac:chgData name="Weifeng Xu" userId="e7aed605-a3dd-4d5a-a692-a87037af107b" providerId="ADAL" clId="{FC29E0CB-EC29-4F0E-A782-58C19F5D3434}" dt="2021-08-24T15:28:04.922" v="253" actId="1076"/>
+          <ac:spMkLst>
+            <pc:docMk/>
+            <pc:sldMk cId="1551242108" sldId="319"/>
+            <ac:spMk id="8" creationId="{DF05B1B2-EC6E-4343-B3AE-9A1B03ACA0F6}"/>
+          </ac:spMkLst>
+        </pc:spChg>
+        <pc:spChg chg="add mod">
+          <ac:chgData name="Weifeng Xu" userId="e7aed605-a3dd-4d5a-a692-a87037af107b" providerId="ADAL" clId="{FC29E0CB-EC29-4F0E-A782-58C19F5D3434}" dt="2021-08-24T15:28:12.778" v="256" actId="1076"/>
+          <ac:spMkLst>
+            <pc:docMk/>
+            <pc:sldMk cId="1551242108" sldId="319"/>
+            <ac:spMk id="9" creationId="{9D86D5B9-9EF5-4A89-93E8-547117F089E2}"/>
+          </ac:spMkLst>
+        </pc:spChg>
+      </pc:sldChg>
+      <pc:sldChg chg="addSp delSp modSp new mod modClrScheme chgLayout">
+        <pc:chgData name="Weifeng Xu" userId="e7aed605-a3dd-4d5a-a692-a87037af107b" providerId="ADAL" clId="{FC29E0CB-EC29-4F0E-A782-58C19F5D3434}" dt="2021-08-24T15:14:52.652" v="237" actId="1076"/>
+        <pc:sldMkLst>
+          <pc:docMk/>
+          <pc:sldMk cId="292031743" sldId="323"/>
+        </pc:sldMkLst>
+        <pc:spChg chg="del mod ord">
+          <ac:chgData name="Weifeng Xu" userId="e7aed605-a3dd-4d5a-a692-a87037af107b" providerId="ADAL" clId="{FC29E0CB-EC29-4F0E-A782-58C19F5D3434}" dt="2021-08-24T14:43:53.375" v="1" actId="700"/>
+          <ac:spMkLst>
+            <pc:docMk/>
+            <pc:sldMk cId="292031743" sldId="323"/>
+            <ac:spMk id="2" creationId="{0FA4BCDA-9AFB-4F5F-A5EA-048D8F2D88DC}"/>
+          </ac:spMkLst>
+        </pc:spChg>
+        <pc:spChg chg="del">
+          <ac:chgData name="Weifeng Xu" userId="e7aed605-a3dd-4d5a-a692-a87037af107b" providerId="ADAL" clId="{FC29E0CB-EC29-4F0E-A782-58C19F5D3434}" dt="2021-08-24T14:43:53.375" v="1" actId="700"/>
+          <ac:spMkLst>
+            <pc:docMk/>
+            <pc:sldMk cId="292031743" sldId="323"/>
+            <ac:spMk id="3" creationId="{71A05EB1-ACBB-4660-8BCB-5819A1D26DFD}"/>
+          </ac:spMkLst>
+        </pc:spChg>
+        <pc:spChg chg="add mod ord">
+          <ac:chgData name="Weifeng Xu" userId="e7aed605-a3dd-4d5a-a692-a87037af107b" providerId="ADAL" clId="{FC29E0CB-EC29-4F0E-A782-58C19F5D3434}" dt="2021-08-24T14:47:45.841" v="24" actId="700"/>
+          <ac:spMkLst>
+            <pc:docMk/>
+            <pc:sldMk cId="292031743" sldId="323"/>
+            <ac:spMk id="4" creationId="{21C5F391-BD46-454B-BA43-6035EF9BA067}"/>
+          </ac:spMkLst>
+        </pc:spChg>
+        <pc:spChg chg="add del mod">
+          <ac:chgData name="Weifeng Xu" userId="e7aed605-a3dd-4d5a-a692-a87037af107b" providerId="ADAL" clId="{FC29E0CB-EC29-4F0E-A782-58C19F5D3434}" dt="2021-08-24T14:47:40.936" v="23" actId="478"/>
+          <ac:spMkLst>
+            <pc:docMk/>
+            <pc:sldMk cId="292031743" sldId="323"/>
+            <ac:spMk id="7" creationId="{FEABE6E2-43C1-4D37-AD2E-53733DBD4D78}"/>
+          </ac:spMkLst>
+        </pc:spChg>
+        <pc:spChg chg="add mod ord">
+          <ac:chgData name="Weifeng Xu" userId="e7aed605-a3dd-4d5a-a692-a87037af107b" providerId="ADAL" clId="{FC29E0CB-EC29-4F0E-A782-58C19F5D3434}" dt="2021-08-24T15:09:55.364" v="218" actId="12"/>
+          <ac:spMkLst>
+            <pc:docMk/>
+            <pc:sldMk cId="292031743" sldId="323"/>
+            <ac:spMk id="9" creationId="{33EF9FE4-BE5E-48E5-841C-1F2FAF0945AA}"/>
+          </ac:spMkLst>
+        </pc:spChg>
+        <pc:spChg chg="add mod">
+          <ac:chgData name="Weifeng Xu" userId="e7aed605-a3dd-4d5a-a692-a87037af107b" providerId="ADAL" clId="{FC29E0CB-EC29-4F0E-A782-58C19F5D3434}" dt="2021-08-24T15:11:07.583" v="228" actId="207"/>
+          <ac:spMkLst>
+            <pc:docMk/>
+            <pc:sldMk cId="292031743" sldId="323"/>
+            <ac:spMk id="10" creationId="{14424628-BD89-4B1D-A277-4007BE9552D4}"/>
+          </ac:spMkLst>
+        </pc:spChg>
+        <pc:spChg chg="add mod">
+          <ac:chgData name="Weifeng Xu" userId="e7aed605-a3dd-4d5a-a692-a87037af107b" providerId="ADAL" clId="{FC29E0CB-EC29-4F0E-A782-58C19F5D3434}" dt="2021-08-24T15:10:58.335" v="224" actId="2085"/>
+          <ac:spMkLst>
+            <pc:docMk/>
+            <pc:sldMk cId="292031743" sldId="323"/>
+            <ac:spMk id="37" creationId="{8BC1F83E-E671-43C8-AD56-BC632DDC9A67}"/>
+          </ac:spMkLst>
+        </pc:spChg>
+        <pc:spChg chg="add mod">
+          <ac:chgData name="Weifeng Xu" userId="e7aed605-a3dd-4d5a-a692-a87037af107b" providerId="ADAL" clId="{FC29E0CB-EC29-4F0E-A782-58C19F5D3434}" dt="2021-08-24T15:14:52.652" v="237" actId="1076"/>
+          <ac:spMkLst>
+            <pc:docMk/>
+            <pc:sldMk cId="292031743" sldId="323"/>
+            <ac:spMk id="39" creationId="{20D7D29C-EFF3-4DDA-AADD-3B45F806B09B}"/>
+          </ac:spMkLst>
+        </pc:spChg>
+        <pc:picChg chg="add mod">
+          <ac:chgData name="Weifeng Xu" userId="e7aed605-a3dd-4d5a-a692-a87037af107b" providerId="ADAL" clId="{FC29E0CB-EC29-4F0E-A782-58C19F5D3434}" dt="2021-08-24T15:00:00.007" v="179" actId="1076"/>
           <ac:picMkLst>
             <pc:docMk/>
-            <pc:sldMk cId="3280354511" sldId="273"/>
-            <ac:picMk id="6" creationId="{00000000-0000-0000-0000-000000000000}"/>
+            <pc:sldMk cId="292031743" sldId="323"/>
+            <ac:picMk id="1026" creationId="{DE1748CC-871F-448C-8F8E-90685526AA93}"/>
           </ac:picMkLst>
         </pc:picChg>
+        <pc:cxnChg chg="add del mod">
+          <ac:chgData name="Weifeng Xu" userId="e7aed605-a3dd-4d5a-a692-a87037af107b" providerId="ADAL" clId="{FC29E0CB-EC29-4F0E-A782-58C19F5D3434}" dt="2021-08-24T14:47:38.463" v="22" actId="478"/>
+          <ac:cxnSpMkLst>
+            <pc:docMk/>
+            <pc:sldMk cId="292031743" sldId="323"/>
+            <ac:cxnSpMk id="8" creationId="{70C8EC3F-7231-4209-B5AE-38295BCD5236}"/>
+          </ac:cxnSpMkLst>
+        </pc:cxnChg>
+        <pc:cxnChg chg="add del mod">
+          <ac:chgData name="Weifeng Xu" userId="e7aed605-a3dd-4d5a-a692-a87037af107b" providerId="ADAL" clId="{FC29E0CB-EC29-4F0E-A782-58C19F5D3434}" dt="2021-08-24T15:01:39.249" v="188" actId="478"/>
+          <ac:cxnSpMkLst>
+            <pc:docMk/>
+            <pc:sldMk cId="292031743" sldId="323"/>
+            <ac:cxnSpMk id="12" creationId="{DEF5EE3C-8FD1-4B3C-97BE-9DCCAD7CC40C}"/>
+          </ac:cxnSpMkLst>
+        </pc:cxnChg>
+        <pc:cxnChg chg="add mod">
+          <ac:chgData name="Weifeng Xu" userId="e7aed605-a3dd-4d5a-a692-a87037af107b" providerId="ADAL" clId="{FC29E0CB-EC29-4F0E-A782-58C19F5D3434}" dt="2021-08-24T15:09:26.321" v="214" actId="693"/>
+          <ac:cxnSpMkLst>
+            <pc:docMk/>
+            <pc:sldMk cId="292031743" sldId="323"/>
+            <ac:cxnSpMk id="15" creationId="{8D1FCEF6-B348-4FC8-B0E6-D54D53AA5EE7}"/>
+          </ac:cxnSpMkLst>
+        </pc:cxnChg>
+        <pc:cxnChg chg="add mod">
+          <ac:chgData name="Weifeng Xu" userId="e7aed605-a3dd-4d5a-a692-a87037af107b" providerId="ADAL" clId="{FC29E0CB-EC29-4F0E-A782-58C19F5D3434}" dt="2021-08-24T15:11:03.632" v="227" actId="20577"/>
+          <ac:cxnSpMkLst>
+            <pc:docMk/>
+            <pc:sldMk cId="292031743" sldId="323"/>
+            <ac:cxnSpMk id="17" creationId="{B5C70081-E697-43EB-94C9-7F52ADBDDBC3}"/>
+          </ac:cxnSpMkLst>
+        </pc:cxnChg>
+        <pc:cxnChg chg="add mod">
+          <ac:chgData name="Weifeng Xu" userId="e7aed605-a3dd-4d5a-a692-a87037af107b" providerId="ADAL" clId="{FC29E0CB-EC29-4F0E-A782-58C19F5D3434}" dt="2021-08-24T15:09:14.464" v="212" actId="693"/>
+          <ac:cxnSpMkLst>
+            <pc:docMk/>
+            <pc:sldMk cId="292031743" sldId="323"/>
+            <ac:cxnSpMk id="23" creationId="{27E200BC-E63B-45D2-802C-A1E390EF4959}"/>
+          </ac:cxnSpMkLst>
+        </pc:cxnChg>
+        <pc:cxnChg chg="add mod">
+          <ac:chgData name="Weifeng Xu" userId="e7aed605-a3dd-4d5a-a692-a87037af107b" providerId="ADAL" clId="{FC29E0CB-EC29-4F0E-A782-58C19F5D3434}" dt="2021-08-24T15:09:20.239" v="213" actId="693"/>
+          <ac:cxnSpMkLst>
+            <pc:docMk/>
+            <pc:sldMk cId="292031743" sldId="323"/>
+            <ac:cxnSpMk id="28" creationId="{3570BB91-F533-44AF-AE76-EE5174C15FC8}"/>
+          </ac:cxnSpMkLst>
+        </pc:cxnChg>
+        <pc:cxnChg chg="add mod">
+          <ac:chgData name="Weifeng Xu" userId="e7aed605-a3dd-4d5a-a692-a87037af107b" providerId="ADAL" clId="{FC29E0CB-EC29-4F0E-A782-58C19F5D3434}" dt="2021-08-24T15:07:27.729" v="206" actId="13822"/>
+          <ac:cxnSpMkLst>
+            <pc:docMk/>
+            <pc:sldMk cId="292031743" sldId="323"/>
+            <ac:cxnSpMk id="31" creationId="{5EC48818-F89D-497D-8A55-F90D8B550A5A}"/>
+          </ac:cxnSpMkLst>
+        </pc:cxnChg>
+        <pc:cxnChg chg="add mod">
+          <ac:chgData name="Weifeng Xu" userId="e7aed605-a3dd-4d5a-a692-a87037af107b" providerId="ADAL" clId="{FC29E0CB-EC29-4F0E-A782-58C19F5D3434}" dt="2021-08-24T15:11:03.632" v="227" actId="20577"/>
+          <ac:cxnSpMkLst>
+            <pc:docMk/>
+            <pc:sldMk cId="292031743" sldId="323"/>
+            <ac:cxnSpMk id="33" creationId="{84B3EB96-76FB-40F6-AF47-7A4C4970B19B}"/>
+          </ac:cxnSpMkLst>
+        </pc:cxnChg>
+        <pc:cxnChg chg="add mod">
+          <ac:chgData name="Weifeng Xu" userId="e7aed605-a3dd-4d5a-a692-a87037af107b" providerId="ADAL" clId="{FC29E0CB-EC29-4F0E-A782-58C19F5D3434}" dt="2021-08-24T15:14:39.745" v="236" actId="208"/>
+          <ac:cxnSpMkLst>
+            <pc:docMk/>
+            <pc:sldMk cId="292031743" sldId="323"/>
+            <ac:cxnSpMk id="40" creationId="{58D05975-147C-4B53-B8E2-BE2E7BB34565}"/>
+          </ac:cxnSpMkLst>
+        </pc:cxnChg>
       </pc:sldChg>
     </pc:docChg>
   </pc:docChgLst>
@@ -4133,7 +4735,7 @@
           <a:p>
             <a:fld id="{EE41F6E3-57F9-402E-BDBA-5B2DE11C8530}" type="datetimeFigureOut">
               <a:rPr lang="en-US" smtClean="0"/>
-              <a:t>12/20/2020</a:t>
+              <a:t>8/24/2021</a:t>
             </a:fld>
             <a:endParaRPr lang="en-US"/>
           </a:p>
@@ -4551,56 +5153,9 @@
           <a:bodyPr/>
           <a:lstStyle/>
           <a:p>
-            <a:pPr marL="0" marR="0" lvl="0" indent="0" algn="l" defTabSz="914400" rtl="0" eaLnBrk="1" fontAlgn="auto" latinLnBrk="0" hangingPunct="1">
-              <a:lnSpc>
-                <a:spcPct val="100000"/>
-              </a:lnSpc>
-              <a:spcBef>
-                <a:spcPts val="0"/>
-              </a:spcBef>
-              <a:spcAft>
-                <a:spcPts val="0"/>
-              </a:spcAft>
-              <a:buClrTx/>
-              <a:buSzTx/>
-              <a:buFontTx/>
-              <a:buNone/>
-              <a:tabLst/>
-              <a:defRPr/>
-            </a:pPr>
-            <a:r>
-              <a:rPr lang="en-US" dirty="0" err="1"/>
-              <a:t>fls</a:t>
-            </a:r>
             <a:r>
               <a:rPr lang="en-US" dirty="0"/>
-              <a:t> -r -o 206848 cfreds_2015_data_leakage_pc.dd | grep "</a:t>
-            </a:r>
-            <a:r>
-              <a:rPr lang="en-US" dirty="0" err="1"/>
-              <a:t>Security.evtx</a:t>
-            </a:r>
-            <a:r>
-              <a:rPr lang="en-US" dirty="0"/>
-              <a:t>"</a:t>
-            </a:r>
-          </a:p>
-          <a:p>
-            <a:r>
-              <a:rPr lang="en-US" dirty="0" err="1"/>
-              <a:t>fls</a:t>
-            </a:r>
-            <a:r>
-              <a:rPr lang="en-US" dirty="0"/>
-              <a:t> -r -p -o 206848 cfreds_2015_data_leakage_pc.dd | grep "</a:t>
-            </a:r>
-            <a:r>
-              <a:rPr lang="en-US" dirty="0" err="1"/>
-              <a:t>Security.evtx</a:t>
-            </a:r>
-            <a:r>
-              <a:rPr lang="en-US" dirty="0"/>
-              <a:t>"</a:t>
+              <a:t>https://linuxize.com/post/regular-expressions-in-grep/</a:t>
             </a:r>
           </a:p>
         </p:txBody>
@@ -4622,7 +5177,7 @@
           <a:p>
             <a:fld id="{DDBF98C7-164A-4723-84F0-B1E4B080DDEC}" type="slidenum">
               <a:rPr lang="en-US" smtClean="0"/>
-              <a:t>32</a:t>
+              <a:t>28</a:t>
             </a:fld>
             <a:endParaRPr lang="en-US"/>
           </a:p>
@@ -4631,7 +5186,7 @@
     </p:spTree>
     <p:extLst>
       <p:ext uri="{BB962C8B-B14F-4D97-AF65-F5344CB8AC3E}">
-        <p14:creationId xmlns:p14="http://schemas.microsoft.com/office/powerpoint/2010/main" val="1925400898"/>
+        <p14:creationId xmlns:p14="http://schemas.microsoft.com/office/powerpoint/2010/main" val="3876188338"/>
       </p:ext>
     </p:extLst>
   </p:cSld>
@@ -4685,34 +5240,53 @@
           <a:bodyPr/>
           <a:lstStyle/>
           <a:p>
-            <a:pPr marL="0" marR="0" lvl="0" indent="0" algn="l" defTabSz="914400" rtl="0" eaLnBrk="1" fontAlgn="auto" latinLnBrk="0" hangingPunct="1">
-              <a:lnSpc>
-                <a:spcPct val="100000"/>
-              </a:lnSpc>
-              <a:spcBef>
-                <a:spcPts val="0"/>
-              </a:spcBef>
-              <a:spcAft>
-                <a:spcPts val="0"/>
-              </a:spcAft>
-              <a:buClrTx/>
-              <a:buSzTx/>
-              <a:buFontTx/>
-              <a:buNone/>
-              <a:tabLst/>
-              <a:defRPr/>
-            </a:pPr>
             <a:r>
               <a:rPr lang="en-US" dirty="0" err="1"/>
-              <a:t>sudo</a:t>
+              <a:t>mkdir</a:t>
             </a:r>
             <a:r>
               <a:rPr lang="en-US" dirty="0"/>
-              <a:t> apt-get install tree</a:t>
-            </a:r>
-          </a:p>
-          <a:p>
+              <a:t> </a:t>
+            </a:r>
+            <a:r>
+              <a:rPr lang="en-US" dirty="0" err="1"/>
+              <a:t>Prefetch</a:t>
+            </a:r>
             <a:endParaRPr lang="en-US" dirty="0"/>
+          </a:p>
+          <a:p>
+            <a:r>
+              <a:rPr lang="en-US" dirty="0" err="1"/>
+              <a:t>cp</a:t>
+            </a:r>
+            <a:r>
+              <a:rPr lang="en-US" dirty="0"/>
+              <a:t> -</a:t>
+            </a:r>
+            <a:r>
+              <a:rPr lang="en-US" dirty="0" err="1"/>
+              <a:t>avr</a:t>
+            </a:r>
+            <a:r>
+              <a:rPr lang="en-US" dirty="0"/>
+              <a:t> /media/root/C8CA0C8DCA0C7A48/Windows/</a:t>
+            </a:r>
+            <a:r>
+              <a:rPr lang="en-US" dirty="0" err="1"/>
+              <a:t>Prefetch</a:t>
+            </a:r>
+            <a:r>
+              <a:rPr lang="en-US" dirty="0"/>
+              <a:t>/ ./</a:t>
+            </a:r>
+            <a:r>
+              <a:rPr lang="en-US" dirty="0" err="1"/>
+              <a:t>Prefetch</a:t>
+            </a:r>
+            <a:r>
+              <a:rPr lang="en-US" dirty="0"/>
+              <a:t>/</a:t>
+            </a:r>
           </a:p>
         </p:txBody>
       </p:sp>
@@ -4733,7 +5307,7 @@
           <a:p>
             <a:fld id="{DDBF98C7-164A-4723-84F0-B1E4B080DDEC}" type="slidenum">
               <a:rPr lang="en-US" smtClean="0"/>
-              <a:t>37</a:t>
+              <a:t>29</a:t>
             </a:fld>
             <a:endParaRPr lang="en-US"/>
           </a:p>
@@ -4742,7 +5316,7 @@
     </p:spTree>
     <p:extLst>
       <p:ext uri="{BB962C8B-B14F-4D97-AF65-F5344CB8AC3E}">
-        <p14:creationId xmlns:p14="http://schemas.microsoft.com/office/powerpoint/2010/main" val="276120339"/>
+        <p14:creationId xmlns:p14="http://schemas.microsoft.com/office/powerpoint/2010/main" val="3799806659"/>
       </p:ext>
     </p:extLst>
   </p:cSld>
@@ -4796,21 +5370,56 @@
           <a:bodyPr/>
           <a:lstStyle/>
           <a:p>
+            <a:pPr marL="0" marR="0" lvl="0" indent="0" algn="l" defTabSz="914400" rtl="0" eaLnBrk="1" fontAlgn="auto" latinLnBrk="0" hangingPunct="1">
+              <a:lnSpc>
+                <a:spcPct val="100000"/>
+              </a:lnSpc>
+              <a:spcBef>
+                <a:spcPts val="0"/>
+              </a:spcBef>
+              <a:spcAft>
+                <a:spcPts val="0"/>
+              </a:spcAft>
+              <a:buClrTx/>
+              <a:buSzTx/>
+              <a:buFontTx/>
+              <a:buNone/>
+              <a:tabLst/>
+              <a:defRPr/>
+            </a:pPr>
+            <a:r>
+              <a:rPr lang="en-US" dirty="0" err="1"/>
+              <a:t>fls</a:t>
+            </a:r>
             <a:r>
               <a:rPr lang="en-US" dirty="0"/>
-              <a:t>https://raw.githubusercontent.com/siftgrab/siftgrab/master/regripper.conf/RegRipper30-apt-git-Install.sh</a:t>
-            </a:r>
-          </a:p>
-          <a:p>
+              <a:t> -r -o 206848 cfreds_2015_data_leakage_pc.dd | grep "</a:t>
+            </a:r>
+            <a:r>
+              <a:rPr lang="en-US" dirty="0" err="1"/>
+              <a:t>Security.evtx</a:t>
+            </a:r>
             <a:r>
               <a:rPr lang="en-US" dirty="0"/>
-              <a:t>https://medium.com/@stdout_/installing-regripper-v2-8-on-ubuntu-26dc8bc8a2d3</a:t>
-            </a:r>
-          </a:p>
-          <a:p>
+              <a:t>"</a:t>
+            </a:r>
+          </a:p>
+          <a:p>
+            <a:r>
+              <a:rPr lang="en-US" dirty="0" err="1"/>
+              <a:t>fls</a:t>
+            </a:r>
             <a:r>
               <a:rPr lang="en-US" dirty="0"/>
-              <a:t>https://github.com/keydet89/RegRipper3.0</a:t>
+              <a:t> -r -p -o 206848 cfreds_2015_data_leakage_pc.dd | grep "</a:t>
+            </a:r>
+            <a:r>
+              <a:rPr lang="en-US" dirty="0" err="1"/>
+              <a:t>Security.evtx</a:t>
+            </a:r>
+            <a:r>
+              <a:rPr lang="en-US" dirty="0"/>
+              <a:t>"</a:t>
             </a:r>
           </a:p>
         </p:txBody>
@@ -4832,7 +5441,7 @@
           <a:p>
             <a:fld id="{DDBF98C7-164A-4723-84F0-B1E4B080DDEC}" type="slidenum">
               <a:rPr lang="en-US" smtClean="0"/>
-              <a:t>39</a:t>
+              <a:t>33</a:t>
             </a:fld>
             <a:endParaRPr lang="en-US"/>
           </a:p>
@@ -4841,7 +5450,7 @@
     </p:spTree>
     <p:extLst>
       <p:ext uri="{BB962C8B-B14F-4D97-AF65-F5344CB8AC3E}">
-        <p14:creationId xmlns:p14="http://schemas.microsoft.com/office/powerpoint/2010/main" val="1750558777"/>
+        <p14:creationId xmlns:p14="http://schemas.microsoft.com/office/powerpoint/2010/main" val="1925400898"/>
       </p:ext>
     </p:extLst>
   </p:cSld>
@@ -4895,10 +5504,34 @@
           <a:bodyPr/>
           <a:lstStyle/>
           <a:p>
+            <a:pPr marL="0" marR="0" lvl="0" indent="0" algn="l" defTabSz="914400" rtl="0" eaLnBrk="1" fontAlgn="auto" latinLnBrk="0" hangingPunct="1">
+              <a:lnSpc>
+                <a:spcPct val="100000"/>
+              </a:lnSpc>
+              <a:spcBef>
+                <a:spcPts val="0"/>
+              </a:spcBef>
+              <a:spcAft>
+                <a:spcPts val="0"/>
+              </a:spcAft>
+              <a:buClrTx/>
+              <a:buSzTx/>
+              <a:buFontTx/>
+              <a:buNone/>
+              <a:tabLst/>
+              <a:defRPr/>
+            </a:pPr>
+            <a:r>
+              <a:rPr lang="en-US" dirty="0" err="1"/>
+              <a:t>sudo</a:t>
+            </a:r>
             <a:r>
               <a:rPr lang="en-US" dirty="0"/>
-              <a:t>git clone https://github.com/PoorBillionaire/Windows-Prefetch-Parser.git</a:t>
-            </a:r>
+              <a:t> apt-get install tree</a:t>
+            </a:r>
+          </a:p>
+          <a:p>
+            <a:endParaRPr lang="en-US" dirty="0"/>
           </a:p>
         </p:txBody>
       </p:sp>
@@ -4919,7 +5552,7 @@
           <a:p>
             <a:fld id="{DDBF98C7-164A-4723-84F0-B1E4B080DDEC}" type="slidenum">
               <a:rPr lang="en-US" smtClean="0"/>
-              <a:t>41</a:t>
+              <a:t>38</a:t>
             </a:fld>
             <a:endParaRPr lang="en-US"/>
           </a:p>
@@ -4928,7 +5561,7 @@
     </p:spTree>
     <p:extLst>
       <p:ext uri="{BB962C8B-B14F-4D97-AF65-F5344CB8AC3E}">
-        <p14:creationId xmlns:p14="http://schemas.microsoft.com/office/powerpoint/2010/main" val="900033862"/>
+        <p14:creationId xmlns:p14="http://schemas.microsoft.com/office/powerpoint/2010/main" val="276120339"/>
       </p:ext>
     </p:extLst>
   </p:cSld>
@@ -4982,7 +5615,26 @@
           <a:bodyPr/>
           <a:lstStyle/>
           <a:p>
-            <a:endParaRPr lang="en-US" dirty="0"/>
+            <a:r>
+              <a:rPr lang="en-US" dirty="0" err="1"/>
+              <a:t>wget</a:t>
+            </a:r>
+            <a:r>
+              <a:rPr lang="en-US" dirty="0"/>
+              <a:t> https://raw.githubusercontent.com/siftgrab/siftgrab/master/regripper.conf/RegRipper30-apt-git-Install.sh</a:t>
+            </a:r>
+          </a:p>
+          <a:p>
+            <a:r>
+              <a:rPr lang="en-US" dirty="0"/>
+              <a:t>https://medium.com/@stdout_/installing-regripper-v2-8-on-ubuntu-26dc8bc8a2d3</a:t>
+            </a:r>
+          </a:p>
+          <a:p>
+            <a:r>
+              <a:rPr lang="en-US" dirty="0"/>
+              <a:t>https://github.com/keydet89/RegRipper3.0</a:t>
+            </a:r>
           </a:p>
         </p:txBody>
       </p:sp>
@@ -5003,7 +5655,7 @@
           <a:p>
             <a:fld id="{DDBF98C7-164A-4723-84F0-B1E4B080DDEC}" type="slidenum">
               <a:rPr lang="en-US" smtClean="0"/>
-              <a:t>42</a:t>
+              <a:t>40</a:t>
             </a:fld>
             <a:endParaRPr lang="en-US"/>
           </a:p>
@@ -5012,7 +5664,7 @@
     </p:spTree>
     <p:extLst>
       <p:ext uri="{BB962C8B-B14F-4D97-AF65-F5344CB8AC3E}">
-        <p14:creationId xmlns:p14="http://schemas.microsoft.com/office/powerpoint/2010/main" val="2032092198"/>
+        <p14:creationId xmlns:p14="http://schemas.microsoft.com/office/powerpoint/2010/main" val="1750558777"/>
       </p:ext>
     </p:extLst>
   </p:cSld>
@@ -5066,10 +5718,7 @@
           <a:bodyPr/>
           <a:lstStyle/>
           <a:p>
-            <a:r>
-              <a:rPr lang="en-US" dirty="0"/>
-              <a:t>Apt-get install python3-evtx</a:t>
-            </a:r>
+            <a:endParaRPr lang="en-US" dirty="0"/>
           </a:p>
         </p:txBody>
       </p:sp>
@@ -5090,7 +5739,207 @@
           <a:p>
             <a:fld id="{DDBF98C7-164A-4723-84F0-B1E4B080DDEC}" type="slidenum">
               <a:rPr lang="en-US" smtClean="0"/>
-              <a:t>44</a:t>
+              <a:t>42</a:t>
+            </a:fld>
+            <a:endParaRPr lang="en-US"/>
+          </a:p>
+        </p:txBody>
+      </p:sp>
+    </p:spTree>
+    <p:extLst>
+      <p:ext uri="{BB962C8B-B14F-4D97-AF65-F5344CB8AC3E}">
+        <p14:creationId xmlns:p14="http://schemas.microsoft.com/office/powerpoint/2010/main" val="900033862"/>
+      </p:ext>
+    </p:extLst>
+  </p:cSld>
+  <p:clrMapOvr>
+    <a:masterClrMapping/>
+  </p:clrMapOvr>
+</p:notes>
+</file>
+
+<file path=ppt/notesSlides/notesSlide16.xml><?xml version="1.0" encoding="utf-8"?>
+<p:notes xmlns:a="http://schemas.openxmlformats.org/drawingml/2006/main" xmlns:r="http://schemas.openxmlformats.org/officeDocument/2006/relationships" xmlns:p="http://schemas.openxmlformats.org/presentationml/2006/main">
+  <p:cSld>
+    <p:spTree>
+      <p:nvGrpSpPr>
+        <p:cNvPr id="1" name=""/>
+        <p:cNvGrpSpPr/>
+        <p:nvPr/>
+      </p:nvGrpSpPr>
+      <p:grpSpPr>
+        <a:xfrm>
+          <a:off x="0" y="0"/>
+          <a:ext cx="0" cy="0"/>
+          <a:chOff x="0" y="0"/>
+          <a:chExt cx="0" cy="0"/>
+        </a:xfrm>
+      </p:grpSpPr>
+      <p:sp>
+        <p:nvSpPr>
+          <p:cNvPr id="2" name="Slide Image Placeholder 1"/>
+          <p:cNvSpPr>
+            <a:spLocks noGrp="1" noRot="1" noChangeAspect="1"/>
+          </p:cNvSpPr>
+          <p:nvPr>
+            <p:ph type="sldImg"/>
+          </p:nvPr>
+        </p:nvSpPr>
+        <p:spPr/>
+      </p:sp>
+      <p:sp>
+        <p:nvSpPr>
+          <p:cNvPr id="3" name="Notes Placeholder 2"/>
+          <p:cNvSpPr>
+            <a:spLocks noGrp="1"/>
+          </p:cNvSpPr>
+          <p:nvPr>
+            <p:ph type="body" idx="1"/>
+          </p:nvPr>
+        </p:nvSpPr>
+        <p:spPr/>
+        <p:txBody>
+          <a:bodyPr/>
+          <a:lstStyle/>
+          <a:p>
+            <a:r>
+              <a:rPr lang="en-US" dirty="0"/>
+              <a:t>Debug</a:t>
+            </a:r>
+          </a:p>
+          <a:p>
+            <a:endParaRPr lang="en-US" dirty="0">
+              <a:solidFill>
+                <a:srgbClr val="FF0000"/>
+              </a:solidFill>
+            </a:endParaRPr>
+          </a:p>
+          <a:p>
+            <a:r>
+              <a:rPr lang="en-US" dirty="0">
+                <a:solidFill>
+                  <a:srgbClr val="FF0000"/>
+                </a:solidFill>
+              </a:rPr>
+              <a:t>apt-ge</a:t>
+            </a:r>
+            <a:r>
+              <a:rPr lang="en-US" dirty="0"/>
+              <a:t>t install python-</a:t>
+            </a:r>
+            <a:r>
+              <a:rPr lang="en-US" dirty="0" err="1"/>
+              <a:t>setuptools</a:t>
+            </a:r>
+            <a:endParaRPr lang="en-US" dirty="0"/>
+          </a:p>
+        </p:txBody>
+      </p:sp>
+      <p:sp>
+        <p:nvSpPr>
+          <p:cNvPr id="4" name="Slide Number Placeholder 3"/>
+          <p:cNvSpPr>
+            <a:spLocks noGrp="1"/>
+          </p:cNvSpPr>
+          <p:nvPr>
+            <p:ph type="sldNum" sz="quarter" idx="10"/>
+          </p:nvPr>
+        </p:nvSpPr>
+        <p:spPr/>
+        <p:txBody>
+          <a:bodyPr/>
+          <a:lstStyle/>
+          <a:p>
+            <a:fld id="{DDBF98C7-164A-4723-84F0-B1E4B080DDEC}" type="slidenum">
+              <a:rPr lang="en-US" smtClean="0"/>
+              <a:t>43</a:t>
+            </a:fld>
+            <a:endParaRPr lang="en-US"/>
+          </a:p>
+        </p:txBody>
+      </p:sp>
+    </p:spTree>
+    <p:extLst>
+      <p:ext uri="{BB962C8B-B14F-4D97-AF65-F5344CB8AC3E}">
+        <p14:creationId xmlns:p14="http://schemas.microsoft.com/office/powerpoint/2010/main" val="2032092198"/>
+      </p:ext>
+    </p:extLst>
+  </p:cSld>
+  <p:clrMapOvr>
+    <a:masterClrMapping/>
+  </p:clrMapOvr>
+</p:notes>
+</file>
+
+<file path=ppt/notesSlides/notesSlide17.xml><?xml version="1.0" encoding="utf-8"?>
+<p:notes xmlns:a="http://schemas.openxmlformats.org/drawingml/2006/main" xmlns:r="http://schemas.openxmlformats.org/officeDocument/2006/relationships" xmlns:p="http://schemas.openxmlformats.org/presentationml/2006/main">
+  <p:cSld>
+    <p:spTree>
+      <p:nvGrpSpPr>
+        <p:cNvPr id="1" name=""/>
+        <p:cNvGrpSpPr/>
+        <p:nvPr/>
+      </p:nvGrpSpPr>
+      <p:grpSpPr>
+        <a:xfrm>
+          <a:off x="0" y="0"/>
+          <a:ext cx="0" cy="0"/>
+          <a:chOff x="0" y="0"/>
+          <a:chExt cx="0" cy="0"/>
+        </a:xfrm>
+      </p:grpSpPr>
+      <p:sp>
+        <p:nvSpPr>
+          <p:cNvPr id="2" name="Slide Image Placeholder 1"/>
+          <p:cNvSpPr>
+            <a:spLocks noGrp="1" noRot="1" noChangeAspect="1"/>
+          </p:cNvSpPr>
+          <p:nvPr>
+            <p:ph type="sldImg"/>
+          </p:nvPr>
+        </p:nvSpPr>
+        <p:spPr/>
+      </p:sp>
+      <p:sp>
+        <p:nvSpPr>
+          <p:cNvPr id="3" name="Notes Placeholder 2"/>
+          <p:cNvSpPr>
+            <a:spLocks noGrp="1"/>
+          </p:cNvSpPr>
+          <p:nvPr>
+            <p:ph type="body" idx="1"/>
+          </p:nvPr>
+        </p:nvSpPr>
+        <p:spPr/>
+        <p:txBody>
+          <a:bodyPr/>
+          <a:lstStyle/>
+          <a:p>
+            <a:r>
+              <a:rPr lang="en-US" dirty="0"/>
+              <a:t>Apt-get install python3-evtx</a:t>
+            </a:r>
+          </a:p>
+        </p:txBody>
+      </p:sp>
+      <p:sp>
+        <p:nvSpPr>
+          <p:cNvPr id="4" name="Slide Number Placeholder 3"/>
+          <p:cNvSpPr>
+            <a:spLocks noGrp="1"/>
+          </p:cNvSpPr>
+          <p:nvPr>
+            <p:ph type="sldNum" sz="quarter" idx="10"/>
+          </p:nvPr>
+        </p:nvSpPr>
+        <p:spPr/>
+        <p:txBody>
+          <a:bodyPr/>
+          <a:lstStyle/>
+          <a:p>
+            <a:fld id="{DDBF98C7-164A-4723-84F0-B1E4B080DDEC}" type="slidenum">
+              <a:rPr lang="en-US" smtClean="0"/>
+              <a:t>45</a:t>
             </a:fld>
             <a:endParaRPr lang="en-US"/>
           </a:p>
@@ -5155,32 +6004,17 @@
           <a:p>
             <a:r>
               <a:rPr lang="en-US" dirty="0" err="1"/>
-              <a:t>wget</a:t>
+              <a:t>sudo</a:t>
             </a:r>
             <a:r>
               <a:rPr lang="en-US" dirty="0"/>
-              <a:t>  -q https://www.cfreds.nist.gov/data_leakage_case/images/pc/cfreds_2015_data_leakage_pc.7z.001</a:t>
-            </a:r>
-          </a:p>
-          <a:p>
+              <a:t> </a:t>
+            </a:r>
             <a:r>
               <a:rPr lang="en-US" dirty="0" err="1"/>
-              <a:t>wget</a:t>
-            </a:r>
-            <a:r>
-              <a:rPr lang="en-US" dirty="0"/>
-              <a:t>  -q https://www.cfreds.nist.gov/data_leakage_case/images/pc/cfreds_2015_data_leakage_pc.7z.002</a:t>
-            </a:r>
-          </a:p>
-          <a:p>
-            <a:r>
-              <a:rPr lang="en-US" dirty="0" err="1"/>
-              <a:t>wget</a:t>
-            </a:r>
-            <a:r>
-              <a:rPr lang="en-US" dirty="0"/>
-              <a:t> - q https://www.cfreds.nist.gov/data_leakage_case/images/pc/cfreds_2015_data_leakage_pc.7z.003</a:t>
-            </a:r>
+              <a:t>su</a:t>
+            </a:r>
+            <a:endParaRPr lang="en-US" dirty="0"/>
           </a:p>
         </p:txBody>
       </p:sp>
@@ -5191,7 +6025,7 @@
             <a:spLocks noGrp="1"/>
           </p:cNvSpPr>
           <p:nvPr>
-            <p:ph type="sldNum" sz="quarter" idx="10"/>
+            <p:ph type="sldNum" sz="quarter" idx="5"/>
           </p:nvPr>
         </p:nvSpPr>
         <p:spPr/>
@@ -5201,7 +6035,7 @@
           <a:p>
             <a:fld id="{DDBF98C7-164A-4723-84F0-B1E4B080DDEC}" type="slidenum">
               <a:rPr lang="en-US" smtClean="0"/>
-              <a:t>6</a:t>
+              <a:t>2</a:t>
             </a:fld>
             <a:endParaRPr lang="en-US"/>
           </a:p>
@@ -5210,7 +6044,7 @@
     </p:spTree>
     <p:extLst>
       <p:ext uri="{BB962C8B-B14F-4D97-AF65-F5344CB8AC3E}">
-        <p14:creationId xmlns:p14="http://schemas.microsoft.com/office/powerpoint/2010/main" val="2398287184"/>
+        <p14:creationId xmlns:p14="http://schemas.microsoft.com/office/powerpoint/2010/main" val="972569189"/>
       </p:ext>
     </p:extLst>
   </p:cSld>
@@ -5265,97 +6099,43 @@
           <a:lstStyle/>
           <a:p>
             <a:r>
+              <a:rPr lang="en-US" dirty="0" err="1"/>
+              <a:t>mkdir</a:t>
+            </a:r>
+            <a:r>
               <a:rPr lang="en-US" dirty="0"/>
-              <a:t>http://blog.hakzone.info/posts-and-articles/linux/disk-analysis-with-fdisk-mmls-fsstat-and-fls/</a:t>
-            </a:r>
-          </a:p>
-          <a:p>
-            <a:pPr marL="285750" indent="-285750">
-              <a:buFont typeface="Arial" panose="020B0604020202020204" pitchFamily="34" charset="0"/>
-              <a:buChar char="•"/>
-            </a:pPr>
-            <a:r>
-              <a:rPr lang="en-US" b="1" dirty="0">
-                <a:solidFill>
-                  <a:srgbClr val="222222"/>
-                </a:solidFill>
-                <a:latin typeface="Roboto"/>
-              </a:rPr>
-              <a:t>Block devices</a:t>
-            </a:r>
-            <a:r>
-              <a:rPr lang="en-US" dirty="0">
-                <a:solidFill>
-                  <a:srgbClr val="222222"/>
-                </a:solidFill>
-                <a:latin typeface="Roboto"/>
-              </a:rPr>
-              <a:t> are characterized by random access to data organized in fixed-size blocks. Examples of such devices are hard drives, CD-ROM drives, RAM disks, etc.</a:t>
-            </a:r>
-          </a:p>
-          <a:p>
-            <a:pPr marL="285750" indent="-285750">
-              <a:buFont typeface="Arial" panose="020B0604020202020204" pitchFamily="34" charset="0"/>
-              <a:buChar char="•"/>
-            </a:pPr>
-            <a:r>
-              <a:rPr lang="en-US" b="1" dirty="0" err="1">
-                <a:solidFill>
-                  <a:srgbClr val="222222"/>
-                </a:solidFill>
-                <a:latin typeface="Roboto"/>
-              </a:rPr>
-              <a:t>fdisk</a:t>
-            </a:r>
-            <a:r>
-              <a:rPr lang="en-US" dirty="0">
-                <a:solidFill>
-                  <a:srgbClr val="222222"/>
-                </a:solidFill>
-                <a:latin typeface="Roboto"/>
-              </a:rPr>
-              <a:t> also known as format disk is a dialog-driven </a:t>
-            </a:r>
-            <a:r>
-              <a:rPr lang="en-US" b="1" dirty="0">
-                <a:solidFill>
-                  <a:srgbClr val="222222"/>
-                </a:solidFill>
-                <a:latin typeface="Roboto"/>
-              </a:rPr>
-              <a:t>command</a:t>
-            </a:r>
-            <a:r>
-              <a:rPr lang="en-US" dirty="0">
-                <a:solidFill>
-                  <a:srgbClr val="222222"/>
-                </a:solidFill>
-                <a:latin typeface="Roboto"/>
-              </a:rPr>
-              <a:t> in </a:t>
-            </a:r>
-            <a:r>
-              <a:rPr lang="en-US" b="1" dirty="0">
-                <a:solidFill>
-                  <a:srgbClr val="222222"/>
-                </a:solidFill>
-                <a:latin typeface="Roboto"/>
-              </a:rPr>
-              <a:t>Linux</a:t>
-            </a:r>
-            <a:r>
-              <a:rPr lang="en-US" dirty="0">
-                <a:solidFill>
-                  <a:srgbClr val="222222"/>
-                </a:solidFill>
-                <a:latin typeface="Roboto"/>
-              </a:rPr>
-              <a:t> used for creating and manipulating disk partition table. It is used for the view, create, delete, change, resize, copy and move partitions on a hard drive using the dialog-driven interface.</a:t>
-            </a:r>
-            <a:endParaRPr lang="en-US" dirty="0"/>
-          </a:p>
-          <a:p>
-            <a:endParaRPr lang="en-US" dirty="0"/>
+              <a:t> cd lab</a:t>
+            </a:r>
+          </a:p>
+          <a:p>
+            <a:r>
+              <a:rPr lang="en-US" dirty="0" err="1"/>
+              <a:t>wget</a:t>
+            </a:r>
+            <a:r>
+              <a:rPr lang="en-US" dirty="0"/>
+              <a:t>  -q https://www.cfreds.nist.gov/data_leakage_case/images/pc/cfreds_2015_data_leakage_pc.7z.001</a:t>
+            </a:r>
+          </a:p>
+          <a:p>
+            <a:r>
+              <a:rPr lang="en-US" dirty="0" err="1"/>
+              <a:t>wget</a:t>
+            </a:r>
+            <a:r>
+              <a:rPr lang="en-US" dirty="0"/>
+              <a:t>  -q https://www.cfreds.nist.gov/data_leakage_case/images/pc/cfreds_2015_data_leakage_pc.7z.002</a:t>
+            </a:r>
+          </a:p>
+          <a:p>
+            <a:r>
+              <a:rPr lang="en-US" dirty="0" err="1"/>
+              <a:t>wget</a:t>
+            </a:r>
+            <a:r>
+              <a:rPr lang="en-US" dirty="0"/>
+              <a:t> - q https://www.cfreds.nist.gov/data_leakage_case/images/pc/cfreds_2015_data_leakage_pc.7z.003</a:t>
+            </a:r>
           </a:p>
         </p:txBody>
       </p:sp>
@@ -5376,7 +6156,7 @@
           <a:p>
             <a:fld id="{DDBF98C7-164A-4723-84F0-B1E4B080DDEC}" type="slidenum">
               <a:rPr lang="en-US" smtClean="0"/>
-              <a:t>9</a:t>
+              <a:t>6</a:t>
             </a:fld>
             <a:endParaRPr lang="en-US"/>
           </a:p>
@@ -5385,7 +6165,7 @@
     </p:spTree>
     <p:extLst>
       <p:ext uri="{BB962C8B-B14F-4D97-AF65-F5344CB8AC3E}">
-        <p14:creationId xmlns:p14="http://schemas.microsoft.com/office/powerpoint/2010/main" val="3515498571"/>
+        <p14:creationId xmlns:p14="http://schemas.microsoft.com/office/powerpoint/2010/main" val="2398287184"/>
       </p:ext>
     </p:extLst>
   </p:cSld>
@@ -5440,18 +6220,8 @@
           <a:lstStyle/>
           <a:p>
             <a:r>
-              <a:rPr lang="en-US" dirty="0" err="1"/>
-              <a:t>fls</a:t>
-            </a:r>
-            <a:r>
               <a:rPr lang="en-US" dirty="0"/>
-              <a:t> -o 206848 cfreds_2015_data_leadage_pc.dd</a:t>
-            </a:r>
-          </a:p>
-          <a:p>
-            <a:r>
-              <a:rPr lang="en-US" dirty="0"/>
-              <a:t>https://wiki.sleuthkit.org/index.php?title=Fls</a:t>
+              <a:t>7z e cfreds_2015_data_leakage_pc.7z.001</a:t>
             </a:r>
           </a:p>
         </p:txBody>
@@ -5463,7 +6233,7 @@
             <a:spLocks noGrp="1"/>
           </p:cNvSpPr>
           <p:nvPr>
-            <p:ph type="sldNum" sz="quarter" idx="10"/>
+            <p:ph type="sldNum" sz="quarter" idx="5"/>
           </p:nvPr>
         </p:nvSpPr>
         <p:spPr/>
@@ -5473,7 +6243,7 @@
           <a:p>
             <a:fld id="{DDBF98C7-164A-4723-84F0-B1E4B080DDEC}" type="slidenum">
               <a:rPr lang="en-US" smtClean="0"/>
-              <a:t>11</a:t>
+              <a:t>7</a:t>
             </a:fld>
             <a:endParaRPr lang="en-US"/>
           </a:p>
@@ -5482,7 +6252,7 @@
     </p:spTree>
     <p:extLst>
       <p:ext uri="{BB962C8B-B14F-4D97-AF65-F5344CB8AC3E}">
-        <p14:creationId xmlns:p14="http://schemas.microsoft.com/office/powerpoint/2010/main" val="2911626647"/>
+        <p14:creationId xmlns:p14="http://schemas.microsoft.com/office/powerpoint/2010/main" val="421456948"/>
       </p:ext>
     </p:extLst>
   </p:cSld>
@@ -5538,21 +6308,108 @@
           <a:p>
             <a:r>
               <a:rPr lang="en-US" dirty="0"/>
-              <a:t>losetup --</a:t>
-            </a:r>
+              <a:t>http://blog.hakzone.info/posts-and-articles/linux/disk-analysis-with-fdisk-mmls-fsstat-and-fls/</a:t>
+            </a:r>
+          </a:p>
+          <a:p>
+            <a:pPr marL="285750" indent="-285750">
+              <a:buFont typeface="Arial" panose="020B0604020202020204" pitchFamily="34" charset="0"/>
+              <a:buChar char="•"/>
+            </a:pPr>
+            <a:r>
+              <a:rPr lang="en-US" b="1" dirty="0">
+                <a:solidFill>
+                  <a:srgbClr val="222222"/>
+                </a:solidFill>
+                <a:latin typeface="Roboto"/>
+              </a:rPr>
+              <a:t>Block devices</a:t>
+            </a:r>
+            <a:r>
+              <a:rPr lang="en-US" dirty="0">
+                <a:solidFill>
+                  <a:srgbClr val="222222"/>
+                </a:solidFill>
+                <a:latin typeface="Roboto"/>
+              </a:rPr>
+              <a:t> are characterized by random access to data organized in fixed-size blocks. Examples of such devices are hard drives, CD-ROM drives, RAM disks, etc.</a:t>
+            </a:r>
+          </a:p>
+          <a:p>
+            <a:pPr marL="285750" indent="-285750">
+              <a:buFont typeface="Arial" panose="020B0604020202020204" pitchFamily="34" charset="0"/>
+              <a:buChar char="•"/>
+            </a:pPr>
+            <a:r>
+              <a:rPr lang="en-US" b="1" dirty="0" err="1">
+                <a:solidFill>
+                  <a:srgbClr val="222222"/>
+                </a:solidFill>
+                <a:latin typeface="Roboto"/>
+              </a:rPr>
+              <a:t>fdisk</a:t>
+            </a:r>
+            <a:r>
+              <a:rPr lang="en-US" dirty="0">
+                <a:solidFill>
+                  <a:srgbClr val="222222"/>
+                </a:solidFill>
+                <a:latin typeface="Roboto"/>
+              </a:rPr>
+              <a:t> also known as format disk is a dialog-driven </a:t>
+            </a:r>
+            <a:r>
+              <a:rPr lang="en-US" b="1" dirty="0">
+                <a:solidFill>
+                  <a:srgbClr val="222222"/>
+                </a:solidFill>
+                <a:latin typeface="Roboto"/>
+              </a:rPr>
+              <a:t>command</a:t>
+            </a:r>
+            <a:r>
+              <a:rPr lang="en-US" dirty="0">
+                <a:solidFill>
+                  <a:srgbClr val="222222"/>
+                </a:solidFill>
+                <a:latin typeface="Roboto"/>
+              </a:rPr>
+              <a:t> in </a:t>
+            </a:r>
+            <a:r>
+              <a:rPr lang="en-US" b="1" dirty="0">
+                <a:solidFill>
+                  <a:srgbClr val="222222"/>
+                </a:solidFill>
+                <a:latin typeface="Roboto"/>
+              </a:rPr>
+              <a:t>Linux</a:t>
+            </a:r>
+            <a:r>
+              <a:rPr lang="en-US" dirty="0">
+                <a:solidFill>
+                  <a:srgbClr val="222222"/>
+                </a:solidFill>
+                <a:latin typeface="Roboto"/>
+              </a:rPr>
+              <a:t> used for creating and manipulating disk partition table. It is used for the view, create, delete, change, resize, copy and move partitions on a hard drive using the dialog-driven interface.</a:t>
+            </a:r>
+          </a:p>
+          <a:p>
+            <a:pPr marL="285750" indent="-285750">
+              <a:buFont typeface="Arial" panose="020B0604020202020204" pitchFamily="34" charset="0"/>
+              <a:buChar char="•"/>
+            </a:pPr>
+            <a:endParaRPr lang="en-US" dirty="0"/>
+          </a:p>
+          <a:p>
             <a:r>
               <a:rPr lang="en-US" dirty="0" err="1"/>
-              <a:t>partscan</a:t>
+              <a:t>fdisk</a:t>
             </a:r>
             <a:r>
               <a:rPr lang="en-US" dirty="0"/>
-              <a:t>  --find --show  --read-only cfreds_2015_data_leakage_pc.dd</a:t>
-            </a:r>
-          </a:p>
-          <a:p>
-            <a:r>
-              <a:rPr lang="en-US" dirty="0"/>
-              <a:t>losetup --detach /dev/loop0</a:t>
+              <a:t> -l cfreds_2015_data_leakage_pc.dd</a:t>
             </a:r>
           </a:p>
         </p:txBody>
@@ -5574,7 +6431,7 @@
           <a:p>
             <a:fld id="{DDBF98C7-164A-4723-84F0-B1E4B080DDEC}" type="slidenum">
               <a:rPr lang="en-US" smtClean="0"/>
-              <a:t>20</a:t>
+              <a:t>9</a:t>
             </a:fld>
             <a:endParaRPr lang="en-US"/>
           </a:p>
@@ -5583,7 +6440,7 @@
     </p:spTree>
     <p:extLst>
       <p:ext uri="{BB962C8B-B14F-4D97-AF65-F5344CB8AC3E}">
-        <p14:creationId xmlns:p14="http://schemas.microsoft.com/office/powerpoint/2010/main" val="332585046"/>
+        <p14:creationId xmlns:p14="http://schemas.microsoft.com/office/powerpoint/2010/main" val="3515498571"/>
       </p:ext>
     </p:extLst>
   </p:cSld>
@@ -5638,38 +6495,19 @@
           <a:lstStyle/>
           <a:p>
             <a:r>
-              <a:rPr lang="en-US"/>
-              <a:t>mount -o </a:t>
-            </a:r>
-            <a:r>
-              <a:rPr lang="en-US" err="1"/>
-              <a:t>ro,loop,offset</a:t>
-            </a:r>
-            <a:r>
-              <a:rPr lang="en-US"/>
-              <a:t>=xxx </a:t>
-            </a:r>
-            <a:r>
-              <a:rPr lang="en-US" err="1"/>
-              <a:t>harddrive.img</a:t>
-            </a:r>
-            <a:r>
-              <a:rPr lang="en-US"/>
-              <a:t> /</a:t>
-            </a:r>
-            <a:r>
-              <a:rPr lang="en-US" err="1"/>
-              <a:t>mnt</a:t>
-            </a:r>
-            <a:r>
-              <a:rPr lang="en-US"/>
-              <a:t>/</a:t>
-            </a:r>
-            <a:r>
-              <a:rPr lang="en-US" err="1"/>
-              <a:t>loopdev</a:t>
-            </a:r>
-            <a:endParaRPr lang="en-US"/>
+              <a:rPr lang="en-US" dirty="0" err="1"/>
+              <a:t>fls</a:t>
+            </a:r>
+            <a:r>
+              <a:rPr lang="en-US" dirty="0"/>
+              <a:t> -o 206848 cfreds_2015_data_leadage_pc.dd</a:t>
+            </a:r>
+          </a:p>
+          <a:p>
+            <a:r>
+              <a:rPr lang="en-US" dirty="0"/>
+              <a:t>https://wiki.sleuthkit.org/index.php?title=Fls</a:t>
+            </a:r>
           </a:p>
         </p:txBody>
       </p:sp>
@@ -5690,7 +6528,7 @@
           <a:p>
             <a:fld id="{DDBF98C7-164A-4723-84F0-B1E4B080DDEC}" type="slidenum">
               <a:rPr lang="en-US" smtClean="0"/>
-              <a:t>21</a:t>
+              <a:t>11</a:t>
             </a:fld>
             <a:endParaRPr lang="en-US"/>
           </a:p>
@@ -5699,7 +6537,7 @@
     </p:spTree>
     <p:extLst>
       <p:ext uri="{BB962C8B-B14F-4D97-AF65-F5344CB8AC3E}">
-        <p14:creationId xmlns:p14="http://schemas.microsoft.com/office/powerpoint/2010/main" val="608332059"/>
+        <p14:creationId xmlns:p14="http://schemas.microsoft.com/office/powerpoint/2010/main" val="2911626647"/>
       </p:ext>
     </p:extLst>
   </p:cSld>
@@ -5753,6 +6591,50 @@
           <a:bodyPr/>
           <a:lstStyle/>
           <a:p>
+            <a:r>
+              <a:rPr lang="en-US" dirty="0"/>
+              <a:t>losetup --</a:t>
+            </a:r>
+            <a:r>
+              <a:rPr lang="en-US" dirty="0" err="1"/>
+              <a:t>partscan</a:t>
+            </a:r>
+            <a:r>
+              <a:rPr lang="en-US" dirty="0"/>
+              <a:t>  --find --show  --read-only cfreds_2015_data_leakage_pc.dd</a:t>
+            </a:r>
+          </a:p>
+          <a:p>
+            <a:r>
+              <a:rPr lang="en-US" dirty="0"/>
+              <a:t>losetup --detach /dev/loop0</a:t>
+            </a:r>
+          </a:p>
+          <a:p>
+            <a:r>
+              <a:rPr lang="en-US" dirty="0"/>
+              <a:t>use </a:t>
+            </a:r>
+            <a:r>
+              <a:rPr lang="en-US" dirty="0" err="1"/>
+              <a:t>sudo</a:t>
+            </a:r>
+            <a:r>
+              <a:rPr lang="en-US" dirty="0"/>
+              <a:t> </a:t>
+            </a:r>
+            <a:r>
+              <a:rPr lang="en-US" dirty="0" err="1"/>
+              <a:t>su</a:t>
+            </a:r>
+            <a:r>
+              <a:rPr lang="en-US" dirty="0"/>
+              <a:t> if you have any </a:t>
+            </a:r>
+            <a:r>
+              <a:rPr lang="en-US" dirty="0" err="1"/>
+              <a:t>trobules</a:t>
+            </a:r>
             <a:endParaRPr lang="en-US" dirty="0"/>
           </a:p>
         </p:txBody>
@@ -5774,7 +6656,7 @@
           <a:p>
             <a:fld id="{DDBF98C7-164A-4723-84F0-B1E4B080DDEC}" type="slidenum">
               <a:rPr lang="en-US" smtClean="0"/>
-              <a:t>26</a:t>
+              <a:t>21</a:t>
             </a:fld>
             <a:endParaRPr lang="en-US"/>
           </a:p>
@@ -5783,7 +6665,7 @@
     </p:spTree>
     <p:extLst>
       <p:ext uri="{BB962C8B-B14F-4D97-AF65-F5344CB8AC3E}">
-        <p14:creationId xmlns:p14="http://schemas.microsoft.com/office/powerpoint/2010/main" val="1760117230"/>
+        <p14:creationId xmlns:p14="http://schemas.microsoft.com/office/powerpoint/2010/main" val="332585046"/>
       </p:ext>
     </p:extLst>
   </p:cSld>
@@ -5837,7 +6719,53 @@
           <a:bodyPr/>
           <a:lstStyle/>
           <a:p>
+            <a:r>
+              <a:rPr lang="en-US" dirty="0"/>
+              <a:t>mount -o </a:t>
+            </a:r>
+            <a:r>
+              <a:rPr lang="en-US" dirty="0" err="1"/>
+              <a:t>ro,loop,offset</a:t>
+            </a:r>
+            <a:r>
+              <a:rPr lang="en-US" dirty="0"/>
+              <a:t>=</a:t>
+            </a:r>
+            <a:r>
+              <a:rPr lang="en-US"/>
+              <a:t>206848  cfreds_2015_data_leakage_pc.dd /</a:t>
+            </a:r>
+            <a:r>
+              <a:rPr lang="en-US" dirty="0" err="1"/>
+              <a:t>mnt</a:t>
+            </a:r>
+            <a:r>
+              <a:rPr lang="en-US" dirty="0"/>
+              <a:t>/</a:t>
+            </a:r>
+            <a:r>
+              <a:rPr lang="en-US" dirty="0" err="1"/>
+              <a:t>loopdev</a:t>
+            </a:r>
             <a:endParaRPr lang="en-US" dirty="0"/>
+          </a:p>
+          <a:p>
+            <a:r>
+              <a:rPr lang="en-US" dirty="0" err="1"/>
+              <a:t>umount</a:t>
+            </a:r>
+            <a:r>
+              <a:rPr lang="en-US" dirty="0"/>
+              <a:t> /</a:t>
+            </a:r>
+            <a:r>
+              <a:rPr lang="en-US" dirty="0" err="1"/>
+              <a:t>mnt</a:t>
+            </a:r>
+            <a:r>
+              <a:rPr lang="en-US" dirty="0"/>
+              <a:t>/nist_dataleak_pc_dd2/</a:t>
+            </a:r>
           </a:p>
         </p:txBody>
       </p:sp>
@@ -5858,7 +6786,7 @@
           <a:p>
             <a:fld id="{DDBF98C7-164A-4723-84F0-B1E4B080DDEC}" type="slidenum">
               <a:rPr lang="en-US" smtClean="0"/>
-              <a:t>27</a:t>
+              <a:t>22</a:t>
             </a:fld>
             <a:endParaRPr lang="en-US"/>
           </a:p>
@@ -5867,7 +6795,7 @@
     </p:spTree>
     <p:extLst>
       <p:ext uri="{BB962C8B-B14F-4D97-AF65-F5344CB8AC3E}">
-        <p14:creationId xmlns:p14="http://schemas.microsoft.com/office/powerpoint/2010/main" val="3876188338"/>
+        <p14:creationId xmlns:p14="http://schemas.microsoft.com/office/powerpoint/2010/main" val="608332059"/>
       </p:ext>
     </p:extLst>
   </p:cSld>
@@ -5921,53 +6849,7 @@
           <a:bodyPr/>
           <a:lstStyle/>
           <a:p>
-            <a:r>
-              <a:rPr lang="en-US" dirty="0" err="1"/>
-              <a:t>mkdir</a:t>
-            </a:r>
-            <a:r>
-              <a:rPr lang="en-US" dirty="0"/>
-              <a:t> </a:t>
-            </a:r>
-            <a:r>
-              <a:rPr lang="en-US" dirty="0" err="1"/>
-              <a:t>Prefetch</a:t>
-            </a:r>
             <a:endParaRPr lang="en-US" dirty="0"/>
-          </a:p>
-          <a:p>
-            <a:r>
-              <a:rPr lang="en-US" dirty="0" err="1"/>
-              <a:t>cp</a:t>
-            </a:r>
-            <a:r>
-              <a:rPr lang="en-US" dirty="0"/>
-              <a:t> -</a:t>
-            </a:r>
-            <a:r>
-              <a:rPr lang="en-US" dirty="0" err="1"/>
-              <a:t>avr</a:t>
-            </a:r>
-            <a:r>
-              <a:rPr lang="en-US" dirty="0"/>
-              <a:t> /media/root/C8CA0C8DCA0C7A48/Windows/</a:t>
-            </a:r>
-            <a:r>
-              <a:rPr lang="en-US" dirty="0" err="1"/>
-              <a:t>Prefetch</a:t>
-            </a:r>
-            <a:r>
-              <a:rPr lang="en-US" dirty="0"/>
-              <a:t>/ ./</a:t>
-            </a:r>
-            <a:r>
-              <a:rPr lang="en-US" dirty="0" err="1"/>
-              <a:t>Prefetch</a:t>
-            </a:r>
-            <a:r>
-              <a:rPr lang="en-US" dirty="0"/>
-              <a:t>/</a:t>
-            </a:r>
           </a:p>
         </p:txBody>
       </p:sp>
@@ -5988,7 +6870,7 @@
           <a:p>
             <a:fld id="{DDBF98C7-164A-4723-84F0-B1E4B080DDEC}" type="slidenum">
               <a:rPr lang="en-US" smtClean="0"/>
-              <a:t>28</a:t>
+              <a:t>27</a:t>
             </a:fld>
             <a:endParaRPr lang="en-US"/>
           </a:p>
@@ -5997,7 +6879,7 @@
     </p:spTree>
     <p:extLst>
       <p:ext uri="{BB962C8B-B14F-4D97-AF65-F5344CB8AC3E}">
-        <p14:creationId xmlns:p14="http://schemas.microsoft.com/office/powerpoint/2010/main" val="3799806659"/>
+        <p14:creationId xmlns:p14="http://schemas.microsoft.com/office/powerpoint/2010/main" val="1760117230"/>
       </p:ext>
     </p:extLst>
   </p:cSld>
@@ -6136,7 +7018,7 @@
           <a:p>
             <a:fld id="{4263717A-E3C1-4BED-ABE0-B7069385E023}" type="datetimeFigureOut">
               <a:rPr lang="en-US" smtClean="0"/>
-              <a:t>12/20/2020</a:t>
+              <a:t>8/24/2021</a:t>
             </a:fld>
             <a:endParaRPr lang="en-US"/>
           </a:p>
@@ -6309,7 +7191,7 @@
           <a:p>
             <a:fld id="{4263717A-E3C1-4BED-ABE0-B7069385E023}" type="datetimeFigureOut">
               <a:rPr lang="en-US" smtClean="0"/>
-              <a:t>12/20/2020</a:t>
+              <a:t>8/24/2021</a:t>
             </a:fld>
             <a:endParaRPr lang="en-US"/>
           </a:p>
@@ -6487,7 +7369,7 @@
           <a:p>
             <a:fld id="{4263717A-E3C1-4BED-ABE0-B7069385E023}" type="datetimeFigureOut">
               <a:rPr lang="en-US" smtClean="0"/>
-              <a:t>12/20/2020</a:t>
+              <a:t>8/24/2021</a:t>
             </a:fld>
             <a:endParaRPr lang="en-US"/>
           </a:p>
@@ -6655,7 +7537,7 @@
           <a:p>
             <a:fld id="{4263717A-E3C1-4BED-ABE0-B7069385E023}" type="datetimeFigureOut">
               <a:rPr lang="en-US" smtClean="0"/>
-              <a:t>12/20/2020</a:t>
+              <a:t>8/24/2021</a:t>
             </a:fld>
             <a:endParaRPr lang="en-US"/>
           </a:p>
@@ -6900,7 +7782,7 @@
           <a:p>
             <a:fld id="{4263717A-E3C1-4BED-ABE0-B7069385E023}" type="datetimeFigureOut">
               <a:rPr lang="en-US" smtClean="0"/>
-              <a:t>12/20/2020</a:t>
+              <a:t>8/24/2021</a:t>
             </a:fld>
             <a:endParaRPr lang="en-US"/>
           </a:p>
@@ -7129,7 +8011,7 @@
           <a:p>
             <a:fld id="{4263717A-E3C1-4BED-ABE0-B7069385E023}" type="datetimeFigureOut">
               <a:rPr lang="en-US" smtClean="0"/>
-              <a:t>12/20/2020</a:t>
+              <a:t>8/24/2021</a:t>
             </a:fld>
             <a:endParaRPr lang="en-US"/>
           </a:p>
@@ -7493,7 +8375,7 @@
           <a:p>
             <a:fld id="{4263717A-E3C1-4BED-ABE0-B7069385E023}" type="datetimeFigureOut">
               <a:rPr lang="en-US" smtClean="0"/>
-              <a:t>12/20/2020</a:t>
+              <a:t>8/24/2021</a:t>
             </a:fld>
             <a:endParaRPr lang="en-US"/>
           </a:p>
@@ -7610,7 +8492,7 @@
           <a:p>
             <a:fld id="{4263717A-E3C1-4BED-ABE0-B7069385E023}" type="datetimeFigureOut">
               <a:rPr lang="en-US" smtClean="0"/>
-              <a:t>12/20/2020</a:t>
+              <a:t>8/24/2021</a:t>
             </a:fld>
             <a:endParaRPr lang="en-US"/>
           </a:p>
@@ -7705,7 +8587,7 @@
           <a:p>
             <a:fld id="{4263717A-E3C1-4BED-ABE0-B7069385E023}" type="datetimeFigureOut">
               <a:rPr lang="en-US" smtClean="0"/>
-              <a:t>12/20/2020</a:t>
+              <a:t>8/24/2021</a:t>
             </a:fld>
             <a:endParaRPr lang="en-US"/>
           </a:p>
@@ -7980,7 +8862,7 @@
           <a:p>
             <a:fld id="{4263717A-E3C1-4BED-ABE0-B7069385E023}" type="datetimeFigureOut">
               <a:rPr lang="en-US" smtClean="0"/>
-              <a:t>12/20/2020</a:t>
+              <a:t>8/24/2021</a:t>
             </a:fld>
             <a:endParaRPr lang="en-US"/>
           </a:p>
@@ -8232,7 +9114,7 @@
           <a:p>
             <a:fld id="{4263717A-E3C1-4BED-ABE0-B7069385E023}" type="datetimeFigureOut">
               <a:rPr lang="en-US" smtClean="0"/>
-              <a:t>12/20/2020</a:t>
+              <a:t>8/24/2021</a:t>
             </a:fld>
             <a:endParaRPr lang="en-US"/>
           </a:p>
@@ -8443,7 +9325,7 @@
           <a:p>
             <a:fld id="{4263717A-E3C1-4BED-ABE0-B7069385E023}" type="datetimeFigureOut">
               <a:rPr lang="en-US" smtClean="0"/>
-              <a:t>12/20/2020</a:t>
+              <a:t>8/24/2021</a:t>
             </a:fld>
             <a:endParaRPr lang="en-US"/>
           </a:p>
@@ -9273,8 +10155,8 @@
         </p:nvSpPr>
         <p:spPr>
           <a:xfrm>
-            <a:off x="5251940" y="1843744"/>
-            <a:ext cx="4478214" cy="2308324"/>
+            <a:off x="6096000" y="4350695"/>
+            <a:ext cx="4478214" cy="2123658"/>
           </a:xfrm>
           <a:prstGeom prst="rect">
             <a:avLst/>
@@ -9297,7 +10179,7 @@
               <a:buChar char="•"/>
             </a:pPr>
             <a:r>
-              <a:rPr lang="pt-BR" dirty="0">
+              <a:rPr lang="pt-BR" sz="1600" dirty="0">
                 <a:solidFill>
                   <a:srgbClr val="FF0000"/>
                 </a:solidFill>
@@ -9305,7 +10187,7 @@
               <a:t>r: </a:t>
             </a:r>
             <a:r>
-              <a:rPr lang="pt-BR" dirty="0"/>
+              <a:rPr lang="pt-BR" sz="1600" dirty="0"/>
               <a:t>Regular file</a:t>
             </a:r>
           </a:p>
@@ -9315,7 +10197,7 @@
               <a:buChar char="•"/>
             </a:pPr>
             <a:r>
-              <a:rPr lang="pt-BR" dirty="0">
+              <a:rPr lang="pt-BR" sz="1600" dirty="0">
                 <a:solidFill>
                   <a:srgbClr val="FF0000"/>
                 </a:solidFill>
@@ -9323,7 +10205,7 @@
               <a:t>d</a:t>
             </a:r>
             <a:r>
-              <a:rPr lang="pt-BR" dirty="0"/>
+              <a:rPr lang="pt-BR" sz="1600" dirty="0"/>
               <a:t>: Directory</a:t>
             </a:r>
           </a:p>
@@ -9333,7 +10215,7 @@
               <a:buChar char="•"/>
             </a:pPr>
             <a:r>
-              <a:rPr lang="pt-BR" dirty="0">
+              <a:rPr lang="pt-BR" sz="1600" dirty="0">
                 <a:solidFill>
                   <a:srgbClr val="FF0000"/>
                 </a:solidFill>
@@ -9341,7 +10223,7 @@
               <a:t>273</a:t>
             </a:r>
             <a:r>
-              <a:rPr lang="pt-BR" dirty="0"/>
+              <a:rPr lang="pt-BR" sz="1600" dirty="0"/>
               <a:t>: the entry of metadata address</a:t>
             </a:r>
           </a:p>
@@ -9351,7 +10233,7 @@
               <a:buChar char="•"/>
             </a:pPr>
             <a:r>
-              <a:rPr lang="pt-BR" dirty="0">
+              <a:rPr lang="pt-BR" sz="1600" dirty="0">
                 <a:solidFill>
                   <a:srgbClr val="FF0000"/>
                 </a:solidFill>
@@ -9359,15 +10241,15 @@
               <a:t>metadata address</a:t>
             </a:r>
             <a:r>
-              <a:rPr lang="pt-BR" dirty="0"/>
+              <a:rPr lang="pt-BR" sz="1600" dirty="0"/>
               <a:t>: </a:t>
             </a:r>
             <a:r>
-              <a:rPr lang="en-US" dirty="0"/>
-              <a:t>is a term that is used in TSK as a </a:t>
-            </a:r>
-            <a:r>
-              <a:rPr lang="en-US" dirty="0">
+              <a:rPr lang="en-US" sz="1600" dirty="0"/>
+              <a:t>is a term that is used in the sleuth kit (TSK) as a </a:t>
+            </a:r>
+            <a:r>
+              <a:rPr lang="en-US" sz="1600" dirty="0">
                 <a:solidFill>
                   <a:srgbClr val="FFC000"/>
                 </a:solidFill>
@@ -9375,7 +10257,7 @@
               <a:t>generic</a:t>
             </a:r>
             <a:r>
-              <a:rPr lang="en-US" dirty="0"/>
+              <a:rPr lang="en-US" sz="1600" dirty="0"/>
               <a:t> term for the addresses of file system-specific data structures </a:t>
             </a:r>
           </a:p>
@@ -9385,7 +10267,7 @@
               <a:buChar char="•"/>
             </a:pPr>
             <a:r>
-              <a:rPr lang="en-US" dirty="0">
+              <a:rPr lang="en-US" sz="1600" dirty="0">
                 <a:solidFill>
                   <a:srgbClr val="FF0000"/>
                 </a:solidFill>
@@ -9393,11 +10275,11 @@
               <a:t>-144-6 </a:t>
             </a:r>
             <a:r>
-              <a:rPr lang="en-US" dirty="0"/>
+              <a:rPr lang="en-US" sz="1600" dirty="0"/>
               <a:t>(for NTFS), identifies the </a:t>
             </a:r>
             <a:r>
-              <a:rPr lang="en-US" dirty="0">
+              <a:rPr lang="en-US" sz="1600" dirty="0">
                 <a:solidFill>
                   <a:srgbClr val="FFC000"/>
                 </a:solidFill>
@@ -9405,7 +10287,7 @@
               <a:t>$Data </a:t>
             </a:r>
             <a:r>
-              <a:rPr lang="en-US" dirty="0"/>
+              <a:rPr lang="en-US" sz="1600" dirty="0"/>
               <a:t>attribute that this name points to. </a:t>
             </a:r>
           </a:p>
@@ -9578,7 +10460,7 @@
         </p:nvSpPr>
         <p:spPr>
           <a:xfrm>
-            <a:off x="6404583" y="4350695"/>
+            <a:off x="5369604" y="2224715"/>
             <a:ext cx="3455257" cy="1569660"/>
           </a:xfrm>
           <a:prstGeom prst="rect">
@@ -9772,6 +10654,47 @@
           </a:p>
         </p:txBody>
       </p:sp>
+      <p:cxnSp>
+        <p:nvCxnSpPr>
+          <p:cNvPr id="9" name="Straight Arrow Connector 8">
+            <a:extLst>
+              <a:ext uri="{FF2B5EF4-FFF2-40B4-BE49-F238E27FC236}">
+                <a16:creationId xmlns:a16="http://schemas.microsoft.com/office/drawing/2014/main" id="{F2658E30-FEE0-4F60-9E61-084A687856D6}"/>
+              </a:ext>
+            </a:extLst>
+          </p:cNvPr>
+          <p:cNvCxnSpPr>
+            <a:cxnSpLocks/>
+          </p:cNvCxnSpPr>
+          <p:nvPr/>
+        </p:nvCxnSpPr>
+        <p:spPr>
+          <a:xfrm flipH="1" flipV="1">
+            <a:off x="1798320" y="1722120"/>
+            <a:ext cx="3571284" cy="851190"/>
+          </a:xfrm>
+          <a:prstGeom prst="straightConnector1">
+            <a:avLst/>
+          </a:prstGeom>
+          <a:ln>
+            <a:tailEnd type="triangle"/>
+          </a:ln>
+        </p:spPr>
+        <p:style>
+          <a:lnRef idx="1">
+            <a:schemeClr val="accent2"/>
+          </a:lnRef>
+          <a:fillRef idx="0">
+            <a:schemeClr val="accent2"/>
+          </a:fillRef>
+          <a:effectRef idx="0">
+            <a:schemeClr val="accent2"/>
+          </a:effectRef>
+          <a:fontRef idx="minor">
+            <a:schemeClr val="tx1"/>
+          </a:fontRef>
+        </p:style>
+      </p:cxnSp>
     </p:spTree>
     <p:extLst>
       <p:ext uri="{BB962C8B-B14F-4D97-AF65-F5344CB8AC3E}">
@@ -10065,7 +10988,7 @@
             <a:pPr lvl="1"/>
             <a:r>
               <a:rPr lang="en-US" dirty="0"/>
-              <a:t>Security Accounts Manager</a:t>
+              <a:t>Security Accounts Manager (SAM)</a:t>
             </a:r>
           </a:p>
           <a:p>
@@ -10385,7 +11308,7 @@
           <a:p>
             <a:r>
               <a:rPr lang="en-US" dirty="0"/>
-              <a:t>Saved in  each user's profile folder</a:t>
+              <a:t>Saved in each user's profile folder</a:t>
             </a:r>
           </a:p>
           <a:p>
@@ -10405,12 +11328,8 @@
           <a:p>
             <a:pPr lvl="1"/>
             <a:r>
-              <a:rPr lang="en-US"/>
-              <a:t>C:\Users\Default </a:t>
-            </a:r>
-            <a:r>
               <a:rPr lang="en-US" dirty="0"/>
-              <a:t>User\Ntuser.dat</a:t>
+              <a:t>C:\Users\Default User\Ntuser.dat</a:t>
             </a:r>
           </a:p>
           <a:p>
@@ -11470,7 +12389,7 @@
             </a:pPr>
             <a:r>
               <a:rPr lang="en-US" dirty="0"/>
-              <a:t>Extract prefect event log files from the DD Image</a:t>
+              <a:t>Extract prefetched event log files from the DD Image</a:t>
             </a:r>
           </a:p>
           <a:p>
@@ -11583,7 +12502,13 @@
       </p:grpSpPr>
       <p:sp>
         <p:nvSpPr>
-          <p:cNvPr id="2" name="Title 1"/>
+          <p:cNvPr id="4" name="Title 3">
+            <a:extLst>
+              <a:ext uri="{FF2B5EF4-FFF2-40B4-BE49-F238E27FC236}">
+                <a16:creationId xmlns:a16="http://schemas.microsoft.com/office/drawing/2014/main" id="{21C5F391-BD46-454B-BA43-6035EF9BA067}"/>
+              </a:ext>
+            </a:extLst>
+          </p:cNvPr>
           <p:cNvSpPr>
             <a:spLocks noGrp="1"/>
           </p:cNvSpPr>
@@ -11604,9 +12529,604 @@
               <a:rPr lang="en-US" b="1" dirty="0"/>
               <a:t>Mounting</a:t>
             </a:r>
-          </a:p>
-        </p:txBody>
-      </p:sp>
+            <a:endParaRPr lang="en-US" dirty="0"/>
+          </a:p>
+        </p:txBody>
+      </p:sp>
+      <p:sp>
+        <p:nvSpPr>
+          <p:cNvPr id="9" name="Content Placeholder 8">
+            <a:extLst>
+              <a:ext uri="{FF2B5EF4-FFF2-40B4-BE49-F238E27FC236}">
+                <a16:creationId xmlns:a16="http://schemas.microsoft.com/office/drawing/2014/main" id="{33EF9FE4-BE5E-48E5-841C-1F2FAF0945AA}"/>
+              </a:ext>
+            </a:extLst>
+          </p:cNvPr>
+          <p:cNvSpPr>
+            <a:spLocks noGrp="1"/>
+          </p:cNvSpPr>
+          <p:nvPr>
+            <p:ph idx="1"/>
+          </p:nvPr>
+        </p:nvSpPr>
+        <p:spPr>
+          <a:xfrm>
+            <a:off x="838200" y="1825625"/>
+            <a:ext cx="5344886" cy="4351338"/>
+          </a:xfrm>
+        </p:spPr>
+        <p:txBody>
+          <a:bodyPr>
+            <a:normAutofit fontScale="92500" lnSpcReduction="10000"/>
+          </a:bodyPr>
+          <a:lstStyle/>
+          <a:p>
+            <a:r>
+              <a:rPr lang="en-US" dirty="0"/>
+              <a:t>Mounting </a:t>
+            </a:r>
+            <a:r>
+              <a:rPr lang="en-GB" dirty="0"/>
+              <a:t>ensures that your computer recognizes the media's format</a:t>
+            </a:r>
+            <a:endParaRPr lang="en-US" dirty="0"/>
+          </a:p>
+          <a:p>
+            <a:pPr lvl="1"/>
+            <a:r>
+              <a:rPr lang="en-US" dirty="0"/>
+              <a:t>mounting a device/driver</a:t>
+            </a:r>
+          </a:p>
+          <a:p>
+            <a:pPr marL="514350" indent="-514350">
+              <a:buFont typeface="+mj-lt"/>
+              <a:buAutoNum type="arabicPeriod"/>
+            </a:pPr>
+            <a:r>
+              <a:rPr lang="en-US" dirty="0"/>
+              <a:t>Set up loop device </a:t>
+            </a:r>
+          </a:p>
+          <a:p>
+            <a:pPr lvl="1"/>
+            <a:r>
+              <a:rPr lang="en-GB" dirty="0"/>
+              <a:t>a pseudo-device that makes a file accessible as a block device</a:t>
+            </a:r>
+          </a:p>
+          <a:p>
+            <a:pPr marL="514350" indent="-514350">
+              <a:buFont typeface="+mj-lt"/>
+              <a:buAutoNum type="arabicPeriod"/>
+            </a:pPr>
+            <a:r>
+              <a:rPr lang="en-GB" dirty="0"/>
+              <a:t>Create a mounting point</a:t>
+            </a:r>
+          </a:p>
+          <a:p>
+            <a:pPr lvl="1"/>
+            <a:r>
+              <a:rPr lang="en-GB" dirty="0"/>
+              <a:t>drive or folder</a:t>
+            </a:r>
+          </a:p>
+          <a:p>
+            <a:pPr marL="514350" indent="-514350">
+              <a:buFont typeface="+mj-lt"/>
+              <a:buAutoNum type="arabicPeriod"/>
+            </a:pPr>
+            <a:r>
+              <a:rPr lang="en-GB" dirty="0"/>
+              <a:t>Attach the loop device to the mount point</a:t>
+            </a:r>
+            <a:endParaRPr lang="en-US" dirty="0"/>
+          </a:p>
+        </p:txBody>
+      </p:sp>
+      <p:pic>
+        <p:nvPicPr>
+          <p:cNvPr id="1026" name="Picture 2" descr="010.fig5">
+            <a:extLst>
+              <a:ext uri="{FF2B5EF4-FFF2-40B4-BE49-F238E27FC236}">
+                <a16:creationId xmlns:a16="http://schemas.microsoft.com/office/drawing/2014/main" id="{DE1748CC-871F-448C-8F8E-90685526AA93}"/>
+              </a:ext>
+            </a:extLst>
+          </p:cNvPr>
+          <p:cNvPicPr>
+            <a:picLocks noChangeAspect="1" noChangeArrowheads="1"/>
+          </p:cNvPicPr>
+          <p:nvPr/>
+        </p:nvPicPr>
+        <p:blipFill rotWithShape="1">
+          <a:blip r:embed="rId2">
+            <a:extLst>
+              <a:ext uri="{28A0092B-C50C-407E-A947-70E740481C1C}">
+                <a14:useLocalDpi xmlns:a14="http://schemas.microsoft.com/office/drawing/2010/main" val="0"/>
+              </a:ext>
+            </a:extLst>
+          </a:blip>
+          <a:srcRect l="4598" t="4855" r="3751" b="6654"/>
+          <a:stretch/>
+        </p:blipFill>
+        <p:spPr bwMode="auto">
+          <a:xfrm>
+            <a:off x="7312271" y="1825625"/>
+            <a:ext cx="4747846" cy="4747846"/>
+          </a:xfrm>
+          <a:prstGeom prst="rect">
+            <a:avLst/>
+          </a:prstGeom>
+          <a:noFill/>
+          <a:extLst>
+            <a:ext uri="{909E8E84-426E-40DD-AFC4-6F175D3DCCD1}">
+              <a14:hiddenFill xmlns:a14="http://schemas.microsoft.com/office/drawing/2010/main">
+                <a:solidFill>
+                  <a:srgbClr val="FFFFFF"/>
+                </a:solidFill>
+              </a14:hiddenFill>
+            </a:ext>
+          </a:extLst>
+        </p:spPr>
+      </p:pic>
+      <p:sp>
+        <p:nvSpPr>
+          <p:cNvPr id="10" name="TextBox 9">
+            <a:extLst>
+              <a:ext uri="{FF2B5EF4-FFF2-40B4-BE49-F238E27FC236}">
+                <a16:creationId xmlns:a16="http://schemas.microsoft.com/office/drawing/2014/main" id="{14424628-BD89-4B1D-A277-4007BE9552D4}"/>
+              </a:ext>
+            </a:extLst>
+          </p:cNvPr>
+          <p:cNvSpPr txBox="1"/>
+          <p:nvPr/>
+        </p:nvSpPr>
+        <p:spPr>
+          <a:xfrm>
+            <a:off x="6096000" y="3086045"/>
+            <a:ext cx="1229760" cy="461665"/>
+          </a:xfrm>
+          <a:prstGeom prst="rect">
+            <a:avLst/>
+          </a:prstGeom>
+          <a:noFill/>
+          <a:ln>
+            <a:solidFill>
+              <a:srgbClr val="FF0000"/>
+            </a:solidFill>
+          </a:ln>
+        </p:spPr>
+        <p:txBody>
+          <a:bodyPr wrap="none" rtlCol="0">
+            <a:spAutoFit/>
+          </a:bodyPr>
+          <a:lstStyle/>
+          <a:p>
+            <a:r>
+              <a:rPr lang="en-US" sz="2400" dirty="0">
+                <a:solidFill>
+                  <a:srgbClr val="FF0000"/>
+                </a:solidFill>
+              </a:rPr>
+              <a:t>2</a:t>
+            </a:r>
+            <a:r>
+              <a:rPr lang="en-US" sz="2400" dirty="0"/>
+              <a:t>. folder</a:t>
+            </a:r>
+            <a:endParaRPr lang="en-US" sz="1600" dirty="0"/>
+          </a:p>
+        </p:txBody>
+      </p:sp>
+      <p:cxnSp>
+        <p:nvCxnSpPr>
+          <p:cNvPr id="15" name="Straight Arrow Connector 14">
+            <a:extLst>
+              <a:ext uri="{FF2B5EF4-FFF2-40B4-BE49-F238E27FC236}">
+                <a16:creationId xmlns:a16="http://schemas.microsoft.com/office/drawing/2014/main" id="{8D1FCEF6-B348-4FC8-B0E6-D54D53AA5EE7}"/>
+              </a:ext>
+            </a:extLst>
+          </p:cNvPr>
+          <p:cNvCxnSpPr>
+            <a:cxnSpLocks/>
+          </p:cNvCxnSpPr>
+          <p:nvPr/>
+        </p:nvCxnSpPr>
+        <p:spPr>
+          <a:xfrm>
+            <a:off x="6893169" y="3547710"/>
+            <a:ext cx="1046285" cy="2158498"/>
+          </a:xfrm>
+          <a:prstGeom prst="straightConnector1">
+            <a:avLst/>
+          </a:prstGeom>
+          <a:ln w="28575">
+            <a:prstDash val="lgDash"/>
+            <a:tailEnd type="triangle"/>
+          </a:ln>
+        </p:spPr>
+        <p:style>
+          <a:lnRef idx="1">
+            <a:schemeClr val="accent1"/>
+          </a:lnRef>
+          <a:fillRef idx="0">
+            <a:schemeClr val="accent1"/>
+          </a:fillRef>
+          <a:effectRef idx="0">
+            <a:schemeClr val="accent1"/>
+          </a:effectRef>
+          <a:fontRef idx="minor">
+            <a:schemeClr val="tx1"/>
+          </a:fontRef>
+        </p:style>
+      </p:cxnSp>
+      <p:cxnSp>
+        <p:nvCxnSpPr>
+          <p:cNvPr id="17" name="Straight Arrow Connector 16">
+            <a:extLst>
+              <a:ext uri="{FF2B5EF4-FFF2-40B4-BE49-F238E27FC236}">
+                <a16:creationId xmlns:a16="http://schemas.microsoft.com/office/drawing/2014/main" id="{B5C70081-E697-43EB-94C9-7F52ADBDDBC3}"/>
+              </a:ext>
+            </a:extLst>
+          </p:cNvPr>
+          <p:cNvCxnSpPr>
+            <a:cxnSpLocks/>
+            <a:endCxn id="10" idx="2"/>
+          </p:cNvCxnSpPr>
+          <p:nvPr/>
+        </p:nvCxnSpPr>
+        <p:spPr>
+          <a:xfrm flipH="1" flipV="1">
+            <a:off x="6710880" y="3547710"/>
+            <a:ext cx="1167030" cy="2712414"/>
+          </a:xfrm>
+          <a:prstGeom prst="straightConnector1">
+            <a:avLst/>
+          </a:prstGeom>
+          <a:ln w="28575">
+            <a:prstDash val="lgDash"/>
+            <a:tailEnd type="triangle"/>
+          </a:ln>
+        </p:spPr>
+        <p:style>
+          <a:lnRef idx="1">
+            <a:schemeClr val="accent1"/>
+          </a:lnRef>
+          <a:fillRef idx="0">
+            <a:schemeClr val="accent1"/>
+          </a:fillRef>
+          <a:effectRef idx="0">
+            <a:schemeClr val="accent1"/>
+          </a:effectRef>
+          <a:fontRef idx="minor">
+            <a:schemeClr val="tx1"/>
+          </a:fontRef>
+        </p:style>
+      </p:cxnSp>
+      <p:cxnSp>
+        <p:nvCxnSpPr>
+          <p:cNvPr id="23" name="Straight Arrow Connector 22">
+            <a:extLst>
+              <a:ext uri="{FF2B5EF4-FFF2-40B4-BE49-F238E27FC236}">
+                <a16:creationId xmlns:a16="http://schemas.microsoft.com/office/drawing/2014/main" id="{27E200BC-E63B-45D2-802C-A1E390EF4959}"/>
+              </a:ext>
+            </a:extLst>
+          </p:cNvPr>
+          <p:cNvCxnSpPr>
+            <a:cxnSpLocks/>
+          </p:cNvCxnSpPr>
+          <p:nvPr/>
+        </p:nvCxnSpPr>
+        <p:spPr>
+          <a:xfrm flipV="1">
+            <a:off x="6300094" y="2011637"/>
+            <a:ext cx="1577814" cy="1074408"/>
+          </a:xfrm>
+          <a:prstGeom prst="straightConnector1">
+            <a:avLst/>
+          </a:prstGeom>
+          <a:ln w="28575">
+            <a:prstDash val="lgDash"/>
+            <a:tailEnd type="triangle"/>
+          </a:ln>
+        </p:spPr>
+        <p:style>
+          <a:lnRef idx="1">
+            <a:schemeClr val="accent1"/>
+          </a:lnRef>
+          <a:fillRef idx="0">
+            <a:schemeClr val="accent1"/>
+          </a:fillRef>
+          <a:effectRef idx="0">
+            <a:schemeClr val="accent1"/>
+          </a:effectRef>
+          <a:fontRef idx="minor">
+            <a:schemeClr val="tx1"/>
+          </a:fontRef>
+        </p:style>
+      </p:cxnSp>
+      <p:cxnSp>
+        <p:nvCxnSpPr>
+          <p:cNvPr id="28" name="Straight Arrow Connector 27">
+            <a:extLst>
+              <a:ext uri="{FF2B5EF4-FFF2-40B4-BE49-F238E27FC236}">
+                <a16:creationId xmlns:a16="http://schemas.microsoft.com/office/drawing/2014/main" id="{3570BB91-F533-44AF-AE76-EE5174C15FC8}"/>
+              </a:ext>
+            </a:extLst>
+          </p:cNvPr>
+          <p:cNvCxnSpPr>
+            <a:cxnSpLocks/>
+          </p:cNvCxnSpPr>
+          <p:nvPr/>
+        </p:nvCxnSpPr>
+        <p:spPr>
+          <a:xfrm flipH="1">
+            <a:off x="6893169" y="2352566"/>
+            <a:ext cx="1046285" cy="733479"/>
+          </a:xfrm>
+          <a:prstGeom prst="straightConnector1">
+            <a:avLst/>
+          </a:prstGeom>
+          <a:ln w="28575">
+            <a:prstDash val="lgDash"/>
+            <a:tailEnd type="triangle"/>
+          </a:ln>
+        </p:spPr>
+        <p:style>
+          <a:lnRef idx="1">
+            <a:schemeClr val="accent1"/>
+          </a:lnRef>
+          <a:fillRef idx="0">
+            <a:schemeClr val="accent1"/>
+          </a:fillRef>
+          <a:effectRef idx="0">
+            <a:schemeClr val="accent1"/>
+          </a:effectRef>
+          <a:fontRef idx="minor">
+            <a:schemeClr val="tx1"/>
+          </a:fontRef>
+        </p:style>
+      </p:cxnSp>
+      <p:cxnSp>
+        <p:nvCxnSpPr>
+          <p:cNvPr id="31" name="Straight Arrow Connector 30">
+            <a:extLst>
+              <a:ext uri="{FF2B5EF4-FFF2-40B4-BE49-F238E27FC236}">
+                <a16:creationId xmlns:a16="http://schemas.microsoft.com/office/drawing/2014/main" id="{5EC48818-F89D-497D-8A55-F90D8B550A5A}"/>
+              </a:ext>
+            </a:extLst>
+          </p:cNvPr>
+          <p:cNvCxnSpPr/>
+          <p:nvPr/>
+        </p:nvCxnSpPr>
+        <p:spPr>
+          <a:xfrm>
+            <a:off x="3912577" y="3429000"/>
+            <a:ext cx="4026877" cy="0"/>
+          </a:xfrm>
+          <a:prstGeom prst="straightConnector1">
+            <a:avLst/>
+          </a:prstGeom>
+          <a:ln>
+            <a:tailEnd type="triangle"/>
+          </a:ln>
+        </p:spPr>
+        <p:style>
+          <a:lnRef idx="1">
+            <a:schemeClr val="accent2"/>
+          </a:lnRef>
+          <a:fillRef idx="0">
+            <a:schemeClr val="accent2"/>
+          </a:fillRef>
+          <a:effectRef idx="0">
+            <a:schemeClr val="accent2"/>
+          </a:effectRef>
+          <a:fontRef idx="minor">
+            <a:schemeClr val="tx1"/>
+          </a:fontRef>
+        </p:style>
+      </p:cxnSp>
+      <p:cxnSp>
+        <p:nvCxnSpPr>
+          <p:cNvPr id="33" name="Straight Arrow Connector 32">
+            <a:extLst>
+              <a:ext uri="{FF2B5EF4-FFF2-40B4-BE49-F238E27FC236}">
+                <a16:creationId xmlns:a16="http://schemas.microsoft.com/office/drawing/2014/main" id="{84B3EB96-76FB-40F6-AF47-7A4C4970B19B}"/>
+              </a:ext>
+            </a:extLst>
+          </p:cNvPr>
+          <p:cNvCxnSpPr>
+            <a:cxnSpLocks/>
+            <a:endCxn id="10" idx="2"/>
+          </p:cNvCxnSpPr>
+          <p:nvPr/>
+        </p:nvCxnSpPr>
+        <p:spPr>
+          <a:xfrm flipV="1">
+            <a:off x="4638839" y="3547710"/>
+            <a:ext cx="2072041" cy="1006706"/>
+          </a:xfrm>
+          <a:prstGeom prst="straightConnector1">
+            <a:avLst/>
+          </a:prstGeom>
+          <a:ln>
+            <a:tailEnd type="triangle"/>
+          </a:ln>
+        </p:spPr>
+        <p:style>
+          <a:lnRef idx="1">
+            <a:schemeClr val="accent2"/>
+          </a:lnRef>
+          <a:fillRef idx="0">
+            <a:schemeClr val="accent2"/>
+          </a:fillRef>
+          <a:effectRef idx="0">
+            <a:schemeClr val="accent2"/>
+          </a:effectRef>
+          <a:fontRef idx="minor">
+            <a:schemeClr val="tx1"/>
+          </a:fontRef>
+        </p:style>
+      </p:cxnSp>
+      <p:sp>
+        <p:nvSpPr>
+          <p:cNvPr id="37" name="TextBox 36">
+            <a:extLst>
+              <a:ext uri="{FF2B5EF4-FFF2-40B4-BE49-F238E27FC236}">
+                <a16:creationId xmlns:a16="http://schemas.microsoft.com/office/drawing/2014/main" id="{8BC1F83E-E671-43C8-AD56-BC632DDC9A67}"/>
+              </a:ext>
+            </a:extLst>
+          </p:cNvPr>
+          <p:cNvSpPr txBox="1"/>
+          <p:nvPr/>
+        </p:nvSpPr>
+        <p:spPr>
+          <a:xfrm>
+            <a:off x="9787396" y="3134416"/>
+            <a:ext cx="301686" cy="369332"/>
+          </a:xfrm>
+          <a:prstGeom prst="rect">
+            <a:avLst/>
+          </a:prstGeom>
+          <a:noFill/>
+          <a:ln>
+            <a:noFill/>
+          </a:ln>
+        </p:spPr>
+        <p:txBody>
+          <a:bodyPr wrap="none" rtlCol="0">
+            <a:spAutoFit/>
+          </a:bodyPr>
+          <a:lstStyle/>
+          <a:p>
+            <a:r>
+              <a:rPr lang="en-US" dirty="0">
+                <a:solidFill>
+                  <a:srgbClr val="FF0000"/>
+                </a:solidFill>
+              </a:rPr>
+              <a:t>1</a:t>
+            </a:r>
+          </a:p>
+        </p:txBody>
+      </p:sp>
+      <p:sp>
+        <p:nvSpPr>
+          <p:cNvPr id="39" name="TextBox 38">
+            <a:extLst>
+              <a:ext uri="{FF2B5EF4-FFF2-40B4-BE49-F238E27FC236}">
+                <a16:creationId xmlns:a16="http://schemas.microsoft.com/office/drawing/2014/main" id="{20D7D29C-EFF3-4DDA-AADD-3B45F806B09B}"/>
+              </a:ext>
+            </a:extLst>
+          </p:cNvPr>
+          <p:cNvSpPr txBox="1"/>
+          <p:nvPr/>
+        </p:nvSpPr>
+        <p:spPr>
+          <a:xfrm>
+            <a:off x="7456152" y="2992200"/>
+            <a:ext cx="301686" cy="369332"/>
+          </a:xfrm>
+          <a:prstGeom prst="rect">
+            <a:avLst/>
+          </a:prstGeom>
+          <a:noFill/>
+          <a:ln>
+            <a:noFill/>
+          </a:ln>
+        </p:spPr>
+        <p:txBody>
+          <a:bodyPr wrap="none" rtlCol="0">
+            <a:spAutoFit/>
+          </a:bodyPr>
+          <a:lstStyle/>
+          <a:p>
+            <a:r>
+              <a:rPr lang="en-US" dirty="0">
+                <a:solidFill>
+                  <a:srgbClr val="FF0000"/>
+                </a:solidFill>
+              </a:rPr>
+              <a:t>3</a:t>
+            </a:r>
+          </a:p>
+        </p:txBody>
+      </p:sp>
+      <p:cxnSp>
+        <p:nvCxnSpPr>
+          <p:cNvPr id="40" name="Straight Connector 39">
+            <a:extLst>
+              <a:ext uri="{FF2B5EF4-FFF2-40B4-BE49-F238E27FC236}">
+                <a16:creationId xmlns:a16="http://schemas.microsoft.com/office/drawing/2014/main" id="{58D05975-147C-4B53-B8E2-BE2E7BB34565}"/>
+              </a:ext>
+            </a:extLst>
+          </p:cNvPr>
+          <p:cNvCxnSpPr>
+            <a:stCxn id="10" idx="3"/>
+          </p:cNvCxnSpPr>
+          <p:nvPr/>
+        </p:nvCxnSpPr>
+        <p:spPr>
+          <a:xfrm flipV="1">
+            <a:off x="7325760" y="3316877"/>
+            <a:ext cx="552148" cy="1"/>
+          </a:xfrm>
+          <a:prstGeom prst="line">
+            <a:avLst/>
+          </a:prstGeom>
+          <a:ln w="57150">
+            <a:solidFill>
+              <a:srgbClr val="FF0000"/>
+            </a:solidFill>
+            <a:prstDash val="sysDash"/>
+          </a:ln>
+        </p:spPr>
+        <p:style>
+          <a:lnRef idx="1">
+            <a:schemeClr val="accent1"/>
+          </a:lnRef>
+          <a:fillRef idx="0">
+            <a:schemeClr val="accent1"/>
+          </a:fillRef>
+          <a:effectRef idx="0">
+            <a:schemeClr val="accent1"/>
+          </a:effectRef>
+          <a:fontRef idx="minor">
+            <a:schemeClr val="tx1"/>
+          </a:fontRef>
+        </p:style>
+      </p:cxnSp>
+    </p:spTree>
+    <p:extLst>
+      <p:ext uri="{BB962C8B-B14F-4D97-AF65-F5344CB8AC3E}">
+        <p14:creationId xmlns:p14="http://schemas.microsoft.com/office/powerpoint/2010/main" val="292031743"/>
+      </p:ext>
+    </p:extLst>
+  </p:cSld>
+  <p:clrMapOvr>
+    <a:masterClrMapping/>
+  </p:clrMapOvr>
+</p:sld>
+</file>
+
+<file path=ppt/slides/slide21.xml><?xml version="1.0" encoding="utf-8"?>
+<p:sld xmlns:a="http://schemas.openxmlformats.org/drawingml/2006/main" xmlns:r="http://schemas.openxmlformats.org/officeDocument/2006/relationships" xmlns:p="http://schemas.openxmlformats.org/presentationml/2006/main">
+  <p:cSld>
+    <p:spTree>
+      <p:nvGrpSpPr>
+        <p:cNvPr id="1" name=""/>
+        <p:cNvGrpSpPr/>
+        <p:nvPr/>
+      </p:nvGrpSpPr>
+      <p:grpSpPr>
+        <a:xfrm>
+          <a:off x="0" y="0"/>
+          <a:ext cx="0" cy="0"/>
+          <a:chOff x="0" y="0"/>
+          <a:chExt cx="0" cy="0"/>
+        </a:xfrm>
+      </p:grpSpPr>
       <p:sp>
         <p:nvSpPr>
           <p:cNvPr id="6" name="TextBox 5"/>
@@ -11632,23 +13152,23 @@
           <a:lstStyle/>
           <a:p>
             <a:r>
-              <a:rPr lang="en-US"/>
+              <a:rPr lang="en-US" dirty="0"/>
               <a:t>Set up loop device (a pseudo-</a:t>
             </a:r>
             <a:r>
-              <a:rPr lang="en-US" b="1"/>
+              <a:rPr lang="en-US" b="1" dirty="0"/>
               <a:t>device</a:t>
             </a:r>
             <a:r>
-              <a:rPr lang="en-US"/>
+              <a:rPr lang="en-US" dirty="0"/>
               <a:t> that makes a file accessible as a block </a:t>
             </a:r>
             <a:r>
-              <a:rPr lang="en-US" b="1"/>
+              <a:rPr lang="en-US" b="1" dirty="0"/>
               <a:t>device</a:t>
             </a:r>
             <a:r>
-              <a:rPr lang="en-US"/>
+              <a:rPr lang="en-US" dirty="0"/>
               <a:t>)</a:t>
             </a:r>
           </a:p>
@@ -11701,7 +13221,7 @@
           <a:p>
             <a:r>
               <a:rPr lang="en-US" sz="1600" dirty="0"/>
-              <a:t>---</a:t>
+              <a:t>--</a:t>
             </a:r>
             <a:r>
               <a:rPr lang="en-US" sz="1600" b="1" dirty="0">
@@ -11846,7 +13366,7 @@
 </p:sld>
 </file>
 
-<file path=ppt/slides/slide21.xml><?xml version="1.0" encoding="utf-8"?>
+<file path=ppt/slides/slide22.xml><?xml version="1.0" encoding="utf-8"?>
 <p:sld xmlns:a="http://schemas.openxmlformats.org/drawingml/2006/main" xmlns:r="http://schemas.openxmlformats.org/officeDocument/2006/relationships" xmlns:p="http://schemas.openxmlformats.org/presentationml/2006/main">
   <p:cSld>
     <p:spTree>
@@ -12079,7 +13599,7 @@
         <p:spPr>
           <a:xfrm>
             <a:off x="1564474" y="3450470"/>
-            <a:ext cx="4939750" cy="369332"/>
+            <a:ext cx="4939750" cy="646331"/>
           </a:xfrm>
           <a:prstGeom prst="rect">
             <a:avLst/>
@@ -12093,7 +13613,57 @@
           <a:lstStyle/>
           <a:p>
             <a:r>
-              <a:rPr lang="en-US">
+              <a:rPr lang="en-US" dirty="0">
+                <a:solidFill>
+                  <a:srgbClr val="FF0000"/>
+                </a:solidFill>
+              </a:rPr>
+              <a:t>Try </a:t>
+            </a:r>
+            <a:r>
+              <a:rPr lang="en-US" i="1" dirty="0" err="1">
+                <a:solidFill>
+                  <a:srgbClr val="7030A0"/>
+                </a:solidFill>
+              </a:rPr>
+              <a:t>sudo</a:t>
+            </a:r>
+            <a:r>
+              <a:rPr lang="en-US" i="1" dirty="0">
+                <a:solidFill>
+                  <a:srgbClr val="7030A0"/>
+                </a:solidFill>
+              </a:rPr>
+              <a:t> </a:t>
+            </a:r>
+            <a:r>
+              <a:rPr lang="en-US" i="1" dirty="0" err="1">
+                <a:solidFill>
+                  <a:srgbClr val="7030A0"/>
+                </a:solidFill>
+              </a:rPr>
+              <a:t>su</a:t>
+            </a:r>
+            <a:r>
+              <a:rPr lang="en-US" i="1" dirty="0">
+                <a:solidFill>
+                  <a:srgbClr val="7030A0"/>
+                </a:solidFill>
+              </a:rPr>
+              <a:t> </a:t>
+            </a:r>
+            <a:r>
+              <a:rPr lang="en-US" dirty="0">
+                <a:solidFill>
+                  <a:srgbClr val="FF0000"/>
+                </a:solidFill>
+              </a:rPr>
+              <a:t>to get admin privilege</a:t>
+            </a:r>
+          </a:p>
+          <a:p>
+            <a:r>
+              <a:rPr lang="en-US" dirty="0">
                 <a:solidFill>
                   <a:srgbClr val="FF0000"/>
                 </a:solidFill>
@@ -12103,186 +13673,65 @@
           </a:p>
         </p:txBody>
       </p:sp>
+      <p:sp>
+        <p:nvSpPr>
+          <p:cNvPr id="13" name="TextBox 12">
+            <a:extLst>
+              <a:ext uri="{FF2B5EF4-FFF2-40B4-BE49-F238E27FC236}">
+                <a16:creationId xmlns:a16="http://schemas.microsoft.com/office/drawing/2014/main" id="{CC1790E0-8870-4616-A417-1AA4CB55EF31}"/>
+              </a:ext>
+            </a:extLst>
+          </p:cNvPr>
+          <p:cNvSpPr txBox="1"/>
+          <p:nvPr/>
+        </p:nvSpPr>
+        <p:spPr>
+          <a:xfrm>
+            <a:off x="887636" y="6075164"/>
+            <a:ext cx="6172200" cy="369332"/>
+          </a:xfrm>
+          <a:prstGeom prst="rect">
+            <a:avLst/>
+          </a:prstGeom>
+          <a:noFill/>
+        </p:spPr>
+        <p:txBody>
+          <a:bodyPr wrap="square">
+            <a:spAutoFit/>
+          </a:bodyPr>
+          <a:lstStyle/>
+          <a:p>
+            <a:r>
+              <a:rPr lang="en-US" dirty="0">
+                <a:solidFill>
+                  <a:srgbClr val="FFC000"/>
+                </a:solidFill>
+              </a:rPr>
+              <a:t>Unmount command: </a:t>
+            </a:r>
+            <a:r>
+              <a:rPr lang="en-US" i="1" dirty="0" err="1"/>
+              <a:t>umount</a:t>
+            </a:r>
+            <a:r>
+              <a:rPr lang="en-US" i="1" dirty="0"/>
+              <a:t> /</a:t>
+            </a:r>
+            <a:r>
+              <a:rPr lang="en-US" i="1" dirty="0" err="1"/>
+              <a:t>mnt</a:t>
+            </a:r>
+            <a:r>
+              <a:rPr lang="en-US" i="1" dirty="0"/>
+              <a:t>/nist_dataleak_pc_dd2/</a:t>
+            </a:r>
+          </a:p>
+        </p:txBody>
+      </p:sp>
     </p:spTree>
     <p:extLst>
       <p:ext uri="{BB962C8B-B14F-4D97-AF65-F5344CB8AC3E}">
         <p14:creationId xmlns:p14="http://schemas.microsoft.com/office/powerpoint/2010/main" val="2603411321"/>
-      </p:ext>
-    </p:extLst>
-  </p:cSld>
-  <p:clrMapOvr>
-    <a:masterClrMapping/>
-  </p:clrMapOvr>
-</p:sld>
-</file>
-
-<file path=ppt/slides/slide22.xml><?xml version="1.0" encoding="utf-8"?>
-<p:sld xmlns:a="http://schemas.openxmlformats.org/drawingml/2006/main" xmlns:r="http://schemas.openxmlformats.org/officeDocument/2006/relationships" xmlns:p="http://schemas.openxmlformats.org/presentationml/2006/main">
-  <p:cSld>
-    <p:spTree>
-      <p:nvGrpSpPr>
-        <p:cNvPr id="1" name=""/>
-        <p:cNvGrpSpPr/>
-        <p:nvPr/>
-      </p:nvGrpSpPr>
-      <p:grpSpPr>
-        <a:xfrm>
-          <a:off x="0" y="0"/>
-          <a:ext cx="0" cy="0"/>
-          <a:chOff x="0" y="0"/>
-          <a:chExt cx="0" cy="0"/>
-        </a:xfrm>
-      </p:grpSpPr>
-      <p:pic>
-        <p:nvPicPr>
-          <p:cNvPr id="3" name="Picture 2"/>
-          <p:cNvPicPr>
-            <a:picLocks noChangeAspect="1"/>
-          </p:cNvPicPr>
-          <p:nvPr/>
-        </p:nvPicPr>
-        <p:blipFill>
-          <a:blip r:embed="rId2"/>
-          <a:stretch>
-            <a:fillRect/>
-          </a:stretch>
-        </p:blipFill>
-        <p:spPr>
-          <a:xfrm>
-            <a:off x="904668" y="2335856"/>
-            <a:ext cx="4038950" cy="3993226"/>
-          </a:xfrm>
-          <a:prstGeom prst="rect">
-            <a:avLst/>
-          </a:prstGeom>
-        </p:spPr>
-      </p:pic>
-      <p:sp>
-        <p:nvSpPr>
-          <p:cNvPr id="4" name="Title 3"/>
-          <p:cNvSpPr>
-            <a:spLocks noGrp="1"/>
-          </p:cNvSpPr>
-          <p:nvPr>
-            <p:ph type="title"/>
-          </p:nvPr>
-        </p:nvSpPr>
-        <p:spPr/>
-        <p:txBody>
-          <a:bodyPr/>
-          <a:lstStyle/>
-          <a:p>
-            <a:r>
-              <a:rPr lang="en-US"/>
-              <a:t>What files contains the registry information?</a:t>
-            </a:r>
-          </a:p>
-        </p:txBody>
-      </p:sp>
-      <p:sp>
-        <p:nvSpPr>
-          <p:cNvPr id="6" name="Rectangle 5"/>
-          <p:cNvSpPr/>
-          <p:nvPr/>
-        </p:nvSpPr>
-        <p:spPr>
-          <a:xfrm>
-            <a:off x="904668" y="1558775"/>
-            <a:ext cx="4038950" cy="655507"/>
-          </a:xfrm>
-          <a:prstGeom prst="rect">
-            <a:avLst/>
-          </a:prstGeom>
-          <a:solidFill>
-            <a:schemeClr val="accent4">
-              <a:lumMod val="20000"/>
-              <a:lumOff val="80000"/>
-            </a:schemeClr>
-          </a:solidFill>
-        </p:spPr>
-        <p:txBody>
-          <a:bodyPr wrap="square">
-            <a:spAutoFit/>
-          </a:bodyPr>
-          <a:lstStyle/>
-          <a:p>
-            <a:r>
-              <a:rPr lang="en-US"/>
-              <a:t>Contains computer hardware and software information</a:t>
-            </a:r>
-          </a:p>
-        </p:txBody>
-      </p:sp>
-      <p:sp>
-        <p:nvSpPr>
-          <p:cNvPr id="7" name="Rectangle 6"/>
-          <p:cNvSpPr/>
-          <p:nvPr/>
-        </p:nvSpPr>
-        <p:spPr>
-          <a:xfrm>
-            <a:off x="5952564" y="1558775"/>
-            <a:ext cx="4554071" cy="655507"/>
-          </a:xfrm>
-          <a:prstGeom prst="rect">
-            <a:avLst/>
-          </a:prstGeom>
-          <a:solidFill>
-            <a:schemeClr val="accent4">
-              <a:lumMod val="20000"/>
-              <a:lumOff val="80000"/>
-            </a:schemeClr>
-          </a:solidFill>
-        </p:spPr>
-        <p:txBody>
-          <a:bodyPr wrap="square">
-            <a:spAutoFit/>
-          </a:bodyPr>
-          <a:lstStyle/>
-          <a:p>
-            <a:r>
-              <a:rPr lang="en-US"/>
-              <a:t>Contains information about all the users who logged in to the computer </a:t>
-            </a:r>
-            <a:r>
-              <a:rPr lang="en-US">
-                <a:solidFill>
-                  <a:srgbClr val="FF0000"/>
-                </a:solidFill>
-              </a:rPr>
-              <a:t>at some point</a:t>
-            </a:r>
-          </a:p>
-        </p:txBody>
-      </p:sp>
-      <p:pic>
-        <p:nvPicPr>
-          <p:cNvPr id="8" name="Picture 7"/>
-          <p:cNvPicPr>
-            <a:picLocks noChangeAspect="1"/>
-          </p:cNvPicPr>
-          <p:nvPr/>
-        </p:nvPicPr>
-        <p:blipFill>
-          <a:blip r:embed="rId3"/>
-          <a:stretch>
-            <a:fillRect/>
-          </a:stretch>
-        </p:blipFill>
-        <p:spPr>
-          <a:xfrm>
-            <a:off x="5952564" y="2335856"/>
-            <a:ext cx="2725271" cy="3762632"/>
-          </a:xfrm>
-          <a:prstGeom prst="rect">
-            <a:avLst/>
-          </a:prstGeom>
-        </p:spPr>
-      </p:pic>
-    </p:spTree>
-    <p:extLst>
-      <p:ext uri="{BB962C8B-B14F-4D97-AF65-F5344CB8AC3E}">
-        <p14:creationId xmlns:p14="http://schemas.microsoft.com/office/powerpoint/2010/main" val="2713778019"/>
       </p:ext>
     </p:extLst>
   </p:cSld>
@@ -12325,6 +13774,182 @@
         </p:blipFill>
         <p:spPr>
           <a:xfrm>
+            <a:off x="904668" y="2335856"/>
+            <a:ext cx="4038950" cy="3993226"/>
+          </a:xfrm>
+          <a:prstGeom prst="rect">
+            <a:avLst/>
+          </a:prstGeom>
+        </p:spPr>
+      </p:pic>
+      <p:sp>
+        <p:nvSpPr>
+          <p:cNvPr id="4" name="Title 3"/>
+          <p:cNvSpPr>
+            <a:spLocks noGrp="1"/>
+          </p:cNvSpPr>
+          <p:nvPr>
+            <p:ph type="title"/>
+          </p:nvPr>
+        </p:nvSpPr>
+        <p:spPr/>
+        <p:txBody>
+          <a:bodyPr/>
+          <a:lstStyle/>
+          <a:p>
+            <a:r>
+              <a:rPr lang="en-US"/>
+              <a:t>What files contains the registry information?</a:t>
+            </a:r>
+          </a:p>
+        </p:txBody>
+      </p:sp>
+      <p:sp>
+        <p:nvSpPr>
+          <p:cNvPr id="6" name="Rectangle 5"/>
+          <p:cNvSpPr/>
+          <p:nvPr/>
+        </p:nvSpPr>
+        <p:spPr>
+          <a:xfrm>
+            <a:off x="904668" y="1558775"/>
+            <a:ext cx="4038950" cy="655507"/>
+          </a:xfrm>
+          <a:prstGeom prst="rect">
+            <a:avLst/>
+          </a:prstGeom>
+          <a:solidFill>
+            <a:schemeClr val="accent4">
+              <a:lumMod val="20000"/>
+              <a:lumOff val="80000"/>
+            </a:schemeClr>
+          </a:solidFill>
+        </p:spPr>
+        <p:txBody>
+          <a:bodyPr wrap="square">
+            <a:spAutoFit/>
+          </a:bodyPr>
+          <a:lstStyle/>
+          <a:p>
+            <a:r>
+              <a:rPr lang="en-US"/>
+              <a:t>Contains computer hardware and software information</a:t>
+            </a:r>
+          </a:p>
+        </p:txBody>
+      </p:sp>
+      <p:sp>
+        <p:nvSpPr>
+          <p:cNvPr id="7" name="Rectangle 6"/>
+          <p:cNvSpPr/>
+          <p:nvPr/>
+        </p:nvSpPr>
+        <p:spPr>
+          <a:xfrm>
+            <a:off x="5952564" y="1558775"/>
+            <a:ext cx="4554071" cy="655507"/>
+          </a:xfrm>
+          <a:prstGeom prst="rect">
+            <a:avLst/>
+          </a:prstGeom>
+          <a:solidFill>
+            <a:schemeClr val="accent4">
+              <a:lumMod val="20000"/>
+              <a:lumOff val="80000"/>
+            </a:schemeClr>
+          </a:solidFill>
+        </p:spPr>
+        <p:txBody>
+          <a:bodyPr wrap="square">
+            <a:spAutoFit/>
+          </a:bodyPr>
+          <a:lstStyle/>
+          <a:p>
+            <a:r>
+              <a:rPr lang="en-US"/>
+              <a:t>Contains information about all the users who logged in to the computer </a:t>
+            </a:r>
+            <a:r>
+              <a:rPr lang="en-US">
+                <a:solidFill>
+                  <a:srgbClr val="FF0000"/>
+                </a:solidFill>
+              </a:rPr>
+              <a:t>at some point</a:t>
+            </a:r>
+          </a:p>
+        </p:txBody>
+      </p:sp>
+      <p:pic>
+        <p:nvPicPr>
+          <p:cNvPr id="8" name="Picture 7"/>
+          <p:cNvPicPr>
+            <a:picLocks noChangeAspect="1"/>
+          </p:cNvPicPr>
+          <p:nvPr/>
+        </p:nvPicPr>
+        <p:blipFill>
+          <a:blip r:embed="rId3"/>
+          <a:stretch>
+            <a:fillRect/>
+          </a:stretch>
+        </p:blipFill>
+        <p:spPr>
+          <a:xfrm>
+            <a:off x="5952564" y="2335856"/>
+            <a:ext cx="2725271" cy="3762632"/>
+          </a:xfrm>
+          <a:prstGeom prst="rect">
+            <a:avLst/>
+          </a:prstGeom>
+        </p:spPr>
+      </p:pic>
+    </p:spTree>
+    <p:extLst>
+      <p:ext uri="{BB962C8B-B14F-4D97-AF65-F5344CB8AC3E}">
+        <p14:creationId xmlns:p14="http://schemas.microsoft.com/office/powerpoint/2010/main" val="2713778019"/>
+      </p:ext>
+    </p:extLst>
+  </p:cSld>
+  <p:clrMapOvr>
+    <a:masterClrMapping/>
+  </p:clrMapOvr>
+</p:sld>
+</file>
+
+<file path=ppt/slides/slide24.xml><?xml version="1.0" encoding="utf-8"?>
+<p:sld xmlns:a="http://schemas.openxmlformats.org/drawingml/2006/main" xmlns:r="http://schemas.openxmlformats.org/officeDocument/2006/relationships" xmlns:p="http://schemas.openxmlformats.org/presentationml/2006/main">
+  <p:cSld>
+    <p:spTree>
+      <p:nvGrpSpPr>
+        <p:cNvPr id="1" name=""/>
+        <p:cNvGrpSpPr/>
+        <p:nvPr/>
+      </p:nvGrpSpPr>
+      <p:grpSpPr>
+        <a:xfrm>
+          <a:off x="0" y="0"/>
+          <a:ext cx="0" cy="0"/>
+          <a:chOff x="0" y="0"/>
+          <a:chExt cx="0" cy="0"/>
+        </a:xfrm>
+      </p:grpSpPr>
+      <p:pic>
+        <p:nvPicPr>
+          <p:cNvPr id="3" name="Picture 2"/>
+          <p:cNvPicPr>
+            <a:picLocks noChangeAspect="1"/>
+          </p:cNvPicPr>
+          <p:nvPr/>
+        </p:nvPicPr>
+        <p:blipFill>
+          <a:blip r:embed="rId2"/>
+          <a:stretch>
+            <a:fillRect/>
+          </a:stretch>
+        </p:blipFill>
+        <p:spPr>
+          <a:xfrm>
             <a:off x="748296" y="2230046"/>
             <a:ext cx="10138194" cy="1387332"/>
           </a:xfrm>
@@ -12456,7 +14081,7 @@
 </p:sld>
 </file>
 
-<file path=ppt/slides/slide24.xml><?xml version="1.0" encoding="utf-8"?>
+<file path=ppt/slides/slide25.xml><?xml version="1.0" encoding="utf-8"?>
 <p:sld xmlns:a="http://schemas.openxmlformats.org/drawingml/2006/main" xmlns:r="http://schemas.openxmlformats.org/officeDocument/2006/relationships" xmlns:p="http://schemas.openxmlformats.org/presentationml/2006/main">
   <p:cSld>
     <p:spTree>
@@ -12651,89 +14276,6 @@
 </p:sld>
 </file>
 
-<file path=ppt/slides/slide25.xml><?xml version="1.0" encoding="utf-8"?>
-<p:sld xmlns:a="http://schemas.openxmlformats.org/drawingml/2006/main" xmlns:r="http://schemas.openxmlformats.org/officeDocument/2006/relationships" xmlns:p="http://schemas.openxmlformats.org/presentationml/2006/main">
-  <p:cSld>
-    <p:spTree>
-      <p:nvGrpSpPr>
-        <p:cNvPr id="1" name=""/>
-        <p:cNvGrpSpPr/>
-        <p:nvPr/>
-      </p:nvGrpSpPr>
-      <p:grpSpPr>
-        <a:xfrm>
-          <a:off x="0" y="0"/>
-          <a:ext cx="0" cy="0"/>
-          <a:chOff x="0" y="0"/>
-          <a:chExt cx="0" cy="0"/>
-        </a:xfrm>
-      </p:grpSpPr>
-      <p:sp>
-        <p:nvSpPr>
-          <p:cNvPr id="2" name="Title 1"/>
-          <p:cNvSpPr>
-            <a:spLocks noGrp="1"/>
-          </p:cNvSpPr>
-          <p:nvPr>
-            <p:ph type="title"/>
-          </p:nvPr>
-        </p:nvSpPr>
-        <p:spPr/>
-        <p:txBody>
-          <a:bodyPr/>
-          <a:lstStyle/>
-          <a:p>
-            <a:pPr marL="1143000" indent="-1143000">
-              <a:buFont typeface="+mj-lt"/>
-              <a:buAutoNum type="arabicPeriod" startAt="5"/>
-            </a:pPr>
-            <a:r>
-              <a:rPr lang="en-US" dirty="0"/>
-              <a:t>Extract </a:t>
-            </a:r>
-            <a:r>
-              <a:rPr lang="en-US" dirty="0" err="1"/>
-              <a:t>prefetch</a:t>
-            </a:r>
-            <a:r>
-              <a:rPr lang="en-US" dirty="0"/>
-              <a:t> event log files from a DD image</a:t>
-            </a:r>
-          </a:p>
-        </p:txBody>
-      </p:sp>
-      <p:sp>
-        <p:nvSpPr>
-          <p:cNvPr id="3" name="Text Placeholder 2"/>
-          <p:cNvSpPr>
-            <a:spLocks noGrp="1"/>
-          </p:cNvSpPr>
-          <p:nvPr>
-            <p:ph type="body" idx="1"/>
-          </p:nvPr>
-        </p:nvSpPr>
-        <p:spPr/>
-        <p:txBody>
-          <a:bodyPr/>
-          <a:lstStyle/>
-          <a:p>
-            <a:endParaRPr lang="en-US"/>
-          </a:p>
-        </p:txBody>
-      </p:sp>
-    </p:spTree>
-    <p:extLst>
-      <p:ext uri="{BB962C8B-B14F-4D97-AF65-F5344CB8AC3E}">
-        <p14:creationId xmlns:p14="http://schemas.microsoft.com/office/powerpoint/2010/main" val="2439817900"/>
-      </p:ext>
-    </p:extLst>
-  </p:cSld>
-  <p:clrMapOvr>
-    <a:masterClrMapping/>
-  </p:clrMapOvr>
-</p:sld>
-</file>
-
 <file path=ppt/slides/slide26.xml><?xml version="1.0" encoding="utf-8"?>
 <p:sld xmlns:a="http://schemas.openxmlformats.org/drawingml/2006/main" xmlns:r="http://schemas.openxmlformats.org/officeDocument/2006/relationships" xmlns:p="http://schemas.openxmlformats.org/presentationml/2006/main">
   <p:cSld>
@@ -12753,6 +14295,89 @@
       </p:grpSpPr>
       <p:sp>
         <p:nvSpPr>
+          <p:cNvPr id="2" name="Title 1"/>
+          <p:cNvSpPr>
+            <a:spLocks noGrp="1"/>
+          </p:cNvSpPr>
+          <p:nvPr>
+            <p:ph type="title"/>
+          </p:nvPr>
+        </p:nvSpPr>
+        <p:spPr/>
+        <p:txBody>
+          <a:bodyPr/>
+          <a:lstStyle/>
+          <a:p>
+            <a:pPr marL="1143000" indent="-1143000">
+              <a:buFont typeface="+mj-lt"/>
+              <a:buAutoNum type="arabicPeriod" startAt="5"/>
+            </a:pPr>
+            <a:r>
+              <a:rPr lang="en-US" dirty="0"/>
+              <a:t>Extract </a:t>
+            </a:r>
+            <a:r>
+              <a:rPr lang="en-US" dirty="0" err="1"/>
+              <a:t>prefetch</a:t>
+            </a:r>
+            <a:r>
+              <a:rPr lang="en-US" dirty="0"/>
+              <a:t> event log files from a DD image</a:t>
+            </a:r>
+          </a:p>
+        </p:txBody>
+      </p:sp>
+      <p:sp>
+        <p:nvSpPr>
+          <p:cNvPr id="3" name="Text Placeholder 2"/>
+          <p:cNvSpPr>
+            <a:spLocks noGrp="1"/>
+          </p:cNvSpPr>
+          <p:nvPr>
+            <p:ph type="body" idx="1"/>
+          </p:nvPr>
+        </p:nvSpPr>
+        <p:spPr/>
+        <p:txBody>
+          <a:bodyPr/>
+          <a:lstStyle/>
+          <a:p>
+            <a:endParaRPr lang="en-US"/>
+          </a:p>
+        </p:txBody>
+      </p:sp>
+    </p:spTree>
+    <p:extLst>
+      <p:ext uri="{BB962C8B-B14F-4D97-AF65-F5344CB8AC3E}">
+        <p14:creationId xmlns:p14="http://schemas.microsoft.com/office/powerpoint/2010/main" val="2439817900"/>
+      </p:ext>
+    </p:extLst>
+  </p:cSld>
+  <p:clrMapOvr>
+    <a:masterClrMapping/>
+  </p:clrMapOvr>
+</p:sld>
+</file>
+
+<file path=ppt/slides/slide27.xml><?xml version="1.0" encoding="utf-8"?>
+<p:sld xmlns:a="http://schemas.openxmlformats.org/drawingml/2006/main" xmlns:r="http://schemas.openxmlformats.org/officeDocument/2006/relationships" xmlns:p="http://schemas.openxmlformats.org/presentationml/2006/main">
+  <p:cSld>
+    <p:spTree>
+      <p:nvGrpSpPr>
+        <p:cNvPr id="1" name=""/>
+        <p:cNvGrpSpPr/>
+        <p:nvPr/>
+      </p:nvGrpSpPr>
+      <p:grpSpPr>
+        <a:xfrm>
+          <a:off x="0" y="0"/>
+          <a:ext cx="0" cy="0"/>
+          <a:chOff x="0" y="0"/>
+          <a:chExt cx="0" cy="0"/>
+        </a:xfrm>
+      </p:grpSpPr>
+      <p:sp>
+        <p:nvSpPr>
           <p:cNvPr id="5" name="Title 4"/>
           <p:cNvSpPr>
             <a:spLocks noGrp="1"/>
@@ -12897,7 +14522,7 @@
 </p:sld>
 </file>
 
-<file path=ppt/slides/slide27.xml><?xml version="1.0" encoding="utf-8"?>
+<file path=ppt/slides/slide28.xml><?xml version="1.0" encoding="utf-8"?>
 <p:sld xmlns:a="http://schemas.openxmlformats.org/drawingml/2006/main" xmlns:r="http://schemas.openxmlformats.org/officeDocument/2006/relationships" xmlns:p="http://schemas.openxmlformats.org/presentationml/2006/main">
   <p:cSld>
     <p:spTree>
@@ -12975,7 +14600,7 @@
             </a:r>
             <a:r>
               <a:rPr lang="en-US" sz="1600" dirty="0"/>
-              <a:t>: -F: Display only files, </a:t>
+              <a:t>: recursively, </a:t>
             </a:r>
             <a:r>
               <a:rPr lang="en-US" sz="1600" dirty="0">
@@ -13068,7 +14693,7 @@
         <p:spPr>
           <a:xfrm>
             <a:off x="8093395" y="2982203"/>
-            <a:ext cx="3073365" cy="923330"/>
+            <a:ext cx="3073365" cy="1754326"/>
           </a:xfrm>
           <a:prstGeom prst="rect">
             <a:avLst/>
@@ -13112,6 +14737,111 @@
               <a:rPr lang="en-US" dirty="0"/>
               <a:t>Escapes a special character</a:t>
             </a:r>
+          </a:p>
+          <a:p>
+            <a:r>
+              <a:rPr lang="en-GB" dirty="0">
+                <a:solidFill>
+                  <a:srgbClr val="7030A0"/>
+                </a:solidFill>
+              </a:rPr>
+              <a:t>note: always enclose the regular expression in single quotes</a:t>
+            </a:r>
+            <a:endParaRPr lang="en-US" dirty="0">
+              <a:solidFill>
+                <a:srgbClr val="7030A0"/>
+              </a:solidFill>
+            </a:endParaRPr>
+          </a:p>
+        </p:txBody>
+      </p:sp>
+      <p:sp>
+        <p:nvSpPr>
+          <p:cNvPr id="8" name="TextBox 7">
+            <a:extLst>
+              <a:ext uri="{FF2B5EF4-FFF2-40B4-BE49-F238E27FC236}">
+                <a16:creationId xmlns:a16="http://schemas.microsoft.com/office/drawing/2014/main" id="{DF05B1B2-EC6E-4343-B3AE-9A1B03ACA0F6}"/>
+              </a:ext>
+            </a:extLst>
+          </p:cNvPr>
+          <p:cNvSpPr txBox="1"/>
+          <p:nvPr/>
+        </p:nvSpPr>
+        <p:spPr>
+          <a:xfrm>
+            <a:off x="2882730" y="6257935"/>
+            <a:ext cx="6176596" cy="369332"/>
+          </a:xfrm>
+          <a:prstGeom prst="rect">
+            <a:avLst/>
+          </a:prstGeom>
+          <a:noFill/>
+        </p:spPr>
+        <p:txBody>
+          <a:bodyPr wrap="square">
+            <a:spAutoFit/>
+          </a:bodyPr>
+          <a:lstStyle/>
+          <a:p>
+            <a:r>
+              <a:rPr lang="en-US" dirty="0"/>
+              <a:t>https://www.debuggex.com/cheatsheet/regex/pcre</a:t>
+            </a:r>
+          </a:p>
+        </p:txBody>
+      </p:sp>
+      <p:sp>
+        <p:nvSpPr>
+          <p:cNvPr id="9" name="TextBox 8">
+            <a:extLst>
+              <a:ext uri="{FF2B5EF4-FFF2-40B4-BE49-F238E27FC236}">
+                <a16:creationId xmlns:a16="http://schemas.microsoft.com/office/drawing/2014/main" id="{9D86D5B9-9EF5-4A89-93E8-547117F089E2}"/>
+              </a:ext>
+            </a:extLst>
+          </p:cNvPr>
+          <p:cNvSpPr txBox="1"/>
+          <p:nvPr/>
+        </p:nvSpPr>
+        <p:spPr>
+          <a:xfrm>
+            <a:off x="685799" y="5137988"/>
+            <a:ext cx="9873762" cy="646331"/>
+          </a:xfrm>
+          <a:prstGeom prst="rect">
+            <a:avLst/>
+          </a:prstGeom>
+          <a:solidFill>
+            <a:schemeClr val="accent4">
+              <a:lumMod val="20000"/>
+              <a:lumOff val="80000"/>
+            </a:schemeClr>
+          </a:solidFill>
+        </p:spPr>
+        <p:txBody>
+          <a:bodyPr wrap="square">
+            <a:spAutoFit/>
+          </a:bodyPr>
+          <a:lstStyle/>
+          <a:p>
+            <a:pPr marL="285750" indent="-285750">
+              <a:buFont typeface="Arial" panose="020B0604020202020204" pitchFamily="34" charset="0"/>
+              <a:buChar char="•"/>
+            </a:pPr>
+            <a:r>
+              <a:rPr lang="en-GB" dirty="0"/>
+              <a:t>grep supports three regular expression syntaxes, Basic, Extended, and Perl-compatible.</a:t>
+            </a:r>
+          </a:p>
+          <a:p>
+            <a:pPr marL="285750" indent="-285750">
+              <a:buFont typeface="Arial" panose="020B0604020202020204" pitchFamily="34" charset="0"/>
+              <a:buChar char="•"/>
+            </a:pPr>
+            <a:r>
+              <a:rPr lang="en-GB" dirty="0"/>
+              <a:t>A regular expression or regex is a pattern that matches a set of strings</a:t>
+            </a:r>
+            <a:endParaRPr lang="en-US" dirty="0"/>
           </a:p>
         </p:txBody>
       </p:sp>
@@ -13128,7 +14858,7 @@
 </p:sld>
 </file>
 
-<file path=ppt/slides/slide28.xml><?xml version="1.0" encoding="utf-8"?>
+<file path=ppt/slides/slide29.xml><?xml version="1.0" encoding="utf-8"?>
 <p:sld xmlns:a="http://schemas.openxmlformats.org/drawingml/2006/main" xmlns:r="http://schemas.openxmlformats.org/officeDocument/2006/relationships" xmlns:p="http://schemas.openxmlformats.org/presentationml/2006/main">
   <p:cSld>
     <p:spTree>
@@ -13206,7 +14936,7 @@
             </a:r>
             <a:r>
               <a:rPr lang="en-US" sz="2400" dirty="0"/>
-              <a:t>: Preserve the specified attributes such as directory an file mode, ownership, timestamps, if possible additional attributes: context, links, </a:t>
+              <a:t>: Preserve the specified attributes such as directory a file mode, ownership, timestamps, if possible additional attributes: context, links, </a:t>
             </a:r>
             <a:r>
               <a:rPr lang="en-US" sz="2400" dirty="0" err="1"/>
@@ -13324,7 +15054,7 @@
 </p:sld>
 </file>
 
-<file path=ppt/slides/slide29.xml><?xml version="1.0" encoding="utf-8"?>
+<file path=ppt/slides/slide3.xml><?xml version="1.0" encoding="utf-8"?>
 <p:sld xmlns:a="http://schemas.openxmlformats.org/drawingml/2006/main" xmlns:r="http://schemas.openxmlformats.org/officeDocument/2006/relationships" xmlns:p="http://schemas.openxmlformats.org/presentationml/2006/main">
   <p:cSld>
     <p:spTree>
@@ -13343,6 +15073,100 @@
       </p:grpSpPr>
       <p:sp>
         <p:nvSpPr>
+          <p:cNvPr id="6" name="Title 5"/>
+          <p:cNvSpPr>
+            <a:spLocks noGrp="1"/>
+          </p:cNvSpPr>
+          <p:nvPr>
+            <p:ph type="title"/>
+          </p:nvPr>
+        </p:nvSpPr>
+        <p:spPr/>
+        <p:txBody>
+          <a:bodyPr/>
+          <a:lstStyle/>
+          <a:p>
+            <a:pPr marL="1143000" indent="-1143000">
+              <a:buFont typeface="+mj-lt"/>
+              <a:buAutoNum type="arabicPeriod"/>
+            </a:pPr>
+            <a:r>
+              <a:rPr lang="en-US" dirty="0"/>
+              <a:t>Install </a:t>
+            </a:r>
+            <a:r>
+              <a:rPr lang="en-US" i="1" dirty="0">
+                <a:solidFill>
+                  <a:srgbClr val="007DB5"/>
+                </a:solidFill>
+                <a:latin typeface="+mn-lt"/>
+                <a:ea typeface="+mn-ea"/>
+                <a:cs typeface="+mn-cs"/>
+              </a:rPr>
+              <a:t>Kali</a:t>
+            </a:r>
+            <a:endParaRPr lang="en-US" sz="2800" i="1" dirty="0">
+              <a:solidFill>
+                <a:srgbClr val="007DB5"/>
+              </a:solidFill>
+              <a:latin typeface="+mn-lt"/>
+              <a:ea typeface="+mn-ea"/>
+              <a:cs typeface="+mn-cs"/>
+            </a:endParaRPr>
+          </a:p>
+        </p:txBody>
+      </p:sp>
+      <p:sp>
+        <p:nvSpPr>
+          <p:cNvPr id="7" name="Text Placeholder 6"/>
+          <p:cNvSpPr>
+            <a:spLocks noGrp="1"/>
+          </p:cNvSpPr>
+          <p:nvPr>
+            <p:ph type="body" idx="1"/>
+          </p:nvPr>
+        </p:nvSpPr>
+        <p:spPr/>
+        <p:txBody>
+          <a:bodyPr/>
+          <a:lstStyle/>
+          <a:p>
+            <a:endParaRPr lang="en-US"/>
+          </a:p>
+        </p:txBody>
+      </p:sp>
+    </p:spTree>
+    <p:extLst>
+      <p:ext uri="{BB962C8B-B14F-4D97-AF65-F5344CB8AC3E}">
+        <p14:creationId xmlns:p14="http://schemas.microsoft.com/office/powerpoint/2010/main" val="4174329430"/>
+      </p:ext>
+    </p:extLst>
+  </p:cSld>
+  <p:clrMapOvr>
+    <a:masterClrMapping/>
+  </p:clrMapOvr>
+</p:sld>
+</file>
+
+<file path=ppt/slides/slide30.xml><?xml version="1.0" encoding="utf-8"?>
+<p:sld xmlns:a="http://schemas.openxmlformats.org/drawingml/2006/main" xmlns:r="http://schemas.openxmlformats.org/officeDocument/2006/relationships" xmlns:p="http://schemas.openxmlformats.org/presentationml/2006/main">
+  <p:cSld>
+    <p:spTree>
+      <p:nvGrpSpPr>
+        <p:cNvPr id="1" name=""/>
+        <p:cNvGrpSpPr/>
+        <p:nvPr/>
+      </p:nvGrpSpPr>
+      <p:grpSpPr>
+        <a:xfrm>
+          <a:off x="0" y="0"/>
+          <a:ext cx="0" cy="0"/>
+          <a:chOff x="0" y="0"/>
+          <a:chExt cx="0" cy="0"/>
+        </a:xfrm>
+      </p:grpSpPr>
+      <p:sp>
+        <p:nvSpPr>
           <p:cNvPr id="2" name="TextBox 1"/>
           <p:cNvSpPr txBox="1"/>
           <p:nvPr/>
@@ -13350,7 +15174,7 @@
         <p:spPr>
           <a:xfrm>
             <a:off x="832275" y="2018278"/>
-            <a:ext cx="6463885" cy="369332"/>
+            <a:ext cx="7687471" cy="369332"/>
           </a:xfrm>
           <a:prstGeom prst="rect">
             <a:avLst/>
@@ -13360,7 +15184,7 @@
           </a:solidFill>
         </p:spPr>
         <p:txBody>
-          <a:bodyPr wrap="none" rtlCol="0">
+          <a:bodyPr wrap="square" rtlCol="0">
             <a:spAutoFit/>
           </a:bodyPr>
           <a:lstStyle/>
@@ -13375,27 +15199,11 @@
                   <a:schemeClr val="accent6"/>
                 </a:solidFill>
               </a:rPr>
-              <a:t>./</a:t>
-            </a:r>
-            <a:r>
-              <a:rPr lang="en-US" i="1" dirty="0" err="1">
-                <a:solidFill>
-                  <a:schemeClr val="accent6"/>
-                </a:solidFill>
-              </a:rPr>
-              <a:t>Prefetch</a:t>
-            </a:r>
-            <a:r>
-              <a:rPr lang="en-US" i="1" dirty="0">
-                <a:solidFill>
-                  <a:schemeClr val="accent6"/>
-                </a:solidFill>
-              </a:rPr>
-              <a:t> </a:t>
+              <a:t>./Prefetch </a:t>
             </a:r>
             <a:r>
               <a:rPr lang="en-US" dirty="0"/>
-              <a:t>folder, otherwise</a:t>
+              <a:t>folder</a:t>
             </a:r>
           </a:p>
         </p:txBody>
@@ -13437,175 +15245,6 @@
 </p:sld>
 </file>
 
-<file path=ppt/slides/slide3.xml><?xml version="1.0" encoding="utf-8"?>
-<p:sld xmlns:a="http://schemas.openxmlformats.org/drawingml/2006/main" xmlns:r="http://schemas.openxmlformats.org/officeDocument/2006/relationships" xmlns:p="http://schemas.openxmlformats.org/presentationml/2006/main">
-  <p:cSld>
-    <p:spTree>
-      <p:nvGrpSpPr>
-        <p:cNvPr id="1" name=""/>
-        <p:cNvGrpSpPr/>
-        <p:nvPr/>
-      </p:nvGrpSpPr>
-      <p:grpSpPr>
-        <a:xfrm>
-          <a:off x="0" y="0"/>
-          <a:ext cx="0" cy="0"/>
-          <a:chOff x="0" y="0"/>
-          <a:chExt cx="0" cy="0"/>
-        </a:xfrm>
-      </p:grpSpPr>
-      <p:sp>
-        <p:nvSpPr>
-          <p:cNvPr id="6" name="Title 5"/>
-          <p:cNvSpPr>
-            <a:spLocks noGrp="1"/>
-          </p:cNvSpPr>
-          <p:nvPr>
-            <p:ph type="title"/>
-          </p:nvPr>
-        </p:nvSpPr>
-        <p:spPr/>
-        <p:txBody>
-          <a:bodyPr/>
-          <a:lstStyle/>
-          <a:p>
-            <a:pPr marL="1143000" indent="-1143000">
-              <a:buFont typeface="+mj-lt"/>
-              <a:buAutoNum type="arabicPeriod"/>
-            </a:pPr>
-            <a:r>
-              <a:rPr lang="en-US" dirty="0"/>
-              <a:t>Install </a:t>
-            </a:r>
-            <a:r>
-              <a:rPr lang="en-US" i="1" dirty="0">
-                <a:solidFill>
-                  <a:srgbClr val="007DB5"/>
-                </a:solidFill>
-                <a:latin typeface="+mn-lt"/>
-                <a:ea typeface="+mn-ea"/>
-                <a:cs typeface="+mn-cs"/>
-              </a:rPr>
-              <a:t>Kali</a:t>
-            </a:r>
-            <a:endParaRPr lang="en-US" sz="2800" i="1" dirty="0">
-              <a:solidFill>
-                <a:srgbClr val="007DB5"/>
-              </a:solidFill>
-              <a:latin typeface="+mn-lt"/>
-              <a:ea typeface="+mn-ea"/>
-              <a:cs typeface="+mn-cs"/>
-            </a:endParaRPr>
-          </a:p>
-        </p:txBody>
-      </p:sp>
-      <p:sp>
-        <p:nvSpPr>
-          <p:cNvPr id="7" name="Text Placeholder 6"/>
-          <p:cNvSpPr>
-            <a:spLocks noGrp="1"/>
-          </p:cNvSpPr>
-          <p:nvPr>
-            <p:ph type="body" idx="1"/>
-          </p:nvPr>
-        </p:nvSpPr>
-        <p:spPr/>
-        <p:txBody>
-          <a:bodyPr/>
-          <a:lstStyle/>
-          <a:p>
-            <a:endParaRPr lang="en-US"/>
-          </a:p>
-        </p:txBody>
-      </p:sp>
-    </p:spTree>
-    <p:extLst>
-      <p:ext uri="{BB962C8B-B14F-4D97-AF65-F5344CB8AC3E}">
-        <p14:creationId xmlns:p14="http://schemas.microsoft.com/office/powerpoint/2010/main" val="4174329430"/>
-      </p:ext>
-    </p:extLst>
-  </p:cSld>
-  <p:clrMapOvr>
-    <a:masterClrMapping/>
-  </p:clrMapOvr>
-</p:sld>
-</file>
-
-<file path=ppt/slides/slide30.xml><?xml version="1.0" encoding="utf-8"?>
-<p:sld xmlns:a="http://schemas.openxmlformats.org/drawingml/2006/main" xmlns:r="http://schemas.openxmlformats.org/officeDocument/2006/relationships" xmlns:p="http://schemas.openxmlformats.org/presentationml/2006/main">
-  <p:cSld>
-    <p:spTree>
-      <p:nvGrpSpPr>
-        <p:cNvPr id="1" name=""/>
-        <p:cNvGrpSpPr/>
-        <p:nvPr/>
-      </p:nvGrpSpPr>
-      <p:grpSpPr>
-        <a:xfrm>
-          <a:off x="0" y="0"/>
-          <a:ext cx="0" cy="0"/>
-          <a:chOff x="0" y="0"/>
-          <a:chExt cx="0" cy="0"/>
-        </a:xfrm>
-      </p:grpSpPr>
-      <p:sp>
-        <p:nvSpPr>
-          <p:cNvPr id="2" name="Title 1"/>
-          <p:cNvSpPr>
-            <a:spLocks noGrp="1"/>
-          </p:cNvSpPr>
-          <p:nvPr>
-            <p:ph type="title"/>
-          </p:nvPr>
-        </p:nvSpPr>
-        <p:spPr/>
-        <p:txBody>
-          <a:bodyPr/>
-          <a:lstStyle/>
-          <a:p>
-            <a:pPr marL="1143000" indent="-1143000">
-              <a:buFont typeface="+mj-lt"/>
-              <a:buAutoNum type="arabicPeriod" startAt="6"/>
-            </a:pPr>
-            <a:r>
-              <a:rPr lang="en-US" dirty="0"/>
-              <a:t>Extract security event log files from the DD Image</a:t>
-            </a:r>
-          </a:p>
-        </p:txBody>
-      </p:sp>
-      <p:sp>
-        <p:nvSpPr>
-          <p:cNvPr id="3" name="Text Placeholder 2"/>
-          <p:cNvSpPr>
-            <a:spLocks noGrp="1"/>
-          </p:cNvSpPr>
-          <p:nvPr>
-            <p:ph type="body" idx="1"/>
-          </p:nvPr>
-        </p:nvSpPr>
-        <p:spPr/>
-        <p:txBody>
-          <a:bodyPr/>
-          <a:lstStyle/>
-          <a:p>
-            <a:endParaRPr lang="en-US"/>
-          </a:p>
-        </p:txBody>
-      </p:sp>
-    </p:spTree>
-    <p:extLst>
-      <p:ext uri="{BB962C8B-B14F-4D97-AF65-F5344CB8AC3E}">
-        <p14:creationId xmlns:p14="http://schemas.microsoft.com/office/powerpoint/2010/main" val="1818747297"/>
-      </p:ext>
-    </p:extLst>
-  </p:cSld>
-  <p:clrMapOvr>
-    <a:masterClrMapping/>
-  </p:clrMapOvr>
-</p:sld>
-</file>
-
 <file path=ppt/slides/slide31.xml><?xml version="1.0" encoding="utf-8"?>
 <p:sld xmlns:a="http://schemas.openxmlformats.org/drawingml/2006/main" xmlns:r="http://schemas.openxmlformats.org/officeDocument/2006/relationships" xmlns:p="http://schemas.openxmlformats.org/presentationml/2006/main">
   <p:cSld>
@@ -13638,6 +15277,81 @@
           <a:bodyPr/>
           <a:lstStyle/>
           <a:p>
+            <a:pPr marL="1143000" indent="-1143000">
+              <a:buFont typeface="+mj-lt"/>
+              <a:buAutoNum type="arabicPeriod" startAt="6"/>
+            </a:pPr>
+            <a:r>
+              <a:rPr lang="en-US" dirty="0"/>
+              <a:t>Extract security event log files from the DD Image</a:t>
+            </a:r>
+          </a:p>
+        </p:txBody>
+      </p:sp>
+      <p:sp>
+        <p:nvSpPr>
+          <p:cNvPr id="3" name="Text Placeholder 2"/>
+          <p:cNvSpPr>
+            <a:spLocks noGrp="1"/>
+          </p:cNvSpPr>
+          <p:nvPr>
+            <p:ph type="body" idx="1"/>
+          </p:nvPr>
+        </p:nvSpPr>
+        <p:spPr/>
+        <p:txBody>
+          <a:bodyPr/>
+          <a:lstStyle/>
+          <a:p>
+            <a:endParaRPr lang="en-US"/>
+          </a:p>
+        </p:txBody>
+      </p:sp>
+    </p:spTree>
+    <p:extLst>
+      <p:ext uri="{BB962C8B-B14F-4D97-AF65-F5344CB8AC3E}">
+        <p14:creationId xmlns:p14="http://schemas.microsoft.com/office/powerpoint/2010/main" val="1818747297"/>
+      </p:ext>
+    </p:extLst>
+  </p:cSld>
+  <p:clrMapOvr>
+    <a:masterClrMapping/>
+  </p:clrMapOvr>
+</p:sld>
+</file>
+
+<file path=ppt/slides/slide32.xml><?xml version="1.0" encoding="utf-8"?>
+<p:sld xmlns:a="http://schemas.openxmlformats.org/drawingml/2006/main" xmlns:r="http://schemas.openxmlformats.org/officeDocument/2006/relationships" xmlns:p="http://schemas.openxmlformats.org/presentationml/2006/main">
+  <p:cSld>
+    <p:spTree>
+      <p:nvGrpSpPr>
+        <p:cNvPr id="1" name=""/>
+        <p:cNvGrpSpPr/>
+        <p:nvPr/>
+      </p:nvGrpSpPr>
+      <p:grpSpPr>
+        <a:xfrm>
+          <a:off x="0" y="0"/>
+          <a:ext cx="0" cy="0"/>
+          <a:chOff x="0" y="0"/>
+          <a:chExt cx="0" cy="0"/>
+        </a:xfrm>
+      </p:grpSpPr>
+      <p:sp>
+        <p:nvSpPr>
+          <p:cNvPr id="2" name="Title 1"/>
+          <p:cNvSpPr>
+            <a:spLocks noGrp="1"/>
+          </p:cNvSpPr>
+          <p:nvPr>
+            <p:ph type="title"/>
+          </p:nvPr>
+        </p:nvSpPr>
+        <p:spPr/>
+        <p:txBody>
+          <a:bodyPr/>
+          <a:lstStyle/>
+          <a:p>
             <a:r>
               <a:rPr lang="en-US" dirty="0"/>
               <a:t>Event log files overview</a:t>
@@ -13753,7 +15467,7 @@
 </p:sld>
 </file>
 
-<file path=ppt/slides/slide32.xml><?xml version="1.0" encoding="utf-8"?>
+<file path=ppt/slides/slide33.xml><?xml version="1.0" encoding="utf-8"?>
 <p:sld xmlns:a="http://schemas.openxmlformats.org/drawingml/2006/main" xmlns:r="http://schemas.openxmlformats.org/officeDocument/2006/relationships" xmlns:p="http://schemas.openxmlformats.org/presentationml/2006/main">
   <p:cSld>
     <p:spTree>
@@ -13959,7 +15673,7 @@
 </p:sld>
 </file>
 
-<file path=ppt/slides/slide33.xml><?xml version="1.0" encoding="utf-8"?>
+<file path=ppt/slides/slide34.xml><?xml version="1.0" encoding="utf-8"?>
 <p:sld xmlns:a="http://schemas.openxmlformats.org/drawingml/2006/main" xmlns:r="http://schemas.openxmlformats.org/officeDocument/2006/relationships" xmlns:p="http://schemas.openxmlformats.org/presentationml/2006/main">
   <p:cSld>
     <p:spTree>
@@ -14009,7 +15723,7 @@
         <p:spPr>
           <a:xfrm>
             <a:off x="694915" y="2160446"/>
-            <a:ext cx="4508670" cy="369332"/>
+            <a:ext cx="5765424" cy="369332"/>
           </a:xfrm>
           <a:prstGeom prst="rect">
             <a:avLst/>
@@ -14026,7 +15740,7 @@
           <a:p>
             <a:r>
               <a:rPr lang="en-US" dirty="0"/>
-              <a:t>Search for “</a:t>
+              <a:t>Copy “</a:t>
             </a:r>
             <a:r>
               <a:rPr lang="en-US" i="1" dirty="0" err="1">
@@ -14038,7 +15752,19 @@
             </a:r>
             <a:r>
               <a:rPr lang="en-US" dirty="0"/>
-              <a:t>” from the DD image</a:t>
+              <a:t>” from the DD image to the </a:t>
+            </a:r>
+            <a:r>
+              <a:rPr lang="en-US" i="1" dirty="0">
+                <a:solidFill>
+                  <a:srgbClr val="007DB5"/>
+                </a:solidFill>
+              </a:rPr>
+              <a:t>lab</a:t>
+            </a:r>
+            <a:r>
+              <a:rPr lang="en-US" dirty="0"/>
+              <a:t> directory</a:t>
             </a:r>
           </a:p>
         </p:txBody>
@@ -14056,7 +15782,7 @@
 </p:sld>
 </file>
 
-<file path=ppt/slides/slide34.xml><?xml version="1.0" encoding="utf-8"?>
+<file path=ppt/slides/slide35.xml><?xml version="1.0" encoding="utf-8"?>
 <p:sld xmlns:a="http://schemas.openxmlformats.org/drawingml/2006/main" xmlns:r="http://schemas.openxmlformats.org/officeDocument/2006/relationships" xmlns:p="http://schemas.openxmlformats.org/presentationml/2006/main">
   <p:cSld>
     <p:spTree>
@@ -14131,7 +15857,7 @@
 </p:sld>
 </file>
 
-<file path=ppt/slides/slide35.xml><?xml version="1.0" encoding="utf-8"?>
+<file path=ppt/slides/slide36.xml><?xml version="1.0" encoding="utf-8"?>
 <p:sld xmlns:a="http://schemas.openxmlformats.org/drawingml/2006/main" xmlns:r="http://schemas.openxmlformats.org/officeDocument/2006/relationships" xmlns:p="http://schemas.openxmlformats.org/presentationml/2006/main">
   <p:cSld>
     <p:spTree>
@@ -14215,7 +15941,7 @@
 </p:sld>
 </file>
 
-<file path=ppt/slides/slide36.xml><?xml version="1.0" encoding="utf-8"?>
+<file path=ppt/slides/slide37.xml><?xml version="1.0" encoding="utf-8"?>
 <p:sld xmlns:a="http://schemas.openxmlformats.org/drawingml/2006/main" xmlns:r="http://schemas.openxmlformats.org/officeDocument/2006/relationships" xmlns:p="http://schemas.openxmlformats.org/presentationml/2006/main">
   <p:cSld>
     <p:spTree>
@@ -14312,7 +16038,7 @@
 </p:sld>
 </file>
 
-<file path=ppt/slides/slide37.xml><?xml version="1.0" encoding="utf-8"?>
+<file path=ppt/slides/slide38.xml><?xml version="1.0" encoding="utf-8"?>
 <p:sld xmlns:a="http://schemas.openxmlformats.org/drawingml/2006/main" xmlns:r="http://schemas.openxmlformats.org/officeDocument/2006/relationships" xmlns:p="http://schemas.openxmlformats.org/presentationml/2006/main">
   <p:cSld>
     <p:spTree>
@@ -14419,7 +16145,7 @@
 </p:sld>
 </file>
 
-<file path=ppt/slides/slide38.xml><?xml version="1.0" encoding="utf-8"?>
+<file path=ppt/slides/slide39.xml><?xml version="1.0" encoding="utf-8"?>
 <p:sld xmlns:a="http://schemas.openxmlformats.org/drawingml/2006/main" xmlns:r="http://schemas.openxmlformats.org/officeDocument/2006/relationships" xmlns:p="http://schemas.openxmlformats.org/presentationml/2006/main">
   <p:cSld>
     <p:spTree>
@@ -14518,7 +16244,7 @@
             <a:pPr lvl="1"/>
             <a:r>
               <a:rPr lang="en-US" dirty="0"/>
-              <a:t>Open source software (Windows and Linux)</a:t>
+              <a:t>Open-source software (Windows and Linux)</a:t>
             </a:r>
           </a:p>
           <a:p>
@@ -14570,7 +16296,93 @@
 </p:sld>
 </file>
 
-<file path=ppt/slides/slide39.xml><?xml version="1.0" encoding="utf-8"?>
+<file path=ppt/slides/slide4.xml><?xml version="1.0" encoding="utf-8"?>
+<p:sld xmlns:a="http://schemas.openxmlformats.org/drawingml/2006/main" xmlns:r="http://schemas.openxmlformats.org/officeDocument/2006/relationships" xmlns:p="http://schemas.openxmlformats.org/presentationml/2006/main">
+  <p:cSld>
+    <p:spTree>
+      <p:nvGrpSpPr>
+        <p:cNvPr id="1" name=""/>
+        <p:cNvGrpSpPr/>
+        <p:nvPr/>
+      </p:nvGrpSpPr>
+      <p:grpSpPr>
+        <a:xfrm>
+          <a:off x="0" y="0"/>
+          <a:ext cx="0" cy="0"/>
+          <a:chOff x="0" y="0"/>
+          <a:chExt cx="0" cy="0"/>
+        </a:xfrm>
+      </p:grpSpPr>
+      <p:sp>
+        <p:nvSpPr>
+          <p:cNvPr id="4" name="Title 3"/>
+          <p:cNvSpPr>
+            <a:spLocks noGrp="1"/>
+          </p:cNvSpPr>
+          <p:nvPr>
+            <p:ph type="title"/>
+          </p:nvPr>
+        </p:nvSpPr>
+        <p:spPr/>
+        <p:txBody>
+          <a:bodyPr/>
+          <a:lstStyle/>
+          <a:p>
+            <a:r>
+              <a:rPr lang="en-US" dirty="0"/>
+              <a:t>Download and installation instructions</a:t>
+            </a:r>
+          </a:p>
+        </p:txBody>
+      </p:sp>
+      <p:sp>
+        <p:nvSpPr>
+          <p:cNvPr id="5" name="Content Placeholder 4"/>
+          <p:cNvSpPr>
+            <a:spLocks noGrp="1"/>
+          </p:cNvSpPr>
+          <p:nvPr>
+            <p:ph idx="1"/>
+          </p:nvPr>
+        </p:nvSpPr>
+        <p:spPr/>
+        <p:txBody>
+          <a:bodyPr/>
+          <a:lstStyle/>
+          <a:p>
+            <a:r>
+              <a:rPr lang="en-US" dirty="0">
+                <a:hlinkClick r:id="rId2"/>
+              </a:rPr>
+              <a:t>https://zsecurity.org/download-custom-kali/</a:t>
+            </a:r>
+            <a:endParaRPr lang="en-US" dirty="0"/>
+          </a:p>
+          <a:p>
+            <a:r>
+              <a:rPr lang="en-US" dirty="0"/>
+              <a:t>Refer to additional PPTs</a:t>
+            </a:r>
+          </a:p>
+          <a:p>
+            <a:endParaRPr lang="en-US" dirty="0"/>
+          </a:p>
+        </p:txBody>
+      </p:sp>
+    </p:spTree>
+    <p:extLst>
+      <p:ext uri="{BB962C8B-B14F-4D97-AF65-F5344CB8AC3E}">
+        <p14:creationId xmlns:p14="http://schemas.microsoft.com/office/powerpoint/2010/main" val="962324757"/>
+      </p:ext>
+    </p:extLst>
+  </p:cSld>
+  <p:clrMapOvr>
+    <a:masterClrMapping/>
+  </p:clrMapOvr>
+</p:sld>
+</file>
+
+<file path=ppt/slides/slide40.xml><?xml version="1.0" encoding="utf-8"?>
 <p:sld xmlns:a="http://schemas.openxmlformats.org/drawingml/2006/main" xmlns:r="http://schemas.openxmlformats.org/officeDocument/2006/relationships" xmlns:p="http://schemas.openxmlformats.org/presentationml/2006/main">
   <p:cSld>
     <p:spTree>
@@ -14801,93 +16613,7 @@
 </p:sld>
 </file>
 
-<file path=ppt/slides/slide4.xml><?xml version="1.0" encoding="utf-8"?>
-<p:sld xmlns:a="http://schemas.openxmlformats.org/drawingml/2006/main" xmlns:r="http://schemas.openxmlformats.org/officeDocument/2006/relationships" xmlns:p="http://schemas.openxmlformats.org/presentationml/2006/main">
-  <p:cSld>
-    <p:spTree>
-      <p:nvGrpSpPr>
-        <p:cNvPr id="1" name=""/>
-        <p:cNvGrpSpPr/>
-        <p:nvPr/>
-      </p:nvGrpSpPr>
-      <p:grpSpPr>
-        <a:xfrm>
-          <a:off x="0" y="0"/>
-          <a:ext cx="0" cy="0"/>
-          <a:chOff x="0" y="0"/>
-          <a:chExt cx="0" cy="0"/>
-        </a:xfrm>
-      </p:grpSpPr>
-      <p:sp>
-        <p:nvSpPr>
-          <p:cNvPr id="4" name="Title 3"/>
-          <p:cNvSpPr>
-            <a:spLocks noGrp="1"/>
-          </p:cNvSpPr>
-          <p:nvPr>
-            <p:ph type="title"/>
-          </p:nvPr>
-        </p:nvSpPr>
-        <p:spPr/>
-        <p:txBody>
-          <a:bodyPr/>
-          <a:lstStyle/>
-          <a:p>
-            <a:r>
-              <a:rPr lang="en-US" dirty="0"/>
-              <a:t>Download and installation instructions</a:t>
-            </a:r>
-          </a:p>
-        </p:txBody>
-      </p:sp>
-      <p:sp>
-        <p:nvSpPr>
-          <p:cNvPr id="5" name="Content Placeholder 4"/>
-          <p:cNvSpPr>
-            <a:spLocks noGrp="1"/>
-          </p:cNvSpPr>
-          <p:nvPr>
-            <p:ph idx="1"/>
-          </p:nvPr>
-        </p:nvSpPr>
-        <p:spPr/>
-        <p:txBody>
-          <a:bodyPr/>
-          <a:lstStyle/>
-          <a:p>
-            <a:r>
-              <a:rPr lang="en-US" dirty="0">
-                <a:hlinkClick r:id="rId2"/>
-              </a:rPr>
-              <a:t>https://zsecurity.org/download-custom-kali/</a:t>
-            </a:r>
-            <a:endParaRPr lang="en-US" dirty="0"/>
-          </a:p>
-          <a:p>
-            <a:r>
-              <a:rPr lang="en-US" dirty="0"/>
-              <a:t>Refer to additional PPTs</a:t>
-            </a:r>
-          </a:p>
-          <a:p>
-            <a:endParaRPr lang="en-US" dirty="0"/>
-          </a:p>
-        </p:txBody>
-      </p:sp>
-    </p:spTree>
-    <p:extLst>
-      <p:ext uri="{BB962C8B-B14F-4D97-AF65-F5344CB8AC3E}">
-        <p14:creationId xmlns:p14="http://schemas.microsoft.com/office/powerpoint/2010/main" val="962324757"/>
-      </p:ext>
-    </p:extLst>
-  </p:cSld>
-  <p:clrMapOvr>
-    <a:masterClrMapping/>
-  </p:clrMapOvr>
-</p:sld>
-</file>
-
-<file path=ppt/slides/slide40.xml><?xml version="1.0" encoding="utf-8"?>
+<file path=ppt/slides/slide41.xml><?xml version="1.0" encoding="utf-8"?>
 <p:sld xmlns:a="http://schemas.openxmlformats.org/drawingml/2006/main" xmlns:r="http://schemas.openxmlformats.org/officeDocument/2006/relationships" xmlns:p="http://schemas.openxmlformats.org/presentationml/2006/main">
   <p:cSld>
     <p:spTree>
@@ -15057,7 +16783,7 @@
 </p:sld>
 </file>
 
-<file path=ppt/slides/slide41.xml><?xml version="1.0" encoding="utf-8"?>
+<file path=ppt/slides/slide42.xml><?xml version="1.0" encoding="utf-8"?>
 <p:sld xmlns:a="http://schemas.openxmlformats.org/drawingml/2006/main" xmlns:r="http://schemas.openxmlformats.org/officeDocument/2006/relationships" xmlns:p="http://schemas.openxmlformats.org/presentationml/2006/main">
   <p:cSld>
     <p:spTree>
@@ -15090,7 +16816,7 @@
         </p:blipFill>
         <p:spPr>
           <a:xfrm>
-            <a:off x="796953" y="1690688"/>
+            <a:off x="785580" y="1690688"/>
             <a:ext cx="10773768" cy="2132575"/>
           </a:xfrm>
           <a:prstGeom prst="rect">
@@ -15181,7 +16907,7 @@
 </p:sld>
 </file>
 
-<file path=ppt/slides/slide42.xml><?xml version="1.0" encoding="utf-8"?>
+<file path=ppt/slides/slide43.xml><?xml version="1.0" encoding="utf-8"?>
 <p:sld xmlns:a="http://schemas.openxmlformats.org/drawingml/2006/main" xmlns:r="http://schemas.openxmlformats.org/officeDocument/2006/relationships" xmlns:p="http://schemas.openxmlformats.org/presentationml/2006/main">
   <p:cSld>
     <p:spTree>
@@ -15206,7 +16932,7 @@
         </p:nvSpPr>
         <p:spPr>
           <a:xfrm>
-            <a:off x="868851" y="1397955"/>
+            <a:off x="1182118" y="1626555"/>
             <a:ext cx="2604046" cy="369332"/>
           </a:xfrm>
           <a:prstGeom prst="rect">
@@ -15265,7 +16991,7 @@
         </p:blipFill>
         <p:spPr>
           <a:xfrm>
-            <a:off x="868851" y="1788121"/>
+            <a:off x="1182118" y="2016721"/>
             <a:ext cx="9389102" cy="3270868"/>
           </a:xfrm>
           <a:prstGeom prst="rect">
@@ -15286,7 +17012,7 @@
 </p:sld>
 </file>
 
-<file path=ppt/slides/slide43.xml><?xml version="1.0" encoding="utf-8"?>
+<file path=ppt/slides/slide44.xml><?xml version="1.0" encoding="utf-8"?>
 <p:sld xmlns:a="http://schemas.openxmlformats.org/drawingml/2006/main" xmlns:r="http://schemas.openxmlformats.org/officeDocument/2006/relationships" xmlns:p="http://schemas.openxmlformats.org/presentationml/2006/main">
   <p:cSld>
     <p:spTree>
@@ -15414,7 +17140,7 @@
 </p:sld>
 </file>
 
-<file path=ppt/slides/slide44.xml><?xml version="1.0" encoding="utf-8"?>
+<file path=ppt/slides/slide45.xml><?xml version="1.0" encoding="utf-8"?>
 <p:sld xmlns:a="http://schemas.openxmlformats.org/drawingml/2006/main" xmlns:r="http://schemas.openxmlformats.org/officeDocument/2006/relationships" xmlns:p="http://schemas.openxmlformats.org/presentationml/2006/main">
   <p:cSld>
     <p:spTree>
@@ -15815,7 +17541,7 @@
         <p:spPr>
           <a:xfrm>
             <a:off x="744142" y="4296626"/>
-            <a:ext cx="2311338" cy="369332"/>
+            <a:ext cx="2401107" cy="369332"/>
           </a:xfrm>
           <a:prstGeom prst="rect">
             <a:avLst/>
@@ -15831,8 +17557,8 @@
           <a:lstStyle/>
           <a:p>
             <a:r>
-              <a:rPr lang="en-US"/>
-              <a:t>Verify three zipped file</a:t>
+              <a:rPr lang="en-US" dirty="0"/>
+              <a:t>Verify three zipped files</a:t>
             </a:r>
           </a:p>
         </p:txBody>
@@ -15922,7 +17648,7 @@
           <p:nvPr/>
         </p:nvPicPr>
         <p:blipFill>
-          <a:blip r:embed="rId2"/>
+          <a:blip r:embed="rId3"/>
           <a:stretch>
             <a:fillRect/>
           </a:stretch>
@@ -15977,7 +17703,7 @@
           <p:nvPr/>
         </p:nvPicPr>
         <p:blipFill>
-          <a:blip r:embed="rId3"/>
+          <a:blip r:embed="rId4"/>
           <a:stretch>
             <a:fillRect/>
           </a:stretch>

--- a/NIST_Data_Leakage_Case/NIST_Data_Leakage_00_Env_Setting.pptx
+++ b/NIST_Data_Leakage_Case/NIST_Data_Leakage_00_Env_Setting.pptx
@@ -5,7 +5,7 @@
     <p:sldMasterId id="2147483648" r:id="rId1"/>
   </p:sldMasterIdLst>
   <p:notesMasterIdLst>
-    <p:notesMasterId r:id="rId47"/>
+    <p:notesMasterId r:id="rId48"/>
   </p:notesMasterIdLst>
   <p:sldIdLst>
     <p:sldId id="256" r:id="rId2"/>
@@ -29,30 +29,31 @@
     <p:sldId id="292" r:id="rId20"/>
     <p:sldId id="323" r:id="rId21"/>
     <p:sldId id="278" r:id="rId22"/>
-    <p:sldId id="279" r:id="rId23"/>
-    <p:sldId id="280" r:id="rId24"/>
-    <p:sldId id="281" r:id="rId25"/>
-    <p:sldId id="282" r:id="rId26"/>
-    <p:sldId id="321" r:id="rId27"/>
-    <p:sldId id="308" r:id="rId28"/>
-    <p:sldId id="319" r:id="rId29"/>
-    <p:sldId id="293" r:id="rId30"/>
-    <p:sldId id="314" r:id="rId31"/>
-    <p:sldId id="322" r:id="rId32"/>
-    <p:sldId id="320" r:id="rId33"/>
-    <p:sldId id="297" r:id="rId34"/>
-    <p:sldId id="306" r:id="rId35"/>
-    <p:sldId id="294" r:id="rId36"/>
-    <p:sldId id="295" r:id="rId37"/>
-    <p:sldId id="296" r:id="rId38"/>
-    <p:sldId id="309" r:id="rId39"/>
-    <p:sldId id="284" r:id="rId40"/>
-    <p:sldId id="273" r:id="rId41"/>
-    <p:sldId id="276" r:id="rId42"/>
-    <p:sldId id="312" r:id="rId43"/>
-    <p:sldId id="313" r:id="rId44"/>
-    <p:sldId id="316" r:id="rId45"/>
-    <p:sldId id="317" r:id="rId46"/>
+    <p:sldId id="324" r:id="rId23"/>
+    <p:sldId id="279" r:id="rId24"/>
+    <p:sldId id="280" r:id="rId25"/>
+    <p:sldId id="281" r:id="rId26"/>
+    <p:sldId id="282" r:id="rId27"/>
+    <p:sldId id="321" r:id="rId28"/>
+    <p:sldId id="308" r:id="rId29"/>
+    <p:sldId id="319" r:id="rId30"/>
+    <p:sldId id="293" r:id="rId31"/>
+    <p:sldId id="314" r:id="rId32"/>
+    <p:sldId id="322" r:id="rId33"/>
+    <p:sldId id="320" r:id="rId34"/>
+    <p:sldId id="297" r:id="rId35"/>
+    <p:sldId id="306" r:id="rId36"/>
+    <p:sldId id="294" r:id="rId37"/>
+    <p:sldId id="295" r:id="rId38"/>
+    <p:sldId id="296" r:id="rId39"/>
+    <p:sldId id="309" r:id="rId40"/>
+    <p:sldId id="284" r:id="rId41"/>
+    <p:sldId id="273" r:id="rId42"/>
+    <p:sldId id="276" r:id="rId43"/>
+    <p:sldId id="312" r:id="rId44"/>
+    <p:sldId id="313" r:id="rId45"/>
+    <p:sldId id="316" r:id="rId46"/>
+    <p:sldId id="317" r:id="rId47"/>
   </p:sldIdLst>
   <p:sldSz cx="12192000" cy="6858000"/>
   <p:notesSz cx="6858000" cy="9144000"/>
@@ -162,7 +163,7 @@
 <file path=ppt/revisionInfo.xml><?xml version="1.0" encoding="utf-8"?>
 <p1510:revInfo xmlns:a="http://schemas.openxmlformats.org/drawingml/2006/main" xmlns:r="http://schemas.openxmlformats.org/officeDocument/2006/relationships" xmlns:p1510="http://schemas.microsoft.com/office/powerpoint/2015/10/main">
   <p1510:revLst>
-    <p1510:client id="{FC29E0CB-EC29-4F0E-A782-58C19F5D3434}" v="21" dt="2021-08-24T15:11:20.693"/>
+    <p1510:client id="{FC29E0CB-EC29-4F0E-A782-58C19F5D3434}" v="23" dt="2021-08-28T14:18:44.031"/>
   </p1510:revLst>
 </p1510:revInfo>
 </file>
@@ -742,13 +743,13 @@
   </pc:docChgLst>
   <pc:docChgLst>
     <pc:chgData name="Weifeng Xu" userId="e7aed605-a3dd-4d5a-a692-a87037af107b" providerId="ADAL" clId="{FC29E0CB-EC29-4F0E-A782-58C19F5D3434}"/>
-    <pc:docChg chg="custSel addSld modSld">
-      <pc:chgData name="Weifeng Xu" userId="e7aed605-a3dd-4d5a-a692-a87037af107b" providerId="ADAL" clId="{FC29E0CB-EC29-4F0E-A782-58C19F5D3434}" dt="2021-08-24T15:43:46.165" v="270" actId="20577"/>
+    <pc:docChg chg="undo custSel addSld modSld">
+      <pc:chgData name="Weifeng Xu" userId="e7aed605-a3dd-4d5a-a692-a87037af107b" providerId="ADAL" clId="{FC29E0CB-EC29-4F0E-A782-58C19F5D3434}" dt="2021-08-28T14:20:36.426" v="412" actId="6549"/>
       <pc:docMkLst>
         <pc:docMk/>
       </pc:docMkLst>
-      <pc:sldChg chg="delSp modSp mod modClrScheme chgLayout">
-        <pc:chgData name="Weifeng Xu" userId="e7aed605-a3dd-4d5a-a692-a87037af107b" providerId="ADAL" clId="{FC29E0CB-EC29-4F0E-A782-58C19F5D3434}" dt="2021-08-24T14:46:53.635" v="16" actId="700"/>
+      <pc:sldChg chg="addSp delSp modSp mod modClrScheme chgLayout">
+        <pc:chgData name="Weifeng Xu" userId="e7aed605-a3dd-4d5a-a692-a87037af107b" providerId="ADAL" clId="{FC29E0CB-EC29-4F0E-A782-58C19F5D3434}" dt="2021-08-28T14:19:43.731" v="392" actId="20577"/>
         <pc:sldMkLst>
           <pc:docMk/>
           <pc:sldMk cId="3686885202" sldId="278"/>
@@ -759,6 +760,117 @@
             <pc:docMk/>
             <pc:sldMk cId="3686885202" sldId="278"/>
             <ac:spMk id="2" creationId="{00000000-0000-0000-0000-000000000000}"/>
+          </ac:spMkLst>
+        </pc:spChg>
+        <pc:spChg chg="mod">
+          <ac:chgData name="Weifeng Xu" userId="e7aed605-a3dd-4d5a-a692-a87037af107b" providerId="ADAL" clId="{FC29E0CB-EC29-4F0E-A782-58C19F5D3434}" dt="2021-08-28T14:12:58.928" v="275" actId="1076"/>
+          <ac:spMkLst>
+            <pc:docMk/>
+            <pc:sldMk cId="3686885202" sldId="278"/>
+            <ac:spMk id="6" creationId="{00000000-0000-0000-0000-000000000000}"/>
+          </ac:spMkLst>
+        </pc:spChg>
+        <pc:spChg chg="mod">
+          <ac:chgData name="Weifeng Xu" userId="e7aed605-a3dd-4d5a-a692-a87037af107b" providerId="ADAL" clId="{FC29E0CB-EC29-4F0E-A782-58C19F5D3434}" dt="2021-08-28T14:12:58.928" v="275" actId="1076"/>
+          <ac:spMkLst>
+            <pc:docMk/>
+            <pc:sldMk cId="3686885202" sldId="278"/>
+            <ac:spMk id="7" creationId="{00000000-0000-0000-0000-000000000000}"/>
+          </ac:spMkLst>
+        </pc:spChg>
+        <pc:spChg chg="mod">
+          <ac:chgData name="Weifeng Xu" userId="e7aed605-a3dd-4d5a-a692-a87037af107b" providerId="ADAL" clId="{FC29E0CB-EC29-4F0E-A782-58C19F5D3434}" dt="2021-08-28T14:13:10.532" v="280" actId="1076"/>
+          <ac:spMkLst>
+            <pc:docMk/>
+            <pc:sldMk cId="3686885202" sldId="278"/>
+            <ac:spMk id="10" creationId="{00000000-0000-0000-0000-000000000000}"/>
+          </ac:spMkLst>
+        </pc:spChg>
+        <pc:spChg chg="add mod">
+          <ac:chgData name="Weifeng Xu" userId="e7aed605-a3dd-4d5a-a692-a87037af107b" providerId="ADAL" clId="{FC29E0CB-EC29-4F0E-A782-58C19F5D3434}" dt="2021-08-28T14:19:43.731" v="392" actId="20577"/>
+          <ac:spMkLst>
+            <pc:docMk/>
+            <pc:sldMk cId="3686885202" sldId="278"/>
+            <ac:spMk id="12" creationId="{47DD4493-8847-4398-BA00-45B210C5680D}"/>
+          </ac:spMkLst>
+        </pc:spChg>
+        <pc:picChg chg="add mod">
+          <ac:chgData name="Weifeng Xu" userId="e7aed605-a3dd-4d5a-a692-a87037af107b" providerId="ADAL" clId="{FC29E0CB-EC29-4F0E-A782-58C19F5D3434}" dt="2021-08-28T14:13:12.040" v="281" actId="1076"/>
+          <ac:picMkLst>
+            <pc:docMk/>
+            <pc:sldMk cId="3686885202" sldId="278"/>
+            <ac:picMk id="5" creationId="{0D8478FA-F59D-45DA-87EA-56231EA3383B}"/>
+          </ac:picMkLst>
+        </pc:picChg>
+        <pc:picChg chg="mod">
+          <ac:chgData name="Weifeng Xu" userId="e7aed605-a3dd-4d5a-a692-a87037af107b" providerId="ADAL" clId="{FC29E0CB-EC29-4F0E-A782-58C19F5D3434}" dt="2021-08-28T14:12:58.928" v="275" actId="1076"/>
+          <ac:picMkLst>
+            <pc:docMk/>
+            <pc:sldMk cId="3686885202" sldId="278"/>
+            <ac:picMk id="8" creationId="{00000000-0000-0000-0000-000000000000}"/>
+          </ac:picMkLst>
+        </pc:picChg>
+        <pc:picChg chg="mod">
+          <ac:chgData name="Weifeng Xu" userId="e7aed605-a3dd-4d5a-a692-a87037af107b" providerId="ADAL" clId="{FC29E0CB-EC29-4F0E-A782-58C19F5D3434}" dt="2021-08-28T14:13:10.532" v="280" actId="1076"/>
+          <ac:picMkLst>
+            <pc:docMk/>
+            <pc:sldMk cId="3686885202" sldId="278"/>
+            <ac:picMk id="9" creationId="{00000000-0000-0000-0000-000000000000}"/>
+          </ac:picMkLst>
+        </pc:picChg>
+        <pc:picChg chg="add mod">
+          <ac:chgData name="Weifeng Xu" userId="e7aed605-a3dd-4d5a-a692-a87037af107b" providerId="ADAL" clId="{FC29E0CB-EC29-4F0E-A782-58C19F5D3434}" dt="2021-08-28T14:13:20.244" v="283" actId="1076"/>
+          <ac:picMkLst>
+            <pc:docMk/>
+            <pc:sldMk cId="3686885202" sldId="278"/>
+            <ac:picMk id="11" creationId="{021F1EFD-78AD-4B6B-8D2B-B7DA905E56B4}"/>
+          </ac:picMkLst>
+        </pc:picChg>
+        <pc:picChg chg="add mod">
+          <ac:chgData name="Weifeng Xu" userId="e7aed605-a3dd-4d5a-a692-a87037af107b" providerId="ADAL" clId="{FC29E0CB-EC29-4F0E-A782-58C19F5D3434}" dt="2021-08-28T14:16:16.822" v="300" actId="1076"/>
+          <ac:picMkLst>
+            <pc:docMk/>
+            <pc:sldMk cId="3686885202" sldId="278"/>
+            <ac:picMk id="14" creationId="{A7E78A1A-6DF2-4F57-A048-1C7F5613EAE4}"/>
+          </ac:picMkLst>
+        </pc:picChg>
+        <pc:cxnChg chg="add del mod">
+          <ac:chgData name="Weifeng Xu" userId="e7aed605-a3dd-4d5a-a692-a87037af107b" providerId="ADAL" clId="{FC29E0CB-EC29-4F0E-A782-58C19F5D3434}" dt="2021-08-28T14:13:32.336" v="286" actId="478"/>
+          <ac:cxnSpMkLst>
+            <pc:docMk/>
+            <pc:sldMk cId="3686885202" sldId="278"/>
+            <ac:cxnSpMk id="3" creationId="{E3EC1536-2210-4471-8467-315673BCFAA6}"/>
+          </ac:cxnSpMkLst>
+        </pc:cxnChg>
+        <pc:cxnChg chg="add mod">
+          <ac:chgData name="Weifeng Xu" userId="e7aed605-a3dd-4d5a-a692-a87037af107b" providerId="ADAL" clId="{FC29E0CB-EC29-4F0E-A782-58C19F5D3434}" dt="2021-08-28T14:16:29.220" v="303" actId="14100"/>
+          <ac:cxnSpMkLst>
+            <pc:docMk/>
+            <pc:sldMk cId="3686885202" sldId="278"/>
+            <ac:cxnSpMk id="16" creationId="{748A8274-3A09-417E-96F5-AA3D1BD9855E}"/>
+          </ac:cxnSpMkLst>
+        </pc:cxnChg>
+      </pc:sldChg>
+      <pc:sldChg chg="modSp mod">
+        <pc:chgData name="Weifeng Xu" userId="e7aed605-a3dd-4d5a-a692-a87037af107b" providerId="ADAL" clId="{FC29E0CB-EC29-4F0E-A782-58C19F5D3434}" dt="2021-08-28T14:20:36.426" v="412" actId="6549"/>
+        <pc:sldMkLst>
+          <pc:docMk/>
+          <pc:sldMk cId="2603411321" sldId="279"/>
+        </pc:sldMkLst>
+        <pc:spChg chg="mod">
+          <ac:chgData name="Weifeng Xu" userId="e7aed605-a3dd-4d5a-a692-a87037af107b" providerId="ADAL" clId="{FC29E0CB-EC29-4F0E-A782-58C19F5D3434}" dt="2021-08-28T14:20:18.762" v="411" actId="20577"/>
+          <ac:spMkLst>
+            <pc:docMk/>
+            <pc:sldMk cId="2603411321" sldId="279"/>
+            <ac:spMk id="9" creationId="{00000000-0000-0000-0000-000000000000}"/>
+          </ac:spMkLst>
+        </pc:spChg>
+        <pc:spChg chg="mod">
+          <ac:chgData name="Weifeng Xu" userId="e7aed605-a3dd-4d5a-a692-a87037af107b" providerId="ADAL" clId="{FC29E0CB-EC29-4F0E-A782-58C19F5D3434}" dt="2021-08-28T14:20:36.426" v="412" actId="6549"/>
+          <ac:spMkLst>
+            <pc:docMk/>
+            <pc:sldMk cId="2603411321" sldId="279"/>
+            <ac:spMk id="12" creationId="{00000000-0000-0000-0000-000000000000}"/>
           </ac:spMkLst>
         </pc:spChg>
       </pc:sldChg>
@@ -958,6 +1070,29 @@
             <ac:cxnSpMk id="40" creationId="{58D05975-147C-4B53-B8E2-BE2E7BB34565}"/>
           </ac:cxnSpMkLst>
         </pc:cxnChg>
+      </pc:sldChg>
+      <pc:sldChg chg="addSp modSp new mod">
+        <pc:chgData name="Weifeng Xu" userId="e7aed605-a3dd-4d5a-a692-a87037af107b" providerId="ADAL" clId="{FC29E0CB-EC29-4F0E-A782-58C19F5D3434}" dt="2021-08-28T14:18:59.522" v="339" actId="20577"/>
+        <pc:sldMkLst>
+          <pc:docMk/>
+          <pc:sldMk cId="705781261" sldId="324"/>
+        </pc:sldMkLst>
+        <pc:spChg chg="add mod">
+          <ac:chgData name="Weifeng Xu" userId="e7aed605-a3dd-4d5a-a692-a87037af107b" providerId="ADAL" clId="{FC29E0CB-EC29-4F0E-A782-58C19F5D3434}" dt="2021-08-28T14:18:59.522" v="339" actId="20577"/>
+          <ac:spMkLst>
+            <pc:docMk/>
+            <pc:sldMk cId="705781261" sldId="324"/>
+            <ac:spMk id="4" creationId="{F899B127-178E-4275-A3CD-BE0E57D93C7B}"/>
+          </ac:spMkLst>
+        </pc:spChg>
+        <pc:picChg chg="add mod">
+          <ac:chgData name="Weifeng Xu" userId="e7aed605-a3dd-4d5a-a692-a87037af107b" providerId="ADAL" clId="{FC29E0CB-EC29-4F0E-A782-58C19F5D3434}" dt="2021-08-28T14:18:38.861" v="315" actId="1076"/>
+          <ac:picMkLst>
+            <pc:docMk/>
+            <pc:sldMk cId="705781261" sldId="324"/>
+            <ac:picMk id="3" creationId="{A767EFEE-ABBF-49DE-8475-713DB24442E1}"/>
+          </ac:picMkLst>
+        </pc:picChg>
       </pc:sldChg>
     </pc:docChg>
   </pc:docChgLst>
@@ -4735,7 +4870,7 @@
           <a:p>
             <a:fld id="{EE41F6E3-57F9-402E-BDBA-5B2DE11C8530}" type="datetimeFigureOut">
               <a:rPr lang="en-US" smtClean="0"/>
-              <a:t>8/24/2021</a:t>
+              <a:t>8/28/2021</a:t>
             </a:fld>
             <a:endParaRPr lang="en-US"/>
           </a:p>
@@ -5177,7 +5312,7 @@
           <a:p>
             <a:fld id="{DDBF98C7-164A-4723-84F0-B1E4B080DDEC}" type="slidenum">
               <a:rPr lang="en-US" smtClean="0"/>
-              <a:t>28</a:t>
+              <a:t>29</a:t>
             </a:fld>
             <a:endParaRPr lang="en-US"/>
           </a:p>
@@ -5307,7 +5442,7 @@
           <a:p>
             <a:fld id="{DDBF98C7-164A-4723-84F0-B1E4B080DDEC}" type="slidenum">
               <a:rPr lang="en-US" smtClean="0"/>
-              <a:t>29</a:t>
+              <a:t>30</a:t>
             </a:fld>
             <a:endParaRPr lang="en-US"/>
           </a:p>
@@ -5441,7 +5576,7 @@
           <a:p>
             <a:fld id="{DDBF98C7-164A-4723-84F0-B1E4B080DDEC}" type="slidenum">
               <a:rPr lang="en-US" smtClean="0"/>
-              <a:t>33</a:t>
+              <a:t>34</a:t>
             </a:fld>
             <a:endParaRPr lang="en-US"/>
           </a:p>
@@ -5552,7 +5687,7 @@
           <a:p>
             <a:fld id="{DDBF98C7-164A-4723-84F0-B1E4B080DDEC}" type="slidenum">
               <a:rPr lang="en-US" smtClean="0"/>
-              <a:t>38</a:t>
+              <a:t>39</a:t>
             </a:fld>
             <a:endParaRPr lang="en-US"/>
           </a:p>
@@ -5655,7 +5790,7 @@
           <a:p>
             <a:fld id="{DDBF98C7-164A-4723-84F0-B1E4B080DDEC}" type="slidenum">
               <a:rPr lang="en-US" smtClean="0"/>
-              <a:t>40</a:t>
+              <a:t>41</a:t>
             </a:fld>
             <a:endParaRPr lang="en-US"/>
           </a:p>
@@ -5739,7 +5874,7 @@
           <a:p>
             <a:fld id="{DDBF98C7-164A-4723-84F0-B1E4B080DDEC}" type="slidenum">
               <a:rPr lang="en-US" smtClean="0"/>
-              <a:t>42</a:t>
+              <a:t>43</a:t>
             </a:fld>
             <a:endParaRPr lang="en-US"/>
           </a:p>
@@ -5852,7 +5987,7 @@
           <a:p>
             <a:fld id="{DDBF98C7-164A-4723-84F0-B1E4B080DDEC}" type="slidenum">
               <a:rPr lang="en-US" smtClean="0"/>
-              <a:t>43</a:t>
+              <a:t>44</a:t>
             </a:fld>
             <a:endParaRPr lang="en-US"/>
           </a:p>
@@ -5939,7 +6074,7 @@
           <a:p>
             <a:fld id="{DDBF98C7-164A-4723-84F0-B1E4B080DDEC}" type="slidenum">
               <a:rPr lang="en-US" smtClean="0"/>
-              <a:t>45</a:t>
+              <a:t>46</a:t>
             </a:fld>
             <a:endParaRPr lang="en-US"/>
           </a:p>
@@ -6786,7 +6921,7 @@
           <a:p>
             <a:fld id="{DDBF98C7-164A-4723-84F0-B1E4B080DDEC}" type="slidenum">
               <a:rPr lang="en-US" smtClean="0"/>
-              <a:t>22</a:t>
+              <a:t>23</a:t>
             </a:fld>
             <a:endParaRPr lang="en-US"/>
           </a:p>
@@ -6870,7 +7005,7 @@
           <a:p>
             <a:fld id="{DDBF98C7-164A-4723-84F0-B1E4B080DDEC}" type="slidenum">
               <a:rPr lang="en-US" smtClean="0"/>
-              <a:t>27</a:t>
+              <a:t>28</a:t>
             </a:fld>
             <a:endParaRPr lang="en-US"/>
           </a:p>
@@ -7018,7 +7153,7 @@
           <a:p>
             <a:fld id="{4263717A-E3C1-4BED-ABE0-B7069385E023}" type="datetimeFigureOut">
               <a:rPr lang="en-US" smtClean="0"/>
-              <a:t>8/24/2021</a:t>
+              <a:t>8/28/2021</a:t>
             </a:fld>
             <a:endParaRPr lang="en-US"/>
           </a:p>
@@ -7191,7 +7326,7 @@
           <a:p>
             <a:fld id="{4263717A-E3C1-4BED-ABE0-B7069385E023}" type="datetimeFigureOut">
               <a:rPr lang="en-US" smtClean="0"/>
-              <a:t>8/24/2021</a:t>
+              <a:t>8/28/2021</a:t>
             </a:fld>
             <a:endParaRPr lang="en-US"/>
           </a:p>
@@ -7369,7 +7504,7 @@
           <a:p>
             <a:fld id="{4263717A-E3C1-4BED-ABE0-B7069385E023}" type="datetimeFigureOut">
               <a:rPr lang="en-US" smtClean="0"/>
-              <a:t>8/24/2021</a:t>
+              <a:t>8/28/2021</a:t>
             </a:fld>
             <a:endParaRPr lang="en-US"/>
           </a:p>
@@ -7537,7 +7672,7 @@
           <a:p>
             <a:fld id="{4263717A-E3C1-4BED-ABE0-B7069385E023}" type="datetimeFigureOut">
               <a:rPr lang="en-US" smtClean="0"/>
-              <a:t>8/24/2021</a:t>
+              <a:t>8/28/2021</a:t>
             </a:fld>
             <a:endParaRPr lang="en-US"/>
           </a:p>
@@ -7782,7 +7917,7 @@
           <a:p>
             <a:fld id="{4263717A-E3C1-4BED-ABE0-B7069385E023}" type="datetimeFigureOut">
               <a:rPr lang="en-US" smtClean="0"/>
-              <a:t>8/24/2021</a:t>
+              <a:t>8/28/2021</a:t>
             </a:fld>
             <a:endParaRPr lang="en-US"/>
           </a:p>
@@ -8011,7 +8146,7 @@
           <a:p>
             <a:fld id="{4263717A-E3C1-4BED-ABE0-B7069385E023}" type="datetimeFigureOut">
               <a:rPr lang="en-US" smtClean="0"/>
-              <a:t>8/24/2021</a:t>
+              <a:t>8/28/2021</a:t>
             </a:fld>
             <a:endParaRPr lang="en-US"/>
           </a:p>
@@ -8375,7 +8510,7 @@
           <a:p>
             <a:fld id="{4263717A-E3C1-4BED-ABE0-B7069385E023}" type="datetimeFigureOut">
               <a:rPr lang="en-US" smtClean="0"/>
-              <a:t>8/24/2021</a:t>
+              <a:t>8/28/2021</a:t>
             </a:fld>
             <a:endParaRPr lang="en-US"/>
           </a:p>
@@ -8492,7 +8627,7 @@
           <a:p>
             <a:fld id="{4263717A-E3C1-4BED-ABE0-B7069385E023}" type="datetimeFigureOut">
               <a:rPr lang="en-US" smtClean="0"/>
-              <a:t>8/24/2021</a:t>
+              <a:t>8/28/2021</a:t>
             </a:fld>
             <a:endParaRPr lang="en-US"/>
           </a:p>
@@ -8587,7 +8722,7 @@
           <a:p>
             <a:fld id="{4263717A-E3C1-4BED-ABE0-B7069385E023}" type="datetimeFigureOut">
               <a:rPr lang="en-US" smtClean="0"/>
-              <a:t>8/24/2021</a:t>
+              <a:t>8/28/2021</a:t>
             </a:fld>
             <a:endParaRPr lang="en-US"/>
           </a:p>
@@ -8862,7 +8997,7 @@
           <a:p>
             <a:fld id="{4263717A-E3C1-4BED-ABE0-B7069385E023}" type="datetimeFigureOut">
               <a:rPr lang="en-US" smtClean="0"/>
-              <a:t>8/24/2021</a:t>
+              <a:t>8/28/2021</a:t>
             </a:fld>
             <a:endParaRPr lang="en-US"/>
           </a:p>
@@ -9114,7 +9249,7 @@
           <a:p>
             <a:fld id="{4263717A-E3C1-4BED-ABE0-B7069385E023}" type="datetimeFigureOut">
               <a:rPr lang="en-US" smtClean="0"/>
-              <a:t>8/24/2021</a:t>
+              <a:t>8/28/2021</a:t>
             </a:fld>
             <a:endParaRPr lang="en-US"/>
           </a:p>
@@ -9325,7 +9460,7 @@
           <a:p>
             <a:fld id="{4263717A-E3C1-4BED-ABE0-B7069385E023}" type="datetimeFigureOut">
               <a:rPr lang="en-US" smtClean="0"/>
-              <a:t>8/24/2021</a:t>
+              <a:t>8/28/2021</a:t>
             </a:fld>
             <a:endParaRPr lang="en-US"/>
           </a:p>
@@ -13135,7 +13270,7 @@
         </p:nvSpPr>
         <p:spPr>
           <a:xfrm>
-            <a:off x="838199" y="1959751"/>
+            <a:off x="838200" y="461406"/>
             <a:ext cx="7870103" cy="369332"/>
           </a:xfrm>
           <a:prstGeom prst="rect">
@@ -13182,7 +13317,7 @@
         </p:nvSpPr>
         <p:spPr>
           <a:xfrm>
-            <a:off x="8884024" y="1891192"/>
+            <a:off x="8884025" y="392847"/>
             <a:ext cx="2949388" cy="2062103"/>
           </a:xfrm>
           <a:prstGeom prst="rect">
@@ -13290,7 +13425,7 @@
         </p:blipFill>
         <p:spPr>
           <a:xfrm>
-            <a:off x="838199" y="2347899"/>
+            <a:off x="838200" y="849554"/>
             <a:ext cx="7870103" cy="1058246"/>
           </a:xfrm>
           <a:prstGeom prst="rect">
@@ -13314,7 +13449,7 @@
         </p:blipFill>
         <p:spPr>
           <a:xfrm>
-            <a:off x="838200" y="4546401"/>
+            <a:off x="838200" y="5038107"/>
             <a:ext cx="7106348" cy="1093284"/>
           </a:xfrm>
           <a:prstGeom prst="rect">
@@ -13330,7 +13465,7 @@
         </p:nvSpPr>
         <p:spPr>
           <a:xfrm>
-            <a:off x="838200" y="4158254"/>
+            <a:off x="838200" y="4649960"/>
             <a:ext cx="5978624" cy="369332"/>
           </a:xfrm>
           <a:prstGeom prst="rect">
@@ -13353,6 +13488,234 @@
           </a:p>
         </p:txBody>
       </p:sp>
+      <p:pic>
+        <p:nvPicPr>
+          <p:cNvPr id="11" name="Picture 10">
+            <a:extLst>
+              <a:ext uri="{FF2B5EF4-FFF2-40B4-BE49-F238E27FC236}">
+                <a16:creationId xmlns:a16="http://schemas.microsoft.com/office/drawing/2014/main" id="{021F1EFD-78AD-4B6B-8D2B-B7DA905E56B4}"/>
+              </a:ext>
+            </a:extLst>
+          </p:cNvPr>
+          <p:cNvPicPr>
+            <a:picLocks noChangeAspect="1"/>
+          </p:cNvPicPr>
+          <p:nvPr/>
+        </p:nvPicPr>
+        <p:blipFill>
+          <a:blip r:embed="rId5" cstate="print">
+            <a:extLst>
+              <a:ext uri="{28A0092B-C50C-407E-A947-70E740481C1C}">
+                <a14:useLocalDpi xmlns:a14="http://schemas.microsoft.com/office/drawing/2010/main" val="0"/>
+              </a:ext>
+            </a:extLst>
+          </a:blip>
+          <a:stretch>
+            <a:fillRect/>
+          </a:stretch>
+        </p:blipFill>
+        <p:spPr>
+          <a:xfrm flipH="1">
+            <a:off x="838200" y="2024874"/>
+            <a:ext cx="621721" cy="591671"/>
+          </a:xfrm>
+          <a:prstGeom prst="rect">
+            <a:avLst/>
+          </a:prstGeom>
+        </p:spPr>
+      </p:pic>
+      <p:sp>
+        <p:nvSpPr>
+          <p:cNvPr id="12" name="TextBox 11">
+            <a:extLst>
+              <a:ext uri="{FF2B5EF4-FFF2-40B4-BE49-F238E27FC236}">
+                <a16:creationId xmlns:a16="http://schemas.microsoft.com/office/drawing/2014/main" id="{47DD4493-8847-4398-BA00-45B210C5680D}"/>
+              </a:ext>
+            </a:extLst>
+          </p:cNvPr>
+          <p:cNvSpPr txBox="1"/>
+          <p:nvPr/>
+        </p:nvSpPr>
+        <p:spPr>
+          <a:xfrm>
+            <a:off x="1593734" y="2186723"/>
+            <a:ext cx="6358600" cy="646331"/>
+          </a:xfrm>
+          <a:prstGeom prst="rect">
+            <a:avLst/>
+          </a:prstGeom>
+          <a:noFill/>
+        </p:spPr>
+        <p:txBody>
+          <a:bodyPr wrap="none" rtlCol="0">
+            <a:spAutoFit/>
+          </a:bodyPr>
+          <a:lstStyle/>
+          <a:p>
+            <a:r>
+              <a:rPr lang="en-US" dirty="0">
+                <a:solidFill>
+                  <a:srgbClr val="FF0000"/>
+                </a:solidFill>
+              </a:rPr>
+              <a:t>Try to add </a:t>
+            </a:r>
+            <a:r>
+              <a:rPr lang="en-US" i="1" dirty="0" err="1">
+                <a:solidFill>
+                  <a:srgbClr val="7030A0"/>
+                </a:solidFill>
+              </a:rPr>
+              <a:t>sudo</a:t>
+            </a:r>
+            <a:r>
+              <a:rPr lang="en-US" i="1" dirty="0">
+                <a:solidFill>
+                  <a:srgbClr val="7030A0"/>
+                </a:solidFill>
+              </a:rPr>
+              <a:t> </a:t>
+            </a:r>
+            <a:r>
+              <a:rPr lang="en-US" dirty="0">
+                <a:solidFill>
+                  <a:srgbClr val="FF0000"/>
+                </a:solidFill>
+              </a:rPr>
+              <a:t>to get admin privilege if above </a:t>
+            </a:r>
+            <a:r>
+              <a:rPr lang="en-US" dirty="0" err="1">
+                <a:solidFill>
+                  <a:srgbClr val="FF0000"/>
+                </a:solidFill>
+              </a:rPr>
+              <a:t>ccmd</a:t>
+            </a:r>
+            <a:r>
+              <a:rPr lang="en-US" dirty="0">
+                <a:solidFill>
+                  <a:srgbClr val="FF0000"/>
+                </a:solidFill>
+              </a:rPr>
+              <a:t> doesn’t work.</a:t>
+            </a:r>
+          </a:p>
+          <a:p>
+            <a:r>
+              <a:rPr lang="en-US" dirty="0">
+                <a:solidFill>
+                  <a:srgbClr val="FF0000"/>
+                </a:solidFill>
+              </a:rPr>
+              <a:t>Otherwise, you have to manually mount the image</a:t>
+            </a:r>
+          </a:p>
+        </p:txBody>
+      </p:sp>
+      <p:pic>
+        <p:nvPicPr>
+          <p:cNvPr id="5" name="Picture 4" descr="A picture containing graphical user interface&#10;&#10;Description automatically generated">
+            <a:extLst>
+              <a:ext uri="{FF2B5EF4-FFF2-40B4-BE49-F238E27FC236}">
+                <a16:creationId xmlns:a16="http://schemas.microsoft.com/office/drawing/2014/main" id="{0D8478FA-F59D-45DA-87EA-56231EA3383B}"/>
+              </a:ext>
+            </a:extLst>
+          </p:cNvPr>
+          <p:cNvPicPr>
+            <a:picLocks noChangeAspect="1"/>
+          </p:cNvPicPr>
+          <p:nvPr/>
+        </p:nvPicPr>
+        <p:blipFill>
+          <a:blip r:embed="rId6"/>
+          <a:stretch>
+            <a:fillRect/>
+          </a:stretch>
+        </p:blipFill>
+        <p:spPr>
+          <a:xfrm>
+            <a:off x="838200" y="2851869"/>
+            <a:ext cx="7513971" cy="1242168"/>
+          </a:xfrm>
+          <a:prstGeom prst="rect">
+            <a:avLst/>
+          </a:prstGeom>
+        </p:spPr>
+      </p:pic>
+      <p:pic>
+        <p:nvPicPr>
+          <p:cNvPr id="14" name="Picture 13" descr="A screenshot of a computer&#10;&#10;Description automatically generated with low confidence">
+            <a:extLst>
+              <a:ext uri="{FF2B5EF4-FFF2-40B4-BE49-F238E27FC236}">
+                <a16:creationId xmlns:a16="http://schemas.microsoft.com/office/drawing/2014/main" id="{A7E78A1A-6DF2-4F57-A048-1C7F5613EAE4}"/>
+              </a:ext>
+            </a:extLst>
+          </p:cNvPr>
+          <p:cNvPicPr>
+            <a:picLocks noChangeAspect="1"/>
+          </p:cNvPicPr>
+          <p:nvPr/>
+        </p:nvPicPr>
+        <p:blipFill>
+          <a:blip r:embed="rId7"/>
+          <a:stretch>
+            <a:fillRect/>
+          </a:stretch>
+        </p:blipFill>
+        <p:spPr>
+          <a:xfrm>
+            <a:off x="9216304" y="2616545"/>
+            <a:ext cx="1988992" cy="3886537"/>
+          </a:xfrm>
+          <a:prstGeom prst="rect">
+            <a:avLst/>
+          </a:prstGeom>
+        </p:spPr>
+      </p:pic>
+      <p:cxnSp>
+        <p:nvCxnSpPr>
+          <p:cNvPr id="16" name="Straight Arrow Connector 15">
+            <a:extLst>
+              <a:ext uri="{FF2B5EF4-FFF2-40B4-BE49-F238E27FC236}">
+                <a16:creationId xmlns:a16="http://schemas.microsoft.com/office/drawing/2014/main" id="{748A8274-3A09-417E-96F5-AA3D1BD9855E}"/>
+              </a:ext>
+            </a:extLst>
+          </p:cNvPr>
+          <p:cNvCxnSpPr>
+            <a:cxnSpLocks/>
+            <a:stCxn id="5" idx="3"/>
+            <a:endCxn id="14" idx="1"/>
+          </p:cNvCxnSpPr>
+          <p:nvPr/>
+        </p:nvCxnSpPr>
+        <p:spPr>
+          <a:xfrm>
+            <a:off x="8352171" y="3472953"/>
+            <a:ext cx="864133" cy="1086861"/>
+          </a:xfrm>
+          <a:prstGeom prst="straightConnector1">
+            <a:avLst/>
+          </a:prstGeom>
+          <a:ln>
+            <a:tailEnd type="triangle"/>
+          </a:ln>
+        </p:spPr>
+        <p:style>
+          <a:lnRef idx="1">
+            <a:schemeClr val="accent1"/>
+          </a:lnRef>
+          <a:fillRef idx="0">
+            <a:schemeClr val="accent1"/>
+          </a:fillRef>
+          <a:effectRef idx="0">
+            <a:schemeClr val="accent1"/>
+          </a:effectRef>
+          <a:fontRef idx="minor">
+            <a:schemeClr val="tx1"/>
+          </a:fontRef>
+        </p:style>
+      </p:cxnSp>
     </p:spTree>
     <p:extLst>
       <p:ext uri="{BB962C8B-B14F-4D97-AF65-F5344CB8AC3E}">
@@ -13367,6 +13730,103 @@
 </file>
 
 <file path=ppt/slides/slide22.xml><?xml version="1.0" encoding="utf-8"?>
+<p:sld xmlns:a="http://schemas.openxmlformats.org/drawingml/2006/main" xmlns:r="http://schemas.openxmlformats.org/officeDocument/2006/relationships" xmlns:p="http://schemas.openxmlformats.org/presentationml/2006/main">
+  <p:cSld>
+    <p:spTree>
+      <p:nvGrpSpPr>
+        <p:cNvPr id="1" name=""/>
+        <p:cNvGrpSpPr/>
+        <p:nvPr/>
+      </p:nvGrpSpPr>
+      <p:grpSpPr>
+        <a:xfrm>
+          <a:off x="0" y="0"/>
+          <a:ext cx="0" cy="0"/>
+          <a:chOff x="0" y="0"/>
+          <a:chExt cx="0" cy="0"/>
+        </a:xfrm>
+      </p:grpSpPr>
+      <p:pic>
+        <p:nvPicPr>
+          <p:cNvPr id="3" name="Picture 2" descr="A screenshot of a computer&#10;&#10;Description automatically generated with medium confidence">
+            <a:extLst>
+              <a:ext uri="{FF2B5EF4-FFF2-40B4-BE49-F238E27FC236}">
+                <a16:creationId xmlns:a16="http://schemas.microsoft.com/office/drawing/2014/main" id="{A767EFEE-ABBF-49DE-8475-713DB24442E1}"/>
+              </a:ext>
+            </a:extLst>
+          </p:cNvPr>
+          <p:cNvPicPr>
+            <a:picLocks noChangeAspect="1"/>
+          </p:cNvPicPr>
+          <p:nvPr/>
+        </p:nvPicPr>
+        <p:blipFill>
+          <a:blip r:embed="rId2"/>
+          <a:stretch>
+            <a:fillRect/>
+          </a:stretch>
+        </p:blipFill>
+        <p:spPr>
+          <a:xfrm>
+            <a:off x="1752951" y="1292819"/>
+            <a:ext cx="9049728" cy="4750273"/>
+          </a:xfrm>
+          <a:prstGeom prst="rect">
+            <a:avLst/>
+          </a:prstGeom>
+        </p:spPr>
+      </p:pic>
+      <p:sp>
+        <p:nvSpPr>
+          <p:cNvPr id="4" name="TextBox 3">
+            <a:extLst>
+              <a:ext uri="{FF2B5EF4-FFF2-40B4-BE49-F238E27FC236}">
+                <a16:creationId xmlns:a16="http://schemas.microsoft.com/office/drawing/2014/main" id="{F899B127-178E-4275-A3CD-BE0E57D93C7B}"/>
+              </a:ext>
+            </a:extLst>
+          </p:cNvPr>
+          <p:cNvSpPr txBox="1"/>
+          <p:nvPr/>
+        </p:nvSpPr>
+        <p:spPr>
+          <a:xfrm>
+            <a:off x="1752951" y="923487"/>
+            <a:ext cx="2233881" cy="369332"/>
+          </a:xfrm>
+          <a:prstGeom prst="rect">
+            <a:avLst/>
+          </a:prstGeom>
+          <a:solidFill>
+            <a:srgbClr val="FFC000"/>
+          </a:solidFill>
+        </p:spPr>
+        <p:txBody>
+          <a:bodyPr wrap="none" rtlCol="0">
+            <a:spAutoFit/>
+          </a:bodyPr>
+          <a:lstStyle/>
+          <a:p>
+            <a:r>
+              <a:rPr lang="en-US" dirty="0"/>
+              <a:t>Show mounted image</a:t>
+            </a:r>
+          </a:p>
+        </p:txBody>
+      </p:sp>
+    </p:spTree>
+    <p:extLst>
+      <p:ext uri="{BB962C8B-B14F-4D97-AF65-F5344CB8AC3E}">
+        <p14:creationId xmlns:p14="http://schemas.microsoft.com/office/powerpoint/2010/main" val="705781261"/>
+      </p:ext>
+    </p:extLst>
+  </p:cSld>
+  <p:clrMapOvr>
+    <a:masterClrMapping/>
+  </p:clrMapOvr>
+</p:sld>
+</file>
+
+<file path=ppt/slides/slide23.xml><?xml version="1.0" encoding="utf-8"?>
 <p:sld xmlns:a="http://schemas.openxmlformats.org/drawingml/2006/main" xmlns:r="http://schemas.openxmlformats.org/officeDocument/2006/relationships" xmlns:p="http://schemas.openxmlformats.org/presentationml/2006/main">
   <p:cSld>
     <p:spTree>
@@ -13526,7 +13986,7 @@
         <p:spPr>
           <a:xfrm>
             <a:off x="887636" y="722782"/>
-            <a:ext cx="7256931" cy="646331"/>
+            <a:ext cx="8627300" cy="646331"/>
           </a:xfrm>
           <a:prstGeom prst="rect">
             <a:avLst/>
@@ -13551,7 +14011,23 @@
                   <a:srgbClr val="007DB5"/>
                 </a:solidFill>
               </a:rPr>
-              <a:t>/media/root/CB…48. </a:t>
+              <a:t>/media/</a:t>
+            </a:r>
+            <a:r>
+              <a:rPr lang="en-US" b="1" i="1" dirty="0" err="1">
+                <a:solidFill>
+                  <a:srgbClr val="007DB5"/>
+                </a:solidFill>
+              </a:rPr>
+              <a:t>YOUR_Account</a:t>
+            </a:r>
+            <a:r>
+              <a:rPr lang="en-US" b="1" i="1" dirty="0">
+                <a:solidFill>
+                  <a:srgbClr val="007DB5"/>
+                </a:solidFill>
+              </a:rPr>
+              <a:t>/CB…48. </a:t>
             </a:r>
             <a:r>
               <a:rPr lang="en-US" dirty="0"/>
@@ -13599,7 +14075,7 @@
         <p:spPr>
           <a:xfrm>
             <a:off x="1564474" y="3450470"/>
-            <a:ext cx="4939750" cy="646331"/>
+            <a:ext cx="2711768" cy="369332"/>
           </a:xfrm>
           <a:prstGeom prst="rect">
             <a:avLst/>
@@ -13618,57 +14094,7 @@
                   <a:srgbClr val="FF0000"/>
                 </a:solidFill>
               </a:rPr>
-              <a:t>Try </a:t>
-            </a:r>
-            <a:r>
-              <a:rPr lang="en-US" i="1" dirty="0" err="1">
-                <a:solidFill>
-                  <a:srgbClr val="7030A0"/>
-                </a:solidFill>
-              </a:rPr>
-              <a:t>sudo</a:t>
-            </a:r>
-            <a:r>
-              <a:rPr lang="en-US" i="1" dirty="0">
-                <a:solidFill>
-                  <a:srgbClr val="7030A0"/>
-                </a:solidFill>
-              </a:rPr>
-              <a:t> </a:t>
-            </a:r>
-            <a:r>
-              <a:rPr lang="en-US" i="1" dirty="0" err="1">
-                <a:solidFill>
-                  <a:srgbClr val="7030A0"/>
-                </a:solidFill>
-              </a:rPr>
-              <a:t>su</a:t>
-            </a:r>
-            <a:r>
-              <a:rPr lang="en-US" i="1" dirty="0">
-                <a:solidFill>
-                  <a:srgbClr val="7030A0"/>
-                </a:solidFill>
-              </a:rPr>
-              <a:t> </a:t>
-            </a:r>
-            <a:r>
-              <a:rPr lang="en-US" dirty="0">
-                <a:solidFill>
-                  <a:srgbClr val="FF0000"/>
-                </a:solidFill>
-              </a:rPr>
-              <a:t>to get admin privilege</a:t>
-            </a:r>
-          </a:p>
-          <a:p>
-            <a:r>
-              <a:rPr lang="en-US" dirty="0">
-                <a:solidFill>
-                  <a:srgbClr val="FF0000"/>
-                </a:solidFill>
-              </a:rPr>
-              <a:t>Otherwise, you have to manually mount the image</a:t>
+              <a:t>manually mount the image</a:t>
             </a:r>
           </a:p>
         </p:txBody>
@@ -13732,182 +14158,6 @@
     <p:extLst>
       <p:ext uri="{BB962C8B-B14F-4D97-AF65-F5344CB8AC3E}">
         <p14:creationId xmlns:p14="http://schemas.microsoft.com/office/powerpoint/2010/main" val="2603411321"/>
-      </p:ext>
-    </p:extLst>
-  </p:cSld>
-  <p:clrMapOvr>
-    <a:masterClrMapping/>
-  </p:clrMapOvr>
-</p:sld>
-</file>
-
-<file path=ppt/slides/slide23.xml><?xml version="1.0" encoding="utf-8"?>
-<p:sld xmlns:a="http://schemas.openxmlformats.org/drawingml/2006/main" xmlns:r="http://schemas.openxmlformats.org/officeDocument/2006/relationships" xmlns:p="http://schemas.openxmlformats.org/presentationml/2006/main">
-  <p:cSld>
-    <p:spTree>
-      <p:nvGrpSpPr>
-        <p:cNvPr id="1" name=""/>
-        <p:cNvGrpSpPr/>
-        <p:nvPr/>
-      </p:nvGrpSpPr>
-      <p:grpSpPr>
-        <a:xfrm>
-          <a:off x="0" y="0"/>
-          <a:ext cx="0" cy="0"/>
-          <a:chOff x="0" y="0"/>
-          <a:chExt cx="0" cy="0"/>
-        </a:xfrm>
-      </p:grpSpPr>
-      <p:pic>
-        <p:nvPicPr>
-          <p:cNvPr id="3" name="Picture 2"/>
-          <p:cNvPicPr>
-            <a:picLocks noChangeAspect="1"/>
-          </p:cNvPicPr>
-          <p:nvPr/>
-        </p:nvPicPr>
-        <p:blipFill>
-          <a:blip r:embed="rId2"/>
-          <a:stretch>
-            <a:fillRect/>
-          </a:stretch>
-        </p:blipFill>
-        <p:spPr>
-          <a:xfrm>
-            <a:off x="904668" y="2335856"/>
-            <a:ext cx="4038950" cy="3993226"/>
-          </a:xfrm>
-          <a:prstGeom prst="rect">
-            <a:avLst/>
-          </a:prstGeom>
-        </p:spPr>
-      </p:pic>
-      <p:sp>
-        <p:nvSpPr>
-          <p:cNvPr id="4" name="Title 3"/>
-          <p:cNvSpPr>
-            <a:spLocks noGrp="1"/>
-          </p:cNvSpPr>
-          <p:nvPr>
-            <p:ph type="title"/>
-          </p:nvPr>
-        </p:nvSpPr>
-        <p:spPr/>
-        <p:txBody>
-          <a:bodyPr/>
-          <a:lstStyle/>
-          <a:p>
-            <a:r>
-              <a:rPr lang="en-US"/>
-              <a:t>What files contains the registry information?</a:t>
-            </a:r>
-          </a:p>
-        </p:txBody>
-      </p:sp>
-      <p:sp>
-        <p:nvSpPr>
-          <p:cNvPr id="6" name="Rectangle 5"/>
-          <p:cNvSpPr/>
-          <p:nvPr/>
-        </p:nvSpPr>
-        <p:spPr>
-          <a:xfrm>
-            <a:off x="904668" y="1558775"/>
-            <a:ext cx="4038950" cy="655507"/>
-          </a:xfrm>
-          <a:prstGeom prst="rect">
-            <a:avLst/>
-          </a:prstGeom>
-          <a:solidFill>
-            <a:schemeClr val="accent4">
-              <a:lumMod val="20000"/>
-              <a:lumOff val="80000"/>
-            </a:schemeClr>
-          </a:solidFill>
-        </p:spPr>
-        <p:txBody>
-          <a:bodyPr wrap="square">
-            <a:spAutoFit/>
-          </a:bodyPr>
-          <a:lstStyle/>
-          <a:p>
-            <a:r>
-              <a:rPr lang="en-US"/>
-              <a:t>Contains computer hardware and software information</a:t>
-            </a:r>
-          </a:p>
-        </p:txBody>
-      </p:sp>
-      <p:sp>
-        <p:nvSpPr>
-          <p:cNvPr id="7" name="Rectangle 6"/>
-          <p:cNvSpPr/>
-          <p:nvPr/>
-        </p:nvSpPr>
-        <p:spPr>
-          <a:xfrm>
-            <a:off x="5952564" y="1558775"/>
-            <a:ext cx="4554071" cy="655507"/>
-          </a:xfrm>
-          <a:prstGeom prst="rect">
-            <a:avLst/>
-          </a:prstGeom>
-          <a:solidFill>
-            <a:schemeClr val="accent4">
-              <a:lumMod val="20000"/>
-              <a:lumOff val="80000"/>
-            </a:schemeClr>
-          </a:solidFill>
-        </p:spPr>
-        <p:txBody>
-          <a:bodyPr wrap="square">
-            <a:spAutoFit/>
-          </a:bodyPr>
-          <a:lstStyle/>
-          <a:p>
-            <a:r>
-              <a:rPr lang="en-US"/>
-              <a:t>Contains information about all the users who logged in to the computer </a:t>
-            </a:r>
-            <a:r>
-              <a:rPr lang="en-US">
-                <a:solidFill>
-                  <a:srgbClr val="FF0000"/>
-                </a:solidFill>
-              </a:rPr>
-              <a:t>at some point</a:t>
-            </a:r>
-          </a:p>
-        </p:txBody>
-      </p:sp>
-      <p:pic>
-        <p:nvPicPr>
-          <p:cNvPr id="8" name="Picture 7"/>
-          <p:cNvPicPr>
-            <a:picLocks noChangeAspect="1"/>
-          </p:cNvPicPr>
-          <p:nvPr/>
-        </p:nvPicPr>
-        <p:blipFill>
-          <a:blip r:embed="rId3"/>
-          <a:stretch>
-            <a:fillRect/>
-          </a:stretch>
-        </p:blipFill>
-        <p:spPr>
-          <a:xfrm>
-            <a:off x="5952564" y="2335856"/>
-            <a:ext cx="2725271" cy="3762632"/>
-          </a:xfrm>
-          <a:prstGeom prst="rect">
-            <a:avLst/>
-          </a:prstGeom>
-        </p:spPr>
-      </p:pic>
-    </p:spTree>
-    <p:extLst>
-      <p:ext uri="{BB962C8B-B14F-4D97-AF65-F5344CB8AC3E}">
-        <p14:creationId xmlns:p14="http://schemas.microsoft.com/office/powerpoint/2010/main" val="2713778019"/>
       </p:ext>
     </p:extLst>
   </p:cSld>
@@ -13950,6 +14200,182 @@
         </p:blipFill>
         <p:spPr>
           <a:xfrm>
+            <a:off x="904668" y="2335856"/>
+            <a:ext cx="4038950" cy="3993226"/>
+          </a:xfrm>
+          <a:prstGeom prst="rect">
+            <a:avLst/>
+          </a:prstGeom>
+        </p:spPr>
+      </p:pic>
+      <p:sp>
+        <p:nvSpPr>
+          <p:cNvPr id="4" name="Title 3"/>
+          <p:cNvSpPr>
+            <a:spLocks noGrp="1"/>
+          </p:cNvSpPr>
+          <p:nvPr>
+            <p:ph type="title"/>
+          </p:nvPr>
+        </p:nvSpPr>
+        <p:spPr/>
+        <p:txBody>
+          <a:bodyPr/>
+          <a:lstStyle/>
+          <a:p>
+            <a:r>
+              <a:rPr lang="en-US"/>
+              <a:t>What files contains the registry information?</a:t>
+            </a:r>
+          </a:p>
+        </p:txBody>
+      </p:sp>
+      <p:sp>
+        <p:nvSpPr>
+          <p:cNvPr id="6" name="Rectangle 5"/>
+          <p:cNvSpPr/>
+          <p:nvPr/>
+        </p:nvSpPr>
+        <p:spPr>
+          <a:xfrm>
+            <a:off x="904668" y="1558775"/>
+            <a:ext cx="4038950" cy="655507"/>
+          </a:xfrm>
+          <a:prstGeom prst="rect">
+            <a:avLst/>
+          </a:prstGeom>
+          <a:solidFill>
+            <a:schemeClr val="accent4">
+              <a:lumMod val="20000"/>
+              <a:lumOff val="80000"/>
+            </a:schemeClr>
+          </a:solidFill>
+        </p:spPr>
+        <p:txBody>
+          <a:bodyPr wrap="square">
+            <a:spAutoFit/>
+          </a:bodyPr>
+          <a:lstStyle/>
+          <a:p>
+            <a:r>
+              <a:rPr lang="en-US"/>
+              <a:t>Contains computer hardware and software information</a:t>
+            </a:r>
+          </a:p>
+        </p:txBody>
+      </p:sp>
+      <p:sp>
+        <p:nvSpPr>
+          <p:cNvPr id="7" name="Rectangle 6"/>
+          <p:cNvSpPr/>
+          <p:nvPr/>
+        </p:nvSpPr>
+        <p:spPr>
+          <a:xfrm>
+            <a:off x="5952564" y="1558775"/>
+            <a:ext cx="4554071" cy="655507"/>
+          </a:xfrm>
+          <a:prstGeom prst="rect">
+            <a:avLst/>
+          </a:prstGeom>
+          <a:solidFill>
+            <a:schemeClr val="accent4">
+              <a:lumMod val="20000"/>
+              <a:lumOff val="80000"/>
+            </a:schemeClr>
+          </a:solidFill>
+        </p:spPr>
+        <p:txBody>
+          <a:bodyPr wrap="square">
+            <a:spAutoFit/>
+          </a:bodyPr>
+          <a:lstStyle/>
+          <a:p>
+            <a:r>
+              <a:rPr lang="en-US"/>
+              <a:t>Contains information about all the users who logged in to the computer </a:t>
+            </a:r>
+            <a:r>
+              <a:rPr lang="en-US">
+                <a:solidFill>
+                  <a:srgbClr val="FF0000"/>
+                </a:solidFill>
+              </a:rPr>
+              <a:t>at some point</a:t>
+            </a:r>
+          </a:p>
+        </p:txBody>
+      </p:sp>
+      <p:pic>
+        <p:nvPicPr>
+          <p:cNvPr id="8" name="Picture 7"/>
+          <p:cNvPicPr>
+            <a:picLocks noChangeAspect="1"/>
+          </p:cNvPicPr>
+          <p:nvPr/>
+        </p:nvPicPr>
+        <p:blipFill>
+          <a:blip r:embed="rId3"/>
+          <a:stretch>
+            <a:fillRect/>
+          </a:stretch>
+        </p:blipFill>
+        <p:spPr>
+          <a:xfrm>
+            <a:off x="5952564" y="2335856"/>
+            <a:ext cx="2725271" cy="3762632"/>
+          </a:xfrm>
+          <a:prstGeom prst="rect">
+            <a:avLst/>
+          </a:prstGeom>
+        </p:spPr>
+      </p:pic>
+    </p:spTree>
+    <p:extLst>
+      <p:ext uri="{BB962C8B-B14F-4D97-AF65-F5344CB8AC3E}">
+        <p14:creationId xmlns:p14="http://schemas.microsoft.com/office/powerpoint/2010/main" val="2713778019"/>
+      </p:ext>
+    </p:extLst>
+  </p:cSld>
+  <p:clrMapOvr>
+    <a:masterClrMapping/>
+  </p:clrMapOvr>
+</p:sld>
+</file>
+
+<file path=ppt/slides/slide25.xml><?xml version="1.0" encoding="utf-8"?>
+<p:sld xmlns:a="http://schemas.openxmlformats.org/drawingml/2006/main" xmlns:r="http://schemas.openxmlformats.org/officeDocument/2006/relationships" xmlns:p="http://schemas.openxmlformats.org/presentationml/2006/main">
+  <p:cSld>
+    <p:spTree>
+      <p:nvGrpSpPr>
+        <p:cNvPr id="1" name=""/>
+        <p:cNvGrpSpPr/>
+        <p:nvPr/>
+      </p:nvGrpSpPr>
+      <p:grpSpPr>
+        <a:xfrm>
+          <a:off x="0" y="0"/>
+          <a:ext cx="0" cy="0"/>
+          <a:chOff x="0" y="0"/>
+          <a:chExt cx="0" cy="0"/>
+        </a:xfrm>
+      </p:grpSpPr>
+      <p:pic>
+        <p:nvPicPr>
+          <p:cNvPr id="3" name="Picture 2"/>
+          <p:cNvPicPr>
+            <a:picLocks noChangeAspect="1"/>
+          </p:cNvPicPr>
+          <p:nvPr/>
+        </p:nvPicPr>
+        <p:blipFill>
+          <a:blip r:embed="rId2"/>
+          <a:stretch>
+            <a:fillRect/>
+          </a:stretch>
+        </p:blipFill>
+        <p:spPr>
+          <a:xfrm>
             <a:off x="748296" y="2230046"/>
             <a:ext cx="10138194" cy="1387332"/>
           </a:xfrm>
@@ -14081,7 +14507,7 @@
 </p:sld>
 </file>
 
-<file path=ppt/slides/slide25.xml><?xml version="1.0" encoding="utf-8"?>
+<file path=ppt/slides/slide26.xml><?xml version="1.0" encoding="utf-8"?>
 <p:sld xmlns:a="http://schemas.openxmlformats.org/drawingml/2006/main" xmlns:r="http://schemas.openxmlformats.org/officeDocument/2006/relationships" xmlns:p="http://schemas.openxmlformats.org/presentationml/2006/main">
   <p:cSld>
     <p:spTree>
@@ -14276,89 +14702,6 @@
 </p:sld>
 </file>
 
-<file path=ppt/slides/slide26.xml><?xml version="1.0" encoding="utf-8"?>
-<p:sld xmlns:a="http://schemas.openxmlformats.org/drawingml/2006/main" xmlns:r="http://schemas.openxmlformats.org/officeDocument/2006/relationships" xmlns:p="http://schemas.openxmlformats.org/presentationml/2006/main">
-  <p:cSld>
-    <p:spTree>
-      <p:nvGrpSpPr>
-        <p:cNvPr id="1" name=""/>
-        <p:cNvGrpSpPr/>
-        <p:nvPr/>
-      </p:nvGrpSpPr>
-      <p:grpSpPr>
-        <a:xfrm>
-          <a:off x="0" y="0"/>
-          <a:ext cx="0" cy="0"/>
-          <a:chOff x="0" y="0"/>
-          <a:chExt cx="0" cy="0"/>
-        </a:xfrm>
-      </p:grpSpPr>
-      <p:sp>
-        <p:nvSpPr>
-          <p:cNvPr id="2" name="Title 1"/>
-          <p:cNvSpPr>
-            <a:spLocks noGrp="1"/>
-          </p:cNvSpPr>
-          <p:nvPr>
-            <p:ph type="title"/>
-          </p:nvPr>
-        </p:nvSpPr>
-        <p:spPr/>
-        <p:txBody>
-          <a:bodyPr/>
-          <a:lstStyle/>
-          <a:p>
-            <a:pPr marL="1143000" indent="-1143000">
-              <a:buFont typeface="+mj-lt"/>
-              <a:buAutoNum type="arabicPeriod" startAt="5"/>
-            </a:pPr>
-            <a:r>
-              <a:rPr lang="en-US" dirty="0"/>
-              <a:t>Extract </a:t>
-            </a:r>
-            <a:r>
-              <a:rPr lang="en-US" dirty="0" err="1"/>
-              <a:t>prefetch</a:t>
-            </a:r>
-            <a:r>
-              <a:rPr lang="en-US" dirty="0"/>
-              <a:t> event log files from a DD image</a:t>
-            </a:r>
-          </a:p>
-        </p:txBody>
-      </p:sp>
-      <p:sp>
-        <p:nvSpPr>
-          <p:cNvPr id="3" name="Text Placeholder 2"/>
-          <p:cNvSpPr>
-            <a:spLocks noGrp="1"/>
-          </p:cNvSpPr>
-          <p:nvPr>
-            <p:ph type="body" idx="1"/>
-          </p:nvPr>
-        </p:nvSpPr>
-        <p:spPr/>
-        <p:txBody>
-          <a:bodyPr/>
-          <a:lstStyle/>
-          <a:p>
-            <a:endParaRPr lang="en-US"/>
-          </a:p>
-        </p:txBody>
-      </p:sp>
-    </p:spTree>
-    <p:extLst>
-      <p:ext uri="{BB962C8B-B14F-4D97-AF65-F5344CB8AC3E}">
-        <p14:creationId xmlns:p14="http://schemas.microsoft.com/office/powerpoint/2010/main" val="2439817900"/>
-      </p:ext>
-    </p:extLst>
-  </p:cSld>
-  <p:clrMapOvr>
-    <a:masterClrMapping/>
-  </p:clrMapOvr>
-</p:sld>
-</file>
-
 <file path=ppt/slides/slide27.xml><?xml version="1.0" encoding="utf-8"?>
 <p:sld xmlns:a="http://schemas.openxmlformats.org/drawingml/2006/main" xmlns:r="http://schemas.openxmlformats.org/officeDocument/2006/relationships" xmlns:p="http://schemas.openxmlformats.org/presentationml/2006/main">
   <p:cSld>
@@ -14378,6 +14721,89 @@
       </p:grpSpPr>
       <p:sp>
         <p:nvSpPr>
+          <p:cNvPr id="2" name="Title 1"/>
+          <p:cNvSpPr>
+            <a:spLocks noGrp="1"/>
+          </p:cNvSpPr>
+          <p:nvPr>
+            <p:ph type="title"/>
+          </p:nvPr>
+        </p:nvSpPr>
+        <p:spPr/>
+        <p:txBody>
+          <a:bodyPr/>
+          <a:lstStyle/>
+          <a:p>
+            <a:pPr marL="1143000" indent="-1143000">
+              <a:buFont typeface="+mj-lt"/>
+              <a:buAutoNum type="arabicPeriod" startAt="5"/>
+            </a:pPr>
+            <a:r>
+              <a:rPr lang="en-US" dirty="0"/>
+              <a:t>Extract </a:t>
+            </a:r>
+            <a:r>
+              <a:rPr lang="en-US" dirty="0" err="1"/>
+              <a:t>prefetch</a:t>
+            </a:r>
+            <a:r>
+              <a:rPr lang="en-US" dirty="0"/>
+              <a:t> event log files from a DD image</a:t>
+            </a:r>
+          </a:p>
+        </p:txBody>
+      </p:sp>
+      <p:sp>
+        <p:nvSpPr>
+          <p:cNvPr id="3" name="Text Placeholder 2"/>
+          <p:cNvSpPr>
+            <a:spLocks noGrp="1"/>
+          </p:cNvSpPr>
+          <p:nvPr>
+            <p:ph type="body" idx="1"/>
+          </p:nvPr>
+        </p:nvSpPr>
+        <p:spPr/>
+        <p:txBody>
+          <a:bodyPr/>
+          <a:lstStyle/>
+          <a:p>
+            <a:endParaRPr lang="en-US"/>
+          </a:p>
+        </p:txBody>
+      </p:sp>
+    </p:spTree>
+    <p:extLst>
+      <p:ext uri="{BB962C8B-B14F-4D97-AF65-F5344CB8AC3E}">
+        <p14:creationId xmlns:p14="http://schemas.microsoft.com/office/powerpoint/2010/main" val="2439817900"/>
+      </p:ext>
+    </p:extLst>
+  </p:cSld>
+  <p:clrMapOvr>
+    <a:masterClrMapping/>
+  </p:clrMapOvr>
+</p:sld>
+</file>
+
+<file path=ppt/slides/slide28.xml><?xml version="1.0" encoding="utf-8"?>
+<p:sld xmlns:a="http://schemas.openxmlformats.org/drawingml/2006/main" xmlns:r="http://schemas.openxmlformats.org/officeDocument/2006/relationships" xmlns:p="http://schemas.openxmlformats.org/presentationml/2006/main">
+  <p:cSld>
+    <p:spTree>
+      <p:nvGrpSpPr>
+        <p:cNvPr id="1" name=""/>
+        <p:cNvGrpSpPr/>
+        <p:nvPr/>
+      </p:nvGrpSpPr>
+      <p:grpSpPr>
+        <a:xfrm>
+          <a:off x="0" y="0"/>
+          <a:ext cx="0" cy="0"/>
+          <a:chOff x="0" y="0"/>
+          <a:chExt cx="0" cy="0"/>
+        </a:xfrm>
+      </p:grpSpPr>
+      <p:sp>
+        <p:nvSpPr>
           <p:cNvPr id="5" name="Title 4"/>
           <p:cNvSpPr>
             <a:spLocks noGrp="1"/>
@@ -14522,7 +14948,7 @@
 </p:sld>
 </file>
 
-<file path=ppt/slides/slide28.xml><?xml version="1.0" encoding="utf-8"?>
+<file path=ppt/slides/slide29.xml><?xml version="1.0" encoding="utf-8"?>
 <p:sld xmlns:a="http://schemas.openxmlformats.org/drawingml/2006/main" xmlns:r="http://schemas.openxmlformats.org/officeDocument/2006/relationships" xmlns:p="http://schemas.openxmlformats.org/presentationml/2006/main">
   <p:cSld>
     <p:spTree>
@@ -14858,7 +15284,101 @@
 </p:sld>
 </file>
 
-<file path=ppt/slides/slide29.xml><?xml version="1.0" encoding="utf-8"?>
+<file path=ppt/slides/slide3.xml><?xml version="1.0" encoding="utf-8"?>
+<p:sld xmlns:a="http://schemas.openxmlformats.org/drawingml/2006/main" xmlns:r="http://schemas.openxmlformats.org/officeDocument/2006/relationships" xmlns:p="http://schemas.openxmlformats.org/presentationml/2006/main">
+  <p:cSld>
+    <p:spTree>
+      <p:nvGrpSpPr>
+        <p:cNvPr id="1" name=""/>
+        <p:cNvGrpSpPr/>
+        <p:nvPr/>
+      </p:nvGrpSpPr>
+      <p:grpSpPr>
+        <a:xfrm>
+          <a:off x="0" y="0"/>
+          <a:ext cx="0" cy="0"/>
+          <a:chOff x="0" y="0"/>
+          <a:chExt cx="0" cy="0"/>
+        </a:xfrm>
+      </p:grpSpPr>
+      <p:sp>
+        <p:nvSpPr>
+          <p:cNvPr id="6" name="Title 5"/>
+          <p:cNvSpPr>
+            <a:spLocks noGrp="1"/>
+          </p:cNvSpPr>
+          <p:nvPr>
+            <p:ph type="title"/>
+          </p:nvPr>
+        </p:nvSpPr>
+        <p:spPr/>
+        <p:txBody>
+          <a:bodyPr/>
+          <a:lstStyle/>
+          <a:p>
+            <a:pPr marL="1143000" indent="-1143000">
+              <a:buFont typeface="+mj-lt"/>
+              <a:buAutoNum type="arabicPeriod"/>
+            </a:pPr>
+            <a:r>
+              <a:rPr lang="en-US" dirty="0"/>
+              <a:t>Install </a:t>
+            </a:r>
+            <a:r>
+              <a:rPr lang="en-US" i="1" dirty="0">
+                <a:solidFill>
+                  <a:srgbClr val="007DB5"/>
+                </a:solidFill>
+                <a:latin typeface="+mn-lt"/>
+                <a:ea typeface="+mn-ea"/>
+                <a:cs typeface="+mn-cs"/>
+              </a:rPr>
+              <a:t>Kali</a:t>
+            </a:r>
+            <a:endParaRPr lang="en-US" sz="2800" i="1" dirty="0">
+              <a:solidFill>
+                <a:srgbClr val="007DB5"/>
+              </a:solidFill>
+              <a:latin typeface="+mn-lt"/>
+              <a:ea typeface="+mn-ea"/>
+              <a:cs typeface="+mn-cs"/>
+            </a:endParaRPr>
+          </a:p>
+        </p:txBody>
+      </p:sp>
+      <p:sp>
+        <p:nvSpPr>
+          <p:cNvPr id="7" name="Text Placeholder 6"/>
+          <p:cNvSpPr>
+            <a:spLocks noGrp="1"/>
+          </p:cNvSpPr>
+          <p:nvPr>
+            <p:ph type="body" idx="1"/>
+          </p:nvPr>
+        </p:nvSpPr>
+        <p:spPr/>
+        <p:txBody>
+          <a:bodyPr/>
+          <a:lstStyle/>
+          <a:p>
+            <a:endParaRPr lang="en-US"/>
+          </a:p>
+        </p:txBody>
+      </p:sp>
+    </p:spTree>
+    <p:extLst>
+      <p:ext uri="{BB962C8B-B14F-4D97-AF65-F5344CB8AC3E}">
+        <p14:creationId xmlns:p14="http://schemas.microsoft.com/office/powerpoint/2010/main" val="4174329430"/>
+      </p:ext>
+    </p:extLst>
+  </p:cSld>
+  <p:clrMapOvr>
+    <a:masterClrMapping/>
+  </p:clrMapOvr>
+</p:sld>
+</file>
+
+<file path=ppt/slides/slide30.xml><?xml version="1.0" encoding="utf-8"?>
 <p:sld xmlns:a="http://schemas.openxmlformats.org/drawingml/2006/main" xmlns:r="http://schemas.openxmlformats.org/officeDocument/2006/relationships" xmlns:p="http://schemas.openxmlformats.org/presentationml/2006/main">
   <p:cSld>
     <p:spTree>
@@ -15054,101 +15574,7 @@
 </p:sld>
 </file>
 
-<file path=ppt/slides/slide3.xml><?xml version="1.0" encoding="utf-8"?>
-<p:sld xmlns:a="http://schemas.openxmlformats.org/drawingml/2006/main" xmlns:r="http://schemas.openxmlformats.org/officeDocument/2006/relationships" xmlns:p="http://schemas.openxmlformats.org/presentationml/2006/main">
-  <p:cSld>
-    <p:spTree>
-      <p:nvGrpSpPr>
-        <p:cNvPr id="1" name=""/>
-        <p:cNvGrpSpPr/>
-        <p:nvPr/>
-      </p:nvGrpSpPr>
-      <p:grpSpPr>
-        <a:xfrm>
-          <a:off x="0" y="0"/>
-          <a:ext cx="0" cy="0"/>
-          <a:chOff x="0" y="0"/>
-          <a:chExt cx="0" cy="0"/>
-        </a:xfrm>
-      </p:grpSpPr>
-      <p:sp>
-        <p:nvSpPr>
-          <p:cNvPr id="6" name="Title 5"/>
-          <p:cNvSpPr>
-            <a:spLocks noGrp="1"/>
-          </p:cNvSpPr>
-          <p:nvPr>
-            <p:ph type="title"/>
-          </p:nvPr>
-        </p:nvSpPr>
-        <p:spPr/>
-        <p:txBody>
-          <a:bodyPr/>
-          <a:lstStyle/>
-          <a:p>
-            <a:pPr marL="1143000" indent="-1143000">
-              <a:buFont typeface="+mj-lt"/>
-              <a:buAutoNum type="arabicPeriod"/>
-            </a:pPr>
-            <a:r>
-              <a:rPr lang="en-US" dirty="0"/>
-              <a:t>Install </a:t>
-            </a:r>
-            <a:r>
-              <a:rPr lang="en-US" i="1" dirty="0">
-                <a:solidFill>
-                  <a:srgbClr val="007DB5"/>
-                </a:solidFill>
-                <a:latin typeface="+mn-lt"/>
-                <a:ea typeface="+mn-ea"/>
-                <a:cs typeface="+mn-cs"/>
-              </a:rPr>
-              <a:t>Kali</a:t>
-            </a:r>
-            <a:endParaRPr lang="en-US" sz="2800" i="1" dirty="0">
-              <a:solidFill>
-                <a:srgbClr val="007DB5"/>
-              </a:solidFill>
-              <a:latin typeface="+mn-lt"/>
-              <a:ea typeface="+mn-ea"/>
-              <a:cs typeface="+mn-cs"/>
-            </a:endParaRPr>
-          </a:p>
-        </p:txBody>
-      </p:sp>
-      <p:sp>
-        <p:nvSpPr>
-          <p:cNvPr id="7" name="Text Placeholder 6"/>
-          <p:cNvSpPr>
-            <a:spLocks noGrp="1"/>
-          </p:cNvSpPr>
-          <p:nvPr>
-            <p:ph type="body" idx="1"/>
-          </p:nvPr>
-        </p:nvSpPr>
-        <p:spPr/>
-        <p:txBody>
-          <a:bodyPr/>
-          <a:lstStyle/>
-          <a:p>
-            <a:endParaRPr lang="en-US"/>
-          </a:p>
-        </p:txBody>
-      </p:sp>
-    </p:spTree>
-    <p:extLst>
-      <p:ext uri="{BB962C8B-B14F-4D97-AF65-F5344CB8AC3E}">
-        <p14:creationId xmlns:p14="http://schemas.microsoft.com/office/powerpoint/2010/main" val="4174329430"/>
-      </p:ext>
-    </p:extLst>
-  </p:cSld>
-  <p:clrMapOvr>
-    <a:masterClrMapping/>
-  </p:clrMapOvr>
-</p:sld>
-</file>
-
-<file path=ppt/slides/slide30.xml><?xml version="1.0" encoding="utf-8"?>
+<file path=ppt/slides/slide31.xml><?xml version="1.0" encoding="utf-8"?>
 <p:sld xmlns:a="http://schemas.openxmlformats.org/drawingml/2006/main" xmlns:r="http://schemas.openxmlformats.org/officeDocument/2006/relationships" xmlns:p="http://schemas.openxmlformats.org/presentationml/2006/main">
   <p:cSld>
     <p:spTree>
@@ -15245,81 +15671,6 @@
 </p:sld>
 </file>
 
-<file path=ppt/slides/slide31.xml><?xml version="1.0" encoding="utf-8"?>
-<p:sld xmlns:a="http://schemas.openxmlformats.org/drawingml/2006/main" xmlns:r="http://schemas.openxmlformats.org/officeDocument/2006/relationships" xmlns:p="http://schemas.openxmlformats.org/presentationml/2006/main">
-  <p:cSld>
-    <p:spTree>
-      <p:nvGrpSpPr>
-        <p:cNvPr id="1" name=""/>
-        <p:cNvGrpSpPr/>
-        <p:nvPr/>
-      </p:nvGrpSpPr>
-      <p:grpSpPr>
-        <a:xfrm>
-          <a:off x="0" y="0"/>
-          <a:ext cx="0" cy="0"/>
-          <a:chOff x="0" y="0"/>
-          <a:chExt cx="0" cy="0"/>
-        </a:xfrm>
-      </p:grpSpPr>
-      <p:sp>
-        <p:nvSpPr>
-          <p:cNvPr id="2" name="Title 1"/>
-          <p:cNvSpPr>
-            <a:spLocks noGrp="1"/>
-          </p:cNvSpPr>
-          <p:nvPr>
-            <p:ph type="title"/>
-          </p:nvPr>
-        </p:nvSpPr>
-        <p:spPr/>
-        <p:txBody>
-          <a:bodyPr/>
-          <a:lstStyle/>
-          <a:p>
-            <a:pPr marL="1143000" indent="-1143000">
-              <a:buFont typeface="+mj-lt"/>
-              <a:buAutoNum type="arabicPeriod" startAt="6"/>
-            </a:pPr>
-            <a:r>
-              <a:rPr lang="en-US" dirty="0"/>
-              <a:t>Extract security event log files from the DD Image</a:t>
-            </a:r>
-          </a:p>
-        </p:txBody>
-      </p:sp>
-      <p:sp>
-        <p:nvSpPr>
-          <p:cNvPr id="3" name="Text Placeholder 2"/>
-          <p:cNvSpPr>
-            <a:spLocks noGrp="1"/>
-          </p:cNvSpPr>
-          <p:nvPr>
-            <p:ph type="body" idx="1"/>
-          </p:nvPr>
-        </p:nvSpPr>
-        <p:spPr/>
-        <p:txBody>
-          <a:bodyPr/>
-          <a:lstStyle/>
-          <a:p>
-            <a:endParaRPr lang="en-US"/>
-          </a:p>
-        </p:txBody>
-      </p:sp>
-    </p:spTree>
-    <p:extLst>
-      <p:ext uri="{BB962C8B-B14F-4D97-AF65-F5344CB8AC3E}">
-        <p14:creationId xmlns:p14="http://schemas.microsoft.com/office/powerpoint/2010/main" val="1818747297"/>
-      </p:ext>
-    </p:extLst>
-  </p:cSld>
-  <p:clrMapOvr>
-    <a:masterClrMapping/>
-  </p:clrMapOvr>
-</p:sld>
-</file>
-
 <file path=ppt/slides/slide32.xml><?xml version="1.0" encoding="utf-8"?>
 <p:sld xmlns:a="http://schemas.openxmlformats.org/drawingml/2006/main" xmlns:r="http://schemas.openxmlformats.org/officeDocument/2006/relationships" xmlns:p="http://schemas.openxmlformats.org/presentationml/2006/main">
   <p:cSld>
@@ -15352,6 +15703,81 @@
           <a:bodyPr/>
           <a:lstStyle/>
           <a:p>
+            <a:pPr marL="1143000" indent="-1143000">
+              <a:buFont typeface="+mj-lt"/>
+              <a:buAutoNum type="arabicPeriod" startAt="6"/>
+            </a:pPr>
+            <a:r>
+              <a:rPr lang="en-US" dirty="0"/>
+              <a:t>Extract security event log files from the DD Image</a:t>
+            </a:r>
+          </a:p>
+        </p:txBody>
+      </p:sp>
+      <p:sp>
+        <p:nvSpPr>
+          <p:cNvPr id="3" name="Text Placeholder 2"/>
+          <p:cNvSpPr>
+            <a:spLocks noGrp="1"/>
+          </p:cNvSpPr>
+          <p:nvPr>
+            <p:ph type="body" idx="1"/>
+          </p:nvPr>
+        </p:nvSpPr>
+        <p:spPr/>
+        <p:txBody>
+          <a:bodyPr/>
+          <a:lstStyle/>
+          <a:p>
+            <a:endParaRPr lang="en-US"/>
+          </a:p>
+        </p:txBody>
+      </p:sp>
+    </p:spTree>
+    <p:extLst>
+      <p:ext uri="{BB962C8B-B14F-4D97-AF65-F5344CB8AC3E}">
+        <p14:creationId xmlns:p14="http://schemas.microsoft.com/office/powerpoint/2010/main" val="1818747297"/>
+      </p:ext>
+    </p:extLst>
+  </p:cSld>
+  <p:clrMapOvr>
+    <a:masterClrMapping/>
+  </p:clrMapOvr>
+</p:sld>
+</file>
+
+<file path=ppt/slides/slide33.xml><?xml version="1.0" encoding="utf-8"?>
+<p:sld xmlns:a="http://schemas.openxmlformats.org/drawingml/2006/main" xmlns:r="http://schemas.openxmlformats.org/officeDocument/2006/relationships" xmlns:p="http://schemas.openxmlformats.org/presentationml/2006/main">
+  <p:cSld>
+    <p:spTree>
+      <p:nvGrpSpPr>
+        <p:cNvPr id="1" name=""/>
+        <p:cNvGrpSpPr/>
+        <p:nvPr/>
+      </p:nvGrpSpPr>
+      <p:grpSpPr>
+        <a:xfrm>
+          <a:off x="0" y="0"/>
+          <a:ext cx="0" cy="0"/>
+          <a:chOff x="0" y="0"/>
+          <a:chExt cx="0" cy="0"/>
+        </a:xfrm>
+      </p:grpSpPr>
+      <p:sp>
+        <p:nvSpPr>
+          <p:cNvPr id="2" name="Title 1"/>
+          <p:cNvSpPr>
+            <a:spLocks noGrp="1"/>
+          </p:cNvSpPr>
+          <p:nvPr>
+            <p:ph type="title"/>
+          </p:nvPr>
+        </p:nvSpPr>
+        <p:spPr/>
+        <p:txBody>
+          <a:bodyPr/>
+          <a:lstStyle/>
+          <a:p>
             <a:r>
               <a:rPr lang="en-US" dirty="0"/>
               <a:t>Event log files overview</a:t>
@@ -15467,7 +15893,7 @@
 </p:sld>
 </file>
 
-<file path=ppt/slides/slide33.xml><?xml version="1.0" encoding="utf-8"?>
+<file path=ppt/slides/slide34.xml><?xml version="1.0" encoding="utf-8"?>
 <p:sld xmlns:a="http://schemas.openxmlformats.org/drawingml/2006/main" xmlns:r="http://schemas.openxmlformats.org/officeDocument/2006/relationships" xmlns:p="http://schemas.openxmlformats.org/presentationml/2006/main">
   <p:cSld>
     <p:spTree>
@@ -15673,7 +16099,7 @@
 </p:sld>
 </file>
 
-<file path=ppt/slides/slide34.xml><?xml version="1.0" encoding="utf-8"?>
+<file path=ppt/slides/slide35.xml><?xml version="1.0" encoding="utf-8"?>
 <p:sld xmlns:a="http://schemas.openxmlformats.org/drawingml/2006/main" xmlns:r="http://schemas.openxmlformats.org/officeDocument/2006/relationships" xmlns:p="http://schemas.openxmlformats.org/presentationml/2006/main">
   <p:cSld>
     <p:spTree>
@@ -15782,7 +16208,7 @@
 </p:sld>
 </file>
 
-<file path=ppt/slides/slide35.xml><?xml version="1.0" encoding="utf-8"?>
+<file path=ppt/slides/slide36.xml><?xml version="1.0" encoding="utf-8"?>
 <p:sld xmlns:a="http://schemas.openxmlformats.org/drawingml/2006/main" xmlns:r="http://schemas.openxmlformats.org/officeDocument/2006/relationships" xmlns:p="http://schemas.openxmlformats.org/presentationml/2006/main">
   <p:cSld>
     <p:spTree>
@@ -15857,7 +16283,7 @@
 </p:sld>
 </file>
 
-<file path=ppt/slides/slide36.xml><?xml version="1.0" encoding="utf-8"?>
+<file path=ppt/slides/slide37.xml><?xml version="1.0" encoding="utf-8"?>
 <p:sld xmlns:a="http://schemas.openxmlformats.org/drawingml/2006/main" xmlns:r="http://schemas.openxmlformats.org/officeDocument/2006/relationships" xmlns:p="http://schemas.openxmlformats.org/presentationml/2006/main">
   <p:cSld>
     <p:spTree>
@@ -15941,7 +16367,7 @@
 </p:sld>
 </file>
 
-<file path=ppt/slides/slide37.xml><?xml version="1.0" encoding="utf-8"?>
+<file path=ppt/slides/slide38.xml><?xml version="1.0" encoding="utf-8"?>
 <p:sld xmlns:a="http://schemas.openxmlformats.org/drawingml/2006/main" xmlns:r="http://schemas.openxmlformats.org/officeDocument/2006/relationships" xmlns:p="http://schemas.openxmlformats.org/presentationml/2006/main">
   <p:cSld>
     <p:spTree>
@@ -16038,7 +16464,7 @@
 </p:sld>
 </file>
 
-<file path=ppt/slides/slide38.xml><?xml version="1.0" encoding="utf-8"?>
+<file path=ppt/slides/slide39.xml><?xml version="1.0" encoding="utf-8"?>
 <p:sld xmlns:a="http://schemas.openxmlformats.org/drawingml/2006/main" xmlns:r="http://schemas.openxmlformats.org/officeDocument/2006/relationships" xmlns:p="http://schemas.openxmlformats.org/presentationml/2006/main">
   <p:cSld>
     <p:spTree>
@@ -16145,157 +16571,6 @@
 </p:sld>
 </file>
 
-<file path=ppt/slides/slide39.xml><?xml version="1.0" encoding="utf-8"?>
-<p:sld xmlns:a="http://schemas.openxmlformats.org/drawingml/2006/main" xmlns:r="http://schemas.openxmlformats.org/officeDocument/2006/relationships" xmlns:p="http://schemas.openxmlformats.org/presentationml/2006/main">
-  <p:cSld>
-    <p:spTree>
-      <p:nvGrpSpPr>
-        <p:cNvPr id="1" name=""/>
-        <p:cNvGrpSpPr/>
-        <p:nvPr/>
-      </p:nvGrpSpPr>
-      <p:grpSpPr>
-        <a:xfrm>
-          <a:off x="0" y="0"/>
-          <a:ext cx="0" cy="0"/>
-          <a:chOff x="0" y="0"/>
-          <a:chExt cx="0" cy="0"/>
-        </a:xfrm>
-      </p:grpSpPr>
-      <p:sp>
-        <p:nvSpPr>
-          <p:cNvPr id="4" name="Title 3"/>
-          <p:cNvSpPr>
-            <a:spLocks noGrp="1"/>
-          </p:cNvSpPr>
-          <p:nvPr>
-            <p:ph type="title"/>
-          </p:nvPr>
-        </p:nvSpPr>
-        <p:spPr/>
-        <p:txBody>
-          <a:bodyPr/>
-          <a:lstStyle/>
-          <a:p>
-            <a:r>
-              <a:rPr lang="en-US" dirty="0"/>
-              <a:t>7.2 Install </a:t>
-            </a:r>
-            <a:r>
-              <a:rPr lang="en-US" i="1" dirty="0" err="1">
-                <a:solidFill>
-                  <a:srgbClr val="007DB5"/>
-                </a:solidFill>
-              </a:rPr>
-              <a:t>RegRipper</a:t>
-            </a:r>
-            <a:r>
-              <a:rPr lang="en-US" dirty="0">
-                <a:solidFill>
-                  <a:srgbClr val="007DB5"/>
-                </a:solidFill>
-              </a:rPr>
-              <a:t> </a:t>
-            </a:r>
-            <a:r>
-              <a:rPr lang="en-US" dirty="0"/>
-              <a:t>3.0</a:t>
-            </a:r>
-          </a:p>
-        </p:txBody>
-      </p:sp>
-      <p:sp>
-        <p:nvSpPr>
-          <p:cNvPr id="5" name="Content Placeholder 4"/>
-          <p:cNvSpPr>
-            <a:spLocks noGrp="1"/>
-          </p:cNvSpPr>
-          <p:nvPr>
-            <p:ph idx="1"/>
-          </p:nvPr>
-        </p:nvSpPr>
-        <p:spPr/>
-        <p:txBody>
-          <a:bodyPr/>
-          <a:lstStyle/>
-          <a:p>
-            <a:r>
-              <a:rPr lang="en-US" i="1" dirty="0" err="1">
-                <a:solidFill>
-                  <a:srgbClr val="007DB5"/>
-                </a:solidFill>
-              </a:rPr>
-              <a:t>RegRipper</a:t>
-            </a:r>
-            <a:r>
-              <a:rPr lang="en-US" dirty="0">
-                <a:solidFill>
-                  <a:srgbClr val="007DB5"/>
-                </a:solidFill>
-              </a:rPr>
-              <a:t> </a:t>
-            </a:r>
-            <a:r>
-              <a:rPr lang="en-US" dirty="0"/>
-              <a:t>is a software tool to extract/parse information (keys, values, data) from the Registry</a:t>
-            </a:r>
-          </a:p>
-          <a:p>
-            <a:pPr lvl="1"/>
-            <a:r>
-              <a:rPr lang="en-US" dirty="0"/>
-              <a:t>Open-source software (Windows and Linux)</a:t>
-            </a:r>
-          </a:p>
-          <a:p>
-            <a:pPr lvl="1"/>
-            <a:r>
-              <a:rPr lang="en-US" dirty="0"/>
-              <a:t>Written in Perl</a:t>
-            </a:r>
-          </a:p>
-          <a:p>
-            <a:pPr lvl="1"/>
-            <a:r>
-              <a:rPr lang="en-US" dirty="0"/>
-              <a:t>Consists of a framework that executes plugins</a:t>
-            </a:r>
-          </a:p>
-          <a:p>
-            <a:r>
-              <a:rPr lang="en-US" dirty="0"/>
-              <a:t>Two basic tools</a:t>
-            </a:r>
-          </a:p>
-          <a:p>
-            <a:pPr lvl="1"/>
-            <a:r>
-              <a:rPr lang="en-US" dirty="0"/>
-              <a:t>A command line (CLI) tool called rip</a:t>
-            </a:r>
-          </a:p>
-          <a:p>
-            <a:pPr lvl="1"/>
-            <a:r>
-              <a:rPr lang="en-US" dirty="0"/>
-              <a:t>Graphic user interface (GUI) </a:t>
-            </a:r>
-          </a:p>
-        </p:txBody>
-      </p:sp>
-    </p:spTree>
-    <p:extLst>
-      <p:ext uri="{BB962C8B-B14F-4D97-AF65-F5344CB8AC3E}">
-        <p14:creationId xmlns:p14="http://schemas.microsoft.com/office/powerpoint/2010/main" val="308956871"/>
-      </p:ext>
-    </p:extLst>
-  </p:cSld>
-  <p:clrMapOvr>
-    <a:masterClrMapping/>
-  </p:clrMapOvr>
-</p:sld>
-</file>
-
 <file path=ppt/slides/slide4.xml><?xml version="1.0" encoding="utf-8"?>
 <p:sld xmlns:a="http://schemas.openxmlformats.org/drawingml/2006/main" xmlns:r="http://schemas.openxmlformats.org/officeDocument/2006/relationships" xmlns:p="http://schemas.openxmlformats.org/presentationml/2006/main">
   <p:cSld>
@@ -16383,6 +16658,157 @@
 </file>
 
 <file path=ppt/slides/slide40.xml><?xml version="1.0" encoding="utf-8"?>
+<p:sld xmlns:a="http://schemas.openxmlformats.org/drawingml/2006/main" xmlns:r="http://schemas.openxmlformats.org/officeDocument/2006/relationships" xmlns:p="http://schemas.openxmlformats.org/presentationml/2006/main">
+  <p:cSld>
+    <p:spTree>
+      <p:nvGrpSpPr>
+        <p:cNvPr id="1" name=""/>
+        <p:cNvGrpSpPr/>
+        <p:nvPr/>
+      </p:nvGrpSpPr>
+      <p:grpSpPr>
+        <a:xfrm>
+          <a:off x="0" y="0"/>
+          <a:ext cx="0" cy="0"/>
+          <a:chOff x="0" y="0"/>
+          <a:chExt cx="0" cy="0"/>
+        </a:xfrm>
+      </p:grpSpPr>
+      <p:sp>
+        <p:nvSpPr>
+          <p:cNvPr id="4" name="Title 3"/>
+          <p:cNvSpPr>
+            <a:spLocks noGrp="1"/>
+          </p:cNvSpPr>
+          <p:nvPr>
+            <p:ph type="title"/>
+          </p:nvPr>
+        </p:nvSpPr>
+        <p:spPr/>
+        <p:txBody>
+          <a:bodyPr/>
+          <a:lstStyle/>
+          <a:p>
+            <a:r>
+              <a:rPr lang="en-US" dirty="0"/>
+              <a:t>7.2 Install </a:t>
+            </a:r>
+            <a:r>
+              <a:rPr lang="en-US" i="1" dirty="0" err="1">
+                <a:solidFill>
+                  <a:srgbClr val="007DB5"/>
+                </a:solidFill>
+              </a:rPr>
+              <a:t>RegRipper</a:t>
+            </a:r>
+            <a:r>
+              <a:rPr lang="en-US" dirty="0">
+                <a:solidFill>
+                  <a:srgbClr val="007DB5"/>
+                </a:solidFill>
+              </a:rPr>
+              <a:t> </a:t>
+            </a:r>
+            <a:r>
+              <a:rPr lang="en-US" dirty="0"/>
+              <a:t>3.0</a:t>
+            </a:r>
+          </a:p>
+        </p:txBody>
+      </p:sp>
+      <p:sp>
+        <p:nvSpPr>
+          <p:cNvPr id="5" name="Content Placeholder 4"/>
+          <p:cNvSpPr>
+            <a:spLocks noGrp="1"/>
+          </p:cNvSpPr>
+          <p:nvPr>
+            <p:ph idx="1"/>
+          </p:nvPr>
+        </p:nvSpPr>
+        <p:spPr/>
+        <p:txBody>
+          <a:bodyPr/>
+          <a:lstStyle/>
+          <a:p>
+            <a:r>
+              <a:rPr lang="en-US" i="1" dirty="0" err="1">
+                <a:solidFill>
+                  <a:srgbClr val="007DB5"/>
+                </a:solidFill>
+              </a:rPr>
+              <a:t>RegRipper</a:t>
+            </a:r>
+            <a:r>
+              <a:rPr lang="en-US" dirty="0">
+                <a:solidFill>
+                  <a:srgbClr val="007DB5"/>
+                </a:solidFill>
+              </a:rPr>
+              <a:t> </a:t>
+            </a:r>
+            <a:r>
+              <a:rPr lang="en-US" dirty="0"/>
+              <a:t>is a software tool to extract/parse information (keys, values, data) from the Registry</a:t>
+            </a:r>
+          </a:p>
+          <a:p>
+            <a:pPr lvl="1"/>
+            <a:r>
+              <a:rPr lang="en-US" dirty="0"/>
+              <a:t>Open-source software (Windows and Linux)</a:t>
+            </a:r>
+          </a:p>
+          <a:p>
+            <a:pPr lvl="1"/>
+            <a:r>
+              <a:rPr lang="en-US" dirty="0"/>
+              <a:t>Written in Perl</a:t>
+            </a:r>
+          </a:p>
+          <a:p>
+            <a:pPr lvl="1"/>
+            <a:r>
+              <a:rPr lang="en-US" dirty="0"/>
+              <a:t>Consists of a framework that executes plugins</a:t>
+            </a:r>
+          </a:p>
+          <a:p>
+            <a:r>
+              <a:rPr lang="en-US" dirty="0"/>
+              <a:t>Two basic tools</a:t>
+            </a:r>
+          </a:p>
+          <a:p>
+            <a:pPr lvl="1"/>
+            <a:r>
+              <a:rPr lang="en-US" dirty="0"/>
+              <a:t>A command line (CLI) tool called rip</a:t>
+            </a:r>
+          </a:p>
+          <a:p>
+            <a:pPr lvl="1"/>
+            <a:r>
+              <a:rPr lang="en-US" dirty="0"/>
+              <a:t>Graphic user interface (GUI) </a:t>
+            </a:r>
+          </a:p>
+        </p:txBody>
+      </p:sp>
+    </p:spTree>
+    <p:extLst>
+      <p:ext uri="{BB962C8B-B14F-4D97-AF65-F5344CB8AC3E}">
+        <p14:creationId xmlns:p14="http://schemas.microsoft.com/office/powerpoint/2010/main" val="308956871"/>
+      </p:ext>
+    </p:extLst>
+  </p:cSld>
+  <p:clrMapOvr>
+    <a:masterClrMapping/>
+  </p:clrMapOvr>
+</p:sld>
+</file>
+
+<file path=ppt/slides/slide41.xml><?xml version="1.0" encoding="utf-8"?>
 <p:sld xmlns:a="http://schemas.openxmlformats.org/drawingml/2006/main" xmlns:r="http://schemas.openxmlformats.org/officeDocument/2006/relationships" xmlns:p="http://schemas.openxmlformats.org/presentationml/2006/main">
   <p:cSld>
     <p:spTree>
@@ -16613,7 +17039,7 @@
 </p:sld>
 </file>
 
-<file path=ppt/slides/slide41.xml><?xml version="1.0" encoding="utf-8"?>
+<file path=ppt/slides/slide42.xml><?xml version="1.0" encoding="utf-8"?>
 <p:sld xmlns:a="http://schemas.openxmlformats.org/drawingml/2006/main" xmlns:r="http://schemas.openxmlformats.org/officeDocument/2006/relationships" xmlns:p="http://schemas.openxmlformats.org/presentationml/2006/main">
   <p:cSld>
     <p:spTree>
@@ -16783,7 +17209,7 @@
 </p:sld>
 </file>
 
-<file path=ppt/slides/slide42.xml><?xml version="1.0" encoding="utf-8"?>
+<file path=ppt/slides/slide43.xml><?xml version="1.0" encoding="utf-8"?>
 <p:sld xmlns:a="http://schemas.openxmlformats.org/drawingml/2006/main" xmlns:r="http://schemas.openxmlformats.org/officeDocument/2006/relationships" xmlns:p="http://schemas.openxmlformats.org/presentationml/2006/main">
   <p:cSld>
     <p:spTree>
@@ -16907,7 +17333,7 @@
 </p:sld>
 </file>
 
-<file path=ppt/slides/slide43.xml><?xml version="1.0" encoding="utf-8"?>
+<file path=ppt/slides/slide44.xml><?xml version="1.0" encoding="utf-8"?>
 <p:sld xmlns:a="http://schemas.openxmlformats.org/drawingml/2006/main" xmlns:r="http://schemas.openxmlformats.org/officeDocument/2006/relationships" xmlns:p="http://schemas.openxmlformats.org/presentationml/2006/main">
   <p:cSld>
     <p:spTree>
@@ -17012,7 +17438,7 @@
 </p:sld>
 </file>
 
-<file path=ppt/slides/slide44.xml><?xml version="1.0" encoding="utf-8"?>
+<file path=ppt/slides/slide45.xml><?xml version="1.0" encoding="utf-8"?>
 <p:sld xmlns:a="http://schemas.openxmlformats.org/drawingml/2006/main" xmlns:r="http://schemas.openxmlformats.org/officeDocument/2006/relationships" xmlns:p="http://schemas.openxmlformats.org/presentationml/2006/main">
   <p:cSld>
     <p:spTree>
@@ -17140,7 +17566,7 @@
 </p:sld>
 </file>
 
-<file path=ppt/slides/slide45.xml><?xml version="1.0" encoding="utf-8"?>
+<file path=ppt/slides/slide46.xml><?xml version="1.0" encoding="utf-8"?>
 <p:sld xmlns:a="http://schemas.openxmlformats.org/drawingml/2006/main" xmlns:r="http://schemas.openxmlformats.org/officeDocument/2006/relationships" xmlns:p="http://schemas.openxmlformats.org/presentationml/2006/main">
   <p:cSld>
     <p:spTree>

--- a/NIST_Data_Leakage_Case/NIST_Data_Leakage_00_Env_Setting.pptx
+++ b/NIST_Data_Leakage_Case/NIST_Data_Leakage_00_Env_Setting.pptx
@@ -744,10 +744,65 @@
   <pc:docChgLst>
     <pc:chgData name="Weifeng Xu" userId="e7aed605-a3dd-4d5a-a692-a87037af107b" providerId="ADAL" clId="{FC29E0CB-EC29-4F0E-A782-58C19F5D3434}"/>
     <pc:docChg chg="undo custSel addSld modSld">
-      <pc:chgData name="Weifeng Xu" userId="e7aed605-a3dd-4d5a-a692-a87037af107b" providerId="ADAL" clId="{FC29E0CB-EC29-4F0E-A782-58C19F5D3434}" dt="2021-08-28T14:20:36.426" v="412" actId="6549"/>
+      <pc:chgData name="Weifeng Xu" userId="e7aed605-a3dd-4d5a-a692-a87037af107b" providerId="ADAL" clId="{FC29E0CB-EC29-4F0E-A782-58C19F5D3434}" dt="2021-08-31T19:07:46.204" v="530" actId="20577"/>
       <pc:docMkLst>
         <pc:docMk/>
       </pc:docMkLst>
+      <pc:sldChg chg="addSp delSp modSp mod modNotesTx">
+        <pc:chgData name="Weifeng Xu" userId="e7aed605-a3dd-4d5a-a692-a87037af107b" providerId="ADAL" clId="{FC29E0CB-EC29-4F0E-A782-58C19F5D3434}" dt="2021-08-31T19:07:46.204" v="530" actId="20577"/>
+        <pc:sldMkLst>
+          <pc:docMk/>
+          <pc:sldMk cId="878550910" sldId="265"/>
+        </pc:sldMkLst>
+        <pc:spChg chg="mod">
+          <ac:chgData name="Weifeng Xu" userId="e7aed605-a3dd-4d5a-a692-a87037af107b" providerId="ADAL" clId="{FC29E0CB-EC29-4F0E-A782-58C19F5D3434}" dt="2021-08-31T18:55:59.297" v="481" actId="20577"/>
+          <ac:spMkLst>
+            <pc:docMk/>
+            <pc:sldMk cId="878550910" sldId="265"/>
+            <ac:spMk id="4" creationId="{00000000-0000-0000-0000-000000000000}"/>
+          </ac:spMkLst>
+        </pc:spChg>
+        <pc:spChg chg="add mod">
+          <ac:chgData name="Weifeng Xu" userId="e7aed605-a3dd-4d5a-a692-a87037af107b" providerId="ADAL" clId="{FC29E0CB-EC29-4F0E-A782-58C19F5D3434}" dt="2021-08-31T19:07:46.204" v="530" actId="20577"/>
+          <ac:spMkLst>
+            <pc:docMk/>
+            <pc:sldMk cId="878550910" sldId="265"/>
+            <ac:spMk id="12" creationId="{582204F2-497F-465D-B427-D1F6A277BF51}"/>
+          </ac:spMkLst>
+        </pc:spChg>
+        <pc:picChg chg="mod modCrop">
+          <ac:chgData name="Weifeng Xu" userId="e7aed605-a3dd-4d5a-a692-a87037af107b" providerId="ADAL" clId="{FC29E0CB-EC29-4F0E-A782-58C19F5D3434}" dt="2021-08-31T19:07:30.444" v="509" actId="14100"/>
+          <ac:picMkLst>
+            <pc:docMk/>
+            <pc:sldMk cId="878550910" sldId="265"/>
+            <ac:picMk id="3" creationId="{00000000-0000-0000-0000-000000000000}"/>
+          </ac:picMkLst>
+        </pc:picChg>
+        <pc:picChg chg="add mod">
+          <ac:chgData name="Weifeng Xu" userId="e7aed605-a3dd-4d5a-a692-a87037af107b" providerId="ADAL" clId="{FC29E0CB-EC29-4F0E-A782-58C19F5D3434}" dt="2021-08-31T19:06:32.847" v="491" actId="1076"/>
+          <ac:picMkLst>
+            <pc:docMk/>
+            <pc:sldMk cId="878550910" sldId="265"/>
+            <ac:picMk id="6" creationId="{813C2476-2F32-4C02-A6E6-BF86C3632874}"/>
+          </ac:picMkLst>
+        </pc:picChg>
+        <pc:picChg chg="del mod">
+          <ac:chgData name="Weifeng Xu" userId="e7aed605-a3dd-4d5a-a692-a87037af107b" providerId="ADAL" clId="{FC29E0CB-EC29-4F0E-A782-58C19F5D3434}" dt="2021-08-31T19:05:49.974" v="486" actId="478"/>
+          <ac:picMkLst>
+            <pc:docMk/>
+            <pc:sldMk cId="878550910" sldId="265"/>
+            <ac:picMk id="7" creationId="{00000000-0000-0000-0000-000000000000}"/>
+          </ac:picMkLst>
+        </pc:picChg>
+        <pc:picChg chg="del mod">
+          <ac:chgData name="Weifeng Xu" userId="e7aed605-a3dd-4d5a-a692-a87037af107b" providerId="ADAL" clId="{FC29E0CB-EC29-4F0E-A782-58C19F5D3434}" dt="2021-08-31T19:05:53.405" v="487" actId="478"/>
+          <ac:picMkLst>
+            <pc:docMk/>
+            <pc:sldMk cId="878550910" sldId="265"/>
+            <ac:picMk id="8" creationId="{00000000-0000-0000-0000-000000000000}"/>
+          </ac:picMkLst>
+        </pc:picChg>
+      </pc:sldChg>
       <pc:sldChg chg="addSp delSp modSp mod modClrScheme chgLayout">
         <pc:chgData name="Weifeng Xu" userId="e7aed605-a3dd-4d5a-a692-a87037af107b" providerId="ADAL" clId="{FC29E0CB-EC29-4F0E-A782-58C19F5D3434}" dt="2021-08-28T14:19:43.731" v="392" actId="20577"/>
         <pc:sldMkLst>
@@ -4870,7 +4925,7 @@
           <a:p>
             <a:fld id="{EE41F6E3-57F9-402E-BDBA-5B2DE11C8530}" type="datetimeFigureOut">
               <a:rPr lang="en-US" smtClean="0"/>
-              <a:t>8/28/2021</a:t>
+              <a:t>8/31/2021</a:t>
             </a:fld>
             <a:endParaRPr lang="en-US"/>
           </a:p>
@@ -6272,6 +6327,63 @@
               <a:t> - q https://www.cfreds.nist.gov/data_leakage_case/images/pc/cfreds_2015_data_leakage_pc.7z.003</a:t>
             </a:r>
           </a:p>
+          <a:p>
+            <a:r>
+              <a:rPr lang="en-US" dirty="0"/>
+              <a:t>https://www.dropbox.com/s/u4axlx8eomgwfdc/cfreds_2015_data_leakage_pc.7z.001</a:t>
+            </a:r>
+          </a:p>
+          <a:p>
+            <a:r>
+              <a:rPr lang="en-US" dirty="0"/>
+              <a:t>https://www.dropbox.com/s/pyq50s2cri6yftf/cfreds_2015_data_leakage_pc.7z.002</a:t>
+            </a:r>
+          </a:p>
+          <a:p>
+            <a:r>
+              <a:rPr lang="en-US" dirty="0"/>
+              <a:t>https://www.dropbox.com/s/cxvzuiupmqc7l99/cfreds_2015_data_leakage_pc.7z.003</a:t>
+            </a:r>
+          </a:p>
+          <a:p>
+            <a:r>
+              <a:rPr lang="en-US" b="0" i="0" u="none" strike="noStrike" dirty="0">
+                <a:solidFill>
+                  <a:srgbClr val="363636"/>
+                </a:solidFill>
+                <a:effectLst/>
+                <a:latin typeface="Avenir"/>
+              </a:rPr>
+              <a:t>https://cfreds-archive.nist.gov/data_leakage_case/images/pc/cfreds_2015_data_leakage_pc.7z.001</a:t>
+            </a:r>
+          </a:p>
+          <a:p>
+            <a:r>
+              <a:rPr lang="en-US" b="0" i="0" u="none" strike="noStrike" dirty="0">
+                <a:solidFill>
+                  <a:srgbClr val="363636"/>
+                </a:solidFill>
+                <a:effectLst/>
+                <a:latin typeface="Avenir"/>
+              </a:rPr>
+              <a:t>https://cfreds-archive.nist.gov/data_leakage_case/images/pc/cfreds_2015_data_leakage_pc.7z.002</a:t>
+            </a:r>
+          </a:p>
+          <a:p>
+            <a:r>
+              <a:rPr lang="en-US" b="0" i="0" u="none" strike="noStrike" dirty="0">
+                <a:solidFill>
+                  <a:srgbClr val="363636"/>
+                </a:solidFill>
+                <a:effectLst/>
+                <a:latin typeface="Avenir"/>
+              </a:rPr>
+              <a:t>https://cfreds-archive.nist.gov/data_leakage_case/images/pc/cfreds_2015_data_leakage_pc.7z.003</a:t>
+            </a:r>
+          </a:p>
+          <a:p>
+            <a:endParaRPr lang="en-US" dirty="0"/>
+          </a:p>
         </p:txBody>
       </p:sp>
       <p:sp>
@@ -7153,7 +7265,7 @@
           <a:p>
             <a:fld id="{4263717A-E3C1-4BED-ABE0-B7069385E023}" type="datetimeFigureOut">
               <a:rPr lang="en-US" smtClean="0"/>
-              <a:t>8/28/2021</a:t>
+              <a:t>8/31/2021</a:t>
             </a:fld>
             <a:endParaRPr lang="en-US"/>
           </a:p>
@@ -7326,7 +7438,7 @@
           <a:p>
             <a:fld id="{4263717A-E3C1-4BED-ABE0-B7069385E023}" type="datetimeFigureOut">
               <a:rPr lang="en-US" smtClean="0"/>
-              <a:t>8/28/2021</a:t>
+              <a:t>8/31/2021</a:t>
             </a:fld>
             <a:endParaRPr lang="en-US"/>
           </a:p>
@@ -7504,7 +7616,7 @@
           <a:p>
             <a:fld id="{4263717A-E3C1-4BED-ABE0-B7069385E023}" type="datetimeFigureOut">
               <a:rPr lang="en-US" smtClean="0"/>
-              <a:t>8/28/2021</a:t>
+              <a:t>8/31/2021</a:t>
             </a:fld>
             <a:endParaRPr lang="en-US"/>
           </a:p>
@@ -7672,7 +7784,7 @@
           <a:p>
             <a:fld id="{4263717A-E3C1-4BED-ABE0-B7069385E023}" type="datetimeFigureOut">
               <a:rPr lang="en-US" smtClean="0"/>
-              <a:t>8/28/2021</a:t>
+              <a:t>8/31/2021</a:t>
             </a:fld>
             <a:endParaRPr lang="en-US"/>
           </a:p>
@@ -7917,7 +8029,7 @@
           <a:p>
             <a:fld id="{4263717A-E3C1-4BED-ABE0-B7069385E023}" type="datetimeFigureOut">
               <a:rPr lang="en-US" smtClean="0"/>
-              <a:t>8/28/2021</a:t>
+              <a:t>8/31/2021</a:t>
             </a:fld>
             <a:endParaRPr lang="en-US"/>
           </a:p>
@@ -8146,7 +8258,7 @@
           <a:p>
             <a:fld id="{4263717A-E3C1-4BED-ABE0-B7069385E023}" type="datetimeFigureOut">
               <a:rPr lang="en-US" smtClean="0"/>
-              <a:t>8/28/2021</a:t>
+              <a:t>8/31/2021</a:t>
             </a:fld>
             <a:endParaRPr lang="en-US"/>
           </a:p>
@@ -8510,7 +8622,7 @@
           <a:p>
             <a:fld id="{4263717A-E3C1-4BED-ABE0-B7069385E023}" type="datetimeFigureOut">
               <a:rPr lang="en-US" smtClean="0"/>
-              <a:t>8/28/2021</a:t>
+              <a:t>8/31/2021</a:t>
             </a:fld>
             <a:endParaRPr lang="en-US"/>
           </a:p>
@@ -8627,7 +8739,7 @@
           <a:p>
             <a:fld id="{4263717A-E3C1-4BED-ABE0-B7069385E023}" type="datetimeFigureOut">
               <a:rPr lang="en-US" smtClean="0"/>
-              <a:t>8/28/2021</a:t>
+              <a:t>8/31/2021</a:t>
             </a:fld>
             <a:endParaRPr lang="en-US"/>
           </a:p>
@@ -8722,7 +8834,7 @@
           <a:p>
             <a:fld id="{4263717A-E3C1-4BED-ABE0-B7069385E023}" type="datetimeFigureOut">
               <a:rPr lang="en-US" smtClean="0"/>
-              <a:t>8/28/2021</a:t>
+              <a:t>8/31/2021</a:t>
             </a:fld>
             <a:endParaRPr lang="en-US"/>
           </a:p>
@@ -8997,7 +9109,7 @@
           <a:p>
             <a:fld id="{4263717A-E3C1-4BED-ABE0-B7069385E023}" type="datetimeFigureOut">
               <a:rPr lang="en-US" smtClean="0"/>
-              <a:t>8/28/2021</a:t>
+              <a:t>8/31/2021</a:t>
             </a:fld>
             <a:endParaRPr lang="en-US"/>
           </a:p>
@@ -9249,7 +9361,7 @@
           <a:p>
             <a:fld id="{4263717A-E3C1-4BED-ABE0-B7069385E023}" type="datetimeFigureOut">
               <a:rPr lang="en-US" smtClean="0"/>
-              <a:t>8/28/2021</a:t>
+              <a:t>8/31/2021</a:t>
             </a:fld>
             <a:endParaRPr lang="en-US"/>
           </a:p>
@@ -9460,7 +9572,7 @@
           <a:p>
             <a:fld id="{4263717A-E3C1-4BED-ABE0-B7069385E023}" type="datetimeFigureOut">
               <a:rPr lang="en-US" smtClean="0"/>
-              <a:t>8/28/2021</a:t>
+              <a:t>8/31/2021</a:t>
             </a:fld>
             <a:endParaRPr lang="en-US"/>
           </a:p>
@@ -17872,8 +17984,8 @@
         </p:blipFill>
         <p:spPr>
           <a:xfrm>
-            <a:off x="744143" y="2282100"/>
-            <a:ext cx="11122094" cy="696357"/>
+            <a:off x="744143" y="2051639"/>
+            <a:ext cx="10815253" cy="696357"/>
           </a:xfrm>
           <a:prstGeom prst="rect">
             <a:avLst/>
@@ -17888,8 +18000,8 @@
         </p:nvSpPr>
         <p:spPr>
           <a:xfrm>
-            <a:off x="744142" y="1932945"/>
-            <a:ext cx="2193614" cy="369332"/>
+            <a:off x="744142" y="1702484"/>
+            <a:ext cx="4898520" cy="369332"/>
           </a:xfrm>
           <a:prstGeom prst="rect">
             <a:avLst/>
@@ -17906,58 +18018,11 @@
           <a:p>
             <a:r>
               <a:rPr lang="en-US" dirty="0"/>
-              <a:t>Download DD images</a:t>
-            </a:r>
-          </a:p>
-        </p:txBody>
-      </p:sp>
-      <p:pic>
-        <p:nvPicPr>
-          <p:cNvPr id="7" name="Picture 6"/>
-          <p:cNvPicPr>
-            <a:picLocks noChangeAspect="1"/>
-          </p:cNvPicPr>
-          <p:nvPr/>
-        </p:nvPicPr>
-        <p:blipFill rotWithShape="1">
-          <a:blip r:embed="rId4"/>
-          <a:srcRect l="324" r="1" b="2376"/>
-          <a:stretch/>
-        </p:blipFill>
-        <p:spPr>
-          <a:xfrm>
-            <a:off x="744143" y="3075985"/>
-            <a:ext cx="11122094" cy="370632"/>
-          </a:xfrm>
-          <a:prstGeom prst="rect">
-            <a:avLst/>
-          </a:prstGeom>
-        </p:spPr>
-      </p:pic>
-      <p:pic>
-        <p:nvPicPr>
-          <p:cNvPr id="8" name="Picture 7"/>
-          <p:cNvPicPr>
-            <a:picLocks noChangeAspect="1"/>
-          </p:cNvPicPr>
-          <p:nvPr/>
-        </p:nvPicPr>
-        <p:blipFill>
-          <a:blip r:embed="rId5"/>
-          <a:stretch>
-            <a:fillRect/>
-          </a:stretch>
-        </p:blipFill>
-        <p:spPr>
-          <a:xfrm>
-            <a:off x="744144" y="3516907"/>
-            <a:ext cx="11122094" cy="300073"/>
-          </a:xfrm>
-          <a:prstGeom prst="rect">
-            <a:avLst/>
-          </a:prstGeom>
-        </p:spPr>
-      </p:pic>
+              <a:t>Download DD images. See notes if the link expired</a:t>
+            </a:r>
+          </a:p>
+        </p:txBody>
+      </p:sp>
       <p:sp>
         <p:nvSpPr>
           <p:cNvPr id="9" name="TextBox 8"/>
@@ -17998,7 +18063,7 @@
           <p:nvPr/>
         </p:nvPicPr>
         <p:blipFill>
-          <a:blip r:embed="rId6"/>
+          <a:blip r:embed="rId4"/>
           <a:stretch>
             <a:fillRect/>
           </a:stretch>
@@ -18029,8 +18094,90 @@
           <a:lstStyle/>
           <a:p>
             <a:r>
+              <a:rPr lang="en-US" dirty="0"/>
+              <a:t>How to download the DD image?</a:t>
+            </a:r>
+          </a:p>
+        </p:txBody>
+      </p:sp>
+      <p:pic>
+        <p:nvPicPr>
+          <p:cNvPr id="6" name="Picture 5">
+            <a:extLst>
+              <a:ext uri="{FF2B5EF4-FFF2-40B4-BE49-F238E27FC236}">
+                <a16:creationId xmlns:a16="http://schemas.microsoft.com/office/drawing/2014/main" id="{813C2476-2F32-4C02-A6E6-BF86C3632874}"/>
+              </a:ext>
+            </a:extLst>
+          </p:cNvPr>
+          <p:cNvPicPr>
+            <a:picLocks noChangeAspect="1"/>
+          </p:cNvPicPr>
+          <p:nvPr/>
+        </p:nvPicPr>
+        <p:blipFill>
+          <a:blip r:embed="rId5"/>
+          <a:stretch>
+            <a:fillRect/>
+          </a:stretch>
+        </p:blipFill>
+        <p:spPr>
+          <a:xfrm>
+            <a:off x="2413343" y="2465018"/>
+            <a:ext cx="9034514" cy="283494"/>
+          </a:xfrm>
+          <a:prstGeom prst="rect">
+            <a:avLst/>
+          </a:prstGeom>
+        </p:spPr>
+      </p:pic>
+      <p:sp>
+        <p:nvSpPr>
+          <p:cNvPr id="12" name="TextBox 11">
+            <a:extLst>
+              <a:ext uri="{FF2B5EF4-FFF2-40B4-BE49-F238E27FC236}">
+                <a16:creationId xmlns:a16="http://schemas.microsoft.com/office/drawing/2014/main" id="{582204F2-497F-465D-B427-D1F6A277BF51}"/>
+              </a:ext>
+            </a:extLst>
+          </p:cNvPr>
+          <p:cNvSpPr txBox="1"/>
+          <p:nvPr/>
+        </p:nvSpPr>
+        <p:spPr>
+          <a:xfrm>
+            <a:off x="744142" y="3147500"/>
+            <a:ext cx="10421314" cy="923330"/>
+          </a:xfrm>
+          <a:prstGeom prst="rect">
+            <a:avLst/>
+          </a:prstGeom>
+          <a:noFill/>
+        </p:spPr>
+        <p:txBody>
+          <a:bodyPr wrap="square">
+            <a:spAutoFit/>
+          </a:bodyPr>
+          <a:lstStyle/>
+          <a:p>
+            <a:r>
+              <a:rPr lang="en-US" dirty="0"/>
+              <a:t>repeat for the following </a:t>
+            </a:r>
+            <a:r>
               <a:rPr lang="en-US"/>
-              <a:t>How to download the DD image?</a:t>
+              <a:t>2 links</a:t>
+            </a:r>
+            <a:endParaRPr lang="en-US" dirty="0"/>
+          </a:p>
+          <a:p>
+            <a:r>
+              <a:rPr lang="en-US" dirty="0"/>
+              <a:t>https://cfreds-archive.nist.gov/data_leakage_case/images/pc/cfreds_2015_data_leakage_pc.7z.002</a:t>
+            </a:r>
+          </a:p>
+          <a:p>
+            <a:r>
+              <a:rPr lang="en-US" dirty="0"/>
+              <a:t>https://cfreds-archive.nist.gov/data_leakage_case/images/pc/cfreds_2015_data_leakage_pc.7z.003</a:t>
             </a:r>
           </a:p>
         </p:txBody>

--- a/NIST_Data_Leakage_Case/NIST_Data_Leakage_00_Env_Setting.pptx
+++ b/NIST_Data_Leakage_Case/NIST_Data_Leakage_00_Env_Setting.pptx
@@ -163,7 +163,7 @@
 <file path=ppt/revisionInfo.xml><?xml version="1.0" encoding="utf-8"?>
 <p1510:revInfo xmlns:a="http://schemas.openxmlformats.org/drawingml/2006/main" xmlns:r="http://schemas.openxmlformats.org/officeDocument/2006/relationships" xmlns:p1510="http://schemas.microsoft.com/office/powerpoint/2015/10/main">
   <p1510:revLst>
-    <p1510:client id="{FC29E0CB-EC29-4F0E-A782-58C19F5D3434}" v="23" dt="2021-08-28T14:18:44.031"/>
+    <p1510:client id="{FC29E0CB-EC29-4F0E-A782-58C19F5D3434}" v="24" dt="2021-09-07T14:16:42.462"/>
   </p1510:revLst>
 </p1510:revInfo>
 </file>
@@ -744,12 +744,12 @@
   <pc:docChgLst>
     <pc:chgData name="Weifeng Xu" userId="e7aed605-a3dd-4d5a-a692-a87037af107b" providerId="ADAL" clId="{FC29E0CB-EC29-4F0E-A782-58C19F5D3434}"/>
     <pc:docChg chg="undo custSel addSld modSld">
-      <pc:chgData name="Weifeng Xu" userId="e7aed605-a3dd-4d5a-a692-a87037af107b" providerId="ADAL" clId="{FC29E0CB-EC29-4F0E-A782-58C19F5D3434}" dt="2021-08-31T19:07:46.204" v="530" actId="20577"/>
+      <pc:chgData name="Weifeng Xu" userId="e7aed605-a3dd-4d5a-a692-a87037af107b" providerId="ADAL" clId="{FC29E0CB-EC29-4F0E-A782-58C19F5D3434}" dt="2021-09-07T14:16:52.059" v="561" actId="20577"/>
       <pc:docMkLst>
         <pc:docMk/>
       </pc:docMkLst>
       <pc:sldChg chg="addSp delSp modSp mod modNotesTx">
-        <pc:chgData name="Weifeng Xu" userId="e7aed605-a3dd-4d5a-a692-a87037af107b" providerId="ADAL" clId="{FC29E0CB-EC29-4F0E-A782-58C19F5D3434}" dt="2021-08-31T19:07:46.204" v="530" actId="20577"/>
+        <pc:chgData name="Weifeng Xu" userId="e7aed605-a3dd-4d5a-a692-a87037af107b" providerId="ADAL" clId="{FC29E0CB-EC29-4F0E-A782-58C19F5D3434}" dt="2021-09-07T13:51:34.640" v="546" actId="20577"/>
         <pc:sldMkLst>
           <pc:docMk/>
           <pc:sldMk cId="878550910" sldId="265"/>
@@ -763,7 +763,7 @@
           </ac:spMkLst>
         </pc:spChg>
         <pc:spChg chg="add mod">
-          <ac:chgData name="Weifeng Xu" userId="e7aed605-a3dd-4d5a-a692-a87037af107b" providerId="ADAL" clId="{FC29E0CB-EC29-4F0E-A782-58C19F5D3434}" dt="2021-08-31T19:07:46.204" v="530" actId="20577"/>
+          <ac:chgData name="Weifeng Xu" userId="e7aed605-a3dd-4d5a-a692-a87037af107b" providerId="ADAL" clId="{FC29E0CB-EC29-4F0E-A782-58C19F5D3434}" dt="2021-09-07T13:51:34.640" v="546" actId="20577"/>
           <ac:spMkLst>
             <pc:docMk/>
             <pc:sldMk cId="878550910" sldId="265"/>
@@ -778,8 +778,8 @@
             <ac:picMk id="3" creationId="{00000000-0000-0000-0000-000000000000}"/>
           </ac:picMkLst>
         </pc:picChg>
-        <pc:picChg chg="add mod">
-          <ac:chgData name="Weifeng Xu" userId="e7aed605-a3dd-4d5a-a692-a87037af107b" providerId="ADAL" clId="{FC29E0CB-EC29-4F0E-A782-58C19F5D3434}" dt="2021-08-31T19:06:32.847" v="491" actId="1076"/>
+        <pc:picChg chg="add del mod">
+          <ac:chgData name="Weifeng Xu" userId="e7aed605-a3dd-4d5a-a692-a87037af107b" providerId="ADAL" clId="{FC29E0CB-EC29-4F0E-A782-58C19F5D3434}" dt="2021-09-07T13:50:36.306" v="531" actId="478"/>
           <ac:picMkLst>
             <pc:docMk/>
             <pc:sldMk cId="878550910" sldId="265"/>
@@ -794,12 +794,83 @@
             <ac:picMk id="7" creationId="{00000000-0000-0000-0000-000000000000}"/>
           </ac:picMkLst>
         </pc:picChg>
+        <pc:picChg chg="add mod">
+          <ac:chgData name="Weifeng Xu" userId="e7aed605-a3dd-4d5a-a692-a87037af107b" providerId="ADAL" clId="{FC29E0CB-EC29-4F0E-A782-58C19F5D3434}" dt="2021-09-07T13:50:50.828" v="534" actId="14100"/>
+          <ac:picMkLst>
+            <pc:docMk/>
+            <pc:sldMk cId="878550910" sldId="265"/>
+            <ac:picMk id="7" creationId="{84B7540C-A2AA-4501-812A-E598A01AF344}"/>
+          </ac:picMkLst>
+        </pc:picChg>
         <pc:picChg chg="del mod">
           <ac:chgData name="Weifeng Xu" userId="e7aed605-a3dd-4d5a-a692-a87037af107b" providerId="ADAL" clId="{FC29E0CB-EC29-4F0E-A782-58C19F5D3434}" dt="2021-08-31T19:05:53.405" v="487" actId="478"/>
           <ac:picMkLst>
             <pc:docMk/>
             <pc:sldMk cId="878550910" sldId="265"/>
             <ac:picMk id="8" creationId="{00000000-0000-0000-0000-000000000000}"/>
+          </ac:picMkLst>
+        </pc:picChg>
+      </pc:sldChg>
+      <pc:sldChg chg="addSp modSp mod">
+        <pc:chgData name="Weifeng Xu" userId="e7aed605-a3dd-4d5a-a692-a87037af107b" providerId="ADAL" clId="{FC29E0CB-EC29-4F0E-A782-58C19F5D3434}" dt="2021-09-07T14:16:52.059" v="561" actId="20577"/>
+        <pc:sldMkLst>
+          <pc:docMk/>
+          <pc:sldMk cId="2453518679" sldId="266"/>
+        </pc:sldMkLst>
+        <pc:spChg chg="mod">
+          <ac:chgData name="Weifeng Xu" userId="e7aed605-a3dd-4d5a-a692-a87037af107b" providerId="ADAL" clId="{FC29E0CB-EC29-4F0E-A782-58C19F5D3434}" dt="2021-09-07T14:16:00.961" v="547" actId="1076"/>
+          <ac:spMkLst>
+            <pc:docMk/>
+            <pc:sldMk cId="2453518679" sldId="266"/>
+            <ac:spMk id="4" creationId="{00000000-0000-0000-0000-000000000000}"/>
+          </ac:spMkLst>
+        </pc:spChg>
+        <pc:spChg chg="mod">
+          <ac:chgData name="Weifeng Xu" userId="e7aed605-a3dd-4d5a-a692-a87037af107b" providerId="ADAL" clId="{FC29E0CB-EC29-4F0E-A782-58C19F5D3434}" dt="2021-09-07T14:16:00.961" v="547" actId="1076"/>
+          <ac:spMkLst>
+            <pc:docMk/>
+            <pc:sldMk cId="2453518679" sldId="266"/>
+            <ac:spMk id="7" creationId="{00000000-0000-0000-0000-000000000000}"/>
+          </ac:spMkLst>
+        </pc:spChg>
+        <pc:spChg chg="mod">
+          <ac:chgData name="Weifeng Xu" userId="e7aed605-a3dd-4d5a-a692-a87037af107b" providerId="ADAL" clId="{FC29E0CB-EC29-4F0E-A782-58C19F5D3434}" dt="2021-09-07T14:16:00.961" v="547" actId="1076"/>
+          <ac:spMkLst>
+            <pc:docMk/>
+            <pc:sldMk cId="2453518679" sldId="266"/>
+            <ac:spMk id="8" creationId="{00000000-0000-0000-0000-000000000000}"/>
+          </ac:spMkLst>
+        </pc:spChg>
+        <pc:spChg chg="add mod">
+          <ac:chgData name="Weifeng Xu" userId="e7aed605-a3dd-4d5a-a692-a87037af107b" providerId="ADAL" clId="{FC29E0CB-EC29-4F0E-A782-58C19F5D3434}" dt="2021-09-07T14:16:52.059" v="561" actId="20577"/>
+          <ac:spMkLst>
+            <pc:docMk/>
+            <pc:sldMk cId="2453518679" sldId="266"/>
+            <ac:spMk id="9" creationId="{E27F08D4-5D04-4A61-B624-17FB4B87DE1F}"/>
+          </ac:spMkLst>
+        </pc:spChg>
+        <pc:picChg chg="mod">
+          <ac:chgData name="Weifeng Xu" userId="e7aed605-a3dd-4d5a-a692-a87037af107b" providerId="ADAL" clId="{FC29E0CB-EC29-4F0E-A782-58C19F5D3434}" dt="2021-09-07T14:16:00.961" v="547" actId="1076"/>
+          <ac:picMkLst>
+            <pc:docMk/>
+            <pc:sldMk cId="2453518679" sldId="266"/>
+            <ac:picMk id="3" creationId="{00000000-0000-0000-0000-000000000000}"/>
+          </ac:picMkLst>
+        </pc:picChg>
+        <pc:picChg chg="add mod">
+          <ac:chgData name="Weifeng Xu" userId="e7aed605-a3dd-4d5a-a692-a87037af107b" providerId="ADAL" clId="{FC29E0CB-EC29-4F0E-A782-58C19F5D3434}" dt="2021-09-07T14:16:38.428" v="550" actId="14100"/>
+          <ac:picMkLst>
+            <pc:docMk/>
+            <pc:sldMk cId="2453518679" sldId="266"/>
+            <ac:picMk id="5" creationId="{D918E391-70E6-4BD4-BAD0-7D2092995308}"/>
+          </ac:picMkLst>
+        </pc:picChg>
+        <pc:picChg chg="mod">
+          <ac:chgData name="Weifeng Xu" userId="e7aed605-a3dd-4d5a-a692-a87037af107b" providerId="ADAL" clId="{FC29E0CB-EC29-4F0E-A782-58C19F5D3434}" dt="2021-09-07T14:16:00.961" v="547" actId="1076"/>
+          <ac:picMkLst>
+            <pc:docMk/>
+            <pc:sldMk cId="2453518679" sldId="266"/>
+            <ac:picMk id="6" creationId="{00000000-0000-0000-0000-000000000000}"/>
           </ac:picMkLst>
         </pc:picChg>
       </pc:sldChg>
@@ -4925,7 +4996,7 @@
           <a:p>
             <a:fld id="{EE41F6E3-57F9-402E-BDBA-5B2DE11C8530}" type="datetimeFigureOut">
               <a:rPr lang="en-US" smtClean="0"/>
-              <a:t>8/31/2021</a:t>
+              <a:t>9/7/2021</a:t>
             </a:fld>
             <a:endParaRPr lang="en-US"/>
           </a:p>
@@ -7265,7 +7336,7 @@
           <a:p>
             <a:fld id="{4263717A-E3C1-4BED-ABE0-B7069385E023}" type="datetimeFigureOut">
               <a:rPr lang="en-US" smtClean="0"/>
-              <a:t>8/31/2021</a:t>
+              <a:t>9/7/2021</a:t>
             </a:fld>
             <a:endParaRPr lang="en-US"/>
           </a:p>
@@ -7438,7 +7509,7 @@
           <a:p>
             <a:fld id="{4263717A-E3C1-4BED-ABE0-B7069385E023}" type="datetimeFigureOut">
               <a:rPr lang="en-US" smtClean="0"/>
-              <a:t>8/31/2021</a:t>
+              <a:t>9/7/2021</a:t>
             </a:fld>
             <a:endParaRPr lang="en-US"/>
           </a:p>
@@ -7616,7 +7687,7 @@
           <a:p>
             <a:fld id="{4263717A-E3C1-4BED-ABE0-B7069385E023}" type="datetimeFigureOut">
               <a:rPr lang="en-US" smtClean="0"/>
-              <a:t>8/31/2021</a:t>
+              <a:t>9/7/2021</a:t>
             </a:fld>
             <a:endParaRPr lang="en-US"/>
           </a:p>
@@ -7784,7 +7855,7 @@
           <a:p>
             <a:fld id="{4263717A-E3C1-4BED-ABE0-B7069385E023}" type="datetimeFigureOut">
               <a:rPr lang="en-US" smtClean="0"/>
-              <a:t>8/31/2021</a:t>
+              <a:t>9/7/2021</a:t>
             </a:fld>
             <a:endParaRPr lang="en-US"/>
           </a:p>
@@ -8029,7 +8100,7 @@
           <a:p>
             <a:fld id="{4263717A-E3C1-4BED-ABE0-B7069385E023}" type="datetimeFigureOut">
               <a:rPr lang="en-US" smtClean="0"/>
-              <a:t>8/31/2021</a:t>
+              <a:t>9/7/2021</a:t>
             </a:fld>
             <a:endParaRPr lang="en-US"/>
           </a:p>
@@ -8258,7 +8329,7 @@
           <a:p>
             <a:fld id="{4263717A-E3C1-4BED-ABE0-B7069385E023}" type="datetimeFigureOut">
               <a:rPr lang="en-US" smtClean="0"/>
-              <a:t>8/31/2021</a:t>
+              <a:t>9/7/2021</a:t>
             </a:fld>
             <a:endParaRPr lang="en-US"/>
           </a:p>
@@ -8622,7 +8693,7 @@
           <a:p>
             <a:fld id="{4263717A-E3C1-4BED-ABE0-B7069385E023}" type="datetimeFigureOut">
               <a:rPr lang="en-US" smtClean="0"/>
-              <a:t>8/31/2021</a:t>
+              <a:t>9/7/2021</a:t>
             </a:fld>
             <a:endParaRPr lang="en-US"/>
           </a:p>
@@ -8739,7 +8810,7 @@
           <a:p>
             <a:fld id="{4263717A-E3C1-4BED-ABE0-B7069385E023}" type="datetimeFigureOut">
               <a:rPr lang="en-US" smtClean="0"/>
-              <a:t>8/31/2021</a:t>
+              <a:t>9/7/2021</a:t>
             </a:fld>
             <a:endParaRPr lang="en-US"/>
           </a:p>
@@ -8834,7 +8905,7 @@
           <a:p>
             <a:fld id="{4263717A-E3C1-4BED-ABE0-B7069385E023}" type="datetimeFigureOut">
               <a:rPr lang="en-US" smtClean="0"/>
-              <a:t>8/31/2021</a:t>
+              <a:t>9/7/2021</a:t>
             </a:fld>
             <a:endParaRPr lang="en-US"/>
           </a:p>
@@ -9109,7 +9180,7 @@
           <a:p>
             <a:fld id="{4263717A-E3C1-4BED-ABE0-B7069385E023}" type="datetimeFigureOut">
               <a:rPr lang="en-US" smtClean="0"/>
-              <a:t>8/31/2021</a:t>
+              <a:t>9/7/2021</a:t>
             </a:fld>
             <a:endParaRPr lang="en-US"/>
           </a:p>
@@ -9361,7 +9432,7 @@
           <a:p>
             <a:fld id="{4263717A-E3C1-4BED-ABE0-B7069385E023}" type="datetimeFigureOut">
               <a:rPr lang="en-US" smtClean="0"/>
-              <a:t>8/31/2021</a:t>
+              <a:t>9/7/2021</a:t>
             </a:fld>
             <a:endParaRPr lang="en-US"/>
           </a:p>
@@ -9572,7 +9643,7 @@
           <a:p>
             <a:fld id="{4263717A-E3C1-4BED-ABE0-B7069385E023}" type="datetimeFigureOut">
               <a:rPr lang="en-US" smtClean="0"/>
-              <a:t>8/31/2021</a:t>
+              <a:t>9/7/2021</a:t>
             </a:fld>
             <a:endParaRPr lang="en-US"/>
           </a:p>
@@ -18100,12 +18171,65 @@
           </a:p>
         </p:txBody>
       </p:sp>
+      <p:sp>
+        <p:nvSpPr>
+          <p:cNvPr id="12" name="TextBox 11">
+            <a:extLst>
+              <a:ext uri="{FF2B5EF4-FFF2-40B4-BE49-F238E27FC236}">
+                <a16:creationId xmlns:a16="http://schemas.microsoft.com/office/drawing/2014/main" id="{582204F2-497F-465D-B427-D1F6A277BF51}"/>
+              </a:ext>
+            </a:extLst>
+          </p:cNvPr>
+          <p:cNvSpPr txBox="1"/>
+          <p:nvPr/>
+        </p:nvSpPr>
+        <p:spPr>
+          <a:xfrm>
+            <a:off x="744142" y="2909676"/>
+            <a:ext cx="10421314" cy="1200329"/>
+          </a:xfrm>
+          <a:prstGeom prst="rect">
+            <a:avLst/>
+          </a:prstGeom>
+          <a:noFill/>
+        </p:spPr>
+        <p:txBody>
+          <a:bodyPr wrap="square">
+            <a:spAutoFit/>
+          </a:bodyPr>
+          <a:lstStyle/>
+          <a:p>
+            <a:r>
+              <a:rPr lang="en-US" dirty="0"/>
+              <a:t>All three links</a:t>
+            </a:r>
+          </a:p>
+          <a:p>
+            <a:r>
+              <a:rPr lang="en-US" dirty="0"/>
+              <a:t>https://www.dropbox.com/s/u4axlx8eomgwfdc/cfreds_2015_data_leakage_pc.7z.001</a:t>
+            </a:r>
+          </a:p>
+          <a:p>
+            <a:r>
+              <a:rPr lang="en-US" dirty="0"/>
+              <a:t>https://www.dropbox.com/s/pyq50s2cri6yftf/cfreds_2015_data_leakage_pc.7z.002</a:t>
+            </a:r>
+          </a:p>
+          <a:p>
+            <a:r>
+              <a:rPr lang="en-US" dirty="0"/>
+              <a:t>https://www.dropbox.com/s/cxvzuiupmqc7l99/cfreds_2015_data_leakage_pc.7z.003</a:t>
+            </a:r>
+          </a:p>
+        </p:txBody>
+      </p:sp>
       <p:pic>
         <p:nvPicPr>
-          <p:cNvPr id="6" name="Picture 5">
+          <p:cNvPr id="7" name="Picture 6">
             <a:extLst>
               <a:ext uri="{FF2B5EF4-FFF2-40B4-BE49-F238E27FC236}">
-                <a16:creationId xmlns:a16="http://schemas.microsoft.com/office/drawing/2014/main" id="{813C2476-2F32-4C02-A6E6-BF86C3632874}"/>
+                <a16:creationId xmlns:a16="http://schemas.microsoft.com/office/drawing/2014/main" id="{84B7540C-A2AA-4501-812A-E598A01AF344}"/>
               </a:ext>
             </a:extLst>
           </p:cNvPr>
@@ -18122,66 +18246,14 @@
         </p:blipFill>
         <p:spPr>
           <a:xfrm>
-            <a:off x="2413343" y="2465018"/>
-            <a:ext cx="9034514" cy="283494"/>
+            <a:off x="2349260" y="2444693"/>
+            <a:ext cx="9098597" cy="262867"/>
           </a:xfrm>
           <a:prstGeom prst="rect">
             <a:avLst/>
           </a:prstGeom>
         </p:spPr>
       </p:pic>
-      <p:sp>
-        <p:nvSpPr>
-          <p:cNvPr id="12" name="TextBox 11">
-            <a:extLst>
-              <a:ext uri="{FF2B5EF4-FFF2-40B4-BE49-F238E27FC236}">
-                <a16:creationId xmlns:a16="http://schemas.microsoft.com/office/drawing/2014/main" id="{582204F2-497F-465D-B427-D1F6A277BF51}"/>
-              </a:ext>
-            </a:extLst>
-          </p:cNvPr>
-          <p:cNvSpPr txBox="1"/>
-          <p:nvPr/>
-        </p:nvSpPr>
-        <p:spPr>
-          <a:xfrm>
-            <a:off x="744142" y="3147500"/>
-            <a:ext cx="10421314" cy="923330"/>
-          </a:xfrm>
-          <a:prstGeom prst="rect">
-            <a:avLst/>
-          </a:prstGeom>
-          <a:noFill/>
-        </p:spPr>
-        <p:txBody>
-          <a:bodyPr wrap="square">
-            <a:spAutoFit/>
-          </a:bodyPr>
-          <a:lstStyle/>
-          <a:p>
-            <a:r>
-              <a:rPr lang="en-US" dirty="0"/>
-              <a:t>repeat for the following </a:t>
-            </a:r>
-            <a:r>
-              <a:rPr lang="en-US"/>
-              <a:t>2 links</a:t>
-            </a:r>
-            <a:endParaRPr lang="en-US" dirty="0"/>
-          </a:p>
-          <a:p>
-            <a:r>
-              <a:rPr lang="en-US" dirty="0"/>
-              <a:t>https://cfreds-archive.nist.gov/data_leakage_case/images/pc/cfreds_2015_data_leakage_pc.7z.002</a:t>
-            </a:r>
-          </a:p>
-          <a:p>
-            <a:r>
-              <a:rPr lang="en-US" dirty="0"/>
-              <a:t>https://cfreds-archive.nist.gov/data_leakage_case/images/pc/cfreds_2015_data_leakage_pc.7z.003</a:t>
-            </a:r>
-          </a:p>
-        </p:txBody>
-      </p:sp>
     </p:spTree>
     <p:extLst>
       <p:ext uri="{BB962C8B-B14F-4D97-AF65-F5344CB8AC3E}">
@@ -18228,7 +18300,7 @@
         </p:blipFill>
         <p:spPr>
           <a:xfrm>
-            <a:off x="982330" y="1798531"/>
+            <a:off x="1277894" y="1410604"/>
             <a:ext cx="7292094" cy="419775"/>
           </a:xfrm>
           <a:prstGeom prst="rect">
@@ -18244,7 +18316,7 @@
         </p:nvSpPr>
         <p:spPr>
           <a:xfrm>
-            <a:off x="982329" y="1415620"/>
+            <a:off x="1277893" y="1027693"/>
             <a:ext cx="2382062" cy="369332"/>
           </a:xfrm>
           <a:prstGeom prst="rect">
@@ -18283,7 +18355,7 @@
         </p:blipFill>
         <p:spPr>
           <a:xfrm>
-            <a:off x="982329" y="3160684"/>
+            <a:off x="1277893" y="2772757"/>
             <a:ext cx="9003384" cy="1483034"/>
           </a:xfrm>
           <a:prstGeom prst="rect">
@@ -18299,7 +18371,7 @@
         </p:nvSpPr>
         <p:spPr>
           <a:xfrm>
-            <a:off x="982329" y="2791352"/>
+            <a:off x="1277893" y="2403425"/>
             <a:ext cx="2979277" cy="369332"/>
           </a:xfrm>
           <a:prstGeom prst="rect">
@@ -18330,7 +18402,7 @@
         </p:nvSpPr>
         <p:spPr>
           <a:xfrm rot="7978268">
-            <a:off x="9045388" y="3821518"/>
+            <a:off x="9340952" y="3433591"/>
             <a:ext cx="528918" cy="161365"/>
           </a:xfrm>
           <a:prstGeom prst="rightArrow">
@@ -18367,6 +18439,77 @@
           <a:p>
             <a:pPr algn="ctr"/>
             <a:endParaRPr lang="en-US"/>
+          </a:p>
+        </p:txBody>
+      </p:sp>
+      <p:pic>
+        <p:nvPicPr>
+          <p:cNvPr id="5" name="Picture 4">
+            <a:extLst>
+              <a:ext uri="{FF2B5EF4-FFF2-40B4-BE49-F238E27FC236}">
+                <a16:creationId xmlns:a16="http://schemas.microsoft.com/office/drawing/2014/main" id="{D918E391-70E6-4BD4-BAD0-7D2092995308}"/>
+              </a:ext>
+            </a:extLst>
+          </p:cNvPr>
+          <p:cNvPicPr>
+            <a:picLocks noChangeAspect="1"/>
+          </p:cNvPicPr>
+          <p:nvPr/>
+        </p:nvPicPr>
+        <p:blipFill>
+          <a:blip r:embed="rId5"/>
+          <a:stretch>
+            <a:fillRect/>
+          </a:stretch>
+        </p:blipFill>
+        <p:spPr>
+          <a:xfrm>
+            <a:off x="1292257" y="5198169"/>
+            <a:ext cx="8146735" cy="870122"/>
+          </a:xfrm>
+          <a:prstGeom prst="rect">
+            <a:avLst/>
+          </a:prstGeom>
+        </p:spPr>
+      </p:pic>
+      <p:sp>
+        <p:nvSpPr>
+          <p:cNvPr id="9" name="TextBox 8">
+            <a:extLst>
+              <a:ext uri="{FF2B5EF4-FFF2-40B4-BE49-F238E27FC236}">
+                <a16:creationId xmlns:a16="http://schemas.microsoft.com/office/drawing/2014/main" id="{E27F08D4-5D04-4A61-B624-17FB4B87DE1F}"/>
+              </a:ext>
+            </a:extLst>
+          </p:cNvPr>
+          <p:cNvSpPr txBox="1"/>
+          <p:nvPr/>
+        </p:nvSpPr>
+        <p:spPr>
+          <a:xfrm>
+            <a:off x="1292257" y="4828837"/>
+            <a:ext cx="3958712" cy="369332"/>
+          </a:xfrm>
+          <a:prstGeom prst="rect">
+            <a:avLst/>
+          </a:prstGeom>
+          <a:solidFill>
+            <a:srgbClr val="FFC000"/>
+          </a:solidFill>
+        </p:spPr>
+        <p:txBody>
+          <a:bodyPr wrap="none" rtlCol="0">
+            <a:spAutoFit/>
+          </a:bodyPr>
+          <a:lstStyle/>
+          <a:p>
+            <a:r>
+              <a:rPr lang="en-US" dirty="0"/>
+              <a:t>Verify the unzipped DD </a:t>
+            </a:r>
+            <a:r>
+              <a:rPr lang="en-US"/>
+              <a:t>image with MD5</a:t>
+            </a:r>
           </a:p>
         </p:txBody>
       </p:sp>

--- a/NIST_Data_Leakage_Case/NIST_Data_Leakage_00_Env_Setting.pptx
+++ b/NIST_Data_Leakage_Case/NIST_Data_Leakage_00_Env_Setting.pptx
@@ -5,7 +5,7 @@
     <p:sldMasterId id="2147483648" r:id="rId1"/>
   </p:sldMasterIdLst>
   <p:notesMasterIdLst>
-    <p:notesMasterId r:id="rId48"/>
+    <p:notesMasterId r:id="rId47"/>
   </p:notesMasterIdLst>
   <p:sldIdLst>
     <p:sldId id="256" r:id="rId2"/>
@@ -51,9 +51,8 @@
     <p:sldId id="273" r:id="rId42"/>
     <p:sldId id="276" r:id="rId43"/>
     <p:sldId id="312" r:id="rId44"/>
-    <p:sldId id="313" r:id="rId45"/>
-    <p:sldId id="316" r:id="rId46"/>
-    <p:sldId id="317" r:id="rId47"/>
+    <p:sldId id="316" r:id="rId45"/>
+    <p:sldId id="317" r:id="rId46"/>
   </p:sldIdLst>
   <p:sldSz cx="12192000" cy="6858000"/>
   <p:notesSz cx="6858000" cy="9144000"/>
@@ -163,7 +162,7 @@
 <file path=ppt/revisionInfo.xml><?xml version="1.0" encoding="utf-8"?>
 <p1510:revInfo xmlns:a="http://schemas.openxmlformats.org/drawingml/2006/main" xmlns:r="http://schemas.openxmlformats.org/officeDocument/2006/relationships" xmlns:p1510="http://schemas.microsoft.com/office/powerpoint/2015/10/main">
   <p1510:revLst>
-    <p1510:client id="{FC29E0CB-EC29-4F0E-A782-58C19F5D3434}" v="24" dt="2021-09-07T14:16:42.462"/>
+    <p1510:client id="{FC29E0CB-EC29-4F0E-A782-58C19F5D3434}" v="27" dt="2021-09-20T16:28:05.669"/>
   </p1510:revLst>
 </p1510:revInfo>
 </file>
@@ -743,13 +742,13 @@
   </pc:docChgLst>
   <pc:docChgLst>
     <pc:chgData name="Weifeng Xu" userId="e7aed605-a3dd-4d5a-a692-a87037af107b" providerId="ADAL" clId="{FC29E0CB-EC29-4F0E-A782-58C19F5D3434}"/>
-    <pc:docChg chg="undo custSel addSld modSld">
-      <pc:chgData name="Weifeng Xu" userId="e7aed605-a3dd-4d5a-a692-a87037af107b" providerId="ADAL" clId="{FC29E0CB-EC29-4F0E-A782-58C19F5D3434}" dt="2021-09-07T14:16:52.059" v="561" actId="20577"/>
+    <pc:docChg chg="undo custSel addSld delSld modSld">
+      <pc:chgData name="Weifeng Xu" userId="e7aed605-a3dd-4d5a-a692-a87037af107b" providerId="ADAL" clId="{FC29E0CB-EC29-4F0E-A782-58C19F5D3434}" dt="2021-09-20T16:30:32.168" v="605"/>
       <pc:docMkLst>
         <pc:docMk/>
       </pc:docMkLst>
       <pc:sldChg chg="addSp delSp modSp mod modNotesTx">
-        <pc:chgData name="Weifeng Xu" userId="e7aed605-a3dd-4d5a-a692-a87037af107b" providerId="ADAL" clId="{FC29E0CB-EC29-4F0E-A782-58C19F5D3434}" dt="2021-09-07T13:51:34.640" v="546" actId="20577"/>
+        <pc:chgData name="Weifeng Xu" userId="e7aed605-a3dd-4d5a-a692-a87037af107b" providerId="ADAL" clId="{FC29E0CB-EC29-4F0E-A782-58C19F5D3434}" dt="2021-09-14T22:11:38.488" v="569"/>
         <pc:sldMkLst>
           <pc:docMk/>
           <pc:sldMk cId="878550910" sldId="265"/>
@@ -999,6 +998,76 @@
             <ac:spMk id="12" creationId="{00000000-0000-0000-0000-000000000000}"/>
           </ac:spMkLst>
         </pc:spChg>
+      </pc:sldChg>
+      <pc:sldChg chg="addSp delSp modSp mod modNotesTx">
+        <pc:chgData name="Weifeng Xu" userId="e7aed605-a3dd-4d5a-a692-a87037af107b" providerId="ADAL" clId="{FC29E0CB-EC29-4F0E-A782-58C19F5D3434}" dt="2021-09-20T16:30:32.168" v="605"/>
+        <pc:sldMkLst>
+          <pc:docMk/>
+          <pc:sldMk cId="2709583132" sldId="312"/>
+        </pc:sldMkLst>
+        <pc:spChg chg="add mod">
+          <ac:chgData name="Weifeng Xu" userId="e7aed605-a3dd-4d5a-a692-a87037af107b" providerId="ADAL" clId="{FC29E0CB-EC29-4F0E-A782-58C19F5D3434}" dt="2021-09-20T16:26:01.808" v="584" actId="1076"/>
+          <ac:spMkLst>
+            <pc:docMk/>
+            <pc:sldMk cId="2709583132" sldId="312"/>
+            <ac:spMk id="9" creationId="{42AB00D0-A53D-4C4A-AD91-3198853C39D3}"/>
+          </ac:spMkLst>
+        </pc:spChg>
+        <pc:spChg chg="add mod">
+          <ac:chgData name="Weifeng Xu" userId="e7aed605-a3dd-4d5a-a692-a87037af107b" providerId="ADAL" clId="{FC29E0CB-EC29-4F0E-A782-58C19F5D3434}" dt="2021-09-20T16:28:42.560" v="602" actId="20577"/>
+          <ac:spMkLst>
+            <pc:docMk/>
+            <pc:sldMk cId="2709583132" sldId="312"/>
+            <ac:spMk id="10" creationId="{5CBBF337-05C2-4F51-9743-8345B47BEFE1}"/>
+          </ac:spMkLst>
+        </pc:spChg>
+        <pc:picChg chg="del">
+          <ac:chgData name="Weifeng Xu" userId="e7aed605-a3dd-4d5a-a692-a87037af107b" providerId="ADAL" clId="{FC29E0CB-EC29-4F0E-A782-58C19F5D3434}" dt="2021-09-20T16:24:05.613" v="571" actId="478"/>
+          <ac:picMkLst>
+            <pc:docMk/>
+            <pc:sldMk cId="2709583132" sldId="312"/>
+            <ac:picMk id="2" creationId="{00000000-0000-0000-0000-000000000000}"/>
+          </ac:picMkLst>
+        </pc:picChg>
+        <pc:picChg chg="del">
+          <ac:chgData name="Weifeng Xu" userId="e7aed605-a3dd-4d5a-a692-a87037af107b" providerId="ADAL" clId="{FC29E0CB-EC29-4F0E-A782-58C19F5D3434}" dt="2021-09-20T16:24:06.557" v="572" actId="478"/>
+          <ac:picMkLst>
+            <pc:docMk/>
+            <pc:sldMk cId="2709583132" sldId="312"/>
+            <ac:picMk id="3" creationId="{00000000-0000-0000-0000-000000000000}"/>
+          </ac:picMkLst>
+        </pc:picChg>
+        <pc:picChg chg="add mod">
+          <ac:chgData name="Weifeng Xu" userId="e7aed605-a3dd-4d5a-a692-a87037af107b" providerId="ADAL" clId="{FC29E0CB-EC29-4F0E-A782-58C19F5D3434}" dt="2021-09-20T16:25:47.091" v="578" actId="14100"/>
+          <ac:picMkLst>
+            <pc:docMk/>
+            <pc:sldMk cId="2709583132" sldId="312"/>
+            <ac:picMk id="6" creationId="{BE5CE496-954B-408D-B364-D264BBF3B892}"/>
+          </ac:picMkLst>
+        </pc:picChg>
+        <pc:picChg chg="add mod">
+          <ac:chgData name="Weifeng Xu" userId="e7aed605-a3dd-4d5a-a692-a87037af107b" providerId="ADAL" clId="{FC29E0CB-EC29-4F0E-A782-58C19F5D3434}" dt="2021-09-20T16:25:53.096" v="582" actId="14100"/>
+          <ac:picMkLst>
+            <pc:docMk/>
+            <pc:sldMk cId="2709583132" sldId="312"/>
+            <ac:picMk id="8" creationId="{93BBF421-D4C8-4591-A1B2-F7CFA06BF3D8}"/>
+          </ac:picMkLst>
+        </pc:picChg>
+      </pc:sldChg>
+      <pc:sldChg chg="delSp del mod">
+        <pc:chgData name="Weifeng Xu" userId="e7aed605-a3dd-4d5a-a692-a87037af107b" providerId="ADAL" clId="{FC29E0CB-EC29-4F0E-A782-58C19F5D3434}" dt="2021-09-20T16:28:50.802" v="603" actId="47"/>
+        <pc:sldMkLst>
+          <pc:docMk/>
+          <pc:sldMk cId="3605786217" sldId="313"/>
+        </pc:sldMkLst>
+        <pc:picChg chg="del">
+          <ac:chgData name="Weifeng Xu" userId="e7aed605-a3dd-4d5a-a692-a87037af107b" providerId="ADAL" clId="{FC29E0CB-EC29-4F0E-A782-58C19F5D3434}" dt="2021-09-20T16:24:13.908" v="573" actId="478"/>
+          <ac:picMkLst>
+            <pc:docMk/>
+            <pc:sldMk cId="3605786217" sldId="313"/>
+            <ac:picMk id="7" creationId="{00000000-0000-0000-0000-000000000000}"/>
+          </ac:picMkLst>
+        </pc:picChg>
       </pc:sldChg>
       <pc:sldChg chg="modSp mod">
         <pc:chgData name="Weifeng Xu" userId="e7aed605-a3dd-4d5a-a692-a87037af107b" providerId="ADAL" clId="{FC29E0CB-EC29-4F0E-A782-58C19F5D3434}" dt="2021-08-24T15:43:46.165" v="270" actId="20577"/>
@@ -4996,7 +5065,7 @@
           <a:p>
             <a:fld id="{EE41F6E3-57F9-402E-BDBA-5B2DE11C8530}" type="datetimeFigureOut">
               <a:rPr lang="en-US" smtClean="0"/>
-              <a:t>9/7/2021</a:t>
+              <a:t>9/20/2021</a:t>
             </a:fld>
             <a:endParaRPr lang="en-US"/>
           </a:p>
@@ -5979,6 +6048,50 @@
           <a:bodyPr/>
           <a:lstStyle/>
           <a:p>
+            <a:r>
+              <a:rPr lang="en-US" dirty="0"/>
+              <a:t>https://github.com/PoorBillionaire/Windows-Prefetch-Parser.git</a:t>
+            </a:r>
+          </a:p>
+          <a:p>
+            <a:r>
+              <a:rPr lang="en-US" dirty="0" err="1"/>
+              <a:t>sudo</a:t>
+            </a:r>
+            <a:r>
+              <a:rPr lang="en-US" dirty="0"/>
+              <a:t> update-alternatives --install /</a:t>
+            </a:r>
+            <a:r>
+              <a:rPr lang="en-US" dirty="0" err="1"/>
+              <a:t>usr</a:t>
+            </a:r>
+            <a:r>
+              <a:rPr lang="en-US" dirty="0"/>
+              <a:t>/bin/python </a:t>
+            </a:r>
+            <a:r>
+              <a:rPr lang="en-US" dirty="0" err="1"/>
+              <a:t>python</a:t>
+            </a:r>
+            <a:r>
+              <a:rPr lang="en-US" dirty="0"/>
+              <a:t> /</a:t>
+            </a:r>
+            <a:r>
+              <a:rPr lang="en-US" dirty="0" err="1"/>
+              <a:t>usr</a:t>
+            </a:r>
+            <a:r>
+              <a:rPr lang="en-US" dirty="0"/>
+              <a:t>/bin/python3.9 1</a:t>
+            </a:r>
+          </a:p>
+          <a:p>
+            <a:r>
+              <a:rPr lang="en-US"/>
+              <a:t>https://medium.com/analytics-vidhya/how-to-install-and-switch-between-different-python-versions-in-ubuntu-16-04-dc1726796b9b</a:t>
+            </a:r>
             <a:endParaRPr lang="en-US" dirty="0"/>
           </a:p>
         </p:txBody>
@@ -6065,34 +6178,8 @@
           <a:p>
             <a:r>
               <a:rPr lang="en-US" dirty="0"/>
-              <a:t>Debug</a:t>
-            </a:r>
-          </a:p>
-          <a:p>
-            <a:endParaRPr lang="en-US" dirty="0">
-              <a:solidFill>
-                <a:srgbClr val="FF0000"/>
-              </a:solidFill>
-            </a:endParaRPr>
-          </a:p>
-          <a:p>
-            <a:r>
-              <a:rPr lang="en-US" dirty="0">
-                <a:solidFill>
-                  <a:srgbClr val="FF0000"/>
-                </a:solidFill>
-              </a:rPr>
-              <a:t>apt-ge</a:t>
-            </a:r>
-            <a:r>
-              <a:rPr lang="en-US" dirty="0"/>
-              <a:t>t install python-</a:t>
-            </a:r>
-            <a:r>
-              <a:rPr lang="en-US" dirty="0" err="1"/>
-              <a:t>setuptools</a:t>
-            </a:r>
-            <a:endParaRPr lang="en-US" dirty="0"/>
+              <a:t>Apt-get install python3-evtx</a:t>
+            </a:r>
           </a:p>
         </p:txBody>
       </p:sp>
@@ -6113,94 +6200,7 @@
           <a:p>
             <a:fld id="{DDBF98C7-164A-4723-84F0-B1E4B080DDEC}" type="slidenum">
               <a:rPr lang="en-US" smtClean="0"/>
-              <a:t>44</a:t>
-            </a:fld>
-            <a:endParaRPr lang="en-US"/>
-          </a:p>
-        </p:txBody>
-      </p:sp>
-    </p:spTree>
-    <p:extLst>
-      <p:ext uri="{BB962C8B-B14F-4D97-AF65-F5344CB8AC3E}">
-        <p14:creationId xmlns:p14="http://schemas.microsoft.com/office/powerpoint/2010/main" val="2032092198"/>
-      </p:ext>
-    </p:extLst>
-  </p:cSld>
-  <p:clrMapOvr>
-    <a:masterClrMapping/>
-  </p:clrMapOvr>
-</p:notes>
-</file>
-
-<file path=ppt/notesSlides/notesSlide17.xml><?xml version="1.0" encoding="utf-8"?>
-<p:notes xmlns:a="http://schemas.openxmlformats.org/drawingml/2006/main" xmlns:r="http://schemas.openxmlformats.org/officeDocument/2006/relationships" xmlns:p="http://schemas.openxmlformats.org/presentationml/2006/main">
-  <p:cSld>
-    <p:spTree>
-      <p:nvGrpSpPr>
-        <p:cNvPr id="1" name=""/>
-        <p:cNvGrpSpPr/>
-        <p:nvPr/>
-      </p:nvGrpSpPr>
-      <p:grpSpPr>
-        <a:xfrm>
-          <a:off x="0" y="0"/>
-          <a:ext cx="0" cy="0"/>
-          <a:chOff x="0" y="0"/>
-          <a:chExt cx="0" cy="0"/>
-        </a:xfrm>
-      </p:grpSpPr>
-      <p:sp>
-        <p:nvSpPr>
-          <p:cNvPr id="2" name="Slide Image Placeholder 1"/>
-          <p:cNvSpPr>
-            <a:spLocks noGrp="1" noRot="1" noChangeAspect="1"/>
-          </p:cNvSpPr>
-          <p:nvPr>
-            <p:ph type="sldImg"/>
-          </p:nvPr>
-        </p:nvSpPr>
-        <p:spPr/>
-      </p:sp>
-      <p:sp>
-        <p:nvSpPr>
-          <p:cNvPr id="3" name="Notes Placeholder 2"/>
-          <p:cNvSpPr>
-            <a:spLocks noGrp="1"/>
-          </p:cNvSpPr>
-          <p:nvPr>
-            <p:ph type="body" idx="1"/>
-          </p:nvPr>
-        </p:nvSpPr>
-        <p:spPr/>
-        <p:txBody>
-          <a:bodyPr/>
-          <a:lstStyle/>
-          <a:p>
-            <a:r>
-              <a:rPr lang="en-US" dirty="0"/>
-              <a:t>Apt-get install python3-evtx</a:t>
-            </a:r>
-          </a:p>
-        </p:txBody>
-      </p:sp>
-      <p:sp>
-        <p:nvSpPr>
-          <p:cNvPr id="4" name="Slide Number Placeholder 3"/>
-          <p:cNvSpPr>
-            <a:spLocks noGrp="1"/>
-          </p:cNvSpPr>
-          <p:nvPr>
-            <p:ph type="sldNum" sz="quarter" idx="10"/>
-          </p:nvPr>
-        </p:nvSpPr>
-        <p:spPr/>
-        <p:txBody>
-          <a:bodyPr/>
-          <a:lstStyle/>
-          <a:p>
-            <a:fld id="{DDBF98C7-164A-4723-84F0-B1E4B080DDEC}" type="slidenum">
-              <a:rPr lang="en-US" smtClean="0"/>
-              <a:t>46</a:t>
+              <a:t>45</a:t>
             </a:fld>
             <a:endParaRPr lang="en-US"/>
           </a:p>
@@ -6360,12 +6360,8 @@
           <a:lstStyle/>
           <a:p>
             <a:r>
-              <a:rPr lang="en-US" dirty="0" err="1"/>
-              <a:t>mkdir</a:t>
-            </a:r>
-            <a:r>
-              <a:rPr lang="en-US" dirty="0"/>
-              <a:t> cd lab</a:t>
+              <a:rPr lang="en-US" dirty="0"/>
+              <a:t>cd lab</a:t>
             </a:r>
           </a:p>
           <a:p>
@@ -7336,7 +7332,7 @@
           <a:p>
             <a:fld id="{4263717A-E3C1-4BED-ABE0-B7069385E023}" type="datetimeFigureOut">
               <a:rPr lang="en-US" smtClean="0"/>
-              <a:t>9/7/2021</a:t>
+              <a:t>9/20/2021</a:t>
             </a:fld>
             <a:endParaRPr lang="en-US"/>
           </a:p>
@@ -7509,7 +7505,7 @@
           <a:p>
             <a:fld id="{4263717A-E3C1-4BED-ABE0-B7069385E023}" type="datetimeFigureOut">
               <a:rPr lang="en-US" smtClean="0"/>
-              <a:t>9/7/2021</a:t>
+              <a:t>9/20/2021</a:t>
             </a:fld>
             <a:endParaRPr lang="en-US"/>
           </a:p>
@@ -7687,7 +7683,7 @@
           <a:p>
             <a:fld id="{4263717A-E3C1-4BED-ABE0-B7069385E023}" type="datetimeFigureOut">
               <a:rPr lang="en-US" smtClean="0"/>
-              <a:t>9/7/2021</a:t>
+              <a:t>9/20/2021</a:t>
             </a:fld>
             <a:endParaRPr lang="en-US"/>
           </a:p>
@@ -7855,7 +7851,7 @@
           <a:p>
             <a:fld id="{4263717A-E3C1-4BED-ABE0-B7069385E023}" type="datetimeFigureOut">
               <a:rPr lang="en-US" smtClean="0"/>
-              <a:t>9/7/2021</a:t>
+              <a:t>9/20/2021</a:t>
             </a:fld>
             <a:endParaRPr lang="en-US"/>
           </a:p>
@@ -8100,7 +8096,7 @@
           <a:p>
             <a:fld id="{4263717A-E3C1-4BED-ABE0-B7069385E023}" type="datetimeFigureOut">
               <a:rPr lang="en-US" smtClean="0"/>
-              <a:t>9/7/2021</a:t>
+              <a:t>9/20/2021</a:t>
             </a:fld>
             <a:endParaRPr lang="en-US"/>
           </a:p>
@@ -8329,7 +8325,7 @@
           <a:p>
             <a:fld id="{4263717A-E3C1-4BED-ABE0-B7069385E023}" type="datetimeFigureOut">
               <a:rPr lang="en-US" smtClean="0"/>
-              <a:t>9/7/2021</a:t>
+              <a:t>9/20/2021</a:t>
             </a:fld>
             <a:endParaRPr lang="en-US"/>
           </a:p>
@@ -8693,7 +8689,7 @@
           <a:p>
             <a:fld id="{4263717A-E3C1-4BED-ABE0-B7069385E023}" type="datetimeFigureOut">
               <a:rPr lang="en-US" smtClean="0"/>
-              <a:t>9/7/2021</a:t>
+              <a:t>9/20/2021</a:t>
             </a:fld>
             <a:endParaRPr lang="en-US"/>
           </a:p>
@@ -8810,7 +8806,7 @@
           <a:p>
             <a:fld id="{4263717A-E3C1-4BED-ABE0-B7069385E023}" type="datetimeFigureOut">
               <a:rPr lang="en-US" smtClean="0"/>
-              <a:t>9/7/2021</a:t>
+              <a:t>9/20/2021</a:t>
             </a:fld>
             <a:endParaRPr lang="en-US"/>
           </a:p>
@@ -8905,7 +8901,7 @@
           <a:p>
             <a:fld id="{4263717A-E3C1-4BED-ABE0-B7069385E023}" type="datetimeFigureOut">
               <a:rPr lang="en-US" smtClean="0"/>
-              <a:t>9/7/2021</a:t>
+              <a:t>9/20/2021</a:t>
             </a:fld>
             <a:endParaRPr lang="en-US"/>
           </a:p>
@@ -9180,7 +9176,7 @@
           <a:p>
             <a:fld id="{4263717A-E3C1-4BED-ABE0-B7069385E023}" type="datetimeFigureOut">
               <a:rPr lang="en-US" smtClean="0"/>
-              <a:t>9/7/2021</a:t>
+              <a:t>9/20/2021</a:t>
             </a:fld>
             <a:endParaRPr lang="en-US"/>
           </a:p>
@@ -9432,7 +9428,7 @@
           <a:p>
             <a:fld id="{4263717A-E3C1-4BED-ABE0-B7069385E023}" type="datetimeFigureOut">
               <a:rPr lang="en-US" smtClean="0"/>
-              <a:t>9/7/2021</a:t>
+              <a:t>9/20/2021</a:t>
             </a:fld>
             <a:endParaRPr lang="en-US"/>
           </a:p>
@@ -9643,7 +9639,7 @@
           <a:p>
             <a:fld id="{4263717A-E3C1-4BED-ABE0-B7069385E023}" type="datetimeFigureOut">
               <a:rPr lang="en-US" smtClean="0"/>
-              <a:t>9/7/2021</a:t>
+              <a:t>9/20/2021</a:t>
             </a:fld>
             <a:endParaRPr lang="en-US"/>
           </a:p>
@@ -17409,9 +17405,61 @@
           <a:chExt cx="0" cy="0"/>
         </a:xfrm>
       </p:grpSpPr>
+      <p:sp>
+        <p:nvSpPr>
+          <p:cNvPr id="4" name="Title 3"/>
+          <p:cNvSpPr>
+            <a:spLocks noGrp="1"/>
+          </p:cNvSpPr>
+          <p:nvPr>
+            <p:ph type="title"/>
+          </p:nvPr>
+        </p:nvSpPr>
+        <p:spPr/>
+        <p:txBody>
+          <a:bodyPr/>
+          <a:lstStyle/>
+          <a:p>
+            <a:r>
+              <a:rPr lang="en-US" dirty="0"/>
+              <a:t>7.3 Install </a:t>
+            </a:r>
+            <a:r>
+              <a:rPr lang="en-US" i="1" dirty="0">
+                <a:solidFill>
+                  <a:srgbClr val="007DB5"/>
+                </a:solidFill>
+              </a:rPr>
+              <a:t>Windows-</a:t>
+            </a:r>
+            <a:r>
+              <a:rPr lang="en-US" i="1" dirty="0" err="1">
+                <a:solidFill>
+                  <a:srgbClr val="007DB5"/>
+                </a:solidFill>
+              </a:rPr>
+              <a:t>Prefetch</a:t>
+            </a:r>
+            <a:r>
+              <a:rPr lang="en-US" i="1" dirty="0">
+                <a:solidFill>
+                  <a:srgbClr val="007DB5"/>
+                </a:solidFill>
+              </a:rPr>
+              <a:t>-Parser</a:t>
+            </a:r>
+          </a:p>
+        </p:txBody>
+      </p:sp>
       <p:pic>
         <p:nvPicPr>
-          <p:cNvPr id="2" name="Picture 1"/>
+          <p:cNvPr id="6" name="Picture 5">
+            <a:extLst>
+              <a:ext uri="{FF2B5EF4-FFF2-40B4-BE49-F238E27FC236}">
+                <a16:creationId xmlns:a16="http://schemas.microsoft.com/office/drawing/2014/main" id="{BE5CE496-954B-408D-B364-D264BBF3B892}"/>
+              </a:ext>
+            </a:extLst>
+          </p:cNvPr>
           <p:cNvPicPr>
             <a:picLocks noChangeAspect="1"/>
           </p:cNvPicPr>
@@ -17425,8 +17473,8 @@
         </p:blipFill>
         <p:spPr>
           <a:xfrm>
-            <a:off x="785580" y="1690688"/>
-            <a:ext cx="10773768" cy="2132575"/>
+            <a:off x="838199" y="1914573"/>
+            <a:ext cx="9455563" cy="1169286"/>
           </a:xfrm>
           <a:prstGeom prst="rect">
             <a:avLst/>
@@ -17435,7 +17483,13 @@
       </p:pic>
       <p:pic>
         <p:nvPicPr>
-          <p:cNvPr id="3" name="Picture 2"/>
+          <p:cNvPr id="8" name="Picture 7">
+            <a:extLst>
+              <a:ext uri="{FF2B5EF4-FFF2-40B4-BE49-F238E27FC236}">
+                <a16:creationId xmlns:a16="http://schemas.microsoft.com/office/drawing/2014/main" id="{93BBF421-D4C8-4591-A1B2-F7CFA06BF3D8}"/>
+              </a:ext>
+            </a:extLst>
+          </p:cNvPr>
           <p:cNvPicPr>
             <a:picLocks noChangeAspect="1"/>
           </p:cNvPicPr>
@@ -17449,8 +17503,8 @@
         </p:blipFill>
         <p:spPr>
           <a:xfrm>
-            <a:off x="796953" y="3898912"/>
-            <a:ext cx="9065429" cy="2325438"/>
+            <a:off x="838199" y="3879963"/>
+            <a:ext cx="9395206" cy="2305684"/>
           </a:xfrm>
           <a:prstGeom prst="rect">
             <a:avLst/>
@@ -17459,46 +17513,94 @@
       </p:pic>
       <p:sp>
         <p:nvSpPr>
-          <p:cNvPr id="4" name="Title 3"/>
-          <p:cNvSpPr>
-            <a:spLocks noGrp="1"/>
-          </p:cNvSpPr>
-          <p:nvPr>
-            <p:ph type="title"/>
-          </p:nvPr>
-        </p:nvSpPr>
-        <p:spPr/>
-        <p:txBody>
-          <a:bodyPr/>
-          <a:lstStyle/>
-          <a:p>
-            <a:r>
-              <a:rPr lang="en-US" dirty="0"/>
-              <a:t>7.3 Install </a:t>
-            </a:r>
-            <a:r>
-              <a:rPr lang="en-US" i="1" dirty="0">
+          <p:cNvPr id="9" name="TextBox 8">
+            <a:extLst>
+              <a:ext uri="{FF2B5EF4-FFF2-40B4-BE49-F238E27FC236}">
+                <a16:creationId xmlns:a16="http://schemas.microsoft.com/office/drawing/2014/main" id="{42AB00D0-A53D-4C4A-AD91-3198853C39D3}"/>
+              </a:ext>
+            </a:extLst>
+          </p:cNvPr>
+          <p:cNvSpPr txBox="1"/>
+          <p:nvPr/>
+        </p:nvSpPr>
+        <p:spPr>
+          <a:xfrm>
+            <a:off x="838199" y="3510631"/>
+            <a:ext cx="2604046" cy="369332"/>
+          </a:xfrm>
+          <a:prstGeom prst="rect">
+            <a:avLst/>
+          </a:prstGeom>
+          <a:solidFill>
+            <a:srgbClr val="FFC000"/>
+          </a:solidFill>
+        </p:spPr>
+        <p:txBody>
+          <a:bodyPr wrap="none" rtlCol="0">
+            <a:spAutoFit/>
+          </a:bodyPr>
+          <a:lstStyle/>
+          <a:p>
+            <a:r>
+              <a:rPr lang="en-US" dirty="0"/>
+              <a:t>Test if </a:t>
+            </a:r>
+            <a:r>
+              <a:rPr lang="en-US" i="1" dirty="0" err="1">
                 <a:solidFill>
-                  <a:srgbClr val="007DB5"/>
+                  <a:schemeClr val="accent6"/>
                 </a:solidFill>
               </a:rPr>
-              <a:t>Windows-</a:t>
-            </a:r>
-            <a:r>
-              <a:rPr lang="en-US" i="1" dirty="0" err="1">
+              <a:t>prefetch</a:t>
+            </a:r>
+            <a:r>
+              <a:rPr lang="en-US" dirty="0">
                 <a:solidFill>
-                  <a:srgbClr val="007DB5"/>
+                  <a:schemeClr val="accent6"/>
                 </a:solidFill>
               </a:rPr>
-              <a:t>Prefetch</a:t>
-            </a:r>
-            <a:r>
-              <a:rPr lang="en-US" i="1" dirty="0">
-                <a:solidFill>
-                  <a:srgbClr val="007DB5"/>
-                </a:solidFill>
-              </a:rPr>
-              <a:t>-Parser</a:t>
+              <a:t> </a:t>
+            </a:r>
+            <a:r>
+              <a:rPr lang="en-US" dirty="0"/>
+              <a:t>tool works</a:t>
+            </a:r>
+          </a:p>
+        </p:txBody>
+      </p:sp>
+      <p:sp>
+        <p:nvSpPr>
+          <p:cNvPr id="10" name="TextBox 9">
+            <a:extLst>
+              <a:ext uri="{FF2B5EF4-FFF2-40B4-BE49-F238E27FC236}">
+                <a16:creationId xmlns:a16="http://schemas.microsoft.com/office/drawing/2014/main" id="{5CBBF337-05C2-4F51-9743-8345B47BEFE1}"/>
+              </a:ext>
+            </a:extLst>
+          </p:cNvPr>
+          <p:cNvSpPr txBox="1"/>
+          <p:nvPr/>
+        </p:nvSpPr>
+        <p:spPr>
+          <a:xfrm>
+            <a:off x="838199" y="1553909"/>
+            <a:ext cx="1388778" cy="369332"/>
+          </a:xfrm>
+          <a:prstGeom prst="rect">
+            <a:avLst/>
+          </a:prstGeom>
+          <a:solidFill>
+            <a:srgbClr val="FFC000"/>
+          </a:solidFill>
+        </p:spPr>
+        <p:txBody>
+          <a:bodyPr wrap="none" rtlCol="0">
+            <a:spAutoFit/>
+          </a:bodyPr>
+          <a:lstStyle/>
+          <a:p>
+            <a:r>
+              <a:rPr lang="en-US" dirty="0"/>
+              <a:t>Install parser</a:t>
             </a:r>
           </a:p>
         </p:txBody>
@@ -17535,111 +17637,6 @@
       </p:grpSpPr>
       <p:sp>
         <p:nvSpPr>
-          <p:cNvPr id="6" name="TextBox 5"/>
-          <p:cNvSpPr txBox="1"/>
-          <p:nvPr/>
-        </p:nvSpPr>
-        <p:spPr>
-          <a:xfrm>
-            <a:off x="1182118" y="1626555"/>
-            <a:ext cx="2604046" cy="369332"/>
-          </a:xfrm>
-          <a:prstGeom prst="rect">
-            <a:avLst/>
-          </a:prstGeom>
-          <a:solidFill>
-            <a:srgbClr val="FFC000"/>
-          </a:solidFill>
-        </p:spPr>
-        <p:txBody>
-          <a:bodyPr wrap="none" rtlCol="0">
-            <a:spAutoFit/>
-          </a:bodyPr>
-          <a:lstStyle/>
-          <a:p>
-            <a:r>
-              <a:rPr lang="en-US" dirty="0"/>
-              <a:t>Test if </a:t>
-            </a:r>
-            <a:r>
-              <a:rPr lang="en-US" i="1" dirty="0" err="1">
-                <a:solidFill>
-                  <a:schemeClr val="accent6"/>
-                </a:solidFill>
-              </a:rPr>
-              <a:t>prefetch</a:t>
-            </a:r>
-            <a:r>
-              <a:rPr lang="en-US" dirty="0">
-                <a:solidFill>
-                  <a:schemeClr val="accent6"/>
-                </a:solidFill>
-              </a:rPr>
-              <a:t> </a:t>
-            </a:r>
-            <a:r>
-              <a:rPr lang="en-US" dirty="0"/>
-              <a:t>tool works</a:t>
-            </a:r>
-          </a:p>
-        </p:txBody>
-      </p:sp>
-      <p:pic>
-        <p:nvPicPr>
-          <p:cNvPr id="7" name="Picture 6"/>
-          <p:cNvPicPr>
-            <a:picLocks noChangeAspect="1"/>
-          </p:cNvPicPr>
-          <p:nvPr/>
-        </p:nvPicPr>
-        <p:blipFill>
-          <a:blip r:embed="rId3"/>
-          <a:stretch>
-            <a:fillRect/>
-          </a:stretch>
-        </p:blipFill>
-        <p:spPr>
-          <a:xfrm>
-            <a:off x="1182118" y="2016721"/>
-            <a:ext cx="9389102" cy="3270868"/>
-          </a:xfrm>
-          <a:prstGeom prst="rect">
-            <a:avLst/>
-          </a:prstGeom>
-        </p:spPr>
-      </p:pic>
-    </p:spTree>
-    <p:extLst>
-      <p:ext uri="{BB962C8B-B14F-4D97-AF65-F5344CB8AC3E}">
-        <p14:creationId xmlns:p14="http://schemas.microsoft.com/office/powerpoint/2010/main" val="3605786217"/>
-      </p:ext>
-    </p:extLst>
-  </p:cSld>
-  <p:clrMapOvr>
-    <a:masterClrMapping/>
-  </p:clrMapOvr>
-</p:sld>
-</file>
-
-<file path=ppt/slides/slide45.xml><?xml version="1.0" encoding="utf-8"?>
-<p:sld xmlns:a="http://schemas.openxmlformats.org/drawingml/2006/main" xmlns:r="http://schemas.openxmlformats.org/officeDocument/2006/relationships" xmlns:p="http://schemas.openxmlformats.org/presentationml/2006/main">
-  <p:cSld>
-    <p:spTree>
-      <p:nvGrpSpPr>
-        <p:cNvPr id="1" name=""/>
-        <p:cNvGrpSpPr/>
-        <p:nvPr/>
-      </p:nvGrpSpPr>
-      <p:grpSpPr>
-        <a:xfrm>
-          <a:off x="0" y="0"/>
-          <a:ext cx="0" cy="0"/>
-          <a:chOff x="0" y="0"/>
-          <a:chExt cx="0" cy="0"/>
-        </a:xfrm>
-      </p:grpSpPr>
-      <p:sp>
-        <p:nvSpPr>
           <p:cNvPr id="4" name="Title 3"/>
           <p:cNvSpPr>
             <a:spLocks noGrp="1"/>
@@ -17749,7 +17746,7 @@
 </p:sld>
 </file>
 
-<file path=ppt/slides/slide46.xml><?xml version="1.0" encoding="utf-8"?>
+<file path=ppt/slides/slide45.xml><?xml version="1.0" encoding="utf-8"?>
 <p:sld xmlns:a="http://schemas.openxmlformats.org/drawingml/2006/main" xmlns:r="http://schemas.openxmlformats.org/officeDocument/2006/relationships" xmlns:p="http://schemas.openxmlformats.org/presentationml/2006/main">
   <p:cSld>
     <p:spTree>

--- a/NIST_Data_Leakage_Case/NIST_Data_Leakage_00_Env_Setting.pptx
+++ b/NIST_Data_Leakage_Case/NIST_Data_Leakage_00_Env_Setting.pptx
@@ -5,7 +5,7 @@
     <p:sldMasterId id="2147483648" r:id="rId1"/>
   </p:sldMasterIdLst>
   <p:notesMasterIdLst>
-    <p:notesMasterId r:id="rId47"/>
+    <p:notesMasterId r:id="rId48"/>
   </p:notesMasterIdLst>
   <p:sldIdLst>
     <p:sldId id="256" r:id="rId2"/>
@@ -51,8 +51,9 @@
     <p:sldId id="273" r:id="rId42"/>
     <p:sldId id="276" r:id="rId43"/>
     <p:sldId id="312" r:id="rId44"/>
-    <p:sldId id="316" r:id="rId45"/>
-    <p:sldId id="317" r:id="rId46"/>
+    <p:sldId id="325" r:id="rId45"/>
+    <p:sldId id="316" r:id="rId46"/>
+    <p:sldId id="317" r:id="rId47"/>
   </p:sldIdLst>
   <p:sldSz cx="12192000" cy="6858000"/>
   <p:notesSz cx="6858000" cy="9144000"/>
@@ -162,7 +163,7 @@
 <file path=ppt/revisionInfo.xml><?xml version="1.0" encoding="utf-8"?>
 <p1510:revInfo xmlns:a="http://schemas.openxmlformats.org/drawingml/2006/main" xmlns:r="http://schemas.openxmlformats.org/officeDocument/2006/relationships" xmlns:p1510="http://schemas.microsoft.com/office/powerpoint/2015/10/main">
   <p1510:revLst>
-    <p1510:client id="{FC29E0CB-EC29-4F0E-A782-58C19F5D3434}" v="27" dt="2021-09-20T16:28:05.669"/>
+    <p1510:client id="{FC29E0CB-EC29-4F0E-A782-58C19F5D3434}" v="28" dt="2021-09-22T20:16:07.016"/>
   </p1510:revLst>
 </p1510:revInfo>
 </file>
@@ -743,7 +744,7 @@
   <pc:docChgLst>
     <pc:chgData name="Weifeng Xu" userId="e7aed605-a3dd-4d5a-a692-a87037af107b" providerId="ADAL" clId="{FC29E0CB-EC29-4F0E-A782-58C19F5D3434}"/>
     <pc:docChg chg="undo custSel addSld delSld modSld">
-      <pc:chgData name="Weifeng Xu" userId="e7aed605-a3dd-4d5a-a692-a87037af107b" providerId="ADAL" clId="{FC29E0CB-EC29-4F0E-A782-58C19F5D3434}" dt="2021-09-20T16:30:32.168" v="605"/>
+      <pc:chgData name="Weifeng Xu" userId="e7aed605-a3dd-4d5a-a692-a87037af107b" providerId="ADAL" clId="{FC29E0CB-EC29-4F0E-A782-58C19F5D3434}" dt="2021-09-22T20:16:23.803" v="632" actId="114"/>
       <pc:docMkLst>
         <pc:docMk/>
       </pc:docMkLst>
@@ -1286,6 +1287,37 @@
             <pc:docMk/>
             <pc:sldMk cId="705781261" sldId="324"/>
             <ac:picMk id="3" creationId="{A767EFEE-ABBF-49DE-8475-713DB24442E1}"/>
+          </ac:picMkLst>
+        </pc:picChg>
+      </pc:sldChg>
+      <pc:sldChg chg="addSp delSp modSp new mod modClrScheme chgLayout">
+        <pc:chgData name="Weifeng Xu" userId="e7aed605-a3dd-4d5a-a692-a87037af107b" providerId="ADAL" clId="{FC29E0CB-EC29-4F0E-A782-58C19F5D3434}" dt="2021-09-22T20:16:23.803" v="632" actId="114"/>
+        <pc:sldMkLst>
+          <pc:docMk/>
+          <pc:sldMk cId="1251439688" sldId="325"/>
+        </pc:sldMkLst>
+        <pc:spChg chg="del">
+          <ac:chgData name="Weifeng Xu" userId="e7aed605-a3dd-4d5a-a692-a87037af107b" providerId="ADAL" clId="{FC29E0CB-EC29-4F0E-A782-58C19F5D3434}" dt="2021-09-22T20:15:44.544" v="607" actId="700"/>
+          <ac:spMkLst>
+            <pc:docMk/>
+            <pc:sldMk cId="1251439688" sldId="325"/>
+            <ac:spMk id="2" creationId="{8BD14316-BFB1-47E9-A1E6-86D8485822BC}"/>
+          </ac:spMkLst>
+        </pc:spChg>
+        <pc:spChg chg="add mod">
+          <ac:chgData name="Weifeng Xu" userId="e7aed605-a3dd-4d5a-a692-a87037af107b" providerId="ADAL" clId="{FC29E0CB-EC29-4F0E-A782-58C19F5D3434}" dt="2021-09-22T20:16:23.803" v="632" actId="114"/>
+          <ac:spMkLst>
+            <pc:docMk/>
+            <pc:sldMk cId="1251439688" sldId="325"/>
+            <ac:spMk id="5" creationId="{E4DF9D08-35BB-42A4-B212-9166ADF7916C}"/>
+          </ac:spMkLst>
+        </pc:spChg>
+        <pc:picChg chg="add mod">
+          <ac:chgData name="Weifeng Xu" userId="e7aed605-a3dd-4d5a-a692-a87037af107b" providerId="ADAL" clId="{FC29E0CB-EC29-4F0E-A782-58C19F5D3434}" dt="2021-09-22T20:16:02.329" v="609" actId="1076"/>
+          <ac:picMkLst>
+            <pc:docMk/>
+            <pc:sldMk cId="1251439688" sldId="325"/>
+            <ac:picMk id="4" creationId="{9EE17AC1-1F19-4B03-B997-5FB2A256C820}"/>
           </ac:picMkLst>
         </pc:picChg>
       </pc:sldChg>
@@ -5065,7 +5097,7 @@
           <a:p>
             <a:fld id="{EE41F6E3-57F9-402E-BDBA-5B2DE11C8530}" type="datetimeFigureOut">
               <a:rPr lang="en-US" smtClean="0"/>
-              <a:t>9/20/2021</a:t>
+              <a:t>9/22/2021</a:t>
             </a:fld>
             <a:endParaRPr lang="en-US"/>
           </a:p>
@@ -6200,7 +6232,7 @@
           <a:p>
             <a:fld id="{DDBF98C7-164A-4723-84F0-B1E4B080DDEC}" type="slidenum">
               <a:rPr lang="en-US" smtClean="0"/>
-              <a:t>45</a:t>
+              <a:t>46</a:t>
             </a:fld>
             <a:endParaRPr lang="en-US"/>
           </a:p>
@@ -7332,7 +7364,7 @@
           <a:p>
             <a:fld id="{4263717A-E3C1-4BED-ABE0-B7069385E023}" type="datetimeFigureOut">
               <a:rPr lang="en-US" smtClean="0"/>
-              <a:t>9/20/2021</a:t>
+              <a:t>9/22/2021</a:t>
             </a:fld>
             <a:endParaRPr lang="en-US"/>
           </a:p>
@@ -7505,7 +7537,7 @@
           <a:p>
             <a:fld id="{4263717A-E3C1-4BED-ABE0-B7069385E023}" type="datetimeFigureOut">
               <a:rPr lang="en-US" smtClean="0"/>
-              <a:t>9/20/2021</a:t>
+              <a:t>9/22/2021</a:t>
             </a:fld>
             <a:endParaRPr lang="en-US"/>
           </a:p>
@@ -7683,7 +7715,7 @@
           <a:p>
             <a:fld id="{4263717A-E3C1-4BED-ABE0-B7069385E023}" type="datetimeFigureOut">
               <a:rPr lang="en-US" smtClean="0"/>
-              <a:t>9/20/2021</a:t>
+              <a:t>9/22/2021</a:t>
             </a:fld>
             <a:endParaRPr lang="en-US"/>
           </a:p>
@@ -7851,7 +7883,7 @@
           <a:p>
             <a:fld id="{4263717A-E3C1-4BED-ABE0-B7069385E023}" type="datetimeFigureOut">
               <a:rPr lang="en-US" smtClean="0"/>
-              <a:t>9/20/2021</a:t>
+              <a:t>9/22/2021</a:t>
             </a:fld>
             <a:endParaRPr lang="en-US"/>
           </a:p>
@@ -8096,7 +8128,7 @@
           <a:p>
             <a:fld id="{4263717A-E3C1-4BED-ABE0-B7069385E023}" type="datetimeFigureOut">
               <a:rPr lang="en-US" smtClean="0"/>
-              <a:t>9/20/2021</a:t>
+              <a:t>9/22/2021</a:t>
             </a:fld>
             <a:endParaRPr lang="en-US"/>
           </a:p>
@@ -8325,7 +8357,7 @@
           <a:p>
             <a:fld id="{4263717A-E3C1-4BED-ABE0-B7069385E023}" type="datetimeFigureOut">
               <a:rPr lang="en-US" smtClean="0"/>
-              <a:t>9/20/2021</a:t>
+              <a:t>9/22/2021</a:t>
             </a:fld>
             <a:endParaRPr lang="en-US"/>
           </a:p>
@@ -8689,7 +8721,7 @@
           <a:p>
             <a:fld id="{4263717A-E3C1-4BED-ABE0-B7069385E023}" type="datetimeFigureOut">
               <a:rPr lang="en-US" smtClean="0"/>
-              <a:t>9/20/2021</a:t>
+              <a:t>9/22/2021</a:t>
             </a:fld>
             <a:endParaRPr lang="en-US"/>
           </a:p>
@@ -8806,7 +8838,7 @@
           <a:p>
             <a:fld id="{4263717A-E3C1-4BED-ABE0-B7069385E023}" type="datetimeFigureOut">
               <a:rPr lang="en-US" smtClean="0"/>
-              <a:t>9/20/2021</a:t>
+              <a:t>9/22/2021</a:t>
             </a:fld>
             <a:endParaRPr lang="en-US"/>
           </a:p>
@@ -8901,7 +8933,7 @@
           <a:p>
             <a:fld id="{4263717A-E3C1-4BED-ABE0-B7069385E023}" type="datetimeFigureOut">
               <a:rPr lang="en-US" smtClean="0"/>
-              <a:t>9/20/2021</a:t>
+              <a:t>9/22/2021</a:t>
             </a:fld>
             <a:endParaRPr lang="en-US"/>
           </a:p>
@@ -9176,7 +9208,7 @@
           <a:p>
             <a:fld id="{4263717A-E3C1-4BED-ABE0-B7069385E023}" type="datetimeFigureOut">
               <a:rPr lang="en-US" smtClean="0"/>
-              <a:t>9/20/2021</a:t>
+              <a:t>9/22/2021</a:t>
             </a:fld>
             <a:endParaRPr lang="en-US"/>
           </a:p>
@@ -9428,7 +9460,7 @@
           <a:p>
             <a:fld id="{4263717A-E3C1-4BED-ABE0-B7069385E023}" type="datetimeFigureOut">
               <a:rPr lang="en-US" smtClean="0"/>
-              <a:t>9/20/2021</a:t>
+              <a:t>9/22/2021</a:t>
             </a:fld>
             <a:endParaRPr lang="en-US"/>
           </a:p>
@@ -9639,7 +9671,7 @@
           <a:p>
             <a:fld id="{4263717A-E3C1-4BED-ABE0-B7069385E023}" type="datetimeFigureOut">
               <a:rPr lang="en-US" smtClean="0"/>
-              <a:t>9/20/2021</a:t>
+              <a:t>9/22/2021</a:t>
             </a:fld>
             <a:endParaRPr lang="en-US"/>
           </a:p>
@@ -17635,6 +17667,111 @@
           <a:chExt cx="0" cy="0"/>
         </a:xfrm>
       </p:grpSpPr>
+      <p:pic>
+        <p:nvPicPr>
+          <p:cNvPr id="4" name="Picture 3">
+            <a:extLst>
+              <a:ext uri="{FF2B5EF4-FFF2-40B4-BE49-F238E27FC236}">
+                <a16:creationId xmlns:a16="http://schemas.microsoft.com/office/drawing/2014/main" id="{9EE17AC1-1F19-4B03-B997-5FB2A256C820}"/>
+              </a:ext>
+            </a:extLst>
+          </p:cNvPr>
+          <p:cNvPicPr>
+            <a:picLocks noChangeAspect="1"/>
+          </p:cNvPicPr>
+          <p:nvPr/>
+        </p:nvPicPr>
+        <p:blipFill>
+          <a:blip r:embed="rId2"/>
+          <a:stretch>
+            <a:fillRect/>
+          </a:stretch>
+        </p:blipFill>
+        <p:spPr>
+          <a:xfrm>
+            <a:off x="1264501" y="1132084"/>
+            <a:ext cx="9662997" cy="4869602"/>
+          </a:xfrm>
+          <a:prstGeom prst="rect">
+            <a:avLst/>
+          </a:prstGeom>
+        </p:spPr>
+      </p:pic>
+      <p:sp>
+        <p:nvSpPr>
+          <p:cNvPr id="5" name="TextBox 4">
+            <a:extLst>
+              <a:ext uri="{FF2B5EF4-FFF2-40B4-BE49-F238E27FC236}">
+                <a16:creationId xmlns:a16="http://schemas.microsoft.com/office/drawing/2014/main" id="{E4DF9D08-35BB-42A4-B212-9166ADF7916C}"/>
+              </a:ext>
+            </a:extLst>
+          </p:cNvPr>
+          <p:cNvSpPr txBox="1"/>
+          <p:nvPr/>
+        </p:nvSpPr>
+        <p:spPr>
+          <a:xfrm>
+            <a:off x="1264501" y="762752"/>
+            <a:ext cx="1884042" cy="369332"/>
+          </a:xfrm>
+          <a:prstGeom prst="rect">
+            <a:avLst/>
+          </a:prstGeom>
+          <a:solidFill>
+            <a:srgbClr val="FFC000"/>
+          </a:solidFill>
+        </p:spPr>
+        <p:txBody>
+          <a:bodyPr wrap="none" rtlCol="0">
+            <a:spAutoFit/>
+          </a:bodyPr>
+          <a:lstStyle/>
+          <a:p>
+            <a:r>
+              <a:rPr lang="en-US" dirty="0"/>
+              <a:t>If you are the </a:t>
+            </a:r>
+            <a:r>
+              <a:rPr lang="en-US" i="1" dirty="0">
+                <a:solidFill>
+                  <a:srgbClr val="7030A0"/>
+                </a:solidFill>
+              </a:rPr>
+              <a:t>root</a:t>
+            </a:r>
+          </a:p>
+        </p:txBody>
+      </p:sp>
+    </p:spTree>
+    <p:extLst>
+      <p:ext uri="{BB962C8B-B14F-4D97-AF65-F5344CB8AC3E}">
+        <p14:creationId xmlns:p14="http://schemas.microsoft.com/office/powerpoint/2010/main" val="1251439688"/>
+      </p:ext>
+    </p:extLst>
+  </p:cSld>
+  <p:clrMapOvr>
+    <a:masterClrMapping/>
+  </p:clrMapOvr>
+</p:sld>
+</file>
+
+<file path=ppt/slides/slide45.xml><?xml version="1.0" encoding="utf-8"?>
+<p:sld xmlns:a="http://schemas.openxmlformats.org/drawingml/2006/main" xmlns:r="http://schemas.openxmlformats.org/officeDocument/2006/relationships" xmlns:p="http://schemas.openxmlformats.org/presentationml/2006/main">
+  <p:cSld>
+    <p:spTree>
+      <p:nvGrpSpPr>
+        <p:cNvPr id="1" name=""/>
+        <p:cNvGrpSpPr/>
+        <p:nvPr/>
+      </p:nvGrpSpPr>
+      <p:grpSpPr>
+        <a:xfrm>
+          <a:off x="0" y="0"/>
+          <a:ext cx="0" cy="0"/>
+          <a:chOff x="0" y="0"/>
+          <a:chExt cx="0" cy="0"/>
+        </a:xfrm>
+      </p:grpSpPr>
       <p:sp>
         <p:nvSpPr>
           <p:cNvPr id="4" name="Title 3"/>
@@ -17746,7 +17883,7 @@
 </p:sld>
 </file>
 
-<file path=ppt/slides/slide45.xml><?xml version="1.0" encoding="utf-8"?>
+<file path=ppt/slides/slide46.xml><?xml version="1.0" encoding="utf-8"?>
 <p:sld xmlns:a="http://schemas.openxmlformats.org/drawingml/2006/main" xmlns:r="http://schemas.openxmlformats.org/officeDocument/2006/relationships" xmlns:p="http://schemas.openxmlformats.org/presentationml/2006/main">
   <p:cSld>
     <p:spTree>

--- a/NIST_Data_Leakage_Case/NIST_Data_Leakage_00_Env_Setting.pptx
+++ b/NIST_Data_Leakage_Case/NIST_Data_Leakage_00_Env_Setting.pptx
@@ -163,7 +163,7 @@
 <file path=ppt/revisionInfo.xml><?xml version="1.0" encoding="utf-8"?>
 <p1510:revInfo xmlns:a="http://schemas.openxmlformats.org/drawingml/2006/main" xmlns:r="http://schemas.openxmlformats.org/officeDocument/2006/relationships" xmlns:p1510="http://schemas.microsoft.com/office/powerpoint/2015/10/main">
   <p1510:revLst>
-    <p1510:client id="{FC29E0CB-EC29-4F0E-A782-58C19F5D3434}" v="28" dt="2021-09-22T20:16:07.016"/>
+    <p1510:client id="{FC29E0CB-EC29-4F0E-A782-58C19F5D3434}" v="29" dt="2021-10-14T19:45:55.864"/>
   </p1510:revLst>
 </p1510:revInfo>
 </file>
@@ -744,7 +744,7 @@
   <pc:docChgLst>
     <pc:chgData name="Weifeng Xu" userId="e7aed605-a3dd-4d5a-a692-a87037af107b" providerId="ADAL" clId="{FC29E0CB-EC29-4F0E-A782-58C19F5D3434}"/>
     <pc:docChg chg="undo custSel addSld delSld modSld">
-      <pc:chgData name="Weifeng Xu" userId="e7aed605-a3dd-4d5a-a692-a87037af107b" providerId="ADAL" clId="{FC29E0CB-EC29-4F0E-A782-58C19F5D3434}" dt="2021-09-22T20:16:23.803" v="632" actId="114"/>
+      <pc:chgData name="Weifeng Xu" userId="e7aed605-a3dd-4d5a-a692-a87037af107b" providerId="ADAL" clId="{FC29E0CB-EC29-4F0E-A782-58C19F5D3434}" dt="2021-10-07T13:09:06.803" v="734" actId="20577"/>
       <pc:docMkLst>
         <pc:docMk/>
       </pc:docMkLst>
@@ -874,8 +874,8 @@
           </ac:picMkLst>
         </pc:picChg>
       </pc:sldChg>
-      <pc:sldChg chg="addSp delSp modSp mod modClrScheme chgLayout">
-        <pc:chgData name="Weifeng Xu" userId="e7aed605-a3dd-4d5a-a692-a87037af107b" providerId="ADAL" clId="{FC29E0CB-EC29-4F0E-A782-58C19F5D3434}" dt="2021-08-28T14:19:43.731" v="392" actId="20577"/>
+      <pc:sldChg chg="addSp delSp modSp mod modClrScheme chgLayout modNotesTx">
+        <pc:chgData name="Weifeng Xu" userId="e7aed605-a3dd-4d5a-a692-a87037af107b" providerId="ADAL" clId="{FC29E0CB-EC29-4F0E-A782-58C19F5D3434}" dt="2021-10-07T13:09:06.803" v="734" actId="20577"/>
         <pc:sldMkLst>
           <pc:docMk/>
           <pc:sldMk cId="3686885202" sldId="278"/>
@@ -1001,13 +1001,13 @@
         </pc:spChg>
       </pc:sldChg>
       <pc:sldChg chg="addSp delSp modSp mod modNotesTx">
-        <pc:chgData name="Weifeng Xu" userId="e7aed605-a3dd-4d5a-a692-a87037af107b" providerId="ADAL" clId="{FC29E0CB-EC29-4F0E-A782-58C19F5D3434}" dt="2021-09-20T16:30:32.168" v="605"/>
+        <pc:chgData name="Weifeng Xu" userId="e7aed605-a3dd-4d5a-a692-a87037af107b" providerId="ADAL" clId="{FC29E0CB-EC29-4F0E-A782-58C19F5D3434}" dt="2021-09-28T15:13:20.724" v="713" actId="20577"/>
         <pc:sldMkLst>
           <pc:docMk/>
           <pc:sldMk cId="2709583132" sldId="312"/>
         </pc:sldMkLst>
         <pc:spChg chg="add mod">
-          <ac:chgData name="Weifeng Xu" userId="e7aed605-a3dd-4d5a-a692-a87037af107b" providerId="ADAL" clId="{FC29E0CB-EC29-4F0E-A782-58C19F5D3434}" dt="2021-09-20T16:26:01.808" v="584" actId="1076"/>
+          <ac:chgData name="Weifeng Xu" userId="e7aed605-a3dd-4d5a-a692-a87037af107b" providerId="ADAL" clId="{FC29E0CB-EC29-4F0E-A782-58C19F5D3434}" dt="2021-09-28T14:36:30.457" v="685" actId="20577"/>
           <ac:spMkLst>
             <pc:docMk/>
             <pc:sldMk cId="2709583132" sldId="312"/>
@@ -5097,7 +5097,7 @@
           <a:p>
             <a:fld id="{EE41F6E3-57F9-402E-BDBA-5B2DE11C8530}" type="datetimeFigureOut">
               <a:rPr lang="en-US" smtClean="0"/>
-              <a:t>9/22/2021</a:t>
+              <a:t>10/14/2021</a:t>
             </a:fld>
             <a:endParaRPr lang="en-US"/>
           </a:p>
@@ -6087,6 +6087,17 @@
           </a:p>
           <a:p>
             <a:r>
+              <a:rPr lang="en-US" dirty="0"/>
+              <a:t>pip install </a:t>
+            </a:r>
+            <a:r>
+              <a:rPr lang="en-US" dirty="0" err="1"/>
+              <a:t>windowsprefetch</a:t>
+            </a:r>
+            <a:endParaRPr lang="en-US" dirty="0"/>
+          </a:p>
+          <a:p>
+            <a:r>
               <a:rPr lang="en-US" dirty="0" err="1"/>
               <a:t>sudo</a:t>
             </a:r>
@@ -6121,10 +6132,9 @@
           </a:p>
           <a:p>
             <a:r>
-              <a:rPr lang="en-US"/>
+              <a:rPr lang="en-US" dirty="0"/>
               <a:t>https://medium.com/analytics-vidhya/how-to-install-and-switch-between-different-python-versions-in-ubuntu-16-04-dc1726796b9b</a:t>
             </a:r>
-            <a:endParaRPr lang="en-US" dirty="0"/>
           </a:p>
         </p:txBody>
       </p:sp>
@@ -6954,6 +6964,22 @@
             <a:r>
               <a:rPr lang="en-US" dirty="0"/>
               <a:t>losetup --detach /dev/loop0</a:t>
+            </a:r>
+          </a:p>
+          <a:p>
+            <a:r>
+              <a:rPr lang="en-US" dirty="0" err="1"/>
+              <a:t>losetup</a:t>
+            </a:r>
+            <a:r>
+              <a:rPr lang="en-US" dirty="0"/>
+              <a:t> --detach-all</a:t>
+            </a:r>
+          </a:p>
+          <a:p>
+            <a:r>
+              <a:rPr lang="en-US" dirty="0"/>
+              <a:t>them unmount</a:t>
             </a:r>
           </a:p>
           <a:p>
@@ -7364,7 +7390,7 @@
           <a:p>
             <a:fld id="{4263717A-E3C1-4BED-ABE0-B7069385E023}" type="datetimeFigureOut">
               <a:rPr lang="en-US" smtClean="0"/>
-              <a:t>9/22/2021</a:t>
+              <a:t>10/14/2021</a:t>
             </a:fld>
             <a:endParaRPr lang="en-US"/>
           </a:p>
@@ -7537,7 +7563,7 @@
           <a:p>
             <a:fld id="{4263717A-E3C1-4BED-ABE0-B7069385E023}" type="datetimeFigureOut">
               <a:rPr lang="en-US" smtClean="0"/>
-              <a:t>9/22/2021</a:t>
+              <a:t>10/14/2021</a:t>
             </a:fld>
             <a:endParaRPr lang="en-US"/>
           </a:p>
@@ -7715,7 +7741,7 @@
           <a:p>
             <a:fld id="{4263717A-E3C1-4BED-ABE0-B7069385E023}" type="datetimeFigureOut">
               <a:rPr lang="en-US" smtClean="0"/>
-              <a:t>9/22/2021</a:t>
+              <a:t>10/14/2021</a:t>
             </a:fld>
             <a:endParaRPr lang="en-US"/>
           </a:p>
@@ -7883,7 +7909,7 @@
           <a:p>
             <a:fld id="{4263717A-E3C1-4BED-ABE0-B7069385E023}" type="datetimeFigureOut">
               <a:rPr lang="en-US" smtClean="0"/>
-              <a:t>9/22/2021</a:t>
+              <a:t>10/14/2021</a:t>
             </a:fld>
             <a:endParaRPr lang="en-US"/>
           </a:p>
@@ -8128,7 +8154,7 @@
           <a:p>
             <a:fld id="{4263717A-E3C1-4BED-ABE0-B7069385E023}" type="datetimeFigureOut">
               <a:rPr lang="en-US" smtClean="0"/>
-              <a:t>9/22/2021</a:t>
+              <a:t>10/14/2021</a:t>
             </a:fld>
             <a:endParaRPr lang="en-US"/>
           </a:p>
@@ -8357,7 +8383,7 @@
           <a:p>
             <a:fld id="{4263717A-E3C1-4BED-ABE0-B7069385E023}" type="datetimeFigureOut">
               <a:rPr lang="en-US" smtClean="0"/>
-              <a:t>9/22/2021</a:t>
+              <a:t>10/14/2021</a:t>
             </a:fld>
             <a:endParaRPr lang="en-US"/>
           </a:p>
@@ -8721,7 +8747,7 @@
           <a:p>
             <a:fld id="{4263717A-E3C1-4BED-ABE0-B7069385E023}" type="datetimeFigureOut">
               <a:rPr lang="en-US" smtClean="0"/>
-              <a:t>9/22/2021</a:t>
+              <a:t>10/14/2021</a:t>
             </a:fld>
             <a:endParaRPr lang="en-US"/>
           </a:p>
@@ -8838,7 +8864,7 @@
           <a:p>
             <a:fld id="{4263717A-E3C1-4BED-ABE0-B7069385E023}" type="datetimeFigureOut">
               <a:rPr lang="en-US" smtClean="0"/>
-              <a:t>9/22/2021</a:t>
+              <a:t>10/14/2021</a:t>
             </a:fld>
             <a:endParaRPr lang="en-US"/>
           </a:p>
@@ -8933,7 +8959,7 @@
           <a:p>
             <a:fld id="{4263717A-E3C1-4BED-ABE0-B7069385E023}" type="datetimeFigureOut">
               <a:rPr lang="en-US" smtClean="0"/>
-              <a:t>9/22/2021</a:t>
+              <a:t>10/14/2021</a:t>
             </a:fld>
             <a:endParaRPr lang="en-US"/>
           </a:p>
@@ -9208,7 +9234,7 @@
           <a:p>
             <a:fld id="{4263717A-E3C1-4BED-ABE0-B7069385E023}" type="datetimeFigureOut">
               <a:rPr lang="en-US" smtClean="0"/>
-              <a:t>9/22/2021</a:t>
+              <a:t>10/14/2021</a:t>
             </a:fld>
             <a:endParaRPr lang="en-US"/>
           </a:p>
@@ -9460,7 +9486,7 @@
           <a:p>
             <a:fld id="{4263717A-E3C1-4BED-ABE0-B7069385E023}" type="datetimeFigureOut">
               <a:rPr lang="en-US" smtClean="0"/>
-              <a:t>9/22/2021</a:t>
+              <a:t>10/14/2021</a:t>
             </a:fld>
             <a:endParaRPr lang="en-US"/>
           </a:p>
@@ -9671,7 +9697,7 @@
           <a:p>
             <a:fld id="{4263717A-E3C1-4BED-ABE0-B7069385E023}" type="datetimeFigureOut">
               <a:rPr lang="en-US" smtClean="0"/>
-              <a:t>9/22/2021</a:t>
+              <a:t>10/14/2021</a:t>
             </a:fld>
             <a:endParaRPr lang="en-US"/>
           </a:p>
@@ -17558,7 +17584,7 @@
         <p:spPr>
           <a:xfrm>
             <a:off x="838199" y="3510631"/>
-            <a:ext cx="2604046" cy="369332"/>
+            <a:ext cx="6582828" cy="369332"/>
           </a:xfrm>
           <a:prstGeom prst="rect">
             <a:avLst/>
@@ -17578,7 +17604,7 @@
               <a:t>Test if </a:t>
             </a:r>
             <a:r>
-              <a:rPr lang="en-US" i="1" dirty="0" err="1">
+              <a:rPr lang="en-US" i="1" dirty="0">
                 <a:solidFill>
                   <a:schemeClr val="accent6"/>
                 </a:solidFill>
@@ -17595,8 +17621,13 @@
             </a:r>
             <a:r>
               <a:rPr lang="en-US" dirty="0"/>
-              <a:t>tool works</a:t>
-            </a:r>
+              <a:t>tool works (you can skip if your python </a:t>
+            </a:r>
+            <a:r>
+              <a:rPr lang="en-US"/>
+              <a:t>version is 3.9)</a:t>
+            </a:r>
+            <a:endParaRPr lang="en-US" dirty="0"/>
           </a:p>
         </p:txBody>
       </p:sp>

--- a/NIST_Data_Leakage_Case/NIST_Data_Leakage_00_Env_Setting.pptx
+++ b/NIST_Data_Leakage_Case/NIST_Data_Leakage_00_Env_Setting.pptx
@@ -163,7 +163,7 @@
 <file path=ppt/revisionInfo.xml><?xml version="1.0" encoding="utf-8"?>
 <p1510:revInfo xmlns:a="http://schemas.openxmlformats.org/drawingml/2006/main" xmlns:r="http://schemas.openxmlformats.org/officeDocument/2006/relationships" xmlns:p1510="http://schemas.microsoft.com/office/powerpoint/2015/10/main">
   <p1510:revLst>
-    <p1510:client id="{FC29E0CB-EC29-4F0E-A782-58C19F5D3434}" v="29" dt="2021-10-14T19:45:55.864"/>
+    <p1510:client id="{FC29E0CB-EC29-4F0E-A782-58C19F5D3434}" v="36" dt="2022-02-23T22:25:21.530"/>
   </p1510:revLst>
 </p1510:revInfo>
 </file>
@@ -744,12 +744,12 @@
   <pc:docChgLst>
     <pc:chgData name="Weifeng Xu" userId="e7aed605-a3dd-4d5a-a692-a87037af107b" providerId="ADAL" clId="{FC29E0CB-EC29-4F0E-A782-58C19F5D3434}"/>
     <pc:docChg chg="undo custSel addSld delSld modSld">
-      <pc:chgData name="Weifeng Xu" userId="e7aed605-a3dd-4d5a-a692-a87037af107b" providerId="ADAL" clId="{FC29E0CB-EC29-4F0E-A782-58C19F5D3434}" dt="2021-10-07T13:09:06.803" v="734" actId="20577"/>
+      <pc:chgData name="Weifeng Xu" userId="e7aed605-a3dd-4d5a-a692-a87037af107b" providerId="ADAL" clId="{FC29E0CB-EC29-4F0E-A782-58C19F5D3434}" dt="2022-02-23T22:26:38.725" v="1058" actId="20577"/>
       <pc:docMkLst>
         <pc:docMk/>
       </pc:docMkLst>
       <pc:sldChg chg="addSp delSp modSp mod modNotesTx">
-        <pc:chgData name="Weifeng Xu" userId="e7aed605-a3dd-4d5a-a692-a87037af107b" providerId="ADAL" clId="{FC29E0CB-EC29-4F0E-A782-58C19F5D3434}" dt="2021-09-14T22:11:38.488" v="569"/>
+        <pc:chgData name="Weifeng Xu" userId="e7aed605-a3dd-4d5a-a692-a87037af107b" providerId="ADAL" clId="{FC29E0CB-EC29-4F0E-A782-58C19F5D3434}" dt="2022-02-23T22:26:38.725" v="1058" actId="20577"/>
         <pc:sldMkLst>
           <pc:docMk/>
           <pc:sldMk cId="878550910" sldId="265"/>
@@ -762,8 +762,16 @@
             <ac:spMk id="4" creationId="{00000000-0000-0000-0000-000000000000}"/>
           </ac:spMkLst>
         </pc:spChg>
+        <pc:spChg chg="add del mod">
+          <ac:chgData name="Weifeng Xu" userId="e7aed605-a3dd-4d5a-a692-a87037af107b" providerId="ADAL" clId="{FC29E0CB-EC29-4F0E-A782-58C19F5D3434}" dt="2022-02-23T22:25:21.530" v="970" actId="767"/>
+          <ac:spMkLst>
+            <pc:docMk/>
+            <pc:sldMk cId="878550910" sldId="265"/>
+            <ac:spMk id="8" creationId="{9E01CF7A-3391-47A1-927B-53FFBB7783D7}"/>
+          </ac:spMkLst>
+        </pc:spChg>
         <pc:spChg chg="add mod">
-          <ac:chgData name="Weifeng Xu" userId="e7aed605-a3dd-4d5a-a692-a87037af107b" providerId="ADAL" clId="{FC29E0CB-EC29-4F0E-A782-58C19F5D3434}" dt="2021-09-07T13:51:34.640" v="546" actId="20577"/>
+          <ac:chgData name="Weifeng Xu" userId="e7aed605-a3dd-4d5a-a692-a87037af107b" providerId="ADAL" clId="{FC29E0CB-EC29-4F0E-A782-58C19F5D3434}" dt="2022-02-23T22:26:38.725" v="1058" actId="20577"/>
           <ac:spMkLst>
             <pc:docMk/>
             <pc:sldMk cId="878550910" sldId="265"/>
@@ -794,8 +802,8 @@
             <ac:picMk id="7" creationId="{00000000-0000-0000-0000-000000000000}"/>
           </ac:picMkLst>
         </pc:picChg>
-        <pc:picChg chg="add mod">
-          <ac:chgData name="Weifeng Xu" userId="e7aed605-a3dd-4d5a-a692-a87037af107b" providerId="ADAL" clId="{FC29E0CB-EC29-4F0E-A782-58C19F5D3434}" dt="2021-09-07T13:50:50.828" v="534" actId="14100"/>
+        <pc:picChg chg="add del mod">
+          <ac:chgData name="Weifeng Xu" userId="e7aed605-a3dd-4d5a-a692-a87037af107b" providerId="ADAL" clId="{FC29E0CB-EC29-4F0E-A782-58C19F5D3434}" dt="2022-02-23T22:24:47.231" v="967" actId="478"/>
           <ac:picMkLst>
             <pc:docMk/>
             <pc:sldMk cId="878550910" sldId="265"/>
@@ -810,6 +818,22 @@
             <ac:picMk id="8" creationId="{00000000-0000-0000-0000-000000000000}"/>
           </ac:picMkLst>
         </pc:picChg>
+        <pc:cxnChg chg="add del">
+          <ac:chgData name="Weifeng Xu" userId="e7aed605-a3dd-4d5a-a692-a87037af107b" providerId="ADAL" clId="{FC29E0CB-EC29-4F0E-A782-58C19F5D3434}" dt="2022-02-23T22:25:22.344" v="971" actId="11529"/>
+          <ac:cxnSpMkLst>
+            <pc:docMk/>
+            <pc:sldMk cId="878550910" sldId="265"/>
+            <ac:cxnSpMk id="6" creationId="{849C34C3-9342-4C87-AF25-AC03E3E5614D}"/>
+          </ac:cxnSpMkLst>
+        </pc:cxnChg>
+        <pc:cxnChg chg="add mod">
+          <ac:chgData name="Weifeng Xu" userId="e7aed605-a3dd-4d5a-a692-a87037af107b" providerId="ADAL" clId="{FC29E0CB-EC29-4F0E-A782-58C19F5D3434}" dt="2022-02-23T22:26:30.442" v="1057" actId="13822"/>
+          <ac:cxnSpMkLst>
+            <pc:docMk/>
+            <pc:sldMk cId="878550910" sldId="265"/>
+            <ac:cxnSpMk id="13" creationId="{9F2E0717-D2BE-4D49-8091-56B509228764}"/>
+          </ac:cxnSpMkLst>
+        </pc:cxnChg>
       </pc:sldChg>
       <pc:sldChg chg="addSp modSp mod">
         <pc:chgData name="Weifeng Xu" userId="e7aed605-a3dd-4d5a-a692-a87037af107b" providerId="ADAL" clId="{FC29E0CB-EC29-4F0E-A782-58C19F5D3434}" dt="2021-09-07T14:16:52.059" v="561" actId="20577"/>
@@ -871,6 +895,77 @@
             <pc:docMk/>
             <pc:sldMk cId="2453518679" sldId="266"/>
             <ac:picMk id="6" creationId="{00000000-0000-0000-0000-000000000000}"/>
+          </ac:picMkLst>
+        </pc:picChg>
+      </pc:sldChg>
+      <pc:sldChg chg="addSp delSp modSp mod modNotesTx">
+        <pc:chgData name="Weifeng Xu" userId="e7aed605-a3dd-4d5a-a692-a87037af107b" providerId="ADAL" clId="{FC29E0CB-EC29-4F0E-A782-58C19F5D3434}" dt="2021-11-23T16:20:09.642" v="849" actId="20577"/>
+        <pc:sldMkLst>
+          <pc:docMk/>
+          <pc:sldMk cId="3280354511" sldId="273"/>
+        </pc:sldMkLst>
+        <pc:spChg chg="add del mod">
+          <ac:chgData name="Weifeng Xu" userId="e7aed605-a3dd-4d5a-a692-a87037af107b" providerId="ADAL" clId="{FC29E0CB-EC29-4F0E-A782-58C19F5D3434}" dt="2021-11-23T16:19:11.307" v="845"/>
+          <ac:spMkLst>
+            <pc:docMk/>
+            <pc:sldMk cId="3280354511" sldId="273"/>
+            <ac:spMk id="5" creationId="{0674F5E0-56A6-4AEA-82E7-3831FAAF63E0}"/>
+          </ac:spMkLst>
+        </pc:spChg>
+        <pc:spChg chg="mod">
+          <ac:chgData name="Weifeng Xu" userId="e7aed605-a3dd-4d5a-a692-a87037af107b" providerId="ADAL" clId="{FC29E0CB-EC29-4F0E-A782-58C19F5D3434}" dt="2021-11-23T16:17:39.703" v="764" actId="1076"/>
+          <ac:spMkLst>
+            <pc:docMk/>
+            <pc:sldMk cId="3280354511" sldId="273"/>
+            <ac:spMk id="8" creationId="{00000000-0000-0000-0000-000000000000}"/>
+          </ac:spMkLst>
+        </pc:spChg>
+        <pc:spChg chg="mod">
+          <ac:chgData name="Weifeng Xu" userId="e7aed605-a3dd-4d5a-a692-a87037af107b" providerId="ADAL" clId="{FC29E0CB-EC29-4F0E-A782-58C19F5D3434}" dt="2021-11-23T16:17:39.703" v="764" actId="1076"/>
+          <ac:spMkLst>
+            <pc:docMk/>
+            <pc:sldMk cId="3280354511" sldId="273"/>
+            <ac:spMk id="10" creationId="{00000000-0000-0000-0000-000000000000}"/>
+          </ac:spMkLst>
+        </pc:spChg>
+        <pc:spChg chg="add mod">
+          <ac:chgData name="Weifeng Xu" userId="e7aed605-a3dd-4d5a-a692-a87037af107b" providerId="ADAL" clId="{FC29E0CB-EC29-4F0E-A782-58C19F5D3434}" dt="2021-11-23T16:20:09.642" v="849" actId="20577"/>
+          <ac:spMkLst>
+            <pc:docMk/>
+            <pc:sldMk cId="3280354511" sldId="273"/>
+            <ac:spMk id="11" creationId="{0DD871A1-EF61-4DFA-8F90-1FB7B0C35614}"/>
+          </ac:spMkLst>
+        </pc:spChg>
+        <pc:picChg chg="add mod">
+          <ac:chgData name="Weifeng Xu" userId="e7aed605-a3dd-4d5a-a692-a87037af107b" providerId="ADAL" clId="{FC29E0CB-EC29-4F0E-A782-58C19F5D3434}" dt="2021-11-23T16:17:47.197" v="768" actId="1076"/>
+          <ac:picMkLst>
+            <pc:docMk/>
+            <pc:sldMk cId="3280354511" sldId="273"/>
+            <ac:picMk id="3" creationId="{9187E1D4-F686-4BDC-9BE9-4AE348D966C6}"/>
+          </ac:picMkLst>
+        </pc:picChg>
+        <pc:picChg chg="add del">
+          <ac:chgData name="Weifeng Xu" userId="e7aed605-a3dd-4d5a-a692-a87037af107b" providerId="ADAL" clId="{FC29E0CB-EC29-4F0E-A782-58C19F5D3434}" dt="2021-11-23T16:17:41.023" v="767" actId="478"/>
+          <ac:picMkLst>
+            <pc:docMk/>
+            <pc:sldMk cId="3280354511" sldId="273"/>
+            <ac:picMk id="6" creationId="{00000000-0000-0000-0000-000000000000}"/>
+          </ac:picMkLst>
+        </pc:picChg>
+        <pc:picChg chg="mod">
+          <ac:chgData name="Weifeng Xu" userId="e7aed605-a3dd-4d5a-a692-a87037af107b" providerId="ADAL" clId="{FC29E0CB-EC29-4F0E-A782-58C19F5D3434}" dt="2021-11-23T16:17:39.703" v="764" actId="1076"/>
+          <ac:picMkLst>
+            <pc:docMk/>
+            <pc:sldMk cId="3280354511" sldId="273"/>
+            <ac:picMk id="7" creationId="{00000000-0000-0000-0000-000000000000}"/>
+          </ac:picMkLst>
+        </pc:picChg>
+        <pc:picChg chg="mod">
+          <ac:chgData name="Weifeng Xu" userId="e7aed605-a3dd-4d5a-a692-a87037af107b" providerId="ADAL" clId="{FC29E0CB-EC29-4F0E-A782-58C19F5D3434}" dt="2021-11-23T16:17:39.703" v="764" actId="1076"/>
+          <ac:picMkLst>
+            <pc:docMk/>
+            <pc:sldMk cId="3280354511" sldId="273"/>
+            <ac:picMk id="9" creationId="{00000000-0000-0000-0000-000000000000}"/>
           </ac:picMkLst>
         </pc:picChg>
       </pc:sldChg>
@@ -997,6 +1092,36 @@
             <pc:docMk/>
             <pc:sldMk cId="2603411321" sldId="279"/>
             <ac:spMk id="12" creationId="{00000000-0000-0000-0000-000000000000}"/>
+          </ac:spMkLst>
+        </pc:spChg>
+      </pc:sldChg>
+      <pc:sldChg chg="modSp mod">
+        <pc:chgData name="Weifeng Xu" userId="e7aed605-a3dd-4d5a-a692-a87037af107b" providerId="ADAL" clId="{FC29E0CB-EC29-4F0E-A782-58C19F5D3434}" dt="2022-02-04T02:32:42.976" v="965" actId="207"/>
+        <pc:sldMkLst>
+          <pc:docMk/>
+          <pc:sldMk cId="2309109310" sldId="294"/>
+        </pc:sldMkLst>
+        <pc:spChg chg="mod">
+          <ac:chgData name="Weifeng Xu" userId="e7aed605-a3dd-4d5a-a692-a87037af107b" providerId="ADAL" clId="{FC29E0CB-EC29-4F0E-A782-58C19F5D3434}" dt="2022-02-04T02:32:42.976" v="965" actId="207"/>
+          <ac:spMkLst>
+            <pc:docMk/>
+            <pc:sldMk cId="2309109310" sldId="294"/>
+            <ac:spMk id="3" creationId="{00000000-0000-0000-0000-000000000000}"/>
+          </ac:spMkLst>
+        </pc:spChg>
+      </pc:sldChg>
+      <pc:sldChg chg="modSp mod">
+        <pc:chgData name="Weifeng Xu" userId="e7aed605-a3dd-4d5a-a692-a87037af107b" providerId="ADAL" clId="{FC29E0CB-EC29-4F0E-A782-58C19F5D3434}" dt="2022-02-04T02:24:02.516" v="893" actId="20577"/>
+        <pc:sldMkLst>
+          <pc:docMk/>
+          <pc:sldMk cId="962324757" sldId="302"/>
+        </pc:sldMkLst>
+        <pc:spChg chg="mod">
+          <ac:chgData name="Weifeng Xu" userId="e7aed605-a3dd-4d5a-a692-a87037af107b" providerId="ADAL" clId="{FC29E0CB-EC29-4F0E-A782-58C19F5D3434}" dt="2022-02-04T02:24:02.516" v="893" actId="20577"/>
+          <ac:spMkLst>
+            <pc:docMk/>
+            <pc:sldMk cId="962324757" sldId="302"/>
+            <ac:spMk id="5" creationId="{00000000-0000-0000-0000-000000000000}"/>
           </ac:spMkLst>
         </pc:spChg>
       </pc:sldChg>
@@ -5097,7 +5222,7 @@
           <a:p>
             <a:fld id="{EE41F6E3-57F9-402E-BDBA-5B2DE11C8530}" type="datetimeFigureOut">
               <a:rPr lang="en-US" smtClean="0"/>
-              <a:t>10/14/2021</a:t>
+              <a:t>2/23/2022</a:t>
             </a:fld>
             <a:endParaRPr lang="en-US"/>
           </a:p>
@@ -5983,8 +6108,11 @@
             </a:r>
             <a:r>
               <a:rPr lang="en-US" dirty="0"/>
-              <a:t> https://raw.githubusercontent.com/siftgrab/siftgrab/master/regripper.conf/RegRipper30-apt-git-Install.sh</a:t>
-            </a:r>
+              <a:t> https://raw.githubusercontent.com/frankwxu/digital-forensics-lab/main/NIST_Data_Leakage_Case/tools/RegRipper30-apt-git-Install.sh</a:t>
+            </a:r>
+          </a:p>
+          <a:p>
+            <a:endParaRPr lang="en-US" dirty="0"/>
           </a:p>
           <a:p>
             <a:r>
@@ -6403,37 +6531,7 @@
           <a:p>
             <a:r>
               <a:rPr lang="en-US" dirty="0"/>
-              <a:t>cd lab</a:t>
-            </a:r>
-          </a:p>
-          <a:p>
-            <a:r>
-              <a:rPr lang="en-US" dirty="0" err="1"/>
-              <a:t>wget</a:t>
-            </a:r>
-            <a:r>
-              <a:rPr lang="en-US" dirty="0"/>
-              <a:t>  -q https://www.cfreds.nist.gov/data_leakage_case/images/pc/cfreds_2015_data_leakage_pc.7z.001</a:t>
-            </a:r>
-          </a:p>
-          <a:p>
-            <a:r>
-              <a:rPr lang="en-US" dirty="0" err="1"/>
-              <a:t>wget</a:t>
-            </a:r>
-            <a:r>
-              <a:rPr lang="en-US" dirty="0"/>
-              <a:t>  -q https://www.cfreds.nist.gov/data_leakage_case/images/pc/cfreds_2015_data_leakage_pc.7z.002</a:t>
-            </a:r>
-          </a:p>
-          <a:p>
-            <a:r>
-              <a:rPr lang="en-US" dirty="0" err="1"/>
-              <a:t>wget</a:t>
-            </a:r>
-            <a:r>
-              <a:rPr lang="en-US" dirty="0"/>
-              <a:t> - q https://www.cfreds.nist.gov/data_leakage_case/images/pc/cfreds_2015_data_leakage_pc.7z.003</a:t>
+              <a:t>Backup links</a:t>
             </a:r>
           </a:p>
           <a:p>
@@ -6452,42 +6550,6 @@
             <a:r>
               <a:rPr lang="en-US" dirty="0"/>
               <a:t>https://www.dropbox.com/s/cxvzuiupmqc7l99/cfreds_2015_data_leakage_pc.7z.003</a:t>
-            </a:r>
-          </a:p>
-          <a:p>
-            <a:r>
-              <a:rPr lang="en-US" b="0" i="0" u="none" strike="noStrike" dirty="0">
-                <a:solidFill>
-                  <a:srgbClr val="363636"/>
-                </a:solidFill>
-                <a:effectLst/>
-                <a:latin typeface="Avenir"/>
-              </a:rPr>
-              <a:t>https://cfreds-archive.nist.gov/data_leakage_case/images/pc/cfreds_2015_data_leakage_pc.7z.001</a:t>
-            </a:r>
-          </a:p>
-          <a:p>
-            <a:r>
-              <a:rPr lang="en-US" b="0" i="0" u="none" strike="noStrike" dirty="0">
-                <a:solidFill>
-                  <a:srgbClr val="363636"/>
-                </a:solidFill>
-                <a:effectLst/>
-                <a:latin typeface="Avenir"/>
-              </a:rPr>
-              <a:t>https://cfreds-archive.nist.gov/data_leakage_case/images/pc/cfreds_2015_data_leakage_pc.7z.002</a:t>
-            </a:r>
-          </a:p>
-          <a:p>
-            <a:r>
-              <a:rPr lang="en-US" b="0" i="0" u="none" strike="noStrike" dirty="0">
-                <a:solidFill>
-                  <a:srgbClr val="363636"/>
-                </a:solidFill>
-                <a:effectLst/>
-                <a:latin typeface="Avenir"/>
-              </a:rPr>
-              <a:t>https://cfreds-archive.nist.gov/data_leakage_case/images/pc/cfreds_2015_data_leakage_pc.7z.003</a:t>
             </a:r>
           </a:p>
           <a:p>
@@ -7390,7 +7452,7 @@
           <a:p>
             <a:fld id="{4263717A-E3C1-4BED-ABE0-B7069385E023}" type="datetimeFigureOut">
               <a:rPr lang="en-US" smtClean="0"/>
-              <a:t>10/14/2021</a:t>
+              <a:t>2/23/2022</a:t>
             </a:fld>
             <a:endParaRPr lang="en-US"/>
           </a:p>
@@ -7563,7 +7625,7 @@
           <a:p>
             <a:fld id="{4263717A-E3C1-4BED-ABE0-B7069385E023}" type="datetimeFigureOut">
               <a:rPr lang="en-US" smtClean="0"/>
-              <a:t>10/14/2021</a:t>
+              <a:t>2/23/2022</a:t>
             </a:fld>
             <a:endParaRPr lang="en-US"/>
           </a:p>
@@ -7741,7 +7803,7 @@
           <a:p>
             <a:fld id="{4263717A-E3C1-4BED-ABE0-B7069385E023}" type="datetimeFigureOut">
               <a:rPr lang="en-US" smtClean="0"/>
-              <a:t>10/14/2021</a:t>
+              <a:t>2/23/2022</a:t>
             </a:fld>
             <a:endParaRPr lang="en-US"/>
           </a:p>
@@ -7909,7 +7971,7 @@
           <a:p>
             <a:fld id="{4263717A-E3C1-4BED-ABE0-B7069385E023}" type="datetimeFigureOut">
               <a:rPr lang="en-US" smtClean="0"/>
-              <a:t>10/14/2021</a:t>
+              <a:t>2/23/2022</a:t>
             </a:fld>
             <a:endParaRPr lang="en-US"/>
           </a:p>
@@ -8154,7 +8216,7 @@
           <a:p>
             <a:fld id="{4263717A-E3C1-4BED-ABE0-B7069385E023}" type="datetimeFigureOut">
               <a:rPr lang="en-US" smtClean="0"/>
-              <a:t>10/14/2021</a:t>
+              <a:t>2/23/2022</a:t>
             </a:fld>
             <a:endParaRPr lang="en-US"/>
           </a:p>
@@ -8383,7 +8445,7 @@
           <a:p>
             <a:fld id="{4263717A-E3C1-4BED-ABE0-B7069385E023}" type="datetimeFigureOut">
               <a:rPr lang="en-US" smtClean="0"/>
-              <a:t>10/14/2021</a:t>
+              <a:t>2/23/2022</a:t>
             </a:fld>
             <a:endParaRPr lang="en-US"/>
           </a:p>
@@ -8747,7 +8809,7 @@
           <a:p>
             <a:fld id="{4263717A-E3C1-4BED-ABE0-B7069385E023}" type="datetimeFigureOut">
               <a:rPr lang="en-US" smtClean="0"/>
-              <a:t>10/14/2021</a:t>
+              <a:t>2/23/2022</a:t>
             </a:fld>
             <a:endParaRPr lang="en-US"/>
           </a:p>
@@ -8864,7 +8926,7 @@
           <a:p>
             <a:fld id="{4263717A-E3C1-4BED-ABE0-B7069385E023}" type="datetimeFigureOut">
               <a:rPr lang="en-US" smtClean="0"/>
-              <a:t>10/14/2021</a:t>
+              <a:t>2/23/2022</a:t>
             </a:fld>
             <a:endParaRPr lang="en-US"/>
           </a:p>
@@ -8959,7 +9021,7 @@
           <a:p>
             <a:fld id="{4263717A-E3C1-4BED-ABE0-B7069385E023}" type="datetimeFigureOut">
               <a:rPr lang="en-US" smtClean="0"/>
-              <a:t>10/14/2021</a:t>
+              <a:t>2/23/2022</a:t>
             </a:fld>
             <a:endParaRPr lang="en-US"/>
           </a:p>
@@ -9234,7 +9296,7 @@
           <a:p>
             <a:fld id="{4263717A-E3C1-4BED-ABE0-B7069385E023}" type="datetimeFigureOut">
               <a:rPr lang="en-US" smtClean="0"/>
-              <a:t>10/14/2021</a:t>
+              <a:t>2/23/2022</a:t>
             </a:fld>
             <a:endParaRPr lang="en-US"/>
           </a:p>
@@ -9486,7 +9548,7 @@
           <a:p>
             <a:fld id="{4263717A-E3C1-4BED-ABE0-B7069385E023}" type="datetimeFigureOut">
               <a:rPr lang="en-US" smtClean="0"/>
-              <a:t>10/14/2021</a:t>
+              <a:t>2/23/2022</a:t>
             </a:fld>
             <a:endParaRPr lang="en-US"/>
           </a:p>
@@ -9697,7 +9759,7 @@
           <a:p>
             <a:fld id="{4263717A-E3C1-4BED-ABE0-B7069385E023}" type="datetimeFigureOut">
               <a:rPr lang="en-US" smtClean="0"/>
-              <a:t>10/14/2021</a:t>
+              <a:t>2/23/2022</a:t>
             </a:fld>
             <a:endParaRPr lang="en-US"/>
           </a:p>
@@ -16503,7 +16565,28 @@
           <a:bodyPr/>
           <a:lstStyle/>
           <a:p>
-            <a:endParaRPr lang="en-US"/>
+            <a:r>
+              <a:rPr lang="en-US" dirty="0">
+                <a:solidFill>
+                  <a:srgbClr val="FF0000"/>
+                </a:solidFill>
+              </a:rPr>
+              <a:t>Optional</a:t>
+            </a:r>
+            <a:r>
+              <a:rPr lang="en-US" dirty="0"/>
+              <a:t>: If you downloaded Kali form </a:t>
+            </a:r>
+            <a:r>
+              <a:rPr lang="en-US" dirty="0">
+                <a:hlinkClick r:id="rId2"/>
+              </a:rPr>
+              <a:t>https://github.com/frankwxu/digital-forensics-lab</a:t>
+            </a:r>
+            <a:r>
+              <a:rPr lang="en-US" dirty="0"/>
+              <a:t>, you can skip this section</a:t>
+            </a:r>
           </a:p>
         </p:txBody>
       </p:sp>
@@ -16866,18 +16949,15 @@
               <a:rPr lang="en-US" dirty="0">
                 <a:hlinkClick r:id="rId2"/>
               </a:rPr>
-              <a:t>https://zsecurity.org/download-custom-kali/</a:t>
+              <a:t>https://github.com/frankwxu/digital-forensics-lab</a:t>
             </a:r>
             <a:endParaRPr lang="en-US" dirty="0"/>
           </a:p>
           <a:p>
             <a:r>
               <a:rPr lang="en-US" dirty="0"/>
-              <a:t>Refer to additional PPTs</a:t>
-            </a:r>
-          </a:p>
-          <a:p>
-            <a:endParaRPr lang="en-US" dirty="0"/>
+              <a:t>Read Tool installation section</a:t>
+            </a:r>
           </a:p>
         </p:txBody>
       </p:sp>
@@ -17157,7 +17237,7 @@
         </p:blipFill>
         <p:spPr>
           <a:xfrm>
-            <a:off x="1014058" y="2723827"/>
+            <a:off x="1014058" y="3543885"/>
             <a:ext cx="7745478" cy="544028"/>
           </a:xfrm>
           <a:prstGeom prst="rect">
@@ -17173,7 +17253,7 @@
         </p:nvSpPr>
         <p:spPr>
           <a:xfrm>
-            <a:off x="1014058" y="2353441"/>
+            <a:off x="1014058" y="3173499"/>
             <a:ext cx="1768407" cy="369332"/>
           </a:xfrm>
           <a:prstGeom prst="rect">
@@ -17218,7 +17298,7 @@
         </p:blipFill>
         <p:spPr>
           <a:xfrm>
-            <a:off x="1014058" y="3907414"/>
+            <a:off x="1014058" y="4727472"/>
             <a:ext cx="8162440" cy="959778"/>
           </a:xfrm>
           <a:prstGeom prst="rect">
@@ -17234,7 +17314,7 @@
         </p:nvSpPr>
         <p:spPr>
           <a:xfrm>
-            <a:off x="1014058" y="3538082"/>
+            <a:off x="1014058" y="4358140"/>
             <a:ext cx="2939516" cy="369332"/>
           </a:xfrm>
           <a:prstGeom prst="rect">
@@ -17260,6 +17340,79 @@
               <a:t>Make the script executable</a:t>
             </a:r>
             <a:endParaRPr lang="en-US"/>
+          </a:p>
+        </p:txBody>
+      </p:sp>
+      <p:pic>
+        <p:nvPicPr>
+          <p:cNvPr id="3" name="Picture 2">
+            <a:extLst>
+              <a:ext uri="{FF2B5EF4-FFF2-40B4-BE49-F238E27FC236}">
+                <a16:creationId xmlns:a16="http://schemas.microsoft.com/office/drawing/2014/main" id="{9187E1D4-F686-4BDC-9BE9-4AE348D966C6}"/>
+              </a:ext>
+            </a:extLst>
+          </p:cNvPr>
+          <p:cNvPicPr>
+            <a:picLocks noChangeAspect="1"/>
+          </p:cNvPicPr>
+          <p:nvPr/>
+        </p:nvPicPr>
+        <p:blipFill>
+          <a:blip r:embed="rId6"/>
+          <a:stretch>
+            <a:fillRect/>
+          </a:stretch>
+        </p:blipFill>
+        <p:spPr>
+          <a:xfrm>
+            <a:off x="1014058" y="2390348"/>
+            <a:ext cx="7940728" cy="449619"/>
+          </a:xfrm>
+          <a:prstGeom prst="rect">
+            <a:avLst/>
+          </a:prstGeom>
+        </p:spPr>
+      </p:pic>
+      <p:sp>
+        <p:nvSpPr>
+          <p:cNvPr id="11" name="TextBox 10">
+            <a:extLst>
+              <a:ext uri="{FF2B5EF4-FFF2-40B4-BE49-F238E27FC236}">
+                <a16:creationId xmlns:a16="http://schemas.microsoft.com/office/drawing/2014/main" id="{0DD871A1-EF61-4DFA-8F90-1FB7B0C35614}"/>
+              </a:ext>
+            </a:extLst>
+          </p:cNvPr>
+          <p:cNvSpPr txBox="1"/>
+          <p:nvPr/>
+        </p:nvSpPr>
+        <p:spPr>
+          <a:xfrm>
+            <a:off x="1014058" y="2039133"/>
+            <a:ext cx="5071966" cy="369332"/>
+          </a:xfrm>
+          <a:prstGeom prst="rect">
+            <a:avLst/>
+          </a:prstGeom>
+          <a:noFill/>
+        </p:spPr>
+        <p:txBody>
+          <a:bodyPr wrap="none" rtlCol="0">
+            <a:spAutoFit/>
+          </a:bodyPr>
+          <a:lstStyle/>
+          <a:p>
+            <a:r>
+              <a:rPr lang="en-US" dirty="0"/>
+              <a:t>use the backup link </a:t>
+            </a:r>
+            <a:r>
+              <a:rPr lang="en-US"/>
+              <a:t>if the original </a:t>
+            </a:r>
+            <a:r>
+              <a:rPr lang="en-US" dirty="0"/>
+              <a:t>link does not work</a:t>
+            </a:r>
           </a:p>
         </p:txBody>
       </p:sp>
@@ -18366,59 +18519,94 @@
           <a:p>
             <a:r>
               <a:rPr lang="en-US" dirty="0"/>
-              <a:t>All three links</a:t>
-            </a:r>
-          </a:p>
-          <a:p>
-            <a:r>
-              <a:rPr lang="en-US" dirty="0"/>
-              <a:t>https://www.dropbox.com/s/u4axlx8eomgwfdc/cfreds_2015_data_leakage_pc.7z.001</a:t>
-            </a:r>
-          </a:p>
-          <a:p>
-            <a:r>
-              <a:rPr lang="en-US" dirty="0"/>
-              <a:t>https://www.dropbox.com/s/pyq50s2cri6yftf/cfreds_2015_data_leakage_pc.7z.002</a:t>
-            </a:r>
-          </a:p>
-          <a:p>
-            <a:r>
-              <a:rPr lang="en-US" dirty="0"/>
-              <a:t>https://www.dropbox.com/s/cxvzuiupmqc7l99/cfreds_2015_data_leakage_pc.7z.003</a:t>
-            </a:r>
-          </a:p>
-        </p:txBody>
-      </p:sp>
-      <p:pic>
-        <p:nvPicPr>
-          <p:cNvPr id="7" name="Picture 6">
+              <a:t>Please use the </a:t>
+            </a:r>
+            <a:r>
+              <a:rPr lang="en-US"/>
+              <a:t>updated links </a:t>
+            </a:r>
+            <a:r>
+              <a:rPr lang="en-US" dirty="0"/>
+              <a:t>as NIST changed their link</a:t>
+            </a:r>
+          </a:p>
+          <a:p>
+            <a:r>
+              <a:rPr lang="en-US" b="0" i="0" u="none" strike="noStrike" dirty="0">
+                <a:solidFill>
+                  <a:srgbClr val="363636"/>
+                </a:solidFill>
+                <a:effectLst/>
+                <a:latin typeface="Avenir"/>
+              </a:rPr>
+              <a:t>https://cfreds-archive.nist.gov/data_leakage_case/images/pc/cfreds_2015_data_leakage_pc.7z.001</a:t>
+            </a:r>
+          </a:p>
+          <a:p>
+            <a:r>
+              <a:rPr lang="en-US" b="0" i="0" u="none" strike="noStrike" dirty="0">
+                <a:solidFill>
+                  <a:srgbClr val="363636"/>
+                </a:solidFill>
+                <a:effectLst/>
+                <a:latin typeface="Avenir"/>
+              </a:rPr>
+              <a:t>https://cfreds-archive.nist.gov/data_leakage_case/images/pc/cfreds_2015_data_leakage_pc.7z.002</a:t>
+            </a:r>
+          </a:p>
+          <a:p>
+            <a:r>
+              <a:rPr lang="en-US" b="0" i="0" u="none" strike="noStrike" dirty="0">
+                <a:solidFill>
+                  <a:srgbClr val="363636"/>
+                </a:solidFill>
+                <a:effectLst/>
+                <a:latin typeface="Avenir"/>
+              </a:rPr>
+              <a:t>https://cfreds-archive.nist.gov/data_leakage_case/images/pc/cfreds_2015_data_leakage_pc.7z.003</a:t>
+            </a:r>
+          </a:p>
+        </p:txBody>
+      </p:sp>
+      <p:cxnSp>
+        <p:nvCxnSpPr>
+          <p:cNvPr id="13" name="Straight Arrow Connector 12">
             <a:extLst>
               <a:ext uri="{FF2B5EF4-FFF2-40B4-BE49-F238E27FC236}">
-                <a16:creationId xmlns:a16="http://schemas.microsoft.com/office/drawing/2014/main" id="{84B7540C-A2AA-4501-812A-E598A01AF344}"/>
+                <a16:creationId xmlns:a16="http://schemas.microsoft.com/office/drawing/2014/main" id="{9F2E0717-D2BE-4D49-8091-56B509228764}"/>
               </a:ext>
             </a:extLst>
           </p:cNvPr>
-          <p:cNvPicPr>
-            <a:picLocks noChangeAspect="1"/>
-          </p:cNvPicPr>
+          <p:cNvCxnSpPr/>
           <p:nvPr/>
-        </p:nvPicPr>
-        <p:blipFill>
-          <a:blip r:embed="rId5"/>
-          <a:stretch>
-            <a:fillRect/>
-          </a:stretch>
-        </p:blipFill>
+        </p:nvCxnSpPr>
         <p:spPr>
           <a:xfrm>
-            <a:off x="2349260" y="2444693"/>
-            <a:ext cx="9098597" cy="262867"/>
+            <a:off x="4539343" y="2767427"/>
+            <a:ext cx="152400" cy="283467"/>
           </a:xfrm>
-          <a:prstGeom prst="rect">
+          <a:prstGeom prst="straightConnector1">
             <a:avLst/>
           </a:prstGeom>
+          <a:ln>
+            <a:tailEnd type="triangle"/>
+          </a:ln>
         </p:spPr>
-      </p:pic>
+        <p:style>
+          <a:lnRef idx="1">
+            <a:schemeClr val="accent2"/>
+          </a:lnRef>
+          <a:fillRef idx="0">
+            <a:schemeClr val="accent2"/>
+          </a:fillRef>
+          <a:effectRef idx="0">
+            <a:schemeClr val="accent2"/>
+          </a:effectRef>
+          <a:fontRef idx="minor">
+            <a:schemeClr val="tx1"/>
+          </a:fontRef>
+        </p:style>
+      </p:cxnSp>
     </p:spTree>
     <p:extLst>
       <p:ext uri="{BB962C8B-B14F-4D97-AF65-F5344CB8AC3E}">

--- a/NIST_Data_Leakage_Case/NIST_Data_Leakage_00_Env_Setting.pptx
+++ b/NIST_Data_Leakage_Case/NIST_Data_Leakage_00_Env_Setting.pptx
@@ -5,7 +5,7 @@
     <p:sldMasterId id="2147483648" r:id="rId1"/>
   </p:sldMasterIdLst>
   <p:notesMasterIdLst>
-    <p:notesMasterId r:id="rId48"/>
+    <p:notesMasterId r:id="rId49"/>
   </p:notesMasterIdLst>
   <p:sldIdLst>
     <p:sldId id="256" r:id="rId2"/>
@@ -28,32 +28,33 @@
     <p:sldId id="290" r:id="rId19"/>
     <p:sldId id="292" r:id="rId20"/>
     <p:sldId id="323" r:id="rId21"/>
-    <p:sldId id="278" r:id="rId22"/>
-    <p:sldId id="324" r:id="rId23"/>
-    <p:sldId id="279" r:id="rId24"/>
-    <p:sldId id="280" r:id="rId25"/>
-    <p:sldId id="281" r:id="rId26"/>
-    <p:sldId id="282" r:id="rId27"/>
-    <p:sldId id="321" r:id="rId28"/>
-    <p:sldId id="308" r:id="rId29"/>
-    <p:sldId id="319" r:id="rId30"/>
-    <p:sldId id="293" r:id="rId31"/>
-    <p:sldId id="314" r:id="rId32"/>
-    <p:sldId id="322" r:id="rId33"/>
-    <p:sldId id="320" r:id="rId34"/>
-    <p:sldId id="297" r:id="rId35"/>
-    <p:sldId id="306" r:id="rId36"/>
-    <p:sldId id="294" r:id="rId37"/>
-    <p:sldId id="295" r:id="rId38"/>
-    <p:sldId id="296" r:id="rId39"/>
-    <p:sldId id="309" r:id="rId40"/>
-    <p:sldId id="284" r:id="rId41"/>
-    <p:sldId id="273" r:id="rId42"/>
-    <p:sldId id="276" r:id="rId43"/>
-    <p:sldId id="312" r:id="rId44"/>
-    <p:sldId id="325" r:id="rId45"/>
-    <p:sldId id="316" r:id="rId46"/>
-    <p:sldId id="317" r:id="rId47"/>
+    <p:sldId id="326" r:id="rId22"/>
+    <p:sldId id="278" r:id="rId23"/>
+    <p:sldId id="324" r:id="rId24"/>
+    <p:sldId id="279" r:id="rId25"/>
+    <p:sldId id="280" r:id="rId26"/>
+    <p:sldId id="281" r:id="rId27"/>
+    <p:sldId id="282" r:id="rId28"/>
+    <p:sldId id="321" r:id="rId29"/>
+    <p:sldId id="308" r:id="rId30"/>
+    <p:sldId id="319" r:id="rId31"/>
+    <p:sldId id="293" r:id="rId32"/>
+    <p:sldId id="314" r:id="rId33"/>
+    <p:sldId id="322" r:id="rId34"/>
+    <p:sldId id="320" r:id="rId35"/>
+    <p:sldId id="297" r:id="rId36"/>
+    <p:sldId id="306" r:id="rId37"/>
+    <p:sldId id="294" r:id="rId38"/>
+    <p:sldId id="295" r:id="rId39"/>
+    <p:sldId id="296" r:id="rId40"/>
+    <p:sldId id="309" r:id="rId41"/>
+    <p:sldId id="284" r:id="rId42"/>
+    <p:sldId id="273" r:id="rId43"/>
+    <p:sldId id="276" r:id="rId44"/>
+    <p:sldId id="312" r:id="rId45"/>
+    <p:sldId id="325" r:id="rId46"/>
+    <p:sldId id="316" r:id="rId47"/>
+    <p:sldId id="317" r:id="rId48"/>
   </p:sldIdLst>
   <p:sldSz cx="12192000" cy="6858000"/>
   <p:notesSz cx="6858000" cy="9144000"/>
@@ -163,7 +164,7 @@
 <file path=ppt/revisionInfo.xml><?xml version="1.0" encoding="utf-8"?>
 <p1510:revInfo xmlns:a="http://schemas.openxmlformats.org/drawingml/2006/main" xmlns:r="http://schemas.openxmlformats.org/officeDocument/2006/relationships" xmlns:p1510="http://schemas.microsoft.com/office/powerpoint/2015/10/main">
   <p1510:revLst>
-    <p1510:client id="{FC29E0CB-EC29-4F0E-A782-58C19F5D3434}" v="36" dt="2022-02-23T22:25:21.530"/>
+    <p1510:client id="{FC29E0CB-EC29-4F0E-A782-58C19F5D3434}" v="106" dt="2022-05-09T00:16:24.392"/>
   </p1510:revLst>
 </p1510:revInfo>
 </file>
@@ -744,12 +745,12 @@
   <pc:docChgLst>
     <pc:chgData name="Weifeng Xu" userId="e7aed605-a3dd-4d5a-a692-a87037af107b" providerId="ADAL" clId="{FC29E0CB-EC29-4F0E-A782-58C19F5D3434}"/>
     <pc:docChg chg="undo custSel addSld delSld modSld">
-      <pc:chgData name="Weifeng Xu" userId="e7aed605-a3dd-4d5a-a692-a87037af107b" providerId="ADAL" clId="{FC29E0CB-EC29-4F0E-A782-58C19F5D3434}" dt="2022-02-23T22:26:38.725" v="1058" actId="20577"/>
+      <pc:chgData name="Weifeng Xu" userId="e7aed605-a3dd-4d5a-a692-a87037af107b" providerId="ADAL" clId="{FC29E0CB-EC29-4F0E-A782-58C19F5D3434}" dt="2022-09-06T20:13:22.029" v="1669" actId="20577"/>
       <pc:docMkLst>
         <pc:docMk/>
       </pc:docMkLst>
       <pc:sldChg chg="addSp delSp modSp mod modNotesTx">
-        <pc:chgData name="Weifeng Xu" userId="e7aed605-a3dd-4d5a-a692-a87037af107b" providerId="ADAL" clId="{FC29E0CB-EC29-4F0E-A782-58C19F5D3434}" dt="2022-02-23T22:26:38.725" v="1058" actId="20577"/>
+        <pc:chgData name="Weifeng Xu" userId="e7aed605-a3dd-4d5a-a692-a87037af107b" providerId="ADAL" clId="{FC29E0CB-EC29-4F0E-A782-58C19F5D3434}" dt="2022-06-02T11:49:25.367" v="1663" actId="2711"/>
         <pc:sldMkLst>
           <pc:docMk/>
           <pc:sldMk cId="878550910" sldId="265"/>
@@ -771,19 +772,27 @@
           </ac:spMkLst>
         </pc:spChg>
         <pc:spChg chg="add mod">
-          <ac:chgData name="Weifeng Xu" userId="e7aed605-a3dd-4d5a-a692-a87037af107b" providerId="ADAL" clId="{FC29E0CB-EC29-4F0E-A782-58C19F5D3434}" dt="2022-02-23T22:26:38.725" v="1058" actId="20577"/>
+          <ac:chgData name="Weifeng Xu" userId="e7aed605-a3dd-4d5a-a692-a87037af107b" providerId="ADAL" clId="{FC29E0CB-EC29-4F0E-A782-58C19F5D3434}" dt="2022-06-02T11:49:25.367" v="1663" actId="2711"/>
           <ac:spMkLst>
             <pc:docMk/>
             <pc:sldMk cId="878550910" sldId="265"/>
             <ac:spMk id="12" creationId="{582204F2-497F-465D-B427-D1F6A277BF51}"/>
           </ac:spMkLst>
         </pc:spChg>
-        <pc:picChg chg="mod modCrop">
-          <ac:chgData name="Weifeng Xu" userId="e7aed605-a3dd-4d5a-a692-a87037af107b" providerId="ADAL" clId="{FC29E0CB-EC29-4F0E-A782-58C19F5D3434}" dt="2021-08-31T19:07:30.444" v="509" actId="14100"/>
+        <pc:picChg chg="add del mod modCrop">
+          <ac:chgData name="Weifeng Xu" userId="e7aed605-a3dd-4d5a-a692-a87037af107b" providerId="ADAL" clId="{FC29E0CB-EC29-4F0E-A782-58C19F5D3434}" dt="2022-06-02T11:45:04.263" v="1533" actId="478"/>
           <ac:picMkLst>
             <pc:docMk/>
             <pc:sldMk cId="878550910" sldId="265"/>
             <ac:picMk id="3" creationId="{00000000-0000-0000-0000-000000000000}"/>
+          </ac:picMkLst>
+        </pc:picChg>
+        <pc:picChg chg="add del mod">
+          <ac:chgData name="Weifeng Xu" userId="e7aed605-a3dd-4d5a-a692-a87037af107b" providerId="ADAL" clId="{FC29E0CB-EC29-4F0E-A782-58C19F5D3434}" dt="2022-06-02T11:45:01.843" v="1532" actId="22"/>
+          <ac:picMkLst>
+            <pc:docMk/>
+            <pc:sldMk cId="878550910" sldId="265"/>
+            <ac:picMk id="6" creationId="{55B9E816-5670-03DF-622C-E49CA4769B7F}"/>
           </ac:picMkLst>
         </pc:picChg>
         <pc:picChg chg="add del mod">
@@ -818,6 +827,14 @@
             <ac:picMk id="8" creationId="{00000000-0000-0000-0000-000000000000}"/>
           </ac:picMkLst>
         </pc:picChg>
+        <pc:picChg chg="add mod modCrop">
+          <ac:chgData name="Weifeng Xu" userId="e7aed605-a3dd-4d5a-a692-a87037af107b" providerId="ADAL" clId="{FC29E0CB-EC29-4F0E-A782-58C19F5D3434}" dt="2022-06-02T11:46:18.063" v="1539" actId="1076"/>
+          <ac:picMkLst>
+            <pc:docMk/>
+            <pc:sldMk cId="878550910" sldId="265"/>
+            <ac:picMk id="8" creationId="{A58968C7-37FC-E4BA-BBD6-8E462CFE8651}"/>
+          </ac:picMkLst>
+        </pc:picChg>
         <pc:cxnChg chg="add del">
           <ac:chgData name="Weifeng Xu" userId="e7aed605-a3dd-4d5a-a692-a87037af107b" providerId="ADAL" clId="{FC29E0CB-EC29-4F0E-A782-58C19F5D3434}" dt="2022-02-23T22:25:22.344" v="971" actId="11529"/>
           <ac:cxnSpMkLst>
@@ -836,7 +853,7 @@
         </pc:cxnChg>
       </pc:sldChg>
       <pc:sldChg chg="addSp modSp mod">
-        <pc:chgData name="Weifeng Xu" userId="e7aed605-a3dd-4d5a-a692-a87037af107b" providerId="ADAL" clId="{FC29E0CB-EC29-4F0E-A782-58C19F5D3434}" dt="2021-09-07T14:16:52.059" v="561" actId="20577"/>
+        <pc:chgData name="Weifeng Xu" userId="e7aed605-a3dd-4d5a-a692-a87037af107b" providerId="ADAL" clId="{FC29E0CB-EC29-4F0E-A782-58C19F5D3434}" dt="2022-06-02T12:12:10.767" v="1665" actId="1076"/>
         <pc:sldMkLst>
           <pc:docMk/>
           <pc:sldMk cId="2453518679" sldId="266"/>
@@ -881,8 +898,8 @@
             <ac:picMk id="3" creationId="{00000000-0000-0000-0000-000000000000}"/>
           </ac:picMkLst>
         </pc:picChg>
-        <pc:picChg chg="add mod">
-          <ac:chgData name="Weifeng Xu" userId="e7aed605-a3dd-4d5a-a692-a87037af107b" providerId="ADAL" clId="{FC29E0CB-EC29-4F0E-A782-58C19F5D3434}" dt="2021-09-07T14:16:38.428" v="550" actId="14100"/>
+        <pc:picChg chg="add mod modCrop">
+          <ac:chgData name="Weifeng Xu" userId="e7aed605-a3dd-4d5a-a692-a87037af107b" providerId="ADAL" clId="{FC29E0CB-EC29-4F0E-A782-58C19F5D3434}" dt="2022-06-02T12:12:10.767" v="1665" actId="1076"/>
           <ac:picMkLst>
             <pc:docMk/>
             <pc:sldMk cId="2453518679" sldId="266"/>
@@ -970,7 +987,7 @@
         </pc:picChg>
       </pc:sldChg>
       <pc:sldChg chg="addSp delSp modSp mod modClrScheme chgLayout modNotesTx">
-        <pc:chgData name="Weifeng Xu" userId="e7aed605-a3dd-4d5a-a692-a87037af107b" providerId="ADAL" clId="{FC29E0CB-EC29-4F0E-A782-58C19F5D3434}" dt="2021-10-07T13:09:06.803" v="734" actId="20577"/>
+        <pc:chgData name="Weifeng Xu" userId="e7aed605-a3dd-4d5a-a692-a87037af107b" providerId="ADAL" clId="{FC29E0CB-EC29-4F0E-A782-58C19F5D3434}" dt="2022-09-06T20:13:22.029" v="1669" actId="20577"/>
         <pc:sldMkLst>
           <pc:docMk/>
           <pc:sldMk cId="3686885202" sldId="278"/>
@@ -1242,7 +1259,7 @@
         </pc:spChg>
       </pc:sldChg>
       <pc:sldChg chg="addSp delSp modSp new mod modClrScheme chgLayout">
-        <pc:chgData name="Weifeng Xu" userId="e7aed605-a3dd-4d5a-a692-a87037af107b" providerId="ADAL" clId="{FC29E0CB-EC29-4F0E-A782-58C19F5D3434}" dt="2021-08-24T15:14:52.652" v="237" actId="1076"/>
+        <pc:chgData name="Weifeng Xu" userId="e7aed605-a3dd-4d5a-a692-a87037af107b" providerId="ADAL" clId="{FC29E0CB-EC29-4F0E-A782-58C19F5D3434}" dt="2022-05-09T00:20:12.794" v="1523" actId="14100"/>
         <pc:sldMkLst>
           <pc:docMk/>
           <pc:sldMk cId="292031743" sldId="323"/>
@@ -1255,6 +1272,14 @@
             <ac:spMk id="2" creationId="{0FA4BCDA-9AFB-4F5F-A5EA-048D8F2D88DC}"/>
           </ac:spMkLst>
         </pc:spChg>
+        <pc:spChg chg="add del mod">
+          <ac:chgData name="Weifeng Xu" userId="e7aed605-a3dd-4d5a-a692-a87037af107b" providerId="ADAL" clId="{FC29E0CB-EC29-4F0E-A782-58C19F5D3434}" dt="2022-05-08T23:50:16.021" v="1068" actId="700"/>
+          <ac:spMkLst>
+            <pc:docMk/>
+            <pc:sldMk cId="292031743" sldId="323"/>
+            <ac:spMk id="3" creationId="{04371867-3B35-0178-D3D3-E458BF0EAF8F}"/>
+          </ac:spMkLst>
+        </pc:spChg>
         <pc:spChg chg="del">
           <ac:chgData name="Weifeng Xu" userId="e7aed605-a3dd-4d5a-a692-a87037af107b" providerId="ADAL" clId="{FC29E0CB-EC29-4F0E-A782-58C19F5D3434}" dt="2021-08-24T14:43:53.375" v="1" actId="700"/>
           <ac:spMkLst>
@@ -1264,11 +1289,19 @@
           </ac:spMkLst>
         </pc:spChg>
         <pc:spChg chg="add mod ord">
-          <ac:chgData name="Weifeng Xu" userId="e7aed605-a3dd-4d5a-a692-a87037af107b" providerId="ADAL" clId="{FC29E0CB-EC29-4F0E-A782-58C19F5D3434}" dt="2021-08-24T14:47:45.841" v="24" actId="700"/>
+          <ac:chgData name="Weifeng Xu" userId="e7aed605-a3dd-4d5a-a692-a87037af107b" providerId="ADAL" clId="{FC29E0CB-EC29-4F0E-A782-58C19F5D3434}" dt="2022-05-09T00:17:02.413" v="1370" actId="20577"/>
           <ac:spMkLst>
             <pc:docMk/>
             <pc:sldMk cId="292031743" sldId="323"/>
             <ac:spMk id="4" creationId="{21C5F391-BD46-454B-BA43-6035EF9BA067}"/>
+          </ac:spMkLst>
+        </pc:spChg>
+        <pc:spChg chg="add mod">
+          <ac:chgData name="Weifeng Xu" userId="e7aed605-a3dd-4d5a-a692-a87037af107b" providerId="ADAL" clId="{FC29E0CB-EC29-4F0E-A782-58C19F5D3434}" dt="2022-05-09T00:06:57.660" v="1247" actId="1076"/>
+          <ac:spMkLst>
+            <pc:docMk/>
+            <pc:sldMk cId="292031743" sldId="323"/>
+            <ac:spMk id="7" creationId="{73F2DA38-E864-BE77-7CD9-0895E559A083}"/>
           </ac:spMkLst>
         </pc:spChg>
         <pc:spChg chg="add del mod">
@@ -1279,16 +1312,24 @@
             <ac:spMk id="7" creationId="{FEABE6E2-43C1-4D37-AD2E-53733DBD4D78}"/>
           </ac:spMkLst>
         </pc:spChg>
-        <pc:spChg chg="add mod ord">
-          <ac:chgData name="Weifeng Xu" userId="e7aed605-a3dd-4d5a-a692-a87037af107b" providerId="ADAL" clId="{FC29E0CB-EC29-4F0E-A782-58C19F5D3434}" dt="2021-08-24T15:09:55.364" v="218" actId="12"/>
+        <pc:spChg chg="add mod">
+          <ac:chgData name="Weifeng Xu" userId="e7aed605-a3dd-4d5a-a692-a87037af107b" providerId="ADAL" clId="{FC29E0CB-EC29-4F0E-A782-58C19F5D3434}" dt="2022-05-09T00:00:44.202" v="1185" actId="14100"/>
+          <ac:spMkLst>
+            <pc:docMk/>
+            <pc:sldMk cId="292031743" sldId="323"/>
+            <ac:spMk id="8" creationId="{93F94705-C3A8-B318-2E46-E7659ECA7A91}"/>
+          </ac:spMkLst>
+        </pc:spChg>
+        <pc:spChg chg="add del mod ord">
+          <ac:chgData name="Weifeng Xu" userId="e7aed605-a3dd-4d5a-a692-a87037af107b" providerId="ADAL" clId="{FC29E0CB-EC29-4F0E-A782-58C19F5D3434}" dt="2022-05-08T23:50:12.186" v="1067" actId="478"/>
           <ac:spMkLst>
             <pc:docMk/>
             <pc:sldMk cId="292031743" sldId="323"/>
             <ac:spMk id="9" creationId="{33EF9FE4-BE5E-48E5-841C-1F2FAF0945AA}"/>
           </ac:spMkLst>
         </pc:spChg>
-        <pc:spChg chg="add mod">
-          <ac:chgData name="Weifeng Xu" userId="e7aed605-a3dd-4d5a-a692-a87037af107b" providerId="ADAL" clId="{FC29E0CB-EC29-4F0E-A782-58C19F5D3434}" dt="2021-08-24T15:11:07.583" v="228" actId="207"/>
+        <pc:spChg chg="add del mod">
+          <ac:chgData name="Weifeng Xu" userId="e7aed605-a3dd-4d5a-a692-a87037af107b" providerId="ADAL" clId="{FC29E0CB-EC29-4F0E-A782-58C19F5D3434}" dt="2022-05-08T23:49:44.311" v="1063" actId="478"/>
           <ac:spMkLst>
             <pc:docMk/>
             <pc:sldMk cId="292031743" sldId="323"/>
@@ -1296,27 +1337,139 @@
           </ac:spMkLst>
         </pc:spChg>
         <pc:spChg chg="add mod">
-          <ac:chgData name="Weifeng Xu" userId="e7aed605-a3dd-4d5a-a692-a87037af107b" providerId="ADAL" clId="{FC29E0CB-EC29-4F0E-A782-58C19F5D3434}" dt="2021-08-24T15:10:58.335" v="224" actId="2085"/>
+          <ac:chgData name="Weifeng Xu" userId="e7aed605-a3dd-4d5a-a692-a87037af107b" providerId="ADAL" clId="{FC29E0CB-EC29-4F0E-A782-58C19F5D3434}" dt="2022-05-09T00:05:40.155" v="1240" actId="2711"/>
+          <ac:spMkLst>
+            <pc:docMk/>
+            <pc:sldMk cId="292031743" sldId="323"/>
+            <ac:spMk id="11" creationId="{37F08710-90E0-38AD-090C-FADBD6698801}"/>
+          </ac:spMkLst>
+        </pc:spChg>
+        <pc:spChg chg="add mod">
+          <ac:chgData name="Weifeng Xu" userId="e7aed605-a3dd-4d5a-a692-a87037af107b" providerId="ADAL" clId="{FC29E0CB-EC29-4F0E-A782-58C19F5D3434}" dt="2022-05-09T00:11:34.876" v="1289" actId="1076"/>
+          <ac:spMkLst>
+            <pc:docMk/>
+            <pc:sldMk cId="292031743" sldId="323"/>
+            <ac:spMk id="12" creationId="{04608064-DEC2-C8DB-555F-B0126824032F}"/>
+          </ac:spMkLst>
+        </pc:spChg>
+        <pc:spChg chg="add mod">
+          <ac:chgData name="Weifeng Xu" userId="e7aed605-a3dd-4d5a-a692-a87037af107b" providerId="ADAL" clId="{FC29E0CB-EC29-4F0E-A782-58C19F5D3434}" dt="2022-05-09T00:10:34.649" v="1285" actId="208"/>
+          <ac:spMkLst>
+            <pc:docMk/>
+            <pc:sldMk cId="292031743" sldId="323"/>
+            <ac:spMk id="13" creationId="{B93B2CF3-8134-512E-8CF5-847530325789}"/>
+          </ac:spMkLst>
+        </pc:spChg>
+        <pc:spChg chg="add mod">
+          <ac:chgData name="Weifeng Xu" userId="e7aed605-a3dd-4d5a-a692-a87037af107b" providerId="ADAL" clId="{FC29E0CB-EC29-4F0E-A782-58C19F5D3434}" dt="2022-05-09T00:03:34.750" v="1220" actId="1076"/>
+          <ac:spMkLst>
+            <pc:docMk/>
+            <pc:sldMk cId="292031743" sldId="323"/>
+            <ac:spMk id="14" creationId="{A3B4949B-FB08-85C0-6799-1085FDA4EE0B}"/>
+          </ac:spMkLst>
+        </pc:spChg>
+        <pc:spChg chg="add mod">
+          <ac:chgData name="Weifeng Xu" userId="e7aed605-a3dd-4d5a-a692-a87037af107b" providerId="ADAL" clId="{FC29E0CB-EC29-4F0E-A782-58C19F5D3434}" dt="2022-05-09T00:05:03.093" v="1230" actId="208"/>
+          <ac:spMkLst>
+            <pc:docMk/>
+            <pc:sldMk cId="292031743" sldId="323"/>
+            <ac:spMk id="16" creationId="{C1E394D1-425D-96C7-DFE1-6121F65C7A82}"/>
+          </ac:spMkLst>
+        </pc:spChg>
+        <pc:spChg chg="add mod">
+          <ac:chgData name="Weifeng Xu" userId="e7aed605-a3dd-4d5a-a692-a87037af107b" providerId="ADAL" clId="{FC29E0CB-EC29-4F0E-A782-58C19F5D3434}" dt="2022-05-09T00:05:52.793" v="1242" actId="1076"/>
+          <ac:spMkLst>
+            <pc:docMk/>
+            <pc:sldMk cId="292031743" sldId="323"/>
+            <ac:spMk id="18" creationId="{83ACBE4C-14F9-EDC9-2EAC-5BC53A190BB3}"/>
+          </ac:spMkLst>
+        </pc:spChg>
+        <pc:spChg chg="add mod">
+          <ac:chgData name="Weifeng Xu" userId="e7aed605-a3dd-4d5a-a692-a87037af107b" providerId="ADAL" clId="{FC29E0CB-EC29-4F0E-A782-58C19F5D3434}" dt="2022-05-09T00:19:20.441" v="1492" actId="20577"/>
+          <ac:spMkLst>
+            <pc:docMk/>
+            <pc:sldMk cId="292031743" sldId="323"/>
+            <ac:spMk id="21" creationId="{CE53996E-2EF5-345F-334F-C9810F2A657B}"/>
+          </ac:spMkLst>
+        </pc:spChg>
+        <pc:spChg chg="add mod">
+          <ac:chgData name="Weifeng Xu" userId="e7aed605-a3dd-4d5a-a692-a87037af107b" providerId="ADAL" clId="{FC29E0CB-EC29-4F0E-A782-58C19F5D3434}" dt="2022-05-09T00:03:47.287" v="1223" actId="14100"/>
+          <ac:spMkLst>
+            <pc:docMk/>
+            <pc:sldMk cId="292031743" sldId="323"/>
+            <ac:spMk id="26" creationId="{B2B6B299-4BAE-2A09-000D-F541FD316F13}"/>
+          </ac:spMkLst>
+        </pc:spChg>
+        <pc:spChg chg="add mod">
+          <ac:chgData name="Weifeng Xu" userId="e7aed605-a3dd-4d5a-a692-a87037af107b" providerId="ADAL" clId="{FC29E0CB-EC29-4F0E-A782-58C19F5D3434}" dt="2022-05-09T00:19:12.595" v="1490" actId="1076"/>
+          <ac:spMkLst>
+            <pc:docMk/>
+            <pc:sldMk cId="292031743" sldId="323"/>
+            <ac:spMk id="34" creationId="{9FB48654-3827-FAFB-78C5-A17CDDE4CB67}"/>
+          </ac:spMkLst>
+        </pc:spChg>
+        <pc:spChg chg="add mod">
+          <ac:chgData name="Weifeng Xu" userId="e7aed605-a3dd-4d5a-a692-a87037af107b" providerId="ADAL" clId="{FC29E0CB-EC29-4F0E-A782-58C19F5D3434}" dt="2022-05-09T00:20:06.699" v="1522" actId="1076"/>
+          <ac:spMkLst>
+            <pc:docMk/>
+            <pc:sldMk cId="292031743" sldId="323"/>
+            <ac:spMk id="36" creationId="{69106214-8275-F460-2739-D40C4F979BA2}"/>
+          </ac:spMkLst>
+        </pc:spChg>
+        <pc:spChg chg="add del mod">
+          <ac:chgData name="Weifeng Xu" userId="e7aed605-a3dd-4d5a-a692-a87037af107b" providerId="ADAL" clId="{FC29E0CB-EC29-4F0E-A782-58C19F5D3434}" dt="2022-05-08T23:57:09.501" v="1122" actId="478"/>
           <ac:spMkLst>
             <pc:docMk/>
             <pc:sldMk cId="292031743" sldId="323"/>
             <ac:spMk id="37" creationId="{8BC1F83E-E671-43C8-AD56-BC632DDC9A67}"/>
           </ac:spMkLst>
         </pc:spChg>
-        <pc:spChg chg="add mod">
-          <ac:chgData name="Weifeng Xu" userId="e7aed605-a3dd-4d5a-a692-a87037af107b" providerId="ADAL" clId="{FC29E0CB-EC29-4F0E-A782-58C19F5D3434}" dt="2021-08-24T15:14:52.652" v="237" actId="1076"/>
+        <pc:spChg chg="add del mod">
+          <ac:chgData name="Weifeng Xu" userId="e7aed605-a3dd-4d5a-a692-a87037af107b" providerId="ADAL" clId="{FC29E0CB-EC29-4F0E-A782-58C19F5D3434}" dt="2022-05-08T23:49:44.311" v="1063" actId="478"/>
           <ac:spMkLst>
             <pc:docMk/>
             <pc:sldMk cId="292031743" sldId="323"/>
             <ac:spMk id="39" creationId="{20D7D29C-EFF3-4DDA-AADD-3B45F806B09B}"/>
           </ac:spMkLst>
         </pc:spChg>
-        <pc:picChg chg="add mod">
-          <ac:chgData name="Weifeng Xu" userId="e7aed605-a3dd-4d5a-a692-a87037af107b" providerId="ADAL" clId="{FC29E0CB-EC29-4F0E-A782-58C19F5D3434}" dt="2021-08-24T15:00:00.007" v="179" actId="1076"/>
+        <pc:graphicFrameChg chg="add mod modGraphic">
+          <ac:chgData name="Weifeng Xu" userId="e7aed605-a3dd-4d5a-a692-a87037af107b" providerId="ADAL" clId="{FC29E0CB-EC29-4F0E-A782-58C19F5D3434}" dt="2022-05-08T23:57:19.196" v="1126" actId="1076"/>
+          <ac:graphicFrameMkLst>
+            <pc:docMk/>
+            <pc:sldMk cId="292031743" sldId="323"/>
+            <ac:graphicFrameMk id="5" creationId="{A5E22A1C-6FAC-B873-95A2-00A0F6B56F36}"/>
+          </ac:graphicFrameMkLst>
+        </pc:graphicFrameChg>
+        <pc:picChg chg="add del mod">
+          <ac:chgData name="Weifeng Xu" userId="e7aed605-a3dd-4d5a-a692-a87037af107b" providerId="ADAL" clId="{FC29E0CB-EC29-4F0E-A782-58C19F5D3434}" dt="2022-05-08T23:57:04.381" v="1120" actId="478"/>
+          <ac:picMkLst>
+            <pc:docMk/>
+            <pc:sldMk cId="292031743" sldId="323"/>
+            <ac:picMk id="6" creationId="{E20BE919-D334-4E86-E7A6-05D6F2A7414B}"/>
+          </ac:picMkLst>
+        </pc:picChg>
+        <pc:picChg chg="add del mod">
+          <ac:chgData name="Weifeng Xu" userId="e7aed605-a3dd-4d5a-a692-a87037af107b" providerId="ADAL" clId="{FC29E0CB-EC29-4F0E-A782-58C19F5D3434}" dt="2022-05-08T23:49:37.984" v="1060" actId="478"/>
           <ac:picMkLst>
             <pc:docMk/>
             <pc:sldMk cId="292031743" sldId="323"/>
             <ac:picMk id="1026" creationId="{DE1748CC-871F-448C-8F8E-90685526AA93}"/>
+          </ac:picMkLst>
+        </pc:picChg>
+        <pc:picChg chg="add mod">
+          <ac:chgData name="Weifeng Xu" userId="e7aed605-a3dd-4d5a-a692-a87037af107b" providerId="ADAL" clId="{FC29E0CB-EC29-4F0E-A782-58C19F5D3434}" dt="2022-05-08T23:57:26.266" v="1127" actId="1076"/>
+          <ac:picMkLst>
+            <pc:docMk/>
+            <pc:sldMk cId="292031743" sldId="323"/>
+            <ac:picMk id="1028" creationId="{37489F9B-5C45-2C16-F65F-C55F1FCA5944}"/>
+          </ac:picMkLst>
+        </pc:picChg>
+        <pc:picChg chg="add mod">
+          <ac:chgData name="Weifeng Xu" userId="e7aed605-a3dd-4d5a-a692-a87037af107b" providerId="ADAL" clId="{FC29E0CB-EC29-4F0E-A782-58C19F5D3434}" dt="2022-05-09T00:06:55.257" v="1246" actId="1076"/>
+          <ac:picMkLst>
+            <pc:docMk/>
+            <pc:sldMk cId="292031743" sldId="323"/>
+            <ac:picMk id="1030" creationId="{761C85A7-A6FD-E7B2-FA3F-45207AB7295C}"/>
           </ac:picMkLst>
         </pc:picChg>
         <pc:cxnChg chg="add del mod">
@@ -1335,16 +1488,16 @@
             <ac:cxnSpMk id="12" creationId="{DEF5EE3C-8FD1-4B3C-97BE-9DCCAD7CC40C}"/>
           </ac:cxnSpMkLst>
         </pc:cxnChg>
-        <pc:cxnChg chg="add mod">
-          <ac:chgData name="Weifeng Xu" userId="e7aed605-a3dd-4d5a-a692-a87037af107b" providerId="ADAL" clId="{FC29E0CB-EC29-4F0E-A782-58C19F5D3434}" dt="2021-08-24T15:09:26.321" v="214" actId="693"/>
+        <pc:cxnChg chg="add del mod">
+          <ac:chgData name="Weifeng Xu" userId="e7aed605-a3dd-4d5a-a692-a87037af107b" providerId="ADAL" clId="{FC29E0CB-EC29-4F0E-A782-58C19F5D3434}" dt="2022-05-08T23:49:44.311" v="1063" actId="478"/>
           <ac:cxnSpMkLst>
             <pc:docMk/>
             <pc:sldMk cId="292031743" sldId="323"/>
             <ac:cxnSpMk id="15" creationId="{8D1FCEF6-B348-4FC8-B0E6-D54D53AA5EE7}"/>
           </ac:cxnSpMkLst>
         </pc:cxnChg>
-        <pc:cxnChg chg="add mod">
-          <ac:chgData name="Weifeng Xu" userId="e7aed605-a3dd-4d5a-a692-a87037af107b" providerId="ADAL" clId="{FC29E0CB-EC29-4F0E-A782-58C19F5D3434}" dt="2021-08-24T15:11:03.632" v="227" actId="20577"/>
+        <pc:cxnChg chg="add del mod">
+          <ac:chgData name="Weifeng Xu" userId="e7aed605-a3dd-4d5a-a692-a87037af107b" providerId="ADAL" clId="{FC29E0CB-EC29-4F0E-A782-58C19F5D3434}" dt="2022-05-08T23:49:44.311" v="1063" actId="478"/>
           <ac:cxnSpMkLst>
             <pc:docMk/>
             <pc:sldMk cId="292031743" sldId="323"/>
@@ -1352,31 +1505,39 @@
           </ac:cxnSpMkLst>
         </pc:cxnChg>
         <pc:cxnChg chg="add mod">
-          <ac:chgData name="Weifeng Xu" userId="e7aed605-a3dd-4d5a-a692-a87037af107b" providerId="ADAL" clId="{FC29E0CB-EC29-4F0E-A782-58C19F5D3434}" dt="2021-08-24T15:09:14.464" v="212" actId="693"/>
+          <ac:chgData name="Weifeng Xu" userId="e7aed605-a3dd-4d5a-a692-a87037af107b" providerId="ADAL" clId="{FC29E0CB-EC29-4F0E-A782-58C19F5D3434}" dt="2022-05-09T00:08:36.299" v="1263" actId="13822"/>
+          <ac:cxnSpMkLst>
+            <pc:docMk/>
+            <pc:sldMk cId="292031743" sldId="323"/>
+            <ac:cxnSpMk id="20" creationId="{238305D9-3E32-750B-81DA-EDECAE72C049}"/>
+          </ac:cxnSpMkLst>
+        </pc:cxnChg>
+        <pc:cxnChg chg="add del mod">
+          <ac:chgData name="Weifeng Xu" userId="e7aed605-a3dd-4d5a-a692-a87037af107b" providerId="ADAL" clId="{FC29E0CB-EC29-4F0E-A782-58C19F5D3434}" dt="2022-05-08T23:49:40.688" v="1061" actId="478"/>
           <ac:cxnSpMkLst>
             <pc:docMk/>
             <pc:sldMk cId="292031743" sldId="323"/>
             <ac:cxnSpMk id="23" creationId="{27E200BC-E63B-45D2-802C-A1E390EF4959}"/>
           </ac:cxnSpMkLst>
         </pc:cxnChg>
-        <pc:cxnChg chg="add mod">
-          <ac:chgData name="Weifeng Xu" userId="e7aed605-a3dd-4d5a-a692-a87037af107b" providerId="ADAL" clId="{FC29E0CB-EC29-4F0E-A782-58C19F5D3434}" dt="2021-08-24T15:09:20.239" v="213" actId="693"/>
+        <pc:cxnChg chg="add del mod">
+          <ac:chgData name="Weifeng Xu" userId="e7aed605-a3dd-4d5a-a692-a87037af107b" providerId="ADAL" clId="{FC29E0CB-EC29-4F0E-A782-58C19F5D3434}" dt="2022-05-08T23:49:44.311" v="1063" actId="478"/>
           <ac:cxnSpMkLst>
             <pc:docMk/>
             <pc:sldMk cId="292031743" sldId="323"/>
             <ac:cxnSpMk id="28" creationId="{3570BB91-F533-44AF-AE76-EE5174C15FC8}"/>
           </ac:cxnSpMkLst>
         </pc:cxnChg>
-        <pc:cxnChg chg="add mod">
-          <ac:chgData name="Weifeng Xu" userId="e7aed605-a3dd-4d5a-a692-a87037af107b" providerId="ADAL" clId="{FC29E0CB-EC29-4F0E-A782-58C19F5D3434}" dt="2021-08-24T15:07:27.729" v="206" actId="13822"/>
+        <pc:cxnChg chg="add del mod">
+          <ac:chgData name="Weifeng Xu" userId="e7aed605-a3dd-4d5a-a692-a87037af107b" providerId="ADAL" clId="{FC29E0CB-EC29-4F0E-A782-58C19F5D3434}" dt="2022-05-08T23:50:06.606" v="1064" actId="478"/>
           <ac:cxnSpMkLst>
             <pc:docMk/>
             <pc:sldMk cId="292031743" sldId="323"/>
             <ac:cxnSpMk id="31" creationId="{5EC48818-F89D-497D-8A55-F90D8B550A5A}"/>
           </ac:cxnSpMkLst>
         </pc:cxnChg>
-        <pc:cxnChg chg="add mod">
-          <ac:chgData name="Weifeng Xu" userId="e7aed605-a3dd-4d5a-a692-a87037af107b" providerId="ADAL" clId="{FC29E0CB-EC29-4F0E-A782-58C19F5D3434}" dt="2021-08-24T15:11:03.632" v="227" actId="20577"/>
+        <pc:cxnChg chg="add del mod">
+          <ac:chgData name="Weifeng Xu" userId="e7aed605-a3dd-4d5a-a692-a87037af107b" providerId="ADAL" clId="{FC29E0CB-EC29-4F0E-A782-58C19F5D3434}" dt="2022-05-08T23:50:06.606" v="1064" actId="478"/>
           <ac:cxnSpMkLst>
             <pc:docMk/>
             <pc:sldMk cId="292031743" sldId="323"/>
@@ -1384,7 +1545,23 @@
           </ac:cxnSpMkLst>
         </pc:cxnChg>
         <pc:cxnChg chg="add mod">
-          <ac:chgData name="Weifeng Xu" userId="e7aed605-a3dd-4d5a-a692-a87037af107b" providerId="ADAL" clId="{FC29E0CB-EC29-4F0E-A782-58C19F5D3434}" dt="2021-08-24T15:14:39.745" v="236" actId="208"/>
+          <ac:chgData name="Weifeng Xu" userId="e7aed605-a3dd-4d5a-a692-a87037af107b" providerId="ADAL" clId="{FC29E0CB-EC29-4F0E-A782-58C19F5D3434}" dt="2022-05-09T00:08:44.884" v="1265" actId="1076"/>
+          <ac:cxnSpMkLst>
+            <pc:docMk/>
+            <pc:sldMk cId="292031743" sldId="323"/>
+            <ac:cxnSpMk id="35" creationId="{8F0AE091-7C47-0CD2-0AEE-80E5998F1373}"/>
+          </ac:cxnSpMkLst>
+        </pc:cxnChg>
+        <pc:cxnChg chg="add mod">
+          <ac:chgData name="Weifeng Xu" userId="e7aed605-a3dd-4d5a-a692-a87037af107b" providerId="ADAL" clId="{FC29E0CB-EC29-4F0E-A782-58C19F5D3434}" dt="2022-05-09T00:20:12.794" v="1523" actId="14100"/>
+          <ac:cxnSpMkLst>
+            <pc:docMk/>
+            <pc:sldMk cId="292031743" sldId="323"/>
+            <ac:cxnSpMk id="38" creationId="{D318DDD7-6D6B-73F7-C419-06105E06E289}"/>
+          </ac:cxnSpMkLst>
+        </pc:cxnChg>
+        <pc:cxnChg chg="add del mod">
+          <ac:chgData name="Weifeng Xu" userId="e7aed605-a3dd-4d5a-a692-a87037af107b" providerId="ADAL" clId="{FC29E0CB-EC29-4F0E-A782-58C19F5D3434}" dt="2022-05-08T23:49:44.311" v="1063" actId="478"/>
           <ac:cxnSpMkLst>
             <pc:docMk/>
             <pc:sldMk cId="292031743" sldId="323"/>
@@ -1445,6 +1622,21 @@
             <ac:picMk id="4" creationId="{9EE17AC1-1F19-4B03-B997-5FB2A256C820}"/>
           </ac:picMkLst>
         </pc:picChg>
+      </pc:sldChg>
+      <pc:sldChg chg="modSp add mod">
+        <pc:chgData name="Weifeng Xu" userId="e7aed605-a3dd-4d5a-a692-a87037af107b" providerId="ADAL" clId="{FC29E0CB-EC29-4F0E-A782-58C19F5D3434}" dt="2022-05-09T00:12:30.288" v="1313" actId="20577"/>
+        <pc:sldMkLst>
+          <pc:docMk/>
+          <pc:sldMk cId="2819070566" sldId="326"/>
+        </pc:sldMkLst>
+        <pc:spChg chg="mod">
+          <ac:chgData name="Weifeng Xu" userId="e7aed605-a3dd-4d5a-a692-a87037af107b" providerId="ADAL" clId="{FC29E0CB-EC29-4F0E-A782-58C19F5D3434}" dt="2022-05-09T00:12:30.288" v="1313" actId="20577"/>
+          <ac:spMkLst>
+            <pc:docMk/>
+            <pc:sldMk cId="2819070566" sldId="326"/>
+            <ac:spMk id="4" creationId="{21C5F391-BD46-454B-BA43-6035EF9BA067}"/>
+          </ac:spMkLst>
+        </pc:spChg>
       </pc:sldChg>
     </pc:docChg>
   </pc:docChgLst>
@@ -2233,6 +2425,753 @@
 </dgm:colorsDef>
 </file>
 
+<file path=ppt/diagrams/colors2.xml><?xml version="1.0" encoding="utf-8"?>
+<dgm:colorsDef xmlns:dgm="http://schemas.openxmlformats.org/drawingml/2006/diagram" xmlns:a="http://schemas.openxmlformats.org/drawingml/2006/main" uniqueId="urn:microsoft.com/office/officeart/2005/8/colors/accent1_2">
+  <dgm:title val=""/>
+  <dgm:desc val=""/>
+  <dgm:catLst>
+    <dgm:cat type="accent1" pri="11200"/>
+  </dgm:catLst>
+  <dgm:styleLbl name="node0">
+    <dgm:fillClrLst meth="repeat">
+      <a:schemeClr val="accent1"/>
+    </dgm:fillClrLst>
+    <dgm:linClrLst meth="repeat">
+      <a:schemeClr val="lt1"/>
+    </dgm:linClrLst>
+    <dgm:effectClrLst/>
+    <dgm:txLinClrLst/>
+    <dgm:txFillClrLst/>
+    <dgm:txEffectClrLst/>
+  </dgm:styleLbl>
+  <dgm:styleLbl name="alignNode1">
+    <dgm:fillClrLst meth="repeat">
+      <a:schemeClr val="accent1"/>
+    </dgm:fillClrLst>
+    <dgm:linClrLst meth="repeat">
+      <a:schemeClr val="accent1"/>
+    </dgm:linClrLst>
+    <dgm:effectClrLst/>
+    <dgm:txLinClrLst/>
+    <dgm:txFillClrLst/>
+    <dgm:txEffectClrLst/>
+  </dgm:styleLbl>
+  <dgm:styleLbl name="node1">
+    <dgm:fillClrLst meth="repeat">
+      <a:schemeClr val="accent1"/>
+    </dgm:fillClrLst>
+    <dgm:linClrLst meth="repeat">
+      <a:schemeClr val="lt1"/>
+    </dgm:linClrLst>
+    <dgm:effectClrLst/>
+    <dgm:txLinClrLst/>
+    <dgm:txFillClrLst/>
+    <dgm:txEffectClrLst/>
+  </dgm:styleLbl>
+  <dgm:styleLbl name="lnNode1">
+    <dgm:fillClrLst meth="repeat">
+      <a:schemeClr val="accent1"/>
+    </dgm:fillClrLst>
+    <dgm:linClrLst meth="repeat">
+      <a:schemeClr val="lt1"/>
+    </dgm:linClrLst>
+    <dgm:effectClrLst/>
+    <dgm:txLinClrLst/>
+    <dgm:txFillClrLst/>
+    <dgm:txEffectClrLst/>
+  </dgm:styleLbl>
+  <dgm:styleLbl name="vennNode1">
+    <dgm:fillClrLst meth="repeat">
+      <a:schemeClr val="accent1">
+        <a:alpha val="50000"/>
+      </a:schemeClr>
+    </dgm:fillClrLst>
+    <dgm:linClrLst meth="repeat">
+      <a:schemeClr val="lt1"/>
+    </dgm:linClrLst>
+    <dgm:effectClrLst/>
+    <dgm:txLinClrLst/>
+    <dgm:txFillClrLst/>
+    <dgm:txEffectClrLst/>
+  </dgm:styleLbl>
+  <dgm:styleLbl name="node2">
+    <dgm:fillClrLst meth="repeat">
+      <a:schemeClr val="accent1"/>
+    </dgm:fillClrLst>
+    <dgm:linClrLst meth="repeat">
+      <a:schemeClr val="lt1"/>
+    </dgm:linClrLst>
+    <dgm:effectClrLst/>
+    <dgm:txLinClrLst/>
+    <dgm:txFillClrLst/>
+    <dgm:txEffectClrLst/>
+  </dgm:styleLbl>
+  <dgm:styleLbl name="node3">
+    <dgm:fillClrLst meth="repeat">
+      <a:schemeClr val="accent1"/>
+    </dgm:fillClrLst>
+    <dgm:linClrLst meth="repeat">
+      <a:schemeClr val="lt1"/>
+    </dgm:linClrLst>
+    <dgm:effectClrLst/>
+    <dgm:txLinClrLst/>
+    <dgm:txFillClrLst/>
+    <dgm:txEffectClrLst/>
+  </dgm:styleLbl>
+  <dgm:styleLbl name="node4">
+    <dgm:fillClrLst meth="repeat">
+      <a:schemeClr val="accent1"/>
+    </dgm:fillClrLst>
+    <dgm:linClrLst meth="repeat">
+      <a:schemeClr val="lt1"/>
+    </dgm:linClrLst>
+    <dgm:effectClrLst/>
+    <dgm:txLinClrLst/>
+    <dgm:txFillClrLst/>
+    <dgm:txEffectClrLst/>
+  </dgm:styleLbl>
+  <dgm:styleLbl name="fgImgPlace1">
+    <dgm:fillClrLst meth="repeat">
+      <a:schemeClr val="accent1">
+        <a:tint val="50000"/>
+      </a:schemeClr>
+    </dgm:fillClrLst>
+    <dgm:linClrLst meth="repeat">
+      <a:schemeClr val="lt1"/>
+    </dgm:linClrLst>
+    <dgm:effectClrLst/>
+    <dgm:txLinClrLst/>
+    <dgm:txFillClrLst meth="repeat">
+      <a:schemeClr val="lt1"/>
+    </dgm:txFillClrLst>
+    <dgm:txEffectClrLst/>
+  </dgm:styleLbl>
+  <dgm:styleLbl name="alignImgPlace1">
+    <dgm:fillClrLst meth="repeat">
+      <a:schemeClr val="accent1">
+        <a:tint val="50000"/>
+      </a:schemeClr>
+    </dgm:fillClrLst>
+    <dgm:linClrLst meth="repeat">
+      <a:schemeClr val="lt1"/>
+    </dgm:linClrLst>
+    <dgm:effectClrLst/>
+    <dgm:txLinClrLst/>
+    <dgm:txFillClrLst meth="repeat">
+      <a:schemeClr val="lt1"/>
+    </dgm:txFillClrLst>
+    <dgm:txEffectClrLst/>
+  </dgm:styleLbl>
+  <dgm:styleLbl name="bgImgPlace1">
+    <dgm:fillClrLst meth="repeat">
+      <a:schemeClr val="accent1">
+        <a:tint val="50000"/>
+      </a:schemeClr>
+    </dgm:fillClrLst>
+    <dgm:linClrLst meth="repeat">
+      <a:schemeClr val="lt1"/>
+    </dgm:linClrLst>
+    <dgm:effectClrLst/>
+    <dgm:txLinClrLst/>
+    <dgm:txFillClrLst meth="repeat">
+      <a:schemeClr val="lt1"/>
+    </dgm:txFillClrLst>
+    <dgm:txEffectClrLst/>
+  </dgm:styleLbl>
+  <dgm:styleLbl name="sibTrans2D1">
+    <dgm:fillClrLst meth="repeat">
+      <a:schemeClr val="accent1">
+        <a:tint val="60000"/>
+      </a:schemeClr>
+    </dgm:fillClrLst>
+    <dgm:linClrLst meth="repeat">
+      <a:schemeClr val="accent1">
+        <a:tint val="60000"/>
+      </a:schemeClr>
+    </dgm:linClrLst>
+    <dgm:effectClrLst/>
+    <dgm:txLinClrLst/>
+    <dgm:txFillClrLst/>
+    <dgm:txEffectClrLst/>
+  </dgm:styleLbl>
+  <dgm:styleLbl name="fgSibTrans2D1">
+    <dgm:fillClrLst meth="repeat">
+      <a:schemeClr val="accent1">
+        <a:tint val="60000"/>
+      </a:schemeClr>
+    </dgm:fillClrLst>
+    <dgm:linClrLst meth="repeat">
+      <a:schemeClr val="accent1">
+        <a:tint val="60000"/>
+      </a:schemeClr>
+    </dgm:linClrLst>
+    <dgm:effectClrLst/>
+    <dgm:txLinClrLst/>
+    <dgm:txFillClrLst/>
+    <dgm:txEffectClrLst/>
+  </dgm:styleLbl>
+  <dgm:styleLbl name="bgSibTrans2D1">
+    <dgm:fillClrLst meth="repeat">
+      <a:schemeClr val="accent1">
+        <a:tint val="60000"/>
+      </a:schemeClr>
+    </dgm:fillClrLst>
+    <dgm:linClrLst meth="repeat">
+      <a:schemeClr val="accent1">
+        <a:tint val="60000"/>
+      </a:schemeClr>
+    </dgm:linClrLst>
+    <dgm:effectClrLst/>
+    <dgm:txLinClrLst/>
+    <dgm:txFillClrLst/>
+    <dgm:txEffectClrLst/>
+  </dgm:styleLbl>
+  <dgm:styleLbl name="sibTrans1D1">
+    <dgm:fillClrLst meth="repeat">
+      <a:schemeClr val="accent1"/>
+    </dgm:fillClrLst>
+    <dgm:linClrLst meth="repeat">
+      <a:schemeClr val="accent1"/>
+    </dgm:linClrLst>
+    <dgm:effectClrLst/>
+    <dgm:txLinClrLst/>
+    <dgm:txFillClrLst meth="repeat">
+      <a:schemeClr val="tx1"/>
+    </dgm:txFillClrLst>
+    <dgm:txEffectClrLst/>
+  </dgm:styleLbl>
+  <dgm:styleLbl name="callout">
+    <dgm:fillClrLst meth="repeat">
+      <a:schemeClr val="accent1"/>
+    </dgm:fillClrLst>
+    <dgm:linClrLst meth="repeat">
+      <a:schemeClr val="accent1">
+        <a:tint val="50000"/>
+      </a:schemeClr>
+    </dgm:linClrLst>
+    <dgm:effectClrLst/>
+    <dgm:txLinClrLst/>
+    <dgm:txFillClrLst meth="repeat">
+      <a:schemeClr val="tx1"/>
+    </dgm:txFillClrLst>
+    <dgm:txEffectClrLst/>
+  </dgm:styleLbl>
+  <dgm:styleLbl name="asst0">
+    <dgm:fillClrLst meth="repeat">
+      <a:schemeClr val="accent1"/>
+    </dgm:fillClrLst>
+    <dgm:linClrLst meth="repeat">
+      <a:schemeClr val="lt1"/>
+    </dgm:linClrLst>
+    <dgm:effectClrLst/>
+    <dgm:txLinClrLst/>
+    <dgm:txFillClrLst/>
+    <dgm:txEffectClrLst/>
+  </dgm:styleLbl>
+  <dgm:styleLbl name="asst1">
+    <dgm:fillClrLst meth="repeat">
+      <a:schemeClr val="accent1"/>
+    </dgm:fillClrLst>
+    <dgm:linClrLst meth="repeat">
+      <a:schemeClr val="lt1"/>
+    </dgm:linClrLst>
+    <dgm:effectClrLst/>
+    <dgm:txLinClrLst/>
+    <dgm:txFillClrLst/>
+    <dgm:txEffectClrLst/>
+  </dgm:styleLbl>
+  <dgm:styleLbl name="asst2">
+    <dgm:fillClrLst meth="repeat">
+      <a:schemeClr val="accent1"/>
+    </dgm:fillClrLst>
+    <dgm:linClrLst meth="repeat">
+      <a:schemeClr val="lt1"/>
+    </dgm:linClrLst>
+    <dgm:effectClrLst/>
+    <dgm:txLinClrLst/>
+    <dgm:txFillClrLst/>
+    <dgm:txEffectClrLst/>
+  </dgm:styleLbl>
+  <dgm:styleLbl name="asst3">
+    <dgm:fillClrLst meth="repeat">
+      <a:schemeClr val="accent1"/>
+    </dgm:fillClrLst>
+    <dgm:linClrLst meth="repeat">
+      <a:schemeClr val="lt1"/>
+    </dgm:linClrLst>
+    <dgm:effectClrLst/>
+    <dgm:txLinClrLst/>
+    <dgm:txFillClrLst/>
+    <dgm:txEffectClrLst/>
+  </dgm:styleLbl>
+  <dgm:styleLbl name="asst4">
+    <dgm:fillClrLst meth="repeat">
+      <a:schemeClr val="accent1"/>
+    </dgm:fillClrLst>
+    <dgm:linClrLst meth="repeat">
+      <a:schemeClr val="lt1"/>
+    </dgm:linClrLst>
+    <dgm:effectClrLst/>
+    <dgm:txLinClrLst/>
+    <dgm:txFillClrLst/>
+    <dgm:txEffectClrLst/>
+  </dgm:styleLbl>
+  <dgm:styleLbl name="parChTrans2D1">
+    <dgm:fillClrLst meth="repeat">
+      <a:schemeClr val="accent1">
+        <a:tint val="60000"/>
+      </a:schemeClr>
+    </dgm:fillClrLst>
+    <dgm:linClrLst meth="repeat">
+      <a:schemeClr val="accent1">
+        <a:tint val="60000"/>
+      </a:schemeClr>
+    </dgm:linClrLst>
+    <dgm:effectClrLst/>
+    <dgm:txLinClrLst/>
+    <dgm:txFillClrLst meth="repeat">
+      <a:schemeClr val="lt1"/>
+    </dgm:txFillClrLst>
+    <dgm:txEffectClrLst/>
+  </dgm:styleLbl>
+  <dgm:styleLbl name="parChTrans2D2">
+    <dgm:fillClrLst meth="repeat">
+      <a:schemeClr val="accent1"/>
+    </dgm:fillClrLst>
+    <dgm:linClrLst meth="repeat">
+      <a:schemeClr val="accent1"/>
+    </dgm:linClrLst>
+    <dgm:effectClrLst/>
+    <dgm:txLinClrLst/>
+    <dgm:txFillClrLst meth="repeat">
+      <a:schemeClr val="lt1"/>
+    </dgm:txFillClrLst>
+    <dgm:txEffectClrLst/>
+  </dgm:styleLbl>
+  <dgm:styleLbl name="parChTrans2D3">
+    <dgm:fillClrLst meth="repeat">
+      <a:schemeClr val="accent1"/>
+    </dgm:fillClrLst>
+    <dgm:linClrLst meth="repeat">
+      <a:schemeClr val="accent1"/>
+    </dgm:linClrLst>
+    <dgm:effectClrLst/>
+    <dgm:txLinClrLst/>
+    <dgm:txFillClrLst meth="repeat">
+      <a:schemeClr val="lt1"/>
+    </dgm:txFillClrLst>
+    <dgm:txEffectClrLst/>
+  </dgm:styleLbl>
+  <dgm:styleLbl name="parChTrans2D4">
+    <dgm:fillClrLst meth="repeat">
+      <a:schemeClr val="accent1"/>
+    </dgm:fillClrLst>
+    <dgm:linClrLst meth="repeat">
+      <a:schemeClr val="accent1"/>
+    </dgm:linClrLst>
+    <dgm:effectClrLst/>
+    <dgm:txLinClrLst/>
+    <dgm:txFillClrLst meth="repeat">
+      <a:schemeClr val="lt1"/>
+    </dgm:txFillClrLst>
+    <dgm:txEffectClrLst/>
+  </dgm:styleLbl>
+  <dgm:styleLbl name="parChTrans1D1">
+    <dgm:fillClrLst meth="repeat">
+      <a:schemeClr val="accent1"/>
+    </dgm:fillClrLst>
+    <dgm:linClrLst meth="repeat">
+      <a:schemeClr val="accent1">
+        <a:shade val="60000"/>
+      </a:schemeClr>
+    </dgm:linClrLst>
+    <dgm:effectClrLst/>
+    <dgm:txLinClrLst/>
+    <dgm:txFillClrLst meth="repeat">
+      <a:schemeClr val="tx1"/>
+    </dgm:txFillClrLst>
+    <dgm:txEffectClrLst/>
+  </dgm:styleLbl>
+  <dgm:styleLbl name="parChTrans1D2">
+    <dgm:fillClrLst meth="repeat">
+      <a:schemeClr val="accent1"/>
+    </dgm:fillClrLst>
+    <dgm:linClrLst meth="repeat">
+      <a:schemeClr val="accent1">
+        <a:shade val="60000"/>
+      </a:schemeClr>
+    </dgm:linClrLst>
+    <dgm:effectClrLst/>
+    <dgm:txLinClrLst/>
+    <dgm:txFillClrLst meth="repeat">
+      <a:schemeClr val="tx1"/>
+    </dgm:txFillClrLst>
+    <dgm:txEffectClrLst/>
+  </dgm:styleLbl>
+  <dgm:styleLbl name="parChTrans1D3">
+    <dgm:fillClrLst meth="repeat">
+      <a:schemeClr val="accent1"/>
+    </dgm:fillClrLst>
+    <dgm:linClrLst meth="repeat">
+      <a:schemeClr val="accent1">
+        <a:shade val="80000"/>
+      </a:schemeClr>
+    </dgm:linClrLst>
+    <dgm:effectClrLst/>
+    <dgm:txLinClrLst/>
+    <dgm:txFillClrLst meth="repeat">
+      <a:schemeClr val="tx1"/>
+    </dgm:txFillClrLst>
+    <dgm:txEffectClrLst/>
+  </dgm:styleLbl>
+  <dgm:styleLbl name="parChTrans1D4">
+    <dgm:fillClrLst meth="repeat">
+      <a:schemeClr val="accent1"/>
+    </dgm:fillClrLst>
+    <dgm:linClrLst meth="repeat">
+      <a:schemeClr val="accent1">
+        <a:shade val="80000"/>
+      </a:schemeClr>
+    </dgm:linClrLst>
+    <dgm:effectClrLst/>
+    <dgm:txLinClrLst/>
+    <dgm:txFillClrLst meth="repeat">
+      <a:schemeClr val="tx1"/>
+    </dgm:txFillClrLst>
+    <dgm:txEffectClrLst/>
+  </dgm:styleLbl>
+  <dgm:styleLbl name="fgAcc1">
+    <dgm:fillClrLst meth="repeat">
+      <a:schemeClr val="lt1">
+        <a:alpha val="90000"/>
+      </a:schemeClr>
+    </dgm:fillClrLst>
+    <dgm:linClrLst meth="repeat">
+      <a:schemeClr val="accent1"/>
+    </dgm:linClrLst>
+    <dgm:effectClrLst/>
+    <dgm:txLinClrLst/>
+    <dgm:txFillClrLst meth="repeat">
+      <a:schemeClr val="dk1"/>
+    </dgm:txFillClrLst>
+    <dgm:txEffectClrLst/>
+  </dgm:styleLbl>
+  <dgm:styleLbl name="conFgAcc1">
+    <dgm:fillClrLst meth="repeat">
+      <a:schemeClr val="lt1">
+        <a:alpha val="90000"/>
+      </a:schemeClr>
+    </dgm:fillClrLst>
+    <dgm:linClrLst meth="repeat">
+      <a:schemeClr val="accent1"/>
+    </dgm:linClrLst>
+    <dgm:effectClrLst/>
+    <dgm:txLinClrLst/>
+    <dgm:txFillClrLst meth="repeat">
+      <a:schemeClr val="dk1"/>
+    </dgm:txFillClrLst>
+    <dgm:txEffectClrLst/>
+  </dgm:styleLbl>
+  <dgm:styleLbl name="alignAcc1">
+    <dgm:fillClrLst meth="repeat">
+      <a:schemeClr val="lt1">
+        <a:alpha val="90000"/>
+      </a:schemeClr>
+    </dgm:fillClrLst>
+    <dgm:linClrLst meth="repeat">
+      <a:schemeClr val="accent1"/>
+    </dgm:linClrLst>
+    <dgm:effectClrLst/>
+    <dgm:txLinClrLst/>
+    <dgm:txFillClrLst meth="repeat">
+      <a:schemeClr val="dk1"/>
+    </dgm:txFillClrLst>
+    <dgm:txEffectClrLst/>
+  </dgm:styleLbl>
+  <dgm:styleLbl name="trAlignAcc1">
+    <dgm:fillClrLst meth="repeat">
+      <a:schemeClr val="lt1">
+        <a:alpha val="40000"/>
+      </a:schemeClr>
+    </dgm:fillClrLst>
+    <dgm:linClrLst meth="repeat">
+      <a:schemeClr val="accent1"/>
+    </dgm:linClrLst>
+    <dgm:effectClrLst/>
+    <dgm:txLinClrLst/>
+    <dgm:txFillClrLst meth="repeat">
+      <a:schemeClr val="dk1"/>
+    </dgm:txFillClrLst>
+    <dgm:txEffectClrLst/>
+  </dgm:styleLbl>
+  <dgm:styleLbl name="bgAcc1">
+    <dgm:fillClrLst meth="repeat">
+      <a:schemeClr val="lt1">
+        <a:alpha val="90000"/>
+      </a:schemeClr>
+    </dgm:fillClrLst>
+    <dgm:linClrLst meth="repeat">
+      <a:schemeClr val="accent1"/>
+    </dgm:linClrLst>
+    <dgm:effectClrLst/>
+    <dgm:txLinClrLst/>
+    <dgm:txFillClrLst meth="repeat">
+      <a:schemeClr val="dk1"/>
+    </dgm:txFillClrLst>
+    <dgm:txEffectClrLst/>
+  </dgm:styleLbl>
+  <dgm:styleLbl name="solidFgAcc1">
+    <dgm:fillClrLst meth="repeat">
+      <a:schemeClr val="lt1"/>
+    </dgm:fillClrLst>
+    <dgm:linClrLst meth="repeat">
+      <a:schemeClr val="accent1"/>
+    </dgm:linClrLst>
+    <dgm:effectClrLst/>
+    <dgm:txLinClrLst/>
+    <dgm:txFillClrLst meth="repeat">
+      <a:schemeClr val="dk1"/>
+    </dgm:txFillClrLst>
+    <dgm:txEffectClrLst/>
+  </dgm:styleLbl>
+  <dgm:styleLbl name="solidAlignAcc1">
+    <dgm:fillClrLst meth="repeat">
+      <a:schemeClr val="lt1"/>
+    </dgm:fillClrLst>
+    <dgm:linClrLst meth="repeat">
+      <a:schemeClr val="accent1"/>
+    </dgm:linClrLst>
+    <dgm:effectClrLst/>
+    <dgm:txLinClrLst/>
+    <dgm:txFillClrLst meth="repeat">
+      <a:schemeClr val="dk1"/>
+    </dgm:txFillClrLst>
+    <dgm:txEffectClrLst/>
+  </dgm:styleLbl>
+  <dgm:styleLbl name="solidBgAcc1">
+    <dgm:fillClrLst meth="repeat">
+      <a:schemeClr val="lt1"/>
+    </dgm:fillClrLst>
+    <dgm:linClrLst meth="repeat">
+      <a:schemeClr val="accent1"/>
+    </dgm:linClrLst>
+    <dgm:effectClrLst/>
+    <dgm:txLinClrLst/>
+    <dgm:txFillClrLst meth="repeat">
+      <a:schemeClr val="dk1"/>
+    </dgm:txFillClrLst>
+    <dgm:txEffectClrLst/>
+  </dgm:styleLbl>
+  <dgm:styleLbl name="fgAccFollowNode1">
+    <dgm:fillClrLst meth="repeat">
+      <a:schemeClr val="accent1">
+        <a:alpha val="90000"/>
+        <a:tint val="40000"/>
+      </a:schemeClr>
+    </dgm:fillClrLst>
+    <dgm:linClrLst meth="repeat">
+      <a:schemeClr val="accent1">
+        <a:alpha val="90000"/>
+        <a:tint val="40000"/>
+      </a:schemeClr>
+    </dgm:linClrLst>
+    <dgm:effectClrLst/>
+    <dgm:txLinClrLst/>
+    <dgm:txFillClrLst meth="repeat">
+      <a:schemeClr val="dk1"/>
+    </dgm:txFillClrLst>
+    <dgm:txEffectClrLst/>
+  </dgm:styleLbl>
+  <dgm:styleLbl name="alignAccFollowNode1">
+    <dgm:fillClrLst meth="repeat">
+      <a:schemeClr val="accent1">
+        <a:alpha val="90000"/>
+        <a:tint val="40000"/>
+      </a:schemeClr>
+    </dgm:fillClrLst>
+    <dgm:linClrLst meth="repeat">
+      <a:schemeClr val="accent1">
+        <a:alpha val="90000"/>
+        <a:tint val="40000"/>
+      </a:schemeClr>
+    </dgm:linClrLst>
+    <dgm:effectClrLst/>
+    <dgm:txLinClrLst/>
+    <dgm:txFillClrLst meth="repeat">
+      <a:schemeClr val="dk1"/>
+    </dgm:txFillClrLst>
+    <dgm:txEffectClrLst/>
+  </dgm:styleLbl>
+  <dgm:styleLbl name="bgAccFollowNode1">
+    <dgm:fillClrLst meth="repeat">
+      <a:schemeClr val="accent1">
+        <a:alpha val="90000"/>
+        <a:tint val="40000"/>
+      </a:schemeClr>
+    </dgm:fillClrLst>
+    <dgm:linClrLst meth="repeat">
+      <a:schemeClr val="accent1">
+        <a:alpha val="90000"/>
+        <a:tint val="40000"/>
+      </a:schemeClr>
+    </dgm:linClrLst>
+    <dgm:effectClrLst/>
+    <dgm:txLinClrLst/>
+    <dgm:txFillClrLst meth="repeat">
+      <a:schemeClr val="dk1"/>
+    </dgm:txFillClrLst>
+    <dgm:txEffectClrLst/>
+  </dgm:styleLbl>
+  <dgm:styleLbl name="fgAcc0">
+    <dgm:fillClrLst meth="repeat">
+      <a:schemeClr val="lt1">
+        <a:alpha val="90000"/>
+      </a:schemeClr>
+    </dgm:fillClrLst>
+    <dgm:linClrLst meth="repeat">
+      <a:schemeClr val="accent1"/>
+    </dgm:linClrLst>
+    <dgm:effectClrLst/>
+    <dgm:txLinClrLst/>
+    <dgm:txFillClrLst meth="repeat">
+      <a:schemeClr val="dk1"/>
+    </dgm:txFillClrLst>
+    <dgm:txEffectClrLst/>
+  </dgm:styleLbl>
+  <dgm:styleLbl name="fgAcc2">
+    <dgm:fillClrLst meth="repeat">
+      <a:schemeClr val="lt1">
+        <a:alpha val="90000"/>
+      </a:schemeClr>
+    </dgm:fillClrLst>
+    <dgm:linClrLst meth="repeat">
+      <a:schemeClr val="accent1"/>
+    </dgm:linClrLst>
+    <dgm:effectClrLst/>
+    <dgm:txLinClrLst/>
+    <dgm:txFillClrLst meth="repeat">
+      <a:schemeClr val="dk1"/>
+    </dgm:txFillClrLst>
+    <dgm:txEffectClrLst/>
+  </dgm:styleLbl>
+  <dgm:styleLbl name="fgAcc3">
+    <dgm:fillClrLst meth="repeat">
+      <a:schemeClr val="lt1">
+        <a:alpha val="90000"/>
+      </a:schemeClr>
+    </dgm:fillClrLst>
+    <dgm:linClrLst meth="repeat">
+      <a:schemeClr val="accent1"/>
+    </dgm:linClrLst>
+    <dgm:effectClrLst/>
+    <dgm:txLinClrLst/>
+    <dgm:txFillClrLst meth="repeat">
+      <a:schemeClr val="dk1"/>
+    </dgm:txFillClrLst>
+    <dgm:txEffectClrLst/>
+  </dgm:styleLbl>
+  <dgm:styleLbl name="fgAcc4">
+    <dgm:fillClrLst meth="repeat">
+      <a:schemeClr val="lt1">
+        <a:alpha val="90000"/>
+      </a:schemeClr>
+    </dgm:fillClrLst>
+    <dgm:linClrLst meth="repeat">
+      <a:schemeClr val="accent1"/>
+    </dgm:linClrLst>
+    <dgm:effectClrLst/>
+    <dgm:txLinClrLst/>
+    <dgm:txFillClrLst meth="repeat">
+      <a:schemeClr val="dk1"/>
+    </dgm:txFillClrLst>
+    <dgm:txEffectClrLst/>
+  </dgm:styleLbl>
+  <dgm:styleLbl name="bgShp">
+    <dgm:fillClrLst meth="repeat">
+      <a:schemeClr val="accent1">
+        <a:tint val="40000"/>
+      </a:schemeClr>
+    </dgm:fillClrLst>
+    <dgm:linClrLst meth="repeat">
+      <a:schemeClr val="accent1"/>
+    </dgm:linClrLst>
+    <dgm:effectClrLst/>
+    <dgm:txLinClrLst/>
+    <dgm:txFillClrLst meth="repeat">
+      <a:schemeClr val="dk1"/>
+    </dgm:txFillClrLst>
+    <dgm:txEffectClrLst/>
+  </dgm:styleLbl>
+  <dgm:styleLbl name="dkBgShp">
+    <dgm:fillClrLst meth="repeat">
+      <a:schemeClr val="accent1">
+        <a:shade val="80000"/>
+      </a:schemeClr>
+    </dgm:fillClrLst>
+    <dgm:linClrLst meth="repeat">
+      <a:schemeClr val="accent1"/>
+    </dgm:linClrLst>
+    <dgm:effectClrLst/>
+    <dgm:txLinClrLst/>
+    <dgm:txFillClrLst meth="repeat">
+      <a:schemeClr val="lt1"/>
+    </dgm:txFillClrLst>
+    <dgm:txEffectClrLst/>
+  </dgm:styleLbl>
+  <dgm:styleLbl name="trBgShp">
+    <dgm:fillClrLst meth="repeat">
+      <a:schemeClr val="accent1">
+        <a:tint val="50000"/>
+        <a:alpha val="40000"/>
+      </a:schemeClr>
+    </dgm:fillClrLst>
+    <dgm:linClrLst meth="repeat">
+      <a:schemeClr val="accent1"/>
+    </dgm:linClrLst>
+    <dgm:effectClrLst/>
+    <dgm:txLinClrLst/>
+    <dgm:txFillClrLst meth="repeat">
+      <a:schemeClr val="lt1"/>
+    </dgm:txFillClrLst>
+    <dgm:txEffectClrLst/>
+  </dgm:styleLbl>
+  <dgm:styleLbl name="fgShp">
+    <dgm:fillClrLst meth="repeat">
+      <a:schemeClr val="accent1">
+        <a:tint val="60000"/>
+      </a:schemeClr>
+    </dgm:fillClrLst>
+    <dgm:linClrLst meth="repeat">
+      <a:schemeClr val="lt1"/>
+    </dgm:linClrLst>
+    <dgm:effectClrLst/>
+    <dgm:txLinClrLst/>
+    <dgm:txFillClrLst meth="repeat">
+      <a:schemeClr val="dk1"/>
+    </dgm:txFillClrLst>
+    <dgm:txEffectClrLst/>
+  </dgm:styleLbl>
+  <dgm:styleLbl name="revTx">
+    <dgm:fillClrLst meth="repeat">
+      <a:schemeClr val="lt1">
+        <a:alpha val="0"/>
+      </a:schemeClr>
+    </dgm:fillClrLst>
+    <dgm:linClrLst meth="repeat">
+      <a:schemeClr val="dk1">
+        <a:alpha val="0"/>
+      </a:schemeClr>
+    </dgm:linClrLst>
+    <dgm:effectClrLst/>
+    <dgm:txLinClrLst/>
+    <dgm:txFillClrLst meth="repeat">
+      <a:schemeClr val="tx1"/>
+    </dgm:txFillClrLst>
+    <dgm:txEffectClrLst/>
+  </dgm:styleLbl>
+</dgm:colorsDef>
+</file>
+
 <file path=ppt/diagrams/data1.xml><?xml version="1.0" encoding="utf-8"?>
 <dgm:dataModel xmlns:dgm="http://schemas.openxmlformats.org/drawingml/2006/diagram" xmlns:a="http://schemas.openxmlformats.org/drawingml/2006/main">
   <dgm:ptLst>
@@ -2621,6 +3560,698 @@
     <dgm:cxn modelId="{2DF093B9-BED4-49B0-BCE3-52AA06727269}" type="presParOf" srcId="{E6259D81-FFF8-4830-8009-318328A49058}" destId="{32E147A7-5ED2-412D-AA15-4CB7A876F61D}" srcOrd="0" destOrd="0" presId="urn:microsoft.com/office/officeart/2005/8/layout/hierarchy1"/>
     <dgm:cxn modelId="{4319CC7F-2C89-43AA-A328-F15858CFED1F}" type="presParOf" srcId="{E6259D81-FFF8-4830-8009-318328A49058}" destId="{4E4A765A-3D72-48B5-AD21-0563DEE1604A}" srcOrd="1" destOrd="0" presId="urn:microsoft.com/office/officeart/2005/8/layout/hierarchy1"/>
     <dgm:cxn modelId="{8CCEFB60-A436-483F-9063-C393D4A0B4BC}" type="presParOf" srcId="{5EEDDA30-406C-4176-8C2A-CC29A5856563}" destId="{F7FEC8FD-1787-4255-AC31-B50AC3A3BF26}" srcOrd="1" destOrd="0" presId="urn:microsoft.com/office/officeart/2005/8/layout/hierarchy1"/>
+  </dgm:cxnLst>
+  <dgm:bg/>
+  <dgm:whole/>
+  <dgm:extLst>
+    <a:ext uri="http://schemas.microsoft.com/office/drawing/2008/diagram">
+      <dsp:dataModelExt xmlns:dsp="http://schemas.microsoft.com/office/drawing/2008/diagram" relId="rId6" minVer="http://schemas.openxmlformats.org/drawingml/2006/diagram"/>
+    </a:ext>
+  </dgm:extLst>
+</dgm:dataModel>
+</file>
+
+<file path=ppt/diagrams/data2.xml><?xml version="1.0" encoding="utf-8"?>
+<dgm:dataModel xmlns:dgm="http://schemas.openxmlformats.org/drawingml/2006/diagram" xmlns:a="http://schemas.openxmlformats.org/drawingml/2006/main">
+  <dgm:ptLst>
+    <dgm:pt modelId="{F353C99C-40B8-41E1-A20E-72AB28C68FB3}" type="doc">
+      <dgm:prSet loTypeId="urn:microsoft.com/office/officeart/2005/8/layout/hierarchy1" loCatId="hierarchy" qsTypeId="urn:microsoft.com/office/officeart/2005/8/quickstyle/simple1" qsCatId="simple" csTypeId="urn:microsoft.com/office/officeart/2005/8/colors/accent1_2" csCatId="accent1" phldr="1"/>
+      <dgm:spPr/>
+      <dgm:t>
+        <a:bodyPr/>
+        <a:lstStyle/>
+        <a:p>
+          <a:endParaRPr lang="en-US"/>
+        </a:p>
+      </dgm:t>
+    </dgm:pt>
+    <dgm:pt modelId="{76F74C93-5566-4528-B6F6-BB08F14836D4}">
+      <dgm:prSet phldrT="[Text]"/>
+      <dgm:spPr/>
+      <dgm:t>
+        <a:bodyPr/>
+        <a:lstStyle/>
+        <a:p>
+          <a:r>
+            <a:rPr lang="en-US" dirty="0"/>
+            <a:t>root</a:t>
+          </a:r>
+        </a:p>
+      </dgm:t>
+    </dgm:pt>
+    <dgm:pt modelId="{319630EC-18D1-475C-8568-030C59BD0E80}" type="parTrans" cxnId="{ED38D960-5487-4898-BD81-DC42A455ADD4}">
+      <dgm:prSet/>
+      <dgm:spPr/>
+      <dgm:t>
+        <a:bodyPr/>
+        <a:lstStyle/>
+        <a:p>
+          <a:endParaRPr lang="en-US"/>
+        </a:p>
+      </dgm:t>
+    </dgm:pt>
+    <dgm:pt modelId="{E90EBBCA-2DDA-41B0-8678-3287D8AF85F2}" type="sibTrans" cxnId="{ED38D960-5487-4898-BD81-DC42A455ADD4}">
+      <dgm:prSet/>
+      <dgm:spPr/>
+      <dgm:t>
+        <a:bodyPr/>
+        <a:lstStyle/>
+        <a:p>
+          <a:endParaRPr lang="en-US"/>
+        </a:p>
+      </dgm:t>
+    </dgm:pt>
+    <dgm:pt modelId="{3C66195D-8D6B-4B91-B911-D3776B91C146}">
+      <dgm:prSet phldrT="[Text]"/>
+      <dgm:spPr/>
+      <dgm:t>
+        <a:bodyPr/>
+        <a:lstStyle/>
+        <a:p>
+          <a:r>
+            <a:rPr lang="en-US" dirty="0"/>
+            <a:t>bin</a:t>
+          </a:r>
+        </a:p>
+      </dgm:t>
+    </dgm:pt>
+    <dgm:pt modelId="{24AD65EB-3A3B-4A9C-9156-01C1A60A109B}" type="parTrans" cxnId="{BAF6C9FA-B441-4CF6-9394-648B26B3AF1D}">
+      <dgm:prSet/>
+      <dgm:spPr/>
+      <dgm:t>
+        <a:bodyPr/>
+        <a:lstStyle/>
+        <a:p>
+          <a:endParaRPr lang="en-US"/>
+        </a:p>
+      </dgm:t>
+    </dgm:pt>
+    <dgm:pt modelId="{BD135A77-7B9E-4C2D-BED8-3C9698D6D4D3}" type="sibTrans" cxnId="{BAF6C9FA-B441-4CF6-9394-648B26B3AF1D}">
+      <dgm:prSet/>
+      <dgm:spPr/>
+      <dgm:t>
+        <a:bodyPr/>
+        <a:lstStyle/>
+        <a:p>
+          <a:endParaRPr lang="en-US"/>
+        </a:p>
+      </dgm:t>
+    </dgm:pt>
+    <dgm:pt modelId="{5992E9F4-CB74-4CFC-B8C1-C5AAF26A5BA6}">
+      <dgm:prSet phldrT="[Text]"/>
+      <dgm:spPr/>
+      <dgm:t>
+        <a:bodyPr/>
+        <a:lstStyle/>
+        <a:p>
+          <a:r>
+            <a:rPr lang="en-US" dirty="0"/>
+            <a:t>cp</a:t>
+          </a:r>
+        </a:p>
+      </dgm:t>
+    </dgm:pt>
+    <dgm:pt modelId="{02138333-43E1-4CE3-A66B-417D25528BB4}" type="parTrans" cxnId="{4B87E0F9-9899-43FE-AAE2-FB25AB723CB7}">
+      <dgm:prSet/>
+      <dgm:spPr/>
+      <dgm:t>
+        <a:bodyPr/>
+        <a:lstStyle/>
+        <a:p>
+          <a:endParaRPr lang="en-US"/>
+        </a:p>
+      </dgm:t>
+    </dgm:pt>
+    <dgm:pt modelId="{98B98246-A5E1-4193-9F6F-EF9D5279C76E}" type="sibTrans" cxnId="{4B87E0F9-9899-43FE-AAE2-FB25AB723CB7}">
+      <dgm:prSet/>
+      <dgm:spPr/>
+      <dgm:t>
+        <a:bodyPr/>
+        <a:lstStyle/>
+        <a:p>
+          <a:endParaRPr lang="en-US"/>
+        </a:p>
+      </dgm:t>
+    </dgm:pt>
+    <dgm:pt modelId="{8EE563B6-5429-4F04-8148-6260AF03EF98}">
+      <dgm:prSet phldrT="[Text]"/>
+      <dgm:spPr/>
+      <dgm:t>
+        <a:bodyPr/>
+        <a:lstStyle/>
+        <a:p>
+          <a:r>
+            <a:rPr lang="en-US" dirty="0"/>
+            <a:t>mv</a:t>
+          </a:r>
+        </a:p>
+      </dgm:t>
+    </dgm:pt>
+    <dgm:pt modelId="{FA2DD32E-43B7-475F-9662-752C96F6C8F9}" type="parTrans" cxnId="{4A1CEAD1-3034-4635-AC1D-73E6FAD9FB92}">
+      <dgm:prSet/>
+      <dgm:spPr/>
+      <dgm:t>
+        <a:bodyPr/>
+        <a:lstStyle/>
+        <a:p>
+          <a:endParaRPr lang="en-US"/>
+        </a:p>
+      </dgm:t>
+    </dgm:pt>
+    <dgm:pt modelId="{9CB65AFA-C273-4B87-9CB4-1AD23BC56ED5}" type="sibTrans" cxnId="{4A1CEAD1-3034-4635-AC1D-73E6FAD9FB92}">
+      <dgm:prSet/>
+      <dgm:spPr/>
+      <dgm:t>
+        <a:bodyPr/>
+        <a:lstStyle/>
+        <a:p>
+          <a:endParaRPr lang="en-US"/>
+        </a:p>
+      </dgm:t>
+    </dgm:pt>
+    <dgm:pt modelId="{95179B36-5183-4E2E-B80B-8392CD2D0EEF}">
+      <dgm:prSet phldrT="[Text]"/>
+      <dgm:spPr/>
+      <dgm:t>
+        <a:bodyPr/>
+        <a:lstStyle/>
+        <a:p>
+          <a:r>
+            <a:rPr lang="en-US" dirty="0"/>
+            <a:t>home</a:t>
+          </a:r>
+        </a:p>
+      </dgm:t>
+    </dgm:pt>
+    <dgm:pt modelId="{CAC80CD7-79AA-4270-8538-4602680CDF29}" type="parTrans" cxnId="{4F1016E4-CD8D-4E94-8215-2B7BD7428633}">
+      <dgm:prSet/>
+      <dgm:spPr/>
+      <dgm:t>
+        <a:bodyPr/>
+        <a:lstStyle/>
+        <a:p>
+          <a:endParaRPr lang="en-US"/>
+        </a:p>
+      </dgm:t>
+    </dgm:pt>
+    <dgm:pt modelId="{4623D454-522A-4691-B45E-EC96127D0AAC}" type="sibTrans" cxnId="{4F1016E4-CD8D-4E94-8215-2B7BD7428633}">
+      <dgm:prSet/>
+      <dgm:spPr/>
+      <dgm:t>
+        <a:bodyPr/>
+        <a:lstStyle/>
+        <a:p>
+          <a:endParaRPr lang="en-US"/>
+        </a:p>
+      </dgm:t>
+    </dgm:pt>
+    <dgm:pt modelId="{D3EC21C5-8788-47F2-A58F-FB1D8B993BFA}">
+      <dgm:prSet phldrT="[Text]"/>
+      <dgm:spPr/>
+      <dgm:t>
+        <a:bodyPr/>
+        <a:lstStyle/>
+        <a:p>
+          <a:r>
+            <a:rPr lang="en-US" dirty="0"/>
+            <a:t>student1</a:t>
+          </a:r>
+        </a:p>
+      </dgm:t>
+    </dgm:pt>
+    <dgm:pt modelId="{6F7794D1-C109-4261-B118-AA562EC51B81}" type="parTrans" cxnId="{FD5F2508-4D31-415E-A13A-D59C2956B884}">
+      <dgm:prSet/>
+      <dgm:spPr/>
+      <dgm:t>
+        <a:bodyPr/>
+        <a:lstStyle/>
+        <a:p>
+          <a:endParaRPr lang="en-US"/>
+        </a:p>
+      </dgm:t>
+    </dgm:pt>
+    <dgm:pt modelId="{FABED4C7-6E41-4F15-9B58-4C6B541693E0}" type="sibTrans" cxnId="{FD5F2508-4D31-415E-A13A-D59C2956B884}">
+      <dgm:prSet/>
+      <dgm:spPr/>
+      <dgm:t>
+        <a:bodyPr/>
+        <a:lstStyle/>
+        <a:p>
+          <a:endParaRPr lang="en-US"/>
+        </a:p>
+      </dgm:t>
+    </dgm:pt>
+    <dgm:pt modelId="{F0078D62-6DAB-404B-BAED-F3553FDAF097}">
+      <dgm:prSet phldrT="[Text]"/>
+      <dgm:spPr/>
+      <dgm:t>
+        <a:bodyPr/>
+        <a:lstStyle/>
+        <a:p>
+          <a:r>
+            <a:rPr lang="en-US" dirty="0"/>
+            <a:t>student2</a:t>
+          </a:r>
+        </a:p>
+      </dgm:t>
+    </dgm:pt>
+    <dgm:pt modelId="{8F2FF0EC-0E96-4421-BAF6-B23EA2C79E57}" type="parTrans" cxnId="{09310A10-EE4D-433A-A854-08ECA8E542DA}">
+      <dgm:prSet/>
+      <dgm:spPr/>
+      <dgm:t>
+        <a:bodyPr/>
+        <a:lstStyle/>
+        <a:p>
+          <a:endParaRPr lang="en-US"/>
+        </a:p>
+      </dgm:t>
+    </dgm:pt>
+    <dgm:pt modelId="{C8B865A6-C39D-4168-9210-538F60A87F40}" type="sibTrans" cxnId="{09310A10-EE4D-433A-A854-08ECA8E542DA}">
+      <dgm:prSet/>
+      <dgm:spPr/>
+      <dgm:t>
+        <a:bodyPr/>
+        <a:lstStyle/>
+        <a:p>
+          <a:endParaRPr lang="en-US"/>
+        </a:p>
+      </dgm:t>
+    </dgm:pt>
+    <dgm:pt modelId="{7521B3B5-35CC-49A7-B980-356E4898D0E9}">
+      <dgm:prSet phldrT="[Text]"/>
+      <dgm:spPr/>
+      <dgm:t>
+        <a:bodyPr/>
+        <a:lstStyle/>
+        <a:p>
+          <a:r>
+            <a:rPr lang="en-US" dirty="0" err="1"/>
+            <a:t>mnt</a:t>
+          </a:r>
+          <a:endParaRPr lang="en-US" dirty="0"/>
+        </a:p>
+      </dgm:t>
+    </dgm:pt>
+    <dgm:pt modelId="{71363A80-211D-47E6-A1A9-A01A943092E3}" type="parTrans" cxnId="{F305FB1D-49AF-4197-8A65-56CAD7AB2EFC}">
+      <dgm:prSet/>
+      <dgm:spPr/>
+      <dgm:t>
+        <a:bodyPr/>
+        <a:lstStyle/>
+        <a:p>
+          <a:endParaRPr lang="en-US"/>
+        </a:p>
+      </dgm:t>
+    </dgm:pt>
+    <dgm:pt modelId="{B426FEC1-9100-4DD5-8914-448C6E8453A5}" type="sibTrans" cxnId="{F305FB1D-49AF-4197-8A65-56CAD7AB2EFC}">
+      <dgm:prSet/>
+      <dgm:spPr/>
+      <dgm:t>
+        <a:bodyPr/>
+        <a:lstStyle/>
+        <a:p>
+          <a:endParaRPr lang="en-US"/>
+        </a:p>
+      </dgm:t>
+    </dgm:pt>
+    <dgm:pt modelId="{CAEB4240-9326-43A9-9EE4-9144D241DBC0}">
+      <dgm:prSet phldrT="[Text]"/>
+      <dgm:spPr/>
+      <dgm:t>
+        <a:bodyPr/>
+        <a:lstStyle/>
+        <a:p>
+          <a:r>
+            <a:rPr lang="en-US" dirty="0"/>
+            <a:t>chip</a:t>
+          </a:r>
+        </a:p>
+      </dgm:t>
+    </dgm:pt>
+    <dgm:pt modelId="{955B31C9-3306-4606-8627-27FCA9A1093C}" type="parTrans" cxnId="{3848723A-45A9-49C8-890B-0C2E0798F0BF}">
+      <dgm:prSet/>
+      <dgm:spPr/>
+      <dgm:t>
+        <a:bodyPr/>
+        <a:lstStyle/>
+        <a:p>
+          <a:endParaRPr lang="en-US"/>
+        </a:p>
+      </dgm:t>
+    </dgm:pt>
+    <dgm:pt modelId="{9EEDD40E-8137-4455-A353-2D2B9359F3B2}" type="sibTrans" cxnId="{3848723A-45A9-49C8-890B-0C2E0798F0BF}">
+      <dgm:prSet/>
+      <dgm:spPr/>
+      <dgm:t>
+        <a:bodyPr/>
+        <a:lstStyle/>
+        <a:p>
+          <a:endParaRPr lang="en-US"/>
+        </a:p>
+      </dgm:t>
+    </dgm:pt>
+    <dgm:pt modelId="{CF0FB64C-B51C-4C1A-B1E1-52B5A8A470FB}" type="pres">
+      <dgm:prSet presAssocID="{F353C99C-40B8-41E1-A20E-72AB28C68FB3}" presName="hierChild1" presStyleCnt="0">
+        <dgm:presLayoutVars>
+          <dgm:chPref val="1"/>
+          <dgm:dir/>
+          <dgm:animOne val="branch"/>
+          <dgm:animLvl val="lvl"/>
+          <dgm:resizeHandles/>
+        </dgm:presLayoutVars>
+      </dgm:prSet>
+      <dgm:spPr/>
+    </dgm:pt>
+    <dgm:pt modelId="{5EF2B95B-CCAD-4737-852F-276B8A348C20}" type="pres">
+      <dgm:prSet presAssocID="{76F74C93-5566-4528-B6F6-BB08F14836D4}" presName="hierRoot1" presStyleCnt="0"/>
+      <dgm:spPr/>
+    </dgm:pt>
+    <dgm:pt modelId="{F3AB619D-E82F-4735-967C-8B937C39BB03}" type="pres">
+      <dgm:prSet presAssocID="{76F74C93-5566-4528-B6F6-BB08F14836D4}" presName="composite" presStyleCnt="0"/>
+      <dgm:spPr/>
+    </dgm:pt>
+    <dgm:pt modelId="{6B83F2EC-EF67-4CE2-8883-186A87CC8D8A}" type="pres">
+      <dgm:prSet presAssocID="{76F74C93-5566-4528-B6F6-BB08F14836D4}" presName="background" presStyleLbl="node0" presStyleIdx="0" presStyleCnt="1"/>
+      <dgm:spPr/>
+    </dgm:pt>
+    <dgm:pt modelId="{9EA09021-67C7-4C55-A83E-E19BBB47540E}" type="pres">
+      <dgm:prSet presAssocID="{76F74C93-5566-4528-B6F6-BB08F14836D4}" presName="text" presStyleLbl="fgAcc0" presStyleIdx="0" presStyleCnt="1">
+        <dgm:presLayoutVars>
+          <dgm:chPref val="3"/>
+        </dgm:presLayoutVars>
+      </dgm:prSet>
+      <dgm:spPr/>
+    </dgm:pt>
+    <dgm:pt modelId="{150D0BE3-5BA5-4266-A754-8ABF31D38A70}" type="pres">
+      <dgm:prSet presAssocID="{76F74C93-5566-4528-B6F6-BB08F14836D4}" presName="hierChild2" presStyleCnt="0"/>
+      <dgm:spPr/>
+    </dgm:pt>
+    <dgm:pt modelId="{86ADC132-560B-41A7-B63F-CF1AC86D0880}" type="pres">
+      <dgm:prSet presAssocID="{24AD65EB-3A3B-4A9C-9156-01C1A60A109B}" presName="Name10" presStyleLbl="parChTrans1D2" presStyleIdx="0" presStyleCnt="3"/>
+      <dgm:spPr/>
+    </dgm:pt>
+    <dgm:pt modelId="{91C80F42-2D11-43AD-9C8C-696DDCADFFE6}" type="pres">
+      <dgm:prSet presAssocID="{3C66195D-8D6B-4B91-B911-D3776B91C146}" presName="hierRoot2" presStyleCnt="0"/>
+      <dgm:spPr/>
+    </dgm:pt>
+    <dgm:pt modelId="{FD42AF3F-C510-4B0A-8ED1-82A7AAD27E94}" type="pres">
+      <dgm:prSet presAssocID="{3C66195D-8D6B-4B91-B911-D3776B91C146}" presName="composite2" presStyleCnt="0"/>
+      <dgm:spPr/>
+    </dgm:pt>
+    <dgm:pt modelId="{56730206-15CA-4DAC-9A92-A88AE5DC0730}" type="pres">
+      <dgm:prSet presAssocID="{3C66195D-8D6B-4B91-B911-D3776B91C146}" presName="background2" presStyleLbl="node2" presStyleIdx="0" presStyleCnt="3"/>
+      <dgm:spPr/>
+    </dgm:pt>
+    <dgm:pt modelId="{D20BD193-5807-477B-8055-6EED96B85E34}" type="pres">
+      <dgm:prSet presAssocID="{3C66195D-8D6B-4B91-B911-D3776B91C146}" presName="text2" presStyleLbl="fgAcc2" presStyleIdx="0" presStyleCnt="3">
+        <dgm:presLayoutVars>
+          <dgm:chPref val="3"/>
+        </dgm:presLayoutVars>
+      </dgm:prSet>
+      <dgm:spPr/>
+    </dgm:pt>
+    <dgm:pt modelId="{F42DF52F-0AB6-4CB4-AA48-6EC4192D84EF}" type="pres">
+      <dgm:prSet presAssocID="{3C66195D-8D6B-4B91-B911-D3776B91C146}" presName="hierChild3" presStyleCnt="0"/>
+      <dgm:spPr/>
+    </dgm:pt>
+    <dgm:pt modelId="{1E973917-DEB7-42AA-9E8C-294CB375537E}" type="pres">
+      <dgm:prSet presAssocID="{02138333-43E1-4CE3-A66B-417D25528BB4}" presName="Name17" presStyleLbl="parChTrans1D3" presStyleIdx="0" presStyleCnt="5"/>
+      <dgm:spPr/>
+    </dgm:pt>
+    <dgm:pt modelId="{0CE6B1B2-4CB1-41E4-BDA9-8CE63E9941F4}" type="pres">
+      <dgm:prSet presAssocID="{5992E9F4-CB74-4CFC-B8C1-C5AAF26A5BA6}" presName="hierRoot3" presStyleCnt="0"/>
+      <dgm:spPr/>
+    </dgm:pt>
+    <dgm:pt modelId="{654FC8E4-47DE-4077-B1BE-8896E9AD4DCF}" type="pres">
+      <dgm:prSet presAssocID="{5992E9F4-CB74-4CFC-B8C1-C5AAF26A5BA6}" presName="composite3" presStyleCnt="0"/>
+      <dgm:spPr/>
+    </dgm:pt>
+    <dgm:pt modelId="{2DCC8321-4EE7-49E7-8B04-A27EE0040AA9}" type="pres">
+      <dgm:prSet presAssocID="{5992E9F4-CB74-4CFC-B8C1-C5AAF26A5BA6}" presName="background3" presStyleLbl="node3" presStyleIdx="0" presStyleCnt="5"/>
+      <dgm:spPr/>
+    </dgm:pt>
+    <dgm:pt modelId="{80063DAF-9F5D-447A-BE50-88508613A60F}" type="pres">
+      <dgm:prSet presAssocID="{5992E9F4-CB74-4CFC-B8C1-C5AAF26A5BA6}" presName="text3" presStyleLbl="fgAcc3" presStyleIdx="0" presStyleCnt="5">
+        <dgm:presLayoutVars>
+          <dgm:chPref val="3"/>
+        </dgm:presLayoutVars>
+      </dgm:prSet>
+      <dgm:spPr/>
+    </dgm:pt>
+    <dgm:pt modelId="{351C2D09-4C69-41BF-A41F-DABCF17E354D}" type="pres">
+      <dgm:prSet presAssocID="{5992E9F4-CB74-4CFC-B8C1-C5AAF26A5BA6}" presName="hierChild4" presStyleCnt="0"/>
+      <dgm:spPr/>
+    </dgm:pt>
+    <dgm:pt modelId="{F2F99104-F070-4EC7-8EE5-31305E8CDCE5}" type="pres">
+      <dgm:prSet presAssocID="{FA2DD32E-43B7-475F-9662-752C96F6C8F9}" presName="Name17" presStyleLbl="parChTrans1D3" presStyleIdx="1" presStyleCnt="5"/>
+      <dgm:spPr/>
+    </dgm:pt>
+    <dgm:pt modelId="{ABC95AD2-841A-44A8-A45D-9D580103E7D8}" type="pres">
+      <dgm:prSet presAssocID="{8EE563B6-5429-4F04-8148-6260AF03EF98}" presName="hierRoot3" presStyleCnt="0"/>
+      <dgm:spPr/>
+    </dgm:pt>
+    <dgm:pt modelId="{FE655382-9C94-47BB-8B99-761D083F85FA}" type="pres">
+      <dgm:prSet presAssocID="{8EE563B6-5429-4F04-8148-6260AF03EF98}" presName="composite3" presStyleCnt="0"/>
+      <dgm:spPr/>
+    </dgm:pt>
+    <dgm:pt modelId="{32626F4F-B205-4B5D-96F3-D58AC2B8534F}" type="pres">
+      <dgm:prSet presAssocID="{8EE563B6-5429-4F04-8148-6260AF03EF98}" presName="background3" presStyleLbl="node3" presStyleIdx="1" presStyleCnt="5"/>
+      <dgm:spPr/>
+    </dgm:pt>
+    <dgm:pt modelId="{3CC74003-EE44-422D-AAE0-66C981145835}" type="pres">
+      <dgm:prSet presAssocID="{8EE563B6-5429-4F04-8148-6260AF03EF98}" presName="text3" presStyleLbl="fgAcc3" presStyleIdx="1" presStyleCnt="5">
+        <dgm:presLayoutVars>
+          <dgm:chPref val="3"/>
+        </dgm:presLayoutVars>
+      </dgm:prSet>
+      <dgm:spPr/>
+    </dgm:pt>
+    <dgm:pt modelId="{E6C57D0B-77EB-4FEA-97D4-451138E35389}" type="pres">
+      <dgm:prSet presAssocID="{8EE563B6-5429-4F04-8148-6260AF03EF98}" presName="hierChild4" presStyleCnt="0"/>
+      <dgm:spPr/>
+    </dgm:pt>
+    <dgm:pt modelId="{D9933095-AA69-4500-ABD2-606B4EBA11BE}" type="pres">
+      <dgm:prSet presAssocID="{CAC80CD7-79AA-4270-8538-4602680CDF29}" presName="Name10" presStyleLbl="parChTrans1D2" presStyleIdx="1" presStyleCnt="3"/>
+      <dgm:spPr/>
+    </dgm:pt>
+    <dgm:pt modelId="{E9E1A785-2A4A-4A39-9AA5-1B90FB39696D}" type="pres">
+      <dgm:prSet presAssocID="{95179B36-5183-4E2E-B80B-8392CD2D0EEF}" presName="hierRoot2" presStyleCnt="0"/>
+      <dgm:spPr/>
+    </dgm:pt>
+    <dgm:pt modelId="{0179BBE6-538D-49F0-BAC7-D488EA1A80A8}" type="pres">
+      <dgm:prSet presAssocID="{95179B36-5183-4E2E-B80B-8392CD2D0EEF}" presName="composite2" presStyleCnt="0"/>
+      <dgm:spPr/>
+    </dgm:pt>
+    <dgm:pt modelId="{601C8D64-DC3E-47C3-AFF8-1FE2B9650954}" type="pres">
+      <dgm:prSet presAssocID="{95179B36-5183-4E2E-B80B-8392CD2D0EEF}" presName="background2" presStyleLbl="node2" presStyleIdx="1" presStyleCnt="3"/>
+      <dgm:spPr/>
+    </dgm:pt>
+    <dgm:pt modelId="{AE710B5C-8833-40E4-958F-7ED04B5760A6}" type="pres">
+      <dgm:prSet presAssocID="{95179B36-5183-4E2E-B80B-8392CD2D0EEF}" presName="text2" presStyleLbl="fgAcc2" presStyleIdx="1" presStyleCnt="3">
+        <dgm:presLayoutVars>
+          <dgm:chPref val="3"/>
+        </dgm:presLayoutVars>
+      </dgm:prSet>
+      <dgm:spPr/>
+    </dgm:pt>
+    <dgm:pt modelId="{3E565C30-912E-4639-8200-C5771374DEC4}" type="pres">
+      <dgm:prSet presAssocID="{95179B36-5183-4E2E-B80B-8392CD2D0EEF}" presName="hierChild3" presStyleCnt="0"/>
+      <dgm:spPr/>
+    </dgm:pt>
+    <dgm:pt modelId="{03D37BAE-1B1C-40F2-B441-751CC913D554}" type="pres">
+      <dgm:prSet presAssocID="{6F7794D1-C109-4261-B118-AA562EC51B81}" presName="Name17" presStyleLbl="parChTrans1D3" presStyleIdx="2" presStyleCnt="5"/>
+      <dgm:spPr/>
+    </dgm:pt>
+    <dgm:pt modelId="{725F52EB-0DB4-485F-91EE-C3B59BD9EDDC}" type="pres">
+      <dgm:prSet presAssocID="{D3EC21C5-8788-47F2-A58F-FB1D8B993BFA}" presName="hierRoot3" presStyleCnt="0"/>
+      <dgm:spPr/>
+    </dgm:pt>
+    <dgm:pt modelId="{436AF3E0-87E4-439A-AB96-65297ED23E57}" type="pres">
+      <dgm:prSet presAssocID="{D3EC21C5-8788-47F2-A58F-FB1D8B993BFA}" presName="composite3" presStyleCnt="0"/>
+      <dgm:spPr/>
+    </dgm:pt>
+    <dgm:pt modelId="{DC3FB9C7-629A-4718-9453-5D06B66E7D8B}" type="pres">
+      <dgm:prSet presAssocID="{D3EC21C5-8788-47F2-A58F-FB1D8B993BFA}" presName="background3" presStyleLbl="node3" presStyleIdx="2" presStyleCnt="5"/>
+      <dgm:spPr/>
+    </dgm:pt>
+    <dgm:pt modelId="{CB27A4DA-0D02-43A8-B1B0-0DB89DD11614}" type="pres">
+      <dgm:prSet presAssocID="{D3EC21C5-8788-47F2-A58F-FB1D8B993BFA}" presName="text3" presStyleLbl="fgAcc3" presStyleIdx="2" presStyleCnt="5">
+        <dgm:presLayoutVars>
+          <dgm:chPref val="3"/>
+        </dgm:presLayoutVars>
+      </dgm:prSet>
+      <dgm:spPr/>
+    </dgm:pt>
+    <dgm:pt modelId="{4F1C324D-4588-4711-9F1B-A92C26984459}" type="pres">
+      <dgm:prSet presAssocID="{D3EC21C5-8788-47F2-A58F-FB1D8B993BFA}" presName="hierChild4" presStyleCnt="0"/>
+      <dgm:spPr/>
+    </dgm:pt>
+    <dgm:pt modelId="{9052AA4E-9D45-4CDE-A090-49F07C9E3E98}" type="pres">
+      <dgm:prSet presAssocID="{8F2FF0EC-0E96-4421-BAF6-B23EA2C79E57}" presName="Name17" presStyleLbl="parChTrans1D3" presStyleIdx="3" presStyleCnt="5"/>
+      <dgm:spPr/>
+    </dgm:pt>
+    <dgm:pt modelId="{50D030DE-15C6-4EBD-A4F8-FC206FD5FF8C}" type="pres">
+      <dgm:prSet presAssocID="{F0078D62-6DAB-404B-BAED-F3553FDAF097}" presName="hierRoot3" presStyleCnt="0"/>
+      <dgm:spPr/>
+    </dgm:pt>
+    <dgm:pt modelId="{084BB926-CD71-45C5-AE76-2C4E3C34966F}" type="pres">
+      <dgm:prSet presAssocID="{F0078D62-6DAB-404B-BAED-F3553FDAF097}" presName="composite3" presStyleCnt="0"/>
+      <dgm:spPr/>
+    </dgm:pt>
+    <dgm:pt modelId="{79BC302F-80FB-4F20-9DED-78011595EA15}" type="pres">
+      <dgm:prSet presAssocID="{F0078D62-6DAB-404B-BAED-F3553FDAF097}" presName="background3" presStyleLbl="node3" presStyleIdx="3" presStyleCnt="5"/>
+      <dgm:spPr/>
+    </dgm:pt>
+    <dgm:pt modelId="{55805966-5AB6-4BB6-87D1-9CA509CADE45}" type="pres">
+      <dgm:prSet presAssocID="{F0078D62-6DAB-404B-BAED-F3553FDAF097}" presName="text3" presStyleLbl="fgAcc3" presStyleIdx="3" presStyleCnt="5">
+        <dgm:presLayoutVars>
+          <dgm:chPref val="3"/>
+        </dgm:presLayoutVars>
+      </dgm:prSet>
+      <dgm:spPr/>
+    </dgm:pt>
+    <dgm:pt modelId="{DCB8BAFD-52A1-4DA2-BE9F-854D8CB62268}" type="pres">
+      <dgm:prSet presAssocID="{F0078D62-6DAB-404B-BAED-F3553FDAF097}" presName="hierChild4" presStyleCnt="0"/>
+      <dgm:spPr/>
+    </dgm:pt>
+    <dgm:pt modelId="{2FF9BAF7-9A5E-4C01-AB78-F89840487E0A}" type="pres">
+      <dgm:prSet presAssocID="{71363A80-211D-47E6-A1A9-A01A943092E3}" presName="Name10" presStyleLbl="parChTrans1D2" presStyleIdx="2" presStyleCnt="3"/>
+      <dgm:spPr/>
+    </dgm:pt>
+    <dgm:pt modelId="{6A944048-83B2-4635-86CE-0509BB1DAA69}" type="pres">
+      <dgm:prSet presAssocID="{7521B3B5-35CC-49A7-B980-356E4898D0E9}" presName="hierRoot2" presStyleCnt="0"/>
+      <dgm:spPr/>
+    </dgm:pt>
+    <dgm:pt modelId="{2F0DDED6-8567-4124-A311-3ED74AA2DB07}" type="pres">
+      <dgm:prSet presAssocID="{7521B3B5-35CC-49A7-B980-356E4898D0E9}" presName="composite2" presStyleCnt="0"/>
+      <dgm:spPr/>
+    </dgm:pt>
+    <dgm:pt modelId="{8B0FA282-51F4-4FCC-B671-C9364BA82F9E}" type="pres">
+      <dgm:prSet presAssocID="{7521B3B5-35CC-49A7-B980-356E4898D0E9}" presName="background2" presStyleLbl="node2" presStyleIdx="2" presStyleCnt="3"/>
+      <dgm:spPr/>
+    </dgm:pt>
+    <dgm:pt modelId="{CE695717-BD9B-4223-958C-3F68E11956F7}" type="pres">
+      <dgm:prSet presAssocID="{7521B3B5-35CC-49A7-B980-356E4898D0E9}" presName="text2" presStyleLbl="fgAcc2" presStyleIdx="2" presStyleCnt="3">
+        <dgm:presLayoutVars>
+          <dgm:chPref val="3"/>
+        </dgm:presLayoutVars>
+      </dgm:prSet>
+      <dgm:spPr/>
+    </dgm:pt>
+    <dgm:pt modelId="{B93086CB-8E3C-4A4F-97B7-04123E36B6F9}" type="pres">
+      <dgm:prSet presAssocID="{7521B3B5-35CC-49A7-B980-356E4898D0E9}" presName="hierChild3" presStyleCnt="0"/>
+      <dgm:spPr/>
+    </dgm:pt>
+    <dgm:pt modelId="{6D61AA0F-1679-4FA6-8032-5643DD8DB16D}" type="pres">
+      <dgm:prSet presAssocID="{955B31C9-3306-4606-8627-27FCA9A1093C}" presName="Name17" presStyleLbl="parChTrans1D3" presStyleIdx="4" presStyleCnt="5"/>
+      <dgm:spPr/>
+    </dgm:pt>
+    <dgm:pt modelId="{A70D032E-6A30-4BE8-8F7B-B90CC805D7E6}" type="pres">
+      <dgm:prSet presAssocID="{CAEB4240-9326-43A9-9EE4-9144D241DBC0}" presName="hierRoot3" presStyleCnt="0"/>
+      <dgm:spPr/>
+    </dgm:pt>
+    <dgm:pt modelId="{1813E5D4-F4A7-41B6-851D-75DCEAA2DC2E}" type="pres">
+      <dgm:prSet presAssocID="{CAEB4240-9326-43A9-9EE4-9144D241DBC0}" presName="composite3" presStyleCnt="0"/>
+      <dgm:spPr/>
+    </dgm:pt>
+    <dgm:pt modelId="{79D95AAC-B8B9-4760-9F68-648442E77B10}" type="pres">
+      <dgm:prSet presAssocID="{CAEB4240-9326-43A9-9EE4-9144D241DBC0}" presName="background3" presStyleLbl="node3" presStyleIdx="4" presStyleCnt="5"/>
+      <dgm:spPr/>
+    </dgm:pt>
+    <dgm:pt modelId="{F8E63E9D-7660-47DA-9E8C-B7E107358B7A}" type="pres">
+      <dgm:prSet presAssocID="{CAEB4240-9326-43A9-9EE4-9144D241DBC0}" presName="text3" presStyleLbl="fgAcc3" presStyleIdx="4" presStyleCnt="5">
+        <dgm:presLayoutVars>
+          <dgm:chPref val="3"/>
+        </dgm:presLayoutVars>
+      </dgm:prSet>
+      <dgm:spPr/>
+    </dgm:pt>
+    <dgm:pt modelId="{0F7C6C3C-BAFF-40A7-8CE0-71036F749E12}" type="pres">
+      <dgm:prSet presAssocID="{CAEB4240-9326-43A9-9EE4-9144D241DBC0}" presName="hierChild4" presStyleCnt="0"/>
+      <dgm:spPr/>
+    </dgm:pt>
+  </dgm:ptLst>
+  <dgm:cxnLst>
+    <dgm:cxn modelId="{C9733306-816B-4575-ADAF-3A5E63851DCB}" type="presOf" srcId="{76F74C93-5566-4528-B6F6-BB08F14836D4}" destId="{9EA09021-67C7-4C55-A83E-E19BBB47540E}" srcOrd="0" destOrd="0" presId="urn:microsoft.com/office/officeart/2005/8/layout/hierarchy1"/>
+    <dgm:cxn modelId="{FD5F2508-4D31-415E-A13A-D59C2956B884}" srcId="{95179B36-5183-4E2E-B80B-8392CD2D0EEF}" destId="{D3EC21C5-8788-47F2-A58F-FB1D8B993BFA}" srcOrd="0" destOrd="0" parTransId="{6F7794D1-C109-4261-B118-AA562EC51B81}" sibTransId="{FABED4C7-6E41-4F15-9B58-4C6B541693E0}"/>
+    <dgm:cxn modelId="{3334A709-4877-4190-A7BE-B87EF5AC8796}" type="presOf" srcId="{95179B36-5183-4E2E-B80B-8392CD2D0EEF}" destId="{AE710B5C-8833-40E4-958F-7ED04B5760A6}" srcOrd="0" destOrd="0" presId="urn:microsoft.com/office/officeart/2005/8/layout/hierarchy1"/>
+    <dgm:cxn modelId="{09310A10-EE4D-433A-A854-08ECA8E542DA}" srcId="{95179B36-5183-4E2E-B80B-8392CD2D0EEF}" destId="{F0078D62-6DAB-404B-BAED-F3553FDAF097}" srcOrd="1" destOrd="0" parTransId="{8F2FF0EC-0E96-4421-BAF6-B23EA2C79E57}" sibTransId="{C8B865A6-C39D-4168-9210-538F60A87F40}"/>
+    <dgm:cxn modelId="{F305FB1D-49AF-4197-8A65-56CAD7AB2EFC}" srcId="{76F74C93-5566-4528-B6F6-BB08F14836D4}" destId="{7521B3B5-35CC-49A7-B980-356E4898D0E9}" srcOrd="2" destOrd="0" parTransId="{71363A80-211D-47E6-A1A9-A01A943092E3}" sibTransId="{B426FEC1-9100-4DD5-8914-448C6E8453A5}"/>
+    <dgm:cxn modelId="{ECF83028-66BB-4232-94A2-AFBCFCEC4CEB}" type="presOf" srcId="{CAEB4240-9326-43A9-9EE4-9144D241DBC0}" destId="{F8E63E9D-7660-47DA-9E8C-B7E107358B7A}" srcOrd="0" destOrd="0" presId="urn:microsoft.com/office/officeart/2005/8/layout/hierarchy1"/>
+    <dgm:cxn modelId="{D0B0AF28-3E54-48F8-8426-895734E4BE0E}" type="presOf" srcId="{FA2DD32E-43B7-475F-9662-752C96F6C8F9}" destId="{F2F99104-F070-4EC7-8EE5-31305E8CDCE5}" srcOrd="0" destOrd="0" presId="urn:microsoft.com/office/officeart/2005/8/layout/hierarchy1"/>
+    <dgm:cxn modelId="{3848723A-45A9-49C8-890B-0C2E0798F0BF}" srcId="{7521B3B5-35CC-49A7-B980-356E4898D0E9}" destId="{CAEB4240-9326-43A9-9EE4-9144D241DBC0}" srcOrd="0" destOrd="0" parTransId="{955B31C9-3306-4606-8627-27FCA9A1093C}" sibTransId="{9EEDD40E-8137-4455-A353-2D2B9359F3B2}"/>
+    <dgm:cxn modelId="{37640040-D08D-4784-A6ED-C8F2EDFC564C}" type="presOf" srcId="{955B31C9-3306-4606-8627-27FCA9A1093C}" destId="{6D61AA0F-1679-4FA6-8032-5643DD8DB16D}" srcOrd="0" destOrd="0" presId="urn:microsoft.com/office/officeart/2005/8/layout/hierarchy1"/>
+    <dgm:cxn modelId="{2BA99F5E-FF8F-49E0-B563-CC088350B297}" type="presOf" srcId="{02138333-43E1-4CE3-A66B-417D25528BB4}" destId="{1E973917-DEB7-42AA-9E8C-294CB375537E}" srcOrd="0" destOrd="0" presId="urn:microsoft.com/office/officeart/2005/8/layout/hierarchy1"/>
+    <dgm:cxn modelId="{ED38D960-5487-4898-BD81-DC42A455ADD4}" srcId="{F353C99C-40B8-41E1-A20E-72AB28C68FB3}" destId="{76F74C93-5566-4528-B6F6-BB08F14836D4}" srcOrd="0" destOrd="0" parTransId="{319630EC-18D1-475C-8568-030C59BD0E80}" sibTransId="{E90EBBCA-2DDA-41B0-8678-3287D8AF85F2}"/>
+    <dgm:cxn modelId="{F06DF34A-D7F9-4D1B-B70A-2A402CACEB46}" type="presOf" srcId="{CAC80CD7-79AA-4270-8538-4602680CDF29}" destId="{D9933095-AA69-4500-ABD2-606B4EBA11BE}" srcOrd="0" destOrd="0" presId="urn:microsoft.com/office/officeart/2005/8/layout/hierarchy1"/>
+    <dgm:cxn modelId="{A90EAB6B-B53C-4C1D-BAF6-A27A1B7F7E5B}" type="presOf" srcId="{7521B3B5-35CC-49A7-B980-356E4898D0E9}" destId="{CE695717-BD9B-4223-958C-3F68E11956F7}" srcOrd="0" destOrd="0" presId="urn:microsoft.com/office/officeart/2005/8/layout/hierarchy1"/>
+    <dgm:cxn modelId="{8657B677-D0F4-4FE9-AE14-0DBCD2204585}" type="presOf" srcId="{24AD65EB-3A3B-4A9C-9156-01C1A60A109B}" destId="{86ADC132-560B-41A7-B63F-CF1AC86D0880}" srcOrd="0" destOrd="0" presId="urn:microsoft.com/office/officeart/2005/8/layout/hierarchy1"/>
+    <dgm:cxn modelId="{DD69B87C-9516-46B5-AD18-A43550998C6E}" type="presOf" srcId="{D3EC21C5-8788-47F2-A58F-FB1D8B993BFA}" destId="{CB27A4DA-0D02-43A8-B1B0-0DB89DD11614}" srcOrd="0" destOrd="0" presId="urn:microsoft.com/office/officeart/2005/8/layout/hierarchy1"/>
+    <dgm:cxn modelId="{481FA083-13F2-40EE-9BBF-D69DD63830CB}" type="presOf" srcId="{8EE563B6-5429-4F04-8148-6260AF03EF98}" destId="{3CC74003-EE44-422D-AAE0-66C981145835}" srcOrd="0" destOrd="0" presId="urn:microsoft.com/office/officeart/2005/8/layout/hierarchy1"/>
+    <dgm:cxn modelId="{BE18F498-B640-4494-8045-9580049C13DA}" type="presOf" srcId="{F353C99C-40B8-41E1-A20E-72AB28C68FB3}" destId="{CF0FB64C-B51C-4C1A-B1E1-52B5A8A470FB}" srcOrd="0" destOrd="0" presId="urn:microsoft.com/office/officeart/2005/8/layout/hierarchy1"/>
+    <dgm:cxn modelId="{074F2A9A-AC76-4112-940C-32B5C3C48111}" type="presOf" srcId="{5992E9F4-CB74-4CFC-B8C1-C5AAF26A5BA6}" destId="{80063DAF-9F5D-447A-BE50-88508613A60F}" srcOrd="0" destOrd="0" presId="urn:microsoft.com/office/officeart/2005/8/layout/hierarchy1"/>
+    <dgm:cxn modelId="{29146DA6-29D8-4C2B-8D95-4F0194ECCE39}" type="presOf" srcId="{6F7794D1-C109-4261-B118-AA562EC51B81}" destId="{03D37BAE-1B1C-40F2-B441-751CC913D554}" srcOrd="0" destOrd="0" presId="urn:microsoft.com/office/officeart/2005/8/layout/hierarchy1"/>
+    <dgm:cxn modelId="{DA4A0BC3-C6A3-4AC3-AB86-EF37A6ED0FD2}" type="presOf" srcId="{71363A80-211D-47E6-A1A9-A01A943092E3}" destId="{2FF9BAF7-9A5E-4C01-AB78-F89840487E0A}" srcOrd="0" destOrd="0" presId="urn:microsoft.com/office/officeart/2005/8/layout/hierarchy1"/>
+    <dgm:cxn modelId="{4A1CEAD1-3034-4635-AC1D-73E6FAD9FB92}" srcId="{3C66195D-8D6B-4B91-B911-D3776B91C146}" destId="{8EE563B6-5429-4F04-8148-6260AF03EF98}" srcOrd="1" destOrd="0" parTransId="{FA2DD32E-43B7-475F-9662-752C96F6C8F9}" sibTransId="{9CB65AFA-C273-4B87-9CB4-1AD23BC56ED5}"/>
+    <dgm:cxn modelId="{9C8647E1-6310-4543-833D-D9CB721FB7A4}" type="presOf" srcId="{8F2FF0EC-0E96-4421-BAF6-B23EA2C79E57}" destId="{9052AA4E-9D45-4CDE-A090-49F07C9E3E98}" srcOrd="0" destOrd="0" presId="urn:microsoft.com/office/officeart/2005/8/layout/hierarchy1"/>
+    <dgm:cxn modelId="{4F1016E4-CD8D-4E94-8215-2B7BD7428633}" srcId="{76F74C93-5566-4528-B6F6-BB08F14836D4}" destId="{95179B36-5183-4E2E-B80B-8392CD2D0EEF}" srcOrd="1" destOrd="0" parTransId="{CAC80CD7-79AA-4270-8538-4602680CDF29}" sibTransId="{4623D454-522A-4691-B45E-EC96127D0AAC}"/>
+    <dgm:cxn modelId="{755094E9-38A2-43EF-824C-C7A42CFA07FE}" type="presOf" srcId="{F0078D62-6DAB-404B-BAED-F3553FDAF097}" destId="{55805966-5AB6-4BB6-87D1-9CA509CADE45}" srcOrd="0" destOrd="0" presId="urn:microsoft.com/office/officeart/2005/8/layout/hierarchy1"/>
+    <dgm:cxn modelId="{93AE9DF1-6726-4AEC-B074-E817198B6BB7}" type="presOf" srcId="{3C66195D-8D6B-4B91-B911-D3776B91C146}" destId="{D20BD193-5807-477B-8055-6EED96B85E34}" srcOrd="0" destOrd="0" presId="urn:microsoft.com/office/officeart/2005/8/layout/hierarchy1"/>
+    <dgm:cxn modelId="{4B87E0F9-9899-43FE-AAE2-FB25AB723CB7}" srcId="{3C66195D-8D6B-4B91-B911-D3776B91C146}" destId="{5992E9F4-CB74-4CFC-B8C1-C5AAF26A5BA6}" srcOrd="0" destOrd="0" parTransId="{02138333-43E1-4CE3-A66B-417D25528BB4}" sibTransId="{98B98246-A5E1-4193-9F6F-EF9D5279C76E}"/>
+    <dgm:cxn modelId="{BAF6C9FA-B441-4CF6-9394-648B26B3AF1D}" srcId="{76F74C93-5566-4528-B6F6-BB08F14836D4}" destId="{3C66195D-8D6B-4B91-B911-D3776B91C146}" srcOrd="0" destOrd="0" parTransId="{24AD65EB-3A3B-4A9C-9156-01C1A60A109B}" sibTransId="{BD135A77-7B9E-4C2D-BED8-3C9698D6D4D3}"/>
+    <dgm:cxn modelId="{1E6C3395-4988-48B9-A9BB-F0968A3C9E89}" type="presParOf" srcId="{CF0FB64C-B51C-4C1A-B1E1-52B5A8A470FB}" destId="{5EF2B95B-CCAD-4737-852F-276B8A348C20}" srcOrd="0" destOrd="0" presId="urn:microsoft.com/office/officeart/2005/8/layout/hierarchy1"/>
+    <dgm:cxn modelId="{E37448C7-22D0-4733-899A-3142FB0840F4}" type="presParOf" srcId="{5EF2B95B-CCAD-4737-852F-276B8A348C20}" destId="{F3AB619D-E82F-4735-967C-8B937C39BB03}" srcOrd="0" destOrd="0" presId="urn:microsoft.com/office/officeart/2005/8/layout/hierarchy1"/>
+    <dgm:cxn modelId="{084DA491-9098-45D5-88FC-609F51D76458}" type="presParOf" srcId="{F3AB619D-E82F-4735-967C-8B937C39BB03}" destId="{6B83F2EC-EF67-4CE2-8883-186A87CC8D8A}" srcOrd="0" destOrd="0" presId="urn:microsoft.com/office/officeart/2005/8/layout/hierarchy1"/>
+    <dgm:cxn modelId="{0F119E0C-41AD-4062-9F2C-F378BCE54B63}" type="presParOf" srcId="{F3AB619D-E82F-4735-967C-8B937C39BB03}" destId="{9EA09021-67C7-4C55-A83E-E19BBB47540E}" srcOrd="1" destOrd="0" presId="urn:microsoft.com/office/officeart/2005/8/layout/hierarchy1"/>
+    <dgm:cxn modelId="{720A504D-2A54-4C76-A462-AF010C2D6FDF}" type="presParOf" srcId="{5EF2B95B-CCAD-4737-852F-276B8A348C20}" destId="{150D0BE3-5BA5-4266-A754-8ABF31D38A70}" srcOrd="1" destOrd="0" presId="urn:microsoft.com/office/officeart/2005/8/layout/hierarchy1"/>
+    <dgm:cxn modelId="{70820479-2826-4335-9C39-E9AC474B1CE1}" type="presParOf" srcId="{150D0BE3-5BA5-4266-A754-8ABF31D38A70}" destId="{86ADC132-560B-41A7-B63F-CF1AC86D0880}" srcOrd="0" destOrd="0" presId="urn:microsoft.com/office/officeart/2005/8/layout/hierarchy1"/>
+    <dgm:cxn modelId="{CE9D4ECF-7066-4331-B5DB-31FA72DF99F3}" type="presParOf" srcId="{150D0BE3-5BA5-4266-A754-8ABF31D38A70}" destId="{91C80F42-2D11-43AD-9C8C-696DDCADFFE6}" srcOrd="1" destOrd="0" presId="urn:microsoft.com/office/officeart/2005/8/layout/hierarchy1"/>
+    <dgm:cxn modelId="{E777F069-200B-4EF6-AC7E-7BF365016128}" type="presParOf" srcId="{91C80F42-2D11-43AD-9C8C-696DDCADFFE6}" destId="{FD42AF3F-C510-4B0A-8ED1-82A7AAD27E94}" srcOrd="0" destOrd="0" presId="urn:microsoft.com/office/officeart/2005/8/layout/hierarchy1"/>
+    <dgm:cxn modelId="{4B35B41B-7E6F-4225-BDFC-8C0EB63888DC}" type="presParOf" srcId="{FD42AF3F-C510-4B0A-8ED1-82A7AAD27E94}" destId="{56730206-15CA-4DAC-9A92-A88AE5DC0730}" srcOrd="0" destOrd="0" presId="urn:microsoft.com/office/officeart/2005/8/layout/hierarchy1"/>
+    <dgm:cxn modelId="{5F01634C-00A4-4B06-A25E-8C9F87CB48E3}" type="presParOf" srcId="{FD42AF3F-C510-4B0A-8ED1-82A7AAD27E94}" destId="{D20BD193-5807-477B-8055-6EED96B85E34}" srcOrd="1" destOrd="0" presId="urn:microsoft.com/office/officeart/2005/8/layout/hierarchy1"/>
+    <dgm:cxn modelId="{FDC75E61-09C9-4CD8-9FA2-FBE1FB2B3B0C}" type="presParOf" srcId="{91C80F42-2D11-43AD-9C8C-696DDCADFFE6}" destId="{F42DF52F-0AB6-4CB4-AA48-6EC4192D84EF}" srcOrd="1" destOrd="0" presId="urn:microsoft.com/office/officeart/2005/8/layout/hierarchy1"/>
+    <dgm:cxn modelId="{3E915D2A-5956-44E5-AFE6-9984296C8C57}" type="presParOf" srcId="{F42DF52F-0AB6-4CB4-AA48-6EC4192D84EF}" destId="{1E973917-DEB7-42AA-9E8C-294CB375537E}" srcOrd="0" destOrd="0" presId="urn:microsoft.com/office/officeart/2005/8/layout/hierarchy1"/>
+    <dgm:cxn modelId="{FC823D12-04B4-440B-8BA3-3F0049E35ED9}" type="presParOf" srcId="{F42DF52F-0AB6-4CB4-AA48-6EC4192D84EF}" destId="{0CE6B1B2-4CB1-41E4-BDA9-8CE63E9941F4}" srcOrd="1" destOrd="0" presId="urn:microsoft.com/office/officeart/2005/8/layout/hierarchy1"/>
+    <dgm:cxn modelId="{7A1F3CB5-1602-408E-ACC5-80110FAF1E82}" type="presParOf" srcId="{0CE6B1B2-4CB1-41E4-BDA9-8CE63E9941F4}" destId="{654FC8E4-47DE-4077-B1BE-8896E9AD4DCF}" srcOrd="0" destOrd="0" presId="urn:microsoft.com/office/officeart/2005/8/layout/hierarchy1"/>
+    <dgm:cxn modelId="{C6CCE2CB-B61F-4623-85B4-E6CE189F1BE9}" type="presParOf" srcId="{654FC8E4-47DE-4077-B1BE-8896E9AD4DCF}" destId="{2DCC8321-4EE7-49E7-8B04-A27EE0040AA9}" srcOrd="0" destOrd="0" presId="urn:microsoft.com/office/officeart/2005/8/layout/hierarchy1"/>
+    <dgm:cxn modelId="{8F66C65F-8287-4F90-971B-D3C732AD8999}" type="presParOf" srcId="{654FC8E4-47DE-4077-B1BE-8896E9AD4DCF}" destId="{80063DAF-9F5D-447A-BE50-88508613A60F}" srcOrd="1" destOrd="0" presId="urn:microsoft.com/office/officeart/2005/8/layout/hierarchy1"/>
+    <dgm:cxn modelId="{29C9C912-CFE9-4819-AEDD-751BA4B5369A}" type="presParOf" srcId="{0CE6B1B2-4CB1-41E4-BDA9-8CE63E9941F4}" destId="{351C2D09-4C69-41BF-A41F-DABCF17E354D}" srcOrd="1" destOrd="0" presId="urn:microsoft.com/office/officeart/2005/8/layout/hierarchy1"/>
+    <dgm:cxn modelId="{DF530CA1-9B39-4257-8AC9-B8EE23436482}" type="presParOf" srcId="{F42DF52F-0AB6-4CB4-AA48-6EC4192D84EF}" destId="{F2F99104-F070-4EC7-8EE5-31305E8CDCE5}" srcOrd="2" destOrd="0" presId="urn:microsoft.com/office/officeart/2005/8/layout/hierarchy1"/>
+    <dgm:cxn modelId="{017B30C6-C7ED-4117-A1FF-F8C84A3CC7AD}" type="presParOf" srcId="{F42DF52F-0AB6-4CB4-AA48-6EC4192D84EF}" destId="{ABC95AD2-841A-44A8-A45D-9D580103E7D8}" srcOrd="3" destOrd="0" presId="urn:microsoft.com/office/officeart/2005/8/layout/hierarchy1"/>
+    <dgm:cxn modelId="{1B886607-3360-4ACC-8C7B-154AB5116CA4}" type="presParOf" srcId="{ABC95AD2-841A-44A8-A45D-9D580103E7D8}" destId="{FE655382-9C94-47BB-8B99-761D083F85FA}" srcOrd="0" destOrd="0" presId="urn:microsoft.com/office/officeart/2005/8/layout/hierarchy1"/>
+    <dgm:cxn modelId="{F4A7AE06-4463-40E2-8CCC-CF96E6B08A0B}" type="presParOf" srcId="{FE655382-9C94-47BB-8B99-761D083F85FA}" destId="{32626F4F-B205-4B5D-96F3-D58AC2B8534F}" srcOrd="0" destOrd="0" presId="urn:microsoft.com/office/officeart/2005/8/layout/hierarchy1"/>
+    <dgm:cxn modelId="{48843851-018F-4666-980A-EBFF2B254D1F}" type="presParOf" srcId="{FE655382-9C94-47BB-8B99-761D083F85FA}" destId="{3CC74003-EE44-422D-AAE0-66C981145835}" srcOrd="1" destOrd="0" presId="urn:microsoft.com/office/officeart/2005/8/layout/hierarchy1"/>
+    <dgm:cxn modelId="{67A67C6F-40FE-4936-8E5E-5E09D213B334}" type="presParOf" srcId="{ABC95AD2-841A-44A8-A45D-9D580103E7D8}" destId="{E6C57D0B-77EB-4FEA-97D4-451138E35389}" srcOrd="1" destOrd="0" presId="urn:microsoft.com/office/officeart/2005/8/layout/hierarchy1"/>
+    <dgm:cxn modelId="{E008E128-F8A6-46C0-9EEB-2A91F584F44D}" type="presParOf" srcId="{150D0BE3-5BA5-4266-A754-8ABF31D38A70}" destId="{D9933095-AA69-4500-ABD2-606B4EBA11BE}" srcOrd="2" destOrd="0" presId="urn:microsoft.com/office/officeart/2005/8/layout/hierarchy1"/>
+    <dgm:cxn modelId="{C0C31A61-3479-4DC3-B56D-0AA34104C85B}" type="presParOf" srcId="{150D0BE3-5BA5-4266-A754-8ABF31D38A70}" destId="{E9E1A785-2A4A-4A39-9AA5-1B90FB39696D}" srcOrd="3" destOrd="0" presId="urn:microsoft.com/office/officeart/2005/8/layout/hierarchy1"/>
+    <dgm:cxn modelId="{7818E675-8572-450B-AA8A-385B8E017CF4}" type="presParOf" srcId="{E9E1A785-2A4A-4A39-9AA5-1B90FB39696D}" destId="{0179BBE6-538D-49F0-BAC7-D488EA1A80A8}" srcOrd="0" destOrd="0" presId="urn:microsoft.com/office/officeart/2005/8/layout/hierarchy1"/>
+    <dgm:cxn modelId="{741AA118-744B-40F2-9459-0D2A89262AA7}" type="presParOf" srcId="{0179BBE6-538D-49F0-BAC7-D488EA1A80A8}" destId="{601C8D64-DC3E-47C3-AFF8-1FE2B9650954}" srcOrd="0" destOrd="0" presId="urn:microsoft.com/office/officeart/2005/8/layout/hierarchy1"/>
+    <dgm:cxn modelId="{CAC76B9F-20FA-4B6F-BD04-AE5159308604}" type="presParOf" srcId="{0179BBE6-538D-49F0-BAC7-D488EA1A80A8}" destId="{AE710B5C-8833-40E4-958F-7ED04B5760A6}" srcOrd="1" destOrd="0" presId="urn:microsoft.com/office/officeart/2005/8/layout/hierarchy1"/>
+    <dgm:cxn modelId="{E1BDFE24-BB3D-4924-AAA4-6D78BCFCD11F}" type="presParOf" srcId="{E9E1A785-2A4A-4A39-9AA5-1B90FB39696D}" destId="{3E565C30-912E-4639-8200-C5771374DEC4}" srcOrd="1" destOrd="0" presId="urn:microsoft.com/office/officeart/2005/8/layout/hierarchy1"/>
+    <dgm:cxn modelId="{3B849482-FB5F-4686-AA1F-05AAD8B09AF8}" type="presParOf" srcId="{3E565C30-912E-4639-8200-C5771374DEC4}" destId="{03D37BAE-1B1C-40F2-B441-751CC913D554}" srcOrd="0" destOrd="0" presId="urn:microsoft.com/office/officeart/2005/8/layout/hierarchy1"/>
+    <dgm:cxn modelId="{5A8E9137-614C-47D2-8AF3-942DE7DAFCE2}" type="presParOf" srcId="{3E565C30-912E-4639-8200-C5771374DEC4}" destId="{725F52EB-0DB4-485F-91EE-C3B59BD9EDDC}" srcOrd="1" destOrd="0" presId="urn:microsoft.com/office/officeart/2005/8/layout/hierarchy1"/>
+    <dgm:cxn modelId="{0174FD09-2517-4389-8CB6-E45B83213C07}" type="presParOf" srcId="{725F52EB-0DB4-485F-91EE-C3B59BD9EDDC}" destId="{436AF3E0-87E4-439A-AB96-65297ED23E57}" srcOrd="0" destOrd="0" presId="urn:microsoft.com/office/officeart/2005/8/layout/hierarchy1"/>
+    <dgm:cxn modelId="{5865EB33-08B4-4221-A6C8-C044FC0DC203}" type="presParOf" srcId="{436AF3E0-87E4-439A-AB96-65297ED23E57}" destId="{DC3FB9C7-629A-4718-9453-5D06B66E7D8B}" srcOrd="0" destOrd="0" presId="urn:microsoft.com/office/officeart/2005/8/layout/hierarchy1"/>
+    <dgm:cxn modelId="{21FF1528-4394-40DC-AB55-BB499F6EA339}" type="presParOf" srcId="{436AF3E0-87E4-439A-AB96-65297ED23E57}" destId="{CB27A4DA-0D02-43A8-B1B0-0DB89DD11614}" srcOrd="1" destOrd="0" presId="urn:microsoft.com/office/officeart/2005/8/layout/hierarchy1"/>
+    <dgm:cxn modelId="{F1E61D94-759E-4DF2-9153-047924DBA682}" type="presParOf" srcId="{725F52EB-0DB4-485F-91EE-C3B59BD9EDDC}" destId="{4F1C324D-4588-4711-9F1B-A92C26984459}" srcOrd="1" destOrd="0" presId="urn:microsoft.com/office/officeart/2005/8/layout/hierarchy1"/>
+    <dgm:cxn modelId="{629FB61E-8B3D-479C-895C-169538A91EF8}" type="presParOf" srcId="{3E565C30-912E-4639-8200-C5771374DEC4}" destId="{9052AA4E-9D45-4CDE-A090-49F07C9E3E98}" srcOrd="2" destOrd="0" presId="urn:microsoft.com/office/officeart/2005/8/layout/hierarchy1"/>
+    <dgm:cxn modelId="{9901EE57-BD14-438C-B496-CEE0F5DF25C8}" type="presParOf" srcId="{3E565C30-912E-4639-8200-C5771374DEC4}" destId="{50D030DE-15C6-4EBD-A4F8-FC206FD5FF8C}" srcOrd="3" destOrd="0" presId="urn:microsoft.com/office/officeart/2005/8/layout/hierarchy1"/>
+    <dgm:cxn modelId="{01DE67F2-E6DA-4FB7-8CE8-76A45B806CD2}" type="presParOf" srcId="{50D030DE-15C6-4EBD-A4F8-FC206FD5FF8C}" destId="{084BB926-CD71-45C5-AE76-2C4E3C34966F}" srcOrd="0" destOrd="0" presId="urn:microsoft.com/office/officeart/2005/8/layout/hierarchy1"/>
+    <dgm:cxn modelId="{FD0D5A77-8B99-42C7-9577-8EB6E0CADD0A}" type="presParOf" srcId="{084BB926-CD71-45C5-AE76-2C4E3C34966F}" destId="{79BC302F-80FB-4F20-9DED-78011595EA15}" srcOrd="0" destOrd="0" presId="urn:microsoft.com/office/officeart/2005/8/layout/hierarchy1"/>
+    <dgm:cxn modelId="{D856983D-B87B-46DB-BC0B-6FA757794A7F}" type="presParOf" srcId="{084BB926-CD71-45C5-AE76-2C4E3C34966F}" destId="{55805966-5AB6-4BB6-87D1-9CA509CADE45}" srcOrd="1" destOrd="0" presId="urn:microsoft.com/office/officeart/2005/8/layout/hierarchy1"/>
+    <dgm:cxn modelId="{CD9AC3E6-E250-44BE-9039-D344BB04010F}" type="presParOf" srcId="{50D030DE-15C6-4EBD-A4F8-FC206FD5FF8C}" destId="{DCB8BAFD-52A1-4DA2-BE9F-854D8CB62268}" srcOrd="1" destOrd="0" presId="urn:microsoft.com/office/officeart/2005/8/layout/hierarchy1"/>
+    <dgm:cxn modelId="{5199AC65-1E31-4ECC-8953-8D0378EE475E}" type="presParOf" srcId="{150D0BE3-5BA5-4266-A754-8ABF31D38A70}" destId="{2FF9BAF7-9A5E-4C01-AB78-F89840487E0A}" srcOrd="4" destOrd="0" presId="urn:microsoft.com/office/officeart/2005/8/layout/hierarchy1"/>
+    <dgm:cxn modelId="{F7974F87-5E96-45EF-882F-F6DA3AABF32A}" type="presParOf" srcId="{150D0BE3-5BA5-4266-A754-8ABF31D38A70}" destId="{6A944048-83B2-4635-86CE-0509BB1DAA69}" srcOrd="5" destOrd="0" presId="urn:microsoft.com/office/officeart/2005/8/layout/hierarchy1"/>
+    <dgm:cxn modelId="{10C5B876-8361-4E5B-A2DF-7532D76D197A}" type="presParOf" srcId="{6A944048-83B2-4635-86CE-0509BB1DAA69}" destId="{2F0DDED6-8567-4124-A311-3ED74AA2DB07}" srcOrd="0" destOrd="0" presId="urn:microsoft.com/office/officeart/2005/8/layout/hierarchy1"/>
+    <dgm:cxn modelId="{784C3235-83B2-439C-91C9-3B561AD73BC2}" type="presParOf" srcId="{2F0DDED6-8567-4124-A311-3ED74AA2DB07}" destId="{8B0FA282-51F4-4FCC-B671-C9364BA82F9E}" srcOrd="0" destOrd="0" presId="urn:microsoft.com/office/officeart/2005/8/layout/hierarchy1"/>
+    <dgm:cxn modelId="{E96DC515-7EEC-4A10-8967-0184371D2C08}" type="presParOf" srcId="{2F0DDED6-8567-4124-A311-3ED74AA2DB07}" destId="{CE695717-BD9B-4223-958C-3F68E11956F7}" srcOrd="1" destOrd="0" presId="urn:microsoft.com/office/officeart/2005/8/layout/hierarchy1"/>
+    <dgm:cxn modelId="{ADE30071-C3FD-4D6A-B116-90629BE102A4}" type="presParOf" srcId="{6A944048-83B2-4635-86CE-0509BB1DAA69}" destId="{B93086CB-8E3C-4A4F-97B7-04123E36B6F9}" srcOrd="1" destOrd="0" presId="urn:microsoft.com/office/officeart/2005/8/layout/hierarchy1"/>
+    <dgm:cxn modelId="{274FAB93-2BAD-4C4B-B4D8-D5C9FCF15EB1}" type="presParOf" srcId="{B93086CB-8E3C-4A4F-97B7-04123E36B6F9}" destId="{6D61AA0F-1679-4FA6-8032-5643DD8DB16D}" srcOrd="0" destOrd="0" presId="urn:microsoft.com/office/officeart/2005/8/layout/hierarchy1"/>
+    <dgm:cxn modelId="{65942E6F-2F83-41C0-94DC-AB8F4E65BC56}" type="presParOf" srcId="{B93086CB-8E3C-4A4F-97B7-04123E36B6F9}" destId="{A70D032E-6A30-4BE8-8F7B-B90CC805D7E6}" srcOrd="1" destOrd="0" presId="urn:microsoft.com/office/officeart/2005/8/layout/hierarchy1"/>
+    <dgm:cxn modelId="{029B7572-FFB6-4FB9-BD4D-B80C47708B5A}" type="presParOf" srcId="{A70D032E-6A30-4BE8-8F7B-B90CC805D7E6}" destId="{1813E5D4-F4A7-41B6-851D-75DCEAA2DC2E}" srcOrd="0" destOrd="0" presId="urn:microsoft.com/office/officeart/2005/8/layout/hierarchy1"/>
+    <dgm:cxn modelId="{0252BE53-64FC-4124-9652-1F66EA3896F9}" type="presParOf" srcId="{1813E5D4-F4A7-41B6-851D-75DCEAA2DC2E}" destId="{79D95AAC-B8B9-4760-9F68-648442E77B10}" srcOrd="0" destOrd="0" presId="urn:microsoft.com/office/officeart/2005/8/layout/hierarchy1"/>
+    <dgm:cxn modelId="{F9C68AA1-9380-43E0-916F-ED246533014E}" type="presParOf" srcId="{1813E5D4-F4A7-41B6-851D-75DCEAA2DC2E}" destId="{F8E63E9D-7660-47DA-9E8C-B7E107358B7A}" srcOrd="1" destOrd="0" presId="urn:microsoft.com/office/officeart/2005/8/layout/hierarchy1"/>
+    <dgm:cxn modelId="{30FBDD5F-7AC0-4335-B539-9A2D4EF0F5D5}" type="presParOf" srcId="{A70D032E-6A30-4BE8-8F7B-B90CC805D7E6}" destId="{0F7C6C3C-BAFF-40A7-8CE0-71036F749E12}" srcOrd="1" destOrd="0" presId="urn:microsoft.com/office/officeart/2005/8/layout/hierarchy1"/>
   </dgm:cxnLst>
   <dgm:bg/>
   <dgm:whole/>
@@ -3543,7 +5174,2252 @@
 </dsp:drawing>
 </file>
 
+<file path=ppt/diagrams/drawing2.xml><?xml version="1.0" encoding="utf-8"?>
+<dsp:drawing xmlns:dgm="http://schemas.openxmlformats.org/drawingml/2006/diagram" xmlns:dsp="http://schemas.microsoft.com/office/drawing/2008/diagram" xmlns:a="http://schemas.openxmlformats.org/drawingml/2006/main">
+  <dsp:spTree>
+    <dsp:nvGrpSpPr>
+      <dsp:cNvPr id="0" name=""/>
+      <dsp:cNvGrpSpPr/>
+    </dsp:nvGrpSpPr>
+    <dsp:grpSpPr/>
+    <dsp:sp modelId="{6D61AA0F-1679-4FA6-8032-5643DD8DB16D}">
+      <dsp:nvSpPr>
+        <dsp:cNvPr id="0" name=""/>
+        <dsp:cNvSpPr/>
+      </dsp:nvSpPr>
+      <dsp:spPr>
+        <a:xfrm>
+          <a:off x="5590632" y="2173911"/>
+          <a:ext cx="91440" cy="304072"/>
+        </a:xfrm>
+        <a:custGeom>
+          <a:avLst/>
+          <a:gdLst/>
+          <a:ahLst/>
+          <a:cxnLst/>
+          <a:rect l="0" t="0" r="0" b="0"/>
+          <a:pathLst>
+            <a:path>
+              <a:moveTo>
+                <a:pt x="45720" y="0"/>
+              </a:moveTo>
+              <a:lnTo>
+                <a:pt x="45720" y="304072"/>
+              </a:lnTo>
+            </a:path>
+          </a:pathLst>
+        </a:custGeom>
+        <a:noFill/>
+        <a:ln w="12700" cap="flat" cmpd="sng" algn="ctr">
+          <a:solidFill>
+            <a:schemeClr val="accent1">
+              <a:shade val="80000"/>
+              <a:hueOff val="0"/>
+              <a:satOff val="0"/>
+              <a:lumOff val="0"/>
+              <a:alphaOff val="0"/>
+            </a:schemeClr>
+          </a:solidFill>
+          <a:prstDash val="solid"/>
+          <a:miter lim="800000"/>
+        </a:ln>
+        <a:effectLst/>
+      </dsp:spPr>
+      <dsp:style>
+        <a:lnRef idx="2">
+          <a:scrgbClr r="0" g="0" b="0"/>
+        </a:lnRef>
+        <a:fillRef idx="0">
+          <a:scrgbClr r="0" g="0" b="0"/>
+        </a:fillRef>
+        <a:effectRef idx="0">
+          <a:scrgbClr r="0" g="0" b="0"/>
+        </a:effectRef>
+        <a:fontRef idx="minor"/>
+      </dsp:style>
+    </dsp:sp>
+    <dsp:sp modelId="{2FF9BAF7-9A5E-4C01-AB78-F89840487E0A}">
+      <dsp:nvSpPr>
+        <dsp:cNvPr id="0" name=""/>
+        <dsp:cNvSpPr/>
+      </dsp:nvSpPr>
+      <dsp:spPr>
+        <a:xfrm>
+          <a:off x="3400095" y="1205931"/>
+          <a:ext cx="2236257" cy="304072"/>
+        </a:xfrm>
+        <a:custGeom>
+          <a:avLst/>
+          <a:gdLst/>
+          <a:ahLst/>
+          <a:cxnLst/>
+          <a:rect l="0" t="0" r="0" b="0"/>
+          <a:pathLst>
+            <a:path>
+              <a:moveTo>
+                <a:pt x="0" y="0"/>
+              </a:moveTo>
+              <a:lnTo>
+                <a:pt x="0" y="207216"/>
+              </a:lnTo>
+              <a:lnTo>
+                <a:pt x="2236257" y="207216"/>
+              </a:lnTo>
+              <a:lnTo>
+                <a:pt x="2236257" y="304072"/>
+              </a:lnTo>
+            </a:path>
+          </a:pathLst>
+        </a:custGeom>
+        <a:noFill/>
+        <a:ln w="12700" cap="flat" cmpd="sng" algn="ctr">
+          <a:solidFill>
+            <a:schemeClr val="accent1">
+              <a:shade val="60000"/>
+              <a:hueOff val="0"/>
+              <a:satOff val="0"/>
+              <a:lumOff val="0"/>
+              <a:alphaOff val="0"/>
+            </a:schemeClr>
+          </a:solidFill>
+          <a:prstDash val="solid"/>
+          <a:miter lim="800000"/>
+        </a:ln>
+        <a:effectLst/>
+      </dsp:spPr>
+      <dsp:style>
+        <a:lnRef idx="2">
+          <a:scrgbClr r="0" g="0" b="0"/>
+        </a:lnRef>
+        <a:fillRef idx="0">
+          <a:scrgbClr r="0" g="0" b="0"/>
+        </a:fillRef>
+        <a:effectRef idx="0">
+          <a:scrgbClr r="0" g="0" b="0"/>
+        </a:effectRef>
+        <a:fontRef idx="minor"/>
+      </dsp:style>
+    </dsp:sp>
+    <dsp:sp modelId="{9052AA4E-9D45-4CDE-A090-49F07C9E3E98}">
+      <dsp:nvSpPr>
+        <dsp:cNvPr id="0" name=""/>
+        <dsp:cNvSpPr/>
+      </dsp:nvSpPr>
+      <dsp:spPr>
+        <a:xfrm>
+          <a:off x="3719560" y="2173911"/>
+          <a:ext cx="638930" cy="304072"/>
+        </a:xfrm>
+        <a:custGeom>
+          <a:avLst/>
+          <a:gdLst/>
+          <a:ahLst/>
+          <a:cxnLst/>
+          <a:rect l="0" t="0" r="0" b="0"/>
+          <a:pathLst>
+            <a:path>
+              <a:moveTo>
+                <a:pt x="0" y="0"/>
+              </a:moveTo>
+              <a:lnTo>
+                <a:pt x="0" y="207216"/>
+              </a:lnTo>
+              <a:lnTo>
+                <a:pt x="638930" y="207216"/>
+              </a:lnTo>
+              <a:lnTo>
+                <a:pt x="638930" y="304072"/>
+              </a:lnTo>
+            </a:path>
+          </a:pathLst>
+        </a:custGeom>
+        <a:noFill/>
+        <a:ln w="12700" cap="flat" cmpd="sng" algn="ctr">
+          <a:solidFill>
+            <a:schemeClr val="accent1">
+              <a:shade val="80000"/>
+              <a:hueOff val="0"/>
+              <a:satOff val="0"/>
+              <a:lumOff val="0"/>
+              <a:alphaOff val="0"/>
+            </a:schemeClr>
+          </a:solidFill>
+          <a:prstDash val="solid"/>
+          <a:miter lim="800000"/>
+        </a:ln>
+        <a:effectLst/>
+      </dsp:spPr>
+      <dsp:style>
+        <a:lnRef idx="2">
+          <a:scrgbClr r="0" g="0" b="0"/>
+        </a:lnRef>
+        <a:fillRef idx="0">
+          <a:scrgbClr r="0" g="0" b="0"/>
+        </a:fillRef>
+        <a:effectRef idx="0">
+          <a:scrgbClr r="0" g="0" b="0"/>
+        </a:effectRef>
+        <a:fontRef idx="minor"/>
+      </dsp:style>
+    </dsp:sp>
+    <dsp:sp modelId="{03D37BAE-1B1C-40F2-B441-751CC913D554}">
+      <dsp:nvSpPr>
+        <dsp:cNvPr id="0" name=""/>
+        <dsp:cNvSpPr/>
+      </dsp:nvSpPr>
+      <dsp:spPr>
+        <a:xfrm>
+          <a:off x="3080629" y="2173911"/>
+          <a:ext cx="638930" cy="304072"/>
+        </a:xfrm>
+        <a:custGeom>
+          <a:avLst/>
+          <a:gdLst/>
+          <a:ahLst/>
+          <a:cxnLst/>
+          <a:rect l="0" t="0" r="0" b="0"/>
+          <a:pathLst>
+            <a:path>
+              <a:moveTo>
+                <a:pt x="638930" y="0"/>
+              </a:moveTo>
+              <a:lnTo>
+                <a:pt x="638930" y="207216"/>
+              </a:lnTo>
+              <a:lnTo>
+                <a:pt x="0" y="207216"/>
+              </a:lnTo>
+              <a:lnTo>
+                <a:pt x="0" y="304072"/>
+              </a:lnTo>
+            </a:path>
+          </a:pathLst>
+        </a:custGeom>
+        <a:noFill/>
+        <a:ln w="12700" cap="flat" cmpd="sng" algn="ctr">
+          <a:solidFill>
+            <a:schemeClr val="accent1">
+              <a:shade val="80000"/>
+              <a:hueOff val="0"/>
+              <a:satOff val="0"/>
+              <a:lumOff val="0"/>
+              <a:alphaOff val="0"/>
+            </a:schemeClr>
+          </a:solidFill>
+          <a:prstDash val="solid"/>
+          <a:miter lim="800000"/>
+        </a:ln>
+        <a:effectLst/>
+      </dsp:spPr>
+      <dsp:style>
+        <a:lnRef idx="2">
+          <a:scrgbClr r="0" g="0" b="0"/>
+        </a:lnRef>
+        <a:fillRef idx="0">
+          <a:scrgbClr r="0" g="0" b="0"/>
+        </a:fillRef>
+        <a:effectRef idx="0">
+          <a:scrgbClr r="0" g="0" b="0"/>
+        </a:effectRef>
+        <a:fontRef idx="minor"/>
+      </dsp:style>
+    </dsp:sp>
+    <dsp:sp modelId="{D9933095-AA69-4500-ABD2-606B4EBA11BE}">
+      <dsp:nvSpPr>
+        <dsp:cNvPr id="0" name=""/>
+        <dsp:cNvSpPr/>
+      </dsp:nvSpPr>
+      <dsp:spPr>
+        <a:xfrm>
+          <a:off x="3400095" y="1205931"/>
+          <a:ext cx="319465" cy="304072"/>
+        </a:xfrm>
+        <a:custGeom>
+          <a:avLst/>
+          <a:gdLst/>
+          <a:ahLst/>
+          <a:cxnLst/>
+          <a:rect l="0" t="0" r="0" b="0"/>
+          <a:pathLst>
+            <a:path>
+              <a:moveTo>
+                <a:pt x="0" y="0"/>
+              </a:moveTo>
+              <a:lnTo>
+                <a:pt x="0" y="207216"/>
+              </a:lnTo>
+              <a:lnTo>
+                <a:pt x="319465" y="207216"/>
+              </a:lnTo>
+              <a:lnTo>
+                <a:pt x="319465" y="304072"/>
+              </a:lnTo>
+            </a:path>
+          </a:pathLst>
+        </a:custGeom>
+        <a:noFill/>
+        <a:ln w="12700" cap="flat" cmpd="sng" algn="ctr">
+          <a:solidFill>
+            <a:schemeClr val="accent1">
+              <a:shade val="60000"/>
+              <a:hueOff val="0"/>
+              <a:satOff val="0"/>
+              <a:lumOff val="0"/>
+              <a:alphaOff val="0"/>
+            </a:schemeClr>
+          </a:solidFill>
+          <a:prstDash val="solid"/>
+          <a:miter lim="800000"/>
+        </a:ln>
+        <a:effectLst/>
+      </dsp:spPr>
+      <dsp:style>
+        <a:lnRef idx="2">
+          <a:scrgbClr r="0" g="0" b="0"/>
+        </a:lnRef>
+        <a:fillRef idx="0">
+          <a:scrgbClr r="0" g="0" b="0"/>
+        </a:fillRef>
+        <a:effectRef idx="0">
+          <a:scrgbClr r="0" g="0" b="0"/>
+        </a:effectRef>
+        <a:fontRef idx="minor"/>
+      </dsp:style>
+    </dsp:sp>
+    <dsp:sp modelId="{F2F99104-F070-4EC7-8EE5-31305E8CDCE5}">
+      <dsp:nvSpPr>
+        <dsp:cNvPr id="0" name=""/>
+        <dsp:cNvSpPr/>
+      </dsp:nvSpPr>
+      <dsp:spPr>
+        <a:xfrm>
+          <a:off x="1163837" y="2173911"/>
+          <a:ext cx="638930" cy="304072"/>
+        </a:xfrm>
+        <a:custGeom>
+          <a:avLst/>
+          <a:gdLst/>
+          <a:ahLst/>
+          <a:cxnLst/>
+          <a:rect l="0" t="0" r="0" b="0"/>
+          <a:pathLst>
+            <a:path>
+              <a:moveTo>
+                <a:pt x="0" y="0"/>
+              </a:moveTo>
+              <a:lnTo>
+                <a:pt x="0" y="207216"/>
+              </a:lnTo>
+              <a:lnTo>
+                <a:pt x="638930" y="207216"/>
+              </a:lnTo>
+              <a:lnTo>
+                <a:pt x="638930" y="304072"/>
+              </a:lnTo>
+            </a:path>
+          </a:pathLst>
+        </a:custGeom>
+        <a:noFill/>
+        <a:ln w="12700" cap="flat" cmpd="sng" algn="ctr">
+          <a:solidFill>
+            <a:schemeClr val="accent1">
+              <a:shade val="80000"/>
+              <a:hueOff val="0"/>
+              <a:satOff val="0"/>
+              <a:lumOff val="0"/>
+              <a:alphaOff val="0"/>
+            </a:schemeClr>
+          </a:solidFill>
+          <a:prstDash val="solid"/>
+          <a:miter lim="800000"/>
+        </a:ln>
+        <a:effectLst/>
+      </dsp:spPr>
+      <dsp:style>
+        <a:lnRef idx="2">
+          <a:scrgbClr r="0" g="0" b="0"/>
+        </a:lnRef>
+        <a:fillRef idx="0">
+          <a:scrgbClr r="0" g="0" b="0"/>
+        </a:fillRef>
+        <a:effectRef idx="0">
+          <a:scrgbClr r="0" g="0" b="0"/>
+        </a:effectRef>
+        <a:fontRef idx="minor"/>
+      </dsp:style>
+    </dsp:sp>
+    <dsp:sp modelId="{1E973917-DEB7-42AA-9E8C-294CB375537E}">
+      <dsp:nvSpPr>
+        <dsp:cNvPr id="0" name=""/>
+        <dsp:cNvSpPr/>
+      </dsp:nvSpPr>
+      <dsp:spPr>
+        <a:xfrm>
+          <a:off x="524907" y="2173911"/>
+          <a:ext cx="638930" cy="304072"/>
+        </a:xfrm>
+        <a:custGeom>
+          <a:avLst/>
+          <a:gdLst/>
+          <a:ahLst/>
+          <a:cxnLst/>
+          <a:rect l="0" t="0" r="0" b="0"/>
+          <a:pathLst>
+            <a:path>
+              <a:moveTo>
+                <a:pt x="638930" y="0"/>
+              </a:moveTo>
+              <a:lnTo>
+                <a:pt x="638930" y="207216"/>
+              </a:lnTo>
+              <a:lnTo>
+                <a:pt x="0" y="207216"/>
+              </a:lnTo>
+              <a:lnTo>
+                <a:pt x="0" y="304072"/>
+              </a:lnTo>
+            </a:path>
+          </a:pathLst>
+        </a:custGeom>
+        <a:noFill/>
+        <a:ln w="12700" cap="flat" cmpd="sng" algn="ctr">
+          <a:solidFill>
+            <a:schemeClr val="accent1">
+              <a:shade val="80000"/>
+              <a:hueOff val="0"/>
+              <a:satOff val="0"/>
+              <a:lumOff val="0"/>
+              <a:alphaOff val="0"/>
+            </a:schemeClr>
+          </a:solidFill>
+          <a:prstDash val="solid"/>
+          <a:miter lim="800000"/>
+        </a:ln>
+        <a:effectLst/>
+      </dsp:spPr>
+      <dsp:style>
+        <a:lnRef idx="2">
+          <a:scrgbClr r="0" g="0" b="0"/>
+        </a:lnRef>
+        <a:fillRef idx="0">
+          <a:scrgbClr r="0" g="0" b="0"/>
+        </a:fillRef>
+        <a:effectRef idx="0">
+          <a:scrgbClr r="0" g="0" b="0"/>
+        </a:effectRef>
+        <a:fontRef idx="minor"/>
+      </dsp:style>
+    </dsp:sp>
+    <dsp:sp modelId="{86ADC132-560B-41A7-B63F-CF1AC86D0880}">
+      <dsp:nvSpPr>
+        <dsp:cNvPr id="0" name=""/>
+        <dsp:cNvSpPr/>
+      </dsp:nvSpPr>
+      <dsp:spPr>
+        <a:xfrm>
+          <a:off x="1163837" y="1205931"/>
+          <a:ext cx="2236257" cy="304072"/>
+        </a:xfrm>
+        <a:custGeom>
+          <a:avLst/>
+          <a:gdLst/>
+          <a:ahLst/>
+          <a:cxnLst/>
+          <a:rect l="0" t="0" r="0" b="0"/>
+          <a:pathLst>
+            <a:path>
+              <a:moveTo>
+                <a:pt x="2236257" y="0"/>
+              </a:moveTo>
+              <a:lnTo>
+                <a:pt x="2236257" y="207216"/>
+              </a:lnTo>
+              <a:lnTo>
+                <a:pt x="0" y="207216"/>
+              </a:lnTo>
+              <a:lnTo>
+                <a:pt x="0" y="304072"/>
+              </a:lnTo>
+            </a:path>
+          </a:pathLst>
+        </a:custGeom>
+        <a:noFill/>
+        <a:ln w="12700" cap="flat" cmpd="sng" algn="ctr">
+          <a:solidFill>
+            <a:schemeClr val="accent1">
+              <a:shade val="60000"/>
+              <a:hueOff val="0"/>
+              <a:satOff val="0"/>
+              <a:lumOff val="0"/>
+              <a:alphaOff val="0"/>
+            </a:schemeClr>
+          </a:solidFill>
+          <a:prstDash val="solid"/>
+          <a:miter lim="800000"/>
+        </a:ln>
+        <a:effectLst/>
+      </dsp:spPr>
+      <dsp:style>
+        <a:lnRef idx="2">
+          <a:scrgbClr r="0" g="0" b="0"/>
+        </a:lnRef>
+        <a:fillRef idx="0">
+          <a:scrgbClr r="0" g="0" b="0"/>
+        </a:fillRef>
+        <a:effectRef idx="0">
+          <a:scrgbClr r="0" g="0" b="0"/>
+        </a:effectRef>
+        <a:fontRef idx="minor"/>
+      </dsp:style>
+    </dsp:sp>
+    <dsp:sp modelId="{6B83F2EC-EF67-4CE2-8883-186A87CC8D8A}">
+      <dsp:nvSpPr>
+        <dsp:cNvPr id="0" name=""/>
+        <dsp:cNvSpPr/>
+      </dsp:nvSpPr>
+      <dsp:spPr>
+        <a:xfrm>
+          <a:off x="2877333" y="542024"/>
+          <a:ext cx="1045522" cy="663907"/>
+        </a:xfrm>
+        <a:prstGeom prst="roundRect">
+          <a:avLst>
+            <a:gd name="adj" fmla="val 10000"/>
+          </a:avLst>
+        </a:prstGeom>
+        <a:solidFill>
+          <a:schemeClr val="accent1">
+            <a:hueOff val="0"/>
+            <a:satOff val="0"/>
+            <a:lumOff val="0"/>
+            <a:alphaOff val="0"/>
+          </a:schemeClr>
+        </a:solidFill>
+        <a:ln w="12700" cap="flat" cmpd="sng" algn="ctr">
+          <a:solidFill>
+            <a:schemeClr val="lt1">
+              <a:hueOff val="0"/>
+              <a:satOff val="0"/>
+              <a:lumOff val="0"/>
+              <a:alphaOff val="0"/>
+            </a:schemeClr>
+          </a:solidFill>
+          <a:prstDash val="solid"/>
+          <a:miter lim="800000"/>
+        </a:ln>
+        <a:effectLst/>
+      </dsp:spPr>
+      <dsp:style>
+        <a:lnRef idx="2">
+          <a:scrgbClr r="0" g="0" b="0"/>
+        </a:lnRef>
+        <a:fillRef idx="1">
+          <a:scrgbClr r="0" g="0" b="0"/>
+        </a:fillRef>
+        <a:effectRef idx="0">
+          <a:scrgbClr r="0" g="0" b="0"/>
+        </a:effectRef>
+        <a:fontRef idx="minor">
+          <a:schemeClr val="lt1"/>
+        </a:fontRef>
+      </dsp:style>
+    </dsp:sp>
+    <dsp:sp modelId="{9EA09021-67C7-4C55-A83E-E19BBB47540E}">
+      <dsp:nvSpPr>
+        <dsp:cNvPr id="0" name=""/>
+        <dsp:cNvSpPr/>
+      </dsp:nvSpPr>
+      <dsp:spPr>
+        <a:xfrm>
+          <a:off x="2993502" y="652384"/>
+          <a:ext cx="1045522" cy="663907"/>
+        </a:xfrm>
+        <a:prstGeom prst="roundRect">
+          <a:avLst>
+            <a:gd name="adj" fmla="val 10000"/>
+          </a:avLst>
+        </a:prstGeom>
+        <a:solidFill>
+          <a:schemeClr val="lt1">
+            <a:alpha val="90000"/>
+            <a:hueOff val="0"/>
+            <a:satOff val="0"/>
+            <a:lumOff val="0"/>
+            <a:alphaOff val="0"/>
+          </a:schemeClr>
+        </a:solidFill>
+        <a:ln w="12700" cap="flat" cmpd="sng" algn="ctr">
+          <a:solidFill>
+            <a:schemeClr val="accent1">
+              <a:hueOff val="0"/>
+              <a:satOff val="0"/>
+              <a:lumOff val="0"/>
+              <a:alphaOff val="0"/>
+            </a:schemeClr>
+          </a:solidFill>
+          <a:prstDash val="solid"/>
+          <a:miter lim="800000"/>
+        </a:ln>
+        <a:effectLst/>
+      </dsp:spPr>
+      <dsp:style>
+        <a:lnRef idx="2">
+          <a:scrgbClr r="0" g="0" b="0"/>
+        </a:lnRef>
+        <a:fillRef idx="1">
+          <a:scrgbClr r="0" g="0" b="0"/>
+        </a:fillRef>
+        <a:effectRef idx="0">
+          <a:scrgbClr r="0" g="0" b="0"/>
+        </a:effectRef>
+        <a:fontRef idx="minor"/>
+      </dsp:style>
+      <dsp:txBody>
+        <a:bodyPr spcFirstLastPara="0" vert="horz" wrap="square" lIns="68580" tIns="68580" rIns="68580" bIns="68580" numCol="1" spcCol="1270" anchor="ctr" anchorCtr="0">
+          <a:noAutofit/>
+        </a:bodyPr>
+        <a:lstStyle/>
+        <a:p>
+          <a:pPr marL="0" lvl="0" indent="0" algn="ctr" defTabSz="800100">
+            <a:lnSpc>
+              <a:spcPct val="90000"/>
+            </a:lnSpc>
+            <a:spcBef>
+              <a:spcPct val="0"/>
+            </a:spcBef>
+            <a:spcAft>
+              <a:spcPct val="35000"/>
+            </a:spcAft>
+            <a:buNone/>
+          </a:pPr>
+          <a:r>
+            <a:rPr lang="en-US" sz="1800" kern="1200" dirty="0"/>
+            <a:t>root</a:t>
+          </a:r>
+        </a:p>
+      </dsp:txBody>
+      <dsp:txXfrm>
+        <a:off x="3012947" y="671829"/>
+        <a:ext cx="1006632" cy="625017"/>
+      </dsp:txXfrm>
+    </dsp:sp>
+    <dsp:sp modelId="{56730206-15CA-4DAC-9A92-A88AE5DC0730}">
+      <dsp:nvSpPr>
+        <dsp:cNvPr id="0" name=""/>
+        <dsp:cNvSpPr/>
+      </dsp:nvSpPr>
+      <dsp:spPr>
+        <a:xfrm>
+          <a:off x="641076" y="1510004"/>
+          <a:ext cx="1045522" cy="663907"/>
+        </a:xfrm>
+        <a:prstGeom prst="roundRect">
+          <a:avLst>
+            <a:gd name="adj" fmla="val 10000"/>
+          </a:avLst>
+        </a:prstGeom>
+        <a:solidFill>
+          <a:schemeClr val="accent1">
+            <a:hueOff val="0"/>
+            <a:satOff val="0"/>
+            <a:lumOff val="0"/>
+            <a:alphaOff val="0"/>
+          </a:schemeClr>
+        </a:solidFill>
+        <a:ln w="12700" cap="flat" cmpd="sng" algn="ctr">
+          <a:solidFill>
+            <a:schemeClr val="lt1">
+              <a:hueOff val="0"/>
+              <a:satOff val="0"/>
+              <a:lumOff val="0"/>
+              <a:alphaOff val="0"/>
+            </a:schemeClr>
+          </a:solidFill>
+          <a:prstDash val="solid"/>
+          <a:miter lim="800000"/>
+        </a:ln>
+        <a:effectLst/>
+      </dsp:spPr>
+      <dsp:style>
+        <a:lnRef idx="2">
+          <a:scrgbClr r="0" g="0" b="0"/>
+        </a:lnRef>
+        <a:fillRef idx="1">
+          <a:scrgbClr r="0" g="0" b="0"/>
+        </a:fillRef>
+        <a:effectRef idx="0">
+          <a:scrgbClr r="0" g="0" b="0"/>
+        </a:effectRef>
+        <a:fontRef idx="minor">
+          <a:schemeClr val="lt1"/>
+        </a:fontRef>
+      </dsp:style>
+    </dsp:sp>
+    <dsp:sp modelId="{D20BD193-5807-477B-8055-6EED96B85E34}">
+      <dsp:nvSpPr>
+        <dsp:cNvPr id="0" name=""/>
+        <dsp:cNvSpPr/>
+      </dsp:nvSpPr>
+      <dsp:spPr>
+        <a:xfrm>
+          <a:off x="757245" y="1620364"/>
+          <a:ext cx="1045522" cy="663907"/>
+        </a:xfrm>
+        <a:prstGeom prst="roundRect">
+          <a:avLst>
+            <a:gd name="adj" fmla="val 10000"/>
+          </a:avLst>
+        </a:prstGeom>
+        <a:solidFill>
+          <a:schemeClr val="lt1">
+            <a:alpha val="90000"/>
+            <a:hueOff val="0"/>
+            <a:satOff val="0"/>
+            <a:lumOff val="0"/>
+            <a:alphaOff val="0"/>
+          </a:schemeClr>
+        </a:solidFill>
+        <a:ln w="12700" cap="flat" cmpd="sng" algn="ctr">
+          <a:solidFill>
+            <a:schemeClr val="accent1">
+              <a:hueOff val="0"/>
+              <a:satOff val="0"/>
+              <a:lumOff val="0"/>
+              <a:alphaOff val="0"/>
+            </a:schemeClr>
+          </a:solidFill>
+          <a:prstDash val="solid"/>
+          <a:miter lim="800000"/>
+        </a:ln>
+        <a:effectLst/>
+      </dsp:spPr>
+      <dsp:style>
+        <a:lnRef idx="2">
+          <a:scrgbClr r="0" g="0" b="0"/>
+        </a:lnRef>
+        <a:fillRef idx="1">
+          <a:scrgbClr r="0" g="0" b="0"/>
+        </a:fillRef>
+        <a:effectRef idx="0">
+          <a:scrgbClr r="0" g="0" b="0"/>
+        </a:effectRef>
+        <a:fontRef idx="minor"/>
+      </dsp:style>
+      <dsp:txBody>
+        <a:bodyPr spcFirstLastPara="0" vert="horz" wrap="square" lIns="68580" tIns="68580" rIns="68580" bIns="68580" numCol="1" spcCol="1270" anchor="ctr" anchorCtr="0">
+          <a:noAutofit/>
+        </a:bodyPr>
+        <a:lstStyle/>
+        <a:p>
+          <a:pPr marL="0" lvl="0" indent="0" algn="ctr" defTabSz="800100">
+            <a:lnSpc>
+              <a:spcPct val="90000"/>
+            </a:lnSpc>
+            <a:spcBef>
+              <a:spcPct val="0"/>
+            </a:spcBef>
+            <a:spcAft>
+              <a:spcPct val="35000"/>
+            </a:spcAft>
+            <a:buNone/>
+          </a:pPr>
+          <a:r>
+            <a:rPr lang="en-US" sz="1800" kern="1200" dirty="0"/>
+            <a:t>bin</a:t>
+          </a:r>
+        </a:p>
+      </dsp:txBody>
+      <dsp:txXfrm>
+        <a:off x="776690" y="1639809"/>
+        <a:ext cx="1006632" cy="625017"/>
+      </dsp:txXfrm>
+    </dsp:sp>
+    <dsp:sp modelId="{2DCC8321-4EE7-49E7-8B04-A27EE0040AA9}">
+      <dsp:nvSpPr>
+        <dsp:cNvPr id="0" name=""/>
+        <dsp:cNvSpPr/>
+      </dsp:nvSpPr>
+      <dsp:spPr>
+        <a:xfrm>
+          <a:off x="2145" y="2477984"/>
+          <a:ext cx="1045522" cy="663907"/>
+        </a:xfrm>
+        <a:prstGeom prst="roundRect">
+          <a:avLst>
+            <a:gd name="adj" fmla="val 10000"/>
+          </a:avLst>
+        </a:prstGeom>
+        <a:solidFill>
+          <a:schemeClr val="accent1">
+            <a:hueOff val="0"/>
+            <a:satOff val="0"/>
+            <a:lumOff val="0"/>
+            <a:alphaOff val="0"/>
+          </a:schemeClr>
+        </a:solidFill>
+        <a:ln w="12700" cap="flat" cmpd="sng" algn="ctr">
+          <a:solidFill>
+            <a:schemeClr val="lt1">
+              <a:hueOff val="0"/>
+              <a:satOff val="0"/>
+              <a:lumOff val="0"/>
+              <a:alphaOff val="0"/>
+            </a:schemeClr>
+          </a:solidFill>
+          <a:prstDash val="solid"/>
+          <a:miter lim="800000"/>
+        </a:ln>
+        <a:effectLst/>
+      </dsp:spPr>
+      <dsp:style>
+        <a:lnRef idx="2">
+          <a:scrgbClr r="0" g="0" b="0"/>
+        </a:lnRef>
+        <a:fillRef idx="1">
+          <a:scrgbClr r="0" g="0" b="0"/>
+        </a:fillRef>
+        <a:effectRef idx="0">
+          <a:scrgbClr r="0" g="0" b="0"/>
+        </a:effectRef>
+        <a:fontRef idx="minor">
+          <a:schemeClr val="lt1"/>
+        </a:fontRef>
+      </dsp:style>
+    </dsp:sp>
+    <dsp:sp modelId="{80063DAF-9F5D-447A-BE50-88508613A60F}">
+      <dsp:nvSpPr>
+        <dsp:cNvPr id="0" name=""/>
+        <dsp:cNvSpPr/>
+      </dsp:nvSpPr>
+      <dsp:spPr>
+        <a:xfrm>
+          <a:off x="118314" y="2588344"/>
+          <a:ext cx="1045522" cy="663907"/>
+        </a:xfrm>
+        <a:prstGeom prst="roundRect">
+          <a:avLst>
+            <a:gd name="adj" fmla="val 10000"/>
+          </a:avLst>
+        </a:prstGeom>
+        <a:solidFill>
+          <a:schemeClr val="lt1">
+            <a:alpha val="90000"/>
+            <a:hueOff val="0"/>
+            <a:satOff val="0"/>
+            <a:lumOff val="0"/>
+            <a:alphaOff val="0"/>
+          </a:schemeClr>
+        </a:solidFill>
+        <a:ln w="12700" cap="flat" cmpd="sng" algn="ctr">
+          <a:solidFill>
+            <a:schemeClr val="accent1">
+              <a:hueOff val="0"/>
+              <a:satOff val="0"/>
+              <a:lumOff val="0"/>
+              <a:alphaOff val="0"/>
+            </a:schemeClr>
+          </a:solidFill>
+          <a:prstDash val="solid"/>
+          <a:miter lim="800000"/>
+        </a:ln>
+        <a:effectLst/>
+      </dsp:spPr>
+      <dsp:style>
+        <a:lnRef idx="2">
+          <a:scrgbClr r="0" g="0" b="0"/>
+        </a:lnRef>
+        <a:fillRef idx="1">
+          <a:scrgbClr r="0" g="0" b="0"/>
+        </a:fillRef>
+        <a:effectRef idx="0">
+          <a:scrgbClr r="0" g="0" b="0"/>
+        </a:effectRef>
+        <a:fontRef idx="minor"/>
+      </dsp:style>
+      <dsp:txBody>
+        <a:bodyPr spcFirstLastPara="0" vert="horz" wrap="square" lIns="68580" tIns="68580" rIns="68580" bIns="68580" numCol="1" spcCol="1270" anchor="ctr" anchorCtr="0">
+          <a:noAutofit/>
+        </a:bodyPr>
+        <a:lstStyle/>
+        <a:p>
+          <a:pPr marL="0" lvl="0" indent="0" algn="ctr" defTabSz="800100">
+            <a:lnSpc>
+              <a:spcPct val="90000"/>
+            </a:lnSpc>
+            <a:spcBef>
+              <a:spcPct val="0"/>
+            </a:spcBef>
+            <a:spcAft>
+              <a:spcPct val="35000"/>
+            </a:spcAft>
+            <a:buNone/>
+          </a:pPr>
+          <a:r>
+            <a:rPr lang="en-US" sz="1800" kern="1200" dirty="0"/>
+            <a:t>cp</a:t>
+          </a:r>
+        </a:p>
+      </dsp:txBody>
+      <dsp:txXfrm>
+        <a:off x="137759" y="2607789"/>
+        <a:ext cx="1006632" cy="625017"/>
+      </dsp:txXfrm>
+    </dsp:sp>
+    <dsp:sp modelId="{32626F4F-B205-4B5D-96F3-D58AC2B8534F}">
+      <dsp:nvSpPr>
+        <dsp:cNvPr id="0" name=""/>
+        <dsp:cNvSpPr/>
+      </dsp:nvSpPr>
+      <dsp:spPr>
+        <a:xfrm>
+          <a:off x="1280007" y="2477984"/>
+          <a:ext cx="1045522" cy="663907"/>
+        </a:xfrm>
+        <a:prstGeom prst="roundRect">
+          <a:avLst>
+            <a:gd name="adj" fmla="val 10000"/>
+          </a:avLst>
+        </a:prstGeom>
+        <a:solidFill>
+          <a:schemeClr val="accent1">
+            <a:hueOff val="0"/>
+            <a:satOff val="0"/>
+            <a:lumOff val="0"/>
+            <a:alphaOff val="0"/>
+          </a:schemeClr>
+        </a:solidFill>
+        <a:ln w="12700" cap="flat" cmpd="sng" algn="ctr">
+          <a:solidFill>
+            <a:schemeClr val="lt1">
+              <a:hueOff val="0"/>
+              <a:satOff val="0"/>
+              <a:lumOff val="0"/>
+              <a:alphaOff val="0"/>
+            </a:schemeClr>
+          </a:solidFill>
+          <a:prstDash val="solid"/>
+          <a:miter lim="800000"/>
+        </a:ln>
+        <a:effectLst/>
+      </dsp:spPr>
+      <dsp:style>
+        <a:lnRef idx="2">
+          <a:scrgbClr r="0" g="0" b="0"/>
+        </a:lnRef>
+        <a:fillRef idx="1">
+          <a:scrgbClr r="0" g="0" b="0"/>
+        </a:fillRef>
+        <a:effectRef idx="0">
+          <a:scrgbClr r="0" g="0" b="0"/>
+        </a:effectRef>
+        <a:fontRef idx="minor">
+          <a:schemeClr val="lt1"/>
+        </a:fontRef>
+      </dsp:style>
+    </dsp:sp>
+    <dsp:sp modelId="{3CC74003-EE44-422D-AAE0-66C981145835}">
+      <dsp:nvSpPr>
+        <dsp:cNvPr id="0" name=""/>
+        <dsp:cNvSpPr/>
+      </dsp:nvSpPr>
+      <dsp:spPr>
+        <a:xfrm>
+          <a:off x="1396176" y="2588344"/>
+          <a:ext cx="1045522" cy="663907"/>
+        </a:xfrm>
+        <a:prstGeom prst="roundRect">
+          <a:avLst>
+            <a:gd name="adj" fmla="val 10000"/>
+          </a:avLst>
+        </a:prstGeom>
+        <a:solidFill>
+          <a:schemeClr val="lt1">
+            <a:alpha val="90000"/>
+            <a:hueOff val="0"/>
+            <a:satOff val="0"/>
+            <a:lumOff val="0"/>
+            <a:alphaOff val="0"/>
+          </a:schemeClr>
+        </a:solidFill>
+        <a:ln w="12700" cap="flat" cmpd="sng" algn="ctr">
+          <a:solidFill>
+            <a:schemeClr val="accent1">
+              <a:hueOff val="0"/>
+              <a:satOff val="0"/>
+              <a:lumOff val="0"/>
+              <a:alphaOff val="0"/>
+            </a:schemeClr>
+          </a:solidFill>
+          <a:prstDash val="solid"/>
+          <a:miter lim="800000"/>
+        </a:ln>
+        <a:effectLst/>
+      </dsp:spPr>
+      <dsp:style>
+        <a:lnRef idx="2">
+          <a:scrgbClr r="0" g="0" b="0"/>
+        </a:lnRef>
+        <a:fillRef idx="1">
+          <a:scrgbClr r="0" g="0" b="0"/>
+        </a:fillRef>
+        <a:effectRef idx="0">
+          <a:scrgbClr r="0" g="0" b="0"/>
+        </a:effectRef>
+        <a:fontRef idx="minor"/>
+      </dsp:style>
+      <dsp:txBody>
+        <a:bodyPr spcFirstLastPara="0" vert="horz" wrap="square" lIns="68580" tIns="68580" rIns="68580" bIns="68580" numCol="1" spcCol="1270" anchor="ctr" anchorCtr="0">
+          <a:noAutofit/>
+        </a:bodyPr>
+        <a:lstStyle/>
+        <a:p>
+          <a:pPr marL="0" lvl="0" indent="0" algn="ctr" defTabSz="800100">
+            <a:lnSpc>
+              <a:spcPct val="90000"/>
+            </a:lnSpc>
+            <a:spcBef>
+              <a:spcPct val="0"/>
+            </a:spcBef>
+            <a:spcAft>
+              <a:spcPct val="35000"/>
+            </a:spcAft>
+            <a:buNone/>
+          </a:pPr>
+          <a:r>
+            <a:rPr lang="en-US" sz="1800" kern="1200" dirty="0"/>
+            <a:t>mv</a:t>
+          </a:r>
+        </a:p>
+      </dsp:txBody>
+      <dsp:txXfrm>
+        <a:off x="1415621" y="2607789"/>
+        <a:ext cx="1006632" cy="625017"/>
+      </dsp:txXfrm>
+    </dsp:sp>
+    <dsp:sp modelId="{601C8D64-DC3E-47C3-AFF8-1FE2B9650954}">
+      <dsp:nvSpPr>
+        <dsp:cNvPr id="0" name=""/>
+        <dsp:cNvSpPr/>
+      </dsp:nvSpPr>
+      <dsp:spPr>
+        <a:xfrm>
+          <a:off x="3196799" y="1510004"/>
+          <a:ext cx="1045522" cy="663907"/>
+        </a:xfrm>
+        <a:prstGeom prst="roundRect">
+          <a:avLst>
+            <a:gd name="adj" fmla="val 10000"/>
+          </a:avLst>
+        </a:prstGeom>
+        <a:solidFill>
+          <a:schemeClr val="accent1">
+            <a:hueOff val="0"/>
+            <a:satOff val="0"/>
+            <a:lumOff val="0"/>
+            <a:alphaOff val="0"/>
+          </a:schemeClr>
+        </a:solidFill>
+        <a:ln w="12700" cap="flat" cmpd="sng" algn="ctr">
+          <a:solidFill>
+            <a:schemeClr val="lt1">
+              <a:hueOff val="0"/>
+              <a:satOff val="0"/>
+              <a:lumOff val="0"/>
+              <a:alphaOff val="0"/>
+            </a:schemeClr>
+          </a:solidFill>
+          <a:prstDash val="solid"/>
+          <a:miter lim="800000"/>
+        </a:ln>
+        <a:effectLst/>
+      </dsp:spPr>
+      <dsp:style>
+        <a:lnRef idx="2">
+          <a:scrgbClr r="0" g="0" b="0"/>
+        </a:lnRef>
+        <a:fillRef idx="1">
+          <a:scrgbClr r="0" g="0" b="0"/>
+        </a:fillRef>
+        <a:effectRef idx="0">
+          <a:scrgbClr r="0" g="0" b="0"/>
+        </a:effectRef>
+        <a:fontRef idx="minor">
+          <a:schemeClr val="lt1"/>
+        </a:fontRef>
+      </dsp:style>
+    </dsp:sp>
+    <dsp:sp modelId="{AE710B5C-8833-40E4-958F-7ED04B5760A6}">
+      <dsp:nvSpPr>
+        <dsp:cNvPr id="0" name=""/>
+        <dsp:cNvSpPr/>
+      </dsp:nvSpPr>
+      <dsp:spPr>
+        <a:xfrm>
+          <a:off x="3312968" y="1620364"/>
+          <a:ext cx="1045522" cy="663907"/>
+        </a:xfrm>
+        <a:prstGeom prst="roundRect">
+          <a:avLst>
+            <a:gd name="adj" fmla="val 10000"/>
+          </a:avLst>
+        </a:prstGeom>
+        <a:solidFill>
+          <a:schemeClr val="lt1">
+            <a:alpha val="90000"/>
+            <a:hueOff val="0"/>
+            <a:satOff val="0"/>
+            <a:lumOff val="0"/>
+            <a:alphaOff val="0"/>
+          </a:schemeClr>
+        </a:solidFill>
+        <a:ln w="12700" cap="flat" cmpd="sng" algn="ctr">
+          <a:solidFill>
+            <a:schemeClr val="accent1">
+              <a:hueOff val="0"/>
+              <a:satOff val="0"/>
+              <a:lumOff val="0"/>
+              <a:alphaOff val="0"/>
+            </a:schemeClr>
+          </a:solidFill>
+          <a:prstDash val="solid"/>
+          <a:miter lim="800000"/>
+        </a:ln>
+        <a:effectLst/>
+      </dsp:spPr>
+      <dsp:style>
+        <a:lnRef idx="2">
+          <a:scrgbClr r="0" g="0" b="0"/>
+        </a:lnRef>
+        <a:fillRef idx="1">
+          <a:scrgbClr r="0" g="0" b="0"/>
+        </a:fillRef>
+        <a:effectRef idx="0">
+          <a:scrgbClr r="0" g="0" b="0"/>
+        </a:effectRef>
+        <a:fontRef idx="minor"/>
+      </dsp:style>
+      <dsp:txBody>
+        <a:bodyPr spcFirstLastPara="0" vert="horz" wrap="square" lIns="68580" tIns="68580" rIns="68580" bIns="68580" numCol="1" spcCol="1270" anchor="ctr" anchorCtr="0">
+          <a:noAutofit/>
+        </a:bodyPr>
+        <a:lstStyle/>
+        <a:p>
+          <a:pPr marL="0" lvl="0" indent="0" algn="ctr" defTabSz="800100">
+            <a:lnSpc>
+              <a:spcPct val="90000"/>
+            </a:lnSpc>
+            <a:spcBef>
+              <a:spcPct val="0"/>
+            </a:spcBef>
+            <a:spcAft>
+              <a:spcPct val="35000"/>
+            </a:spcAft>
+            <a:buNone/>
+          </a:pPr>
+          <a:r>
+            <a:rPr lang="en-US" sz="1800" kern="1200" dirty="0"/>
+            <a:t>home</a:t>
+          </a:r>
+        </a:p>
+      </dsp:txBody>
+      <dsp:txXfrm>
+        <a:off x="3332413" y="1639809"/>
+        <a:ext cx="1006632" cy="625017"/>
+      </dsp:txXfrm>
+    </dsp:sp>
+    <dsp:sp modelId="{DC3FB9C7-629A-4718-9453-5D06B66E7D8B}">
+      <dsp:nvSpPr>
+        <dsp:cNvPr id="0" name=""/>
+        <dsp:cNvSpPr/>
+      </dsp:nvSpPr>
+      <dsp:spPr>
+        <a:xfrm>
+          <a:off x="2557868" y="2477984"/>
+          <a:ext cx="1045522" cy="663907"/>
+        </a:xfrm>
+        <a:prstGeom prst="roundRect">
+          <a:avLst>
+            <a:gd name="adj" fmla="val 10000"/>
+          </a:avLst>
+        </a:prstGeom>
+        <a:solidFill>
+          <a:schemeClr val="accent1">
+            <a:hueOff val="0"/>
+            <a:satOff val="0"/>
+            <a:lumOff val="0"/>
+            <a:alphaOff val="0"/>
+          </a:schemeClr>
+        </a:solidFill>
+        <a:ln w="12700" cap="flat" cmpd="sng" algn="ctr">
+          <a:solidFill>
+            <a:schemeClr val="lt1">
+              <a:hueOff val="0"/>
+              <a:satOff val="0"/>
+              <a:lumOff val="0"/>
+              <a:alphaOff val="0"/>
+            </a:schemeClr>
+          </a:solidFill>
+          <a:prstDash val="solid"/>
+          <a:miter lim="800000"/>
+        </a:ln>
+        <a:effectLst/>
+      </dsp:spPr>
+      <dsp:style>
+        <a:lnRef idx="2">
+          <a:scrgbClr r="0" g="0" b="0"/>
+        </a:lnRef>
+        <a:fillRef idx="1">
+          <a:scrgbClr r="0" g="0" b="0"/>
+        </a:fillRef>
+        <a:effectRef idx="0">
+          <a:scrgbClr r="0" g="0" b="0"/>
+        </a:effectRef>
+        <a:fontRef idx="minor">
+          <a:schemeClr val="lt1"/>
+        </a:fontRef>
+      </dsp:style>
+    </dsp:sp>
+    <dsp:sp modelId="{CB27A4DA-0D02-43A8-B1B0-0DB89DD11614}">
+      <dsp:nvSpPr>
+        <dsp:cNvPr id="0" name=""/>
+        <dsp:cNvSpPr/>
+      </dsp:nvSpPr>
+      <dsp:spPr>
+        <a:xfrm>
+          <a:off x="2674037" y="2588344"/>
+          <a:ext cx="1045522" cy="663907"/>
+        </a:xfrm>
+        <a:prstGeom prst="roundRect">
+          <a:avLst>
+            <a:gd name="adj" fmla="val 10000"/>
+          </a:avLst>
+        </a:prstGeom>
+        <a:solidFill>
+          <a:schemeClr val="lt1">
+            <a:alpha val="90000"/>
+            <a:hueOff val="0"/>
+            <a:satOff val="0"/>
+            <a:lumOff val="0"/>
+            <a:alphaOff val="0"/>
+          </a:schemeClr>
+        </a:solidFill>
+        <a:ln w="12700" cap="flat" cmpd="sng" algn="ctr">
+          <a:solidFill>
+            <a:schemeClr val="accent1">
+              <a:hueOff val="0"/>
+              <a:satOff val="0"/>
+              <a:lumOff val="0"/>
+              <a:alphaOff val="0"/>
+            </a:schemeClr>
+          </a:solidFill>
+          <a:prstDash val="solid"/>
+          <a:miter lim="800000"/>
+        </a:ln>
+        <a:effectLst/>
+      </dsp:spPr>
+      <dsp:style>
+        <a:lnRef idx="2">
+          <a:scrgbClr r="0" g="0" b="0"/>
+        </a:lnRef>
+        <a:fillRef idx="1">
+          <a:scrgbClr r="0" g="0" b="0"/>
+        </a:fillRef>
+        <a:effectRef idx="0">
+          <a:scrgbClr r="0" g="0" b="0"/>
+        </a:effectRef>
+        <a:fontRef idx="minor"/>
+      </dsp:style>
+      <dsp:txBody>
+        <a:bodyPr spcFirstLastPara="0" vert="horz" wrap="square" lIns="68580" tIns="68580" rIns="68580" bIns="68580" numCol="1" spcCol="1270" anchor="ctr" anchorCtr="0">
+          <a:noAutofit/>
+        </a:bodyPr>
+        <a:lstStyle/>
+        <a:p>
+          <a:pPr marL="0" lvl="0" indent="0" algn="ctr" defTabSz="800100">
+            <a:lnSpc>
+              <a:spcPct val="90000"/>
+            </a:lnSpc>
+            <a:spcBef>
+              <a:spcPct val="0"/>
+            </a:spcBef>
+            <a:spcAft>
+              <a:spcPct val="35000"/>
+            </a:spcAft>
+            <a:buNone/>
+          </a:pPr>
+          <a:r>
+            <a:rPr lang="en-US" sz="1800" kern="1200" dirty="0"/>
+            <a:t>student1</a:t>
+          </a:r>
+        </a:p>
+      </dsp:txBody>
+      <dsp:txXfrm>
+        <a:off x="2693482" y="2607789"/>
+        <a:ext cx="1006632" cy="625017"/>
+      </dsp:txXfrm>
+    </dsp:sp>
+    <dsp:sp modelId="{79BC302F-80FB-4F20-9DED-78011595EA15}">
+      <dsp:nvSpPr>
+        <dsp:cNvPr id="0" name=""/>
+        <dsp:cNvSpPr/>
+      </dsp:nvSpPr>
+      <dsp:spPr>
+        <a:xfrm>
+          <a:off x="3835729" y="2477984"/>
+          <a:ext cx="1045522" cy="663907"/>
+        </a:xfrm>
+        <a:prstGeom prst="roundRect">
+          <a:avLst>
+            <a:gd name="adj" fmla="val 10000"/>
+          </a:avLst>
+        </a:prstGeom>
+        <a:solidFill>
+          <a:schemeClr val="accent1">
+            <a:hueOff val="0"/>
+            <a:satOff val="0"/>
+            <a:lumOff val="0"/>
+            <a:alphaOff val="0"/>
+          </a:schemeClr>
+        </a:solidFill>
+        <a:ln w="12700" cap="flat" cmpd="sng" algn="ctr">
+          <a:solidFill>
+            <a:schemeClr val="lt1">
+              <a:hueOff val="0"/>
+              <a:satOff val="0"/>
+              <a:lumOff val="0"/>
+              <a:alphaOff val="0"/>
+            </a:schemeClr>
+          </a:solidFill>
+          <a:prstDash val="solid"/>
+          <a:miter lim="800000"/>
+        </a:ln>
+        <a:effectLst/>
+      </dsp:spPr>
+      <dsp:style>
+        <a:lnRef idx="2">
+          <a:scrgbClr r="0" g="0" b="0"/>
+        </a:lnRef>
+        <a:fillRef idx="1">
+          <a:scrgbClr r="0" g="0" b="0"/>
+        </a:fillRef>
+        <a:effectRef idx="0">
+          <a:scrgbClr r="0" g="0" b="0"/>
+        </a:effectRef>
+        <a:fontRef idx="minor">
+          <a:schemeClr val="lt1"/>
+        </a:fontRef>
+      </dsp:style>
+    </dsp:sp>
+    <dsp:sp modelId="{55805966-5AB6-4BB6-87D1-9CA509CADE45}">
+      <dsp:nvSpPr>
+        <dsp:cNvPr id="0" name=""/>
+        <dsp:cNvSpPr/>
+      </dsp:nvSpPr>
+      <dsp:spPr>
+        <a:xfrm>
+          <a:off x="3951899" y="2588344"/>
+          <a:ext cx="1045522" cy="663907"/>
+        </a:xfrm>
+        <a:prstGeom prst="roundRect">
+          <a:avLst>
+            <a:gd name="adj" fmla="val 10000"/>
+          </a:avLst>
+        </a:prstGeom>
+        <a:solidFill>
+          <a:schemeClr val="lt1">
+            <a:alpha val="90000"/>
+            <a:hueOff val="0"/>
+            <a:satOff val="0"/>
+            <a:lumOff val="0"/>
+            <a:alphaOff val="0"/>
+          </a:schemeClr>
+        </a:solidFill>
+        <a:ln w="12700" cap="flat" cmpd="sng" algn="ctr">
+          <a:solidFill>
+            <a:schemeClr val="accent1">
+              <a:hueOff val="0"/>
+              <a:satOff val="0"/>
+              <a:lumOff val="0"/>
+              <a:alphaOff val="0"/>
+            </a:schemeClr>
+          </a:solidFill>
+          <a:prstDash val="solid"/>
+          <a:miter lim="800000"/>
+        </a:ln>
+        <a:effectLst/>
+      </dsp:spPr>
+      <dsp:style>
+        <a:lnRef idx="2">
+          <a:scrgbClr r="0" g="0" b="0"/>
+        </a:lnRef>
+        <a:fillRef idx="1">
+          <a:scrgbClr r="0" g="0" b="0"/>
+        </a:fillRef>
+        <a:effectRef idx="0">
+          <a:scrgbClr r="0" g="0" b="0"/>
+        </a:effectRef>
+        <a:fontRef idx="minor"/>
+      </dsp:style>
+      <dsp:txBody>
+        <a:bodyPr spcFirstLastPara="0" vert="horz" wrap="square" lIns="68580" tIns="68580" rIns="68580" bIns="68580" numCol="1" spcCol="1270" anchor="ctr" anchorCtr="0">
+          <a:noAutofit/>
+        </a:bodyPr>
+        <a:lstStyle/>
+        <a:p>
+          <a:pPr marL="0" lvl="0" indent="0" algn="ctr" defTabSz="800100">
+            <a:lnSpc>
+              <a:spcPct val="90000"/>
+            </a:lnSpc>
+            <a:spcBef>
+              <a:spcPct val="0"/>
+            </a:spcBef>
+            <a:spcAft>
+              <a:spcPct val="35000"/>
+            </a:spcAft>
+            <a:buNone/>
+          </a:pPr>
+          <a:r>
+            <a:rPr lang="en-US" sz="1800" kern="1200" dirty="0"/>
+            <a:t>student2</a:t>
+          </a:r>
+        </a:p>
+      </dsp:txBody>
+      <dsp:txXfrm>
+        <a:off x="3971344" y="2607789"/>
+        <a:ext cx="1006632" cy="625017"/>
+      </dsp:txXfrm>
+    </dsp:sp>
+    <dsp:sp modelId="{8B0FA282-51F4-4FCC-B671-C9364BA82F9E}">
+      <dsp:nvSpPr>
+        <dsp:cNvPr id="0" name=""/>
+        <dsp:cNvSpPr/>
+      </dsp:nvSpPr>
+      <dsp:spPr>
+        <a:xfrm>
+          <a:off x="5113591" y="1510004"/>
+          <a:ext cx="1045522" cy="663907"/>
+        </a:xfrm>
+        <a:prstGeom prst="roundRect">
+          <a:avLst>
+            <a:gd name="adj" fmla="val 10000"/>
+          </a:avLst>
+        </a:prstGeom>
+        <a:solidFill>
+          <a:schemeClr val="accent1">
+            <a:hueOff val="0"/>
+            <a:satOff val="0"/>
+            <a:lumOff val="0"/>
+            <a:alphaOff val="0"/>
+          </a:schemeClr>
+        </a:solidFill>
+        <a:ln w="12700" cap="flat" cmpd="sng" algn="ctr">
+          <a:solidFill>
+            <a:schemeClr val="lt1">
+              <a:hueOff val="0"/>
+              <a:satOff val="0"/>
+              <a:lumOff val="0"/>
+              <a:alphaOff val="0"/>
+            </a:schemeClr>
+          </a:solidFill>
+          <a:prstDash val="solid"/>
+          <a:miter lim="800000"/>
+        </a:ln>
+        <a:effectLst/>
+      </dsp:spPr>
+      <dsp:style>
+        <a:lnRef idx="2">
+          <a:scrgbClr r="0" g="0" b="0"/>
+        </a:lnRef>
+        <a:fillRef idx="1">
+          <a:scrgbClr r="0" g="0" b="0"/>
+        </a:fillRef>
+        <a:effectRef idx="0">
+          <a:scrgbClr r="0" g="0" b="0"/>
+        </a:effectRef>
+        <a:fontRef idx="minor">
+          <a:schemeClr val="lt1"/>
+        </a:fontRef>
+      </dsp:style>
+    </dsp:sp>
+    <dsp:sp modelId="{CE695717-BD9B-4223-958C-3F68E11956F7}">
+      <dsp:nvSpPr>
+        <dsp:cNvPr id="0" name=""/>
+        <dsp:cNvSpPr/>
+      </dsp:nvSpPr>
+      <dsp:spPr>
+        <a:xfrm>
+          <a:off x="5229760" y="1620364"/>
+          <a:ext cx="1045522" cy="663907"/>
+        </a:xfrm>
+        <a:prstGeom prst="roundRect">
+          <a:avLst>
+            <a:gd name="adj" fmla="val 10000"/>
+          </a:avLst>
+        </a:prstGeom>
+        <a:solidFill>
+          <a:schemeClr val="lt1">
+            <a:alpha val="90000"/>
+            <a:hueOff val="0"/>
+            <a:satOff val="0"/>
+            <a:lumOff val="0"/>
+            <a:alphaOff val="0"/>
+          </a:schemeClr>
+        </a:solidFill>
+        <a:ln w="12700" cap="flat" cmpd="sng" algn="ctr">
+          <a:solidFill>
+            <a:schemeClr val="accent1">
+              <a:hueOff val="0"/>
+              <a:satOff val="0"/>
+              <a:lumOff val="0"/>
+              <a:alphaOff val="0"/>
+            </a:schemeClr>
+          </a:solidFill>
+          <a:prstDash val="solid"/>
+          <a:miter lim="800000"/>
+        </a:ln>
+        <a:effectLst/>
+      </dsp:spPr>
+      <dsp:style>
+        <a:lnRef idx="2">
+          <a:scrgbClr r="0" g="0" b="0"/>
+        </a:lnRef>
+        <a:fillRef idx="1">
+          <a:scrgbClr r="0" g="0" b="0"/>
+        </a:fillRef>
+        <a:effectRef idx="0">
+          <a:scrgbClr r="0" g="0" b="0"/>
+        </a:effectRef>
+        <a:fontRef idx="minor"/>
+      </dsp:style>
+      <dsp:txBody>
+        <a:bodyPr spcFirstLastPara="0" vert="horz" wrap="square" lIns="68580" tIns="68580" rIns="68580" bIns="68580" numCol="1" spcCol="1270" anchor="ctr" anchorCtr="0">
+          <a:noAutofit/>
+        </a:bodyPr>
+        <a:lstStyle/>
+        <a:p>
+          <a:pPr marL="0" lvl="0" indent="0" algn="ctr" defTabSz="800100">
+            <a:lnSpc>
+              <a:spcPct val="90000"/>
+            </a:lnSpc>
+            <a:spcBef>
+              <a:spcPct val="0"/>
+            </a:spcBef>
+            <a:spcAft>
+              <a:spcPct val="35000"/>
+            </a:spcAft>
+            <a:buNone/>
+          </a:pPr>
+          <a:r>
+            <a:rPr lang="en-US" sz="1800" kern="1200" dirty="0" err="1"/>
+            <a:t>mnt</a:t>
+          </a:r>
+          <a:endParaRPr lang="en-US" sz="1800" kern="1200" dirty="0"/>
+        </a:p>
+      </dsp:txBody>
+      <dsp:txXfrm>
+        <a:off x="5249205" y="1639809"/>
+        <a:ext cx="1006632" cy="625017"/>
+      </dsp:txXfrm>
+    </dsp:sp>
+    <dsp:sp modelId="{79D95AAC-B8B9-4760-9F68-648442E77B10}">
+      <dsp:nvSpPr>
+        <dsp:cNvPr id="0" name=""/>
+        <dsp:cNvSpPr/>
+      </dsp:nvSpPr>
+      <dsp:spPr>
+        <a:xfrm>
+          <a:off x="5113591" y="2477984"/>
+          <a:ext cx="1045522" cy="663907"/>
+        </a:xfrm>
+        <a:prstGeom prst="roundRect">
+          <a:avLst>
+            <a:gd name="adj" fmla="val 10000"/>
+          </a:avLst>
+        </a:prstGeom>
+        <a:solidFill>
+          <a:schemeClr val="accent1">
+            <a:hueOff val="0"/>
+            <a:satOff val="0"/>
+            <a:lumOff val="0"/>
+            <a:alphaOff val="0"/>
+          </a:schemeClr>
+        </a:solidFill>
+        <a:ln w="12700" cap="flat" cmpd="sng" algn="ctr">
+          <a:solidFill>
+            <a:schemeClr val="lt1">
+              <a:hueOff val="0"/>
+              <a:satOff val="0"/>
+              <a:lumOff val="0"/>
+              <a:alphaOff val="0"/>
+            </a:schemeClr>
+          </a:solidFill>
+          <a:prstDash val="solid"/>
+          <a:miter lim="800000"/>
+        </a:ln>
+        <a:effectLst/>
+      </dsp:spPr>
+      <dsp:style>
+        <a:lnRef idx="2">
+          <a:scrgbClr r="0" g="0" b="0"/>
+        </a:lnRef>
+        <a:fillRef idx="1">
+          <a:scrgbClr r="0" g="0" b="0"/>
+        </a:fillRef>
+        <a:effectRef idx="0">
+          <a:scrgbClr r="0" g="0" b="0"/>
+        </a:effectRef>
+        <a:fontRef idx="minor">
+          <a:schemeClr val="lt1"/>
+        </a:fontRef>
+      </dsp:style>
+    </dsp:sp>
+    <dsp:sp modelId="{F8E63E9D-7660-47DA-9E8C-B7E107358B7A}">
+      <dsp:nvSpPr>
+        <dsp:cNvPr id="0" name=""/>
+        <dsp:cNvSpPr/>
+      </dsp:nvSpPr>
+      <dsp:spPr>
+        <a:xfrm>
+          <a:off x="5229760" y="2588344"/>
+          <a:ext cx="1045522" cy="663907"/>
+        </a:xfrm>
+        <a:prstGeom prst="roundRect">
+          <a:avLst>
+            <a:gd name="adj" fmla="val 10000"/>
+          </a:avLst>
+        </a:prstGeom>
+        <a:solidFill>
+          <a:schemeClr val="lt1">
+            <a:alpha val="90000"/>
+            <a:hueOff val="0"/>
+            <a:satOff val="0"/>
+            <a:lumOff val="0"/>
+            <a:alphaOff val="0"/>
+          </a:schemeClr>
+        </a:solidFill>
+        <a:ln w="12700" cap="flat" cmpd="sng" algn="ctr">
+          <a:solidFill>
+            <a:schemeClr val="accent1">
+              <a:hueOff val="0"/>
+              <a:satOff val="0"/>
+              <a:lumOff val="0"/>
+              <a:alphaOff val="0"/>
+            </a:schemeClr>
+          </a:solidFill>
+          <a:prstDash val="solid"/>
+          <a:miter lim="800000"/>
+        </a:ln>
+        <a:effectLst/>
+      </dsp:spPr>
+      <dsp:style>
+        <a:lnRef idx="2">
+          <a:scrgbClr r="0" g="0" b="0"/>
+        </a:lnRef>
+        <a:fillRef idx="1">
+          <a:scrgbClr r="0" g="0" b="0"/>
+        </a:fillRef>
+        <a:effectRef idx="0">
+          <a:scrgbClr r="0" g="0" b="0"/>
+        </a:effectRef>
+        <a:fontRef idx="minor"/>
+      </dsp:style>
+      <dsp:txBody>
+        <a:bodyPr spcFirstLastPara="0" vert="horz" wrap="square" lIns="68580" tIns="68580" rIns="68580" bIns="68580" numCol="1" spcCol="1270" anchor="ctr" anchorCtr="0">
+          <a:noAutofit/>
+        </a:bodyPr>
+        <a:lstStyle/>
+        <a:p>
+          <a:pPr marL="0" lvl="0" indent="0" algn="ctr" defTabSz="800100">
+            <a:lnSpc>
+              <a:spcPct val="90000"/>
+            </a:lnSpc>
+            <a:spcBef>
+              <a:spcPct val="0"/>
+            </a:spcBef>
+            <a:spcAft>
+              <a:spcPct val="35000"/>
+            </a:spcAft>
+            <a:buNone/>
+          </a:pPr>
+          <a:r>
+            <a:rPr lang="en-US" sz="1800" kern="1200" dirty="0"/>
+            <a:t>chip</a:t>
+          </a:r>
+        </a:p>
+      </dsp:txBody>
+      <dsp:txXfrm>
+        <a:off x="5249205" y="2607789"/>
+        <a:ext cx="1006632" cy="625017"/>
+      </dsp:txXfrm>
+    </dsp:sp>
+  </dsp:spTree>
+</dsp:drawing>
+</file>
+
 <file path=ppt/diagrams/layout1.xml><?xml version="1.0" encoding="utf-8"?>
+<dgm:layoutDef xmlns:dgm="http://schemas.openxmlformats.org/drawingml/2006/diagram" xmlns:a="http://schemas.openxmlformats.org/drawingml/2006/main" uniqueId="urn:microsoft.com/office/officeart/2005/8/layout/hierarchy1">
+  <dgm:title val=""/>
+  <dgm:desc val=""/>
+  <dgm:catLst>
+    <dgm:cat type="hierarchy" pri="2000"/>
+  </dgm:catLst>
+  <dgm:sampData>
+    <dgm:dataModel>
+      <dgm:ptLst>
+        <dgm:pt modelId="0" type="doc"/>
+        <dgm:pt modelId="1">
+          <dgm:prSet phldr="1"/>
+        </dgm:pt>
+        <dgm:pt modelId="2">
+          <dgm:prSet phldr="1"/>
+        </dgm:pt>
+        <dgm:pt modelId="21">
+          <dgm:prSet phldr="1"/>
+        </dgm:pt>
+        <dgm:pt modelId="22">
+          <dgm:prSet phldr="1"/>
+        </dgm:pt>
+        <dgm:pt modelId="3">
+          <dgm:prSet phldr="1"/>
+        </dgm:pt>
+        <dgm:pt modelId="31">
+          <dgm:prSet phldr="1"/>
+        </dgm:pt>
+      </dgm:ptLst>
+      <dgm:cxnLst>
+        <dgm:cxn modelId="4" srcId="0" destId="1" srcOrd="0" destOrd="0"/>
+        <dgm:cxn modelId="5" srcId="1" destId="2" srcOrd="0" destOrd="0"/>
+        <dgm:cxn modelId="6" srcId="1" destId="3" srcOrd="1" destOrd="0"/>
+        <dgm:cxn modelId="23" srcId="2" destId="21" srcOrd="0" destOrd="0"/>
+        <dgm:cxn modelId="24" srcId="2" destId="22" srcOrd="1" destOrd="0"/>
+        <dgm:cxn modelId="33" srcId="3" destId="31" srcOrd="0" destOrd="0"/>
+      </dgm:cxnLst>
+      <dgm:bg/>
+      <dgm:whole/>
+    </dgm:dataModel>
+  </dgm:sampData>
+  <dgm:styleData>
+    <dgm:dataModel>
+      <dgm:ptLst>
+        <dgm:pt modelId="0" type="doc"/>
+        <dgm:pt modelId="1"/>
+        <dgm:pt modelId="11"/>
+        <dgm:pt modelId="12"/>
+      </dgm:ptLst>
+      <dgm:cxnLst>
+        <dgm:cxn modelId="2" srcId="0" destId="1" srcOrd="0" destOrd="0"/>
+        <dgm:cxn modelId="13" srcId="1" destId="11" srcOrd="0" destOrd="0"/>
+        <dgm:cxn modelId="14" srcId="1" destId="12" srcOrd="1" destOrd="0"/>
+      </dgm:cxnLst>
+      <dgm:bg/>
+      <dgm:whole/>
+    </dgm:dataModel>
+  </dgm:styleData>
+  <dgm:clrData>
+    <dgm:dataModel>
+      <dgm:ptLst>
+        <dgm:pt modelId="0" type="doc"/>
+        <dgm:pt modelId="1"/>
+        <dgm:pt modelId="2"/>
+        <dgm:pt modelId="21"/>
+        <dgm:pt modelId="211"/>
+        <dgm:pt modelId="3"/>
+        <dgm:pt modelId="31"/>
+        <dgm:pt modelId="311"/>
+      </dgm:ptLst>
+      <dgm:cxnLst>
+        <dgm:cxn modelId="4" srcId="0" destId="1" srcOrd="0" destOrd="0"/>
+        <dgm:cxn modelId="5" srcId="1" destId="2" srcOrd="0" destOrd="0"/>
+        <dgm:cxn modelId="6" srcId="1" destId="3" srcOrd="1" destOrd="0"/>
+        <dgm:cxn modelId="23" srcId="2" destId="21" srcOrd="0" destOrd="0"/>
+        <dgm:cxn modelId="24" srcId="21" destId="211" srcOrd="0" destOrd="0"/>
+        <dgm:cxn modelId="33" srcId="3" destId="31" srcOrd="0" destOrd="0"/>
+        <dgm:cxn modelId="34" srcId="31" destId="311" srcOrd="0" destOrd="0"/>
+      </dgm:cxnLst>
+      <dgm:bg/>
+      <dgm:whole/>
+    </dgm:dataModel>
+  </dgm:clrData>
+  <dgm:layoutNode name="hierChild1">
+    <dgm:varLst>
+      <dgm:chPref val="1"/>
+      <dgm:dir/>
+      <dgm:animOne val="branch"/>
+      <dgm:animLvl val="lvl"/>
+      <dgm:resizeHandles/>
+    </dgm:varLst>
+    <dgm:choose name="Name0">
+      <dgm:if name="Name1" func="var" arg="dir" op="equ" val="norm">
+        <dgm:alg type="hierChild">
+          <dgm:param type="linDir" val="fromL"/>
+        </dgm:alg>
+      </dgm:if>
+      <dgm:else name="Name2">
+        <dgm:alg type="hierChild">
+          <dgm:param type="linDir" val="fromR"/>
+        </dgm:alg>
+      </dgm:else>
+    </dgm:choose>
+    <dgm:shape xmlns:r="http://schemas.openxmlformats.org/officeDocument/2006/relationships" r:blip="">
+      <dgm:adjLst/>
+    </dgm:shape>
+    <dgm:presOf/>
+    <dgm:constrLst>
+      <dgm:constr type="primFontSz" for="des" ptType="node" op="equ" val="65"/>
+      <dgm:constr type="w" for="des" forName="composite" refType="w"/>
+      <dgm:constr type="h" for="des" forName="composite" refType="w" refFor="des" refForName="composite" fact="0.667"/>
+      <dgm:constr type="w" for="des" forName="composite2" refType="w" refFor="des" refForName="composite"/>
+      <dgm:constr type="h" for="des" forName="composite2" refType="h" refFor="des" refForName="composite"/>
+      <dgm:constr type="w" for="des" forName="composite3" refType="w" refFor="des" refForName="composite"/>
+      <dgm:constr type="h" for="des" forName="composite3" refType="h" refFor="des" refForName="composite"/>
+      <dgm:constr type="w" for="des" forName="composite4" refType="w" refFor="des" refForName="composite"/>
+      <dgm:constr type="h" for="des" forName="composite4" refType="h" refFor="des" refForName="composite"/>
+      <dgm:constr type="w" for="des" forName="composite5" refType="w" refFor="des" refForName="composite"/>
+      <dgm:constr type="h" for="des" forName="composite5" refType="h" refFor="des" refForName="composite"/>
+      <dgm:constr type="sibSp" refType="w" refFor="des" refForName="composite" fact="0.1"/>
+      <dgm:constr type="sibSp" for="des" forName="hierChild2" refType="sibSp"/>
+      <dgm:constr type="sibSp" for="des" forName="hierChild3" refType="sibSp"/>
+      <dgm:constr type="sibSp" for="des" forName="hierChild4" refType="sibSp"/>
+      <dgm:constr type="sibSp" for="des" forName="hierChild5" refType="sibSp"/>
+      <dgm:constr type="sibSp" for="des" forName="hierChild6" refType="sibSp"/>
+      <dgm:constr type="sp" for="des" forName="hierRoot1" refType="h" refFor="des" refForName="composite" fact="0.25"/>
+      <dgm:constr type="sp" for="des" forName="hierRoot2" refType="sp" refFor="des" refForName="hierRoot1"/>
+      <dgm:constr type="sp" for="des" forName="hierRoot3" refType="sp" refFor="des" refForName="hierRoot1"/>
+      <dgm:constr type="sp" for="des" forName="hierRoot4" refType="sp" refFor="des" refForName="hierRoot1"/>
+      <dgm:constr type="sp" for="des" forName="hierRoot5" refType="sp" refFor="des" refForName="hierRoot1"/>
+    </dgm:constrLst>
+    <dgm:ruleLst/>
+    <dgm:forEach name="Name3" axis="ch">
+      <dgm:forEach name="Name4" axis="self" ptType="node">
+        <dgm:layoutNode name="hierRoot1">
+          <dgm:alg type="hierRoot"/>
+          <dgm:shape xmlns:r="http://schemas.openxmlformats.org/officeDocument/2006/relationships" r:blip="">
+            <dgm:adjLst/>
+          </dgm:shape>
+          <dgm:presOf/>
+          <dgm:constrLst>
+            <dgm:constr type="bendDist" for="des" ptType="parTrans" refType="sp" fact="0.5"/>
+          </dgm:constrLst>
+          <dgm:ruleLst/>
+          <dgm:layoutNode name="composite">
+            <dgm:alg type="composite"/>
+            <dgm:shape xmlns:r="http://schemas.openxmlformats.org/officeDocument/2006/relationships" r:blip="">
+              <dgm:adjLst/>
+            </dgm:shape>
+            <dgm:presOf/>
+            <dgm:constrLst>
+              <dgm:constr type="w" for="ch" forName="background" refType="w" fact="0.9"/>
+              <dgm:constr type="h" for="ch" forName="background" refType="w" refFor="ch" refForName="background" fact="0.635"/>
+              <dgm:constr type="t" for="ch" forName="background"/>
+              <dgm:constr type="l" for="ch" forName="background"/>
+              <dgm:constr type="w" for="ch" forName="text" refType="w" fact="0.9"/>
+              <dgm:constr type="h" for="ch" forName="text" refType="w" refFor="ch" refForName="text" fact="0.635"/>
+              <dgm:constr type="t" for="ch" forName="text" refType="w" fact="0.095"/>
+              <dgm:constr type="l" for="ch" forName="text" refType="w" fact="0.1"/>
+            </dgm:constrLst>
+            <dgm:ruleLst/>
+            <dgm:layoutNode name="background" styleLbl="node0" moveWith="text">
+              <dgm:alg type="sp"/>
+              <dgm:shape xmlns:r="http://schemas.openxmlformats.org/officeDocument/2006/relationships" type="roundRect" r:blip="">
+                <dgm:adjLst>
+                  <dgm:adj idx="1" val="0.1"/>
+                </dgm:adjLst>
+              </dgm:shape>
+              <dgm:presOf/>
+              <dgm:constrLst/>
+              <dgm:ruleLst/>
+            </dgm:layoutNode>
+            <dgm:layoutNode name="text" styleLbl="fgAcc0">
+              <dgm:varLst>
+                <dgm:chPref val="3"/>
+              </dgm:varLst>
+              <dgm:alg type="tx"/>
+              <dgm:shape xmlns:r="http://schemas.openxmlformats.org/officeDocument/2006/relationships" type="roundRect" r:blip="">
+                <dgm:adjLst>
+                  <dgm:adj idx="1" val="0.1"/>
+                </dgm:adjLst>
+              </dgm:shape>
+              <dgm:presOf axis="self"/>
+              <dgm:constrLst>
+                <dgm:constr type="tMarg" refType="primFontSz" fact="0.3"/>
+                <dgm:constr type="bMarg" refType="primFontSz" fact="0.3"/>
+                <dgm:constr type="lMarg" refType="primFontSz" fact="0.3"/>
+                <dgm:constr type="rMarg" refType="primFontSz" fact="0.3"/>
+              </dgm:constrLst>
+              <dgm:ruleLst>
+                <dgm:rule type="primFontSz" val="5" fact="NaN" max="NaN"/>
+              </dgm:ruleLst>
+            </dgm:layoutNode>
+          </dgm:layoutNode>
+          <dgm:layoutNode name="hierChild2">
+            <dgm:choose name="Name5">
+              <dgm:if name="Name6" func="var" arg="dir" op="equ" val="norm">
+                <dgm:alg type="hierChild">
+                  <dgm:param type="linDir" val="fromL"/>
+                </dgm:alg>
+              </dgm:if>
+              <dgm:else name="Name7">
+                <dgm:alg type="hierChild">
+                  <dgm:param type="linDir" val="fromR"/>
+                </dgm:alg>
+              </dgm:else>
+            </dgm:choose>
+            <dgm:shape xmlns:r="http://schemas.openxmlformats.org/officeDocument/2006/relationships" r:blip="">
+              <dgm:adjLst/>
+            </dgm:shape>
+            <dgm:presOf/>
+            <dgm:constrLst/>
+            <dgm:ruleLst/>
+            <dgm:forEach name="Name8" axis="ch">
+              <dgm:forEach name="Name9" axis="self" ptType="parTrans" cnt="1">
+                <dgm:layoutNode name="Name10">
+                  <dgm:alg type="conn">
+                    <dgm:param type="dim" val="1D"/>
+                    <dgm:param type="endSty" val="noArr"/>
+                    <dgm:param type="connRout" val="bend"/>
+                    <dgm:param type="bendPt" val="end"/>
+                    <dgm:param type="begPts" val="bCtr"/>
+                    <dgm:param type="endPts" val="tCtr"/>
+                    <dgm:param type="srcNode" val="background"/>
+                    <dgm:param type="dstNode" val="background2"/>
+                  </dgm:alg>
+                  <dgm:shape xmlns:r="http://schemas.openxmlformats.org/officeDocument/2006/relationships" type="conn" r:blip="" zOrderOff="-999">
+                    <dgm:adjLst/>
+                  </dgm:shape>
+                  <dgm:presOf axis="self"/>
+                  <dgm:constrLst>
+                    <dgm:constr type="begPad"/>
+                    <dgm:constr type="endPad"/>
+                  </dgm:constrLst>
+                  <dgm:ruleLst/>
+                </dgm:layoutNode>
+              </dgm:forEach>
+              <dgm:forEach name="Name11" axis="self" ptType="node">
+                <dgm:layoutNode name="hierRoot2">
+                  <dgm:alg type="hierRoot"/>
+                  <dgm:shape xmlns:r="http://schemas.openxmlformats.org/officeDocument/2006/relationships" r:blip="">
+                    <dgm:adjLst/>
+                  </dgm:shape>
+                  <dgm:presOf/>
+                  <dgm:constrLst>
+                    <dgm:constr type="bendDist" for="des" ptType="parTrans" refType="sp" fact="0.5"/>
+                  </dgm:constrLst>
+                  <dgm:ruleLst/>
+                  <dgm:layoutNode name="composite2">
+                    <dgm:alg type="composite"/>
+                    <dgm:shape xmlns:r="http://schemas.openxmlformats.org/officeDocument/2006/relationships" r:blip="">
+                      <dgm:adjLst/>
+                    </dgm:shape>
+                    <dgm:presOf/>
+                    <dgm:constrLst>
+                      <dgm:constr type="w" for="ch" forName="background2" refType="w" fact="0.9"/>
+                      <dgm:constr type="h" for="ch" forName="background2" refType="w" refFor="ch" refForName="background2" fact="0.635"/>
+                      <dgm:constr type="t" for="ch" forName="background2"/>
+                      <dgm:constr type="l" for="ch" forName="background2"/>
+                      <dgm:constr type="w" for="ch" forName="text2" refType="w" fact="0.9"/>
+                      <dgm:constr type="h" for="ch" forName="text2" refType="w" refFor="ch" refForName="text2" fact="0.635"/>
+                      <dgm:constr type="t" for="ch" forName="text2" refType="w" fact="0.095"/>
+                      <dgm:constr type="l" for="ch" forName="text2" refType="w" fact="0.1"/>
+                    </dgm:constrLst>
+                    <dgm:ruleLst/>
+                    <dgm:layoutNode name="background2" moveWith="text2">
+                      <dgm:alg type="sp"/>
+                      <dgm:shape xmlns:r="http://schemas.openxmlformats.org/officeDocument/2006/relationships" type="roundRect" r:blip="">
+                        <dgm:adjLst>
+                          <dgm:adj idx="1" val="0.1"/>
+                        </dgm:adjLst>
+                      </dgm:shape>
+                      <dgm:presOf/>
+                      <dgm:constrLst/>
+                      <dgm:ruleLst/>
+                    </dgm:layoutNode>
+                    <dgm:layoutNode name="text2" styleLbl="fgAcc2">
+                      <dgm:varLst>
+                        <dgm:chPref val="3"/>
+                      </dgm:varLst>
+                      <dgm:alg type="tx"/>
+                      <dgm:shape xmlns:r="http://schemas.openxmlformats.org/officeDocument/2006/relationships" type="roundRect" r:blip="">
+                        <dgm:adjLst>
+                          <dgm:adj idx="1" val="0.1"/>
+                        </dgm:adjLst>
+                      </dgm:shape>
+                      <dgm:presOf axis="self"/>
+                      <dgm:constrLst>
+                        <dgm:constr type="tMarg" refType="primFontSz" fact="0.3"/>
+                        <dgm:constr type="bMarg" refType="primFontSz" fact="0.3"/>
+                        <dgm:constr type="lMarg" refType="primFontSz" fact="0.3"/>
+                        <dgm:constr type="rMarg" refType="primFontSz" fact="0.3"/>
+                      </dgm:constrLst>
+                      <dgm:ruleLst>
+                        <dgm:rule type="primFontSz" val="5" fact="NaN" max="NaN"/>
+                      </dgm:ruleLst>
+                    </dgm:layoutNode>
+                  </dgm:layoutNode>
+                  <dgm:layoutNode name="hierChild3">
+                    <dgm:choose name="Name12">
+                      <dgm:if name="Name13" func="var" arg="dir" op="equ" val="norm">
+                        <dgm:alg type="hierChild">
+                          <dgm:param type="linDir" val="fromL"/>
+                        </dgm:alg>
+                      </dgm:if>
+                      <dgm:else name="Name14">
+                        <dgm:alg type="hierChild">
+                          <dgm:param type="linDir" val="fromR"/>
+                        </dgm:alg>
+                      </dgm:else>
+                    </dgm:choose>
+                    <dgm:shape xmlns:r="http://schemas.openxmlformats.org/officeDocument/2006/relationships" r:blip="">
+                      <dgm:adjLst/>
+                    </dgm:shape>
+                    <dgm:presOf/>
+                    <dgm:constrLst/>
+                    <dgm:ruleLst/>
+                    <dgm:forEach name="Name15" axis="ch">
+                      <dgm:forEach name="Name16" axis="self" ptType="parTrans" cnt="1">
+                        <dgm:layoutNode name="Name17">
+                          <dgm:alg type="conn">
+                            <dgm:param type="dim" val="1D"/>
+                            <dgm:param type="endSty" val="noArr"/>
+                            <dgm:param type="connRout" val="bend"/>
+                            <dgm:param type="bendPt" val="end"/>
+                            <dgm:param type="begPts" val="bCtr"/>
+                            <dgm:param type="endPts" val="tCtr"/>
+                            <dgm:param type="srcNode" val="background2"/>
+                            <dgm:param type="dstNode" val="background3"/>
+                          </dgm:alg>
+                          <dgm:shape xmlns:r="http://schemas.openxmlformats.org/officeDocument/2006/relationships" type="conn" r:blip="" zOrderOff="-999">
+                            <dgm:adjLst/>
+                          </dgm:shape>
+                          <dgm:presOf axis="self"/>
+                          <dgm:constrLst>
+                            <dgm:constr type="begPad"/>
+                            <dgm:constr type="endPad"/>
+                          </dgm:constrLst>
+                          <dgm:ruleLst/>
+                        </dgm:layoutNode>
+                      </dgm:forEach>
+                      <dgm:forEach name="Name18" axis="self" ptType="node">
+                        <dgm:layoutNode name="hierRoot3">
+                          <dgm:alg type="hierRoot"/>
+                          <dgm:shape xmlns:r="http://schemas.openxmlformats.org/officeDocument/2006/relationships" r:blip="">
+                            <dgm:adjLst/>
+                          </dgm:shape>
+                          <dgm:presOf/>
+                          <dgm:constrLst>
+                            <dgm:constr type="bendDist" for="des" ptType="parTrans" refType="sp" fact="0.5"/>
+                          </dgm:constrLst>
+                          <dgm:ruleLst/>
+                          <dgm:layoutNode name="composite3">
+                            <dgm:alg type="composite"/>
+                            <dgm:shape xmlns:r="http://schemas.openxmlformats.org/officeDocument/2006/relationships" r:blip="">
+                              <dgm:adjLst/>
+                            </dgm:shape>
+                            <dgm:presOf/>
+                            <dgm:constrLst>
+                              <dgm:constr type="w" for="ch" forName="background3" refType="w" fact="0.9"/>
+                              <dgm:constr type="h" for="ch" forName="background3" refType="w" refFor="ch" refForName="background3" fact="0.635"/>
+                              <dgm:constr type="t" for="ch" forName="background3"/>
+                              <dgm:constr type="l" for="ch" forName="background3"/>
+                              <dgm:constr type="w" for="ch" forName="text3" refType="w" fact="0.9"/>
+                              <dgm:constr type="h" for="ch" forName="text3" refType="w" refFor="ch" refForName="text3" fact="0.635"/>
+                              <dgm:constr type="t" for="ch" forName="text3" refType="w" fact="0.095"/>
+                              <dgm:constr type="l" for="ch" forName="text3" refType="w" fact="0.1"/>
+                            </dgm:constrLst>
+                            <dgm:ruleLst/>
+                            <dgm:layoutNode name="background3" moveWith="text3">
+                              <dgm:alg type="sp"/>
+                              <dgm:shape xmlns:r="http://schemas.openxmlformats.org/officeDocument/2006/relationships" type="roundRect" r:blip="">
+                                <dgm:adjLst>
+                                  <dgm:adj idx="1" val="0.1"/>
+                                </dgm:adjLst>
+                              </dgm:shape>
+                              <dgm:presOf/>
+                              <dgm:constrLst/>
+                              <dgm:ruleLst/>
+                            </dgm:layoutNode>
+                            <dgm:layoutNode name="text3" styleLbl="fgAcc3">
+                              <dgm:varLst>
+                                <dgm:chPref val="3"/>
+                              </dgm:varLst>
+                              <dgm:alg type="tx"/>
+                              <dgm:shape xmlns:r="http://schemas.openxmlformats.org/officeDocument/2006/relationships" type="roundRect" r:blip="">
+                                <dgm:adjLst>
+                                  <dgm:adj idx="1" val="0.1"/>
+                                </dgm:adjLst>
+                              </dgm:shape>
+                              <dgm:presOf axis="self"/>
+                              <dgm:constrLst>
+                                <dgm:constr type="tMarg" refType="primFontSz" fact="0.3"/>
+                                <dgm:constr type="bMarg" refType="primFontSz" fact="0.3"/>
+                                <dgm:constr type="lMarg" refType="primFontSz" fact="0.3"/>
+                                <dgm:constr type="rMarg" refType="primFontSz" fact="0.3"/>
+                              </dgm:constrLst>
+                              <dgm:ruleLst>
+                                <dgm:rule type="primFontSz" val="5" fact="NaN" max="NaN"/>
+                              </dgm:ruleLst>
+                            </dgm:layoutNode>
+                          </dgm:layoutNode>
+                          <dgm:layoutNode name="hierChild4">
+                            <dgm:choose name="Name19">
+                              <dgm:if name="Name20" func="var" arg="dir" op="equ" val="norm">
+                                <dgm:alg type="hierChild">
+                                  <dgm:param type="linDir" val="fromL"/>
+                                </dgm:alg>
+                              </dgm:if>
+                              <dgm:else name="Name21">
+                                <dgm:alg type="hierChild">
+                                  <dgm:param type="linDir" val="fromR"/>
+                                </dgm:alg>
+                              </dgm:else>
+                            </dgm:choose>
+                            <dgm:shape xmlns:r="http://schemas.openxmlformats.org/officeDocument/2006/relationships" r:blip="">
+                              <dgm:adjLst/>
+                            </dgm:shape>
+                            <dgm:presOf/>
+                            <dgm:constrLst/>
+                            <dgm:ruleLst/>
+                            <dgm:forEach name="repeat" axis="ch">
+                              <dgm:forEach name="Name22" axis="self" ptType="parTrans" cnt="1">
+                                <dgm:layoutNode name="Name23">
+                                  <dgm:choose name="Name24">
+                                    <dgm:if name="Name25" axis="self" func="depth" op="lte" val="4">
+                                      <dgm:alg type="conn">
+                                        <dgm:param type="dim" val="1D"/>
+                                        <dgm:param type="endSty" val="noArr"/>
+                                        <dgm:param type="connRout" val="bend"/>
+                                        <dgm:param type="bendPt" val="end"/>
+                                        <dgm:param type="begPts" val="bCtr"/>
+                                        <dgm:param type="endPts" val="tCtr"/>
+                                        <dgm:param type="srcNode" val="background3"/>
+                                        <dgm:param type="dstNode" val="background4"/>
+                                      </dgm:alg>
+                                    </dgm:if>
+                                    <dgm:else name="Name26">
+                                      <dgm:alg type="conn">
+                                        <dgm:param type="dim" val="1D"/>
+                                        <dgm:param type="endSty" val="noArr"/>
+                                        <dgm:param type="connRout" val="bend"/>
+                                        <dgm:param type="bendPt" val="end"/>
+                                        <dgm:param type="begPts" val="bCtr"/>
+                                        <dgm:param type="endPts" val="tCtr"/>
+                                        <dgm:param type="srcNode" val="background4"/>
+                                        <dgm:param type="dstNode" val="background4"/>
+                                      </dgm:alg>
+                                    </dgm:else>
+                                  </dgm:choose>
+                                  <dgm:shape xmlns:r="http://schemas.openxmlformats.org/officeDocument/2006/relationships" type="conn" r:blip="" zOrderOff="-999">
+                                    <dgm:adjLst/>
+                                  </dgm:shape>
+                                  <dgm:presOf axis="self"/>
+                                  <dgm:constrLst>
+                                    <dgm:constr type="begPad"/>
+                                    <dgm:constr type="endPad"/>
+                                  </dgm:constrLst>
+                                  <dgm:ruleLst/>
+                                </dgm:layoutNode>
+                              </dgm:forEach>
+                              <dgm:forEach name="Name27" axis="self" ptType="node">
+                                <dgm:layoutNode name="hierRoot4">
+                                  <dgm:alg type="hierRoot"/>
+                                  <dgm:shape xmlns:r="http://schemas.openxmlformats.org/officeDocument/2006/relationships" r:blip="">
+                                    <dgm:adjLst/>
+                                  </dgm:shape>
+                                  <dgm:presOf/>
+                                  <dgm:constrLst>
+                                    <dgm:constr type="bendDist" for="des" ptType="parTrans" refType="sp" fact="0.5"/>
+                                  </dgm:constrLst>
+                                  <dgm:ruleLst/>
+                                  <dgm:layoutNode name="composite4">
+                                    <dgm:alg type="composite"/>
+                                    <dgm:shape xmlns:r="http://schemas.openxmlformats.org/officeDocument/2006/relationships" r:blip="">
+                                      <dgm:adjLst/>
+                                    </dgm:shape>
+                                    <dgm:presOf/>
+                                    <dgm:constrLst>
+                                      <dgm:constr type="w" for="ch" forName="background4" refType="w" fact="0.9"/>
+                                      <dgm:constr type="h" for="ch" forName="background4" refType="w" refFor="ch" refForName="background4" fact="0.635"/>
+                                      <dgm:constr type="t" for="ch" forName="background4"/>
+                                      <dgm:constr type="l" for="ch" forName="background4"/>
+                                      <dgm:constr type="w" for="ch" forName="text4" refType="w" fact="0.9"/>
+                                      <dgm:constr type="h" for="ch" forName="text4" refType="w" refFor="ch" refForName="text4" fact="0.635"/>
+                                      <dgm:constr type="t" for="ch" forName="text4" refType="w" fact="0.095"/>
+                                      <dgm:constr type="l" for="ch" forName="text4" refType="w" fact="0.1"/>
+                                    </dgm:constrLst>
+                                    <dgm:ruleLst/>
+                                    <dgm:layoutNode name="background4" moveWith="text4">
+                                      <dgm:alg type="sp"/>
+                                      <dgm:shape xmlns:r="http://schemas.openxmlformats.org/officeDocument/2006/relationships" type="roundRect" r:blip="">
+                                        <dgm:adjLst>
+                                          <dgm:adj idx="1" val="0.1"/>
+                                        </dgm:adjLst>
+                                      </dgm:shape>
+                                      <dgm:presOf/>
+                                      <dgm:constrLst/>
+                                      <dgm:ruleLst/>
+                                    </dgm:layoutNode>
+                                    <dgm:layoutNode name="text4" styleLbl="fgAcc4">
+                                      <dgm:varLst>
+                                        <dgm:chPref val="3"/>
+                                      </dgm:varLst>
+                                      <dgm:alg type="tx"/>
+                                      <dgm:shape xmlns:r="http://schemas.openxmlformats.org/officeDocument/2006/relationships" type="roundRect" r:blip="">
+                                        <dgm:adjLst>
+                                          <dgm:adj idx="1" val="0.1"/>
+                                        </dgm:adjLst>
+                                      </dgm:shape>
+                                      <dgm:presOf axis="self"/>
+                                      <dgm:constrLst>
+                                        <dgm:constr type="tMarg" refType="primFontSz" fact="0.3"/>
+                                        <dgm:constr type="bMarg" refType="primFontSz" fact="0.3"/>
+                                        <dgm:constr type="lMarg" refType="primFontSz" fact="0.3"/>
+                                        <dgm:constr type="rMarg" refType="primFontSz" fact="0.3"/>
+                                      </dgm:constrLst>
+                                      <dgm:ruleLst>
+                                        <dgm:rule type="primFontSz" val="5" fact="NaN" max="NaN"/>
+                                      </dgm:ruleLst>
+                                    </dgm:layoutNode>
+                                  </dgm:layoutNode>
+                                  <dgm:layoutNode name="hierChild5">
+                                    <dgm:choose name="Name28">
+                                      <dgm:if name="Name29" func="var" arg="dir" op="equ" val="norm">
+                                        <dgm:alg type="hierChild">
+                                          <dgm:param type="linDir" val="fromL"/>
+                                        </dgm:alg>
+                                      </dgm:if>
+                                      <dgm:else name="Name30">
+                                        <dgm:alg type="hierChild">
+                                          <dgm:param type="linDir" val="fromR"/>
+                                        </dgm:alg>
+                                      </dgm:else>
+                                    </dgm:choose>
+                                    <dgm:shape xmlns:r="http://schemas.openxmlformats.org/officeDocument/2006/relationships" r:blip="">
+                                      <dgm:adjLst/>
+                                    </dgm:shape>
+                                    <dgm:presOf/>
+                                    <dgm:constrLst/>
+                                    <dgm:ruleLst/>
+                                    <dgm:forEach name="Name31" ref="repeat"/>
+                                  </dgm:layoutNode>
+                                </dgm:layoutNode>
+                              </dgm:forEach>
+                            </dgm:forEach>
+                          </dgm:layoutNode>
+                        </dgm:layoutNode>
+                      </dgm:forEach>
+                    </dgm:forEach>
+                  </dgm:layoutNode>
+                </dgm:layoutNode>
+              </dgm:forEach>
+            </dgm:forEach>
+          </dgm:layoutNode>
+        </dgm:layoutNode>
+      </dgm:forEach>
+    </dgm:forEach>
+  </dgm:layoutNode>
+</dgm:layoutDef>
+</file>
+
+<file path=ppt/diagrams/layout2.xml><?xml version="1.0" encoding="utf-8"?>
 <dgm:layoutDef xmlns:dgm="http://schemas.openxmlformats.org/drawingml/2006/diagram" xmlns:a="http://schemas.openxmlformats.org/drawingml/2006/main" uniqueId="urn:microsoft.com/office/officeart/2005/8/layout/hierarchy1">
   <dgm:title val=""/>
   <dgm:desc val=""/>
@@ -5140,6 +9016,1040 @@
 </dgm:styleDef>
 </file>
 
+<file path=ppt/diagrams/quickStyle2.xml><?xml version="1.0" encoding="utf-8"?>
+<dgm:styleDef xmlns:dgm="http://schemas.openxmlformats.org/drawingml/2006/diagram" xmlns:a="http://schemas.openxmlformats.org/drawingml/2006/main" uniqueId="urn:microsoft.com/office/officeart/2005/8/quickstyle/simple1">
+  <dgm:title val=""/>
+  <dgm:desc val=""/>
+  <dgm:catLst>
+    <dgm:cat type="simple" pri="10100"/>
+  </dgm:catLst>
+  <dgm:scene3d>
+    <a:camera prst="orthographicFront"/>
+    <a:lightRig rig="threePt" dir="t"/>
+  </dgm:scene3d>
+  <dgm:styleLbl name="node0">
+    <dgm:scene3d>
+      <a:camera prst="orthographicFront"/>
+      <a:lightRig rig="threePt" dir="t"/>
+    </dgm:scene3d>
+    <dgm:sp3d/>
+    <dgm:txPr/>
+    <dgm:style>
+      <a:lnRef idx="2">
+        <a:scrgbClr r="0" g="0" b="0"/>
+      </a:lnRef>
+      <a:fillRef idx="1">
+        <a:scrgbClr r="0" g="0" b="0"/>
+      </a:fillRef>
+      <a:effectRef idx="0">
+        <a:scrgbClr r="0" g="0" b="0"/>
+      </a:effectRef>
+      <a:fontRef idx="minor">
+        <a:schemeClr val="lt1"/>
+      </a:fontRef>
+    </dgm:style>
+  </dgm:styleLbl>
+  <dgm:styleLbl name="lnNode1">
+    <dgm:scene3d>
+      <a:camera prst="orthographicFront"/>
+      <a:lightRig rig="threePt" dir="t"/>
+    </dgm:scene3d>
+    <dgm:sp3d/>
+    <dgm:txPr/>
+    <dgm:style>
+      <a:lnRef idx="2">
+        <a:scrgbClr r="0" g="0" b="0"/>
+      </a:lnRef>
+      <a:fillRef idx="1">
+        <a:scrgbClr r="0" g="0" b="0"/>
+      </a:fillRef>
+      <a:effectRef idx="0">
+        <a:scrgbClr r="0" g="0" b="0"/>
+      </a:effectRef>
+      <a:fontRef idx="minor">
+        <a:schemeClr val="lt1"/>
+      </a:fontRef>
+    </dgm:style>
+  </dgm:styleLbl>
+  <dgm:styleLbl name="vennNode1">
+    <dgm:scene3d>
+      <a:camera prst="orthographicFront"/>
+      <a:lightRig rig="threePt" dir="t"/>
+    </dgm:scene3d>
+    <dgm:sp3d/>
+    <dgm:txPr/>
+    <dgm:style>
+      <a:lnRef idx="2">
+        <a:scrgbClr r="0" g="0" b="0"/>
+      </a:lnRef>
+      <a:fillRef idx="1">
+        <a:scrgbClr r="0" g="0" b="0"/>
+      </a:fillRef>
+      <a:effectRef idx="0">
+        <a:scrgbClr r="0" g="0" b="0"/>
+      </a:effectRef>
+      <a:fontRef idx="minor">
+        <a:schemeClr val="tx1"/>
+      </a:fontRef>
+    </dgm:style>
+  </dgm:styleLbl>
+  <dgm:styleLbl name="alignNode1">
+    <dgm:scene3d>
+      <a:camera prst="orthographicFront"/>
+      <a:lightRig rig="threePt" dir="t"/>
+    </dgm:scene3d>
+    <dgm:sp3d/>
+    <dgm:txPr/>
+    <dgm:style>
+      <a:lnRef idx="2">
+        <a:scrgbClr r="0" g="0" b="0"/>
+      </a:lnRef>
+      <a:fillRef idx="1">
+        <a:scrgbClr r="0" g="0" b="0"/>
+      </a:fillRef>
+      <a:effectRef idx="0">
+        <a:scrgbClr r="0" g="0" b="0"/>
+      </a:effectRef>
+      <a:fontRef idx="minor">
+        <a:schemeClr val="lt1"/>
+      </a:fontRef>
+    </dgm:style>
+  </dgm:styleLbl>
+  <dgm:styleLbl name="node1">
+    <dgm:scene3d>
+      <a:camera prst="orthographicFront"/>
+      <a:lightRig rig="threePt" dir="t"/>
+    </dgm:scene3d>
+    <dgm:sp3d/>
+    <dgm:txPr/>
+    <dgm:style>
+      <a:lnRef idx="2">
+        <a:scrgbClr r="0" g="0" b="0"/>
+      </a:lnRef>
+      <a:fillRef idx="1">
+        <a:scrgbClr r="0" g="0" b="0"/>
+      </a:fillRef>
+      <a:effectRef idx="0">
+        <a:scrgbClr r="0" g="0" b="0"/>
+      </a:effectRef>
+      <a:fontRef idx="minor">
+        <a:schemeClr val="lt1"/>
+      </a:fontRef>
+    </dgm:style>
+  </dgm:styleLbl>
+  <dgm:styleLbl name="node2">
+    <dgm:scene3d>
+      <a:camera prst="orthographicFront"/>
+      <a:lightRig rig="threePt" dir="t"/>
+    </dgm:scene3d>
+    <dgm:sp3d/>
+    <dgm:txPr/>
+    <dgm:style>
+      <a:lnRef idx="2">
+        <a:scrgbClr r="0" g="0" b="0"/>
+      </a:lnRef>
+      <a:fillRef idx="1">
+        <a:scrgbClr r="0" g="0" b="0"/>
+      </a:fillRef>
+      <a:effectRef idx="0">
+        <a:scrgbClr r="0" g="0" b="0"/>
+      </a:effectRef>
+      <a:fontRef idx="minor">
+        <a:schemeClr val="lt1"/>
+      </a:fontRef>
+    </dgm:style>
+  </dgm:styleLbl>
+  <dgm:styleLbl name="node3">
+    <dgm:scene3d>
+      <a:camera prst="orthographicFront"/>
+      <a:lightRig rig="threePt" dir="t"/>
+    </dgm:scene3d>
+    <dgm:sp3d/>
+    <dgm:txPr/>
+    <dgm:style>
+      <a:lnRef idx="2">
+        <a:scrgbClr r="0" g="0" b="0"/>
+      </a:lnRef>
+      <a:fillRef idx="1">
+        <a:scrgbClr r="0" g="0" b="0"/>
+      </a:fillRef>
+      <a:effectRef idx="0">
+        <a:scrgbClr r="0" g="0" b="0"/>
+      </a:effectRef>
+      <a:fontRef idx="minor">
+        <a:schemeClr val="lt1"/>
+      </a:fontRef>
+    </dgm:style>
+  </dgm:styleLbl>
+  <dgm:styleLbl name="node4">
+    <dgm:scene3d>
+      <a:camera prst="orthographicFront"/>
+      <a:lightRig rig="threePt" dir="t"/>
+    </dgm:scene3d>
+    <dgm:sp3d/>
+    <dgm:txPr/>
+    <dgm:style>
+      <a:lnRef idx="2">
+        <a:scrgbClr r="0" g="0" b="0"/>
+      </a:lnRef>
+      <a:fillRef idx="1">
+        <a:scrgbClr r="0" g="0" b="0"/>
+      </a:fillRef>
+      <a:effectRef idx="0">
+        <a:scrgbClr r="0" g="0" b="0"/>
+      </a:effectRef>
+      <a:fontRef idx="minor">
+        <a:schemeClr val="lt1"/>
+      </a:fontRef>
+    </dgm:style>
+  </dgm:styleLbl>
+  <dgm:styleLbl name="fgImgPlace1">
+    <dgm:scene3d>
+      <a:camera prst="orthographicFront"/>
+      <a:lightRig rig="threePt" dir="t"/>
+    </dgm:scene3d>
+    <dgm:sp3d/>
+    <dgm:txPr/>
+    <dgm:style>
+      <a:lnRef idx="2">
+        <a:scrgbClr r="0" g="0" b="0"/>
+      </a:lnRef>
+      <a:fillRef idx="1">
+        <a:scrgbClr r="0" g="0" b="0"/>
+      </a:fillRef>
+      <a:effectRef idx="0">
+        <a:scrgbClr r="0" g="0" b="0"/>
+      </a:effectRef>
+      <a:fontRef idx="minor"/>
+    </dgm:style>
+  </dgm:styleLbl>
+  <dgm:styleLbl name="alignImgPlace1">
+    <dgm:scene3d>
+      <a:camera prst="orthographicFront"/>
+      <a:lightRig rig="threePt" dir="t"/>
+    </dgm:scene3d>
+    <dgm:sp3d/>
+    <dgm:txPr/>
+    <dgm:style>
+      <a:lnRef idx="2">
+        <a:scrgbClr r="0" g="0" b="0"/>
+      </a:lnRef>
+      <a:fillRef idx="1">
+        <a:scrgbClr r="0" g="0" b="0"/>
+      </a:fillRef>
+      <a:effectRef idx="0">
+        <a:scrgbClr r="0" g="0" b="0"/>
+      </a:effectRef>
+      <a:fontRef idx="minor"/>
+    </dgm:style>
+  </dgm:styleLbl>
+  <dgm:styleLbl name="bgImgPlace1">
+    <dgm:scene3d>
+      <a:camera prst="orthographicFront"/>
+      <a:lightRig rig="threePt" dir="t"/>
+    </dgm:scene3d>
+    <dgm:sp3d/>
+    <dgm:txPr/>
+    <dgm:style>
+      <a:lnRef idx="2">
+        <a:scrgbClr r="0" g="0" b="0"/>
+      </a:lnRef>
+      <a:fillRef idx="1">
+        <a:scrgbClr r="0" g="0" b="0"/>
+      </a:fillRef>
+      <a:effectRef idx="0">
+        <a:scrgbClr r="0" g="0" b="0"/>
+      </a:effectRef>
+      <a:fontRef idx="minor"/>
+    </dgm:style>
+  </dgm:styleLbl>
+  <dgm:styleLbl name="sibTrans2D1">
+    <dgm:scene3d>
+      <a:camera prst="orthographicFront"/>
+      <a:lightRig rig="threePt" dir="t"/>
+    </dgm:scene3d>
+    <dgm:sp3d/>
+    <dgm:txPr/>
+    <dgm:style>
+      <a:lnRef idx="0">
+        <a:scrgbClr r="0" g="0" b="0"/>
+      </a:lnRef>
+      <a:fillRef idx="1">
+        <a:scrgbClr r="0" g="0" b="0"/>
+      </a:fillRef>
+      <a:effectRef idx="0">
+        <a:scrgbClr r="0" g="0" b="0"/>
+      </a:effectRef>
+      <a:fontRef idx="minor">
+        <a:schemeClr val="lt1"/>
+      </a:fontRef>
+    </dgm:style>
+  </dgm:styleLbl>
+  <dgm:styleLbl name="fgSibTrans2D1">
+    <dgm:scene3d>
+      <a:camera prst="orthographicFront"/>
+      <a:lightRig rig="threePt" dir="t"/>
+    </dgm:scene3d>
+    <dgm:sp3d/>
+    <dgm:txPr/>
+    <dgm:style>
+      <a:lnRef idx="0">
+        <a:scrgbClr r="0" g="0" b="0"/>
+      </a:lnRef>
+      <a:fillRef idx="1">
+        <a:scrgbClr r="0" g="0" b="0"/>
+      </a:fillRef>
+      <a:effectRef idx="0">
+        <a:scrgbClr r="0" g="0" b="0"/>
+      </a:effectRef>
+      <a:fontRef idx="minor">
+        <a:schemeClr val="lt1"/>
+      </a:fontRef>
+    </dgm:style>
+  </dgm:styleLbl>
+  <dgm:styleLbl name="bgSibTrans2D1">
+    <dgm:scene3d>
+      <a:camera prst="orthographicFront"/>
+      <a:lightRig rig="threePt" dir="t"/>
+    </dgm:scene3d>
+    <dgm:sp3d/>
+    <dgm:txPr/>
+    <dgm:style>
+      <a:lnRef idx="0">
+        <a:scrgbClr r="0" g="0" b="0"/>
+      </a:lnRef>
+      <a:fillRef idx="1">
+        <a:scrgbClr r="0" g="0" b="0"/>
+      </a:fillRef>
+      <a:effectRef idx="0">
+        <a:scrgbClr r="0" g="0" b="0"/>
+      </a:effectRef>
+      <a:fontRef idx="minor">
+        <a:schemeClr val="lt1"/>
+      </a:fontRef>
+    </dgm:style>
+  </dgm:styleLbl>
+  <dgm:styleLbl name="sibTrans1D1">
+    <dgm:scene3d>
+      <a:camera prst="orthographicFront"/>
+      <a:lightRig rig="threePt" dir="t"/>
+    </dgm:scene3d>
+    <dgm:sp3d/>
+    <dgm:txPr/>
+    <dgm:style>
+      <a:lnRef idx="1">
+        <a:scrgbClr r="0" g="0" b="0"/>
+      </a:lnRef>
+      <a:fillRef idx="0">
+        <a:scrgbClr r="0" g="0" b="0"/>
+      </a:fillRef>
+      <a:effectRef idx="0">
+        <a:scrgbClr r="0" g="0" b="0"/>
+      </a:effectRef>
+      <a:fontRef idx="minor"/>
+    </dgm:style>
+  </dgm:styleLbl>
+  <dgm:styleLbl name="callout">
+    <dgm:scene3d>
+      <a:camera prst="orthographicFront"/>
+      <a:lightRig rig="threePt" dir="t"/>
+    </dgm:scene3d>
+    <dgm:sp3d/>
+    <dgm:txPr/>
+    <dgm:style>
+      <a:lnRef idx="2">
+        <a:scrgbClr r="0" g="0" b="0"/>
+      </a:lnRef>
+      <a:fillRef idx="1">
+        <a:scrgbClr r="0" g="0" b="0"/>
+      </a:fillRef>
+      <a:effectRef idx="0">
+        <a:scrgbClr r="0" g="0" b="0"/>
+      </a:effectRef>
+      <a:fontRef idx="minor"/>
+    </dgm:style>
+  </dgm:styleLbl>
+  <dgm:styleLbl name="asst0">
+    <dgm:scene3d>
+      <a:camera prst="orthographicFront"/>
+      <a:lightRig rig="threePt" dir="t"/>
+    </dgm:scene3d>
+    <dgm:sp3d/>
+    <dgm:txPr/>
+    <dgm:style>
+      <a:lnRef idx="2">
+        <a:scrgbClr r="0" g="0" b="0"/>
+      </a:lnRef>
+      <a:fillRef idx="1">
+        <a:scrgbClr r="0" g="0" b="0"/>
+      </a:fillRef>
+      <a:effectRef idx="0">
+        <a:scrgbClr r="0" g="0" b="0"/>
+      </a:effectRef>
+      <a:fontRef idx="minor">
+        <a:schemeClr val="lt1"/>
+      </a:fontRef>
+    </dgm:style>
+  </dgm:styleLbl>
+  <dgm:styleLbl name="asst1">
+    <dgm:scene3d>
+      <a:camera prst="orthographicFront"/>
+      <a:lightRig rig="threePt" dir="t"/>
+    </dgm:scene3d>
+    <dgm:sp3d/>
+    <dgm:txPr/>
+    <dgm:style>
+      <a:lnRef idx="2">
+        <a:scrgbClr r="0" g="0" b="0"/>
+      </a:lnRef>
+      <a:fillRef idx="1">
+        <a:scrgbClr r="0" g="0" b="0"/>
+      </a:fillRef>
+      <a:effectRef idx="0">
+        <a:scrgbClr r="0" g="0" b="0"/>
+      </a:effectRef>
+      <a:fontRef idx="minor">
+        <a:schemeClr val="lt1"/>
+      </a:fontRef>
+    </dgm:style>
+  </dgm:styleLbl>
+  <dgm:styleLbl name="asst2">
+    <dgm:scene3d>
+      <a:camera prst="orthographicFront"/>
+      <a:lightRig rig="threePt" dir="t"/>
+    </dgm:scene3d>
+    <dgm:sp3d/>
+    <dgm:txPr/>
+    <dgm:style>
+      <a:lnRef idx="2">
+        <a:scrgbClr r="0" g="0" b="0"/>
+      </a:lnRef>
+      <a:fillRef idx="1">
+        <a:scrgbClr r="0" g="0" b="0"/>
+      </a:fillRef>
+      <a:effectRef idx="0">
+        <a:scrgbClr r="0" g="0" b="0"/>
+      </a:effectRef>
+      <a:fontRef idx="minor">
+        <a:schemeClr val="lt1"/>
+      </a:fontRef>
+    </dgm:style>
+  </dgm:styleLbl>
+  <dgm:styleLbl name="asst3">
+    <dgm:scene3d>
+      <a:camera prst="orthographicFront"/>
+      <a:lightRig rig="threePt" dir="t"/>
+    </dgm:scene3d>
+    <dgm:sp3d/>
+    <dgm:txPr/>
+    <dgm:style>
+      <a:lnRef idx="2">
+        <a:scrgbClr r="0" g="0" b="0"/>
+      </a:lnRef>
+      <a:fillRef idx="1">
+        <a:scrgbClr r="0" g="0" b="0"/>
+      </a:fillRef>
+      <a:effectRef idx="0">
+        <a:scrgbClr r="0" g="0" b="0"/>
+      </a:effectRef>
+      <a:fontRef idx="minor">
+        <a:schemeClr val="lt1"/>
+      </a:fontRef>
+    </dgm:style>
+  </dgm:styleLbl>
+  <dgm:styleLbl name="asst4">
+    <dgm:scene3d>
+      <a:camera prst="orthographicFront"/>
+      <a:lightRig rig="threePt" dir="t"/>
+    </dgm:scene3d>
+    <dgm:sp3d/>
+    <dgm:txPr/>
+    <dgm:style>
+      <a:lnRef idx="2">
+        <a:scrgbClr r="0" g="0" b="0"/>
+      </a:lnRef>
+      <a:fillRef idx="1">
+        <a:scrgbClr r="0" g="0" b="0"/>
+      </a:fillRef>
+      <a:effectRef idx="0">
+        <a:scrgbClr r="0" g="0" b="0"/>
+      </a:effectRef>
+      <a:fontRef idx="minor">
+        <a:schemeClr val="lt1"/>
+      </a:fontRef>
+    </dgm:style>
+  </dgm:styleLbl>
+  <dgm:styleLbl name="parChTrans2D1">
+    <dgm:scene3d>
+      <a:camera prst="orthographicFront"/>
+      <a:lightRig rig="threePt" dir="t"/>
+    </dgm:scene3d>
+    <dgm:sp3d/>
+    <dgm:txPr/>
+    <dgm:style>
+      <a:lnRef idx="2">
+        <a:scrgbClr r="0" g="0" b="0"/>
+      </a:lnRef>
+      <a:fillRef idx="1">
+        <a:scrgbClr r="0" g="0" b="0"/>
+      </a:fillRef>
+      <a:effectRef idx="0">
+        <a:scrgbClr r="0" g="0" b="0"/>
+      </a:effectRef>
+      <a:fontRef idx="minor">
+        <a:schemeClr val="lt1"/>
+      </a:fontRef>
+    </dgm:style>
+  </dgm:styleLbl>
+  <dgm:styleLbl name="parChTrans2D2">
+    <dgm:scene3d>
+      <a:camera prst="orthographicFront"/>
+      <a:lightRig rig="threePt" dir="t"/>
+    </dgm:scene3d>
+    <dgm:sp3d/>
+    <dgm:txPr/>
+    <dgm:style>
+      <a:lnRef idx="2">
+        <a:scrgbClr r="0" g="0" b="0"/>
+      </a:lnRef>
+      <a:fillRef idx="1">
+        <a:scrgbClr r="0" g="0" b="0"/>
+      </a:fillRef>
+      <a:effectRef idx="0">
+        <a:scrgbClr r="0" g="0" b="0"/>
+      </a:effectRef>
+      <a:fontRef idx="minor">
+        <a:schemeClr val="lt1"/>
+      </a:fontRef>
+    </dgm:style>
+  </dgm:styleLbl>
+  <dgm:styleLbl name="parChTrans2D3">
+    <dgm:scene3d>
+      <a:camera prst="orthographicFront"/>
+      <a:lightRig rig="threePt" dir="t"/>
+    </dgm:scene3d>
+    <dgm:sp3d/>
+    <dgm:txPr/>
+    <dgm:style>
+      <a:lnRef idx="2">
+        <a:scrgbClr r="0" g="0" b="0"/>
+      </a:lnRef>
+      <a:fillRef idx="1">
+        <a:scrgbClr r="0" g="0" b="0"/>
+      </a:fillRef>
+      <a:effectRef idx="0">
+        <a:scrgbClr r="0" g="0" b="0"/>
+      </a:effectRef>
+      <a:fontRef idx="minor">
+        <a:schemeClr val="lt1"/>
+      </a:fontRef>
+    </dgm:style>
+  </dgm:styleLbl>
+  <dgm:styleLbl name="parChTrans2D4">
+    <dgm:scene3d>
+      <a:camera prst="orthographicFront"/>
+      <a:lightRig rig="threePt" dir="t"/>
+    </dgm:scene3d>
+    <dgm:sp3d/>
+    <dgm:txPr/>
+    <dgm:style>
+      <a:lnRef idx="2">
+        <a:scrgbClr r="0" g="0" b="0"/>
+      </a:lnRef>
+      <a:fillRef idx="1">
+        <a:scrgbClr r="0" g="0" b="0"/>
+      </a:fillRef>
+      <a:effectRef idx="0">
+        <a:scrgbClr r="0" g="0" b="0"/>
+      </a:effectRef>
+      <a:fontRef idx="minor">
+        <a:schemeClr val="lt1"/>
+      </a:fontRef>
+    </dgm:style>
+  </dgm:styleLbl>
+  <dgm:styleLbl name="parChTrans1D1">
+    <dgm:scene3d>
+      <a:camera prst="orthographicFront"/>
+      <a:lightRig rig="threePt" dir="t"/>
+    </dgm:scene3d>
+    <dgm:sp3d/>
+    <dgm:txPr/>
+    <dgm:style>
+      <a:lnRef idx="2">
+        <a:scrgbClr r="0" g="0" b="0"/>
+      </a:lnRef>
+      <a:fillRef idx="0">
+        <a:scrgbClr r="0" g="0" b="0"/>
+      </a:fillRef>
+      <a:effectRef idx="0">
+        <a:scrgbClr r="0" g="0" b="0"/>
+      </a:effectRef>
+      <a:fontRef idx="minor"/>
+    </dgm:style>
+  </dgm:styleLbl>
+  <dgm:styleLbl name="parChTrans1D2">
+    <dgm:scene3d>
+      <a:camera prst="orthographicFront"/>
+      <a:lightRig rig="threePt" dir="t"/>
+    </dgm:scene3d>
+    <dgm:sp3d/>
+    <dgm:txPr/>
+    <dgm:style>
+      <a:lnRef idx="2">
+        <a:scrgbClr r="0" g="0" b="0"/>
+      </a:lnRef>
+      <a:fillRef idx="0">
+        <a:scrgbClr r="0" g="0" b="0"/>
+      </a:fillRef>
+      <a:effectRef idx="0">
+        <a:scrgbClr r="0" g="0" b="0"/>
+      </a:effectRef>
+      <a:fontRef idx="minor"/>
+    </dgm:style>
+  </dgm:styleLbl>
+  <dgm:styleLbl name="parChTrans1D3">
+    <dgm:scene3d>
+      <a:camera prst="orthographicFront"/>
+      <a:lightRig rig="threePt" dir="t"/>
+    </dgm:scene3d>
+    <dgm:sp3d/>
+    <dgm:txPr/>
+    <dgm:style>
+      <a:lnRef idx="2">
+        <a:scrgbClr r="0" g="0" b="0"/>
+      </a:lnRef>
+      <a:fillRef idx="0">
+        <a:scrgbClr r="0" g="0" b="0"/>
+      </a:fillRef>
+      <a:effectRef idx="0">
+        <a:scrgbClr r="0" g="0" b="0"/>
+      </a:effectRef>
+      <a:fontRef idx="minor"/>
+    </dgm:style>
+  </dgm:styleLbl>
+  <dgm:styleLbl name="parChTrans1D4">
+    <dgm:scene3d>
+      <a:camera prst="orthographicFront"/>
+      <a:lightRig rig="threePt" dir="t"/>
+    </dgm:scene3d>
+    <dgm:sp3d/>
+    <dgm:txPr/>
+    <dgm:style>
+      <a:lnRef idx="2">
+        <a:scrgbClr r="0" g="0" b="0"/>
+      </a:lnRef>
+      <a:fillRef idx="0">
+        <a:scrgbClr r="0" g="0" b="0"/>
+      </a:fillRef>
+      <a:effectRef idx="0">
+        <a:scrgbClr r="0" g="0" b="0"/>
+      </a:effectRef>
+      <a:fontRef idx="minor"/>
+    </dgm:style>
+  </dgm:styleLbl>
+  <dgm:styleLbl name="fgAcc1">
+    <dgm:scene3d>
+      <a:camera prst="orthographicFront"/>
+      <a:lightRig rig="threePt" dir="t"/>
+    </dgm:scene3d>
+    <dgm:sp3d/>
+    <dgm:txPr/>
+    <dgm:style>
+      <a:lnRef idx="2">
+        <a:scrgbClr r="0" g="0" b="0"/>
+      </a:lnRef>
+      <a:fillRef idx="1">
+        <a:scrgbClr r="0" g="0" b="0"/>
+      </a:fillRef>
+      <a:effectRef idx="0">
+        <a:scrgbClr r="0" g="0" b="0"/>
+      </a:effectRef>
+      <a:fontRef idx="minor"/>
+    </dgm:style>
+  </dgm:styleLbl>
+  <dgm:styleLbl name="conFgAcc1">
+    <dgm:scene3d>
+      <a:camera prst="orthographicFront"/>
+      <a:lightRig rig="threePt" dir="t"/>
+    </dgm:scene3d>
+    <dgm:sp3d/>
+    <dgm:txPr/>
+    <dgm:style>
+      <a:lnRef idx="2">
+        <a:scrgbClr r="0" g="0" b="0"/>
+      </a:lnRef>
+      <a:fillRef idx="1">
+        <a:scrgbClr r="0" g="0" b="0"/>
+      </a:fillRef>
+      <a:effectRef idx="0">
+        <a:scrgbClr r="0" g="0" b="0"/>
+      </a:effectRef>
+      <a:fontRef idx="minor"/>
+    </dgm:style>
+  </dgm:styleLbl>
+  <dgm:styleLbl name="alignAcc1">
+    <dgm:scene3d>
+      <a:camera prst="orthographicFront"/>
+      <a:lightRig rig="threePt" dir="t"/>
+    </dgm:scene3d>
+    <dgm:sp3d/>
+    <dgm:txPr/>
+    <dgm:style>
+      <a:lnRef idx="2">
+        <a:scrgbClr r="0" g="0" b="0"/>
+      </a:lnRef>
+      <a:fillRef idx="1">
+        <a:scrgbClr r="0" g="0" b="0"/>
+      </a:fillRef>
+      <a:effectRef idx="0">
+        <a:scrgbClr r="0" g="0" b="0"/>
+      </a:effectRef>
+      <a:fontRef idx="minor"/>
+    </dgm:style>
+  </dgm:styleLbl>
+  <dgm:styleLbl name="trAlignAcc1">
+    <dgm:scene3d>
+      <a:camera prst="orthographicFront"/>
+      <a:lightRig rig="threePt" dir="t"/>
+    </dgm:scene3d>
+    <dgm:sp3d/>
+    <dgm:txPr/>
+    <dgm:style>
+      <a:lnRef idx="1">
+        <a:scrgbClr r="0" g="0" b="0"/>
+      </a:lnRef>
+      <a:fillRef idx="1">
+        <a:scrgbClr r="0" g="0" b="0"/>
+      </a:fillRef>
+      <a:effectRef idx="0">
+        <a:scrgbClr r="0" g="0" b="0"/>
+      </a:effectRef>
+      <a:fontRef idx="minor"/>
+    </dgm:style>
+  </dgm:styleLbl>
+  <dgm:styleLbl name="bgAcc1">
+    <dgm:scene3d>
+      <a:camera prst="orthographicFront"/>
+      <a:lightRig rig="threePt" dir="t"/>
+    </dgm:scene3d>
+    <dgm:sp3d/>
+    <dgm:txPr/>
+    <dgm:style>
+      <a:lnRef idx="2">
+        <a:scrgbClr r="0" g="0" b="0"/>
+      </a:lnRef>
+      <a:fillRef idx="1">
+        <a:scrgbClr r="0" g="0" b="0"/>
+      </a:fillRef>
+      <a:effectRef idx="0">
+        <a:scrgbClr r="0" g="0" b="0"/>
+      </a:effectRef>
+      <a:fontRef idx="minor"/>
+    </dgm:style>
+  </dgm:styleLbl>
+  <dgm:styleLbl name="solidFgAcc1">
+    <dgm:scene3d>
+      <a:camera prst="orthographicFront"/>
+      <a:lightRig rig="threePt" dir="t"/>
+    </dgm:scene3d>
+    <dgm:sp3d/>
+    <dgm:txPr/>
+    <dgm:style>
+      <a:lnRef idx="2">
+        <a:scrgbClr r="0" g="0" b="0"/>
+      </a:lnRef>
+      <a:fillRef idx="1">
+        <a:scrgbClr r="0" g="0" b="0"/>
+      </a:fillRef>
+      <a:effectRef idx="0">
+        <a:scrgbClr r="0" g="0" b="0"/>
+      </a:effectRef>
+      <a:fontRef idx="minor"/>
+    </dgm:style>
+  </dgm:styleLbl>
+  <dgm:styleLbl name="solidAlignAcc1">
+    <dgm:scene3d>
+      <a:camera prst="orthographicFront"/>
+      <a:lightRig rig="threePt" dir="t"/>
+    </dgm:scene3d>
+    <dgm:sp3d/>
+    <dgm:txPr/>
+    <dgm:style>
+      <a:lnRef idx="2">
+        <a:scrgbClr r="0" g="0" b="0"/>
+      </a:lnRef>
+      <a:fillRef idx="1">
+        <a:scrgbClr r="0" g="0" b="0"/>
+      </a:fillRef>
+      <a:effectRef idx="0">
+        <a:scrgbClr r="0" g="0" b="0"/>
+      </a:effectRef>
+      <a:fontRef idx="minor"/>
+    </dgm:style>
+  </dgm:styleLbl>
+  <dgm:styleLbl name="solidBgAcc1">
+    <dgm:scene3d>
+      <a:camera prst="orthographicFront"/>
+      <a:lightRig rig="threePt" dir="t"/>
+    </dgm:scene3d>
+    <dgm:sp3d/>
+    <dgm:txPr/>
+    <dgm:style>
+      <a:lnRef idx="2">
+        <a:scrgbClr r="0" g="0" b="0"/>
+      </a:lnRef>
+      <a:fillRef idx="1">
+        <a:scrgbClr r="0" g="0" b="0"/>
+      </a:fillRef>
+      <a:effectRef idx="0">
+        <a:scrgbClr r="0" g="0" b="0"/>
+      </a:effectRef>
+      <a:fontRef idx="minor"/>
+    </dgm:style>
+  </dgm:styleLbl>
+  <dgm:styleLbl name="fgAccFollowNode1">
+    <dgm:scene3d>
+      <a:camera prst="orthographicFront"/>
+      <a:lightRig rig="threePt" dir="t"/>
+    </dgm:scene3d>
+    <dgm:sp3d/>
+    <dgm:txPr/>
+    <dgm:style>
+      <a:lnRef idx="2">
+        <a:scrgbClr r="0" g="0" b="0"/>
+      </a:lnRef>
+      <a:fillRef idx="1">
+        <a:scrgbClr r="0" g="0" b="0"/>
+      </a:fillRef>
+      <a:effectRef idx="0">
+        <a:scrgbClr r="0" g="0" b="0"/>
+      </a:effectRef>
+      <a:fontRef idx="minor"/>
+    </dgm:style>
+  </dgm:styleLbl>
+  <dgm:styleLbl name="alignAccFollowNode1">
+    <dgm:scene3d>
+      <a:camera prst="orthographicFront"/>
+      <a:lightRig rig="threePt" dir="t"/>
+    </dgm:scene3d>
+    <dgm:sp3d/>
+    <dgm:txPr/>
+    <dgm:style>
+      <a:lnRef idx="2">
+        <a:scrgbClr r="0" g="0" b="0"/>
+      </a:lnRef>
+      <a:fillRef idx="1">
+        <a:scrgbClr r="0" g="0" b="0"/>
+      </a:fillRef>
+      <a:effectRef idx="0">
+        <a:scrgbClr r="0" g="0" b="0"/>
+      </a:effectRef>
+      <a:fontRef idx="minor"/>
+    </dgm:style>
+  </dgm:styleLbl>
+  <dgm:styleLbl name="bgAccFollowNode1">
+    <dgm:scene3d>
+      <a:camera prst="orthographicFront"/>
+      <a:lightRig rig="threePt" dir="t"/>
+    </dgm:scene3d>
+    <dgm:sp3d/>
+    <dgm:txPr/>
+    <dgm:style>
+      <a:lnRef idx="2">
+        <a:scrgbClr r="0" g="0" b="0"/>
+      </a:lnRef>
+      <a:fillRef idx="1">
+        <a:scrgbClr r="0" g="0" b="0"/>
+      </a:fillRef>
+      <a:effectRef idx="0">
+        <a:scrgbClr r="0" g="0" b="0"/>
+      </a:effectRef>
+      <a:fontRef idx="minor"/>
+    </dgm:style>
+  </dgm:styleLbl>
+  <dgm:styleLbl name="fgAcc0">
+    <dgm:scene3d>
+      <a:camera prst="orthographicFront"/>
+      <a:lightRig rig="threePt" dir="t"/>
+    </dgm:scene3d>
+    <dgm:sp3d/>
+    <dgm:txPr/>
+    <dgm:style>
+      <a:lnRef idx="2">
+        <a:scrgbClr r="0" g="0" b="0"/>
+      </a:lnRef>
+      <a:fillRef idx="1">
+        <a:scrgbClr r="0" g="0" b="0"/>
+      </a:fillRef>
+      <a:effectRef idx="0">
+        <a:scrgbClr r="0" g="0" b="0"/>
+      </a:effectRef>
+      <a:fontRef idx="minor"/>
+    </dgm:style>
+  </dgm:styleLbl>
+  <dgm:styleLbl name="fgAcc2">
+    <dgm:scene3d>
+      <a:camera prst="orthographicFront"/>
+      <a:lightRig rig="threePt" dir="t"/>
+    </dgm:scene3d>
+    <dgm:sp3d/>
+    <dgm:txPr/>
+    <dgm:style>
+      <a:lnRef idx="2">
+        <a:scrgbClr r="0" g="0" b="0"/>
+      </a:lnRef>
+      <a:fillRef idx="1">
+        <a:scrgbClr r="0" g="0" b="0"/>
+      </a:fillRef>
+      <a:effectRef idx="0">
+        <a:scrgbClr r="0" g="0" b="0"/>
+      </a:effectRef>
+      <a:fontRef idx="minor"/>
+    </dgm:style>
+  </dgm:styleLbl>
+  <dgm:styleLbl name="fgAcc3">
+    <dgm:scene3d>
+      <a:camera prst="orthographicFront"/>
+      <a:lightRig rig="threePt" dir="t"/>
+    </dgm:scene3d>
+    <dgm:sp3d/>
+    <dgm:txPr/>
+    <dgm:style>
+      <a:lnRef idx="2">
+        <a:scrgbClr r="0" g="0" b="0"/>
+      </a:lnRef>
+      <a:fillRef idx="1">
+        <a:scrgbClr r="0" g="0" b="0"/>
+      </a:fillRef>
+      <a:effectRef idx="0">
+        <a:scrgbClr r="0" g="0" b="0"/>
+      </a:effectRef>
+      <a:fontRef idx="minor"/>
+    </dgm:style>
+  </dgm:styleLbl>
+  <dgm:styleLbl name="fgAcc4">
+    <dgm:scene3d>
+      <a:camera prst="orthographicFront"/>
+      <a:lightRig rig="threePt" dir="t"/>
+    </dgm:scene3d>
+    <dgm:sp3d/>
+    <dgm:txPr/>
+    <dgm:style>
+      <a:lnRef idx="2">
+        <a:scrgbClr r="0" g="0" b="0"/>
+      </a:lnRef>
+      <a:fillRef idx="1">
+        <a:scrgbClr r="0" g="0" b="0"/>
+      </a:fillRef>
+      <a:effectRef idx="0">
+        <a:scrgbClr r="0" g="0" b="0"/>
+      </a:effectRef>
+      <a:fontRef idx="minor"/>
+    </dgm:style>
+  </dgm:styleLbl>
+  <dgm:styleLbl name="bgShp">
+    <dgm:scene3d>
+      <a:camera prst="orthographicFront"/>
+      <a:lightRig rig="threePt" dir="t"/>
+    </dgm:scene3d>
+    <dgm:sp3d/>
+    <dgm:txPr/>
+    <dgm:style>
+      <a:lnRef idx="0">
+        <a:scrgbClr r="0" g="0" b="0"/>
+      </a:lnRef>
+      <a:fillRef idx="1">
+        <a:scrgbClr r="0" g="0" b="0"/>
+      </a:fillRef>
+      <a:effectRef idx="0">
+        <a:scrgbClr r="0" g="0" b="0"/>
+      </a:effectRef>
+      <a:fontRef idx="minor"/>
+    </dgm:style>
+  </dgm:styleLbl>
+  <dgm:styleLbl name="dkBgShp">
+    <dgm:scene3d>
+      <a:camera prst="orthographicFront"/>
+      <a:lightRig rig="threePt" dir="t"/>
+    </dgm:scene3d>
+    <dgm:sp3d/>
+    <dgm:txPr/>
+    <dgm:style>
+      <a:lnRef idx="0">
+        <a:scrgbClr r="0" g="0" b="0"/>
+      </a:lnRef>
+      <a:fillRef idx="1">
+        <a:scrgbClr r="0" g="0" b="0"/>
+      </a:fillRef>
+      <a:effectRef idx="0">
+        <a:scrgbClr r="0" g="0" b="0"/>
+      </a:effectRef>
+      <a:fontRef idx="minor"/>
+    </dgm:style>
+  </dgm:styleLbl>
+  <dgm:styleLbl name="trBgShp">
+    <dgm:scene3d>
+      <a:camera prst="orthographicFront"/>
+      <a:lightRig rig="threePt" dir="t"/>
+    </dgm:scene3d>
+    <dgm:sp3d/>
+    <dgm:txPr/>
+    <dgm:style>
+      <a:lnRef idx="0">
+        <a:scrgbClr r="0" g="0" b="0"/>
+      </a:lnRef>
+      <a:fillRef idx="1">
+        <a:scrgbClr r="0" g="0" b="0"/>
+      </a:fillRef>
+      <a:effectRef idx="0">
+        <a:scrgbClr r="0" g="0" b="0"/>
+      </a:effectRef>
+      <a:fontRef idx="minor"/>
+    </dgm:style>
+  </dgm:styleLbl>
+  <dgm:styleLbl name="fgShp">
+    <dgm:scene3d>
+      <a:camera prst="orthographicFront"/>
+      <a:lightRig rig="threePt" dir="t"/>
+    </dgm:scene3d>
+    <dgm:sp3d/>
+    <dgm:txPr/>
+    <dgm:style>
+      <a:lnRef idx="2">
+        <a:scrgbClr r="0" g="0" b="0"/>
+      </a:lnRef>
+      <a:fillRef idx="1">
+        <a:scrgbClr r="0" g="0" b="0"/>
+      </a:fillRef>
+      <a:effectRef idx="0">
+        <a:scrgbClr r="0" g="0" b="0"/>
+      </a:effectRef>
+      <a:fontRef idx="minor"/>
+    </dgm:style>
+  </dgm:styleLbl>
+  <dgm:styleLbl name="revTx">
+    <dgm:scene3d>
+      <a:camera prst="orthographicFront"/>
+      <a:lightRig rig="threePt" dir="t"/>
+    </dgm:scene3d>
+    <dgm:sp3d/>
+    <dgm:txPr/>
+    <dgm:style>
+      <a:lnRef idx="0">
+        <a:scrgbClr r="0" g="0" b="0"/>
+      </a:lnRef>
+      <a:fillRef idx="0">
+        <a:scrgbClr r="0" g="0" b="0"/>
+      </a:fillRef>
+      <a:effectRef idx="0">
+        <a:scrgbClr r="0" g="0" b="0"/>
+      </a:effectRef>
+      <a:fontRef idx="minor"/>
+    </dgm:style>
+  </dgm:styleLbl>
+</dgm:styleDef>
+</file>
+
 <file path=ppt/notesMasters/notesMaster1.xml><?xml version="1.0" encoding="utf-8"?>
 <p:notesMaster xmlns:a="http://schemas.openxmlformats.org/drawingml/2006/main" xmlns:r="http://schemas.openxmlformats.org/officeDocument/2006/relationships" xmlns:p="http://schemas.openxmlformats.org/presentationml/2006/main">
   <p:cSld>
@@ -5222,7 +10132,7 @@
           <a:p>
             <a:fld id="{EE41F6E3-57F9-402E-BDBA-5B2DE11C8530}" type="datetimeFigureOut">
               <a:rPr lang="en-US" smtClean="0"/>
-              <a:t>2/23/2022</a:t>
+              <a:t>9/6/2022</a:t>
             </a:fld>
             <a:endParaRPr lang="en-US"/>
           </a:p>
@@ -5664,7 +10574,7 @@
           <a:p>
             <a:fld id="{DDBF98C7-164A-4723-84F0-B1E4B080DDEC}" type="slidenum">
               <a:rPr lang="en-US" smtClean="0"/>
-              <a:t>29</a:t>
+              <a:t>30</a:t>
             </a:fld>
             <a:endParaRPr lang="en-US"/>
           </a:p>
@@ -5794,7 +10704,7 @@
           <a:p>
             <a:fld id="{DDBF98C7-164A-4723-84F0-B1E4B080DDEC}" type="slidenum">
               <a:rPr lang="en-US" smtClean="0"/>
-              <a:t>30</a:t>
+              <a:t>31</a:t>
             </a:fld>
             <a:endParaRPr lang="en-US"/>
           </a:p>
@@ -5928,7 +10838,7 @@
           <a:p>
             <a:fld id="{DDBF98C7-164A-4723-84F0-B1E4B080DDEC}" type="slidenum">
               <a:rPr lang="en-US" smtClean="0"/>
-              <a:t>34</a:t>
+              <a:t>35</a:t>
             </a:fld>
             <a:endParaRPr lang="en-US"/>
           </a:p>
@@ -6039,7 +10949,7 @@
           <a:p>
             <a:fld id="{DDBF98C7-164A-4723-84F0-B1E4B080DDEC}" type="slidenum">
               <a:rPr lang="en-US" smtClean="0"/>
-              <a:t>39</a:t>
+              <a:t>40</a:t>
             </a:fld>
             <a:endParaRPr lang="en-US"/>
           </a:p>
@@ -6145,7 +11055,7 @@
           <a:p>
             <a:fld id="{DDBF98C7-164A-4723-84F0-B1E4B080DDEC}" type="slidenum">
               <a:rPr lang="en-US" smtClean="0"/>
-              <a:t>41</a:t>
+              <a:t>42</a:t>
             </a:fld>
             <a:endParaRPr lang="en-US"/>
           </a:p>
@@ -6283,7 +11193,7 @@
           <a:p>
             <a:fld id="{DDBF98C7-164A-4723-84F0-B1E4B080DDEC}" type="slidenum">
               <a:rPr lang="en-US" smtClean="0"/>
-              <a:t>43</a:t>
+              <a:t>44</a:t>
             </a:fld>
             <a:endParaRPr lang="en-US"/>
           </a:p>
@@ -6370,7 +11280,7 @@
           <a:p>
             <a:fld id="{DDBF98C7-164A-4723-84F0-B1E4B080DDEC}" type="slidenum">
               <a:rPr lang="en-US" smtClean="0"/>
-              <a:t>46</a:t>
+              <a:t>47</a:t>
             </a:fld>
             <a:endParaRPr lang="en-US"/>
           </a:p>
@@ -7039,10 +11949,28 @@
             </a:r>
           </a:p>
           <a:p>
-            <a:r>
-              <a:rPr lang="en-US" dirty="0"/>
-              <a:t>them unmount</a:t>
-            </a:r>
+            <a:pPr marL="0" marR="0" lvl="0" indent="0" algn="l" defTabSz="914400" rtl="0" eaLnBrk="1" fontAlgn="auto" latinLnBrk="0" hangingPunct="1">
+              <a:lnSpc>
+                <a:spcPct val="100000"/>
+              </a:lnSpc>
+              <a:spcBef>
+                <a:spcPts val="0"/>
+              </a:spcBef>
+              <a:spcAft>
+                <a:spcPts val="0"/>
+              </a:spcAft>
+              <a:buClrTx/>
+              <a:buSzTx/>
+              <a:buFontTx/>
+              <a:buNone/>
+              <a:tabLst/>
+              <a:defRPr/>
+            </a:pPr>
+            <a:r>
+              <a:rPr lang="en-US"/>
+              <a:t>them unmount /dev/loop0</a:t>
+            </a:r>
+            <a:endParaRPr lang="en-US" dirty="0"/>
           </a:p>
           <a:p>
             <a:r>
@@ -7063,13 +11991,8 @@
             </a:r>
             <a:r>
               <a:rPr lang="en-US" dirty="0"/>
-              <a:t> if you have any </a:t>
-            </a:r>
-            <a:r>
-              <a:rPr lang="en-US" dirty="0" err="1"/>
-              <a:t>trobules</a:t>
-            </a:r>
-            <a:endParaRPr lang="en-US" dirty="0"/>
+              <a:t> if you have any troubles</a:t>
+            </a:r>
           </a:p>
         </p:txBody>
       </p:sp>
@@ -7090,7 +12013,7 @@
           <a:p>
             <a:fld id="{DDBF98C7-164A-4723-84F0-B1E4B080DDEC}" type="slidenum">
               <a:rPr lang="en-US" smtClean="0"/>
-              <a:t>21</a:t>
+              <a:t>22</a:t>
             </a:fld>
             <a:endParaRPr lang="en-US"/>
           </a:p>
@@ -7220,7 +12143,7 @@
           <a:p>
             <a:fld id="{DDBF98C7-164A-4723-84F0-B1E4B080DDEC}" type="slidenum">
               <a:rPr lang="en-US" smtClean="0"/>
-              <a:t>23</a:t>
+              <a:t>24</a:t>
             </a:fld>
             <a:endParaRPr lang="en-US"/>
           </a:p>
@@ -7304,7 +12227,7 @@
           <a:p>
             <a:fld id="{DDBF98C7-164A-4723-84F0-B1E4B080DDEC}" type="slidenum">
               <a:rPr lang="en-US" smtClean="0"/>
-              <a:t>28</a:t>
+              <a:t>29</a:t>
             </a:fld>
             <a:endParaRPr lang="en-US"/>
           </a:p>
@@ -7452,7 +12375,7 @@
           <a:p>
             <a:fld id="{4263717A-E3C1-4BED-ABE0-B7069385E023}" type="datetimeFigureOut">
               <a:rPr lang="en-US" smtClean="0"/>
-              <a:t>2/23/2022</a:t>
+              <a:t>9/6/2022</a:t>
             </a:fld>
             <a:endParaRPr lang="en-US"/>
           </a:p>
@@ -7625,7 +12548,7 @@
           <a:p>
             <a:fld id="{4263717A-E3C1-4BED-ABE0-B7069385E023}" type="datetimeFigureOut">
               <a:rPr lang="en-US" smtClean="0"/>
-              <a:t>2/23/2022</a:t>
+              <a:t>9/6/2022</a:t>
             </a:fld>
             <a:endParaRPr lang="en-US"/>
           </a:p>
@@ -7803,7 +12726,7 @@
           <a:p>
             <a:fld id="{4263717A-E3C1-4BED-ABE0-B7069385E023}" type="datetimeFigureOut">
               <a:rPr lang="en-US" smtClean="0"/>
-              <a:t>2/23/2022</a:t>
+              <a:t>9/6/2022</a:t>
             </a:fld>
             <a:endParaRPr lang="en-US"/>
           </a:p>
@@ -7971,7 +12894,7 @@
           <a:p>
             <a:fld id="{4263717A-E3C1-4BED-ABE0-B7069385E023}" type="datetimeFigureOut">
               <a:rPr lang="en-US" smtClean="0"/>
-              <a:t>2/23/2022</a:t>
+              <a:t>9/6/2022</a:t>
             </a:fld>
             <a:endParaRPr lang="en-US"/>
           </a:p>
@@ -8216,7 +13139,7 @@
           <a:p>
             <a:fld id="{4263717A-E3C1-4BED-ABE0-B7069385E023}" type="datetimeFigureOut">
               <a:rPr lang="en-US" smtClean="0"/>
-              <a:t>2/23/2022</a:t>
+              <a:t>9/6/2022</a:t>
             </a:fld>
             <a:endParaRPr lang="en-US"/>
           </a:p>
@@ -8445,7 +13368,7 @@
           <a:p>
             <a:fld id="{4263717A-E3C1-4BED-ABE0-B7069385E023}" type="datetimeFigureOut">
               <a:rPr lang="en-US" smtClean="0"/>
-              <a:t>2/23/2022</a:t>
+              <a:t>9/6/2022</a:t>
             </a:fld>
             <a:endParaRPr lang="en-US"/>
           </a:p>
@@ -8809,7 +13732,7 @@
           <a:p>
             <a:fld id="{4263717A-E3C1-4BED-ABE0-B7069385E023}" type="datetimeFigureOut">
               <a:rPr lang="en-US" smtClean="0"/>
-              <a:t>2/23/2022</a:t>
+              <a:t>9/6/2022</a:t>
             </a:fld>
             <a:endParaRPr lang="en-US"/>
           </a:p>
@@ -8926,7 +13849,7 @@
           <a:p>
             <a:fld id="{4263717A-E3C1-4BED-ABE0-B7069385E023}" type="datetimeFigureOut">
               <a:rPr lang="en-US" smtClean="0"/>
-              <a:t>2/23/2022</a:t>
+              <a:t>9/6/2022</a:t>
             </a:fld>
             <a:endParaRPr lang="en-US"/>
           </a:p>
@@ -9021,7 +13944,7 @@
           <a:p>
             <a:fld id="{4263717A-E3C1-4BED-ABE0-B7069385E023}" type="datetimeFigureOut">
               <a:rPr lang="en-US" smtClean="0"/>
-              <a:t>2/23/2022</a:t>
+              <a:t>9/6/2022</a:t>
             </a:fld>
             <a:endParaRPr lang="en-US"/>
           </a:p>
@@ -9296,7 +14219,7 @@
           <a:p>
             <a:fld id="{4263717A-E3C1-4BED-ABE0-B7069385E023}" type="datetimeFigureOut">
               <a:rPr lang="en-US" smtClean="0"/>
-              <a:t>2/23/2022</a:t>
+              <a:t>9/6/2022</a:t>
             </a:fld>
             <a:endParaRPr lang="en-US"/>
           </a:p>
@@ -9548,7 +14471,7 @@
           <a:p>
             <a:fld id="{4263717A-E3C1-4BED-ABE0-B7069385E023}" type="datetimeFigureOut">
               <a:rPr lang="en-US" smtClean="0"/>
-              <a:t>2/23/2022</a:t>
+              <a:t>9/6/2022</a:t>
             </a:fld>
             <a:endParaRPr lang="en-US"/>
           </a:p>
@@ -9759,7 +14682,7 @@
           <a:p>
             <a:fld id="{4263717A-E3C1-4BED-ABE0-B7069385E023}" type="datetimeFigureOut">
               <a:rPr lang="en-US" smtClean="0"/>
-              <a:t>2/23/2022</a:t>
+              <a:t>9/6/2022</a:t>
             </a:fld>
             <a:endParaRPr lang="en-US"/>
           </a:p>
@@ -12957,7 +17880,870 @@
           <a:p>
             <a:r>
               <a:rPr lang="en-US" dirty="0"/>
-              <a:t>4.2  How to access registry files? </a:t>
+              <a:t>4.2  How to access registry files in dd image ? the easiest way: </a:t>
+            </a:r>
+            <a:r>
+              <a:rPr lang="en-US" b="1" dirty="0"/>
+              <a:t>Mounting</a:t>
+            </a:r>
+            <a:endParaRPr lang="en-US" dirty="0"/>
+          </a:p>
+        </p:txBody>
+      </p:sp>
+      <p:graphicFrame>
+        <p:nvGraphicFramePr>
+          <p:cNvPr id="5" name="Diagram 4">
+            <a:extLst>
+              <a:ext uri="{FF2B5EF4-FFF2-40B4-BE49-F238E27FC236}">
+                <a16:creationId xmlns:a16="http://schemas.microsoft.com/office/drawing/2014/main" id="{A5E22A1C-6FAC-B873-95A2-00A0F6B56F36}"/>
+              </a:ext>
+            </a:extLst>
+          </p:cNvPr>
+          <p:cNvGraphicFramePr/>
+          <p:nvPr>
+            <p:extLst>
+              <p:ext uri="{D42A27DB-BD31-4B8C-83A1-F6EECF244321}">
+                <p14:modId xmlns:p14="http://schemas.microsoft.com/office/powerpoint/2010/main" val="3022557177"/>
+              </p:ext>
+            </p:extLst>
+          </p:nvPr>
+        </p:nvGraphicFramePr>
+        <p:xfrm>
+          <a:off x="838200" y="1628382"/>
+          <a:ext cx="6277429" cy="3794276"/>
+        </p:xfrm>
+        <a:graphic>
+          <a:graphicData uri="http://schemas.openxmlformats.org/drawingml/2006/diagram">
+            <dgm:relIds xmlns:dgm="http://schemas.openxmlformats.org/drawingml/2006/diagram" xmlns:r="http://schemas.openxmlformats.org/officeDocument/2006/relationships" r:dm="rId2" r:lo="rId3" r:qs="rId4" r:cs="rId5"/>
+          </a:graphicData>
+        </a:graphic>
+      </p:graphicFrame>
+      <p:pic>
+        <p:nvPicPr>
+          <p:cNvPr id="1028" name="Picture 4" descr="Hard drive Icons - Download 961 Free Hard drive icons here">
+            <a:extLst>
+              <a:ext uri="{FF2B5EF4-FFF2-40B4-BE49-F238E27FC236}">
+                <a16:creationId xmlns:a16="http://schemas.microsoft.com/office/drawing/2014/main" id="{37489F9B-5C45-2C16-F65F-C55F1FCA5944}"/>
+              </a:ext>
+            </a:extLst>
+          </p:cNvPr>
+          <p:cNvPicPr>
+            <a:picLocks noChangeAspect="1" noChangeArrowheads="1"/>
+          </p:cNvPicPr>
+          <p:nvPr/>
+        </p:nvPicPr>
+        <p:blipFill>
+          <a:blip r:embed="rId7">
+            <a:extLst>
+              <a:ext uri="{28A0092B-C50C-407E-A947-70E740481C1C}">
+                <a14:useLocalDpi xmlns:a14="http://schemas.microsoft.com/office/drawing/2010/main" val="0"/>
+              </a:ext>
+            </a:extLst>
+          </a:blip>
+          <a:srcRect/>
+          <a:stretch>
+            <a:fillRect/>
+          </a:stretch>
+        </p:blipFill>
+        <p:spPr bwMode="auto">
+          <a:xfrm>
+            <a:off x="8340952" y="4114800"/>
+            <a:ext cx="893762" cy="893762"/>
+          </a:xfrm>
+          <a:prstGeom prst="rect">
+            <a:avLst/>
+          </a:prstGeom>
+          <a:noFill/>
+          <a:extLst>
+            <a:ext uri="{909E8E84-426E-40DD-AFC4-6F175D3DCCD1}">
+              <a14:hiddenFill xmlns:a14="http://schemas.microsoft.com/office/drawing/2010/main">
+                <a:solidFill>
+                  <a:srgbClr val="FFFFFF"/>
+                </a:solidFill>
+              </a14:hiddenFill>
+            </a:ext>
+          </a:extLst>
+        </p:spPr>
+      </p:pic>
+      <p:sp>
+        <p:nvSpPr>
+          <p:cNvPr id="7" name="TextBox 6">
+            <a:extLst>
+              <a:ext uri="{FF2B5EF4-FFF2-40B4-BE49-F238E27FC236}">
+                <a16:creationId xmlns:a16="http://schemas.microsoft.com/office/drawing/2014/main" id="{73F2DA38-E864-BE77-7CD9-0895E559A083}"/>
+              </a:ext>
+            </a:extLst>
+          </p:cNvPr>
+          <p:cNvSpPr txBox="1"/>
+          <p:nvPr/>
+        </p:nvSpPr>
+        <p:spPr>
+          <a:xfrm>
+            <a:off x="10040692" y="5052130"/>
+            <a:ext cx="888448" cy="369332"/>
+          </a:xfrm>
+          <a:prstGeom prst="rect">
+            <a:avLst/>
+          </a:prstGeom>
+          <a:noFill/>
+        </p:spPr>
+        <p:txBody>
+          <a:bodyPr wrap="none" rtlCol="0">
+            <a:spAutoFit/>
+          </a:bodyPr>
+          <a:lstStyle/>
+          <a:p>
+            <a:r>
+              <a:rPr lang="en-US" dirty="0"/>
+              <a:t>.dd raw</a:t>
+            </a:r>
+          </a:p>
+        </p:txBody>
+      </p:sp>
+      <p:sp>
+        <p:nvSpPr>
+          <p:cNvPr id="8" name="Rectangle 7">
+            <a:extLst>
+              <a:ext uri="{FF2B5EF4-FFF2-40B4-BE49-F238E27FC236}">
+                <a16:creationId xmlns:a16="http://schemas.microsoft.com/office/drawing/2014/main" id="{93F94705-C3A8-B318-2E46-E7659ECA7A91}"/>
+              </a:ext>
+            </a:extLst>
+          </p:cNvPr>
+          <p:cNvSpPr/>
+          <p:nvPr/>
+        </p:nvSpPr>
+        <p:spPr>
+          <a:xfrm>
+            <a:off x="8062686" y="3926114"/>
+            <a:ext cx="2902857" cy="1610530"/>
+          </a:xfrm>
+          <a:prstGeom prst="rect">
+            <a:avLst/>
+          </a:prstGeom>
+          <a:noFill/>
+          <a:ln>
+            <a:solidFill>
+              <a:srgbClr val="FF0000"/>
+            </a:solidFill>
+          </a:ln>
+        </p:spPr>
+        <p:style>
+          <a:lnRef idx="2">
+            <a:schemeClr val="accent1">
+              <a:shade val="50000"/>
+            </a:schemeClr>
+          </a:lnRef>
+          <a:fillRef idx="1">
+            <a:schemeClr val="accent1"/>
+          </a:fillRef>
+          <a:effectRef idx="0">
+            <a:schemeClr val="accent1"/>
+          </a:effectRef>
+          <a:fontRef idx="minor">
+            <a:schemeClr val="lt1"/>
+          </a:fontRef>
+        </p:style>
+        <p:txBody>
+          <a:bodyPr rtlCol="0" anchor="ctr"/>
+          <a:lstStyle/>
+          <a:p>
+            <a:pPr algn="ctr"/>
+            <a:endParaRPr lang="en-US"/>
+          </a:p>
+        </p:txBody>
+      </p:sp>
+      <p:sp>
+        <p:nvSpPr>
+          <p:cNvPr id="11" name="TextBox 10">
+            <a:extLst>
+              <a:ext uri="{FF2B5EF4-FFF2-40B4-BE49-F238E27FC236}">
+                <a16:creationId xmlns:a16="http://schemas.microsoft.com/office/drawing/2014/main" id="{37F08710-90E0-38AD-090C-FADBD6698801}"/>
+              </a:ext>
+            </a:extLst>
+          </p:cNvPr>
+          <p:cNvSpPr txBox="1"/>
+          <p:nvPr/>
+        </p:nvSpPr>
+        <p:spPr>
+          <a:xfrm>
+            <a:off x="9216168" y="4114800"/>
+            <a:ext cx="910827" cy="369332"/>
+          </a:xfrm>
+          <a:prstGeom prst="rect">
+            <a:avLst/>
+          </a:prstGeom>
+          <a:noFill/>
+        </p:spPr>
+        <p:txBody>
+          <a:bodyPr wrap="none" rtlCol="0">
+            <a:spAutoFit/>
+          </a:bodyPr>
+          <a:lstStyle/>
+          <a:p>
+            <a:r>
+              <a:rPr lang="en-US" i="1" dirty="0" err="1">
+                <a:latin typeface="Abadi" panose="020B0604020104020204" pitchFamily="34" charset="0"/>
+              </a:rPr>
+              <a:t>losetup</a:t>
+            </a:r>
+            <a:endParaRPr lang="en-US" i="1" dirty="0">
+              <a:latin typeface="Abadi" panose="020B0604020104020204" pitchFamily="34" charset="0"/>
+            </a:endParaRPr>
+          </a:p>
+        </p:txBody>
+      </p:sp>
+      <p:sp>
+        <p:nvSpPr>
+          <p:cNvPr id="12" name="TextBox 11">
+            <a:extLst>
+              <a:ext uri="{FF2B5EF4-FFF2-40B4-BE49-F238E27FC236}">
+                <a16:creationId xmlns:a16="http://schemas.microsoft.com/office/drawing/2014/main" id="{04608064-DEC2-C8DB-555F-B0126824032F}"/>
+              </a:ext>
+            </a:extLst>
+          </p:cNvPr>
+          <p:cNvSpPr txBox="1"/>
+          <p:nvPr/>
+        </p:nvSpPr>
+        <p:spPr>
+          <a:xfrm>
+            <a:off x="8156666" y="5086111"/>
+            <a:ext cx="1262333" cy="369332"/>
+          </a:xfrm>
+          <a:prstGeom prst="rect">
+            <a:avLst/>
+          </a:prstGeom>
+          <a:noFill/>
+        </p:spPr>
+        <p:txBody>
+          <a:bodyPr wrap="none" rtlCol="0">
+            <a:spAutoFit/>
+          </a:bodyPr>
+          <a:lstStyle/>
+          <a:p>
+            <a:r>
+              <a:rPr lang="en-US" dirty="0"/>
+              <a:t>loop device</a:t>
+            </a:r>
+          </a:p>
+        </p:txBody>
+      </p:sp>
+      <p:sp>
+        <p:nvSpPr>
+          <p:cNvPr id="13" name="Arrow: Right 12">
+            <a:extLst>
+              <a:ext uri="{FF2B5EF4-FFF2-40B4-BE49-F238E27FC236}">
+                <a16:creationId xmlns:a16="http://schemas.microsoft.com/office/drawing/2014/main" id="{B93B2CF3-8134-512E-8CF5-847530325789}"/>
+              </a:ext>
+            </a:extLst>
+          </p:cNvPr>
+          <p:cNvSpPr/>
+          <p:nvPr/>
+        </p:nvSpPr>
+        <p:spPr>
+          <a:xfrm rot="10800000">
+            <a:off x="9347475" y="4537239"/>
+            <a:ext cx="482164" cy="152400"/>
+          </a:xfrm>
+          <a:prstGeom prst="rightArrow">
+            <a:avLst/>
+          </a:prstGeom>
+          <a:solidFill>
+            <a:srgbClr val="7030A0"/>
+          </a:solidFill>
+          <a:ln>
+            <a:solidFill>
+              <a:srgbClr val="7030A0"/>
+            </a:solidFill>
+          </a:ln>
+        </p:spPr>
+        <p:style>
+          <a:lnRef idx="2">
+            <a:schemeClr val="accent1">
+              <a:shade val="50000"/>
+            </a:schemeClr>
+          </a:lnRef>
+          <a:fillRef idx="1">
+            <a:schemeClr val="accent1"/>
+          </a:fillRef>
+          <a:effectRef idx="0">
+            <a:schemeClr val="accent1"/>
+          </a:effectRef>
+          <a:fontRef idx="minor">
+            <a:schemeClr val="lt1"/>
+          </a:fontRef>
+        </p:style>
+        <p:txBody>
+          <a:bodyPr rtlCol="0" anchor="ctr"/>
+          <a:lstStyle/>
+          <a:p>
+            <a:pPr algn="ctr"/>
+            <a:endParaRPr lang="en-US"/>
+          </a:p>
+        </p:txBody>
+      </p:sp>
+      <p:sp>
+        <p:nvSpPr>
+          <p:cNvPr id="14" name="TextBox 13">
+            <a:extLst>
+              <a:ext uri="{FF2B5EF4-FFF2-40B4-BE49-F238E27FC236}">
+                <a16:creationId xmlns:a16="http://schemas.microsoft.com/office/drawing/2014/main" id="{A3B4949B-FB08-85C0-6799-1085FDA4EE0B}"/>
+              </a:ext>
+            </a:extLst>
+          </p:cNvPr>
+          <p:cNvSpPr txBox="1"/>
+          <p:nvPr/>
+        </p:nvSpPr>
+        <p:spPr>
+          <a:xfrm>
+            <a:off x="8878138" y="3494139"/>
+            <a:ext cx="1271951" cy="369332"/>
+          </a:xfrm>
+          <a:prstGeom prst="rect">
+            <a:avLst/>
+          </a:prstGeom>
+          <a:noFill/>
+        </p:spPr>
+        <p:txBody>
+          <a:bodyPr wrap="none" rtlCol="0">
+            <a:spAutoFit/>
+          </a:bodyPr>
+          <a:lstStyle/>
+          <a:p>
+            <a:r>
+              <a:rPr lang="en-US" dirty="0"/>
+              <a:t>/dev/</a:t>
+            </a:r>
+            <a:r>
+              <a:rPr lang="en-US" dirty="0" err="1"/>
+              <a:t>loop</a:t>
+            </a:r>
+            <a:r>
+              <a:rPr lang="en-US" dirty="0" err="1">
+                <a:solidFill>
+                  <a:schemeClr val="accent2"/>
+                </a:solidFill>
+              </a:rPr>
+              <a:t>N</a:t>
+            </a:r>
+            <a:endParaRPr lang="en-US" dirty="0">
+              <a:solidFill>
+                <a:schemeClr val="accent2"/>
+              </a:solidFill>
+            </a:endParaRPr>
+          </a:p>
+        </p:txBody>
+      </p:sp>
+      <p:sp>
+        <p:nvSpPr>
+          <p:cNvPr id="26" name="Rectangle 25">
+            <a:extLst>
+              <a:ext uri="{FF2B5EF4-FFF2-40B4-BE49-F238E27FC236}">
+                <a16:creationId xmlns:a16="http://schemas.microsoft.com/office/drawing/2014/main" id="{B2B6B299-4BAE-2A09-000D-F541FD316F13}"/>
+              </a:ext>
+            </a:extLst>
+          </p:cNvPr>
+          <p:cNvSpPr/>
+          <p:nvPr/>
+        </p:nvSpPr>
+        <p:spPr>
+          <a:xfrm>
+            <a:off x="5875704" y="4003271"/>
+            <a:ext cx="1432240" cy="1005291"/>
+          </a:xfrm>
+          <a:prstGeom prst="rect">
+            <a:avLst/>
+          </a:prstGeom>
+          <a:noFill/>
+          <a:ln>
+            <a:solidFill>
+              <a:srgbClr val="FF0000"/>
+            </a:solidFill>
+          </a:ln>
+        </p:spPr>
+        <p:style>
+          <a:lnRef idx="2">
+            <a:schemeClr val="accent1">
+              <a:shade val="50000"/>
+            </a:schemeClr>
+          </a:lnRef>
+          <a:fillRef idx="1">
+            <a:schemeClr val="accent1"/>
+          </a:fillRef>
+          <a:effectRef idx="0">
+            <a:schemeClr val="accent1"/>
+          </a:effectRef>
+          <a:fontRef idx="minor">
+            <a:schemeClr val="lt1"/>
+          </a:fontRef>
+        </p:style>
+        <p:txBody>
+          <a:bodyPr rtlCol="0" anchor="ctr"/>
+          <a:lstStyle/>
+          <a:p>
+            <a:pPr algn="ctr"/>
+            <a:endParaRPr lang="en-US"/>
+          </a:p>
+        </p:txBody>
+      </p:sp>
+      <p:sp>
+        <p:nvSpPr>
+          <p:cNvPr id="16" name="Arrow: Up-Down 15">
+            <a:extLst>
+              <a:ext uri="{FF2B5EF4-FFF2-40B4-BE49-F238E27FC236}">
+                <a16:creationId xmlns:a16="http://schemas.microsoft.com/office/drawing/2014/main" id="{C1E394D1-425D-96C7-DFE1-6121F65C7A82}"/>
+              </a:ext>
+            </a:extLst>
+          </p:cNvPr>
+          <p:cNvSpPr/>
+          <p:nvPr/>
+        </p:nvSpPr>
+        <p:spPr>
+          <a:xfrm rot="16200000">
+            <a:off x="7554167" y="4206561"/>
+            <a:ext cx="225928" cy="639762"/>
+          </a:xfrm>
+          <a:prstGeom prst="upDownArrow">
+            <a:avLst/>
+          </a:prstGeom>
+          <a:solidFill>
+            <a:srgbClr val="7030A0"/>
+          </a:solidFill>
+          <a:ln>
+            <a:solidFill>
+              <a:srgbClr val="7030A0"/>
+            </a:solidFill>
+          </a:ln>
+        </p:spPr>
+        <p:style>
+          <a:lnRef idx="2">
+            <a:schemeClr val="accent1">
+              <a:shade val="50000"/>
+            </a:schemeClr>
+          </a:lnRef>
+          <a:fillRef idx="1">
+            <a:schemeClr val="accent1"/>
+          </a:fillRef>
+          <a:effectRef idx="0">
+            <a:schemeClr val="accent1"/>
+          </a:effectRef>
+          <a:fontRef idx="minor">
+            <a:schemeClr val="lt1"/>
+          </a:fontRef>
+        </p:style>
+        <p:txBody>
+          <a:bodyPr rtlCol="0" anchor="ctr"/>
+          <a:lstStyle/>
+          <a:p>
+            <a:pPr algn="ctr"/>
+            <a:endParaRPr lang="en-US"/>
+          </a:p>
+        </p:txBody>
+      </p:sp>
+      <p:sp>
+        <p:nvSpPr>
+          <p:cNvPr id="18" name="TextBox 17">
+            <a:extLst>
+              <a:ext uri="{FF2B5EF4-FFF2-40B4-BE49-F238E27FC236}">
+                <a16:creationId xmlns:a16="http://schemas.microsoft.com/office/drawing/2014/main" id="{83ACBE4C-14F9-EDC9-2EAC-5BC53A190BB3}"/>
+              </a:ext>
+            </a:extLst>
+          </p:cNvPr>
+          <p:cNvSpPr txBox="1"/>
+          <p:nvPr/>
+        </p:nvSpPr>
+        <p:spPr>
+          <a:xfrm>
+            <a:off x="7280653" y="4044145"/>
+            <a:ext cx="809324" cy="369332"/>
+          </a:xfrm>
+          <a:prstGeom prst="rect">
+            <a:avLst/>
+          </a:prstGeom>
+          <a:noFill/>
+        </p:spPr>
+        <p:txBody>
+          <a:bodyPr wrap="none" rtlCol="0">
+            <a:spAutoFit/>
+          </a:bodyPr>
+          <a:lstStyle/>
+          <a:p>
+            <a:r>
+              <a:rPr lang="en-US" i="1" dirty="0">
+                <a:latin typeface="Abadi" panose="020B0604020104020204" pitchFamily="34" charset="0"/>
+              </a:rPr>
+              <a:t>mount</a:t>
+            </a:r>
+          </a:p>
+        </p:txBody>
+      </p:sp>
+      <p:pic>
+        <p:nvPicPr>
+          <p:cNvPr id="1030" name="Picture 6" descr="BIN file format - Free interface icons">
+            <a:extLst>
+              <a:ext uri="{FF2B5EF4-FFF2-40B4-BE49-F238E27FC236}">
+                <a16:creationId xmlns:a16="http://schemas.microsoft.com/office/drawing/2014/main" id="{761C85A7-A6FD-E7B2-FA3F-45207AB7295C}"/>
+              </a:ext>
+            </a:extLst>
+          </p:cNvPr>
+          <p:cNvPicPr>
+            <a:picLocks noChangeAspect="1" noChangeArrowheads="1"/>
+          </p:cNvPicPr>
+          <p:nvPr/>
+        </p:nvPicPr>
+        <p:blipFill>
+          <a:blip r:embed="rId8">
+            <a:extLst>
+              <a:ext uri="{28A0092B-C50C-407E-A947-70E740481C1C}">
+                <a14:useLocalDpi xmlns:a14="http://schemas.microsoft.com/office/drawing/2010/main" val="0"/>
+              </a:ext>
+            </a:extLst>
+          </a:blip>
+          <a:srcRect/>
+          <a:stretch>
+            <a:fillRect/>
+          </a:stretch>
+        </p:blipFill>
+        <p:spPr bwMode="auto">
+          <a:xfrm>
+            <a:off x="10126995" y="4137529"/>
+            <a:ext cx="799420" cy="799420"/>
+          </a:xfrm>
+          <a:prstGeom prst="rect">
+            <a:avLst/>
+          </a:prstGeom>
+          <a:noFill/>
+          <a:extLst>
+            <a:ext uri="{909E8E84-426E-40DD-AFC4-6F175D3DCCD1}">
+              <a14:hiddenFill xmlns:a14="http://schemas.microsoft.com/office/drawing/2010/main">
+                <a:solidFill>
+                  <a:srgbClr val="FFFFFF"/>
+                </a:solidFill>
+              </a14:hiddenFill>
+            </a:ext>
+          </a:extLst>
+        </p:spPr>
+      </p:pic>
+      <p:cxnSp>
+        <p:nvCxnSpPr>
+          <p:cNvPr id="20" name="Straight Arrow Connector 19">
+            <a:extLst>
+              <a:ext uri="{FF2B5EF4-FFF2-40B4-BE49-F238E27FC236}">
+                <a16:creationId xmlns:a16="http://schemas.microsoft.com/office/drawing/2014/main" id="{238305D9-3E32-750B-81DA-EDECAE72C049}"/>
+              </a:ext>
+            </a:extLst>
+          </p:cNvPr>
+          <p:cNvCxnSpPr/>
+          <p:nvPr/>
+        </p:nvCxnSpPr>
+        <p:spPr>
+          <a:xfrm>
+            <a:off x="9441543" y="2569029"/>
+            <a:ext cx="0" cy="783771"/>
+          </a:xfrm>
+          <a:prstGeom prst="straightConnector1">
+            <a:avLst/>
+          </a:prstGeom>
+          <a:ln>
+            <a:tailEnd type="triangle"/>
+          </a:ln>
+        </p:spPr>
+        <p:style>
+          <a:lnRef idx="1">
+            <a:schemeClr val="accent2"/>
+          </a:lnRef>
+          <a:fillRef idx="0">
+            <a:schemeClr val="accent2"/>
+          </a:fillRef>
+          <a:effectRef idx="0">
+            <a:schemeClr val="accent2"/>
+          </a:effectRef>
+          <a:fontRef idx="minor">
+            <a:schemeClr val="tx1"/>
+          </a:fontRef>
+        </p:style>
+      </p:cxnSp>
+      <p:sp>
+        <p:nvSpPr>
+          <p:cNvPr id="21" name="TextBox 20">
+            <a:extLst>
+              <a:ext uri="{FF2B5EF4-FFF2-40B4-BE49-F238E27FC236}">
+                <a16:creationId xmlns:a16="http://schemas.microsoft.com/office/drawing/2014/main" id="{CE53996E-2EF5-345F-334F-C9810F2A657B}"/>
+              </a:ext>
+            </a:extLst>
+          </p:cNvPr>
+          <p:cNvSpPr txBox="1"/>
+          <p:nvPr/>
+        </p:nvSpPr>
+        <p:spPr>
+          <a:xfrm>
+            <a:off x="8265394" y="2072295"/>
+            <a:ext cx="2979085" cy="369332"/>
+          </a:xfrm>
+          <a:prstGeom prst="rect">
+            <a:avLst/>
+          </a:prstGeom>
+          <a:noFill/>
+        </p:spPr>
+        <p:txBody>
+          <a:bodyPr wrap="none" rtlCol="0">
+            <a:spAutoFit/>
+          </a:bodyPr>
+          <a:lstStyle/>
+          <a:p>
+            <a:r>
+              <a:rPr lang="en-US" b="1" dirty="0">
+                <a:solidFill>
+                  <a:srgbClr val="FF0000"/>
+                </a:solidFill>
+              </a:rPr>
+              <a:t>step 1: create a virtual device</a:t>
+            </a:r>
+          </a:p>
+        </p:txBody>
+      </p:sp>
+      <p:sp>
+        <p:nvSpPr>
+          <p:cNvPr id="34" name="TextBox 33">
+            <a:extLst>
+              <a:ext uri="{FF2B5EF4-FFF2-40B4-BE49-F238E27FC236}">
+                <a16:creationId xmlns:a16="http://schemas.microsoft.com/office/drawing/2014/main" id="{9FB48654-3827-FAFB-78C5-A17CDDE4CB67}"/>
+              </a:ext>
+            </a:extLst>
+          </p:cNvPr>
+          <p:cNvSpPr txBox="1"/>
+          <p:nvPr/>
+        </p:nvSpPr>
+        <p:spPr>
+          <a:xfrm>
+            <a:off x="6990501" y="2707427"/>
+            <a:ext cx="2144370" cy="646331"/>
+          </a:xfrm>
+          <a:prstGeom prst="rect">
+            <a:avLst/>
+          </a:prstGeom>
+          <a:noFill/>
+        </p:spPr>
+        <p:txBody>
+          <a:bodyPr wrap="none" rtlCol="0">
+            <a:spAutoFit/>
+          </a:bodyPr>
+          <a:lstStyle/>
+          <a:p>
+            <a:r>
+              <a:rPr lang="en-US" b="1" dirty="0">
+                <a:solidFill>
+                  <a:srgbClr val="FF0000"/>
+                </a:solidFill>
+              </a:rPr>
+              <a:t>step 3: attach device</a:t>
+            </a:r>
+          </a:p>
+          <a:p>
+            <a:r>
+              <a:rPr lang="en-US" b="1" dirty="0">
+                <a:solidFill>
+                  <a:srgbClr val="FF0000"/>
+                </a:solidFill>
+              </a:rPr>
+              <a:t> to the access point</a:t>
+            </a:r>
+          </a:p>
+        </p:txBody>
+      </p:sp>
+      <p:cxnSp>
+        <p:nvCxnSpPr>
+          <p:cNvPr id="35" name="Straight Arrow Connector 34">
+            <a:extLst>
+              <a:ext uri="{FF2B5EF4-FFF2-40B4-BE49-F238E27FC236}">
+                <a16:creationId xmlns:a16="http://schemas.microsoft.com/office/drawing/2014/main" id="{8F0AE091-7C47-0CD2-0AEE-80E5998F1373}"/>
+              </a:ext>
+            </a:extLst>
+          </p:cNvPr>
+          <p:cNvCxnSpPr/>
+          <p:nvPr/>
+        </p:nvCxnSpPr>
+        <p:spPr>
+          <a:xfrm>
+            <a:off x="7667131" y="3353758"/>
+            <a:ext cx="0" cy="783771"/>
+          </a:xfrm>
+          <a:prstGeom prst="straightConnector1">
+            <a:avLst/>
+          </a:prstGeom>
+          <a:ln>
+            <a:tailEnd type="triangle"/>
+          </a:ln>
+        </p:spPr>
+        <p:style>
+          <a:lnRef idx="1">
+            <a:schemeClr val="accent2"/>
+          </a:lnRef>
+          <a:fillRef idx="0">
+            <a:schemeClr val="accent2"/>
+          </a:fillRef>
+          <a:effectRef idx="0">
+            <a:schemeClr val="accent2"/>
+          </a:effectRef>
+          <a:fontRef idx="minor">
+            <a:schemeClr val="tx1"/>
+          </a:fontRef>
+        </p:style>
+      </p:cxnSp>
+      <p:sp>
+        <p:nvSpPr>
+          <p:cNvPr id="36" name="TextBox 35">
+            <a:extLst>
+              <a:ext uri="{FF2B5EF4-FFF2-40B4-BE49-F238E27FC236}">
+                <a16:creationId xmlns:a16="http://schemas.microsoft.com/office/drawing/2014/main" id="{69106214-8275-F460-2739-D40C4F979BA2}"/>
+              </a:ext>
+            </a:extLst>
+          </p:cNvPr>
+          <p:cNvSpPr txBox="1"/>
+          <p:nvPr/>
+        </p:nvSpPr>
+        <p:spPr>
+          <a:xfrm>
+            <a:off x="5460905" y="5516067"/>
+            <a:ext cx="2261838" cy="923330"/>
+          </a:xfrm>
+          <a:prstGeom prst="rect">
+            <a:avLst/>
+          </a:prstGeom>
+          <a:noFill/>
+        </p:spPr>
+        <p:txBody>
+          <a:bodyPr wrap="none" rtlCol="0">
+            <a:spAutoFit/>
+          </a:bodyPr>
+          <a:lstStyle/>
+          <a:p>
+            <a:r>
+              <a:rPr lang="en-US" b="1" dirty="0">
+                <a:solidFill>
+                  <a:srgbClr val="FF0000"/>
+                </a:solidFill>
+              </a:rPr>
+              <a:t>step 2: create a folder</a:t>
+            </a:r>
+          </a:p>
+          <a:p>
+            <a:r>
+              <a:rPr lang="en-US" b="1" dirty="0">
+                <a:solidFill>
+                  <a:srgbClr val="FF0000"/>
+                </a:solidFill>
+              </a:rPr>
+              <a:t> as an access point </a:t>
+            </a:r>
+          </a:p>
+          <a:p>
+            <a:r>
+              <a:rPr lang="en-US" b="1" dirty="0">
+                <a:solidFill>
+                  <a:srgbClr val="FF0000"/>
+                </a:solidFill>
+              </a:rPr>
+              <a:t>(to a device)</a:t>
+            </a:r>
+          </a:p>
+        </p:txBody>
+      </p:sp>
+      <p:cxnSp>
+        <p:nvCxnSpPr>
+          <p:cNvPr id="38" name="Straight Arrow Connector 37">
+            <a:extLst>
+              <a:ext uri="{FF2B5EF4-FFF2-40B4-BE49-F238E27FC236}">
+                <a16:creationId xmlns:a16="http://schemas.microsoft.com/office/drawing/2014/main" id="{D318DDD7-6D6B-73F7-C419-06105E06E289}"/>
+              </a:ext>
+            </a:extLst>
+          </p:cNvPr>
+          <p:cNvCxnSpPr>
+            <a:cxnSpLocks/>
+            <a:stCxn id="36" idx="0"/>
+          </p:cNvCxnSpPr>
+          <p:nvPr/>
+        </p:nvCxnSpPr>
+        <p:spPr>
+          <a:xfrm flipH="1" flipV="1">
+            <a:off x="6535624" y="4997389"/>
+            <a:ext cx="56200" cy="518678"/>
+          </a:xfrm>
+          <a:prstGeom prst="straightConnector1">
+            <a:avLst/>
+          </a:prstGeom>
+          <a:ln>
+            <a:tailEnd type="triangle"/>
+          </a:ln>
+        </p:spPr>
+        <p:style>
+          <a:lnRef idx="1">
+            <a:schemeClr val="accent2"/>
+          </a:lnRef>
+          <a:fillRef idx="0">
+            <a:schemeClr val="accent2"/>
+          </a:fillRef>
+          <a:effectRef idx="0">
+            <a:schemeClr val="accent2"/>
+          </a:effectRef>
+          <a:fontRef idx="minor">
+            <a:schemeClr val="tx1"/>
+          </a:fontRef>
+        </p:style>
+      </p:cxnSp>
+    </p:spTree>
+    <p:extLst>
+      <p:ext uri="{BB962C8B-B14F-4D97-AF65-F5344CB8AC3E}">
+        <p14:creationId xmlns:p14="http://schemas.microsoft.com/office/powerpoint/2010/main" val="292031743"/>
+      </p:ext>
+    </p:extLst>
+  </p:cSld>
+  <p:clrMapOvr>
+    <a:masterClrMapping/>
+  </p:clrMapOvr>
+</p:sld>
+</file>
+
+<file path=ppt/slides/slide21.xml><?xml version="1.0" encoding="utf-8"?>
+<p:sld xmlns:a="http://schemas.openxmlformats.org/drawingml/2006/main" xmlns:r="http://schemas.openxmlformats.org/officeDocument/2006/relationships" xmlns:p="http://schemas.openxmlformats.org/presentationml/2006/main">
+  <p:cSld>
+    <p:spTree>
+      <p:nvGrpSpPr>
+        <p:cNvPr id="1" name=""/>
+        <p:cNvGrpSpPr/>
+        <p:nvPr/>
+      </p:nvGrpSpPr>
+      <p:grpSpPr>
+        <a:xfrm>
+          <a:off x="0" y="0"/>
+          <a:ext cx="0" cy="0"/>
+          <a:chOff x="0" y="0"/>
+          <a:chExt cx="0" cy="0"/>
+        </a:xfrm>
+      </p:grpSpPr>
+      <p:sp>
+        <p:nvSpPr>
+          <p:cNvPr id="4" name="Title 3">
+            <a:extLst>
+              <a:ext uri="{FF2B5EF4-FFF2-40B4-BE49-F238E27FC236}">
+                <a16:creationId xmlns:a16="http://schemas.microsoft.com/office/drawing/2014/main" id="{21C5F391-BD46-454B-BA43-6035EF9BA067}"/>
+              </a:ext>
+            </a:extLst>
+          </p:cNvPr>
+          <p:cNvSpPr>
+            <a:spLocks noGrp="1"/>
+          </p:cNvSpPr>
+          <p:nvPr>
+            <p:ph type="title"/>
+          </p:nvPr>
+        </p:nvSpPr>
+        <p:spPr/>
+        <p:txBody>
+          <a:bodyPr/>
+          <a:lstStyle/>
+          <a:p>
+            <a:r>
+              <a:rPr lang="en-US" dirty="0"/>
+              <a:t>Technical view of </a:t>
             </a:r>
             <a:r>
               <a:rPr lang="en-US" b="1" dirty="0"/>
@@ -13534,7 +19320,7 @@
     </p:spTree>
     <p:extLst>
       <p:ext uri="{BB962C8B-B14F-4D97-AF65-F5344CB8AC3E}">
-        <p14:creationId xmlns:p14="http://schemas.microsoft.com/office/powerpoint/2010/main" val="292031743"/>
+        <p14:creationId xmlns:p14="http://schemas.microsoft.com/office/powerpoint/2010/main" val="2819070566"/>
       </p:ext>
     </p:extLst>
   </p:cSld>
@@ -13544,7 +19330,7 @@
 </p:sld>
 </file>
 
-<file path=ppt/slides/slide21.xml><?xml version="1.0" encoding="utf-8"?>
+<file path=ppt/slides/slide22.xml><?xml version="1.0" encoding="utf-8"?>
 <p:sld xmlns:a="http://schemas.openxmlformats.org/drawingml/2006/main" xmlns:r="http://schemas.openxmlformats.org/officeDocument/2006/relationships" xmlns:p="http://schemas.openxmlformats.org/presentationml/2006/main">
   <p:cSld>
     <p:spTree>
@@ -14028,7 +19814,7 @@
 </p:sld>
 </file>
 
-<file path=ppt/slides/slide22.xml><?xml version="1.0" encoding="utf-8"?>
+<file path=ppt/slides/slide23.xml><?xml version="1.0" encoding="utf-8"?>
 <p:sld xmlns:a="http://schemas.openxmlformats.org/drawingml/2006/main" xmlns:r="http://schemas.openxmlformats.org/officeDocument/2006/relationships" xmlns:p="http://schemas.openxmlformats.org/presentationml/2006/main">
   <p:cSld>
     <p:spTree>
@@ -14125,7 +19911,7 @@
 </p:sld>
 </file>
 
-<file path=ppt/slides/slide23.xml><?xml version="1.0" encoding="utf-8"?>
+<file path=ppt/slides/slide24.xml><?xml version="1.0" encoding="utf-8"?>
 <p:sld xmlns:a="http://schemas.openxmlformats.org/drawingml/2006/main" xmlns:r="http://schemas.openxmlformats.org/officeDocument/2006/relationships" xmlns:p="http://schemas.openxmlformats.org/presentationml/2006/main">
   <p:cSld>
     <p:spTree>
@@ -14466,7 +20252,7 @@
 </p:sld>
 </file>
 
-<file path=ppt/slides/slide24.xml><?xml version="1.0" encoding="utf-8"?>
+<file path=ppt/slides/slide25.xml><?xml version="1.0" encoding="utf-8"?>
 <p:sld xmlns:a="http://schemas.openxmlformats.org/drawingml/2006/main" xmlns:r="http://schemas.openxmlformats.org/officeDocument/2006/relationships" xmlns:p="http://schemas.openxmlformats.org/presentationml/2006/main">
   <p:cSld>
     <p:spTree>
@@ -14642,7 +20428,7 @@
 </p:sld>
 </file>
 
-<file path=ppt/slides/slide25.xml><?xml version="1.0" encoding="utf-8"?>
+<file path=ppt/slides/slide26.xml><?xml version="1.0" encoding="utf-8"?>
 <p:sld xmlns:a="http://schemas.openxmlformats.org/drawingml/2006/main" xmlns:r="http://schemas.openxmlformats.org/officeDocument/2006/relationships" xmlns:p="http://schemas.openxmlformats.org/presentationml/2006/main">
   <p:cSld>
     <p:spTree>
@@ -14806,7 +20592,7 @@
 </p:sld>
 </file>
 
-<file path=ppt/slides/slide26.xml><?xml version="1.0" encoding="utf-8"?>
+<file path=ppt/slides/slide27.xml><?xml version="1.0" encoding="utf-8"?>
 <p:sld xmlns:a="http://schemas.openxmlformats.org/drawingml/2006/main" xmlns:r="http://schemas.openxmlformats.org/officeDocument/2006/relationships" xmlns:p="http://schemas.openxmlformats.org/presentationml/2006/main">
   <p:cSld>
     <p:spTree>
@@ -15001,7 +20787,7 @@
 </p:sld>
 </file>
 
-<file path=ppt/slides/slide27.xml><?xml version="1.0" encoding="utf-8"?>
+<file path=ppt/slides/slide28.xml><?xml version="1.0" encoding="utf-8"?>
 <p:sld xmlns:a="http://schemas.openxmlformats.org/drawingml/2006/main" xmlns:r="http://schemas.openxmlformats.org/officeDocument/2006/relationships" xmlns:p="http://schemas.openxmlformats.org/presentationml/2006/main">
   <p:cSld>
     <p:spTree>
@@ -15084,7 +20870,7 @@
 </p:sld>
 </file>
 
-<file path=ppt/slides/slide28.xml><?xml version="1.0" encoding="utf-8"?>
+<file path=ppt/slides/slide29.xml><?xml version="1.0" encoding="utf-8"?>
 <p:sld xmlns:a="http://schemas.openxmlformats.org/drawingml/2006/main" xmlns:r="http://schemas.openxmlformats.org/officeDocument/2006/relationships" xmlns:p="http://schemas.openxmlformats.org/presentationml/2006/main">
   <p:cSld>
     <p:spTree>
@@ -15247,7 +21033,101 @@
 </p:sld>
 </file>
 
-<file path=ppt/slides/slide29.xml><?xml version="1.0" encoding="utf-8"?>
+<file path=ppt/slides/slide3.xml><?xml version="1.0" encoding="utf-8"?>
+<p:sld xmlns:a="http://schemas.openxmlformats.org/drawingml/2006/main" xmlns:r="http://schemas.openxmlformats.org/officeDocument/2006/relationships" xmlns:p="http://schemas.openxmlformats.org/presentationml/2006/main">
+  <p:cSld>
+    <p:spTree>
+      <p:nvGrpSpPr>
+        <p:cNvPr id="1" name=""/>
+        <p:cNvGrpSpPr/>
+        <p:nvPr/>
+      </p:nvGrpSpPr>
+      <p:grpSpPr>
+        <a:xfrm>
+          <a:off x="0" y="0"/>
+          <a:ext cx="0" cy="0"/>
+          <a:chOff x="0" y="0"/>
+          <a:chExt cx="0" cy="0"/>
+        </a:xfrm>
+      </p:grpSpPr>
+      <p:sp>
+        <p:nvSpPr>
+          <p:cNvPr id="6" name="Title 5"/>
+          <p:cNvSpPr>
+            <a:spLocks noGrp="1"/>
+          </p:cNvSpPr>
+          <p:nvPr>
+            <p:ph type="title"/>
+          </p:nvPr>
+        </p:nvSpPr>
+        <p:spPr/>
+        <p:txBody>
+          <a:bodyPr/>
+          <a:lstStyle/>
+          <a:p>
+            <a:pPr marL="1143000" indent="-1143000">
+              <a:buFont typeface="+mj-lt"/>
+              <a:buAutoNum type="arabicPeriod"/>
+            </a:pPr>
+            <a:r>
+              <a:rPr lang="en-US" dirty="0"/>
+              <a:t>Install </a:t>
+            </a:r>
+            <a:r>
+              <a:rPr lang="en-US" i="1" dirty="0">
+                <a:solidFill>
+                  <a:srgbClr val="007DB5"/>
+                </a:solidFill>
+                <a:latin typeface="+mn-lt"/>
+                <a:ea typeface="+mn-ea"/>
+                <a:cs typeface="+mn-cs"/>
+              </a:rPr>
+              <a:t>Kali</a:t>
+            </a:r>
+            <a:endParaRPr lang="en-US" sz="2800" i="1" dirty="0">
+              <a:solidFill>
+                <a:srgbClr val="007DB5"/>
+              </a:solidFill>
+              <a:latin typeface="+mn-lt"/>
+              <a:ea typeface="+mn-ea"/>
+              <a:cs typeface="+mn-cs"/>
+            </a:endParaRPr>
+          </a:p>
+        </p:txBody>
+      </p:sp>
+      <p:sp>
+        <p:nvSpPr>
+          <p:cNvPr id="7" name="Text Placeholder 6"/>
+          <p:cNvSpPr>
+            <a:spLocks noGrp="1"/>
+          </p:cNvSpPr>
+          <p:nvPr>
+            <p:ph type="body" idx="1"/>
+          </p:nvPr>
+        </p:nvSpPr>
+        <p:spPr/>
+        <p:txBody>
+          <a:bodyPr/>
+          <a:lstStyle/>
+          <a:p>
+            <a:endParaRPr lang="en-US"/>
+          </a:p>
+        </p:txBody>
+      </p:sp>
+    </p:spTree>
+    <p:extLst>
+      <p:ext uri="{BB962C8B-B14F-4D97-AF65-F5344CB8AC3E}">
+        <p14:creationId xmlns:p14="http://schemas.microsoft.com/office/powerpoint/2010/main" val="4174329430"/>
+      </p:ext>
+    </p:extLst>
+  </p:cSld>
+  <p:clrMapOvr>
+    <a:masterClrMapping/>
+  </p:clrMapOvr>
+</p:sld>
+</file>
+
+<file path=ppt/slides/slide30.xml><?xml version="1.0" encoding="utf-8"?>
 <p:sld xmlns:a="http://schemas.openxmlformats.org/drawingml/2006/main" xmlns:r="http://schemas.openxmlformats.org/officeDocument/2006/relationships" xmlns:p="http://schemas.openxmlformats.org/presentationml/2006/main">
   <p:cSld>
     <p:spTree>
@@ -15583,101 +21463,7 @@
 </p:sld>
 </file>
 
-<file path=ppt/slides/slide3.xml><?xml version="1.0" encoding="utf-8"?>
-<p:sld xmlns:a="http://schemas.openxmlformats.org/drawingml/2006/main" xmlns:r="http://schemas.openxmlformats.org/officeDocument/2006/relationships" xmlns:p="http://schemas.openxmlformats.org/presentationml/2006/main">
-  <p:cSld>
-    <p:spTree>
-      <p:nvGrpSpPr>
-        <p:cNvPr id="1" name=""/>
-        <p:cNvGrpSpPr/>
-        <p:nvPr/>
-      </p:nvGrpSpPr>
-      <p:grpSpPr>
-        <a:xfrm>
-          <a:off x="0" y="0"/>
-          <a:ext cx="0" cy="0"/>
-          <a:chOff x="0" y="0"/>
-          <a:chExt cx="0" cy="0"/>
-        </a:xfrm>
-      </p:grpSpPr>
-      <p:sp>
-        <p:nvSpPr>
-          <p:cNvPr id="6" name="Title 5"/>
-          <p:cNvSpPr>
-            <a:spLocks noGrp="1"/>
-          </p:cNvSpPr>
-          <p:nvPr>
-            <p:ph type="title"/>
-          </p:nvPr>
-        </p:nvSpPr>
-        <p:spPr/>
-        <p:txBody>
-          <a:bodyPr/>
-          <a:lstStyle/>
-          <a:p>
-            <a:pPr marL="1143000" indent="-1143000">
-              <a:buFont typeface="+mj-lt"/>
-              <a:buAutoNum type="arabicPeriod"/>
-            </a:pPr>
-            <a:r>
-              <a:rPr lang="en-US" dirty="0"/>
-              <a:t>Install </a:t>
-            </a:r>
-            <a:r>
-              <a:rPr lang="en-US" i="1" dirty="0">
-                <a:solidFill>
-                  <a:srgbClr val="007DB5"/>
-                </a:solidFill>
-                <a:latin typeface="+mn-lt"/>
-                <a:ea typeface="+mn-ea"/>
-                <a:cs typeface="+mn-cs"/>
-              </a:rPr>
-              <a:t>Kali</a:t>
-            </a:r>
-            <a:endParaRPr lang="en-US" sz="2800" i="1" dirty="0">
-              <a:solidFill>
-                <a:srgbClr val="007DB5"/>
-              </a:solidFill>
-              <a:latin typeface="+mn-lt"/>
-              <a:ea typeface="+mn-ea"/>
-              <a:cs typeface="+mn-cs"/>
-            </a:endParaRPr>
-          </a:p>
-        </p:txBody>
-      </p:sp>
-      <p:sp>
-        <p:nvSpPr>
-          <p:cNvPr id="7" name="Text Placeholder 6"/>
-          <p:cNvSpPr>
-            <a:spLocks noGrp="1"/>
-          </p:cNvSpPr>
-          <p:nvPr>
-            <p:ph type="body" idx="1"/>
-          </p:nvPr>
-        </p:nvSpPr>
-        <p:spPr/>
-        <p:txBody>
-          <a:bodyPr/>
-          <a:lstStyle/>
-          <a:p>
-            <a:endParaRPr lang="en-US"/>
-          </a:p>
-        </p:txBody>
-      </p:sp>
-    </p:spTree>
-    <p:extLst>
-      <p:ext uri="{BB962C8B-B14F-4D97-AF65-F5344CB8AC3E}">
-        <p14:creationId xmlns:p14="http://schemas.microsoft.com/office/powerpoint/2010/main" val="4174329430"/>
-      </p:ext>
-    </p:extLst>
-  </p:cSld>
-  <p:clrMapOvr>
-    <a:masterClrMapping/>
-  </p:clrMapOvr>
-</p:sld>
-</file>
-
-<file path=ppt/slides/slide30.xml><?xml version="1.0" encoding="utf-8"?>
+<file path=ppt/slides/slide31.xml><?xml version="1.0" encoding="utf-8"?>
 <p:sld xmlns:a="http://schemas.openxmlformats.org/drawingml/2006/main" xmlns:r="http://schemas.openxmlformats.org/officeDocument/2006/relationships" xmlns:p="http://schemas.openxmlformats.org/presentationml/2006/main">
   <p:cSld>
     <p:spTree>
@@ -15873,7 +21659,7 @@
 </p:sld>
 </file>
 
-<file path=ppt/slides/slide31.xml><?xml version="1.0" encoding="utf-8"?>
+<file path=ppt/slides/slide32.xml><?xml version="1.0" encoding="utf-8"?>
 <p:sld xmlns:a="http://schemas.openxmlformats.org/drawingml/2006/main" xmlns:r="http://schemas.openxmlformats.org/officeDocument/2006/relationships" xmlns:p="http://schemas.openxmlformats.org/presentationml/2006/main">
   <p:cSld>
     <p:spTree>
@@ -15961,81 +21747,6 @@
     <p:extLst>
       <p:ext uri="{BB962C8B-B14F-4D97-AF65-F5344CB8AC3E}">
         <p14:creationId xmlns:p14="http://schemas.microsoft.com/office/powerpoint/2010/main" val="3972099897"/>
-      </p:ext>
-    </p:extLst>
-  </p:cSld>
-  <p:clrMapOvr>
-    <a:masterClrMapping/>
-  </p:clrMapOvr>
-</p:sld>
-</file>
-
-<file path=ppt/slides/slide32.xml><?xml version="1.0" encoding="utf-8"?>
-<p:sld xmlns:a="http://schemas.openxmlformats.org/drawingml/2006/main" xmlns:r="http://schemas.openxmlformats.org/officeDocument/2006/relationships" xmlns:p="http://schemas.openxmlformats.org/presentationml/2006/main">
-  <p:cSld>
-    <p:spTree>
-      <p:nvGrpSpPr>
-        <p:cNvPr id="1" name=""/>
-        <p:cNvGrpSpPr/>
-        <p:nvPr/>
-      </p:nvGrpSpPr>
-      <p:grpSpPr>
-        <a:xfrm>
-          <a:off x="0" y="0"/>
-          <a:ext cx="0" cy="0"/>
-          <a:chOff x="0" y="0"/>
-          <a:chExt cx="0" cy="0"/>
-        </a:xfrm>
-      </p:grpSpPr>
-      <p:sp>
-        <p:nvSpPr>
-          <p:cNvPr id="2" name="Title 1"/>
-          <p:cNvSpPr>
-            <a:spLocks noGrp="1"/>
-          </p:cNvSpPr>
-          <p:nvPr>
-            <p:ph type="title"/>
-          </p:nvPr>
-        </p:nvSpPr>
-        <p:spPr/>
-        <p:txBody>
-          <a:bodyPr/>
-          <a:lstStyle/>
-          <a:p>
-            <a:pPr marL="1143000" indent="-1143000">
-              <a:buFont typeface="+mj-lt"/>
-              <a:buAutoNum type="arabicPeriod" startAt="6"/>
-            </a:pPr>
-            <a:r>
-              <a:rPr lang="en-US" dirty="0"/>
-              <a:t>Extract security event log files from the DD Image</a:t>
-            </a:r>
-          </a:p>
-        </p:txBody>
-      </p:sp>
-      <p:sp>
-        <p:nvSpPr>
-          <p:cNvPr id="3" name="Text Placeholder 2"/>
-          <p:cNvSpPr>
-            <a:spLocks noGrp="1"/>
-          </p:cNvSpPr>
-          <p:nvPr>
-            <p:ph type="body" idx="1"/>
-          </p:nvPr>
-        </p:nvSpPr>
-        <p:spPr/>
-        <p:txBody>
-          <a:bodyPr/>
-          <a:lstStyle/>
-          <a:p>
-            <a:endParaRPr lang="en-US"/>
-          </a:p>
-        </p:txBody>
-      </p:sp>
-    </p:spTree>
-    <p:extLst>
-      <p:ext uri="{BB962C8B-B14F-4D97-AF65-F5344CB8AC3E}">
-        <p14:creationId xmlns:p14="http://schemas.microsoft.com/office/powerpoint/2010/main" val="1818747297"/>
       </p:ext>
     </p:extLst>
   </p:cSld>
@@ -16077,6 +21788,81 @@
           <a:bodyPr/>
           <a:lstStyle/>
           <a:p>
+            <a:pPr marL="1143000" indent="-1143000">
+              <a:buFont typeface="+mj-lt"/>
+              <a:buAutoNum type="arabicPeriod" startAt="6"/>
+            </a:pPr>
+            <a:r>
+              <a:rPr lang="en-US" dirty="0"/>
+              <a:t>Extract security event log files from the DD Image</a:t>
+            </a:r>
+          </a:p>
+        </p:txBody>
+      </p:sp>
+      <p:sp>
+        <p:nvSpPr>
+          <p:cNvPr id="3" name="Text Placeholder 2"/>
+          <p:cNvSpPr>
+            <a:spLocks noGrp="1"/>
+          </p:cNvSpPr>
+          <p:nvPr>
+            <p:ph type="body" idx="1"/>
+          </p:nvPr>
+        </p:nvSpPr>
+        <p:spPr/>
+        <p:txBody>
+          <a:bodyPr/>
+          <a:lstStyle/>
+          <a:p>
+            <a:endParaRPr lang="en-US"/>
+          </a:p>
+        </p:txBody>
+      </p:sp>
+    </p:spTree>
+    <p:extLst>
+      <p:ext uri="{BB962C8B-B14F-4D97-AF65-F5344CB8AC3E}">
+        <p14:creationId xmlns:p14="http://schemas.microsoft.com/office/powerpoint/2010/main" val="1818747297"/>
+      </p:ext>
+    </p:extLst>
+  </p:cSld>
+  <p:clrMapOvr>
+    <a:masterClrMapping/>
+  </p:clrMapOvr>
+</p:sld>
+</file>
+
+<file path=ppt/slides/slide34.xml><?xml version="1.0" encoding="utf-8"?>
+<p:sld xmlns:a="http://schemas.openxmlformats.org/drawingml/2006/main" xmlns:r="http://schemas.openxmlformats.org/officeDocument/2006/relationships" xmlns:p="http://schemas.openxmlformats.org/presentationml/2006/main">
+  <p:cSld>
+    <p:spTree>
+      <p:nvGrpSpPr>
+        <p:cNvPr id="1" name=""/>
+        <p:cNvGrpSpPr/>
+        <p:nvPr/>
+      </p:nvGrpSpPr>
+      <p:grpSpPr>
+        <a:xfrm>
+          <a:off x="0" y="0"/>
+          <a:ext cx="0" cy="0"/>
+          <a:chOff x="0" y="0"/>
+          <a:chExt cx="0" cy="0"/>
+        </a:xfrm>
+      </p:grpSpPr>
+      <p:sp>
+        <p:nvSpPr>
+          <p:cNvPr id="2" name="Title 1"/>
+          <p:cNvSpPr>
+            <a:spLocks noGrp="1"/>
+          </p:cNvSpPr>
+          <p:nvPr>
+            <p:ph type="title"/>
+          </p:nvPr>
+        </p:nvSpPr>
+        <p:spPr/>
+        <p:txBody>
+          <a:bodyPr/>
+          <a:lstStyle/>
+          <a:p>
             <a:r>
               <a:rPr lang="en-US" dirty="0"/>
               <a:t>Event log files overview</a:t>
@@ -16192,7 +21978,7 @@
 </p:sld>
 </file>
 
-<file path=ppt/slides/slide34.xml><?xml version="1.0" encoding="utf-8"?>
+<file path=ppt/slides/slide35.xml><?xml version="1.0" encoding="utf-8"?>
 <p:sld xmlns:a="http://schemas.openxmlformats.org/drawingml/2006/main" xmlns:r="http://schemas.openxmlformats.org/officeDocument/2006/relationships" xmlns:p="http://schemas.openxmlformats.org/presentationml/2006/main">
   <p:cSld>
     <p:spTree>
@@ -16398,7 +22184,7 @@
 </p:sld>
 </file>
 
-<file path=ppt/slides/slide35.xml><?xml version="1.0" encoding="utf-8"?>
+<file path=ppt/slides/slide36.xml><?xml version="1.0" encoding="utf-8"?>
 <p:sld xmlns:a="http://schemas.openxmlformats.org/drawingml/2006/main" xmlns:r="http://schemas.openxmlformats.org/officeDocument/2006/relationships" xmlns:p="http://schemas.openxmlformats.org/presentationml/2006/main">
   <p:cSld>
     <p:spTree>
@@ -16507,7 +22293,7 @@
 </p:sld>
 </file>
 
-<file path=ppt/slides/slide36.xml><?xml version="1.0" encoding="utf-8"?>
+<file path=ppt/slides/slide37.xml><?xml version="1.0" encoding="utf-8"?>
 <p:sld xmlns:a="http://schemas.openxmlformats.org/drawingml/2006/main" xmlns:r="http://schemas.openxmlformats.org/officeDocument/2006/relationships" xmlns:p="http://schemas.openxmlformats.org/presentationml/2006/main">
   <p:cSld>
     <p:spTree>
@@ -16603,7 +22389,7 @@
 </p:sld>
 </file>
 
-<file path=ppt/slides/slide37.xml><?xml version="1.0" encoding="utf-8"?>
+<file path=ppt/slides/slide38.xml><?xml version="1.0" encoding="utf-8"?>
 <p:sld xmlns:a="http://schemas.openxmlformats.org/drawingml/2006/main" xmlns:r="http://schemas.openxmlformats.org/officeDocument/2006/relationships" xmlns:p="http://schemas.openxmlformats.org/presentationml/2006/main">
   <p:cSld>
     <p:spTree>
@@ -16687,7 +22473,7 @@
 </p:sld>
 </file>
 
-<file path=ppt/slides/slide38.xml><?xml version="1.0" encoding="utf-8"?>
+<file path=ppt/slides/slide39.xml><?xml version="1.0" encoding="utf-8"?>
 <p:sld xmlns:a="http://schemas.openxmlformats.org/drawingml/2006/main" xmlns:r="http://schemas.openxmlformats.org/officeDocument/2006/relationships" xmlns:p="http://schemas.openxmlformats.org/presentationml/2006/main">
   <p:cSld>
     <p:spTree>
@@ -16784,7 +22570,90 @@
 </p:sld>
 </file>
 
-<file path=ppt/slides/slide39.xml><?xml version="1.0" encoding="utf-8"?>
+<file path=ppt/slides/slide4.xml><?xml version="1.0" encoding="utf-8"?>
+<p:sld xmlns:a="http://schemas.openxmlformats.org/drawingml/2006/main" xmlns:r="http://schemas.openxmlformats.org/officeDocument/2006/relationships" xmlns:p="http://schemas.openxmlformats.org/presentationml/2006/main">
+  <p:cSld>
+    <p:spTree>
+      <p:nvGrpSpPr>
+        <p:cNvPr id="1" name=""/>
+        <p:cNvGrpSpPr/>
+        <p:nvPr/>
+      </p:nvGrpSpPr>
+      <p:grpSpPr>
+        <a:xfrm>
+          <a:off x="0" y="0"/>
+          <a:ext cx="0" cy="0"/>
+          <a:chOff x="0" y="0"/>
+          <a:chExt cx="0" cy="0"/>
+        </a:xfrm>
+      </p:grpSpPr>
+      <p:sp>
+        <p:nvSpPr>
+          <p:cNvPr id="4" name="Title 3"/>
+          <p:cNvSpPr>
+            <a:spLocks noGrp="1"/>
+          </p:cNvSpPr>
+          <p:nvPr>
+            <p:ph type="title"/>
+          </p:nvPr>
+        </p:nvSpPr>
+        <p:spPr/>
+        <p:txBody>
+          <a:bodyPr/>
+          <a:lstStyle/>
+          <a:p>
+            <a:r>
+              <a:rPr lang="en-US" dirty="0"/>
+              <a:t>Download and installation instructions</a:t>
+            </a:r>
+          </a:p>
+        </p:txBody>
+      </p:sp>
+      <p:sp>
+        <p:nvSpPr>
+          <p:cNvPr id="5" name="Content Placeholder 4"/>
+          <p:cNvSpPr>
+            <a:spLocks noGrp="1"/>
+          </p:cNvSpPr>
+          <p:nvPr>
+            <p:ph idx="1"/>
+          </p:nvPr>
+        </p:nvSpPr>
+        <p:spPr/>
+        <p:txBody>
+          <a:bodyPr/>
+          <a:lstStyle/>
+          <a:p>
+            <a:r>
+              <a:rPr lang="en-US" dirty="0">
+                <a:hlinkClick r:id="rId2"/>
+              </a:rPr>
+              <a:t>https://github.com/frankwxu/digital-forensics-lab</a:t>
+            </a:r>
+            <a:endParaRPr lang="en-US" dirty="0"/>
+          </a:p>
+          <a:p>
+            <a:r>
+              <a:rPr lang="en-US" dirty="0"/>
+              <a:t>Read Tool installation section</a:t>
+            </a:r>
+          </a:p>
+        </p:txBody>
+      </p:sp>
+    </p:spTree>
+    <p:extLst>
+      <p:ext uri="{BB962C8B-B14F-4D97-AF65-F5344CB8AC3E}">
+        <p14:creationId xmlns:p14="http://schemas.microsoft.com/office/powerpoint/2010/main" val="962324757"/>
+      </p:ext>
+    </p:extLst>
+  </p:cSld>
+  <p:clrMapOvr>
+    <a:masterClrMapping/>
+  </p:clrMapOvr>
+</p:sld>
+</file>
+
+<file path=ppt/slides/slide40.xml><?xml version="1.0" encoding="utf-8"?>
 <p:sld xmlns:a="http://schemas.openxmlformats.org/drawingml/2006/main" xmlns:r="http://schemas.openxmlformats.org/officeDocument/2006/relationships" xmlns:p="http://schemas.openxmlformats.org/presentationml/2006/main">
   <p:cSld>
     <p:spTree>
@@ -16891,7 +22760,7 @@
 </p:sld>
 </file>
 
-<file path=ppt/slides/slide4.xml><?xml version="1.0" encoding="utf-8"?>
+<file path=ppt/slides/slide41.xml><?xml version="1.0" encoding="utf-8"?>
 <p:sld xmlns:a="http://schemas.openxmlformats.org/drawingml/2006/main" xmlns:r="http://schemas.openxmlformats.org/officeDocument/2006/relationships" xmlns:p="http://schemas.openxmlformats.org/presentationml/2006/main">
   <p:cSld>
     <p:spTree>
@@ -16925,7 +22794,27 @@
           <a:p>
             <a:r>
               <a:rPr lang="en-US" dirty="0"/>
-              <a:t>Download and installation instructions</a:t>
+              <a:t>7.2 Install </a:t>
+            </a:r>
+            <a:r>
+              <a:rPr lang="en-US" i="1" dirty="0" err="1">
+                <a:solidFill>
+                  <a:srgbClr val="007DB5"/>
+                </a:solidFill>
+              </a:rPr>
+              <a:t>RegRipper</a:t>
+            </a:r>
+            <a:r>
+              <a:rPr lang="en-US" dirty="0">
+                <a:solidFill>
+                  <a:srgbClr val="007DB5"/>
+                </a:solidFill>
+              </a:rPr>
+              <a:t> </a:t>
+            </a:r>
+            <a:r>
+              <a:rPr lang="en-US" dirty="0"/>
+              <a:t>3.0</a:t>
             </a:r>
           </a:p>
         </p:txBody>
@@ -16946,109 +22835,6 @@
           <a:lstStyle/>
           <a:p>
             <a:r>
-              <a:rPr lang="en-US" dirty="0">
-                <a:hlinkClick r:id="rId2"/>
-              </a:rPr>
-              <a:t>https://github.com/frankwxu/digital-forensics-lab</a:t>
-            </a:r>
-            <a:endParaRPr lang="en-US" dirty="0"/>
-          </a:p>
-          <a:p>
-            <a:r>
-              <a:rPr lang="en-US" dirty="0"/>
-              <a:t>Read Tool installation section</a:t>
-            </a:r>
-          </a:p>
-        </p:txBody>
-      </p:sp>
-    </p:spTree>
-    <p:extLst>
-      <p:ext uri="{BB962C8B-B14F-4D97-AF65-F5344CB8AC3E}">
-        <p14:creationId xmlns:p14="http://schemas.microsoft.com/office/powerpoint/2010/main" val="962324757"/>
-      </p:ext>
-    </p:extLst>
-  </p:cSld>
-  <p:clrMapOvr>
-    <a:masterClrMapping/>
-  </p:clrMapOvr>
-</p:sld>
-</file>
-
-<file path=ppt/slides/slide40.xml><?xml version="1.0" encoding="utf-8"?>
-<p:sld xmlns:a="http://schemas.openxmlformats.org/drawingml/2006/main" xmlns:r="http://schemas.openxmlformats.org/officeDocument/2006/relationships" xmlns:p="http://schemas.openxmlformats.org/presentationml/2006/main">
-  <p:cSld>
-    <p:spTree>
-      <p:nvGrpSpPr>
-        <p:cNvPr id="1" name=""/>
-        <p:cNvGrpSpPr/>
-        <p:nvPr/>
-      </p:nvGrpSpPr>
-      <p:grpSpPr>
-        <a:xfrm>
-          <a:off x="0" y="0"/>
-          <a:ext cx="0" cy="0"/>
-          <a:chOff x="0" y="0"/>
-          <a:chExt cx="0" cy="0"/>
-        </a:xfrm>
-      </p:grpSpPr>
-      <p:sp>
-        <p:nvSpPr>
-          <p:cNvPr id="4" name="Title 3"/>
-          <p:cNvSpPr>
-            <a:spLocks noGrp="1"/>
-          </p:cNvSpPr>
-          <p:nvPr>
-            <p:ph type="title"/>
-          </p:nvPr>
-        </p:nvSpPr>
-        <p:spPr/>
-        <p:txBody>
-          <a:bodyPr/>
-          <a:lstStyle/>
-          <a:p>
-            <a:r>
-              <a:rPr lang="en-US" dirty="0"/>
-              <a:t>7.2 Install </a:t>
-            </a:r>
-            <a:r>
-              <a:rPr lang="en-US" i="1" dirty="0" err="1">
-                <a:solidFill>
-                  <a:srgbClr val="007DB5"/>
-                </a:solidFill>
-              </a:rPr>
-              <a:t>RegRipper</a:t>
-            </a:r>
-            <a:r>
-              <a:rPr lang="en-US" dirty="0">
-                <a:solidFill>
-                  <a:srgbClr val="007DB5"/>
-                </a:solidFill>
-              </a:rPr>
-              <a:t> </a:t>
-            </a:r>
-            <a:r>
-              <a:rPr lang="en-US" dirty="0"/>
-              <a:t>3.0</a:t>
-            </a:r>
-          </a:p>
-        </p:txBody>
-      </p:sp>
-      <p:sp>
-        <p:nvSpPr>
-          <p:cNvPr id="5" name="Content Placeholder 4"/>
-          <p:cNvSpPr>
-            <a:spLocks noGrp="1"/>
-          </p:cNvSpPr>
-          <p:nvPr>
-            <p:ph idx="1"/>
-          </p:nvPr>
-        </p:nvSpPr>
-        <p:spPr/>
-        <p:txBody>
-          <a:bodyPr/>
-          <a:lstStyle/>
-          <a:p>
-            <a:r>
               <a:rPr lang="en-US" i="1" dirty="0" err="1">
                 <a:solidFill>
                   <a:srgbClr val="007DB5"/>
@@ -17125,7 +22911,7 @@
 </p:sld>
 </file>
 
-<file path=ppt/slides/slide41.xml><?xml version="1.0" encoding="utf-8"?>
+<file path=ppt/slides/slide42.xml><?xml version="1.0" encoding="utf-8"?>
 <p:sld xmlns:a="http://schemas.openxmlformats.org/drawingml/2006/main" xmlns:r="http://schemas.openxmlformats.org/officeDocument/2006/relationships" xmlns:p="http://schemas.openxmlformats.org/presentationml/2006/main">
   <p:cSld>
     <p:spTree>
@@ -17429,7 +23215,7 @@
 </p:sld>
 </file>
 
-<file path=ppt/slides/slide42.xml><?xml version="1.0" encoding="utf-8"?>
+<file path=ppt/slides/slide43.xml><?xml version="1.0" encoding="utf-8"?>
 <p:sld xmlns:a="http://schemas.openxmlformats.org/drawingml/2006/main" xmlns:r="http://schemas.openxmlformats.org/officeDocument/2006/relationships" xmlns:p="http://schemas.openxmlformats.org/presentationml/2006/main">
   <p:cSld>
     <p:spTree>
@@ -17599,7 +23385,7 @@
 </p:sld>
 </file>
 
-<file path=ppt/slides/slide43.xml><?xml version="1.0" encoding="utf-8"?>
+<file path=ppt/slides/slide44.xml><?xml version="1.0" encoding="utf-8"?>
 <p:sld xmlns:a="http://schemas.openxmlformats.org/drawingml/2006/main" xmlns:r="http://schemas.openxmlformats.org/officeDocument/2006/relationships" xmlns:p="http://schemas.openxmlformats.org/presentationml/2006/main">
   <p:cSld>
     <p:spTree>
@@ -17834,7 +23620,7 @@
 </p:sld>
 </file>
 
-<file path=ppt/slides/slide44.xml><?xml version="1.0" encoding="utf-8"?>
+<file path=ppt/slides/slide45.xml><?xml version="1.0" encoding="utf-8"?>
 <p:sld xmlns:a="http://schemas.openxmlformats.org/drawingml/2006/main" xmlns:r="http://schemas.openxmlformats.org/officeDocument/2006/relationships" xmlns:p="http://schemas.openxmlformats.org/presentationml/2006/main">
   <p:cSld>
     <p:spTree>
@@ -17939,7 +23725,7 @@
 </p:sld>
 </file>
 
-<file path=ppt/slides/slide45.xml><?xml version="1.0" encoding="utf-8"?>
+<file path=ppt/slides/slide46.xml><?xml version="1.0" encoding="utf-8"?>
 <p:sld xmlns:a="http://schemas.openxmlformats.org/drawingml/2006/main" xmlns:r="http://schemas.openxmlformats.org/officeDocument/2006/relationships" xmlns:p="http://schemas.openxmlformats.org/presentationml/2006/main">
   <p:cSld>
     <p:spTree>
@@ -18067,7 +23853,7 @@
 </p:sld>
 </file>
 
-<file path=ppt/slides/slide46.xml><?xml version="1.0" encoding="utf-8"?>
+<file path=ppt/slides/slide47.xml><?xml version="1.0" encoding="utf-8"?>
 <p:sld xmlns:a="http://schemas.openxmlformats.org/drawingml/2006/main" xmlns:r="http://schemas.openxmlformats.org/officeDocument/2006/relationships" xmlns:p="http://schemas.openxmlformats.org/presentationml/2006/main">
   <p:cSld>
     <p:spTree>
@@ -18357,30 +24143,6 @@
           <a:chExt cx="0" cy="0"/>
         </a:xfrm>
       </p:grpSpPr>
-      <p:pic>
-        <p:nvPicPr>
-          <p:cNvPr id="3" name="Picture 2"/>
-          <p:cNvPicPr>
-            <a:picLocks noChangeAspect="1"/>
-          </p:cNvPicPr>
-          <p:nvPr/>
-        </p:nvPicPr>
-        <p:blipFill>
-          <a:blip r:embed="rId3"/>
-          <a:stretch>
-            <a:fillRect/>
-          </a:stretch>
-        </p:blipFill>
-        <p:spPr>
-          <a:xfrm>
-            <a:off x="744143" y="2051639"/>
-            <a:ext cx="10815253" cy="696357"/>
-          </a:xfrm>
-          <a:prstGeom prst="rect">
-            <a:avLst/>
-          </a:prstGeom>
-        </p:spPr>
-      </p:pic>
       <p:sp>
         <p:nvSpPr>
           <p:cNvPr id="4" name="TextBox 3"/>
@@ -18452,7 +24214,7 @@
           <p:nvPr/>
         </p:nvPicPr>
         <p:blipFill>
-          <a:blip r:embed="rId4"/>
+          <a:blip r:embed="rId3"/>
           <a:stretch>
             <a:fillRect/>
           </a:stretch>
@@ -18519,15 +24281,33 @@
           <a:p>
             <a:r>
               <a:rPr lang="en-US" dirty="0"/>
-              <a:t>Please use the </a:t>
-            </a:r>
-            <a:r>
-              <a:rPr lang="en-US"/>
-              <a:t>updated links </a:t>
+              <a:t>Repeat </a:t>
+            </a:r>
+            <a:r>
+              <a:rPr lang="en-US" dirty="0" err="1">
+                <a:latin typeface="Britannic Bold" panose="020B0903060703020204" pitchFamily="34" charset="0"/>
+              </a:rPr>
+              <a:t>wget</a:t>
             </a:r>
             <a:r>
               <a:rPr lang="en-US" dirty="0"/>
-              <a:t>as NIST changed their link</a:t>
+              <a:t> command to download </a:t>
+            </a:r>
+            <a:r>
+              <a:rPr lang="en-US" dirty="0">
+                <a:latin typeface="Britannic Bold" panose="020B0903060703020204" pitchFamily="34" charset="0"/>
+              </a:rPr>
+              <a:t>.002 </a:t>
+            </a:r>
+            <a:r>
+              <a:rPr lang="en-US" dirty="0"/>
+              <a:t>and </a:t>
+            </a:r>
+            <a:r>
+              <a:rPr lang="en-US" dirty="0">
+                <a:latin typeface="Britannic Bold" panose="020B0903060703020204" pitchFamily="34" charset="0"/>
+              </a:rPr>
+              <a:t>.003</a:t>
             </a:r>
           </a:p>
           <a:p>
@@ -18607,6 +24387,35 @@
           </a:fontRef>
         </p:style>
       </p:cxnSp>
+      <p:pic>
+        <p:nvPicPr>
+          <p:cNvPr id="8" name="Picture 7">
+            <a:extLst>
+              <a:ext uri="{FF2B5EF4-FFF2-40B4-BE49-F238E27FC236}">
+                <a16:creationId xmlns:a16="http://schemas.microsoft.com/office/drawing/2014/main" id="{A58968C7-37FC-E4BA-BBD6-8E462CFE8651}"/>
+              </a:ext>
+            </a:extLst>
+          </p:cNvPr>
+          <p:cNvPicPr>
+            <a:picLocks noChangeAspect="1"/>
+          </p:cNvPicPr>
+          <p:nvPr/>
+        </p:nvPicPr>
+        <p:blipFill rotWithShape="1">
+          <a:blip r:embed="rId4"/>
+          <a:srcRect r="11831"/>
+          <a:stretch/>
+        </p:blipFill>
+        <p:spPr>
+          <a:xfrm>
+            <a:off x="744141" y="2050283"/>
+            <a:ext cx="9879885" cy="906332"/>
+          </a:xfrm>
+          <a:prstGeom prst="rect">
+            <a:avLst/>
+          </a:prstGeom>
+        </p:spPr>
+      </p:pic>
     </p:spTree>
     <p:extLst>
       <p:ext uri="{BB962C8B-B14F-4D97-AF65-F5344CB8AC3E}">
@@ -18809,16 +24618,15 @@
           </p:cNvPicPr>
           <p:nvPr/>
         </p:nvPicPr>
-        <p:blipFill>
+        <p:blipFill rotWithShape="1">
           <a:blip r:embed="rId5"/>
-          <a:stretch>
-            <a:fillRect/>
-          </a:stretch>
+          <a:srcRect t="28643"/>
+          <a:stretch/>
         </p:blipFill>
         <p:spPr>
           <a:xfrm>
-            <a:off x="1292257" y="5198169"/>
-            <a:ext cx="8146735" cy="870122"/>
+            <a:off x="1292257" y="5209412"/>
+            <a:ext cx="8146735" cy="620895"/>
           </a:xfrm>
           <a:prstGeom prst="rect">
             <a:avLst/>

--- a/NIST_Data_Leakage_Case/NIST_Data_Leakage_00_Env_Setting.pptx
+++ b/NIST_Data_Leakage_Case/NIST_Data_Leakage_00_Env_Setting.pptx
@@ -5,7 +5,7 @@
     <p:sldMasterId id="2147483648" r:id="rId1"/>
   </p:sldMasterIdLst>
   <p:notesMasterIdLst>
-    <p:notesMasterId r:id="rId49"/>
+    <p:notesMasterId r:id="rId50"/>
   </p:notesMasterIdLst>
   <p:sldIdLst>
     <p:sldId id="256" r:id="rId2"/>
@@ -53,8 +53,9 @@
     <p:sldId id="276" r:id="rId44"/>
     <p:sldId id="312" r:id="rId45"/>
     <p:sldId id="325" r:id="rId46"/>
-    <p:sldId id="316" r:id="rId47"/>
-    <p:sldId id="317" r:id="rId48"/>
+    <p:sldId id="327" r:id="rId47"/>
+    <p:sldId id="316" r:id="rId48"/>
+    <p:sldId id="317" r:id="rId49"/>
   </p:sldIdLst>
   <p:sldSz cx="12192000" cy="6858000"/>
   <p:notesSz cx="6858000" cy="9144000"/>
@@ -164,7 +165,7 @@
 <file path=ppt/revisionInfo.xml><?xml version="1.0" encoding="utf-8"?>
 <p1510:revInfo xmlns:a="http://schemas.openxmlformats.org/drawingml/2006/main" xmlns:r="http://schemas.openxmlformats.org/officeDocument/2006/relationships" xmlns:p1510="http://schemas.microsoft.com/office/powerpoint/2015/10/main">
   <p1510:revLst>
-    <p1510:client id="{FC29E0CB-EC29-4F0E-A782-58C19F5D3434}" v="106" dt="2022-05-09T00:16:24.392"/>
+    <p1510:client id="{FC29E0CB-EC29-4F0E-A782-58C19F5D3434}" v="109" dt="2023-02-08T01:53:14.093"/>
   </p1510:revLst>
 </p1510:revInfo>
 </file>
@@ -745,7 +746,7 @@
   <pc:docChgLst>
     <pc:chgData name="Weifeng Xu" userId="e7aed605-a3dd-4d5a-a692-a87037af107b" providerId="ADAL" clId="{FC29E0CB-EC29-4F0E-A782-58C19F5D3434}"/>
     <pc:docChg chg="undo custSel addSld delSld modSld">
-      <pc:chgData name="Weifeng Xu" userId="e7aed605-a3dd-4d5a-a692-a87037af107b" providerId="ADAL" clId="{FC29E0CB-EC29-4F0E-A782-58C19F5D3434}" dt="2022-09-06T20:13:22.029" v="1669" actId="20577"/>
+      <pc:chgData name="Weifeng Xu" userId="e7aed605-a3dd-4d5a-a692-a87037af107b" providerId="ADAL" clId="{FC29E0CB-EC29-4F0E-A782-58C19F5D3434}" dt="2023-02-08T01:55:14.549" v="1788" actId="20577"/>
       <pc:docMkLst>
         <pc:docMk/>
       </pc:docMkLst>
@@ -1635,6 +1636,37 @@
             <pc:docMk/>
             <pc:sldMk cId="2819070566" sldId="326"/>
             <ac:spMk id="4" creationId="{21C5F391-BD46-454B-BA43-6035EF9BA067}"/>
+          </ac:spMkLst>
+        </pc:spChg>
+      </pc:sldChg>
+      <pc:sldChg chg="addSp delSp modSp new mod modClrScheme chgLayout">
+        <pc:chgData name="Weifeng Xu" userId="e7aed605-a3dd-4d5a-a692-a87037af107b" providerId="ADAL" clId="{FC29E0CB-EC29-4F0E-A782-58C19F5D3434}" dt="2023-02-08T01:55:14.549" v="1788" actId="20577"/>
+        <pc:sldMkLst>
+          <pc:docMk/>
+          <pc:sldMk cId="1823810049" sldId="327"/>
+        </pc:sldMkLst>
+        <pc:spChg chg="add mod">
+          <ac:chgData name="Weifeng Xu" userId="e7aed605-a3dd-4d5a-a692-a87037af107b" providerId="ADAL" clId="{FC29E0CB-EC29-4F0E-A782-58C19F5D3434}" dt="2023-02-08T01:54:12.590" v="1767" actId="14100"/>
+          <ac:spMkLst>
+            <pc:docMk/>
+            <pc:sldMk cId="1823810049" sldId="327"/>
+            <ac:spMk id="3" creationId="{02399513-F281-6419-4DC0-B4291B35FDB9}"/>
+          </ac:spMkLst>
+        </pc:spChg>
+        <pc:spChg chg="add del mod">
+          <ac:chgData name="Weifeng Xu" userId="e7aed605-a3dd-4d5a-a692-a87037af107b" providerId="ADAL" clId="{FC29E0CB-EC29-4F0E-A782-58C19F5D3434}" dt="2023-02-08T01:54:52.662" v="1772" actId="478"/>
+          <ac:spMkLst>
+            <pc:docMk/>
+            <pc:sldMk cId="1823810049" sldId="327"/>
+            <ac:spMk id="4" creationId="{B42203F0-B31D-AB32-429E-7BF7F05BF073}"/>
+          </ac:spMkLst>
+        </pc:spChg>
+        <pc:spChg chg="add mod ord">
+          <ac:chgData name="Weifeng Xu" userId="e7aed605-a3dd-4d5a-a692-a87037af107b" providerId="ADAL" clId="{FC29E0CB-EC29-4F0E-A782-58C19F5D3434}" dt="2023-02-08T01:55:14.549" v="1788" actId="20577"/>
+          <ac:spMkLst>
+            <pc:docMk/>
+            <pc:sldMk cId="1823810049" sldId="327"/>
+            <ac:spMk id="5" creationId="{DF12BC4E-1D36-2B31-323B-D4A56240216B}"/>
           </ac:spMkLst>
         </pc:spChg>
       </pc:sldChg>
@@ -10132,7 +10164,7 @@
           <a:p>
             <a:fld id="{EE41F6E3-57F9-402E-BDBA-5B2DE11C8530}" type="datetimeFigureOut">
               <a:rPr lang="en-US" smtClean="0"/>
-              <a:t>9/6/2022</a:t>
+              <a:t>2/7/2023</a:t>
             </a:fld>
             <a:endParaRPr lang="en-US"/>
           </a:p>
@@ -11280,7 +11312,7 @@
           <a:p>
             <a:fld id="{DDBF98C7-164A-4723-84F0-B1E4B080DDEC}" type="slidenum">
               <a:rPr lang="en-US" smtClean="0"/>
-              <a:t>47</a:t>
+              <a:t>48</a:t>
             </a:fld>
             <a:endParaRPr lang="en-US"/>
           </a:p>
@@ -12375,7 +12407,7 @@
           <a:p>
             <a:fld id="{4263717A-E3C1-4BED-ABE0-B7069385E023}" type="datetimeFigureOut">
               <a:rPr lang="en-US" smtClean="0"/>
-              <a:t>9/6/2022</a:t>
+              <a:t>2/7/2023</a:t>
             </a:fld>
             <a:endParaRPr lang="en-US"/>
           </a:p>
@@ -12548,7 +12580,7 @@
           <a:p>
             <a:fld id="{4263717A-E3C1-4BED-ABE0-B7069385E023}" type="datetimeFigureOut">
               <a:rPr lang="en-US" smtClean="0"/>
-              <a:t>9/6/2022</a:t>
+              <a:t>2/7/2023</a:t>
             </a:fld>
             <a:endParaRPr lang="en-US"/>
           </a:p>
@@ -12726,7 +12758,7 @@
           <a:p>
             <a:fld id="{4263717A-E3C1-4BED-ABE0-B7069385E023}" type="datetimeFigureOut">
               <a:rPr lang="en-US" smtClean="0"/>
-              <a:t>9/6/2022</a:t>
+              <a:t>2/7/2023</a:t>
             </a:fld>
             <a:endParaRPr lang="en-US"/>
           </a:p>
@@ -12894,7 +12926,7 @@
           <a:p>
             <a:fld id="{4263717A-E3C1-4BED-ABE0-B7069385E023}" type="datetimeFigureOut">
               <a:rPr lang="en-US" smtClean="0"/>
-              <a:t>9/6/2022</a:t>
+              <a:t>2/7/2023</a:t>
             </a:fld>
             <a:endParaRPr lang="en-US"/>
           </a:p>
@@ -13139,7 +13171,7 @@
           <a:p>
             <a:fld id="{4263717A-E3C1-4BED-ABE0-B7069385E023}" type="datetimeFigureOut">
               <a:rPr lang="en-US" smtClean="0"/>
-              <a:t>9/6/2022</a:t>
+              <a:t>2/7/2023</a:t>
             </a:fld>
             <a:endParaRPr lang="en-US"/>
           </a:p>
@@ -13368,7 +13400,7 @@
           <a:p>
             <a:fld id="{4263717A-E3C1-4BED-ABE0-B7069385E023}" type="datetimeFigureOut">
               <a:rPr lang="en-US" smtClean="0"/>
-              <a:t>9/6/2022</a:t>
+              <a:t>2/7/2023</a:t>
             </a:fld>
             <a:endParaRPr lang="en-US"/>
           </a:p>
@@ -13732,7 +13764,7 @@
           <a:p>
             <a:fld id="{4263717A-E3C1-4BED-ABE0-B7069385E023}" type="datetimeFigureOut">
               <a:rPr lang="en-US" smtClean="0"/>
-              <a:t>9/6/2022</a:t>
+              <a:t>2/7/2023</a:t>
             </a:fld>
             <a:endParaRPr lang="en-US"/>
           </a:p>
@@ -13849,7 +13881,7 @@
           <a:p>
             <a:fld id="{4263717A-E3C1-4BED-ABE0-B7069385E023}" type="datetimeFigureOut">
               <a:rPr lang="en-US" smtClean="0"/>
-              <a:t>9/6/2022</a:t>
+              <a:t>2/7/2023</a:t>
             </a:fld>
             <a:endParaRPr lang="en-US"/>
           </a:p>
@@ -13944,7 +13976,7 @@
           <a:p>
             <a:fld id="{4263717A-E3C1-4BED-ABE0-B7069385E023}" type="datetimeFigureOut">
               <a:rPr lang="en-US" smtClean="0"/>
-              <a:t>9/6/2022</a:t>
+              <a:t>2/7/2023</a:t>
             </a:fld>
             <a:endParaRPr lang="en-US"/>
           </a:p>
@@ -14219,7 +14251,7 @@
           <a:p>
             <a:fld id="{4263717A-E3C1-4BED-ABE0-B7069385E023}" type="datetimeFigureOut">
               <a:rPr lang="en-US" smtClean="0"/>
-              <a:t>9/6/2022</a:t>
+              <a:t>2/7/2023</a:t>
             </a:fld>
             <a:endParaRPr lang="en-US"/>
           </a:p>
@@ -14471,7 +14503,7 @@
           <a:p>
             <a:fld id="{4263717A-E3C1-4BED-ABE0-B7069385E023}" type="datetimeFigureOut">
               <a:rPr lang="en-US" smtClean="0"/>
-              <a:t>9/6/2022</a:t>
+              <a:t>2/7/2023</a:t>
             </a:fld>
             <a:endParaRPr lang="en-US"/>
           </a:p>
@@ -14682,7 +14714,7 @@
           <a:p>
             <a:fld id="{4263717A-E3C1-4BED-ABE0-B7069385E023}" type="datetimeFigureOut">
               <a:rPr lang="en-US" smtClean="0"/>
-              <a:t>9/6/2022</a:t>
+              <a:t>2/7/2023</a:t>
             </a:fld>
             <a:endParaRPr lang="en-US"/>
           </a:p>
@@ -23744,6 +23776,152 @@
       </p:grpSpPr>
       <p:sp>
         <p:nvSpPr>
+          <p:cNvPr id="3" name="TextBox 2">
+            <a:extLst>
+              <a:ext uri="{FF2B5EF4-FFF2-40B4-BE49-F238E27FC236}">
+                <a16:creationId xmlns:a16="http://schemas.microsoft.com/office/drawing/2014/main" id="{02399513-F281-6419-4DC0-B4291B35FDB9}"/>
+              </a:ext>
+            </a:extLst>
+          </p:cNvPr>
+          <p:cNvSpPr txBox="1"/>
+          <p:nvPr/>
+        </p:nvSpPr>
+        <p:spPr>
+          <a:xfrm>
+            <a:off x="851717" y="2490089"/>
+            <a:ext cx="10932243" cy="1477328"/>
+          </a:xfrm>
+          <a:prstGeom prst="rect">
+            <a:avLst/>
+          </a:prstGeom>
+          <a:noFill/>
+        </p:spPr>
+        <p:txBody>
+          <a:bodyPr wrap="square">
+            <a:spAutoFit/>
+          </a:bodyPr>
+          <a:lstStyle/>
+          <a:p>
+            <a:r>
+              <a:rPr lang="en-US" dirty="0">
+                <a:latin typeface="OCRB" panose="020B0609020202020204" pitchFamily="49" charset="0"/>
+              </a:rPr>
+              <a:t>git clone </a:t>
+            </a:r>
+            <a:r>
+              <a:rPr lang="en-US" dirty="0">
+                <a:latin typeface="OCRB" panose="020B0609020202020204" pitchFamily="49" charset="0"/>
+                <a:hlinkClick r:id="rId2"/>
+              </a:rPr>
+              <a:t>https://github.com/PoorBillionaire/Windows-Prefetch-Parser.git</a:t>
+            </a:r>
+            <a:endParaRPr lang="en-US" dirty="0">
+              <a:latin typeface="OCRB" panose="020B0609020202020204" pitchFamily="49" charset="0"/>
+            </a:endParaRPr>
+          </a:p>
+          <a:p>
+            <a:r>
+              <a:rPr lang="en-US" dirty="0">
+                <a:latin typeface="OCRB" panose="020B0609020202020204" pitchFamily="49" charset="0"/>
+              </a:rPr>
+              <a:t>cd Windows-Prefetch-Parser</a:t>
+            </a:r>
+          </a:p>
+          <a:p>
+            <a:r>
+              <a:rPr lang="en-US" dirty="0">
+                <a:latin typeface="OCRB" panose="020B0609020202020204" pitchFamily="49" charset="0"/>
+              </a:rPr>
+              <a:t>python3 setup.py build </a:t>
+            </a:r>
+          </a:p>
+          <a:p>
+            <a:r>
+              <a:rPr lang="en-US" dirty="0">
+                <a:latin typeface="OCRB" panose="020B0609020202020204" pitchFamily="49" charset="0"/>
+              </a:rPr>
+              <a:t>python3 setup.py install</a:t>
+            </a:r>
+          </a:p>
+          <a:p>
+            <a:r>
+              <a:rPr lang="en-US" dirty="0">
+                <a:latin typeface="OCRB" panose="020B0609020202020204" pitchFamily="49" charset="0"/>
+              </a:rPr>
+              <a:t>prefetch.py</a:t>
+            </a:r>
+          </a:p>
+        </p:txBody>
+      </p:sp>
+      <p:sp>
+        <p:nvSpPr>
+          <p:cNvPr id="5" name="Title 4">
+            <a:extLst>
+              <a:ext uri="{FF2B5EF4-FFF2-40B4-BE49-F238E27FC236}">
+                <a16:creationId xmlns:a16="http://schemas.microsoft.com/office/drawing/2014/main" id="{DF12BC4E-1D36-2B31-323B-D4A56240216B}"/>
+              </a:ext>
+            </a:extLst>
+          </p:cNvPr>
+          <p:cNvSpPr>
+            <a:spLocks noGrp="1"/>
+          </p:cNvSpPr>
+          <p:nvPr>
+            <p:ph type="title"/>
+          </p:nvPr>
+        </p:nvSpPr>
+        <p:spPr>
+          <a:xfrm>
+            <a:off x="838200" y="746585"/>
+            <a:ext cx="10515600" cy="1325563"/>
+          </a:xfrm>
+        </p:spPr>
+        <p:txBody>
+          <a:bodyPr/>
+          <a:lstStyle/>
+          <a:p>
+            <a:r>
+              <a:rPr lang="en-US"/>
+              <a:t>Last option: Directly </a:t>
+            </a:r>
+            <a:r>
+              <a:rPr lang="en-US" dirty="0"/>
+              <a:t>build from GitHub</a:t>
+            </a:r>
+          </a:p>
+        </p:txBody>
+      </p:sp>
+    </p:spTree>
+    <p:extLst>
+      <p:ext uri="{BB962C8B-B14F-4D97-AF65-F5344CB8AC3E}">
+        <p14:creationId xmlns:p14="http://schemas.microsoft.com/office/powerpoint/2010/main" val="1823810049"/>
+      </p:ext>
+    </p:extLst>
+  </p:cSld>
+  <p:clrMapOvr>
+    <a:masterClrMapping/>
+  </p:clrMapOvr>
+</p:sld>
+</file>
+
+<file path=ppt/slides/slide47.xml><?xml version="1.0" encoding="utf-8"?>
+<p:sld xmlns:a="http://schemas.openxmlformats.org/drawingml/2006/main" xmlns:r="http://schemas.openxmlformats.org/officeDocument/2006/relationships" xmlns:p="http://schemas.openxmlformats.org/presentationml/2006/main">
+  <p:cSld>
+    <p:spTree>
+      <p:nvGrpSpPr>
+        <p:cNvPr id="1" name=""/>
+        <p:cNvGrpSpPr/>
+        <p:nvPr/>
+      </p:nvGrpSpPr>
+      <p:grpSpPr>
+        <a:xfrm>
+          <a:off x="0" y="0"/>
+          <a:ext cx="0" cy="0"/>
+          <a:chOff x="0" y="0"/>
+          <a:chExt cx="0" cy="0"/>
+        </a:xfrm>
+      </p:grpSpPr>
+      <p:sp>
+        <p:nvSpPr>
           <p:cNvPr id="4" name="Title 3"/>
           <p:cNvSpPr>
             <a:spLocks noGrp="1"/>
@@ -23853,7 +24031,7 @@
 </p:sld>
 </file>
 
-<file path=ppt/slides/slide47.xml><?xml version="1.0" encoding="utf-8"?>
+<file path=ppt/slides/slide48.xml><?xml version="1.0" encoding="utf-8"?>
 <p:sld xmlns:a="http://schemas.openxmlformats.org/drawingml/2006/main" xmlns:r="http://schemas.openxmlformats.org/officeDocument/2006/relationships" xmlns:p="http://schemas.openxmlformats.org/presentationml/2006/main">
   <p:cSld>
     <p:spTree>

--- a/NIST_Data_Leakage_Case/NIST_Data_Leakage_00_Env_Setting.pptx
+++ b/NIST_Data_Leakage_Case/NIST_Data_Leakage_00_Env_Setting.pptx
@@ -165,7 +165,7 @@
 <file path=ppt/revisionInfo.xml><?xml version="1.0" encoding="utf-8"?>
 <p1510:revInfo xmlns:a="http://schemas.openxmlformats.org/drawingml/2006/main" xmlns:r="http://schemas.openxmlformats.org/officeDocument/2006/relationships" xmlns:p1510="http://schemas.microsoft.com/office/powerpoint/2015/10/main">
   <p1510:revLst>
-    <p1510:client id="{FC29E0CB-EC29-4F0E-A782-58C19F5D3434}" v="109" dt="2023-02-08T01:53:14.093"/>
+    <p1510:client id="{FC29E0CB-EC29-4F0E-A782-58C19F5D3434}" v="110" dt="2023-02-13T04:04:32.372"/>
   </p1510:revLst>
 </p1510:revInfo>
 </file>
@@ -746,10 +746,49 @@
   <pc:docChgLst>
     <pc:chgData name="Weifeng Xu" userId="e7aed605-a3dd-4d5a-a692-a87037af107b" providerId="ADAL" clId="{FC29E0CB-EC29-4F0E-A782-58C19F5D3434}"/>
     <pc:docChg chg="undo custSel addSld delSld modSld">
-      <pc:chgData name="Weifeng Xu" userId="e7aed605-a3dd-4d5a-a692-a87037af107b" providerId="ADAL" clId="{FC29E0CB-EC29-4F0E-A782-58C19F5D3434}" dt="2023-02-08T01:55:14.549" v="1788" actId="20577"/>
+      <pc:chgData name="Weifeng Xu" userId="e7aed605-a3dd-4d5a-a692-a87037af107b" providerId="ADAL" clId="{FC29E0CB-EC29-4F0E-A782-58C19F5D3434}" dt="2023-02-13T04:05:20.940" v="1849" actId="1076"/>
       <pc:docMkLst>
         <pc:docMk/>
       </pc:docMkLst>
+      <pc:sldChg chg="addSp modSp mod">
+        <pc:chgData name="Weifeng Xu" userId="e7aed605-a3dd-4d5a-a692-a87037af107b" providerId="ADAL" clId="{FC29E0CB-EC29-4F0E-A782-58C19F5D3434}" dt="2023-02-13T04:05:20.940" v="1849" actId="1076"/>
+        <pc:sldMkLst>
+          <pc:docMk/>
+          <pc:sldMk cId="1862936662" sldId="264"/>
+        </pc:sldMkLst>
+        <pc:spChg chg="add mod">
+          <ac:chgData name="Weifeng Xu" userId="e7aed605-a3dd-4d5a-a692-a87037af107b" providerId="ADAL" clId="{FC29E0CB-EC29-4F0E-A782-58C19F5D3434}" dt="2023-02-13T04:05:20.940" v="1849" actId="1076"/>
+          <ac:spMkLst>
+            <pc:docMk/>
+            <pc:sldMk cId="1862936662" sldId="264"/>
+            <ac:spMk id="6" creationId="{661A153A-5092-F60A-CFED-B12937E59F7B}"/>
+          </ac:spMkLst>
+        </pc:spChg>
+        <pc:spChg chg="mod">
+          <ac:chgData name="Weifeng Xu" userId="e7aed605-a3dd-4d5a-a692-a87037af107b" providerId="ADAL" clId="{FC29E0CB-EC29-4F0E-A782-58C19F5D3434}" dt="2023-02-13T03:54:46.392" v="1796" actId="14100"/>
+          <ac:spMkLst>
+            <pc:docMk/>
+            <pc:sldMk cId="1862936662" sldId="264"/>
+            <ac:spMk id="7" creationId="{00000000-0000-0000-0000-000000000000}"/>
+          </ac:spMkLst>
+        </pc:spChg>
+        <pc:spChg chg="mod">
+          <ac:chgData name="Weifeng Xu" userId="e7aed605-a3dd-4d5a-a692-a87037af107b" providerId="ADAL" clId="{FC29E0CB-EC29-4F0E-A782-58C19F5D3434}" dt="2023-02-13T03:55:13.062" v="1797" actId="1076"/>
+          <ac:spMkLst>
+            <pc:docMk/>
+            <pc:sldMk cId="1862936662" sldId="264"/>
+            <ac:spMk id="8" creationId="{00000000-0000-0000-0000-000000000000}"/>
+          </ac:spMkLst>
+        </pc:spChg>
+        <pc:cxnChg chg="add mod">
+          <ac:chgData name="Weifeng Xu" userId="e7aed605-a3dd-4d5a-a692-a87037af107b" providerId="ADAL" clId="{FC29E0CB-EC29-4F0E-A782-58C19F5D3434}" dt="2023-02-13T04:04:29.141" v="1799" actId="13822"/>
+          <ac:cxnSpMkLst>
+            <pc:docMk/>
+            <pc:sldMk cId="1862936662" sldId="264"/>
+            <ac:cxnSpMk id="5" creationId="{9CCA240F-546C-2D45-E350-2BA6212327CF}"/>
+          </ac:cxnSpMkLst>
+        </pc:cxnChg>
+      </pc:sldChg>
       <pc:sldChg chg="addSp delSp modSp mod modNotesTx">
         <pc:chgData name="Weifeng Xu" userId="e7aed605-a3dd-4d5a-a692-a87037af107b" providerId="ADAL" clId="{FC29E0CB-EC29-4F0E-A782-58C19F5D3434}" dt="2022-06-02T11:49:25.367" v="1663" actId="2711"/>
         <pc:sldMkLst>
@@ -10164,7 +10203,7 @@
           <a:p>
             <a:fld id="{EE41F6E3-57F9-402E-BDBA-5B2DE11C8530}" type="datetimeFigureOut">
               <a:rPr lang="en-US" smtClean="0"/>
-              <a:t>2/7/2023</a:t>
+              <a:t>2/12/2023</a:t>
             </a:fld>
             <a:endParaRPr lang="en-US"/>
           </a:p>
@@ -12407,7 +12446,7 @@
           <a:p>
             <a:fld id="{4263717A-E3C1-4BED-ABE0-B7069385E023}" type="datetimeFigureOut">
               <a:rPr lang="en-US" smtClean="0"/>
-              <a:t>2/7/2023</a:t>
+              <a:t>2/12/2023</a:t>
             </a:fld>
             <a:endParaRPr lang="en-US"/>
           </a:p>
@@ -12580,7 +12619,7 @@
           <a:p>
             <a:fld id="{4263717A-E3C1-4BED-ABE0-B7069385E023}" type="datetimeFigureOut">
               <a:rPr lang="en-US" smtClean="0"/>
-              <a:t>2/7/2023</a:t>
+              <a:t>2/12/2023</a:t>
             </a:fld>
             <a:endParaRPr lang="en-US"/>
           </a:p>
@@ -12758,7 +12797,7 @@
           <a:p>
             <a:fld id="{4263717A-E3C1-4BED-ABE0-B7069385E023}" type="datetimeFigureOut">
               <a:rPr lang="en-US" smtClean="0"/>
-              <a:t>2/7/2023</a:t>
+              <a:t>2/12/2023</a:t>
             </a:fld>
             <a:endParaRPr lang="en-US"/>
           </a:p>
@@ -12926,7 +12965,7 @@
           <a:p>
             <a:fld id="{4263717A-E3C1-4BED-ABE0-B7069385E023}" type="datetimeFigureOut">
               <a:rPr lang="en-US" smtClean="0"/>
-              <a:t>2/7/2023</a:t>
+              <a:t>2/12/2023</a:t>
             </a:fld>
             <a:endParaRPr lang="en-US"/>
           </a:p>
@@ -13171,7 +13210,7 @@
           <a:p>
             <a:fld id="{4263717A-E3C1-4BED-ABE0-B7069385E023}" type="datetimeFigureOut">
               <a:rPr lang="en-US" smtClean="0"/>
-              <a:t>2/7/2023</a:t>
+              <a:t>2/12/2023</a:t>
             </a:fld>
             <a:endParaRPr lang="en-US"/>
           </a:p>
@@ -13400,7 +13439,7 @@
           <a:p>
             <a:fld id="{4263717A-E3C1-4BED-ABE0-B7069385E023}" type="datetimeFigureOut">
               <a:rPr lang="en-US" smtClean="0"/>
-              <a:t>2/7/2023</a:t>
+              <a:t>2/12/2023</a:t>
             </a:fld>
             <a:endParaRPr lang="en-US"/>
           </a:p>
@@ -13764,7 +13803,7 @@
           <a:p>
             <a:fld id="{4263717A-E3C1-4BED-ABE0-B7069385E023}" type="datetimeFigureOut">
               <a:rPr lang="en-US" smtClean="0"/>
-              <a:t>2/7/2023</a:t>
+              <a:t>2/12/2023</a:t>
             </a:fld>
             <a:endParaRPr lang="en-US"/>
           </a:p>
@@ -13881,7 +13920,7 @@
           <a:p>
             <a:fld id="{4263717A-E3C1-4BED-ABE0-B7069385E023}" type="datetimeFigureOut">
               <a:rPr lang="en-US" smtClean="0"/>
-              <a:t>2/7/2023</a:t>
+              <a:t>2/12/2023</a:t>
             </a:fld>
             <a:endParaRPr lang="en-US"/>
           </a:p>
@@ -13976,7 +14015,7 @@
           <a:p>
             <a:fld id="{4263717A-E3C1-4BED-ABE0-B7069385E023}" type="datetimeFigureOut">
               <a:rPr lang="en-US" smtClean="0"/>
-              <a:t>2/7/2023</a:t>
+              <a:t>2/12/2023</a:t>
             </a:fld>
             <a:endParaRPr lang="en-US"/>
           </a:p>
@@ -14251,7 +14290,7 @@
           <a:p>
             <a:fld id="{4263717A-E3C1-4BED-ABE0-B7069385E023}" type="datetimeFigureOut">
               <a:rPr lang="en-US" smtClean="0"/>
-              <a:t>2/7/2023</a:t>
+              <a:t>2/12/2023</a:t>
             </a:fld>
             <a:endParaRPr lang="en-US"/>
           </a:p>
@@ -14503,7 +14542,7 @@
           <a:p>
             <a:fld id="{4263717A-E3C1-4BED-ABE0-B7069385E023}" type="datetimeFigureOut">
               <a:rPr lang="en-US" smtClean="0"/>
-              <a:t>2/7/2023</a:t>
+              <a:t>2/12/2023</a:t>
             </a:fld>
             <a:endParaRPr lang="en-US"/>
           </a:p>
@@ -14714,7 +14753,7 @@
           <a:p>
             <a:fld id="{4263717A-E3C1-4BED-ABE0-B7069385E023}" type="datetimeFigureOut">
               <a:rPr lang="en-US" smtClean="0"/>
-              <a:t>2/7/2023</a:t>
+              <a:t>2/12/2023</a:t>
             </a:fld>
             <a:endParaRPr lang="en-US"/>
           </a:p>
@@ -25010,8 +25049,56 @@
           <p:nvPr/>
         </p:nvSpPr>
         <p:spPr>
-          <a:xfrm rot="8786790">
-            <a:off x="2177892" y="4529448"/>
+          <a:xfrm rot="3428103" flipV="1">
+            <a:off x="2820063" y="4784771"/>
+            <a:ext cx="718730" cy="168585"/>
+          </a:xfrm>
+          <a:prstGeom prst="rightArrow">
+            <a:avLst/>
+          </a:prstGeom>
+          <a:solidFill>
+            <a:srgbClr val="FF0000"/>
+          </a:solidFill>
+          <a:ln>
+            <a:solidFill>
+              <a:srgbClr val="FF0000"/>
+            </a:solidFill>
+          </a:ln>
+        </p:spPr>
+        <p:style>
+          <a:lnRef idx="2">
+            <a:schemeClr val="accent1">
+              <a:shade val="50000"/>
+            </a:schemeClr>
+          </a:lnRef>
+          <a:fillRef idx="1">
+            <a:schemeClr val="accent1"/>
+          </a:fillRef>
+          <a:effectRef idx="0">
+            <a:schemeClr val="accent1"/>
+          </a:effectRef>
+          <a:fontRef idx="minor">
+            <a:schemeClr val="lt1"/>
+          </a:fontRef>
+        </p:style>
+        <p:txBody>
+          <a:bodyPr rtlCol="0" anchor="ctr"/>
+          <a:lstStyle/>
+          <a:p>
+            <a:pPr algn="ctr"/>
+            <a:endParaRPr lang="en-US"/>
+          </a:p>
+        </p:txBody>
+      </p:sp>
+      <p:sp>
+        <p:nvSpPr>
+          <p:cNvPr id="8" name="Right Arrow 7"/>
+          <p:cNvSpPr/>
+          <p:nvPr/>
+        </p:nvSpPr>
+        <p:spPr>
+          <a:xfrm rot="8562701">
+            <a:off x="5572259" y="4582753"/>
             <a:ext cx="528918" cy="161365"/>
           </a:xfrm>
           <a:prstGeom prst="rightArrow">
@@ -25053,54 +25140,6 @@
       </p:sp>
       <p:sp>
         <p:nvSpPr>
-          <p:cNvPr id="8" name="Right Arrow 7"/>
-          <p:cNvSpPr/>
-          <p:nvPr/>
-        </p:nvSpPr>
-        <p:spPr>
-          <a:xfrm rot="8562701">
-            <a:off x="4760258" y="4788065"/>
-            <a:ext cx="528918" cy="161365"/>
-          </a:xfrm>
-          <a:prstGeom prst="rightArrow">
-            <a:avLst/>
-          </a:prstGeom>
-          <a:solidFill>
-            <a:srgbClr val="FF0000"/>
-          </a:solidFill>
-          <a:ln>
-            <a:solidFill>
-              <a:srgbClr val="FF0000"/>
-            </a:solidFill>
-          </a:ln>
-        </p:spPr>
-        <p:style>
-          <a:lnRef idx="2">
-            <a:schemeClr val="accent1">
-              <a:shade val="50000"/>
-            </a:schemeClr>
-          </a:lnRef>
-          <a:fillRef idx="1">
-            <a:schemeClr val="accent1"/>
-          </a:fillRef>
-          <a:effectRef idx="0">
-            <a:schemeClr val="accent1"/>
-          </a:effectRef>
-          <a:fontRef idx="minor">
-            <a:schemeClr val="lt1"/>
-          </a:fontRef>
-        </p:style>
-        <p:txBody>
-          <a:bodyPr rtlCol="0" anchor="ctr"/>
-          <a:lstStyle/>
-          <a:p>
-            <a:pPr algn="ctr"/>
-            <a:endParaRPr lang="en-US"/>
-          </a:p>
-        </p:txBody>
-      </p:sp>
-      <p:sp>
-        <p:nvSpPr>
           <p:cNvPr id="10" name="Rectangle 9"/>
           <p:cNvSpPr/>
           <p:nvPr/>
@@ -25242,6 +25281,80 @@
             <a:r>
               <a:rPr lang="en-US" dirty="0"/>
               <a:t>)</a:t>
+            </a:r>
+          </a:p>
+        </p:txBody>
+      </p:sp>
+      <p:cxnSp>
+        <p:nvCxnSpPr>
+          <p:cNvPr id="5" name="Straight Arrow Connector 4">
+            <a:extLst>
+              <a:ext uri="{FF2B5EF4-FFF2-40B4-BE49-F238E27FC236}">
+                <a16:creationId xmlns:a16="http://schemas.microsoft.com/office/drawing/2014/main" id="{9CCA240F-546C-2D45-E350-2BA6212327CF}"/>
+              </a:ext>
+            </a:extLst>
+          </p:cNvPr>
+          <p:cNvCxnSpPr/>
+          <p:nvPr/>
+        </p:nvCxnSpPr>
+        <p:spPr>
+          <a:xfrm flipH="1" flipV="1">
+            <a:off x="4911213" y="4663435"/>
+            <a:ext cx="294968" cy="1147430"/>
+          </a:xfrm>
+          <a:prstGeom prst="straightConnector1">
+            <a:avLst/>
+          </a:prstGeom>
+          <a:ln>
+            <a:tailEnd type="triangle"/>
+          </a:ln>
+        </p:spPr>
+        <p:style>
+          <a:lnRef idx="1">
+            <a:schemeClr val="accent2"/>
+          </a:lnRef>
+          <a:fillRef idx="0">
+            <a:schemeClr val="accent2"/>
+          </a:fillRef>
+          <a:effectRef idx="0">
+            <a:schemeClr val="accent2"/>
+          </a:effectRef>
+          <a:fontRef idx="minor">
+            <a:schemeClr val="tx1"/>
+          </a:fontRef>
+        </p:style>
+      </p:cxnSp>
+      <p:sp>
+        <p:nvSpPr>
+          <p:cNvPr id="6" name="TextBox 5">
+            <a:extLst>
+              <a:ext uri="{FF2B5EF4-FFF2-40B4-BE49-F238E27FC236}">
+                <a16:creationId xmlns:a16="http://schemas.microsoft.com/office/drawing/2014/main" id="{661A153A-5092-F60A-CFED-B12937E59F7B}"/>
+              </a:ext>
+            </a:extLst>
+          </p:cNvPr>
+          <p:cNvSpPr txBox="1"/>
+          <p:nvPr/>
+        </p:nvSpPr>
+        <p:spPr>
+          <a:xfrm>
+            <a:off x="4339848" y="5846544"/>
+            <a:ext cx="2475173" cy="646331"/>
+          </a:xfrm>
+          <a:prstGeom prst="rect">
+            <a:avLst/>
+          </a:prstGeom>
+          <a:noFill/>
+        </p:spPr>
+        <p:txBody>
+          <a:bodyPr wrap="square" rtlCol="0">
+            <a:spAutoFit/>
+          </a:bodyPr>
+          <a:lstStyle/>
+          <a:p>
+            <a:r>
+              <a:rPr lang="en-US" dirty="0"/>
+              <a:t>the device is bootable, not a boot partition</a:t>
             </a:r>
           </a:p>
         </p:txBody>

--- a/NIST_Data_Leakage_Case/NIST_Data_Leakage_00_Env_Setting.pptx
+++ b/NIST_Data_Leakage_Case/NIST_Data_Leakage_00_Env_Setting.pptx
@@ -5,7 +5,7 @@
     <p:sldMasterId id="2147483648" r:id="rId1"/>
   </p:sldMasterIdLst>
   <p:notesMasterIdLst>
-    <p:notesMasterId r:id="rId60"/>
+    <p:notesMasterId r:id="rId61"/>
   </p:notesMasterIdLst>
   <p:sldIdLst>
     <p:sldId id="256" r:id="rId2"/>
@@ -31,41 +31,42 @@
     <p:sldId id="277" r:id="rId22"/>
     <p:sldId id="318" r:id="rId23"/>
     <p:sldId id="286" r:id="rId24"/>
-    <p:sldId id="288" r:id="rId25"/>
-    <p:sldId id="289" r:id="rId26"/>
-    <p:sldId id="291" r:id="rId27"/>
-    <p:sldId id="290" r:id="rId28"/>
-    <p:sldId id="292" r:id="rId29"/>
-    <p:sldId id="323" r:id="rId30"/>
-    <p:sldId id="326" r:id="rId31"/>
-    <p:sldId id="278" r:id="rId32"/>
-    <p:sldId id="324" r:id="rId33"/>
-    <p:sldId id="279" r:id="rId34"/>
-    <p:sldId id="338" r:id="rId35"/>
-    <p:sldId id="281" r:id="rId36"/>
-    <p:sldId id="339" r:id="rId37"/>
-    <p:sldId id="282" r:id="rId38"/>
-    <p:sldId id="321" r:id="rId39"/>
-    <p:sldId id="308" r:id="rId40"/>
-    <p:sldId id="319" r:id="rId41"/>
-    <p:sldId id="293" r:id="rId42"/>
-    <p:sldId id="314" r:id="rId43"/>
-    <p:sldId id="322" r:id="rId44"/>
-    <p:sldId id="320" r:id="rId45"/>
-    <p:sldId id="297" r:id="rId46"/>
-    <p:sldId id="306" r:id="rId47"/>
-    <p:sldId id="294" r:id="rId48"/>
-    <p:sldId id="295" r:id="rId49"/>
-    <p:sldId id="296" r:id="rId50"/>
-    <p:sldId id="309" r:id="rId51"/>
-    <p:sldId id="284" r:id="rId52"/>
-    <p:sldId id="273" r:id="rId53"/>
-    <p:sldId id="276" r:id="rId54"/>
-    <p:sldId id="312" r:id="rId55"/>
-    <p:sldId id="325" r:id="rId56"/>
-    <p:sldId id="327" r:id="rId57"/>
-    <p:sldId id="316" r:id="rId58"/>
-    <p:sldId id="317" r:id="rId59"/>
+    <p:sldId id="340" r:id="rId25"/>
+    <p:sldId id="288" r:id="rId26"/>
+    <p:sldId id="289" r:id="rId27"/>
+    <p:sldId id="291" r:id="rId28"/>
+    <p:sldId id="290" r:id="rId29"/>
+    <p:sldId id="292" r:id="rId30"/>
+    <p:sldId id="323" r:id="rId31"/>
+    <p:sldId id="326" r:id="rId32"/>
+    <p:sldId id="278" r:id="rId33"/>
+    <p:sldId id="324" r:id="rId34"/>
+    <p:sldId id="279" r:id="rId35"/>
+    <p:sldId id="338" r:id="rId36"/>
+    <p:sldId id="281" r:id="rId37"/>
+    <p:sldId id="339" r:id="rId38"/>
+    <p:sldId id="282" r:id="rId39"/>
+    <p:sldId id="321" r:id="rId40"/>
+    <p:sldId id="308" r:id="rId41"/>
+    <p:sldId id="319" r:id="rId42"/>
+    <p:sldId id="293" r:id="rId43"/>
+    <p:sldId id="314" r:id="rId44"/>
+    <p:sldId id="322" r:id="rId45"/>
+    <p:sldId id="320" r:id="rId46"/>
+    <p:sldId id="297" r:id="rId47"/>
+    <p:sldId id="306" r:id="rId48"/>
+    <p:sldId id="294" r:id="rId49"/>
+    <p:sldId id="295" r:id="rId50"/>
+    <p:sldId id="296" r:id="rId51"/>
+    <p:sldId id="309" r:id="rId52"/>
+    <p:sldId id="284" r:id="rId53"/>
+    <p:sldId id="273" r:id="rId54"/>
+    <p:sldId id="276" r:id="rId55"/>
+    <p:sldId id="312" r:id="rId56"/>
+    <p:sldId id="325" r:id="rId57"/>
+    <p:sldId id="327" r:id="rId58"/>
+    <p:sldId id="316" r:id="rId59"/>
+    <p:sldId id="317" r:id="rId60"/>
   </p:sldIdLst>
   <p:sldSz cx="12192000" cy="6858000"/>
   <p:notesSz cx="6858000" cy="9144000"/>
@@ -175,7 +176,7 @@
 <file path=ppt/revisionInfo.xml><?xml version="1.0" encoding="utf-8"?>
 <p1510:revInfo xmlns:a="http://schemas.openxmlformats.org/drawingml/2006/main" xmlns:r="http://schemas.openxmlformats.org/officeDocument/2006/relationships" xmlns:p1510="http://schemas.microsoft.com/office/powerpoint/2015/10/main">
   <p1510:revLst>
-    <p1510:client id="{FC29E0CB-EC29-4F0E-A782-58C19F5D3434}" v="177" dt="2023-09-04T20:27:37.957"/>
+    <p1510:client id="{FC29E0CB-EC29-4F0E-A782-58C19F5D3434}" v="221" dt="2023-09-13T15:36:50.842"/>
   </p1510:revLst>
 </p1510:revInfo>
 </file>
@@ -756,7 +757,7 @@
   <pc:docChgLst>
     <pc:chgData name="Weifeng Xu" userId="e7aed605-a3dd-4d5a-a692-a87037af107b" providerId="ADAL" clId="{FC29E0CB-EC29-4F0E-A782-58C19F5D3434}"/>
     <pc:docChg chg="undo redo custSel addSld delSld modSld sldOrd">
-      <pc:chgData name="Weifeng Xu" userId="e7aed605-a3dd-4d5a-a692-a87037af107b" providerId="ADAL" clId="{FC29E0CB-EC29-4F0E-A782-58C19F5D3434}" dt="2023-09-04T20:28:04.161" v="3117" actId="20577"/>
+      <pc:chgData name="Weifeng Xu" userId="e7aed605-a3dd-4d5a-a692-a87037af107b" providerId="ADAL" clId="{FC29E0CB-EC29-4F0E-A782-58C19F5D3434}" dt="2023-09-13T15:38:35.543" v="3336" actId="20577"/>
       <pc:docMkLst>
         <pc:docMk/>
       </pc:docMkLst>
@@ -1406,13 +1407,13 @@
         </pc:spChg>
       </pc:sldChg>
       <pc:sldChg chg="modSp mod">
-        <pc:chgData name="Weifeng Xu" userId="e7aed605-a3dd-4d5a-a692-a87037af107b" providerId="ADAL" clId="{FC29E0CB-EC29-4F0E-A782-58C19F5D3434}" dt="2023-09-04T19:18:39.297" v="2575" actId="20577"/>
+        <pc:chgData name="Weifeng Xu" userId="e7aed605-a3dd-4d5a-a692-a87037af107b" providerId="ADAL" clId="{FC29E0CB-EC29-4F0E-A782-58C19F5D3434}" dt="2023-09-13T15:21:47.166" v="3158" actId="207"/>
         <pc:sldMkLst>
           <pc:docMk/>
           <pc:sldMk cId="826028121" sldId="286"/>
         </pc:sldMkLst>
         <pc:spChg chg="mod">
-          <ac:chgData name="Weifeng Xu" userId="e7aed605-a3dd-4d5a-a692-a87037af107b" providerId="ADAL" clId="{FC29E0CB-EC29-4F0E-A782-58C19F5D3434}" dt="2023-09-04T19:18:39.297" v="2575" actId="20577"/>
+          <ac:chgData name="Weifeng Xu" userId="e7aed605-a3dd-4d5a-a692-a87037af107b" providerId="ADAL" clId="{FC29E0CB-EC29-4F0E-A782-58C19F5D3434}" dt="2023-09-13T15:21:47.166" v="3158" actId="207"/>
           <ac:spMkLst>
             <pc:docMk/>
             <pc:sldMk cId="826028121" sldId="286"/>
@@ -1420,7 +1421,7 @@
           </ac:spMkLst>
         </pc:spChg>
         <pc:graphicFrameChg chg="mod">
-          <ac:chgData name="Weifeng Xu" userId="e7aed605-a3dd-4d5a-a692-a87037af107b" providerId="ADAL" clId="{FC29E0CB-EC29-4F0E-A782-58C19F5D3434}" dt="2023-09-04T19:15:12.578" v="2532" actId="1076"/>
+          <ac:chgData name="Weifeng Xu" userId="e7aed605-a3dd-4d5a-a692-a87037af107b" providerId="ADAL" clId="{FC29E0CB-EC29-4F0E-A782-58C19F5D3434}" dt="2023-09-13T15:21:25.883" v="3156"/>
           <ac:graphicFrameMkLst>
             <pc:docMk/>
             <pc:sldMk cId="826028121" sldId="286"/>
@@ -1520,11 +1521,35 @@
         </pc:spChg>
       </pc:sldChg>
       <pc:sldChg chg="addSp delSp modSp mod">
-        <pc:chgData name="Weifeng Xu" userId="e7aed605-a3dd-4d5a-a692-a87037af107b" providerId="ADAL" clId="{FC29E0CB-EC29-4F0E-A782-58C19F5D3434}" dt="2023-09-04T19:06:20.002" v="2471" actId="1076"/>
+        <pc:chgData name="Weifeng Xu" userId="e7aed605-a3dd-4d5a-a692-a87037af107b" providerId="ADAL" clId="{FC29E0CB-EC29-4F0E-A782-58C19F5D3434}" dt="2023-09-13T15:18:54.135" v="3151" actId="6549"/>
         <pc:sldMkLst>
           <pc:docMk/>
           <pc:sldMk cId="122089063" sldId="303"/>
         </pc:sldMkLst>
+        <pc:spChg chg="mod">
+          <ac:chgData name="Weifeng Xu" userId="e7aed605-a3dd-4d5a-a692-a87037af107b" providerId="ADAL" clId="{FC29E0CB-EC29-4F0E-A782-58C19F5D3434}" dt="2023-09-13T15:15:33.085" v="3143" actId="14100"/>
+          <ac:spMkLst>
+            <pc:docMk/>
+            <pc:sldMk cId="122089063" sldId="303"/>
+            <ac:spMk id="3" creationId="{00000000-0000-0000-0000-000000000000}"/>
+          </ac:spMkLst>
+        </pc:spChg>
+        <pc:spChg chg="mod">
+          <ac:chgData name="Weifeng Xu" userId="e7aed605-a3dd-4d5a-a692-a87037af107b" providerId="ADAL" clId="{FC29E0CB-EC29-4F0E-A782-58C19F5D3434}" dt="2023-09-13T15:16:54.189" v="3148" actId="6549"/>
+          <ac:spMkLst>
+            <pc:docMk/>
+            <pc:sldMk cId="122089063" sldId="303"/>
+            <ac:spMk id="5" creationId="{00000000-0000-0000-0000-000000000000}"/>
+          </ac:spMkLst>
+        </pc:spChg>
+        <pc:spChg chg="mod">
+          <ac:chgData name="Weifeng Xu" userId="e7aed605-a3dd-4d5a-a692-a87037af107b" providerId="ADAL" clId="{FC29E0CB-EC29-4F0E-A782-58C19F5D3434}" dt="2023-09-13T15:18:54.135" v="3151" actId="6549"/>
+          <ac:spMkLst>
+            <pc:docMk/>
+            <pc:sldMk cId="122089063" sldId="303"/>
+            <ac:spMk id="6" creationId="{00000000-0000-0000-0000-000000000000}"/>
+          </ac:spMkLst>
+        </pc:spChg>
         <pc:spChg chg="add del mod">
           <ac:chgData name="Weifeng Xu" userId="e7aed605-a3dd-4d5a-a692-a87037af107b" providerId="ADAL" clId="{FC29E0CB-EC29-4F0E-A782-58C19F5D3434}" dt="2023-09-04T19:03:29.671" v="2463" actId="11529"/>
           <ac:spMkLst>
@@ -2304,7 +2329,7 @@
         </pc:spChg>
       </pc:sldChg>
       <pc:sldChg chg="addSp delSp modSp new mod ord modClrScheme chgLayout">
-        <pc:chgData name="Weifeng Xu" userId="e7aed605-a3dd-4d5a-a692-a87037af107b" providerId="ADAL" clId="{FC29E0CB-EC29-4F0E-A782-58C19F5D3434}" dt="2023-09-04T15:34:06.371" v="2173" actId="207"/>
+        <pc:chgData name="Weifeng Xu" userId="e7aed605-a3dd-4d5a-a692-a87037af107b" providerId="ADAL" clId="{FC29E0CB-EC29-4F0E-A782-58C19F5D3434}" dt="2023-09-13T15:10:07.423" v="3121" actId="403"/>
         <pc:sldMkLst>
           <pc:docMk/>
           <pc:sldMk cId="3311843854" sldId="333"/>
@@ -2334,7 +2359,7 @@
           </ac:spMkLst>
         </pc:spChg>
         <pc:graphicFrameChg chg="add mod modGraphic">
-          <ac:chgData name="Weifeng Xu" userId="e7aed605-a3dd-4d5a-a692-a87037af107b" providerId="ADAL" clId="{FC29E0CB-EC29-4F0E-A782-58C19F5D3434}" dt="2023-09-04T15:34:06.371" v="2173" actId="207"/>
+          <ac:chgData name="Weifeng Xu" userId="e7aed605-a3dd-4d5a-a692-a87037af107b" providerId="ADAL" clId="{FC29E0CB-EC29-4F0E-A782-58C19F5D3434}" dt="2023-09-13T15:10:07.423" v="3121" actId="403"/>
           <ac:graphicFrameMkLst>
             <pc:docMk/>
             <pc:sldMk cId="3311843854" sldId="333"/>
@@ -2453,7 +2478,7 @@
         </pc:picChg>
       </pc:sldChg>
       <pc:sldChg chg="addSp delSp modSp new mod modClrScheme chgLayout">
-        <pc:chgData name="Weifeng Xu" userId="e7aed605-a3dd-4d5a-a692-a87037af107b" providerId="ADAL" clId="{FC29E0CB-EC29-4F0E-A782-58C19F5D3434}" dt="2023-09-04T16:19:16.923" v="2455" actId="1076"/>
+        <pc:chgData name="Weifeng Xu" userId="e7aed605-a3dd-4d5a-a692-a87037af107b" providerId="ADAL" clId="{FC29E0CB-EC29-4F0E-A782-58C19F5D3434}" dt="2023-09-13T15:14:30.654" v="3126" actId="13822"/>
         <pc:sldMkLst>
           <pc:docMk/>
           <pc:sldMk cId="654907605" sldId="336"/>
@@ -2491,7 +2516,7 @@
           </ac:spMkLst>
         </pc:spChg>
         <pc:graphicFrameChg chg="add mod ord modGraphic">
-          <ac:chgData name="Weifeng Xu" userId="e7aed605-a3dd-4d5a-a692-a87037af107b" providerId="ADAL" clId="{FC29E0CB-EC29-4F0E-A782-58C19F5D3434}" dt="2023-09-04T16:19:04.159" v="2447" actId="1076"/>
+          <ac:chgData name="Weifeng Xu" userId="e7aed605-a3dd-4d5a-a692-a87037af107b" providerId="ADAL" clId="{FC29E0CB-EC29-4F0E-A782-58C19F5D3434}" dt="2023-09-13T15:14:10.361" v="3124" actId="207"/>
           <ac:graphicFrameMkLst>
             <pc:docMk/>
             <pc:sldMk cId="654907605" sldId="336"/>
@@ -2514,6 +2539,22 @@
             <ac:picMk id="11" creationId="{0C19A1ED-F59B-1050-DE96-67211735BB6D}"/>
           </ac:picMkLst>
         </pc:picChg>
+        <pc:cxnChg chg="add del">
+          <ac:chgData name="Weifeng Xu" userId="e7aed605-a3dd-4d5a-a692-a87037af107b" providerId="ADAL" clId="{FC29E0CB-EC29-4F0E-A782-58C19F5D3434}" dt="2023-09-13T15:14:00.128" v="3123" actId="11529"/>
+          <ac:cxnSpMkLst>
+            <pc:docMk/>
+            <pc:sldMk cId="654907605" sldId="336"/>
+            <ac:cxnSpMk id="3" creationId="{6A9D32E6-052B-E395-D74F-D4CF54F1CC1B}"/>
+          </ac:cxnSpMkLst>
+        </pc:cxnChg>
+        <pc:cxnChg chg="add mod">
+          <ac:chgData name="Weifeng Xu" userId="e7aed605-a3dd-4d5a-a692-a87037af107b" providerId="ADAL" clId="{FC29E0CB-EC29-4F0E-A782-58C19F5D3434}" dt="2023-09-13T15:14:30.654" v="3126" actId="13822"/>
+          <ac:cxnSpMkLst>
+            <pc:docMk/>
+            <pc:sldMk cId="654907605" sldId="336"/>
+            <ac:cxnSpMk id="6" creationId="{F8981C7D-2555-01A6-4EFC-29408AE45BF0}"/>
+          </ac:cxnSpMkLst>
+        </pc:cxnChg>
       </pc:sldChg>
       <pc:sldChg chg="addSp modSp new del mod modClrScheme chgLayout">
         <pc:chgData name="Weifeng Xu" userId="e7aed605-a3dd-4d5a-a692-a87037af107b" providerId="ADAL" clId="{FC29E0CB-EC29-4F0E-A782-58C19F5D3434}" dt="2023-09-04T19:50:46.484" v="2869" actId="47"/>
@@ -2677,6 +2718,141 @@
             <pc:docMk/>
             <pc:sldMk cId="1044302788" sldId="339"/>
             <ac:picMk id="5" creationId="{00000000-0000-0000-0000-000000000000}"/>
+          </ac:picMkLst>
+        </pc:picChg>
+      </pc:sldChg>
+      <pc:sldChg chg="addSp delSp modSp new mod modClrScheme chgLayout">
+        <pc:chgData name="Weifeng Xu" userId="e7aed605-a3dd-4d5a-a692-a87037af107b" providerId="ADAL" clId="{FC29E0CB-EC29-4F0E-A782-58C19F5D3434}" dt="2023-09-13T15:38:35.543" v="3336" actId="20577"/>
+        <pc:sldMkLst>
+          <pc:docMk/>
+          <pc:sldMk cId="2198616665" sldId="340"/>
+        </pc:sldMkLst>
+        <pc:spChg chg="del">
+          <ac:chgData name="Weifeng Xu" userId="e7aed605-a3dd-4d5a-a692-a87037af107b" providerId="ADAL" clId="{FC29E0CB-EC29-4F0E-A782-58C19F5D3434}" dt="2023-09-13T15:29:19.049" v="3160" actId="700"/>
+          <ac:spMkLst>
+            <pc:docMk/>
+            <pc:sldMk cId="2198616665" sldId="340"/>
+            <ac:spMk id="2" creationId="{EFD7EEC8-2DA8-B78A-CF75-CB457B32B959}"/>
+          </ac:spMkLst>
+        </pc:spChg>
+        <pc:spChg chg="del">
+          <ac:chgData name="Weifeng Xu" userId="e7aed605-a3dd-4d5a-a692-a87037af107b" providerId="ADAL" clId="{FC29E0CB-EC29-4F0E-A782-58C19F5D3434}" dt="2023-09-13T15:29:19.049" v="3160" actId="700"/>
+          <ac:spMkLst>
+            <pc:docMk/>
+            <pc:sldMk cId="2198616665" sldId="340"/>
+            <ac:spMk id="3" creationId="{322DA866-1673-247E-F247-52719364B04A}"/>
+          </ac:spMkLst>
+        </pc:spChg>
+        <pc:spChg chg="add mod">
+          <ac:chgData name="Weifeng Xu" userId="e7aed605-a3dd-4d5a-a692-a87037af107b" providerId="ADAL" clId="{FC29E0CB-EC29-4F0E-A782-58C19F5D3434}" dt="2023-09-13T15:32:20.112" v="3188" actId="1076"/>
+          <ac:spMkLst>
+            <pc:docMk/>
+            <pc:sldMk cId="2198616665" sldId="340"/>
+            <ac:spMk id="4" creationId="{39048C2E-3447-63DE-9548-11151A4151E2}"/>
+          </ac:spMkLst>
+        </pc:spChg>
+        <pc:spChg chg="add mod">
+          <ac:chgData name="Weifeng Xu" userId="e7aed605-a3dd-4d5a-a692-a87037af107b" providerId="ADAL" clId="{FC29E0CB-EC29-4F0E-A782-58C19F5D3434}" dt="2023-09-13T15:32:20.112" v="3188" actId="1076"/>
+          <ac:spMkLst>
+            <pc:docMk/>
+            <pc:sldMk cId="2198616665" sldId="340"/>
+            <ac:spMk id="5" creationId="{31CCF271-744B-5F9A-7ED4-9BD5D555916F}"/>
+          </ac:spMkLst>
+        </pc:spChg>
+        <pc:spChg chg="add del mod">
+          <ac:chgData name="Weifeng Xu" userId="e7aed605-a3dd-4d5a-a692-a87037af107b" providerId="ADAL" clId="{FC29E0CB-EC29-4F0E-A782-58C19F5D3434}" dt="2023-09-13T15:34:33.839" v="3227" actId="478"/>
+          <ac:spMkLst>
+            <pc:docMk/>
+            <pc:sldMk cId="2198616665" sldId="340"/>
+            <ac:spMk id="6" creationId="{F1D9F2E5-C5E3-A97E-1416-059F7E4B35A5}"/>
+          </ac:spMkLst>
+        </pc:spChg>
+        <pc:spChg chg="add mod">
+          <ac:chgData name="Weifeng Xu" userId="e7aed605-a3dd-4d5a-a692-a87037af107b" providerId="ADAL" clId="{FC29E0CB-EC29-4F0E-A782-58C19F5D3434}" dt="2023-09-13T15:34:04.701" v="3226" actId="207"/>
+          <ac:spMkLst>
+            <pc:docMk/>
+            <pc:sldMk cId="2198616665" sldId="340"/>
+            <ac:spMk id="7" creationId="{7949B535-854A-81BA-D43E-8ACE34A06AFA}"/>
+          </ac:spMkLst>
+        </pc:spChg>
+        <pc:spChg chg="add mod">
+          <ac:chgData name="Weifeng Xu" userId="e7aed605-a3dd-4d5a-a692-a87037af107b" providerId="ADAL" clId="{FC29E0CB-EC29-4F0E-A782-58C19F5D3434}" dt="2023-09-13T15:35:07.393" v="3234" actId="207"/>
+          <ac:spMkLst>
+            <pc:docMk/>
+            <pc:sldMk cId="2198616665" sldId="340"/>
+            <ac:spMk id="8" creationId="{D8A98E4D-D2FF-EBFD-99D0-EB6943AD5D92}"/>
+          </ac:spMkLst>
+        </pc:spChg>
+        <pc:spChg chg="add mod">
+          <ac:chgData name="Weifeng Xu" userId="e7aed605-a3dd-4d5a-a692-a87037af107b" providerId="ADAL" clId="{FC29E0CB-EC29-4F0E-A782-58C19F5D3434}" dt="2023-09-13T15:35:53.644" v="3236" actId="1076"/>
+          <ac:spMkLst>
+            <pc:docMk/>
+            <pc:sldMk cId="2198616665" sldId="340"/>
+            <ac:spMk id="9" creationId="{FD3019AE-9E72-4076-32B8-0254BD7947A0}"/>
+          </ac:spMkLst>
+        </pc:spChg>
+        <pc:spChg chg="add mod">
+          <ac:chgData name="Weifeng Xu" userId="e7aed605-a3dd-4d5a-a692-a87037af107b" providerId="ADAL" clId="{FC29E0CB-EC29-4F0E-A782-58C19F5D3434}" dt="2023-09-13T15:36:12.977" v="3246" actId="1076"/>
+          <ac:spMkLst>
+            <pc:docMk/>
+            <pc:sldMk cId="2198616665" sldId="340"/>
+            <ac:spMk id="10" creationId="{8CC384A5-F38A-580E-3771-8A27F19FEB2A}"/>
+          </ac:spMkLst>
+        </pc:spChg>
+        <pc:spChg chg="add mod">
+          <ac:chgData name="Weifeng Xu" userId="e7aed605-a3dd-4d5a-a692-a87037af107b" providerId="ADAL" clId="{FC29E0CB-EC29-4F0E-A782-58C19F5D3434}" dt="2023-09-13T15:36:32.364" v="3262" actId="313"/>
+          <ac:spMkLst>
+            <pc:docMk/>
+            <pc:sldMk cId="2198616665" sldId="340"/>
+            <ac:spMk id="11" creationId="{DCFC626D-159C-7090-15A7-52B023144CC1}"/>
+          </ac:spMkLst>
+        </pc:spChg>
+        <pc:spChg chg="add mod">
+          <ac:chgData name="Weifeng Xu" userId="e7aed605-a3dd-4d5a-a692-a87037af107b" providerId="ADAL" clId="{FC29E0CB-EC29-4F0E-A782-58C19F5D3434}" dt="2023-09-13T15:38:35.543" v="3336" actId="20577"/>
+          <ac:spMkLst>
+            <pc:docMk/>
+            <pc:sldMk cId="2198616665" sldId="340"/>
+            <ac:spMk id="12" creationId="{10661398-AADF-2FC7-051B-48856A2CE16D}"/>
+          </ac:spMkLst>
+        </pc:spChg>
+        <pc:picChg chg="add mod">
+          <ac:chgData name="Weifeng Xu" userId="e7aed605-a3dd-4d5a-a692-a87037af107b" providerId="ADAL" clId="{FC29E0CB-EC29-4F0E-A782-58C19F5D3434}" dt="2023-09-13T15:32:20.112" v="3188" actId="1076"/>
+          <ac:picMkLst>
+            <pc:docMk/>
+            <pc:sldMk cId="2198616665" sldId="340"/>
+            <ac:picMk id="1026" creationId="{E8E707E9-49EC-6B9C-CD73-C05D8653C8D2}"/>
+          </ac:picMkLst>
+        </pc:picChg>
+        <pc:picChg chg="add mod">
+          <ac:chgData name="Weifeng Xu" userId="e7aed605-a3dd-4d5a-a692-a87037af107b" providerId="ADAL" clId="{FC29E0CB-EC29-4F0E-A782-58C19F5D3434}" dt="2023-09-13T15:32:20.112" v="3188" actId="1076"/>
+          <ac:picMkLst>
+            <pc:docMk/>
+            <pc:sldMk cId="2198616665" sldId="340"/>
+            <ac:picMk id="1028" creationId="{8E2D5B94-E0D7-C415-5511-C4E5EC0F279E}"/>
+          </ac:picMkLst>
+        </pc:picChg>
+        <pc:picChg chg="add mod">
+          <ac:chgData name="Weifeng Xu" userId="e7aed605-a3dd-4d5a-a692-a87037af107b" providerId="ADAL" clId="{FC29E0CB-EC29-4F0E-A782-58C19F5D3434}" dt="2023-09-13T15:32:20.112" v="3188" actId="1076"/>
+          <ac:picMkLst>
+            <pc:docMk/>
+            <pc:sldMk cId="2198616665" sldId="340"/>
+            <ac:picMk id="1030" creationId="{88A9BF2B-8937-174B-2E19-9BE3AC2E2911}"/>
+          </ac:picMkLst>
+        </pc:picChg>
+        <pc:picChg chg="add mod">
+          <ac:chgData name="Weifeng Xu" userId="e7aed605-a3dd-4d5a-a692-a87037af107b" providerId="ADAL" clId="{FC29E0CB-EC29-4F0E-A782-58C19F5D3434}" dt="2023-09-13T15:34:45.497" v="3230" actId="1076"/>
+          <ac:picMkLst>
+            <pc:docMk/>
+            <pc:sldMk cId="2198616665" sldId="340"/>
+            <ac:picMk id="1032" creationId="{5B5B1E4A-017E-2E34-692F-F3A8242B2BFB}"/>
+          </ac:picMkLst>
+        </pc:picChg>
+        <pc:picChg chg="add mod">
+          <ac:chgData name="Weifeng Xu" userId="e7aed605-a3dd-4d5a-a692-a87037af107b" providerId="ADAL" clId="{FC29E0CB-EC29-4F0E-A782-58C19F5D3434}" dt="2023-09-13T15:33:13.920" v="3194" actId="1076"/>
+          <ac:picMkLst>
+            <pc:docMk/>
+            <pc:sldMk cId="2198616665" sldId="340"/>
+            <ac:picMk id="1034" creationId="{F0234C05-8A75-CE81-0489-A05B8D6E4343}"/>
           </ac:picMkLst>
         </pc:picChg>
       </pc:sldChg>
@@ -4461,7 +4637,7 @@
       <dgm:spPr/>
     </dgm:pt>
     <dgm:pt modelId="{ABBDB93D-5168-4FFD-80EA-2F06C5FA1C21}" type="pres">
-      <dgm:prSet presAssocID="{68FC34B4-7456-449F-B8D7-27C1BD9F978C}" presName="text2" presStyleLbl="fgAcc2" presStyleIdx="0" presStyleCnt="2" custLinFactNeighborX="29866" custLinFactNeighborY="18566">
+      <dgm:prSet presAssocID="{68FC34B4-7456-449F-B8D7-27C1BD9F978C}" presName="text2" presStyleLbl="fgAcc2" presStyleIdx="0" presStyleCnt="2" custLinFactNeighborX="-1451" custLinFactNeighborY="-2761">
         <dgm:presLayoutVars>
           <dgm:chPref val="3"/>
         </dgm:presLayoutVars>
@@ -4545,7 +4721,7 @@
       <dgm:spPr/>
     </dgm:pt>
     <dgm:pt modelId="{4E4A765A-3D72-48B5-AD21-0563DEE1604A}" type="pres">
-      <dgm:prSet presAssocID="{6972FCFF-2B01-4885-86B9-51A7D72403DC}" presName="text2" presStyleLbl="fgAcc2" presStyleIdx="1" presStyleCnt="2">
+      <dgm:prSet presAssocID="{6972FCFF-2B01-4885-86B9-51A7D72403DC}" presName="text2" presStyleLbl="fgAcc2" presStyleIdx="1" presStyleCnt="2" custLinFactNeighborX="-459" custLinFactNeighborY="-2666">
         <dgm:presLayoutVars>
           <dgm:chPref val="3"/>
         </dgm:presLayoutVars>
@@ -5321,7 +5497,7 @@
       <dsp:spPr>
         <a:xfrm>
           <a:off x="2020561" y="586721"/>
-          <a:ext cx="564269" cy="268541"/>
+          <a:ext cx="560031" cy="252909"/>
         </a:xfrm>
         <a:custGeom>
           <a:avLst/>
@@ -5335,13 +5511,13 @@
                 <a:pt x="0" y="0"/>
               </a:moveTo>
               <a:lnTo>
-                <a:pt x="0" y="183002"/>
+                <a:pt x="0" y="167371"/>
               </a:lnTo>
               <a:lnTo>
-                <a:pt x="564269" y="183002"/>
+                <a:pt x="560031" y="167371"/>
               </a:lnTo>
               <a:lnTo>
-                <a:pt x="564269" y="268541"/>
+                <a:pt x="560031" y="252909"/>
               </a:lnTo>
             </a:path>
           </a:pathLst>
@@ -5381,8 +5557,8 @@
       </dsp:nvSpPr>
       <dsp:spPr>
         <a:xfrm>
-          <a:off x="1732059" y="1550447"/>
-          <a:ext cx="288501" cy="159683"/>
+          <a:off x="1442893" y="1425401"/>
+          <a:ext cx="577667" cy="284729"/>
         </a:xfrm>
         <a:custGeom>
           <a:avLst/>
@@ -5396,13 +5572,13 @@
                 <a:pt x="0" y="0"/>
               </a:moveTo>
               <a:lnTo>
-                <a:pt x="0" y="74145"/>
+                <a:pt x="0" y="199191"/>
               </a:lnTo>
               <a:lnTo>
-                <a:pt x="288501" y="74145"/>
+                <a:pt x="577667" y="199191"/>
               </a:lnTo>
               <a:lnTo>
-                <a:pt x="288501" y="159683"/>
+                <a:pt x="577667" y="284729"/>
               </a:lnTo>
             </a:path>
           </a:pathLst>
@@ -5442,8 +5618,8 @@
       </dsp:nvSpPr>
       <dsp:spPr>
         <a:xfrm>
-          <a:off x="892021" y="1550447"/>
-          <a:ext cx="840037" cy="159683"/>
+          <a:off x="892021" y="1425401"/>
+          <a:ext cx="550871" cy="284729"/>
         </a:xfrm>
         <a:custGeom>
           <a:avLst/>
@@ -5454,16 +5630,16 @@
           <a:pathLst>
             <a:path>
               <a:moveTo>
-                <a:pt x="840037" y="0"/>
+                <a:pt x="550871" y="0"/>
               </a:moveTo>
               <a:lnTo>
-                <a:pt x="840037" y="74145"/>
+                <a:pt x="550871" y="199191"/>
               </a:lnTo>
               <a:lnTo>
-                <a:pt x="0" y="74145"/>
+                <a:pt x="0" y="199191"/>
               </a:lnTo>
               <a:lnTo>
-                <a:pt x="0" y="159683"/>
+                <a:pt x="0" y="284729"/>
               </a:lnTo>
             </a:path>
           </a:pathLst>
@@ -5503,8 +5679,8 @@
       </dsp:nvSpPr>
       <dsp:spPr>
         <a:xfrm>
-          <a:off x="1732059" y="586721"/>
-          <a:ext cx="288501" cy="377398"/>
+          <a:off x="1442893" y="586721"/>
+          <a:ext cx="577667" cy="252352"/>
         </a:xfrm>
         <a:custGeom>
           <a:avLst/>
@@ -5515,16 +5691,16 @@
           <a:pathLst>
             <a:path>
               <a:moveTo>
-                <a:pt x="288501" y="0"/>
+                <a:pt x="577667" y="0"/>
               </a:moveTo>
               <a:lnTo>
-                <a:pt x="288501" y="291860"/>
+                <a:pt x="577667" y="166814"/>
               </a:lnTo>
               <a:lnTo>
-                <a:pt x="0" y="291860"/>
+                <a:pt x="0" y="166814"/>
               </a:lnTo>
               <a:lnTo>
-                <a:pt x="0" y="377398"/>
+                <a:pt x="0" y="252352"/>
               </a:lnTo>
             </a:path>
           </a:pathLst>
@@ -5695,7 +5871,7 @@
       </dsp:nvSpPr>
       <dsp:spPr>
         <a:xfrm>
-          <a:off x="1270383" y="964119"/>
+          <a:off x="981218" y="839073"/>
           <a:ext cx="923350" cy="586327"/>
         </a:xfrm>
         <a:prstGeom prst="roundRect">
@@ -5747,7 +5923,7 @@
       </dsp:nvSpPr>
       <dsp:spPr>
         <a:xfrm>
-          <a:off x="1372978" y="1061584"/>
+          <a:off x="1083812" y="936538"/>
           <a:ext cx="923350" cy="586327"/>
         </a:xfrm>
         <a:prstGeom prst="roundRect">
@@ -5815,7 +5991,7 @@
         </a:p>
       </dsp:txBody>
       <dsp:txXfrm>
-        <a:off x="1390151" y="1078757"/>
+        <a:off x="1100985" y="953711"/>
         <a:ext cx="889004" cy="551981"/>
       </dsp:txXfrm>
     </dsp:sp>
@@ -6088,7 +6264,7 @@
       </dsp:nvSpPr>
       <dsp:spPr>
         <a:xfrm>
-          <a:off x="2123155" y="855262"/>
+          <a:off x="2118917" y="839630"/>
           <a:ext cx="923350" cy="586327"/>
         </a:xfrm>
         <a:prstGeom prst="roundRect">
@@ -6140,7 +6316,7 @@
       </dsp:nvSpPr>
       <dsp:spPr>
         <a:xfrm>
-          <a:off x="2225750" y="952727"/>
+          <a:off x="2221511" y="937095"/>
           <a:ext cx="923350" cy="586327"/>
         </a:xfrm>
         <a:prstGeom prst="roundRect">
@@ -6208,7 +6384,7 @@
         </a:p>
       </dsp:txBody>
       <dsp:txXfrm>
-        <a:off x="2242923" y="969900"/>
+        <a:off x="2238684" y="954268"/>
         <a:ext cx="889004" cy="551981"/>
       </dsp:txXfrm>
     </dsp:sp>
@@ -11174,7 +11350,7 @@
           <a:p>
             <a:fld id="{EE41F6E3-57F9-402E-BDBA-5B2DE11C8530}" type="datetimeFigureOut">
               <a:rPr lang="en-US" smtClean="0"/>
-              <a:t>9/4/2023</a:t>
+              <a:t>9/13/2023</a:t>
             </a:fld>
             <a:endParaRPr lang="en-US"/>
           </a:p>
@@ -11677,7 +11853,7 @@
           <a:p>
             <a:fld id="{DDBF98C7-164A-4723-84F0-B1E4B080DDEC}" type="slidenum">
               <a:rPr lang="en-US" smtClean="0"/>
-              <a:t>33</a:t>
+              <a:t>34</a:t>
             </a:fld>
             <a:endParaRPr lang="en-US"/>
           </a:p>
@@ -11825,7 +12001,7 @@
           <a:p>
             <a:fld id="{DDBF98C7-164A-4723-84F0-B1E4B080DDEC}" type="slidenum">
               <a:rPr lang="en-US" smtClean="0"/>
-              <a:t>34</a:t>
+              <a:t>35</a:t>
             </a:fld>
             <a:endParaRPr lang="en-US"/>
           </a:p>
@@ -11909,7 +12085,7 @@
           <a:p>
             <a:fld id="{DDBF98C7-164A-4723-84F0-B1E4B080DDEC}" type="slidenum">
               <a:rPr lang="en-US" smtClean="0"/>
-              <a:t>39</a:t>
+              <a:t>40</a:t>
             </a:fld>
             <a:endParaRPr lang="en-US"/>
           </a:p>
@@ -11996,7 +12172,7 @@
           <a:p>
             <a:fld id="{DDBF98C7-164A-4723-84F0-B1E4B080DDEC}" type="slidenum">
               <a:rPr lang="en-US" smtClean="0"/>
-              <a:t>40</a:t>
+              <a:t>41</a:t>
             </a:fld>
             <a:endParaRPr lang="en-US"/>
           </a:p>
@@ -12126,7 +12302,7 @@
           <a:p>
             <a:fld id="{DDBF98C7-164A-4723-84F0-B1E4B080DDEC}" type="slidenum">
               <a:rPr lang="en-US" smtClean="0"/>
-              <a:t>41</a:t>
+              <a:t>42</a:t>
             </a:fld>
             <a:endParaRPr lang="en-US"/>
           </a:p>
@@ -12260,7 +12436,7 @@
           <a:p>
             <a:fld id="{DDBF98C7-164A-4723-84F0-B1E4B080DDEC}" type="slidenum">
               <a:rPr lang="en-US" smtClean="0"/>
-              <a:t>45</a:t>
+              <a:t>46</a:t>
             </a:fld>
             <a:endParaRPr lang="en-US"/>
           </a:p>
@@ -12371,7 +12547,7 @@
           <a:p>
             <a:fld id="{DDBF98C7-164A-4723-84F0-B1E4B080DDEC}" type="slidenum">
               <a:rPr lang="en-US" smtClean="0"/>
-              <a:t>50</a:t>
+              <a:t>51</a:t>
             </a:fld>
             <a:endParaRPr lang="en-US"/>
           </a:p>
@@ -12477,7 +12653,7 @@
           <a:p>
             <a:fld id="{DDBF98C7-164A-4723-84F0-B1E4B080DDEC}" type="slidenum">
               <a:rPr lang="en-US" smtClean="0"/>
-              <a:t>52</a:t>
+              <a:t>53</a:t>
             </a:fld>
             <a:endParaRPr lang="en-US"/>
           </a:p>
@@ -12615,7 +12791,7 @@
           <a:p>
             <a:fld id="{DDBF98C7-164A-4723-84F0-B1E4B080DDEC}" type="slidenum">
               <a:rPr lang="en-US" smtClean="0"/>
-              <a:t>54</a:t>
+              <a:t>55</a:t>
             </a:fld>
             <a:endParaRPr lang="en-US"/>
           </a:p>
@@ -12702,7 +12878,7 @@
           <a:p>
             <a:fld id="{DDBF98C7-164A-4723-84F0-B1E4B080DDEC}" type="slidenum">
               <a:rPr lang="en-US" smtClean="0"/>
-              <a:t>58</a:t>
+              <a:t>59</a:t>
             </a:fld>
             <a:endParaRPr lang="en-US"/>
           </a:p>
@@ -13629,7 +13805,7 @@
           <a:p>
             <a:fld id="{DDBF98C7-164A-4723-84F0-B1E4B080DDEC}" type="slidenum">
               <a:rPr lang="en-US" smtClean="0"/>
-              <a:t>29</a:t>
+              <a:t>30</a:t>
             </a:fld>
             <a:endParaRPr lang="en-US"/>
           </a:p>
@@ -13786,7 +13962,7 @@
           <a:p>
             <a:fld id="{DDBF98C7-164A-4723-84F0-B1E4B080DDEC}" type="slidenum">
               <a:rPr lang="en-US" smtClean="0"/>
-              <a:t>31</a:t>
+              <a:t>32</a:t>
             </a:fld>
             <a:endParaRPr lang="en-US"/>
           </a:p>
@@ -13934,7 +14110,7 @@
           <a:p>
             <a:fld id="{4263717A-E3C1-4BED-ABE0-B7069385E023}" type="datetimeFigureOut">
               <a:rPr lang="en-US" smtClean="0"/>
-              <a:t>9/4/2023</a:t>
+              <a:t>9/13/2023</a:t>
             </a:fld>
             <a:endParaRPr lang="en-US"/>
           </a:p>
@@ -14107,7 +14283,7 @@
           <a:p>
             <a:fld id="{4263717A-E3C1-4BED-ABE0-B7069385E023}" type="datetimeFigureOut">
               <a:rPr lang="en-US" smtClean="0"/>
-              <a:t>9/4/2023</a:t>
+              <a:t>9/13/2023</a:t>
             </a:fld>
             <a:endParaRPr lang="en-US"/>
           </a:p>
@@ -14285,7 +14461,7 @@
           <a:p>
             <a:fld id="{4263717A-E3C1-4BED-ABE0-B7069385E023}" type="datetimeFigureOut">
               <a:rPr lang="en-US" smtClean="0"/>
-              <a:t>9/4/2023</a:t>
+              <a:t>9/13/2023</a:t>
             </a:fld>
             <a:endParaRPr lang="en-US"/>
           </a:p>
@@ -14453,7 +14629,7 @@
           <a:p>
             <a:fld id="{4263717A-E3C1-4BED-ABE0-B7069385E023}" type="datetimeFigureOut">
               <a:rPr lang="en-US" smtClean="0"/>
-              <a:t>9/4/2023</a:t>
+              <a:t>9/13/2023</a:t>
             </a:fld>
             <a:endParaRPr lang="en-US"/>
           </a:p>
@@ -14698,7 +14874,7 @@
           <a:p>
             <a:fld id="{4263717A-E3C1-4BED-ABE0-B7069385E023}" type="datetimeFigureOut">
               <a:rPr lang="en-US" smtClean="0"/>
-              <a:t>9/4/2023</a:t>
+              <a:t>9/13/2023</a:t>
             </a:fld>
             <a:endParaRPr lang="en-US"/>
           </a:p>
@@ -14927,7 +15103,7 @@
           <a:p>
             <a:fld id="{4263717A-E3C1-4BED-ABE0-B7069385E023}" type="datetimeFigureOut">
               <a:rPr lang="en-US" smtClean="0"/>
-              <a:t>9/4/2023</a:t>
+              <a:t>9/13/2023</a:t>
             </a:fld>
             <a:endParaRPr lang="en-US"/>
           </a:p>
@@ -15291,7 +15467,7 @@
           <a:p>
             <a:fld id="{4263717A-E3C1-4BED-ABE0-B7069385E023}" type="datetimeFigureOut">
               <a:rPr lang="en-US" smtClean="0"/>
-              <a:t>9/4/2023</a:t>
+              <a:t>9/13/2023</a:t>
             </a:fld>
             <a:endParaRPr lang="en-US"/>
           </a:p>
@@ -15408,7 +15584,7 @@
           <a:p>
             <a:fld id="{4263717A-E3C1-4BED-ABE0-B7069385E023}" type="datetimeFigureOut">
               <a:rPr lang="en-US" smtClean="0"/>
-              <a:t>9/4/2023</a:t>
+              <a:t>9/13/2023</a:t>
             </a:fld>
             <a:endParaRPr lang="en-US"/>
           </a:p>
@@ -15503,7 +15679,7 @@
           <a:p>
             <a:fld id="{4263717A-E3C1-4BED-ABE0-B7069385E023}" type="datetimeFigureOut">
               <a:rPr lang="en-US" smtClean="0"/>
-              <a:t>9/4/2023</a:t>
+              <a:t>9/13/2023</a:t>
             </a:fld>
             <a:endParaRPr lang="en-US"/>
           </a:p>
@@ -15778,7 +15954,7 @@
           <a:p>
             <a:fld id="{4263717A-E3C1-4BED-ABE0-B7069385E023}" type="datetimeFigureOut">
               <a:rPr lang="en-US" smtClean="0"/>
-              <a:t>9/4/2023</a:t>
+              <a:t>9/13/2023</a:t>
             </a:fld>
             <a:endParaRPr lang="en-US"/>
           </a:p>
@@ -16030,7 +16206,7 @@
           <a:p>
             <a:fld id="{4263717A-E3C1-4BED-ABE0-B7069385E023}" type="datetimeFigureOut">
               <a:rPr lang="en-US" smtClean="0"/>
-              <a:t>9/4/2023</a:t>
+              <a:t>9/13/2023</a:t>
             </a:fld>
             <a:endParaRPr lang="en-US"/>
           </a:p>
@@ -16241,7 +16417,7 @@
           <a:p>
             <a:fld id="{4263717A-E3C1-4BED-ABE0-B7069385E023}" type="datetimeFigureOut">
               <a:rPr lang="en-US" smtClean="0"/>
-              <a:t>9/4/2023</a:t>
+              <a:t>9/13/2023</a:t>
             </a:fld>
             <a:endParaRPr lang="en-US"/>
           </a:p>
@@ -18404,7 +18580,7 @@
             <p:ph idx="4294967295"/>
             <p:extLst>
               <p:ext uri="{D42A27DB-BD31-4B8C-83A1-F6EECF244321}">
-                <p14:modId xmlns:p14="http://schemas.microsoft.com/office/powerpoint/2010/main" val="1848829404"/>
+                <p14:modId xmlns:p14="http://schemas.microsoft.com/office/powerpoint/2010/main" val="651335228"/>
               </p:ext>
             </p:extLst>
           </p:nvPr>
@@ -18540,7 +18716,11 @@
                       <a:endParaRPr lang="en-US" dirty="0"/>
                     </a:p>
                   </a:txBody>
-                  <a:tcPr/>
+                  <a:tcPr>
+                    <a:solidFill>
+                      <a:srgbClr val="FEC6DE"/>
+                    </a:solidFill>
+                  </a:tcPr>
                 </a:tc>
                 <a:tc>
                   <a:txBody>
@@ -18727,6 +18907,45 @@
           </a:prstGeom>
         </p:spPr>
       </p:pic>
+      <p:cxnSp>
+        <p:nvCxnSpPr>
+          <p:cNvPr id="6" name="Straight Arrow Connector 5">
+            <a:extLst>
+              <a:ext uri="{FF2B5EF4-FFF2-40B4-BE49-F238E27FC236}">
+                <a16:creationId xmlns:a16="http://schemas.microsoft.com/office/drawing/2014/main" id="{F8981C7D-2555-01A6-4EFC-29408AE45BF0}"/>
+              </a:ext>
+            </a:extLst>
+          </p:cNvPr>
+          <p:cNvCxnSpPr/>
+          <p:nvPr/>
+        </p:nvCxnSpPr>
+        <p:spPr>
+          <a:xfrm>
+            <a:off x="1766277" y="2610338"/>
+            <a:ext cx="547077" cy="2039816"/>
+          </a:xfrm>
+          <a:prstGeom prst="straightConnector1">
+            <a:avLst/>
+          </a:prstGeom>
+          <a:ln>
+            <a:tailEnd type="triangle"/>
+          </a:ln>
+        </p:spPr>
+        <p:style>
+          <a:lnRef idx="1">
+            <a:schemeClr val="accent2"/>
+          </a:lnRef>
+          <a:fillRef idx="0">
+            <a:schemeClr val="accent2"/>
+          </a:fillRef>
+          <a:effectRef idx="0">
+            <a:schemeClr val="accent2"/>
+          </a:effectRef>
+          <a:fontRef idx="minor">
+            <a:schemeClr val="tx1"/>
+          </a:fontRef>
+        </p:style>
+      </p:cxnSp>
     </p:spTree>
     <p:extLst>
       <p:ext uri="{BB962C8B-B14F-4D97-AF65-F5344CB8AC3E}">
@@ -18949,7 +19168,7 @@
         <p:spPr>
           <a:xfrm>
             <a:off x="3493980" y="794683"/>
-            <a:ext cx="1242143" cy="338554"/>
+            <a:ext cx="2773958" cy="338554"/>
           </a:xfrm>
           <a:prstGeom prst="rect">
             <a:avLst/>
@@ -18980,7 +19199,7 @@
               <a:rPr lang="en-US" sz="1600" dirty="0">
                 <a:latin typeface="Verdana" panose="020B0604030504040204" pitchFamily="34" charset="0"/>
               </a:rPr>
-              <a:t>: offset</a:t>
+              <a:t>: offset of a partition</a:t>
             </a:r>
           </a:p>
         </p:txBody>
@@ -19025,7 +19244,7 @@
         <p:spPr>
           <a:xfrm>
             <a:off x="6096000" y="4350695"/>
-            <a:ext cx="4478214" cy="2123658"/>
+            <a:ext cx="4478214" cy="1815882"/>
           </a:xfrm>
           <a:prstGeom prst="rect">
             <a:avLst/>
@@ -19042,24 +19261,6 @@
             <a:spAutoFit/>
           </a:bodyPr>
           <a:lstStyle/>
-          <a:p>
-            <a:pPr marL="285750" indent="-285750">
-              <a:buFont typeface="Arial" panose="020B0604020202020204" pitchFamily="34" charset="0"/>
-              <a:buChar char="•"/>
-            </a:pPr>
-            <a:r>
-              <a:rPr lang="pt-BR" sz="1600" dirty="0">
-                <a:solidFill>
-                  <a:srgbClr val="FF0000"/>
-                </a:solidFill>
-              </a:rPr>
-              <a:t>r: </a:t>
-            </a:r>
-            <a:r>
-              <a:rPr lang="pt-BR" sz="1600" dirty="0"/>
-              <a:t>Regular file</a:t>
-            </a:r>
-          </a:p>
           <a:p>
             <a:pPr marL="285750" indent="-285750">
               <a:buFont typeface="Arial" panose="020B0604020202020204" pitchFamily="34" charset="0"/>
@@ -19207,7 +19408,11 @@
                   <a:schemeClr val="accent1"/>
                 </a:solidFill>
               </a:rPr>
-              <a:t> r</a:t>
+              <a:t> r: </a:t>
+            </a:r>
+            <a:r>
+              <a:rPr lang="pt-BR" sz="2000" dirty="0"/>
+              <a:t>Regular file</a:t>
             </a:r>
           </a:p>
           <a:p>
@@ -19853,14 +20058,34 @@
             <a:pPr lvl="1"/>
             <a:r>
               <a:rPr lang="en-US" dirty="0"/>
-              <a:t>Stores low-level settings for the Microsoft Windows operating system </a:t>
+              <a:t>Stores low-level settings for the Microsoft Windows </a:t>
+            </a:r>
+            <a:r>
+              <a:rPr lang="en-US" dirty="0">
+                <a:solidFill>
+                  <a:schemeClr val="accent2"/>
+                </a:solidFill>
+              </a:rPr>
+              <a:t>operating system </a:t>
             </a:r>
           </a:p>
           <a:p>
             <a:pPr lvl="1"/>
             <a:r>
               <a:rPr lang="en-US" dirty="0"/>
-              <a:t>Store setting for applications that opt to use the registry. </a:t>
+              <a:t>Store setting for </a:t>
+            </a:r>
+            <a:r>
+              <a:rPr lang="en-US" dirty="0">
+                <a:solidFill>
+                  <a:schemeClr val="accent2"/>
+                </a:solidFill>
+              </a:rPr>
+              <a:t>applications</a:t>
+            </a:r>
+            <a:r>
+              <a:rPr lang="en-US" dirty="0"/>
+              <a:t> that opt to use the registry. </a:t>
             </a:r>
           </a:p>
           <a:p>
@@ -19986,7 +20211,7 @@
           <p:nvPr>
             <p:extLst>
               <p:ext uri="{D42A27DB-BD31-4B8C-83A1-F6EECF244321}">
-                <p14:modId xmlns:p14="http://schemas.microsoft.com/office/powerpoint/2010/main" val="1469098487"/>
+                <p14:modId xmlns:p14="http://schemas.microsoft.com/office/powerpoint/2010/main" val="2998760615"/>
               </p:ext>
             </p:extLst>
           </p:nvPr>
@@ -20015,6 +20240,618 @@
 </file>
 
 <file path=ppt/slides/slide24.xml><?xml version="1.0" encoding="utf-8"?>
+<p:sld xmlns:a="http://schemas.openxmlformats.org/drawingml/2006/main" xmlns:r="http://schemas.openxmlformats.org/officeDocument/2006/relationships" xmlns:p="http://schemas.openxmlformats.org/presentationml/2006/main">
+  <p:cSld>
+    <p:spTree>
+      <p:nvGrpSpPr>
+        <p:cNvPr id="1" name=""/>
+        <p:cNvGrpSpPr/>
+        <p:nvPr/>
+      </p:nvGrpSpPr>
+      <p:grpSpPr>
+        <a:xfrm>
+          <a:off x="0" y="0"/>
+          <a:ext cx="0" cy="0"/>
+          <a:chOff x="0" y="0"/>
+          <a:chExt cx="0" cy="0"/>
+        </a:xfrm>
+      </p:grpSpPr>
+      <p:pic>
+        <p:nvPicPr>
+          <p:cNvPr id="1026" name="Picture 2" descr="User Icon in User Profile Avatar">
+            <a:extLst>
+              <a:ext uri="{FF2B5EF4-FFF2-40B4-BE49-F238E27FC236}">
+                <a16:creationId xmlns:a16="http://schemas.microsoft.com/office/drawing/2014/main" id="{E8E707E9-49EC-6B9C-CD73-C05D8653C8D2}"/>
+              </a:ext>
+            </a:extLst>
+          </p:cNvPr>
+          <p:cNvPicPr>
+            <a:picLocks noChangeAspect="1" noChangeArrowheads="1"/>
+          </p:cNvPicPr>
+          <p:nvPr/>
+        </p:nvPicPr>
+        <p:blipFill>
+          <a:blip r:embed="rId2">
+            <a:extLst>
+              <a:ext uri="{28A0092B-C50C-407E-A947-70E740481C1C}">
+                <a14:useLocalDpi xmlns:a14="http://schemas.microsoft.com/office/drawing/2010/main" val="0"/>
+              </a:ext>
+            </a:extLst>
+          </a:blip>
+          <a:srcRect/>
+          <a:stretch>
+            <a:fillRect/>
+          </a:stretch>
+        </p:blipFill>
+        <p:spPr bwMode="auto">
+          <a:xfrm>
+            <a:off x="1040404" y="1511774"/>
+            <a:ext cx="1693333" cy="1693333"/>
+          </a:xfrm>
+          <a:prstGeom prst="rect">
+            <a:avLst/>
+          </a:prstGeom>
+          <a:noFill/>
+          <a:extLst>
+            <a:ext uri="{909E8E84-426E-40DD-AFC4-6F175D3DCCD1}">
+              <a14:hiddenFill xmlns:a14="http://schemas.microsoft.com/office/drawing/2010/main">
+                <a:solidFill>
+                  <a:srgbClr val="FFFFFF"/>
+                </a:solidFill>
+              </a14:hiddenFill>
+            </a:ext>
+          </a:extLst>
+        </p:spPr>
+      </p:pic>
+      <p:pic>
+        <p:nvPicPr>
+          <p:cNvPr id="1028" name="Picture 4" descr="Desktop Icon Vector Art, Icons, and Graphics for Free Download">
+            <a:extLst>
+              <a:ext uri="{FF2B5EF4-FFF2-40B4-BE49-F238E27FC236}">
+                <a16:creationId xmlns:a16="http://schemas.microsoft.com/office/drawing/2014/main" id="{8E2D5B94-E0D7-C415-5511-C4E5EC0F279E}"/>
+              </a:ext>
+            </a:extLst>
+          </p:cNvPr>
+          <p:cNvPicPr>
+            <a:picLocks noChangeAspect="1" noChangeArrowheads="1"/>
+          </p:cNvPicPr>
+          <p:nvPr/>
+        </p:nvPicPr>
+        <p:blipFill>
+          <a:blip r:embed="rId3">
+            <a:extLst>
+              <a:ext uri="{28A0092B-C50C-407E-A947-70E740481C1C}">
+                <a14:useLocalDpi xmlns:a14="http://schemas.microsoft.com/office/drawing/2010/main" val="0"/>
+              </a:ext>
+            </a:extLst>
+          </a:blip>
+          <a:srcRect/>
+          <a:stretch>
+            <a:fillRect/>
+          </a:stretch>
+        </p:blipFill>
+        <p:spPr bwMode="auto">
+          <a:xfrm>
+            <a:off x="3200991" y="1524000"/>
+            <a:ext cx="1905000" cy="1905000"/>
+          </a:xfrm>
+          <a:prstGeom prst="rect">
+            <a:avLst/>
+          </a:prstGeom>
+          <a:noFill/>
+          <a:extLst>
+            <a:ext uri="{909E8E84-426E-40DD-AFC4-6F175D3DCCD1}">
+              <a14:hiddenFill xmlns:a14="http://schemas.microsoft.com/office/drawing/2010/main">
+                <a:solidFill>
+                  <a:srgbClr val="FFFFFF"/>
+                </a:solidFill>
+              </a14:hiddenFill>
+            </a:ext>
+          </a:extLst>
+        </p:spPr>
+      </p:pic>
+      <p:pic>
+        <p:nvPicPr>
+          <p:cNvPr id="1030" name="Picture 6" descr="Windows Registry - The DNA of the Computer System - CPMS">
+            <a:extLst>
+              <a:ext uri="{FF2B5EF4-FFF2-40B4-BE49-F238E27FC236}">
+                <a16:creationId xmlns:a16="http://schemas.microsoft.com/office/drawing/2014/main" id="{88A9BF2B-8937-174B-2E19-9BE3AC2E2911}"/>
+              </a:ext>
+            </a:extLst>
+          </p:cNvPr>
+          <p:cNvPicPr>
+            <a:picLocks noChangeAspect="1" noChangeArrowheads="1"/>
+          </p:cNvPicPr>
+          <p:nvPr/>
+        </p:nvPicPr>
+        <p:blipFill>
+          <a:blip r:embed="rId4">
+            <a:extLst>
+              <a:ext uri="{28A0092B-C50C-407E-A947-70E740481C1C}">
+                <a14:useLocalDpi xmlns:a14="http://schemas.microsoft.com/office/drawing/2010/main" val="0"/>
+              </a:ext>
+            </a:extLst>
+          </a:blip>
+          <a:srcRect/>
+          <a:stretch>
+            <a:fillRect/>
+          </a:stretch>
+        </p:blipFill>
+        <p:spPr bwMode="auto">
+          <a:xfrm>
+            <a:off x="5961897" y="1722913"/>
+            <a:ext cx="1534100" cy="1482194"/>
+          </a:xfrm>
+          <a:prstGeom prst="rect">
+            <a:avLst/>
+          </a:prstGeom>
+          <a:noFill/>
+          <a:extLst>
+            <a:ext uri="{909E8E84-426E-40DD-AFC4-6F175D3DCCD1}">
+              <a14:hiddenFill xmlns:a14="http://schemas.microsoft.com/office/drawing/2010/main">
+                <a:solidFill>
+                  <a:srgbClr val="FFFFFF"/>
+                </a:solidFill>
+              </a14:hiddenFill>
+            </a:ext>
+          </a:extLst>
+        </p:spPr>
+      </p:pic>
+      <p:pic>
+        <p:nvPicPr>
+          <p:cNvPr id="1032" name="Picture 8" descr="How to Manage Files in WinZip - Download a Free Trial">
+            <a:extLst>
+              <a:ext uri="{FF2B5EF4-FFF2-40B4-BE49-F238E27FC236}">
+                <a16:creationId xmlns:a16="http://schemas.microsoft.com/office/drawing/2014/main" id="{5B5B1E4A-017E-2E34-692F-F3A8242B2BFB}"/>
+              </a:ext>
+            </a:extLst>
+          </p:cNvPr>
+          <p:cNvPicPr>
+            <a:picLocks noChangeAspect="1" noChangeArrowheads="1"/>
+          </p:cNvPicPr>
+          <p:nvPr/>
+        </p:nvPicPr>
+        <p:blipFill>
+          <a:blip r:embed="rId5">
+            <a:extLst>
+              <a:ext uri="{28A0092B-C50C-407E-A947-70E740481C1C}">
+                <a14:useLocalDpi xmlns:a14="http://schemas.microsoft.com/office/drawing/2010/main" val="0"/>
+              </a:ext>
+            </a:extLst>
+          </a:blip>
+          <a:srcRect/>
+          <a:stretch>
+            <a:fillRect/>
+          </a:stretch>
+        </p:blipFill>
+        <p:spPr bwMode="auto">
+          <a:xfrm>
+            <a:off x="8544773" y="1916588"/>
+            <a:ext cx="2839508" cy="1512412"/>
+          </a:xfrm>
+          <a:prstGeom prst="rect">
+            <a:avLst/>
+          </a:prstGeom>
+          <a:noFill/>
+          <a:extLst>
+            <a:ext uri="{909E8E84-426E-40DD-AFC4-6F175D3DCCD1}">
+              <a14:hiddenFill xmlns:a14="http://schemas.microsoft.com/office/drawing/2010/main">
+                <a:solidFill>
+                  <a:srgbClr val="FFFFFF"/>
+                </a:solidFill>
+              </a14:hiddenFill>
+            </a:ext>
+          </a:extLst>
+        </p:spPr>
+      </p:pic>
+      <p:sp>
+        <p:nvSpPr>
+          <p:cNvPr id="4" name="Arrow: Left-Right 3">
+            <a:extLst>
+              <a:ext uri="{FF2B5EF4-FFF2-40B4-BE49-F238E27FC236}">
+                <a16:creationId xmlns:a16="http://schemas.microsoft.com/office/drawing/2014/main" id="{39048C2E-3447-63DE-9548-11151A4151E2}"/>
+              </a:ext>
+            </a:extLst>
+          </p:cNvPr>
+          <p:cNvSpPr/>
+          <p:nvPr/>
+        </p:nvSpPr>
+        <p:spPr>
+          <a:xfrm>
+            <a:off x="7640581" y="2319071"/>
+            <a:ext cx="1012826" cy="314857"/>
+          </a:xfrm>
+          <a:prstGeom prst="leftRightArrow">
+            <a:avLst/>
+          </a:prstGeom>
+        </p:spPr>
+        <p:style>
+          <a:lnRef idx="2">
+            <a:schemeClr val="accent1">
+              <a:shade val="15000"/>
+            </a:schemeClr>
+          </a:lnRef>
+          <a:fillRef idx="1">
+            <a:schemeClr val="accent1"/>
+          </a:fillRef>
+          <a:effectRef idx="0">
+            <a:schemeClr val="accent1"/>
+          </a:effectRef>
+          <a:fontRef idx="minor">
+            <a:schemeClr val="lt1"/>
+          </a:fontRef>
+        </p:style>
+        <p:txBody>
+          <a:bodyPr rtlCol="0" anchor="ctr"/>
+          <a:lstStyle/>
+          <a:p>
+            <a:pPr algn="ctr"/>
+            <a:endParaRPr lang="en-US"/>
+          </a:p>
+        </p:txBody>
+      </p:sp>
+      <p:sp>
+        <p:nvSpPr>
+          <p:cNvPr id="5" name="Arrow: Left-Right 4">
+            <a:extLst>
+              <a:ext uri="{FF2B5EF4-FFF2-40B4-BE49-F238E27FC236}">
+                <a16:creationId xmlns:a16="http://schemas.microsoft.com/office/drawing/2014/main" id="{31CCF271-744B-5F9A-7ED4-9BD5D555916F}"/>
+              </a:ext>
+            </a:extLst>
+          </p:cNvPr>
+          <p:cNvSpPr/>
+          <p:nvPr/>
+        </p:nvSpPr>
+        <p:spPr>
+          <a:xfrm>
+            <a:off x="4995166" y="2306581"/>
+            <a:ext cx="1012826" cy="314857"/>
+          </a:xfrm>
+          <a:prstGeom prst="leftRightArrow">
+            <a:avLst/>
+          </a:prstGeom>
+        </p:spPr>
+        <p:style>
+          <a:lnRef idx="2">
+            <a:schemeClr val="accent1">
+              <a:shade val="15000"/>
+            </a:schemeClr>
+          </a:lnRef>
+          <a:fillRef idx="1">
+            <a:schemeClr val="accent1"/>
+          </a:fillRef>
+          <a:effectRef idx="0">
+            <a:schemeClr val="accent1"/>
+          </a:effectRef>
+          <a:fontRef idx="minor">
+            <a:schemeClr val="lt1"/>
+          </a:fontRef>
+        </p:style>
+        <p:txBody>
+          <a:bodyPr rtlCol="0" anchor="ctr"/>
+          <a:lstStyle/>
+          <a:p>
+            <a:pPr algn="ctr"/>
+            <a:endParaRPr lang="en-US"/>
+          </a:p>
+        </p:txBody>
+      </p:sp>
+      <p:pic>
+        <p:nvPicPr>
+          <p:cNvPr id="1034" name="Picture 10" descr="Avatar, detective, investigator, occupation icon - Download on Iconfinder">
+            <a:extLst>
+              <a:ext uri="{FF2B5EF4-FFF2-40B4-BE49-F238E27FC236}">
+                <a16:creationId xmlns:a16="http://schemas.microsoft.com/office/drawing/2014/main" id="{F0234C05-8A75-CE81-0489-A05B8D6E4343}"/>
+              </a:ext>
+            </a:extLst>
+          </p:cNvPr>
+          <p:cNvPicPr>
+            <a:picLocks noChangeAspect="1" noChangeArrowheads="1"/>
+          </p:cNvPicPr>
+          <p:nvPr/>
+        </p:nvPicPr>
+        <p:blipFill>
+          <a:blip r:embed="rId6">
+            <a:extLst>
+              <a:ext uri="{28A0092B-C50C-407E-A947-70E740481C1C}">
+                <a14:useLocalDpi xmlns:a14="http://schemas.microsoft.com/office/drawing/2010/main" val="0"/>
+              </a:ext>
+            </a:extLst>
+          </a:blip>
+          <a:srcRect/>
+          <a:stretch>
+            <a:fillRect/>
+          </a:stretch>
+        </p:blipFill>
+        <p:spPr bwMode="auto">
+          <a:xfrm>
+            <a:off x="9045527" y="4488630"/>
+            <a:ext cx="1640059" cy="1640059"/>
+          </a:xfrm>
+          <a:prstGeom prst="rect">
+            <a:avLst/>
+          </a:prstGeom>
+          <a:noFill/>
+          <a:extLst>
+            <a:ext uri="{909E8E84-426E-40DD-AFC4-6F175D3DCCD1}">
+              <a14:hiddenFill xmlns:a14="http://schemas.microsoft.com/office/drawing/2010/main">
+                <a:solidFill>
+                  <a:srgbClr val="FFFFFF"/>
+                </a:solidFill>
+              </a14:hiddenFill>
+            </a:ext>
+          </a:extLst>
+        </p:spPr>
+      </p:pic>
+      <p:sp>
+        <p:nvSpPr>
+          <p:cNvPr id="7" name="TextBox 6">
+            <a:extLst>
+              <a:ext uri="{FF2B5EF4-FFF2-40B4-BE49-F238E27FC236}">
+                <a16:creationId xmlns:a16="http://schemas.microsoft.com/office/drawing/2014/main" id="{7949B535-854A-81BA-D43E-8ACE34A06AFA}"/>
+              </a:ext>
+            </a:extLst>
+          </p:cNvPr>
+          <p:cNvSpPr txBox="1"/>
+          <p:nvPr/>
+        </p:nvSpPr>
+        <p:spPr>
+          <a:xfrm>
+            <a:off x="8766699" y="3790265"/>
+            <a:ext cx="1197828" cy="369332"/>
+          </a:xfrm>
+          <a:prstGeom prst="rect">
+            <a:avLst/>
+          </a:prstGeom>
+          <a:noFill/>
+        </p:spPr>
+        <p:txBody>
+          <a:bodyPr wrap="none" rtlCol="0">
+            <a:spAutoFit/>
+          </a:bodyPr>
+          <a:lstStyle/>
+          <a:p>
+            <a:r>
+              <a:rPr lang="en-GB" dirty="0">
+                <a:solidFill>
+                  <a:schemeClr val="accent2"/>
+                </a:solidFill>
+              </a:rPr>
+              <a:t>Investigate</a:t>
+            </a:r>
+            <a:endParaRPr lang="en-US" dirty="0">
+              <a:solidFill>
+                <a:schemeClr val="accent2"/>
+              </a:solidFill>
+            </a:endParaRPr>
+          </a:p>
+        </p:txBody>
+      </p:sp>
+      <p:sp>
+        <p:nvSpPr>
+          <p:cNvPr id="8" name="Arrow: Right 7">
+            <a:extLst>
+              <a:ext uri="{FF2B5EF4-FFF2-40B4-BE49-F238E27FC236}">
+                <a16:creationId xmlns:a16="http://schemas.microsoft.com/office/drawing/2014/main" id="{D8A98E4D-D2FF-EBFD-99D0-EB6943AD5D92}"/>
+              </a:ext>
+            </a:extLst>
+          </p:cNvPr>
+          <p:cNvSpPr/>
+          <p:nvPr/>
+        </p:nvSpPr>
+        <p:spPr>
+          <a:xfrm rot="5400000">
+            <a:off x="9739054" y="3814422"/>
+            <a:ext cx="779978" cy="329033"/>
+          </a:xfrm>
+          <a:prstGeom prst="rightArrow">
+            <a:avLst/>
+          </a:prstGeom>
+          <a:solidFill>
+            <a:srgbClr val="92D050"/>
+          </a:solidFill>
+        </p:spPr>
+        <p:style>
+          <a:lnRef idx="2">
+            <a:schemeClr val="accent1">
+              <a:shade val="15000"/>
+            </a:schemeClr>
+          </a:lnRef>
+          <a:fillRef idx="1">
+            <a:schemeClr val="accent1"/>
+          </a:fillRef>
+          <a:effectRef idx="0">
+            <a:schemeClr val="accent1"/>
+          </a:effectRef>
+          <a:fontRef idx="minor">
+            <a:schemeClr val="lt1"/>
+          </a:fontRef>
+        </p:style>
+        <p:txBody>
+          <a:bodyPr rtlCol="0" anchor="ctr"/>
+          <a:lstStyle/>
+          <a:p>
+            <a:pPr algn="ctr"/>
+            <a:endParaRPr lang="en-US"/>
+          </a:p>
+        </p:txBody>
+      </p:sp>
+      <p:sp>
+        <p:nvSpPr>
+          <p:cNvPr id="9" name="Arrow: Left-Right 8">
+            <a:extLst>
+              <a:ext uri="{FF2B5EF4-FFF2-40B4-BE49-F238E27FC236}">
+                <a16:creationId xmlns:a16="http://schemas.microsoft.com/office/drawing/2014/main" id="{FD3019AE-9E72-4076-32B8-0254BD7947A0}"/>
+              </a:ext>
+            </a:extLst>
+          </p:cNvPr>
+          <p:cNvSpPr/>
+          <p:nvPr/>
+        </p:nvSpPr>
+        <p:spPr>
+          <a:xfrm>
+            <a:off x="2345085" y="2304394"/>
+            <a:ext cx="1012826" cy="314857"/>
+          </a:xfrm>
+          <a:prstGeom prst="leftRightArrow">
+            <a:avLst/>
+          </a:prstGeom>
+        </p:spPr>
+        <p:style>
+          <a:lnRef idx="2">
+            <a:schemeClr val="accent1">
+              <a:shade val="15000"/>
+            </a:schemeClr>
+          </a:lnRef>
+          <a:fillRef idx="1">
+            <a:schemeClr val="accent1"/>
+          </a:fillRef>
+          <a:effectRef idx="0">
+            <a:schemeClr val="accent1"/>
+          </a:effectRef>
+          <a:fontRef idx="minor">
+            <a:schemeClr val="lt1"/>
+          </a:fontRef>
+        </p:style>
+        <p:txBody>
+          <a:bodyPr rtlCol="0" anchor="ctr"/>
+          <a:lstStyle/>
+          <a:p>
+            <a:pPr algn="ctr"/>
+            <a:endParaRPr lang="en-US"/>
+          </a:p>
+        </p:txBody>
+      </p:sp>
+      <p:sp>
+        <p:nvSpPr>
+          <p:cNvPr id="10" name="TextBox 9">
+            <a:extLst>
+              <a:ext uri="{FF2B5EF4-FFF2-40B4-BE49-F238E27FC236}">
+                <a16:creationId xmlns:a16="http://schemas.microsoft.com/office/drawing/2014/main" id="{8CC384A5-F38A-580E-3771-8A27F19FEB2A}"/>
+              </a:ext>
+            </a:extLst>
+          </p:cNvPr>
+          <p:cNvSpPr txBox="1"/>
+          <p:nvPr/>
+        </p:nvSpPr>
+        <p:spPr>
+          <a:xfrm>
+            <a:off x="1476264" y="3528655"/>
+            <a:ext cx="859531" cy="523220"/>
+          </a:xfrm>
+          <a:prstGeom prst="rect">
+            <a:avLst/>
+          </a:prstGeom>
+          <a:noFill/>
+        </p:spPr>
+        <p:txBody>
+          <a:bodyPr wrap="none" rtlCol="0">
+            <a:spAutoFit/>
+          </a:bodyPr>
+          <a:lstStyle/>
+          <a:p>
+            <a:r>
+              <a:rPr lang="en-GB" sz="2800" dirty="0"/>
+              <a:t>User</a:t>
+            </a:r>
+            <a:endParaRPr lang="en-US" sz="2800" dirty="0"/>
+          </a:p>
+        </p:txBody>
+      </p:sp>
+      <p:sp>
+        <p:nvSpPr>
+          <p:cNvPr id="11" name="TextBox 10">
+            <a:extLst>
+              <a:ext uri="{FF2B5EF4-FFF2-40B4-BE49-F238E27FC236}">
+                <a16:creationId xmlns:a16="http://schemas.microsoft.com/office/drawing/2014/main" id="{DCFC626D-159C-7090-15A7-52B023144CC1}"/>
+              </a:ext>
+            </a:extLst>
+          </p:cNvPr>
+          <p:cNvSpPr txBox="1"/>
+          <p:nvPr/>
+        </p:nvSpPr>
+        <p:spPr>
+          <a:xfrm>
+            <a:off x="9045527" y="6128689"/>
+            <a:ext cx="1900520" cy="523220"/>
+          </a:xfrm>
+          <a:prstGeom prst="rect">
+            <a:avLst/>
+          </a:prstGeom>
+          <a:noFill/>
+        </p:spPr>
+        <p:txBody>
+          <a:bodyPr wrap="none" rtlCol="0">
+            <a:spAutoFit/>
+          </a:bodyPr>
+          <a:lstStyle/>
+          <a:p>
+            <a:r>
+              <a:rPr lang="en-GB" sz="2800" dirty="0"/>
+              <a:t>Investigator</a:t>
+            </a:r>
+            <a:endParaRPr lang="en-US" sz="2800" dirty="0"/>
+          </a:p>
+        </p:txBody>
+      </p:sp>
+      <p:sp>
+        <p:nvSpPr>
+          <p:cNvPr id="12" name="TextBox 11">
+            <a:extLst>
+              <a:ext uri="{FF2B5EF4-FFF2-40B4-BE49-F238E27FC236}">
+                <a16:creationId xmlns:a16="http://schemas.microsoft.com/office/drawing/2014/main" id="{10661398-AADF-2FC7-051B-48856A2CE16D}"/>
+              </a:ext>
+            </a:extLst>
+          </p:cNvPr>
+          <p:cNvSpPr txBox="1"/>
+          <p:nvPr/>
+        </p:nvSpPr>
+        <p:spPr>
+          <a:xfrm>
+            <a:off x="744191" y="4661228"/>
+            <a:ext cx="8748100" cy="523220"/>
+          </a:xfrm>
+          <a:prstGeom prst="rect">
+            <a:avLst/>
+          </a:prstGeom>
+          <a:noFill/>
+        </p:spPr>
+        <p:txBody>
+          <a:bodyPr wrap="none" rtlCol="0">
+            <a:spAutoFit/>
+          </a:bodyPr>
+          <a:lstStyle/>
+          <a:p>
+            <a:r>
+              <a:rPr lang="en-GB" sz="2800" dirty="0">
+                <a:solidFill>
+                  <a:schemeClr val="tx2"/>
+                </a:solidFill>
+              </a:rPr>
+              <a:t>Users and investigators interact with the Windows registry </a:t>
+            </a:r>
+            <a:endParaRPr lang="en-US" sz="2800" dirty="0">
+              <a:solidFill>
+                <a:schemeClr val="tx2"/>
+              </a:solidFill>
+            </a:endParaRPr>
+          </a:p>
+        </p:txBody>
+      </p:sp>
+    </p:spTree>
+    <p:extLst>
+      <p:ext uri="{BB962C8B-B14F-4D97-AF65-F5344CB8AC3E}">
+        <p14:creationId xmlns:p14="http://schemas.microsoft.com/office/powerpoint/2010/main" val="2198616665"/>
+      </p:ext>
+    </p:extLst>
+  </p:cSld>
+  <p:clrMapOvr>
+    <a:masterClrMapping/>
+  </p:clrMapOvr>
+</p:sld>
+</file>
+
+<file path=ppt/slides/slide25.xml><?xml version="1.0" encoding="utf-8"?>
 <p:sld xmlns:a="http://schemas.openxmlformats.org/drawingml/2006/main" xmlns:r="http://schemas.openxmlformats.org/officeDocument/2006/relationships" xmlns:p="http://schemas.openxmlformats.org/presentationml/2006/main">
   <p:cSld>
     <p:spTree>
@@ -20269,7 +21106,7 @@
 </p:sld>
 </file>
 
-<file path=ppt/slides/slide25.xml><?xml version="1.0" encoding="utf-8"?>
+<file path=ppt/slides/slide26.xml><?xml version="1.0" encoding="utf-8"?>
 <p:sld xmlns:a="http://schemas.openxmlformats.org/drawingml/2006/main" xmlns:r="http://schemas.openxmlformats.org/officeDocument/2006/relationships" xmlns:p="http://schemas.openxmlformats.org/presentationml/2006/main">
   <p:cSld>
     <p:spTree>
@@ -20494,7 +21331,7 @@
 </p:sld>
 </file>
 
-<file path=ppt/slides/slide26.xml><?xml version="1.0" encoding="utf-8"?>
+<file path=ppt/slides/slide27.xml><?xml version="1.0" encoding="utf-8"?>
 <p:sld xmlns:a="http://schemas.openxmlformats.org/drawingml/2006/main" xmlns:r="http://schemas.openxmlformats.org/officeDocument/2006/relationships" xmlns:p="http://schemas.openxmlformats.org/presentationml/2006/main">
   <p:cSld>
     <p:spTree>
@@ -20896,7 +21733,7 @@
 </p:sld>
 </file>
 
-<file path=ppt/slides/slide27.xml><?xml version="1.0" encoding="utf-8"?>
+<file path=ppt/slides/slide28.xml><?xml version="1.0" encoding="utf-8"?>
 <p:sld xmlns:a="http://schemas.openxmlformats.org/drawingml/2006/main" xmlns:r="http://schemas.openxmlformats.org/officeDocument/2006/relationships" xmlns:p="http://schemas.openxmlformats.org/presentationml/2006/main">
   <p:cSld>
     <p:spTree>
@@ -21244,7 +22081,7 @@
 </p:sld>
 </file>
 
-<file path=ppt/slides/slide28.xml><?xml version="1.0" encoding="utf-8"?>
+<file path=ppt/slides/slide29.xml><?xml version="1.0" encoding="utf-8"?>
 <p:sld xmlns:a="http://schemas.openxmlformats.org/drawingml/2006/main" xmlns:r="http://schemas.openxmlformats.org/officeDocument/2006/relationships" xmlns:p="http://schemas.openxmlformats.org/presentationml/2006/main">
   <p:cSld>
     <p:spTree>
@@ -21395,7 +22232,115 @@
 </p:sld>
 </file>
 
-<file path=ppt/slides/slide29.xml><?xml version="1.0" encoding="utf-8"?>
+<file path=ppt/slides/slide3.xml><?xml version="1.0" encoding="utf-8"?>
+<p:sld xmlns:a="http://schemas.openxmlformats.org/drawingml/2006/main" xmlns:r="http://schemas.openxmlformats.org/officeDocument/2006/relationships" xmlns:p="http://schemas.openxmlformats.org/presentationml/2006/main">
+  <p:cSld>
+    <p:spTree>
+      <p:nvGrpSpPr>
+        <p:cNvPr id="1" name=""/>
+        <p:cNvGrpSpPr/>
+        <p:nvPr/>
+      </p:nvGrpSpPr>
+      <p:grpSpPr>
+        <a:xfrm>
+          <a:off x="0" y="0"/>
+          <a:ext cx="0" cy="0"/>
+          <a:chOff x="0" y="0"/>
+          <a:chExt cx="0" cy="0"/>
+        </a:xfrm>
+      </p:grpSpPr>
+      <p:sp>
+        <p:nvSpPr>
+          <p:cNvPr id="2" name="Title 1">
+            <a:extLst>
+              <a:ext uri="{FF2B5EF4-FFF2-40B4-BE49-F238E27FC236}">
+                <a16:creationId xmlns:a16="http://schemas.microsoft.com/office/drawing/2014/main" id="{59B13DD5-05D9-6B21-C2D3-8E247D84E449}"/>
+              </a:ext>
+            </a:extLst>
+          </p:cNvPr>
+          <p:cNvSpPr>
+            <a:spLocks noGrp="1"/>
+          </p:cNvSpPr>
+          <p:nvPr>
+            <p:ph type="title"/>
+          </p:nvPr>
+        </p:nvSpPr>
+        <p:spPr/>
+        <p:txBody>
+          <a:bodyPr/>
+          <a:lstStyle/>
+          <a:p>
+            <a:r>
+              <a:rPr lang="en-US" dirty="0"/>
+              <a:t>Purpose</a:t>
+            </a:r>
+          </a:p>
+        </p:txBody>
+      </p:sp>
+      <p:sp>
+        <p:nvSpPr>
+          <p:cNvPr id="3" name="Content Placeholder 2">
+            <a:extLst>
+              <a:ext uri="{FF2B5EF4-FFF2-40B4-BE49-F238E27FC236}">
+                <a16:creationId xmlns:a16="http://schemas.microsoft.com/office/drawing/2014/main" id="{3D58BFED-EB4A-7A91-7014-89CF6B418A6B}"/>
+              </a:ext>
+            </a:extLst>
+          </p:cNvPr>
+          <p:cNvSpPr>
+            <a:spLocks noGrp="1"/>
+          </p:cNvSpPr>
+          <p:nvPr>
+            <p:ph idx="1"/>
+          </p:nvPr>
+        </p:nvSpPr>
+        <p:spPr>
+          <a:xfrm>
+            <a:off x="838200" y="1825625"/>
+            <a:ext cx="10515600" cy="2223861"/>
+          </a:xfrm>
+        </p:spPr>
+        <p:txBody>
+          <a:bodyPr/>
+          <a:lstStyle/>
+          <a:p>
+            <a:r>
+              <a:rPr lang="en-GB" dirty="0"/>
+              <a:t>The purpose of this work is to learn various types of data leakage, and practice its investigation techniques.</a:t>
+            </a:r>
+          </a:p>
+          <a:p>
+            <a:r>
+              <a:rPr lang="en-GB" dirty="0"/>
+              <a:t>Case is designed by NIST</a:t>
+            </a:r>
+          </a:p>
+          <a:p>
+            <a:pPr lvl="1"/>
+            <a:r>
+              <a:rPr lang="en-US" dirty="0"/>
+              <a:t>https://cfreds-archive.nist.gov/data_leakage_case/data-leakage-case.html</a:t>
+            </a:r>
+          </a:p>
+          <a:p>
+            <a:pPr lvl="1"/>
+            <a:endParaRPr lang="en-US" dirty="0"/>
+          </a:p>
+        </p:txBody>
+      </p:sp>
+    </p:spTree>
+    <p:extLst>
+      <p:ext uri="{BB962C8B-B14F-4D97-AF65-F5344CB8AC3E}">
+        <p14:creationId xmlns:p14="http://schemas.microsoft.com/office/powerpoint/2010/main" val="2479908153"/>
+      </p:ext>
+    </p:extLst>
+  </p:cSld>
+  <p:clrMapOvr>
+    <a:masterClrMapping/>
+  </p:clrMapOvr>
+</p:sld>
+</file>
+
+<file path=ppt/slides/slide30.xml><?xml version="1.0" encoding="utf-8"?>
 <p:sld xmlns:a="http://schemas.openxmlformats.org/drawingml/2006/main" xmlns:r="http://schemas.openxmlformats.org/officeDocument/2006/relationships" xmlns:p="http://schemas.openxmlformats.org/presentationml/2006/main">
   <p:cSld>
     <p:spTree>
@@ -22333,115 +23278,7 @@
 </p:sld>
 </file>
 
-<file path=ppt/slides/slide3.xml><?xml version="1.0" encoding="utf-8"?>
-<p:sld xmlns:a="http://schemas.openxmlformats.org/drawingml/2006/main" xmlns:r="http://schemas.openxmlformats.org/officeDocument/2006/relationships" xmlns:p="http://schemas.openxmlformats.org/presentationml/2006/main">
-  <p:cSld>
-    <p:spTree>
-      <p:nvGrpSpPr>
-        <p:cNvPr id="1" name=""/>
-        <p:cNvGrpSpPr/>
-        <p:nvPr/>
-      </p:nvGrpSpPr>
-      <p:grpSpPr>
-        <a:xfrm>
-          <a:off x="0" y="0"/>
-          <a:ext cx="0" cy="0"/>
-          <a:chOff x="0" y="0"/>
-          <a:chExt cx="0" cy="0"/>
-        </a:xfrm>
-      </p:grpSpPr>
-      <p:sp>
-        <p:nvSpPr>
-          <p:cNvPr id="2" name="Title 1">
-            <a:extLst>
-              <a:ext uri="{FF2B5EF4-FFF2-40B4-BE49-F238E27FC236}">
-                <a16:creationId xmlns:a16="http://schemas.microsoft.com/office/drawing/2014/main" id="{59B13DD5-05D9-6B21-C2D3-8E247D84E449}"/>
-              </a:ext>
-            </a:extLst>
-          </p:cNvPr>
-          <p:cNvSpPr>
-            <a:spLocks noGrp="1"/>
-          </p:cNvSpPr>
-          <p:nvPr>
-            <p:ph type="title"/>
-          </p:nvPr>
-        </p:nvSpPr>
-        <p:spPr/>
-        <p:txBody>
-          <a:bodyPr/>
-          <a:lstStyle/>
-          <a:p>
-            <a:r>
-              <a:rPr lang="en-US" dirty="0"/>
-              <a:t>Purpose</a:t>
-            </a:r>
-          </a:p>
-        </p:txBody>
-      </p:sp>
-      <p:sp>
-        <p:nvSpPr>
-          <p:cNvPr id="3" name="Content Placeholder 2">
-            <a:extLst>
-              <a:ext uri="{FF2B5EF4-FFF2-40B4-BE49-F238E27FC236}">
-                <a16:creationId xmlns:a16="http://schemas.microsoft.com/office/drawing/2014/main" id="{3D58BFED-EB4A-7A91-7014-89CF6B418A6B}"/>
-              </a:ext>
-            </a:extLst>
-          </p:cNvPr>
-          <p:cNvSpPr>
-            <a:spLocks noGrp="1"/>
-          </p:cNvSpPr>
-          <p:nvPr>
-            <p:ph idx="1"/>
-          </p:nvPr>
-        </p:nvSpPr>
-        <p:spPr>
-          <a:xfrm>
-            <a:off x="838200" y="1825625"/>
-            <a:ext cx="10515600" cy="2223861"/>
-          </a:xfrm>
-        </p:spPr>
-        <p:txBody>
-          <a:bodyPr/>
-          <a:lstStyle/>
-          <a:p>
-            <a:r>
-              <a:rPr lang="en-GB" dirty="0"/>
-              <a:t>The purpose of this work is to learn various types of data leakage, and practice its investigation techniques.</a:t>
-            </a:r>
-          </a:p>
-          <a:p>
-            <a:r>
-              <a:rPr lang="en-GB" dirty="0"/>
-              <a:t>Case is designed by NIST</a:t>
-            </a:r>
-          </a:p>
-          <a:p>
-            <a:pPr lvl="1"/>
-            <a:r>
-              <a:rPr lang="en-US" dirty="0"/>
-              <a:t>https://cfreds-archive.nist.gov/data_leakage_case/data-leakage-case.html</a:t>
-            </a:r>
-          </a:p>
-          <a:p>
-            <a:pPr lvl="1"/>
-            <a:endParaRPr lang="en-US" dirty="0"/>
-          </a:p>
-        </p:txBody>
-      </p:sp>
-    </p:spTree>
-    <p:extLst>
-      <p:ext uri="{BB962C8B-B14F-4D97-AF65-F5344CB8AC3E}">
-        <p14:creationId xmlns:p14="http://schemas.microsoft.com/office/powerpoint/2010/main" val="2479908153"/>
-      </p:ext>
-    </p:extLst>
-  </p:cSld>
-  <p:clrMapOvr>
-    <a:masterClrMapping/>
-  </p:clrMapOvr>
-</p:sld>
-</file>
-
-<file path=ppt/slides/slide30.xml><?xml version="1.0" encoding="utf-8"?>
+<file path=ppt/slides/slide31.xml><?xml version="1.0" encoding="utf-8"?>
 <p:sld xmlns:a="http://schemas.openxmlformats.org/drawingml/2006/main" xmlns:r="http://schemas.openxmlformats.org/officeDocument/2006/relationships" xmlns:p="http://schemas.openxmlformats.org/presentationml/2006/main">
   <p:cSld>
     <p:spTree>
@@ -23200,7 +24037,7 @@
 </p:sld>
 </file>
 
-<file path=ppt/slides/slide31.xml><?xml version="1.0" encoding="utf-8"?>
+<file path=ppt/slides/slide32.xml><?xml version="1.0" encoding="utf-8"?>
 <p:sld xmlns:a="http://schemas.openxmlformats.org/drawingml/2006/main" xmlns:r="http://schemas.openxmlformats.org/officeDocument/2006/relationships" xmlns:p="http://schemas.openxmlformats.org/presentationml/2006/main">
   <p:cSld>
     <p:spTree>
@@ -23732,7 +24569,7 @@
 </p:sld>
 </file>
 
-<file path=ppt/slides/slide32.xml><?xml version="1.0" encoding="utf-8"?>
+<file path=ppt/slides/slide33.xml><?xml version="1.0" encoding="utf-8"?>
 <p:sld xmlns:a="http://schemas.openxmlformats.org/drawingml/2006/main" xmlns:r="http://schemas.openxmlformats.org/officeDocument/2006/relationships" xmlns:p="http://schemas.openxmlformats.org/presentationml/2006/main">
   <p:cSld>
     <p:spTree>
@@ -23829,7 +24666,7 @@
 </p:sld>
 </file>
 
-<file path=ppt/slides/slide33.xml><?xml version="1.0" encoding="utf-8"?>
+<file path=ppt/slides/slide34.xml><?xml version="1.0" encoding="utf-8"?>
 <p:sld xmlns:a="http://schemas.openxmlformats.org/drawingml/2006/main" xmlns:r="http://schemas.openxmlformats.org/officeDocument/2006/relationships" xmlns:p="http://schemas.openxmlformats.org/presentationml/2006/main">
   <p:cSld>
     <p:spTree>
@@ -23942,7 +24779,7 @@
 </p:sld>
 </file>
 
-<file path=ppt/slides/slide34.xml><?xml version="1.0" encoding="utf-8"?>
+<file path=ppt/slides/slide35.xml><?xml version="1.0" encoding="utf-8"?>
 <p:sld xmlns:a="http://schemas.openxmlformats.org/drawingml/2006/main" xmlns:r="http://schemas.openxmlformats.org/officeDocument/2006/relationships" xmlns:p="http://schemas.openxmlformats.org/presentationml/2006/main">
   <p:cSld>
     <p:spTree>
@@ -24196,7 +25033,7 @@
 </p:sld>
 </file>
 
-<file path=ppt/slides/slide35.xml><?xml version="1.0" encoding="utf-8"?>
+<file path=ppt/slides/slide36.xml><?xml version="1.0" encoding="utf-8"?>
 <p:sld xmlns:a="http://schemas.openxmlformats.org/drawingml/2006/main" xmlns:r="http://schemas.openxmlformats.org/officeDocument/2006/relationships" xmlns:p="http://schemas.openxmlformats.org/presentationml/2006/main">
   <p:cSld>
     <p:spTree>
@@ -24446,7 +25283,7 @@
 </p:sld>
 </file>
 
-<file path=ppt/slides/slide36.xml><?xml version="1.0" encoding="utf-8"?>
+<file path=ppt/slides/slide37.xml><?xml version="1.0" encoding="utf-8"?>
 <p:sld xmlns:a="http://schemas.openxmlformats.org/drawingml/2006/main" xmlns:r="http://schemas.openxmlformats.org/officeDocument/2006/relationships" xmlns:p="http://schemas.openxmlformats.org/presentationml/2006/main">
   <p:cSld>
     <p:spTree>
@@ -24586,7 +25423,7 @@
 </p:sld>
 </file>
 
-<file path=ppt/slides/slide37.xml><?xml version="1.0" encoding="utf-8"?>
+<file path=ppt/slides/slide38.xml><?xml version="1.0" encoding="utf-8"?>
 <p:sld xmlns:a="http://schemas.openxmlformats.org/drawingml/2006/main" xmlns:r="http://schemas.openxmlformats.org/officeDocument/2006/relationships" xmlns:p="http://schemas.openxmlformats.org/presentationml/2006/main">
   <p:cSld>
     <p:spTree>
@@ -24781,7 +25618,7 @@
 </p:sld>
 </file>
 
-<file path=ppt/slides/slide38.xml><?xml version="1.0" encoding="utf-8"?>
+<file path=ppt/slides/slide39.xml><?xml version="1.0" encoding="utf-8"?>
 <p:sld xmlns:a="http://schemas.openxmlformats.org/drawingml/2006/main" xmlns:r="http://schemas.openxmlformats.org/officeDocument/2006/relationships" xmlns:p="http://schemas.openxmlformats.org/presentationml/2006/main">
   <p:cSld>
     <p:spTree>
@@ -24858,169 +25695,6 @@
     <p:extLst>
       <p:ext uri="{BB962C8B-B14F-4D97-AF65-F5344CB8AC3E}">
         <p14:creationId xmlns:p14="http://schemas.microsoft.com/office/powerpoint/2010/main" val="2439817900"/>
-      </p:ext>
-    </p:extLst>
-  </p:cSld>
-  <p:clrMapOvr>
-    <a:masterClrMapping/>
-  </p:clrMapOvr>
-</p:sld>
-</file>
-
-<file path=ppt/slides/slide39.xml><?xml version="1.0" encoding="utf-8"?>
-<p:sld xmlns:a="http://schemas.openxmlformats.org/drawingml/2006/main" xmlns:r="http://schemas.openxmlformats.org/officeDocument/2006/relationships" xmlns:p="http://schemas.openxmlformats.org/presentationml/2006/main">
-  <p:cSld>
-    <p:spTree>
-      <p:nvGrpSpPr>
-        <p:cNvPr id="1" name=""/>
-        <p:cNvGrpSpPr/>
-        <p:nvPr/>
-      </p:nvGrpSpPr>
-      <p:grpSpPr>
-        <a:xfrm>
-          <a:off x="0" y="0"/>
-          <a:ext cx="0" cy="0"/>
-          <a:chOff x="0" y="0"/>
-          <a:chExt cx="0" cy="0"/>
-        </a:xfrm>
-      </p:grpSpPr>
-      <p:sp>
-        <p:nvSpPr>
-          <p:cNvPr id="5" name="Title 4"/>
-          <p:cNvSpPr>
-            <a:spLocks noGrp="1"/>
-          </p:cNvSpPr>
-          <p:nvPr>
-            <p:ph type="title"/>
-          </p:nvPr>
-        </p:nvSpPr>
-        <p:spPr/>
-        <p:txBody>
-          <a:bodyPr/>
-          <a:lstStyle/>
-          <a:p>
-            <a:r>
-              <a:rPr lang="en-US" dirty="0" err="1"/>
-              <a:t>Prefetch</a:t>
-            </a:r>
-            <a:r>
-              <a:rPr lang="en-US" dirty="0"/>
-              <a:t> introduction</a:t>
-            </a:r>
-          </a:p>
-        </p:txBody>
-      </p:sp>
-      <p:sp>
-        <p:nvSpPr>
-          <p:cNvPr id="6" name="Content Placeholder 5"/>
-          <p:cNvSpPr>
-            <a:spLocks noGrp="1"/>
-          </p:cNvSpPr>
-          <p:nvPr>
-            <p:ph idx="1"/>
-          </p:nvPr>
-        </p:nvSpPr>
-        <p:spPr/>
-        <p:txBody>
-          <a:bodyPr/>
-          <a:lstStyle/>
-          <a:p>
-            <a:r>
-              <a:rPr lang="en-US" dirty="0"/>
-              <a:t>What is </a:t>
-            </a:r>
-            <a:r>
-              <a:rPr lang="en-US" i="1" dirty="0">
-                <a:solidFill>
-                  <a:srgbClr val="007DB5"/>
-                </a:solidFill>
-              </a:rPr>
-              <a:t>Cache</a:t>
-            </a:r>
-            <a:r>
-              <a:rPr lang="en-US" dirty="0"/>
-              <a:t>?</a:t>
-            </a:r>
-          </a:p>
-          <a:p>
-            <a:pPr lvl="1"/>
-            <a:r>
-              <a:rPr lang="en-US" dirty="0"/>
-              <a:t>Is type memory that stores data to improve performance</a:t>
-            </a:r>
-          </a:p>
-          <a:p>
-            <a:r>
-              <a:rPr lang="en-US" dirty="0"/>
-              <a:t>What is </a:t>
-            </a:r>
-            <a:r>
-              <a:rPr lang="en-US" i="1" dirty="0">
-                <a:solidFill>
-                  <a:srgbClr val="007DB5"/>
-                </a:solidFill>
-              </a:rPr>
-              <a:t>Prefetching</a:t>
-            </a:r>
-            <a:r>
-              <a:rPr lang="en-US" dirty="0"/>
-              <a:t>?</a:t>
-            </a:r>
-          </a:p>
-          <a:p>
-            <a:pPr lvl="1"/>
-            <a:r>
-              <a:rPr lang="en-US" dirty="0"/>
-              <a:t>The loading of a resource (instructions, data) to cache before it is required</a:t>
-            </a:r>
-          </a:p>
-          <a:p>
-            <a:r>
-              <a:rPr lang="en-US" dirty="0"/>
-              <a:t>Which resource are chosen for prefetching?</a:t>
-            </a:r>
-          </a:p>
-          <a:p>
-            <a:pPr lvl="1"/>
-            <a:r>
-              <a:rPr lang="en-US" dirty="0"/>
-              <a:t>Chosen based on the user’s daily behavior</a:t>
-            </a:r>
-          </a:p>
-          <a:p>
-            <a:pPr lvl="1"/>
-            <a:r>
-              <a:rPr lang="en-US" dirty="0"/>
-              <a:t>E.g., the most used resource</a:t>
-            </a:r>
-          </a:p>
-          <a:p>
-            <a:r>
-              <a:rPr lang="en-US" i="1" dirty="0" err="1">
-                <a:solidFill>
-                  <a:srgbClr val="007DB5"/>
-                </a:solidFill>
-              </a:rPr>
-              <a:t>Prefetch</a:t>
-            </a:r>
-            <a:r>
-              <a:rPr lang="en-US" dirty="0"/>
-              <a:t> log can be used for forensic analysis</a:t>
-            </a:r>
-          </a:p>
-          <a:p>
-            <a:pPr lvl="1"/>
-            <a:r>
-              <a:rPr lang="en-US" dirty="0"/>
-              <a:t>E.g., monitoring program execution</a:t>
-            </a:r>
-          </a:p>
-        </p:txBody>
-      </p:sp>
-    </p:spTree>
-    <p:extLst>
-      <p:ext uri="{BB962C8B-B14F-4D97-AF65-F5344CB8AC3E}">
-        <p14:creationId xmlns:p14="http://schemas.microsoft.com/office/powerpoint/2010/main" val="2301653325"/>
       </p:ext>
     </p:extLst>
   </p:cSld>
@@ -25213,6 +25887,169 @@
 </file>
 
 <file path=ppt/slides/slide40.xml><?xml version="1.0" encoding="utf-8"?>
+<p:sld xmlns:a="http://schemas.openxmlformats.org/drawingml/2006/main" xmlns:r="http://schemas.openxmlformats.org/officeDocument/2006/relationships" xmlns:p="http://schemas.openxmlformats.org/presentationml/2006/main">
+  <p:cSld>
+    <p:spTree>
+      <p:nvGrpSpPr>
+        <p:cNvPr id="1" name=""/>
+        <p:cNvGrpSpPr/>
+        <p:nvPr/>
+      </p:nvGrpSpPr>
+      <p:grpSpPr>
+        <a:xfrm>
+          <a:off x="0" y="0"/>
+          <a:ext cx="0" cy="0"/>
+          <a:chOff x="0" y="0"/>
+          <a:chExt cx="0" cy="0"/>
+        </a:xfrm>
+      </p:grpSpPr>
+      <p:sp>
+        <p:nvSpPr>
+          <p:cNvPr id="5" name="Title 4"/>
+          <p:cNvSpPr>
+            <a:spLocks noGrp="1"/>
+          </p:cNvSpPr>
+          <p:nvPr>
+            <p:ph type="title"/>
+          </p:nvPr>
+        </p:nvSpPr>
+        <p:spPr/>
+        <p:txBody>
+          <a:bodyPr/>
+          <a:lstStyle/>
+          <a:p>
+            <a:r>
+              <a:rPr lang="en-US" dirty="0" err="1"/>
+              <a:t>Prefetch</a:t>
+            </a:r>
+            <a:r>
+              <a:rPr lang="en-US" dirty="0"/>
+              <a:t> introduction</a:t>
+            </a:r>
+          </a:p>
+        </p:txBody>
+      </p:sp>
+      <p:sp>
+        <p:nvSpPr>
+          <p:cNvPr id="6" name="Content Placeholder 5"/>
+          <p:cNvSpPr>
+            <a:spLocks noGrp="1"/>
+          </p:cNvSpPr>
+          <p:nvPr>
+            <p:ph idx="1"/>
+          </p:nvPr>
+        </p:nvSpPr>
+        <p:spPr/>
+        <p:txBody>
+          <a:bodyPr/>
+          <a:lstStyle/>
+          <a:p>
+            <a:r>
+              <a:rPr lang="en-US" dirty="0"/>
+              <a:t>What is </a:t>
+            </a:r>
+            <a:r>
+              <a:rPr lang="en-US" i="1" dirty="0">
+                <a:solidFill>
+                  <a:srgbClr val="007DB5"/>
+                </a:solidFill>
+              </a:rPr>
+              <a:t>Cache</a:t>
+            </a:r>
+            <a:r>
+              <a:rPr lang="en-US" dirty="0"/>
+              <a:t>?</a:t>
+            </a:r>
+          </a:p>
+          <a:p>
+            <a:pPr lvl="1"/>
+            <a:r>
+              <a:rPr lang="en-US" dirty="0"/>
+              <a:t>Is type memory that stores data to improve performance</a:t>
+            </a:r>
+          </a:p>
+          <a:p>
+            <a:r>
+              <a:rPr lang="en-US" dirty="0"/>
+              <a:t>What is </a:t>
+            </a:r>
+            <a:r>
+              <a:rPr lang="en-US" i="1" dirty="0">
+                <a:solidFill>
+                  <a:srgbClr val="007DB5"/>
+                </a:solidFill>
+              </a:rPr>
+              <a:t>Prefetching</a:t>
+            </a:r>
+            <a:r>
+              <a:rPr lang="en-US" dirty="0"/>
+              <a:t>?</a:t>
+            </a:r>
+          </a:p>
+          <a:p>
+            <a:pPr lvl="1"/>
+            <a:r>
+              <a:rPr lang="en-US" dirty="0"/>
+              <a:t>The loading of a resource (instructions, data) to cache before it is required</a:t>
+            </a:r>
+          </a:p>
+          <a:p>
+            <a:r>
+              <a:rPr lang="en-US" dirty="0"/>
+              <a:t>Which resource are chosen for prefetching?</a:t>
+            </a:r>
+          </a:p>
+          <a:p>
+            <a:pPr lvl="1"/>
+            <a:r>
+              <a:rPr lang="en-US" dirty="0"/>
+              <a:t>Chosen based on the user’s daily behavior</a:t>
+            </a:r>
+          </a:p>
+          <a:p>
+            <a:pPr lvl="1"/>
+            <a:r>
+              <a:rPr lang="en-US" dirty="0"/>
+              <a:t>E.g., the most used resource</a:t>
+            </a:r>
+          </a:p>
+          <a:p>
+            <a:r>
+              <a:rPr lang="en-US" i="1" dirty="0" err="1">
+                <a:solidFill>
+                  <a:srgbClr val="007DB5"/>
+                </a:solidFill>
+              </a:rPr>
+              <a:t>Prefetch</a:t>
+            </a:r>
+            <a:r>
+              <a:rPr lang="en-US" dirty="0"/>
+              <a:t> log can be used for forensic analysis</a:t>
+            </a:r>
+          </a:p>
+          <a:p>
+            <a:pPr lvl="1"/>
+            <a:r>
+              <a:rPr lang="en-US" dirty="0"/>
+              <a:t>E.g., monitoring program execution</a:t>
+            </a:r>
+          </a:p>
+        </p:txBody>
+      </p:sp>
+    </p:spTree>
+    <p:extLst>
+      <p:ext uri="{BB962C8B-B14F-4D97-AF65-F5344CB8AC3E}">
+        <p14:creationId xmlns:p14="http://schemas.microsoft.com/office/powerpoint/2010/main" val="2301653325"/>
+      </p:ext>
+    </p:extLst>
+  </p:cSld>
+  <p:clrMapOvr>
+    <a:masterClrMapping/>
+  </p:clrMapOvr>
+</p:sld>
+</file>
+
+<file path=ppt/slides/slide41.xml><?xml version="1.0" encoding="utf-8"?>
 <p:sld xmlns:a="http://schemas.openxmlformats.org/drawingml/2006/main" xmlns:r="http://schemas.openxmlformats.org/officeDocument/2006/relationships" xmlns:p="http://schemas.openxmlformats.org/presentationml/2006/main">
   <p:cSld>
     <p:spTree>
@@ -25548,7 +26385,7 @@
 </p:sld>
 </file>
 
-<file path=ppt/slides/slide41.xml><?xml version="1.0" encoding="utf-8"?>
+<file path=ppt/slides/slide42.xml><?xml version="1.0" encoding="utf-8"?>
 <p:sld xmlns:a="http://schemas.openxmlformats.org/drawingml/2006/main" xmlns:r="http://schemas.openxmlformats.org/officeDocument/2006/relationships" xmlns:p="http://schemas.openxmlformats.org/presentationml/2006/main">
   <p:cSld>
     <p:spTree>
@@ -25744,7 +26581,7 @@
 </p:sld>
 </file>
 
-<file path=ppt/slides/slide42.xml><?xml version="1.0" encoding="utf-8"?>
+<file path=ppt/slides/slide43.xml><?xml version="1.0" encoding="utf-8"?>
 <p:sld xmlns:a="http://schemas.openxmlformats.org/drawingml/2006/main" xmlns:r="http://schemas.openxmlformats.org/officeDocument/2006/relationships" xmlns:p="http://schemas.openxmlformats.org/presentationml/2006/main">
   <p:cSld>
     <p:spTree>
@@ -25832,81 +26669,6 @@
     <p:extLst>
       <p:ext uri="{BB962C8B-B14F-4D97-AF65-F5344CB8AC3E}">
         <p14:creationId xmlns:p14="http://schemas.microsoft.com/office/powerpoint/2010/main" val="3972099897"/>
-      </p:ext>
-    </p:extLst>
-  </p:cSld>
-  <p:clrMapOvr>
-    <a:masterClrMapping/>
-  </p:clrMapOvr>
-</p:sld>
-</file>
-
-<file path=ppt/slides/slide43.xml><?xml version="1.0" encoding="utf-8"?>
-<p:sld xmlns:a="http://schemas.openxmlformats.org/drawingml/2006/main" xmlns:r="http://schemas.openxmlformats.org/officeDocument/2006/relationships" xmlns:p="http://schemas.openxmlformats.org/presentationml/2006/main">
-  <p:cSld>
-    <p:spTree>
-      <p:nvGrpSpPr>
-        <p:cNvPr id="1" name=""/>
-        <p:cNvGrpSpPr/>
-        <p:nvPr/>
-      </p:nvGrpSpPr>
-      <p:grpSpPr>
-        <a:xfrm>
-          <a:off x="0" y="0"/>
-          <a:ext cx="0" cy="0"/>
-          <a:chOff x="0" y="0"/>
-          <a:chExt cx="0" cy="0"/>
-        </a:xfrm>
-      </p:grpSpPr>
-      <p:sp>
-        <p:nvSpPr>
-          <p:cNvPr id="2" name="Title 1"/>
-          <p:cNvSpPr>
-            <a:spLocks noGrp="1"/>
-          </p:cNvSpPr>
-          <p:nvPr>
-            <p:ph type="title"/>
-          </p:nvPr>
-        </p:nvSpPr>
-        <p:spPr/>
-        <p:txBody>
-          <a:bodyPr/>
-          <a:lstStyle/>
-          <a:p>
-            <a:pPr marL="1143000" indent="-1143000">
-              <a:buFont typeface="+mj-lt"/>
-              <a:buAutoNum type="arabicPeriod" startAt="6"/>
-            </a:pPr>
-            <a:r>
-              <a:rPr lang="en-US" dirty="0"/>
-              <a:t>Extract security event log files from the DD Image</a:t>
-            </a:r>
-          </a:p>
-        </p:txBody>
-      </p:sp>
-      <p:sp>
-        <p:nvSpPr>
-          <p:cNvPr id="3" name="Text Placeholder 2"/>
-          <p:cNvSpPr>
-            <a:spLocks noGrp="1"/>
-          </p:cNvSpPr>
-          <p:nvPr>
-            <p:ph type="body" idx="1"/>
-          </p:nvPr>
-        </p:nvSpPr>
-        <p:spPr/>
-        <p:txBody>
-          <a:bodyPr/>
-          <a:lstStyle/>
-          <a:p>
-            <a:endParaRPr lang="en-US"/>
-          </a:p>
-        </p:txBody>
-      </p:sp>
-    </p:spTree>
-    <p:extLst>
-      <p:ext uri="{BB962C8B-B14F-4D97-AF65-F5344CB8AC3E}">
-        <p14:creationId xmlns:p14="http://schemas.microsoft.com/office/powerpoint/2010/main" val="1818747297"/>
       </p:ext>
     </p:extLst>
   </p:cSld>
@@ -25948,6 +26710,81 @@
           <a:bodyPr/>
           <a:lstStyle/>
           <a:p>
+            <a:pPr marL="1143000" indent="-1143000">
+              <a:buFont typeface="+mj-lt"/>
+              <a:buAutoNum type="arabicPeriod" startAt="6"/>
+            </a:pPr>
+            <a:r>
+              <a:rPr lang="en-US" dirty="0"/>
+              <a:t>Extract security event log files from the DD Image</a:t>
+            </a:r>
+          </a:p>
+        </p:txBody>
+      </p:sp>
+      <p:sp>
+        <p:nvSpPr>
+          <p:cNvPr id="3" name="Text Placeholder 2"/>
+          <p:cNvSpPr>
+            <a:spLocks noGrp="1"/>
+          </p:cNvSpPr>
+          <p:nvPr>
+            <p:ph type="body" idx="1"/>
+          </p:nvPr>
+        </p:nvSpPr>
+        <p:spPr/>
+        <p:txBody>
+          <a:bodyPr/>
+          <a:lstStyle/>
+          <a:p>
+            <a:endParaRPr lang="en-US"/>
+          </a:p>
+        </p:txBody>
+      </p:sp>
+    </p:spTree>
+    <p:extLst>
+      <p:ext uri="{BB962C8B-B14F-4D97-AF65-F5344CB8AC3E}">
+        <p14:creationId xmlns:p14="http://schemas.microsoft.com/office/powerpoint/2010/main" val="1818747297"/>
+      </p:ext>
+    </p:extLst>
+  </p:cSld>
+  <p:clrMapOvr>
+    <a:masterClrMapping/>
+  </p:clrMapOvr>
+</p:sld>
+</file>
+
+<file path=ppt/slides/slide45.xml><?xml version="1.0" encoding="utf-8"?>
+<p:sld xmlns:a="http://schemas.openxmlformats.org/drawingml/2006/main" xmlns:r="http://schemas.openxmlformats.org/officeDocument/2006/relationships" xmlns:p="http://schemas.openxmlformats.org/presentationml/2006/main">
+  <p:cSld>
+    <p:spTree>
+      <p:nvGrpSpPr>
+        <p:cNvPr id="1" name=""/>
+        <p:cNvGrpSpPr/>
+        <p:nvPr/>
+      </p:nvGrpSpPr>
+      <p:grpSpPr>
+        <a:xfrm>
+          <a:off x="0" y="0"/>
+          <a:ext cx="0" cy="0"/>
+          <a:chOff x="0" y="0"/>
+          <a:chExt cx="0" cy="0"/>
+        </a:xfrm>
+      </p:grpSpPr>
+      <p:sp>
+        <p:nvSpPr>
+          <p:cNvPr id="2" name="Title 1"/>
+          <p:cNvSpPr>
+            <a:spLocks noGrp="1"/>
+          </p:cNvSpPr>
+          <p:nvPr>
+            <p:ph type="title"/>
+          </p:nvPr>
+        </p:nvSpPr>
+        <p:spPr/>
+        <p:txBody>
+          <a:bodyPr/>
+          <a:lstStyle/>
+          <a:p>
             <a:r>
               <a:rPr lang="en-US" dirty="0"/>
               <a:t>Event log files overview</a:t>
@@ -26063,7 +26900,7 @@
 </p:sld>
 </file>
 
-<file path=ppt/slides/slide45.xml><?xml version="1.0" encoding="utf-8"?>
+<file path=ppt/slides/slide46.xml><?xml version="1.0" encoding="utf-8"?>
 <p:sld xmlns:a="http://schemas.openxmlformats.org/drawingml/2006/main" xmlns:r="http://schemas.openxmlformats.org/officeDocument/2006/relationships" xmlns:p="http://schemas.openxmlformats.org/presentationml/2006/main">
   <p:cSld>
     <p:spTree>
@@ -26261,7 +27098,7 @@
 </p:sld>
 </file>
 
-<file path=ppt/slides/slide46.xml><?xml version="1.0" encoding="utf-8"?>
+<file path=ppt/slides/slide47.xml><?xml version="1.0" encoding="utf-8"?>
 <p:sld xmlns:a="http://schemas.openxmlformats.org/drawingml/2006/main" xmlns:r="http://schemas.openxmlformats.org/officeDocument/2006/relationships" xmlns:p="http://schemas.openxmlformats.org/presentationml/2006/main">
   <p:cSld>
     <p:spTree>
@@ -26370,7 +27207,7 @@
 </p:sld>
 </file>
 
-<file path=ppt/slides/slide47.xml><?xml version="1.0" encoding="utf-8"?>
+<file path=ppt/slides/slide48.xml><?xml version="1.0" encoding="utf-8"?>
 <p:sld xmlns:a="http://schemas.openxmlformats.org/drawingml/2006/main" xmlns:r="http://schemas.openxmlformats.org/officeDocument/2006/relationships" xmlns:p="http://schemas.openxmlformats.org/presentationml/2006/main">
   <p:cSld>
     <p:spTree>
@@ -26466,7 +27303,7 @@
 </p:sld>
 </file>
 
-<file path=ppt/slides/slide48.xml><?xml version="1.0" encoding="utf-8"?>
+<file path=ppt/slides/slide49.xml><?xml version="1.0" encoding="utf-8"?>
 <p:sld xmlns:a="http://schemas.openxmlformats.org/drawingml/2006/main" xmlns:r="http://schemas.openxmlformats.org/officeDocument/2006/relationships" xmlns:p="http://schemas.openxmlformats.org/presentationml/2006/main">
   <p:cSld>
     <p:spTree>
@@ -26550,7 +27387,147 @@
 </p:sld>
 </file>
 
-<file path=ppt/slides/slide49.xml><?xml version="1.0" encoding="utf-8"?>
+<file path=ppt/slides/slide5.xml><?xml version="1.0" encoding="utf-8"?>
+<p:sld xmlns:a="http://schemas.openxmlformats.org/drawingml/2006/main" xmlns:r="http://schemas.openxmlformats.org/officeDocument/2006/relationships" xmlns:p="http://schemas.openxmlformats.org/presentationml/2006/main">
+  <p:cSld>
+    <p:spTree>
+      <p:nvGrpSpPr>
+        <p:cNvPr id="1" name=""/>
+        <p:cNvGrpSpPr/>
+        <p:nvPr/>
+      </p:nvGrpSpPr>
+      <p:grpSpPr>
+        <a:xfrm>
+          <a:off x="0" y="0"/>
+          <a:ext cx="0" cy="0"/>
+          <a:chOff x="0" y="0"/>
+          <a:chExt cx="0" cy="0"/>
+        </a:xfrm>
+      </p:grpSpPr>
+      <p:sp>
+        <p:nvSpPr>
+          <p:cNvPr id="2" name="Title 1">
+            <a:extLst>
+              <a:ext uri="{FF2B5EF4-FFF2-40B4-BE49-F238E27FC236}">
+                <a16:creationId xmlns:a16="http://schemas.microsoft.com/office/drawing/2014/main" id="{EEA94E0F-FE67-41DF-B80B-27DFEFA1EFE7}"/>
+              </a:ext>
+            </a:extLst>
+          </p:cNvPr>
+          <p:cNvSpPr>
+            <a:spLocks noGrp="1"/>
+          </p:cNvSpPr>
+          <p:nvPr>
+            <p:ph type="title"/>
+          </p:nvPr>
+        </p:nvSpPr>
+        <p:spPr/>
+        <p:txBody>
+          <a:bodyPr/>
+          <a:lstStyle/>
+          <a:p>
+            <a:r>
+              <a:rPr lang="en-US" dirty="0"/>
+              <a:t>Scenario Overview (2) – data leakage </a:t>
+            </a:r>
+          </a:p>
+        </p:txBody>
+      </p:sp>
+      <p:sp>
+        <p:nvSpPr>
+          <p:cNvPr id="3" name="Content Placeholder 2">
+            <a:extLst>
+              <a:ext uri="{FF2B5EF4-FFF2-40B4-BE49-F238E27FC236}">
+                <a16:creationId xmlns:a16="http://schemas.microsoft.com/office/drawing/2014/main" id="{11EA6529-63AD-FB1E-46A9-E79C7C956E9A}"/>
+              </a:ext>
+            </a:extLst>
+          </p:cNvPr>
+          <p:cNvSpPr>
+            <a:spLocks noGrp="1"/>
+          </p:cNvSpPr>
+          <p:nvPr>
+            <p:ph idx="1"/>
+          </p:nvPr>
+        </p:nvSpPr>
+        <p:spPr/>
+        <p:txBody>
+          <a:bodyPr>
+            <a:normAutofit fontScale="92500" lnSpcReduction="20000"/>
+          </a:bodyPr>
+          <a:lstStyle/>
+          <a:p>
+            <a:r>
+              <a:rPr lang="en-GB" dirty="0"/>
+              <a:t>One day, Mr. Informant received an offer from ‘</a:t>
+            </a:r>
+            <a:r>
+              <a:rPr lang="en-GB" dirty="0">
+                <a:highlight>
+                  <a:srgbClr val="FFFF00"/>
+                </a:highlight>
+              </a:rPr>
+              <a:t>Spy Conspirator’ </a:t>
+            </a:r>
+            <a:r>
+              <a:rPr lang="en-GB" dirty="0"/>
+              <a:t>to leak sensitive information related to the newest technology.</a:t>
+            </a:r>
+          </a:p>
+          <a:p>
+            <a:pPr lvl="1"/>
+            <a:r>
+              <a:rPr lang="en-GB" dirty="0"/>
+              <a:t>Mr. Conspirator was an employee of a rival company, and Mr. Informant decided to accept the offer for large amounts of money, and began establishing a detailed leakage plan.</a:t>
+            </a:r>
+          </a:p>
+          <a:p>
+            <a:r>
+              <a:rPr lang="en-GB" dirty="0">
+                <a:highlight>
+                  <a:srgbClr val="FFFF00"/>
+                </a:highlight>
+              </a:rPr>
+              <a:t>Mr. Informant </a:t>
+            </a:r>
+            <a:r>
+              <a:rPr lang="en-GB" dirty="0"/>
+              <a:t>made a deliberate effort to hide the leakage plan. </a:t>
+            </a:r>
+          </a:p>
+          <a:p>
+            <a:pPr lvl="1"/>
+            <a:r>
+              <a:rPr lang="en-GB" dirty="0"/>
+              <a:t>He discussed it with ‘Mr. Conspirator’ using an e-mail service like a business relationship. He also sent samples of confidential information through personal cloud storage.</a:t>
+            </a:r>
+          </a:p>
+          <a:p>
+            <a:r>
+              <a:rPr lang="en-GB" dirty="0"/>
+              <a:t>After receiving the sample data, Mr. Conspirator asked for the direct delivery of storage devices that stored the remaining (large amounts of) data. </a:t>
+            </a:r>
+          </a:p>
+          <a:p>
+            <a:r>
+              <a:rPr lang="en-GB" dirty="0"/>
+              <a:t>Eventually, Mr. Informant tried to take his storage devices away</a:t>
+            </a:r>
+          </a:p>
+        </p:txBody>
+      </p:sp>
+    </p:spTree>
+    <p:extLst>
+      <p:ext uri="{BB962C8B-B14F-4D97-AF65-F5344CB8AC3E}">
+        <p14:creationId xmlns:p14="http://schemas.microsoft.com/office/powerpoint/2010/main" val="861973718"/>
+      </p:ext>
+    </p:extLst>
+  </p:cSld>
+  <p:clrMapOvr>
+    <a:masterClrMapping/>
+  </p:clrMapOvr>
+</p:sld>
+</file>
+
+<file path=ppt/slides/slide50.xml><?xml version="1.0" encoding="utf-8"?>
 <p:sld xmlns:a="http://schemas.openxmlformats.org/drawingml/2006/main" xmlns:r="http://schemas.openxmlformats.org/officeDocument/2006/relationships" xmlns:p="http://schemas.openxmlformats.org/presentationml/2006/main">
   <p:cSld>
     <p:spTree>
@@ -26647,147 +27624,7 @@
 </p:sld>
 </file>
 
-<file path=ppt/slides/slide5.xml><?xml version="1.0" encoding="utf-8"?>
-<p:sld xmlns:a="http://schemas.openxmlformats.org/drawingml/2006/main" xmlns:r="http://schemas.openxmlformats.org/officeDocument/2006/relationships" xmlns:p="http://schemas.openxmlformats.org/presentationml/2006/main">
-  <p:cSld>
-    <p:spTree>
-      <p:nvGrpSpPr>
-        <p:cNvPr id="1" name=""/>
-        <p:cNvGrpSpPr/>
-        <p:nvPr/>
-      </p:nvGrpSpPr>
-      <p:grpSpPr>
-        <a:xfrm>
-          <a:off x="0" y="0"/>
-          <a:ext cx="0" cy="0"/>
-          <a:chOff x="0" y="0"/>
-          <a:chExt cx="0" cy="0"/>
-        </a:xfrm>
-      </p:grpSpPr>
-      <p:sp>
-        <p:nvSpPr>
-          <p:cNvPr id="2" name="Title 1">
-            <a:extLst>
-              <a:ext uri="{FF2B5EF4-FFF2-40B4-BE49-F238E27FC236}">
-                <a16:creationId xmlns:a16="http://schemas.microsoft.com/office/drawing/2014/main" id="{EEA94E0F-FE67-41DF-B80B-27DFEFA1EFE7}"/>
-              </a:ext>
-            </a:extLst>
-          </p:cNvPr>
-          <p:cNvSpPr>
-            <a:spLocks noGrp="1"/>
-          </p:cNvSpPr>
-          <p:nvPr>
-            <p:ph type="title"/>
-          </p:nvPr>
-        </p:nvSpPr>
-        <p:spPr/>
-        <p:txBody>
-          <a:bodyPr/>
-          <a:lstStyle/>
-          <a:p>
-            <a:r>
-              <a:rPr lang="en-US" dirty="0"/>
-              <a:t>Scenario Overview (2) – data leakage </a:t>
-            </a:r>
-          </a:p>
-        </p:txBody>
-      </p:sp>
-      <p:sp>
-        <p:nvSpPr>
-          <p:cNvPr id="3" name="Content Placeholder 2">
-            <a:extLst>
-              <a:ext uri="{FF2B5EF4-FFF2-40B4-BE49-F238E27FC236}">
-                <a16:creationId xmlns:a16="http://schemas.microsoft.com/office/drawing/2014/main" id="{11EA6529-63AD-FB1E-46A9-E79C7C956E9A}"/>
-              </a:ext>
-            </a:extLst>
-          </p:cNvPr>
-          <p:cNvSpPr>
-            <a:spLocks noGrp="1"/>
-          </p:cNvSpPr>
-          <p:nvPr>
-            <p:ph idx="1"/>
-          </p:nvPr>
-        </p:nvSpPr>
-        <p:spPr/>
-        <p:txBody>
-          <a:bodyPr>
-            <a:normAutofit fontScale="92500" lnSpcReduction="20000"/>
-          </a:bodyPr>
-          <a:lstStyle/>
-          <a:p>
-            <a:r>
-              <a:rPr lang="en-GB" dirty="0"/>
-              <a:t>One day, Mr. Informant received an offer from ‘</a:t>
-            </a:r>
-            <a:r>
-              <a:rPr lang="en-GB" dirty="0">
-                <a:highlight>
-                  <a:srgbClr val="FFFF00"/>
-                </a:highlight>
-              </a:rPr>
-              <a:t>Spy Conspirator’ </a:t>
-            </a:r>
-            <a:r>
-              <a:rPr lang="en-GB" dirty="0"/>
-              <a:t>to leak sensitive information related to the newest technology.</a:t>
-            </a:r>
-          </a:p>
-          <a:p>
-            <a:pPr lvl="1"/>
-            <a:r>
-              <a:rPr lang="en-GB" dirty="0"/>
-              <a:t>Mr. Conspirator was an employee of a rival company, and Mr. Informant decided to accept the offer for large amounts of money, and began establishing a detailed leakage plan.</a:t>
-            </a:r>
-          </a:p>
-          <a:p>
-            <a:r>
-              <a:rPr lang="en-GB" dirty="0">
-                <a:highlight>
-                  <a:srgbClr val="FFFF00"/>
-                </a:highlight>
-              </a:rPr>
-              <a:t>Mr. Informant </a:t>
-            </a:r>
-            <a:r>
-              <a:rPr lang="en-GB" dirty="0"/>
-              <a:t>made a deliberate effort to hide the leakage plan. </a:t>
-            </a:r>
-          </a:p>
-          <a:p>
-            <a:pPr lvl="1"/>
-            <a:r>
-              <a:rPr lang="en-GB" dirty="0"/>
-              <a:t>He discussed it with ‘Mr. Conspirator’ using an e-mail service like a business relationship. He also sent samples of confidential information through personal cloud storage.</a:t>
-            </a:r>
-          </a:p>
-          <a:p>
-            <a:r>
-              <a:rPr lang="en-GB" dirty="0"/>
-              <a:t>After receiving the sample data, Mr. Conspirator asked for the direct delivery of storage devices that stored the remaining (large amounts of) data. </a:t>
-            </a:r>
-          </a:p>
-          <a:p>
-            <a:r>
-              <a:rPr lang="en-GB" dirty="0"/>
-              <a:t>Eventually, Mr. Informant tried to take his storage devices away</a:t>
-            </a:r>
-          </a:p>
-        </p:txBody>
-      </p:sp>
-    </p:spTree>
-    <p:extLst>
-      <p:ext uri="{BB962C8B-B14F-4D97-AF65-F5344CB8AC3E}">
-        <p14:creationId xmlns:p14="http://schemas.microsoft.com/office/powerpoint/2010/main" val="861973718"/>
-      </p:ext>
-    </p:extLst>
-  </p:cSld>
-  <p:clrMapOvr>
-    <a:masterClrMapping/>
-  </p:clrMapOvr>
-</p:sld>
-</file>
-
-<file path=ppt/slides/slide50.xml><?xml version="1.0" encoding="utf-8"?>
+<file path=ppt/slides/slide51.xml><?xml version="1.0" encoding="utf-8"?>
 <p:sld xmlns:a="http://schemas.openxmlformats.org/drawingml/2006/main" xmlns:r="http://schemas.openxmlformats.org/officeDocument/2006/relationships" xmlns:p="http://schemas.openxmlformats.org/presentationml/2006/main">
   <p:cSld>
     <p:spTree>
@@ -26894,7 +27731,7 @@
 </p:sld>
 </file>
 
-<file path=ppt/slides/slide51.xml><?xml version="1.0" encoding="utf-8"?>
+<file path=ppt/slides/slide52.xml><?xml version="1.0" encoding="utf-8"?>
 <p:sld xmlns:a="http://schemas.openxmlformats.org/drawingml/2006/main" xmlns:r="http://schemas.openxmlformats.org/officeDocument/2006/relationships" xmlns:p="http://schemas.openxmlformats.org/presentationml/2006/main">
   <p:cSld>
     <p:spTree>
@@ -27045,7 +27882,7 @@
 </p:sld>
 </file>
 
-<file path=ppt/slides/slide52.xml><?xml version="1.0" encoding="utf-8"?>
+<file path=ppt/slides/slide53.xml><?xml version="1.0" encoding="utf-8"?>
 <p:sld xmlns:a="http://schemas.openxmlformats.org/drawingml/2006/main" xmlns:r="http://schemas.openxmlformats.org/officeDocument/2006/relationships" xmlns:p="http://schemas.openxmlformats.org/presentationml/2006/main">
   <p:cSld>
     <p:spTree>
@@ -27349,7 +28186,7 @@
 </p:sld>
 </file>
 
-<file path=ppt/slides/slide53.xml><?xml version="1.0" encoding="utf-8"?>
+<file path=ppt/slides/slide54.xml><?xml version="1.0" encoding="utf-8"?>
 <p:sld xmlns:a="http://schemas.openxmlformats.org/drawingml/2006/main" xmlns:r="http://schemas.openxmlformats.org/officeDocument/2006/relationships" xmlns:p="http://schemas.openxmlformats.org/presentationml/2006/main">
   <p:cSld>
     <p:spTree>
@@ -27519,7 +28356,7 @@
 </p:sld>
 </file>
 
-<file path=ppt/slides/slide54.xml><?xml version="1.0" encoding="utf-8"?>
+<file path=ppt/slides/slide55.xml><?xml version="1.0" encoding="utf-8"?>
 <p:sld xmlns:a="http://schemas.openxmlformats.org/drawingml/2006/main" xmlns:r="http://schemas.openxmlformats.org/officeDocument/2006/relationships" xmlns:p="http://schemas.openxmlformats.org/presentationml/2006/main">
   <p:cSld>
     <p:spTree>
@@ -27754,7 +28591,7 @@
 </p:sld>
 </file>
 
-<file path=ppt/slides/slide55.xml><?xml version="1.0" encoding="utf-8"?>
+<file path=ppt/slides/slide56.xml><?xml version="1.0" encoding="utf-8"?>
 <p:sld xmlns:a="http://schemas.openxmlformats.org/drawingml/2006/main" xmlns:r="http://schemas.openxmlformats.org/officeDocument/2006/relationships" xmlns:p="http://schemas.openxmlformats.org/presentationml/2006/main">
   <p:cSld>
     <p:spTree>
@@ -27859,7 +28696,7 @@
 </p:sld>
 </file>
 
-<file path=ppt/slides/slide56.xml><?xml version="1.0" encoding="utf-8"?>
+<file path=ppt/slides/slide57.xml><?xml version="1.0" encoding="utf-8"?>
 <p:sld xmlns:a="http://schemas.openxmlformats.org/drawingml/2006/main" xmlns:r="http://schemas.openxmlformats.org/officeDocument/2006/relationships" xmlns:p="http://schemas.openxmlformats.org/presentationml/2006/main">
   <p:cSld>
     <p:spTree>
@@ -28005,7 +28842,7 @@
 </p:sld>
 </file>
 
-<file path=ppt/slides/slide57.xml><?xml version="1.0" encoding="utf-8"?>
+<file path=ppt/slides/slide58.xml><?xml version="1.0" encoding="utf-8"?>
 <p:sld xmlns:a="http://schemas.openxmlformats.org/drawingml/2006/main" xmlns:r="http://schemas.openxmlformats.org/officeDocument/2006/relationships" xmlns:p="http://schemas.openxmlformats.org/presentationml/2006/main">
   <p:cSld>
     <p:spTree>
@@ -28133,7 +28970,7 @@
 </p:sld>
 </file>
 
-<file path=ppt/slides/slide58.xml><?xml version="1.0" encoding="utf-8"?>
+<file path=ppt/slides/slide59.xml><?xml version="1.0" encoding="utf-8"?>
 <p:sld xmlns:a="http://schemas.openxmlformats.org/drawingml/2006/main" xmlns:r="http://schemas.openxmlformats.org/officeDocument/2006/relationships" xmlns:p="http://schemas.openxmlformats.org/presentationml/2006/main">
   <p:cSld>
     <p:spTree>
@@ -28505,14 +29342,14 @@
           <p:nvPr>
             <p:extLst>
               <p:ext uri="{D42A27DB-BD31-4B8C-83A1-F6EECF244321}">
-                <p14:modId xmlns:p14="http://schemas.microsoft.com/office/powerpoint/2010/main" val="3563892476"/>
+                <p14:modId xmlns:p14="http://schemas.microsoft.com/office/powerpoint/2010/main" val="2963613554"/>
               </p:ext>
             </p:extLst>
           </p:nvPr>
         </p:nvGraphicFramePr>
         <p:xfrm>
           <a:off x="838200" y="1495434"/>
-          <a:ext cx="10160445" cy="4527040"/>
+          <a:ext cx="10160445" cy="4588000"/>
         </p:xfrm>
         <a:graphic>
           <a:graphicData uri="http://schemas.openxmlformats.org/drawingml/2006/table">
@@ -28683,23 +29520,23 @@
                     <a:p>
                       <a:pPr algn="l" fontAlgn="ctr"/>
                       <a:r>
-                        <a:rPr lang="en-GB" sz="1200" b="0" dirty="0">
+                        <a:rPr lang="en-GB" sz="1400" b="0" dirty="0">
                           <a:effectLst/>
                         </a:rPr>
                         <a:t>Understanding</a:t>
                       </a:r>
                       <a:br>
-                        <a:rPr lang="en-GB" sz="1200" b="0" dirty="0">
+                        <a:rPr lang="en-GB" sz="1400" b="0" dirty="0">
                           <a:effectLst/>
                         </a:rPr>
                       </a:br>
                       <a:r>
-                        <a:rPr lang="en-GB" sz="1200" b="0" dirty="0">
+                        <a:rPr lang="en-GB" sz="1400" b="0" dirty="0">
                           <a:effectLst/>
                         </a:rPr>
                         <a:t>Types of Data Leakage</a:t>
                       </a:r>
-                      <a:endParaRPr lang="en-GB" sz="1200" b="0" dirty="0">
+                      <a:endParaRPr lang="en-GB" sz="1400" b="0" dirty="0">
                         <a:effectLst/>
                         <a:latin typeface="inherit"/>
                       </a:endParaRPr>
@@ -28830,12 +29667,12 @@
                     <a:p>
                       <a:pPr algn="l" fontAlgn="ctr"/>
                       <a:r>
-                        <a:rPr lang="en-US" sz="1200" b="0" dirty="0">
+                        <a:rPr lang="en-US" sz="1400" b="0" dirty="0">
                           <a:effectLst/>
                         </a:rPr>
                         <a:t>E-mail Forensics</a:t>
                       </a:r>
-                      <a:endParaRPr lang="en-US" sz="1200" b="0" dirty="0">
+                      <a:endParaRPr lang="en-US" sz="1400" b="0" dirty="0">
                         <a:effectLst/>
                         <a:latin typeface="inherit"/>
                       </a:endParaRPr>
@@ -28895,12 +29732,12 @@
                     <a:p>
                       <a:pPr algn="l" fontAlgn="ctr"/>
                       <a:r>
-                        <a:rPr lang="en-US" sz="1200" b="0" dirty="0">
+                        <a:rPr lang="en-US" sz="1400" b="0" dirty="0">
                           <a:effectLst/>
                         </a:rPr>
                         <a:t>Windows Forensics</a:t>
                       </a:r>
-                      <a:endParaRPr lang="en-US" sz="1200" b="0" dirty="0">
+                      <a:endParaRPr lang="en-US" sz="1400" b="0" dirty="0">
                         <a:effectLst/>
                         <a:latin typeface="inherit"/>
                       </a:endParaRPr>
@@ -29030,12 +29867,12 @@
                     <a:p>
                       <a:pPr algn="l" fontAlgn="ctr"/>
                       <a:r>
-                        <a:rPr lang="en-US" sz="1200" b="0" dirty="0">
+                        <a:rPr lang="en-US" sz="1400" b="0" dirty="0">
                           <a:effectLst/>
                         </a:rPr>
                         <a:t>Database Forensics</a:t>
                       </a:r>
-                      <a:endParaRPr lang="en-US" sz="1200" b="0" dirty="0">
+                      <a:endParaRPr lang="en-US" sz="1400" b="0" dirty="0">
                         <a:effectLst/>
                         <a:latin typeface="inherit"/>
                       </a:endParaRPr>
@@ -29095,12 +29932,12 @@
                     <a:p>
                       <a:pPr algn="l" fontAlgn="ctr"/>
                       <a:r>
-                        <a:rPr lang="en-US" sz="1200" b="0" dirty="0">
+                        <a:rPr lang="en-US" sz="1400" b="0" dirty="0">
                           <a:effectLst/>
                         </a:rPr>
                         <a:t>File System Forensics</a:t>
                       </a:r>
-                      <a:endParaRPr lang="en-US" sz="1200" b="0" dirty="0">
+                      <a:endParaRPr lang="en-US" sz="1400" b="0" dirty="0">
                         <a:effectLst/>
                         <a:latin typeface="inherit"/>
                       </a:endParaRPr>
@@ -29175,12 +30012,12 @@
                     <a:p>
                       <a:pPr algn="l" fontAlgn="ctr"/>
                       <a:r>
-                        <a:rPr lang="en-US" sz="1200" b="0" dirty="0">
+                        <a:rPr lang="en-US" sz="1400" b="0" dirty="0">
                           <a:effectLst/>
                         </a:rPr>
                         <a:t>Deleted Data Recovery</a:t>
                       </a:r>
-                      <a:endParaRPr lang="en-US" sz="1200" b="0" dirty="0">
+                      <a:endParaRPr lang="en-US" sz="1400" b="0" dirty="0">
                         <a:effectLst/>
                         <a:latin typeface="inherit"/>
                       </a:endParaRPr>
@@ -29262,12 +30099,12 @@
                     <a:p>
                       <a:pPr algn="l" fontAlgn="ctr"/>
                       <a:r>
-                        <a:rPr lang="en-US" sz="1200" b="0" dirty="0">
+                        <a:rPr lang="en-US" sz="1400" b="0" dirty="0">
                           <a:effectLst/>
                         </a:rPr>
                         <a:t>Web Browser Forensics</a:t>
                       </a:r>
-                      <a:endParaRPr lang="en-US" sz="1200" b="0" dirty="0">
+                      <a:endParaRPr lang="en-US" sz="1400" b="0" dirty="0">
                         <a:effectLst/>
                         <a:latin typeface="inherit"/>
                       </a:endParaRPr>
@@ -29320,12 +30157,12 @@
                     <a:p>
                       <a:pPr algn="l" fontAlgn="ctr"/>
                       <a:r>
-                        <a:rPr lang="en-US" sz="1200" b="0" dirty="0">
+                        <a:rPr lang="en-US" sz="1400" b="0" dirty="0">
                           <a:effectLst/>
                         </a:rPr>
                         <a:t>User Behavior Analysis</a:t>
                       </a:r>
-                      <a:endParaRPr lang="en-US" sz="1200" b="0" dirty="0">
+                      <a:endParaRPr lang="en-US" sz="1400" b="0" dirty="0">
                         <a:effectLst/>
                         <a:latin typeface="inherit"/>
                       </a:endParaRPr>
